--- a/slides/T320_Redes_Neurais_Artificiais (Parte III).pptx
+++ b/slides/T320_Redes_Neurais_Artificiais (Parte III).pptx
@@ -267,7 +267,7 @@
           <a:p>
             <a:fld id="{C3C82C08-3EFC-4473-8294-F0E229C19EFF}" type="datetimeFigureOut">
               <a:rPr lang="pt-BR" smtClean="0"/>
-              <a:t>05/10/2021</a:t>
+              <a:t>12/11/2021</a:t>
             </a:fld>
             <a:endParaRPr lang="pt-BR"/>
           </a:p>
@@ -3882,7 +3882,7 @@
           <a:p>
             <a:fld id="{221D0464-8C8A-49C0-859F-777E51766A35}" type="datetimeFigureOut">
               <a:rPr lang="pt-BR" smtClean="0"/>
-              <a:t>05/10/2021</a:t>
+              <a:t>12/11/2021</a:t>
             </a:fld>
             <a:endParaRPr lang="pt-BR"/>
           </a:p>
@@ -4052,7 +4052,7 @@
           <a:p>
             <a:fld id="{221D0464-8C8A-49C0-859F-777E51766A35}" type="datetimeFigureOut">
               <a:rPr lang="pt-BR" smtClean="0"/>
-              <a:t>05/10/2021</a:t>
+              <a:t>12/11/2021</a:t>
             </a:fld>
             <a:endParaRPr lang="pt-BR"/>
           </a:p>
@@ -4232,7 +4232,7 @@
           <a:p>
             <a:fld id="{221D0464-8C8A-49C0-859F-777E51766A35}" type="datetimeFigureOut">
               <a:rPr lang="pt-BR" smtClean="0"/>
-              <a:t>05/10/2021</a:t>
+              <a:t>12/11/2021</a:t>
             </a:fld>
             <a:endParaRPr lang="pt-BR"/>
           </a:p>
@@ -4402,7 +4402,7 @@
           <a:p>
             <a:fld id="{221D0464-8C8A-49C0-859F-777E51766A35}" type="datetimeFigureOut">
               <a:rPr lang="pt-BR" smtClean="0"/>
-              <a:t>05/10/2021</a:t>
+              <a:t>12/11/2021</a:t>
             </a:fld>
             <a:endParaRPr lang="pt-BR"/>
           </a:p>
@@ -4648,7 +4648,7 @@
           <a:p>
             <a:fld id="{221D0464-8C8A-49C0-859F-777E51766A35}" type="datetimeFigureOut">
               <a:rPr lang="pt-BR" smtClean="0"/>
-              <a:t>05/10/2021</a:t>
+              <a:t>12/11/2021</a:t>
             </a:fld>
             <a:endParaRPr lang="pt-BR"/>
           </a:p>
@@ -4880,7 +4880,7 @@
           <a:p>
             <a:fld id="{221D0464-8C8A-49C0-859F-777E51766A35}" type="datetimeFigureOut">
               <a:rPr lang="pt-BR" smtClean="0"/>
-              <a:t>05/10/2021</a:t>
+              <a:t>12/11/2021</a:t>
             </a:fld>
             <a:endParaRPr lang="pt-BR"/>
           </a:p>
@@ -5247,7 +5247,7 @@
           <a:p>
             <a:fld id="{221D0464-8C8A-49C0-859F-777E51766A35}" type="datetimeFigureOut">
               <a:rPr lang="pt-BR" smtClean="0"/>
-              <a:t>05/10/2021</a:t>
+              <a:t>12/11/2021</a:t>
             </a:fld>
             <a:endParaRPr lang="pt-BR"/>
           </a:p>
@@ -5365,7 +5365,7 @@
           <a:p>
             <a:fld id="{221D0464-8C8A-49C0-859F-777E51766A35}" type="datetimeFigureOut">
               <a:rPr lang="pt-BR" smtClean="0"/>
-              <a:t>05/10/2021</a:t>
+              <a:t>12/11/2021</a:t>
             </a:fld>
             <a:endParaRPr lang="pt-BR"/>
           </a:p>
@@ -5460,7 +5460,7 @@
           <a:p>
             <a:fld id="{221D0464-8C8A-49C0-859F-777E51766A35}" type="datetimeFigureOut">
               <a:rPr lang="pt-BR" smtClean="0"/>
-              <a:t>05/10/2021</a:t>
+              <a:t>12/11/2021</a:t>
             </a:fld>
             <a:endParaRPr lang="pt-BR"/>
           </a:p>
@@ -5737,7 +5737,7 @@
           <a:p>
             <a:fld id="{221D0464-8C8A-49C0-859F-777E51766A35}" type="datetimeFigureOut">
               <a:rPr lang="pt-BR" smtClean="0"/>
-              <a:t>05/10/2021</a:t>
+              <a:t>12/11/2021</a:t>
             </a:fld>
             <a:endParaRPr lang="pt-BR"/>
           </a:p>
@@ -5990,7 +5990,7 @@
           <a:p>
             <a:fld id="{221D0464-8C8A-49C0-859F-777E51766A35}" type="datetimeFigureOut">
               <a:rPr lang="pt-BR" smtClean="0"/>
-              <a:t>05/10/2021</a:t>
+              <a:t>12/11/2021</a:t>
             </a:fld>
             <a:endParaRPr lang="pt-BR"/>
           </a:p>
@@ -6203,7 +6203,7 @@
           <a:p>
             <a:fld id="{221D0464-8C8A-49C0-859F-777E51766A35}" type="datetimeFigureOut">
               <a:rPr lang="pt-BR" smtClean="0"/>
-              <a:t>05/10/2021</a:t>
+              <a:t>12/11/2021</a:t>
             </a:fld>
             <a:endParaRPr lang="pt-BR"/>
           </a:p>
@@ -6613,7 +6613,7 @@
           <p:cNvPr id="2" name="Título 1">
             <a:extLst>
               <a:ext uri="{FF2B5EF4-FFF2-40B4-BE49-F238E27FC236}">
-                <a16:creationId xmlns="" xmlns:a16="http://schemas.microsoft.com/office/drawing/2014/main" id="{32666AC8-2E17-4DB4-B0F5-60C640CCFD2E}"/>
+                <a16:creationId xmlns:a16="http://schemas.microsoft.com/office/drawing/2014/main" xmlns="" id="{32666AC8-2E17-4DB4-B0F5-60C640CCFD2E}"/>
               </a:ext>
             </a:extLst>
           </p:cNvPr>
@@ -6664,7 +6664,7 @@
           <p:cNvPr id="4" name="CaixaDeTexto 3">
             <a:extLst>
               <a:ext uri="{FF2B5EF4-FFF2-40B4-BE49-F238E27FC236}">
-                <a16:creationId xmlns="" xmlns:a16="http://schemas.microsoft.com/office/drawing/2014/main" id="{430EB894-B7D4-434C-9D1A-A14094D9BEEC}"/>
+                <a16:creationId xmlns:a16="http://schemas.microsoft.com/office/drawing/2014/main" xmlns="" id="{430EB894-B7D4-434C-9D1A-A14094D9BEEC}"/>
               </a:ext>
             </a:extLst>
           </p:cNvPr>
@@ -6705,7 +6705,7 @@
           <p:cNvPr id="1026" name="Picture 2" descr="Logo">
             <a:extLst>
               <a:ext uri="{FF2B5EF4-FFF2-40B4-BE49-F238E27FC236}">
-                <a16:creationId xmlns="" xmlns:a16="http://schemas.microsoft.com/office/drawing/2014/main" id="{3F2642E0-4F6A-4196-8F58-E77D36E9A33F}"/>
+                <a16:creationId xmlns:a16="http://schemas.microsoft.com/office/drawing/2014/main" xmlns="" id="{3F2642E0-4F6A-4196-8F58-E77D36E9A33F}"/>
               </a:ext>
             </a:extLst>
           </p:cNvPr>
@@ -6750,7 +6750,7 @@
           <p:cNvPr id="5122" name="Picture 2" descr="Image result for machine learning">
             <a:extLst>
               <a:ext uri="{FF2B5EF4-FFF2-40B4-BE49-F238E27FC236}">
-                <a16:creationId xmlns="" xmlns:a16="http://schemas.microsoft.com/office/drawing/2014/main" id="{810CE0A2-4102-44A6-A370-175E7896CDCB}"/>
+                <a16:creationId xmlns:a16="http://schemas.microsoft.com/office/drawing/2014/main" xmlns="" id="{810CE0A2-4102-44A6-A370-175E7896CDCB}"/>
               </a:ext>
             </a:extLst>
           </p:cNvPr>
@@ -12356,8 +12356,8 @@
           </a:p>
         </p:txBody>
       </p:sp>
-      <mc:AlternateContent xmlns:mc="http://schemas.openxmlformats.org/markup-compatibility/2006" xmlns:a14="http://schemas.microsoft.com/office/drawing/2010/main">
-        <mc:Choice Requires="a14">
+      <mc:AlternateContent xmlns:mc="http://schemas.openxmlformats.org/markup-compatibility/2006">
+        <mc:Choice xmlns:a14="http://schemas.microsoft.com/office/drawing/2010/main" Requires="a14">
           <p:sp>
             <p:nvSpPr>
               <p:cNvPr id="3" name="Content Placeholder 2"/>
@@ -13622,14 +13622,18 @@
                 </a:r>
                 <a:r>
                   <a:rPr lang="pt-BR" dirty="0" smtClean="0"/>
-                  <a:t>entrada de daquele nó). </a:t>
+                  <a:t>entrada </a:t>
+                </a:r>
+                <a:r>
+                  <a:rPr lang="pt-BR" dirty="0" smtClean="0"/>
+                  <a:t>daquele nó). </a:t>
                 </a:r>
                 <a:endParaRPr lang="pt-BR" dirty="0"/>
               </a:p>
             </p:txBody>
           </p:sp>
         </mc:Choice>
-        <mc:Fallback xmlns="">
+        <mc:Fallback>
           <p:sp>
             <p:nvSpPr>
               <p:cNvPr id="3" name="Content Placeholder 2"/>
@@ -22732,7 +22736,7 @@
           <p:cNvPr id="4" name="Título 1">
             <a:extLst>
               <a:ext uri="{FF2B5EF4-FFF2-40B4-BE49-F238E27FC236}">
-                <a16:creationId xmlns="" xmlns:a16="http://schemas.microsoft.com/office/drawing/2014/main" id="{32666AC8-2E17-4DB4-B0F5-60C640CCFD2E}"/>
+                <a16:creationId xmlns:a16="http://schemas.microsoft.com/office/drawing/2014/main" xmlns="" id="{32666AC8-2E17-4DB4-B0F5-60C640CCFD2E}"/>
               </a:ext>
             </a:extLst>
           </p:cNvPr>
@@ -23446,7 +23450,7 @@
           <p:cNvPr id="4" name="Título 1">
             <a:extLst>
               <a:ext uri="{FF2B5EF4-FFF2-40B4-BE49-F238E27FC236}">
-                <a16:creationId xmlns="" xmlns:a16="http://schemas.microsoft.com/office/drawing/2014/main" id="{32666AC8-2E17-4DB4-B0F5-60C640CCFD2E}"/>
+                <a16:creationId xmlns:a16="http://schemas.microsoft.com/office/drawing/2014/main" xmlns="" id="{32666AC8-2E17-4DB4-B0F5-60C640CCFD2E}"/>
               </a:ext>
             </a:extLst>
           </p:cNvPr>
@@ -36089,8 +36093,8 @@
             </a:fontRef>
           </p:style>
         </p:cxnSp>
-        <mc:AlternateContent xmlns:mc="http://schemas.openxmlformats.org/markup-compatibility/2006">
-          <mc:Choice xmlns:a14="http://schemas.microsoft.com/office/drawing/2010/main" Requires="a14">
+        <mc:AlternateContent xmlns:mc="http://schemas.openxmlformats.org/markup-compatibility/2006" xmlns:a14="http://schemas.microsoft.com/office/drawing/2010/main">
+          <mc:Choice Requires="a14">
             <p:sp>
               <p:nvSpPr>
                 <p:cNvPr id="19" name="TextBox 18"/>
@@ -36113,6 +36117,7 @@
                 </a:bodyPr>
                 <a:lstStyle/>
                 <a:p>
+                  <a:pPr/>
                   <a14:m>
                     <m:oMathPara xmlns:m="http://schemas.openxmlformats.org/officeDocument/2006/math">
                       <m:oMathParaPr>
@@ -36152,7 +36157,7 @@
               </p:txBody>
             </p:sp>
           </mc:Choice>
-          <mc:Fallback>
+          <mc:Fallback xmlns="">
             <p:sp>
               <p:nvSpPr>
                 <p:cNvPr id="19" name="TextBox 18"/>
@@ -36191,8 +36196,8 @@
             </p:sp>
           </mc:Fallback>
         </mc:AlternateContent>
-        <mc:AlternateContent xmlns:mc="http://schemas.openxmlformats.org/markup-compatibility/2006">
-          <mc:Choice xmlns:a14="http://schemas.microsoft.com/office/drawing/2010/main" Requires="a14">
+        <mc:AlternateContent xmlns:mc="http://schemas.openxmlformats.org/markup-compatibility/2006" xmlns:a14="http://schemas.microsoft.com/office/drawing/2010/main">
+          <mc:Choice Requires="a14">
             <p:sp>
               <p:nvSpPr>
                 <p:cNvPr id="20" name="TextBox 19"/>
@@ -36215,6 +36220,7 @@
                 </a:bodyPr>
                 <a:lstStyle/>
                 <a:p>
+                  <a:pPr/>
                   <a14:m>
                     <m:oMathPara xmlns:m="http://schemas.openxmlformats.org/officeDocument/2006/math">
                       <m:oMathParaPr>
@@ -36254,7 +36260,7 @@
               </p:txBody>
             </p:sp>
           </mc:Choice>
-          <mc:Fallback>
+          <mc:Fallback xmlns="">
             <p:sp>
               <p:nvSpPr>
                 <p:cNvPr id="20" name="TextBox 19"/>
@@ -39812,7 +39818,15 @@
           <a:p>
             <a:r>
               <a:rPr lang="pt-BR" dirty="0"/>
-              <a:t>É importante resaltarmos que todos esses métodos são métodos de </a:t>
+              <a:t>É importante </a:t>
+            </a:r>
+            <a:r>
+              <a:rPr lang="pt-BR" dirty="0" smtClean="0"/>
+              <a:t>ressaltarmos </a:t>
+            </a:r>
+            <a:r>
+              <a:rPr lang="pt-BR" dirty="0"/>
+              <a:t>que todos esses métodos são métodos de </a:t>
             </a:r>
             <a:r>
               <a:rPr lang="pt-BR" b="1" i="1" dirty="0"/>

--- a/slides/T320_Redes_Neurais_Artificiais (Parte III).pptx
+++ b/slides/T320_Redes_Neurais_Artificiais (Parte III).pptx
@@ -267,7 +267,7 @@
           <a:p>
             <a:fld id="{C3C82C08-3EFC-4473-8294-F0E229C19EFF}" type="datetimeFigureOut">
               <a:rPr lang="pt-BR" smtClean="0"/>
-              <a:t>12/11/2021</a:t>
+              <a:t>13/11/2021</a:t>
             </a:fld>
             <a:endParaRPr lang="pt-BR"/>
           </a:p>
@@ -3882,7 +3882,7 @@
           <a:p>
             <a:fld id="{221D0464-8C8A-49C0-859F-777E51766A35}" type="datetimeFigureOut">
               <a:rPr lang="pt-BR" smtClean="0"/>
-              <a:t>12/11/2021</a:t>
+              <a:t>13/11/2021</a:t>
             </a:fld>
             <a:endParaRPr lang="pt-BR"/>
           </a:p>
@@ -4052,7 +4052,7 @@
           <a:p>
             <a:fld id="{221D0464-8C8A-49C0-859F-777E51766A35}" type="datetimeFigureOut">
               <a:rPr lang="pt-BR" smtClean="0"/>
-              <a:t>12/11/2021</a:t>
+              <a:t>13/11/2021</a:t>
             </a:fld>
             <a:endParaRPr lang="pt-BR"/>
           </a:p>
@@ -4232,7 +4232,7 @@
           <a:p>
             <a:fld id="{221D0464-8C8A-49C0-859F-777E51766A35}" type="datetimeFigureOut">
               <a:rPr lang="pt-BR" smtClean="0"/>
-              <a:t>12/11/2021</a:t>
+              <a:t>13/11/2021</a:t>
             </a:fld>
             <a:endParaRPr lang="pt-BR"/>
           </a:p>
@@ -4402,7 +4402,7 @@
           <a:p>
             <a:fld id="{221D0464-8C8A-49C0-859F-777E51766A35}" type="datetimeFigureOut">
               <a:rPr lang="pt-BR" smtClean="0"/>
-              <a:t>12/11/2021</a:t>
+              <a:t>13/11/2021</a:t>
             </a:fld>
             <a:endParaRPr lang="pt-BR"/>
           </a:p>
@@ -4648,7 +4648,7 @@
           <a:p>
             <a:fld id="{221D0464-8C8A-49C0-859F-777E51766A35}" type="datetimeFigureOut">
               <a:rPr lang="pt-BR" smtClean="0"/>
-              <a:t>12/11/2021</a:t>
+              <a:t>13/11/2021</a:t>
             </a:fld>
             <a:endParaRPr lang="pt-BR"/>
           </a:p>
@@ -4880,7 +4880,7 @@
           <a:p>
             <a:fld id="{221D0464-8C8A-49C0-859F-777E51766A35}" type="datetimeFigureOut">
               <a:rPr lang="pt-BR" smtClean="0"/>
-              <a:t>12/11/2021</a:t>
+              <a:t>13/11/2021</a:t>
             </a:fld>
             <a:endParaRPr lang="pt-BR"/>
           </a:p>
@@ -5247,7 +5247,7 @@
           <a:p>
             <a:fld id="{221D0464-8C8A-49C0-859F-777E51766A35}" type="datetimeFigureOut">
               <a:rPr lang="pt-BR" smtClean="0"/>
-              <a:t>12/11/2021</a:t>
+              <a:t>13/11/2021</a:t>
             </a:fld>
             <a:endParaRPr lang="pt-BR"/>
           </a:p>
@@ -5365,7 +5365,7 @@
           <a:p>
             <a:fld id="{221D0464-8C8A-49C0-859F-777E51766A35}" type="datetimeFigureOut">
               <a:rPr lang="pt-BR" smtClean="0"/>
-              <a:t>12/11/2021</a:t>
+              <a:t>13/11/2021</a:t>
             </a:fld>
             <a:endParaRPr lang="pt-BR"/>
           </a:p>
@@ -5460,7 +5460,7 @@
           <a:p>
             <a:fld id="{221D0464-8C8A-49C0-859F-777E51766A35}" type="datetimeFigureOut">
               <a:rPr lang="pt-BR" smtClean="0"/>
-              <a:t>12/11/2021</a:t>
+              <a:t>13/11/2021</a:t>
             </a:fld>
             <a:endParaRPr lang="pt-BR"/>
           </a:p>
@@ -5737,7 +5737,7 @@
           <a:p>
             <a:fld id="{221D0464-8C8A-49C0-859F-777E51766A35}" type="datetimeFigureOut">
               <a:rPr lang="pt-BR" smtClean="0"/>
-              <a:t>12/11/2021</a:t>
+              <a:t>13/11/2021</a:t>
             </a:fld>
             <a:endParaRPr lang="pt-BR"/>
           </a:p>
@@ -5990,7 +5990,7 @@
           <a:p>
             <a:fld id="{221D0464-8C8A-49C0-859F-777E51766A35}" type="datetimeFigureOut">
               <a:rPr lang="pt-BR" smtClean="0"/>
-              <a:t>12/11/2021</a:t>
+              <a:t>13/11/2021</a:t>
             </a:fld>
             <a:endParaRPr lang="pt-BR"/>
           </a:p>
@@ -6203,7 +6203,7 @@
           <a:p>
             <a:fld id="{221D0464-8C8A-49C0-859F-777E51766A35}" type="datetimeFigureOut">
               <a:rPr lang="pt-BR" smtClean="0"/>
-              <a:t>12/11/2021</a:t>
+              <a:t>13/11/2021</a:t>
             </a:fld>
             <a:endParaRPr lang="pt-BR"/>
           </a:p>
@@ -6613,7 +6613,7 @@
           <p:cNvPr id="2" name="Título 1">
             <a:extLst>
               <a:ext uri="{FF2B5EF4-FFF2-40B4-BE49-F238E27FC236}">
-                <a16:creationId xmlns:a16="http://schemas.microsoft.com/office/drawing/2014/main" xmlns="" id="{32666AC8-2E17-4DB4-B0F5-60C640CCFD2E}"/>
+                <a16:creationId xmlns="" xmlns:a16="http://schemas.microsoft.com/office/drawing/2014/main" id="{32666AC8-2E17-4DB4-B0F5-60C640CCFD2E}"/>
               </a:ext>
             </a:extLst>
           </p:cNvPr>
@@ -6664,7 +6664,7 @@
           <p:cNvPr id="4" name="CaixaDeTexto 3">
             <a:extLst>
               <a:ext uri="{FF2B5EF4-FFF2-40B4-BE49-F238E27FC236}">
-                <a16:creationId xmlns:a16="http://schemas.microsoft.com/office/drawing/2014/main" xmlns="" id="{430EB894-B7D4-434C-9D1A-A14094D9BEEC}"/>
+                <a16:creationId xmlns="" xmlns:a16="http://schemas.microsoft.com/office/drawing/2014/main" id="{430EB894-B7D4-434C-9D1A-A14094D9BEEC}"/>
               </a:ext>
             </a:extLst>
           </p:cNvPr>
@@ -6705,7 +6705,7 @@
           <p:cNvPr id="1026" name="Picture 2" descr="Logo">
             <a:extLst>
               <a:ext uri="{FF2B5EF4-FFF2-40B4-BE49-F238E27FC236}">
-                <a16:creationId xmlns:a16="http://schemas.microsoft.com/office/drawing/2014/main" xmlns="" id="{3F2642E0-4F6A-4196-8F58-E77D36E9A33F}"/>
+                <a16:creationId xmlns="" xmlns:a16="http://schemas.microsoft.com/office/drawing/2014/main" id="{3F2642E0-4F6A-4196-8F58-E77D36E9A33F}"/>
               </a:ext>
             </a:extLst>
           </p:cNvPr>
@@ -6750,7 +6750,7 @@
           <p:cNvPr id="5122" name="Picture 2" descr="Image result for machine learning">
             <a:extLst>
               <a:ext uri="{FF2B5EF4-FFF2-40B4-BE49-F238E27FC236}">
-                <a16:creationId xmlns:a16="http://schemas.microsoft.com/office/drawing/2014/main" xmlns="" id="{810CE0A2-4102-44A6-A370-175E7896CDCB}"/>
+                <a16:creationId xmlns="" xmlns:a16="http://schemas.microsoft.com/office/drawing/2014/main" id="{810CE0A2-4102-44A6-A370-175E7896CDCB}"/>
               </a:ext>
             </a:extLst>
           </p:cNvPr>
@@ -12356,8 +12356,8 @@
           </a:p>
         </p:txBody>
       </p:sp>
-      <mc:AlternateContent xmlns:mc="http://schemas.openxmlformats.org/markup-compatibility/2006">
-        <mc:Choice xmlns:a14="http://schemas.microsoft.com/office/drawing/2010/main" Requires="a14">
+      <mc:AlternateContent xmlns:mc="http://schemas.openxmlformats.org/markup-compatibility/2006" xmlns:a14="http://schemas.microsoft.com/office/drawing/2010/main">
+        <mc:Choice Requires="a14">
           <p:sp>
             <p:nvSpPr>
               <p:cNvPr id="3" name="Content Placeholder 2"/>
@@ -13622,18 +13622,14 @@
                 </a:r>
                 <a:r>
                   <a:rPr lang="pt-BR" dirty="0" smtClean="0"/>
-                  <a:t>entrada </a:t>
-                </a:r>
-                <a:r>
-                  <a:rPr lang="pt-BR" dirty="0" smtClean="0"/>
-                  <a:t>daquele nó). </a:t>
+                  <a:t>entrada daquele nó). </a:t>
                 </a:r>
                 <a:endParaRPr lang="pt-BR" dirty="0"/>
               </a:p>
             </p:txBody>
           </p:sp>
         </mc:Choice>
-        <mc:Fallback>
+        <mc:Fallback xmlns="">
           <p:sp>
             <p:nvSpPr>
               <p:cNvPr id="3" name="Content Placeholder 2"/>
@@ -13829,13 +13825,29 @@
           <a:p>
             <a:r>
               <a:rPr lang="pt-BR" dirty="0" smtClean="0"/>
-              <a:t>Aprendemos que as funções de ativação sigmóide e tangente hiperbólica causam o problema do desaparecimento do gradiente, o qual é solucionado usando-se a função retificadora.</a:t>
+              <a:t>Aprendemos que as funções de ativação sigmóide e tangente hiperbólica causam o problema do desaparecimento do gradiente, o </a:t>
+            </a:r>
+            <a:r>
+              <a:rPr lang="pt-BR" dirty="0" smtClean="0"/>
+              <a:t>qual pode ser solucionado </a:t>
+            </a:r>
+            <a:r>
+              <a:rPr lang="pt-BR" dirty="0" smtClean="0"/>
+              <a:t>usando-se a função retificadora.</a:t>
             </a:r>
           </a:p>
           <a:p>
             <a:r>
               <a:rPr lang="pt-BR" dirty="0" smtClean="0"/>
-              <a:t>Discutimos algumas topologias diferentes das redes neurais.</a:t>
+              <a:t>Discutimos algumas topologias diferentes </a:t>
+            </a:r>
+            <a:r>
+              <a:rPr lang="pt-BR" dirty="0" smtClean="0"/>
+              <a:t>de </a:t>
+            </a:r>
+            <a:r>
+              <a:rPr lang="pt-BR" dirty="0" smtClean="0"/>
+              <a:t>redes neurais.</a:t>
             </a:r>
           </a:p>
           <a:p>
@@ -22736,7 +22748,7 @@
           <p:cNvPr id="4" name="Título 1">
             <a:extLst>
               <a:ext uri="{FF2B5EF4-FFF2-40B4-BE49-F238E27FC236}">
-                <a16:creationId xmlns:a16="http://schemas.microsoft.com/office/drawing/2014/main" xmlns="" id="{32666AC8-2E17-4DB4-B0F5-60C640CCFD2E}"/>
+                <a16:creationId xmlns="" xmlns:a16="http://schemas.microsoft.com/office/drawing/2014/main" id="{32666AC8-2E17-4DB4-B0F5-60C640CCFD2E}"/>
               </a:ext>
             </a:extLst>
           </p:cNvPr>
@@ -23450,7 +23462,7 @@
           <p:cNvPr id="4" name="Título 1">
             <a:extLst>
               <a:ext uri="{FF2B5EF4-FFF2-40B4-BE49-F238E27FC236}">
-                <a16:creationId xmlns:a16="http://schemas.microsoft.com/office/drawing/2014/main" xmlns="" id="{32666AC8-2E17-4DB4-B0F5-60C640CCFD2E}"/>
+                <a16:creationId xmlns="" xmlns:a16="http://schemas.microsoft.com/office/drawing/2014/main" id="{32666AC8-2E17-4DB4-B0F5-60C640CCFD2E}"/>
               </a:ext>
             </a:extLst>
           </p:cNvPr>
@@ -36893,8 +36905,8 @@
           </a:p>
         </p:txBody>
       </p:sp>
-      <mc:AlternateContent xmlns:mc="http://schemas.openxmlformats.org/markup-compatibility/2006" xmlns:a14="http://schemas.microsoft.com/office/drawing/2010/main">
-        <mc:Choice Requires="a14">
+      <mc:AlternateContent xmlns:mc="http://schemas.openxmlformats.org/markup-compatibility/2006">
+        <mc:Choice xmlns:a14="http://schemas.microsoft.com/office/drawing/2010/main" Requires="a14">
           <p:sp>
             <p:nvSpPr>
               <p:cNvPr id="3" name="Content Placeholder 2"/>
@@ -37345,15 +37357,23 @@
               <a:p>
                 <a:r>
                   <a:rPr lang="pt-BR" dirty="0"/>
-                  <a:t>Como já vimos, o gradiente aponta na direção </a:t>
-                </a:r>
-                <a:r>
-                  <a:rPr lang="pt-BR" dirty="0" smtClean="0"/>
+                  <a:t>Como já vimos, o </a:t>
+                </a:r>
+                <a:r>
+                  <a:rPr lang="pt-BR" b="1" i="1" dirty="0"/>
+                  <a:t>gradiente aponta na direção </a:t>
+                </a:r>
+                <a:r>
+                  <a:rPr lang="pt-BR" b="1" i="1" dirty="0" smtClean="0"/>
                   <a:t>de </a:t>
                 </a:r>
                 <a:r>
+                  <a:rPr lang="pt-BR" b="1" i="1" dirty="0"/>
+                  <a:t>maior crescimento da função</a:t>
+                </a:r>
+                <a:r>
                   <a:rPr lang="pt-BR" dirty="0"/>
-                  <a:t>maior crescimento da função e portanto, caminhar em </a:t>
+                  <a:t> e portanto, caminhar em </a:t>
                 </a:r>
                 <a:r>
                   <a:rPr lang="pt-BR" dirty="0" smtClean="0"/>
@@ -37375,7 +37395,7 @@
             </p:txBody>
           </p:sp>
         </mc:Choice>
-        <mc:Fallback xmlns="">
+        <mc:Fallback>
           <p:sp>
             <p:nvSpPr>
               <p:cNvPr id="3" name="Content Placeholder 2"/>
@@ -39305,8 +39325,8 @@
           </a:p>
         </p:txBody>
       </p:sp>
-      <mc:AlternateContent xmlns:mc="http://schemas.openxmlformats.org/markup-compatibility/2006" xmlns:a14="http://schemas.microsoft.com/office/drawing/2010/main">
-        <mc:Choice Requires="a14">
+      <mc:AlternateContent xmlns:mc="http://schemas.openxmlformats.org/markup-compatibility/2006">
+        <mc:Choice xmlns:a14="http://schemas.microsoft.com/office/drawing/2010/main" Requires="a14">
           <p:sp>
             <p:nvSpPr>
               <p:cNvPr id="3" name="Content Placeholder 2"/>
@@ -39335,7 +39355,11 @@
                 </a:r>
                 <a:r>
                   <a:rPr lang="pt-BR" b="1" i="1" dirty="0"/>
-                  <a:t>matriz hessiana</a:t>
+                  <a:t>matriz </a:t>
+                </a:r>
+                <a:r>
+                  <a:rPr lang="pt-BR" b="1" i="1" dirty="0" smtClean="0"/>
+                  <a:t>Hessiana</a:t>
                 </a:r>
                 <a:r>
                   <a:rPr lang="pt-BR" dirty="0"/>
@@ -39726,7 +39750,7 @@
             </p:txBody>
           </p:sp>
         </mc:Choice>
-        <mc:Fallback xmlns="">
+        <mc:Fallback>
           <p:sp>
             <p:nvSpPr>
               <p:cNvPr id="3" name="Content Placeholder 2"/>

--- a/slides/T320_Redes_Neurais_Artificiais (Parte III).pptx
+++ b/slides/T320_Redes_Neurais_Artificiais (Parte III).pptx
@@ -5,7 +5,7 @@
     <p:sldMasterId id="2147483648" r:id="rId1"/>
   </p:sldMasterIdLst>
   <p:notesMasterIdLst>
-    <p:notesMasterId r:id="rId36"/>
+    <p:notesMasterId r:id="rId37"/>
   </p:notesMasterIdLst>
   <p:sldIdLst>
     <p:sldId id="300" r:id="rId2"/>
@@ -30,18 +30,19 @@
     <p:sldId id="377" r:id="rId21"/>
     <p:sldId id="378" r:id="rId22"/>
     <p:sldId id="331" r:id="rId23"/>
-    <p:sldId id="381" r:id="rId24"/>
-    <p:sldId id="333" r:id="rId25"/>
-    <p:sldId id="334" r:id="rId26"/>
-    <p:sldId id="335" r:id="rId27"/>
-    <p:sldId id="301" r:id="rId28"/>
-    <p:sldId id="269" r:id="rId29"/>
-    <p:sldId id="303" r:id="rId30"/>
-    <p:sldId id="271" r:id="rId31"/>
-    <p:sldId id="365" r:id="rId32"/>
-    <p:sldId id="382" r:id="rId33"/>
-    <p:sldId id="383" r:id="rId34"/>
-    <p:sldId id="384" r:id="rId35"/>
+    <p:sldId id="386" r:id="rId24"/>
+    <p:sldId id="381" r:id="rId25"/>
+    <p:sldId id="333" r:id="rId26"/>
+    <p:sldId id="334" r:id="rId27"/>
+    <p:sldId id="335" r:id="rId28"/>
+    <p:sldId id="301" r:id="rId29"/>
+    <p:sldId id="269" r:id="rId30"/>
+    <p:sldId id="303" r:id="rId31"/>
+    <p:sldId id="271" r:id="rId32"/>
+    <p:sldId id="365" r:id="rId33"/>
+    <p:sldId id="382" r:id="rId34"/>
+    <p:sldId id="383" r:id="rId35"/>
+    <p:sldId id="384" r:id="rId36"/>
   </p:sldIdLst>
   <p:sldSz cx="12192000" cy="6858000"/>
   <p:notesSz cx="6858000" cy="9144000"/>
@@ -267,7 +268,7 @@
           <a:p>
             <a:fld id="{C3C82C08-3EFC-4473-8294-F0E229C19EFF}" type="datetimeFigureOut">
               <a:rPr lang="pt-BR" smtClean="0"/>
-              <a:t>13/11/2021</a:t>
+              <a:t>18/11/2021</a:t>
             </a:fld>
             <a:endParaRPr lang="pt-BR"/>
           </a:p>
@@ -648,6 +649,198 @@
         </p:nvSpPr>
         <p:spPr/>
       </p:sp>
+      <mc:AlternateContent xmlns:mc="http://schemas.openxmlformats.org/markup-compatibility/2006">
+        <mc:Choice xmlns:a14="http://schemas.microsoft.com/office/drawing/2010/main" Requires="a14">
+          <p:sp>
+            <p:nvSpPr>
+              <p:cNvPr id="3" name="Notes Placeholder 2"/>
+              <p:cNvSpPr>
+                <a:spLocks noGrp="1"/>
+              </p:cNvSpPr>
+              <p:nvPr>
+                <p:ph type="body" idx="1"/>
+              </p:nvPr>
+            </p:nvSpPr>
+            <p:spPr/>
+            <p:txBody>
+              <a:bodyPr/>
+              <a:lstStyle/>
+              <a:p>
+                <a:r>
+                  <a:rPr lang="pt-BR" dirty="0" smtClean="0"/>
+                  <a:t>A ativação, </a:t>
+                </a:r>
+                <a14:m>
+                  <m:oMath xmlns:m="http://schemas.openxmlformats.org/officeDocument/2006/math">
+                    <m:sSubSup>
+                      <m:sSubSupPr>
+                        <m:ctrlPr>
+                          <a:rPr lang="pt-BR" i="1">
+                            <a:latin typeface="Cambria Math" panose="02040503050406030204" pitchFamily="18" charset="0"/>
+                          </a:rPr>
+                        </m:ctrlPr>
+                      </m:sSubSupPr>
+                      <m:e>
+                        <m:r>
+                          <a:rPr lang="pt-BR" i="1">
+                            <a:latin typeface="Cambria Math" panose="02040503050406030204" pitchFamily="18" charset="0"/>
+                          </a:rPr>
+                          <m:t>𝑢</m:t>
+                        </m:r>
+                      </m:e>
+                      <m:sub>
+                        <m:r>
+                          <a:rPr lang="pt-BR" i="1">
+                            <a:latin typeface="Cambria Math" panose="02040503050406030204" pitchFamily="18" charset="0"/>
+                          </a:rPr>
+                          <m:t>𝑖</m:t>
+                        </m:r>
+                      </m:sub>
+                      <m:sup>
+                        <m:r>
+                          <a:rPr lang="pt-BR" i="1">
+                            <a:latin typeface="Cambria Math" panose="02040503050406030204" pitchFamily="18" charset="0"/>
+                          </a:rPr>
+                          <m:t>𝑚</m:t>
+                        </m:r>
+                      </m:sup>
+                    </m:sSubSup>
+                  </m:oMath>
+                </a14:m>
+                <a:r>
+                  <a:rPr lang="pt-BR" dirty="0" smtClean="0"/>
+                  <a:t>, </a:t>
+                </a:r>
+                <a:r>
+                  <a:rPr lang="pt-BR" dirty="0"/>
+                  <a:t>é uma </a:t>
+                </a:r>
+                <a:r>
+                  <a:rPr lang="pt-BR" b="1" i="1" dirty="0"/>
+                  <a:t>combinação linear</a:t>
+                </a:r>
+                <a:r>
+                  <a:rPr lang="pt-BR" dirty="0"/>
+                  <a:t> das entradas</a:t>
+                </a:r>
+                <a:endParaRPr lang="pt-BR" dirty="0"/>
+              </a:p>
+            </p:txBody>
+          </p:sp>
+        </mc:Choice>
+        <mc:Fallback>
+          <p:sp>
+            <p:nvSpPr>
+              <p:cNvPr id="3" name="Notes Placeholder 2"/>
+              <p:cNvSpPr>
+                <a:spLocks noGrp="1"/>
+              </p:cNvSpPr>
+              <p:nvPr>
+                <p:ph type="body" idx="1"/>
+              </p:nvPr>
+            </p:nvSpPr>
+            <p:spPr/>
+            <p:txBody>
+              <a:bodyPr/>
+              <a:lstStyle/>
+              <a:p>
+                <a:r>
+                  <a:rPr lang="pt-BR" dirty="0" smtClean="0"/>
+                  <a:t>A ativação, </a:t>
+                </a:r>
+                <a:r>
+                  <a:rPr lang="pt-BR" i="0">
+                    <a:latin typeface="Cambria Math" panose="02040503050406030204" pitchFamily="18" charset="0"/>
+                  </a:rPr>
+                  <a:t>𝑢_𝑖^𝑚</a:t>
+                </a:r>
+                <a:r>
+                  <a:rPr lang="pt-BR" dirty="0" smtClean="0"/>
+                  <a:t>, </a:t>
+                </a:r>
+                <a:r>
+                  <a:rPr lang="pt-BR" dirty="0"/>
+                  <a:t>é uma </a:t>
+                </a:r>
+                <a:r>
+                  <a:rPr lang="pt-BR" b="1" i="1" dirty="0"/>
+                  <a:t>combinação linear</a:t>
+                </a:r>
+                <a:r>
+                  <a:rPr lang="pt-BR" dirty="0"/>
+                  <a:t> das entradas</a:t>
+                </a:r>
+                <a:endParaRPr lang="pt-BR" dirty="0"/>
+              </a:p>
+            </p:txBody>
+          </p:sp>
+        </mc:Fallback>
+      </mc:AlternateContent>
+      <p:sp>
+        <p:nvSpPr>
+          <p:cNvPr id="4" name="Slide Number Placeholder 3"/>
+          <p:cNvSpPr>
+            <a:spLocks noGrp="1"/>
+          </p:cNvSpPr>
+          <p:nvPr>
+            <p:ph type="sldNum" sz="quarter" idx="10"/>
+          </p:nvPr>
+        </p:nvSpPr>
+        <p:spPr/>
+        <p:txBody>
+          <a:bodyPr/>
+          <a:lstStyle/>
+          <a:p>
+            <a:fld id="{F430A2A4-8C14-4B1A-AD48-7B6401078BF7}" type="slidenum">
+              <a:rPr lang="pt-BR" smtClean="0"/>
+              <a:t>13</a:t>
+            </a:fld>
+            <a:endParaRPr lang="pt-BR"/>
+          </a:p>
+        </p:txBody>
+      </p:sp>
+    </p:spTree>
+    <p:extLst>
+      <p:ext uri="{BB962C8B-B14F-4D97-AF65-F5344CB8AC3E}">
+        <p14:creationId xmlns:p14="http://schemas.microsoft.com/office/powerpoint/2010/main" val="846318273"/>
+      </p:ext>
+    </p:extLst>
+  </p:cSld>
+  <p:clrMapOvr>
+    <a:masterClrMapping/>
+  </p:clrMapOvr>
+</p:notes>
+</file>
+
+<file path=ppt/notesSlides/notesSlide11.xml><?xml version="1.0" encoding="utf-8"?>
+<p:notes xmlns:a="http://schemas.openxmlformats.org/drawingml/2006/main" xmlns:r="http://schemas.openxmlformats.org/officeDocument/2006/relationships" xmlns:p="http://schemas.openxmlformats.org/presentationml/2006/main">
+  <p:cSld>
+    <p:spTree>
+      <p:nvGrpSpPr>
+        <p:cNvPr id="1" name=""/>
+        <p:cNvGrpSpPr/>
+        <p:nvPr/>
+      </p:nvGrpSpPr>
+      <p:grpSpPr>
+        <a:xfrm>
+          <a:off x="0" y="0"/>
+          <a:ext cx="0" cy="0"/>
+          <a:chOff x="0" y="0"/>
+          <a:chExt cx="0" cy="0"/>
+        </a:xfrm>
+      </p:grpSpPr>
+      <p:sp>
+        <p:nvSpPr>
+          <p:cNvPr id="2" name="Slide Image Placeholder 1"/>
+          <p:cNvSpPr>
+            <a:spLocks noGrp="1" noRot="1" noChangeAspect="1"/>
+          </p:cNvSpPr>
+          <p:nvPr>
+            <p:ph type="sldImg"/>
+          </p:nvPr>
+        </p:nvSpPr>
+        <p:spPr/>
+      </p:sp>
       <p:sp>
         <p:nvSpPr>
           <p:cNvPr id="3" name="Notes Placeholder 2"/>
@@ -765,7 +958,7 @@
 </p:notes>
 </file>
 
-<file path=ppt/notesSlides/notesSlide11.xml><?xml version="1.0" encoding="utf-8"?>
+<file path=ppt/notesSlides/notesSlide12.xml><?xml version="1.0" encoding="utf-8"?>
 <p:notes xmlns:a="http://schemas.openxmlformats.org/drawingml/2006/main" xmlns:r="http://schemas.openxmlformats.org/officeDocument/2006/relationships" xmlns:p="http://schemas.openxmlformats.org/presentationml/2006/main">
   <p:cSld>
     <p:spTree>
@@ -860,7 +1053,7 @@
 </p:notes>
 </file>
 
-<file path=ppt/notesSlides/notesSlide12.xml><?xml version="1.0" encoding="utf-8"?>
+<file path=ppt/notesSlides/notesSlide13.xml><?xml version="1.0" encoding="utf-8"?>
 <p:notes xmlns:a="http://schemas.openxmlformats.org/drawingml/2006/main" xmlns:r="http://schemas.openxmlformats.org/officeDocument/2006/relationships" xmlns:p="http://schemas.openxmlformats.org/presentationml/2006/main">
   <p:cSld>
     <p:spTree>
@@ -1065,7 +1258,7 @@
 </p:notes>
 </file>
 
-<file path=ppt/notesSlides/notesSlide13.xml><?xml version="1.0" encoding="utf-8"?>
+<file path=ppt/notesSlides/notesSlide14.xml><?xml version="1.0" encoding="utf-8"?>
 <p:notes xmlns:a="http://schemas.openxmlformats.org/drawingml/2006/main" xmlns:r="http://schemas.openxmlformats.org/officeDocument/2006/relationships" xmlns:p="http://schemas.openxmlformats.org/presentationml/2006/main">
   <p:cSld>
     <p:spTree>
@@ -1149,7 +1342,7 @@
 </p:notes>
 </file>
 
-<file path=ppt/notesSlides/notesSlide14.xml><?xml version="1.0" encoding="utf-8"?>
+<file path=ppt/notesSlides/notesSlide15.xml><?xml version="1.0" encoding="utf-8"?>
 <p:notes xmlns:a="http://schemas.openxmlformats.org/drawingml/2006/main" xmlns:r="http://schemas.openxmlformats.org/officeDocument/2006/relationships" xmlns:p="http://schemas.openxmlformats.org/presentationml/2006/main">
   <p:cSld>
     <p:spTree>
@@ -1399,7 +1592,101 @@
 </p:notes>
 </file>
 
-<file path=ppt/notesSlides/notesSlide15.xml><?xml version="1.0" encoding="utf-8"?>
+<file path=ppt/notesSlides/notesSlide16.xml><?xml version="1.0" encoding="utf-8"?>
+<p:notes xmlns:a="http://schemas.openxmlformats.org/drawingml/2006/main" xmlns:r="http://schemas.openxmlformats.org/officeDocument/2006/relationships" xmlns:p="http://schemas.openxmlformats.org/presentationml/2006/main">
+  <p:cSld>
+    <p:spTree>
+      <p:nvGrpSpPr>
+        <p:cNvPr id="1" name=""/>
+        <p:cNvGrpSpPr/>
+        <p:nvPr/>
+      </p:nvGrpSpPr>
+      <p:grpSpPr>
+        <a:xfrm>
+          <a:off x="0" y="0"/>
+          <a:ext cx="0" cy="0"/>
+          <a:chOff x="0" y="0"/>
+          <a:chExt cx="0" cy="0"/>
+        </a:xfrm>
+      </p:grpSpPr>
+      <p:sp>
+        <p:nvSpPr>
+          <p:cNvPr id="2" name="Slide Image Placeholder 1"/>
+          <p:cNvSpPr>
+            <a:spLocks noGrp="1" noRot="1" noChangeAspect="1"/>
+          </p:cNvSpPr>
+          <p:nvPr>
+            <p:ph type="sldImg"/>
+          </p:nvPr>
+        </p:nvSpPr>
+        <p:spPr/>
+      </p:sp>
+      <p:sp>
+        <p:nvSpPr>
+          <p:cNvPr id="3" name="Notes Placeholder 2"/>
+          <p:cNvSpPr>
+            <a:spLocks noGrp="1"/>
+          </p:cNvSpPr>
+          <p:nvPr>
+            <p:ph type="body" idx="1"/>
+          </p:nvPr>
+        </p:nvSpPr>
+        <p:spPr/>
+        <p:txBody>
+          <a:bodyPr/>
+          <a:lstStyle/>
+          <a:p>
+            <a:r>
+              <a:rPr lang="pt-BR" sz="1200" b="1" dirty="0" smtClean="0"/>
+              <a:t>Laboratório #6:</a:t>
+            </a:r>
+            <a:r>
+              <a:rPr lang="pt-BR" sz="1200" dirty="0" smtClean="0"/>
+              <a:t> https://mybinder.org/v2/gh/zz4fap/t320_aprendizado_de_maquina/main?filepath=labs%2FLaboratorio6.ipynb</a:t>
+            </a:r>
+          </a:p>
+          <a:p>
+            <a:endParaRPr lang="pt-BR" sz="1200" dirty="0"/>
+          </a:p>
+        </p:txBody>
+      </p:sp>
+      <p:sp>
+        <p:nvSpPr>
+          <p:cNvPr id="4" name="Slide Number Placeholder 3"/>
+          <p:cNvSpPr>
+            <a:spLocks noGrp="1"/>
+          </p:cNvSpPr>
+          <p:nvPr>
+            <p:ph type="sldNum" sz="quarter" idx="10"/>
+          </p:nvPr>
+        </p:nvSpPr>
+        <p:spPr/>
+        <p:txBody>
+          <a:bodyPr/>
+          <a:lstStyle/>
+          <a:p>
+            <a:fld id="{6FC8D850-966F-45A6-8DE7-15B891E7D40D}" type="slidenum">
+              <a:rPr lang="pt-BR" smtClean="0"/>
+              <a:t>23</a:t>
+            </a:fld>
+            <a:endParaRPr lang="pt-BR"/>
+          </a:p>
+        </p:txBody>
+      </p:sp>
+    </p:spTree>
+    <p:extLst>
+      <p:ext uri="{BB962C8B-B14F-4D97-AF65-F5344CB8AC3E}">
+        <p14:creationId xmlns:p14="http://schemas.microsoft.com/office/powerpoint/2010/main" val="1594583912"/>
+      </p:ext>
+    </p:extLst>
+  </p:cSld>
+  <p:clrMapOvr>
+    <a:masterClrMapping/>
+  </p:clrMapOvr>
+</p:notes>
+</file>
+
+<file path=ppt/notesSlides/notesSlide17.xml><?xml version="1.0" encoding="utf-8"?>
 <p:notes xmlns:a="http://schemas.openxmlformats.org/drawingml/2006/main" xmlns:r="http://schemas.openxmlformats.org/officeDocument/2006/relationships" xmlns:p="http://schemas.openxmlformats.org/presentationml/2006/main">
   <p:cSld>
     <p:spTree>
@@ -1592,7 +1879,7 @@
           <a:p>
             <a:fld id="{F430A2A4-8C14-4B1A-AD48-7B6401078BF7}" type="slidenum">
               <a:rPr lang="pt-BR" smtClean="0"/>
-              <a:t>24</a:t>
+              <a:t>25</a:t>
             </a:fld>
             <a:endParaRPr lang="pt-BR"/>
           </a:p>
@@ -1611,7 +1898,7 @@
 </p:notes>
 </file>
 
-<file path=ppt/notesSlides/notesSlide16.xml><?xml version="1.0" encoding="utf-8"?>
+<file path=ppt/notesSlides/notesSlide18.xml><?xml version="1.0" encoding="utf-8"?>
 <p:notes xmlns:a="http://schemas.openxmlformats.org/drawingml/2006/main" xmlns:r="http://schemas.openxmlformats.org/officeDocument/2006/relationships" xmlns:p="http://schemas.openxmlformats.org/presentationml/2006/main">
   <p:cSld>
     <p:spTree>
@@ -1686,7 +1973,7 @@
           <a:p>
             <a:fld id="{6FC8D850-966F-45A6-8DE7-15B891E7D40D}" type="slidenum">
               <a:rPr lang="pt-BR" smtClean="0"/>
-              <a:t>27</a:t>
+              <a:t>28</a:t>
             </a:fld>
             <a:endParaRPr lang="pt-BR"/>
           </a:p>
@@ -3577,7 +3864,209 @@
               <a:tabLst/>
               <a:defRPr/>
             </a:pPr>
-            <a:endParaRPr lang="pt-BR" dirty="0" smtClean="0"/>
+            <a:endParaRPr lang="en-US" sz="1200" b="0" i="0" kern="1200" dirty="0" smtClean="0">
+              <a:solidFill>
+                <a:schemeClr val="tx1"/>
+              </a:solidFill>
+              <a:effectLst/>
+              <a:latin typeface="+mn-lt"/>
+              <a:ea typeface="+mn-ea"/>
+              <a:cs typeface="+mn-cs"/>
+            </a:endParaRPr>
+          </a:p>
+          <a:p>
+            <a:pPr marL="0" marR="0" lvl="0" indent="0" algn="l" defTabSz="914400" rtl="0" eaLnBrk="1" fontAlgn="auto" latinLnBrk="0" hangingPunct="1">
+              <a:lnSpc>
+                <a:spcPct val="100000"/>
+              </a:lnSpc>
+              <a:spcBef>
+                <a:spcPts val="0"/>
+              </a:spcBef>
+              <a:spcAft>
+                <a:spcPts val="0"/>
+              </a:spcAft>
+              <a:buClrTx/>
+              <a:buSzTx/>
+              <a:buFontTx/>
+              <a:buNone/>
+              <a:tabLst/>
+              <a:defRPr/>
+            </a:pPr>
+            <a:r>
+              <a:rPr lang="en-US" sz="1200" b="0" i="0" kern="1200" dirty="0" smtClean="0">
+                <a:solidFill>
+                  <a:schemeClr val="tx1"/>
+                </a:solidFill>
+                <a:effectLst/>
+                <a:latin typeface="+mn-lt"/>
+                <a:ea typeface="+mn-ea"/>
+                <a:cs typeface="+mn-cs"/>
+              </a:rPr>
+              <a:t>The term </a:t>
+            </a:r>
+            <a:r>
+              <a:rPr lang="en-US" sz="1200" b="0" i="1" kern="1200" dirty="0" smtClean="0">
+                <a:solidFill>
+                  <a:schemeClr val="tx1"/>
+                </a:solidFill>
+                <a:effectLst/>
+                <a:latin typeface="+mn-lt"/>
+                <a:ea typeface="+mn-ea"/>
+                <a:cs typeface="+mn-cs"/>
+              </a:rPr>
+              <a:t>backpropagation</a:t>
+            </a:r>
+            <a:r>
+              <a:rPr lang="en-US" sz="1200" b="0" i="0" kern="1200" dirty="0" smtClean="0">
+                <a:solidFill>
+                  <a:schemeClr val="tx1"/>
+                </a:solidFill>
+                <a:effectLst/>
+                <a:latin typeface="+mn-lt"/>
+                <a:ea typeface="+mn-ea"/>
+                <a:cs typeface="+mn-cs"/>
+              </a:rPr>
+              <a:t> and its general use in neural networks was announced in </a:t>
+            </a:r>
+            <a:r>
+              <a:rPr lang="en-US" sz="1200" b="0" i="0" u="none" strike="noStrike" kern="1200" dirty="0" err="1" smtClean="0">
+                <a:solidFill>
+                  <a:schemeClr val="tx1"/>
+                </a:solidFill>
+                <a:effectLst/>
+                <a:latin typeface="+mn-lt"/>
+                <a:ea typeface="+mn-ea"/>
+                <a:cs typeface="+mn-cs"/>
+                <a:hlinkClick r:id="rId3"/>
+              </a:rPr>
+              <a:t>Rumelhart</a:t>
+            </a:r>
+            <a:r>
+              <a:rPr lang="en-US" sz="1200" b="0" i="0" u="none" strike="noStrike" kern="1200" dirty="0" smtClean="0">
+                <a:solidFill>
+                  <a:schemeClr val="tx1"/>
+                </a:solidFill>
+                <a:effectLst/>
+                <a:latin typeface="+mn-lt"/>
+                <a:ea typeface="+mn-ea"/>
+                <a:cs typeface="+mn-cs"/>
+                <a:hlinkClick r:id="rId3"/>
+              </a:rPr>
+              <a:t>, Hinton &amp; Williams (1986a)</a:t>
+            </a:r>
+            <a:r>
+              <a:rPr lang="en-US" sz="1200" b="0" i="0" kern="1200" dirty="0" smtClean="0">
+                <a:solidFill>
+                  <a:schemeClr val="tx1"/>
+                </a:solidFill>
+                <a:effectLst/>
+                <a:latin typeface="+mn-lt"/>
+                <a:ea typeface="+mn-ea"/>
+                <a:cs typeface="+mn-cs"/>
+              </a:rPr>
+              <a:t>, then elaborated and popularized in </a:t>
+            </a:r>
+            <a:r>
+              <a:rPr lang="en-US" sz="1200" b="0" i="0" u="none" strike="noStrike" kern="1200" dirty="0" err="1" smtClean="0">
+                <a:solidFill>
+                  <a:schemeClr val="tx1"/>
+                </a:solidFill>
+                <a:effectLst/>
+                <a:latin typeface="+mn-lt"/>
+                <a:ea typeface="+mn-ea"/>
+                <a:cs typeface="+mn-cs"/>
+                <a:hlinkClick r:id="rId4"/>
+              </a:rPr>
+              <a:t>Rumelhart</a:t>
+            </a:r>
+            <a:r>
+              <a:rPr lang="en-US" sz="1200" b="0" i="0" u="none" strike="noStrike" kern="1200" dirty="0" smtClean="0">
+                <a:solidFill>
+                  <a:schemeClr val="tx1"/>
+                </a:solidFill>
+                <a:effectLst/>
+                <a:latin typeface="+mn-lt"/>
+                <a:ea typeface="+mn-ea"/>
+                <a:cs typeface="+mn-cs"/>
+                <a:hlinkClick r:id="rId4"/>
+              </a:rPr>
+              <a:t>, Hinton &amp; Williams (1986b)</a:t>
+            </a:r>
+            <a:r>
+              <a:rPr lang="en-US" sz="1200" b="0" i="0" kern="1200" dirty="0" smtClean="0">
+                <a:solidFill>
+                  <a:schemeClr val="tx1"/>
+                </a:solidFill>
+                <a:effectLst/>
+                <a:latin typeface="+mn-lt"/>
+                <a:ea typeface="+mn-ea"/>
+                <a:cs typeface="+mn-cs"/>
+              </a:rPr>
+              <a:t>, but the technique was independently rediscovered many times, and had many predecessors dating to the 1960s.</a:t>
+            </a:r>
+            <a:r>
+              <a:rPr lang="en-US" sz="1200" b="0" i="0" u="none" strike="noStrike" kern="1200" baseline="30000" dirty="0" smtClean="0">
+                <a:solidFill>
+                  <a:schemeClr val="tx1"/>
+                </a:solidFill>
+                <a:effectLst/>
+                <a:latin typeface="+mn-lt"/>
+                <a:ea typeface="+mn-ea"/>
+                <a:cs typeface="+mn-cs"/>
+                <a:hlinkClick r:id="rId5"/>
+              </a:rPr>
+              <a:t>[6]</a:t>
+            </a:r>
+            <a:r>
+              <a:rPr lang="en-US" sz="1200" b="0" i="0" u="none" strike="noStrike" kern="1200" baseline="30000" dirty="0" smtClean="0">
+                <a:solidFill>
+                  <a:schemeClr val="tx1"/>
+                </a:solidFill>
+                <a:effectLst/>
+                <a:latin typeface="+mn-lt"/>
+                <a:ea typeface="+mn-ea"/>
+                <a:cs typeface="+mn-cs"/>
+                <a:hlinkClick r:id="rId6"/>
+              </a:rPr>
+              <a:t>[12]</a:t>
+            </a:r>
+            <a:endParaRPr lang="en-US" sz="1200" b="0" i="0" u="none" strike="noStrike" kern="1200" baseline="30000" dirty="0" smtClean="0">
+              <a:solidFill>
+                <a:schemeClr val="tx1"/>
+              </a:solidFill>
+              <a:effectLst/>
+              <a:latin typeface="+mn-lt"/>
+              <a:ea typeface="+mn-ea"/>
+              <a:cs typeface="+mn-cs"/>
+            </a:endParaRPr>
+          </a:p>
+          <a:p>
+            <a:pPr marL="0" marR="0" lvl="0" indent="0" algn="l" defTabSz="914400" rtl="0" eaLnBrk="1" fontAlgn="auto" latinLnBrk="0" hangingPunct="1">
+              <a:lnSpc>
+                <a:spcPct val="100000"/>
+              </a:lnSpc>
+              <a:spcBef>
+                <a:spcPts val="0"/>
+              </a:spcBef>
+              <a:spcAft>
+                <a:spcPts val="0"/>
+              </a:spcAft>
+              <a:buClrTx/>
+              <a:buSzTx/>
+              <a:buFontTx/>
+              <a:buNone/>
+              <a:tabLst/>
+              <a:defRPr/>
+            </a:pPr>
+            <a:endParaRPr lang="en-US" sz="1200" b="0" i="0" u="none" strike="noStrike" kern="1200" baseline="30000" dirty="0" smtClean="0">
+              <a:solidFill>
+                <a:schemeClr val="tx1"/>
+              </a:solidFill>
+              <a:effectLst/>
+              <a:latin typeface="+mn-lt"/>
+              <a:ea typeface="+mn-ea"/>
+              <a:cs typeface="+mn-cs"/>
+            </a:endParaRPr>
           </a:p>
           <a:p>
             <a:pPr marL="0" marR="0" lvl="0" indent="0" algn="l" defTabSz="914400" rtl="0" eaLnBrk="1" fontAlgn="auto" latinLnBrk="0" hangingPunct="1">
@@ -3618,7 +4107,7 @@
                 <a:latin typeface="+mn-lt"/>
                 <a:ea typeface="+mn-ea"/>
                 <a:cs typeface="+mn-cs"/>
-                <a:hlinkClick r:id="rId3" tooltip="Control theory"/>
+                <a:hlinkClick r:id="rId7" tooltip="Control theory"/>
               </a:rPr>
               <a:t>control theory</a:t>
             </a:r>
@@ -3643,7 +4132,7 @@
                 <a:latin typeface="+mn-lt"/>
                 <a:ea typeface="+mn-ea"/>
                 <a:cs typeface="+mn-cs"/>
-                <a:hlinkClick r:id="rId4" tooltip="Henry J. Kelley"/>
+                <a:hlinkClick r:id="rId8" tooltip="Henry J. Kelley"/>
               </a:rPr>
               <a:t>Henry J. Kelley</a:t>
             </a:r>
@@ -3692,7 +4181,7 @@
                 <a:latin typeface="+mn-lt"/>
                 <a:ea typeface="+mn-ea"/>
                 <a:cs typeface="+mn-cs"/>
-                <a:hlinkClick r:id="rId5" tooltip="Arthur E. Bryson"/>
+                <a:hlinkClick r:id="rId9" tooltip="Arthur E. Bryson"/>
               </a:rPr>
               <a:t>Arthur E. Bryson</a:t>
             </a:r>
@@ -3708,6 +4197,25 @@
               </a:rPr>
               <a:t> in 1961</a:t>
             </a:r>
+          </a:p>
+          <a:p>
+            <a:pPr marL="0" marR="0" lvl="0" indent="0" algn="l" defTabSz="914400" rtl="0" eaLnBrk="1" fontAlgn="auto" latinLnBrk="0" hangingPunct="1">
+              <a:lnSpc>
+                <a:spcPct val="100000"/>
+              </a:lnSpc>
+              <a:spcBef>
+                <a:spcPts val="0"/>
+              </a:spcBef>
+              <a:spcAft>
+                <a:spcPts val="0"/>
+              </a:spcAft>
+              <a:buClrTx/>
+              <a:buSzTx/>
+              <a:buFontTx/>
+              <a:buNone/>
+              <a:tabLst/>
+              <a:defRPr/>
+            </a:pPr>
             <a:endParaRPr lang="pt-BR" dirty="0" smtClean="0"/>
           </a:p>
           <a:p>
@@ -3882,7 +4390,7 @@
           <a:p>
             <a:fld id="{221D0464-8C8A-49C0-859F-777E51766A35}" type="datetimeFigureOut">
               <a:rPr lang="pt-BR" smtClean="0"/>
-              <a:t>13/11/2021</a:t>
+              <a:t>18/11/2021</a:t>
             </a:fld>
             <a:endParaRPr lang="pt-BR"/>
           </a:p>
@@ -4052,7 +4560,7 @@
           <a:p>
             <a:fld id="{221D0464-8C8A-49C0-859F-777E51766A35}" type="datetimeFigureOut">
               <a:rPr lang="pt-BR" smtClean="0"/>
-              <a:t>13/11/2021</a:t>
+              <a:t>18/11/2021</a:t>
             </a:fld>
             <a:endParaRPr lang="pt-BR"/>
           </a:p>
@@ -4232,7 +4740,7 @@
           <a:p>
             <a:fld id="{221D0464-8C8A-49C0-859F-777E51766A35}" type="datetimeFigureOut">
               <a:rPr lang="pt-BR" smtClean="0"/>
-              <a:t>13/11/2021</a:t>
+              <a:t>18/11/2021</a:t>
             </a:fld>
             <a:endParaRPr lang="pt-BR"/>
           </a:p>
@@ -4402,7 +4910,7 @@
           <a:p>
             <a:fld id="{221D0464-8C8A-49C0-859F-777E51766A35}" type="datetimeFigureOut">
               <a:rPr lang="pt-BR" smtClean="0"/>
-              <a:t>13/11/2021</a:t>
+              <a:t>18/11/2021</a:t>
             </a:fld>
             <a:endParaRPr lang="pt-BR"/>
           </a:p>
@@ -4648,7 +5156,7 @@
           <a:p>
             <a:fld id="{221D0464-8C8A-49C0-859F-777E51766A35}" type="datetimeFigureOut">
               <a:rPr lang="pt-BR" smtClean="0"/>
-              <a:t>13/11/2021</a:t>
+              <a:t>18/11/2021</a:t>
             </a:fld>
             <a:endParaRPr lang="pt-BR"/>
           </a:p>
@@ -4880,7 +5388,7 @@
           <a:p>
             <a:fld id="{221D0464-8C8A-49C0-859F-777E51766A35}" type="datetimeFigureOut">
               <a:rPr lang="pt-BR" smtClean="0"/>
-              <a:t>13/11/2021</a:t>
+              <a:t>18/11/2021</a:t>
             </a:fld>
             <a:endParaRPr lang="pt-BR"/>
           </a:p>
@@ -5247,7 +5755,7 @@
           <a:p>
             <a:fld id="{221D0464-8C8A-49C0-859F-777E51766A35}" type="datetimeFigureOut">
               <a:rPr lang="pt-BR" smtClean="0"/>
-              <a:t>13/11/2021</a:t>
+              <a:t>18/11/2021</a:t>
             </a:fld>
             <a:endParaRPr lang="pt-BR"/>
           </a:p>
@@ -5365,7 +5873,7 @@
           <a:p>
             <a:fld id="{221D0464-8C8A-49C0-859F-777E51766A35}" type="datetimeFigureOut">
               <a:rPr lang="pt-BR" smtClean="0"/>
-              <a:t>13/11/2021</a:t>
+              <a:t>18/11/2021</a:t>
             </a:fld>
             <a:endParaRPr lang="pt-BR"/>
           </a:p>
@@ -5460,7 +5968,7 @@
           <a:p>
             <a:fld id="{221D0464-8C8A-49C0-859F-777E51766A35}" type="datetimeFigureOut">
               <a:rPr lang="pt-BR" smtClean="0"/>
-              <a:t>13/11/2021</a:t>
+              <a:t>18/11/2021</a:t>
             </a:fld>
             <a:endParaRPr lang="pt-BR"/>
           </a:p>
@@ -5737,7 +6245,7 @@
           <a:p>
             <a:fld id="{221D0464-8C8A-49C0-859F-777E51766A35}" type="datetimeFigureOut">
               <a:rPr lang="pt-BR" smtClean="0"/>
-              <a:t>13/11/2021</a:t>
+              <a:t>18/11/2021</a:t>
             </a:fld>
             <a:endParaRPr lang="pt-BR"/>
           </a:p>
@@ -5990,7 +6498,7 @@
           <a:p>
             <a:fld id="{221D0464-8C8A-49C0-859F-777E51766A35}" type="datetimeFigureOut">
               <a:rPr lang="pt-BR" smtClean="0"/>
-              <a:t>13/11/2021</a:t>
+              <a:t>18/11/2021</a:t>
             </a:fld>
             <a:endParaRPr lang="pt-BR"/>
           </a:p>
@@ -6203,7 +6711,7 @@
           <a:p>
             <a:fld id="{221D0464-8C8A-49C0-859F-777E51766A35}" type="datetimeFigureOut">
               <a:rPr lang="pt-BR" smtClean="0"/>
-              <a:t>13/11/2021</a:t>
+              <a:t>18/11/2021</a:t>
             </a:fld>
             <a:endParaRPr lang="pt-BR"/>
           </a:p>
@@ -6613,7 +7121,7 @@
           <p:cNvPr id="2" name="Título 1">
             <a:extLst>
               <a:ext uri="{FF2B5EF4-FFF2-40B4-BE49-F238E27FC236}">
-                <a16:creationId xmlns="" xmlns:a16="http://schemas.microsoft.com/office/drawing/2014/main" id="{32666AC8-2E17-4DB4-B0F5-60C640CCFD2E}"/>
+                <a16:creationId xmlns:a16="http://schemas.microsoft.com/office/drawing/2014/main" xmlns="" id="{32666AC8-2E17-4DB4-B0F5-60C640CCFD2E}"/>
               </a:ext>
             </a:extLst>
           </p:cNvPr>
@@ -6664,7 +7172,7 @@
           <p:cNvPr id="4" name="CaixaDeTexto 3">
             <a:extLst>
               <a:ext uri="{FF2B5EF4-FFF2-40B4-BE49-F238E27FC236}">
-                <a16:creationId xmlns="" xmlns:a16="http://schemas.microsoft.com/office/drawing/2014/main" id="{430EB894-B7D4-434C-9D1A-A14094D9BEEC}"/>
+                <a16:creationId xmlns:a16="http://schemas.microsoft.com/office/drawing/2014/main" xmlns="" id="{430EB894-B7D4-434C-9D1A-A14094D9BEEC}"/>
               </a:ext>
             </a:extLst>
           </p:cNvPr>
@@ -6705,7 +7213,7 @@
           <p:cNvPr id="1026" name="Picture 2" descr="Logo">
             <a:extLst>
               <a:ext uri="{FF2B5EF4-FFF2-40B4-BE49-F238E27FC236}">
-                <a16:creationId xmlns="" xmlns:a16="http://schemas.microsoft.com/office/drawing/2014/main" id="{3F2642E0-4F6A-4196-8F58-E77D36E9A33F}"/>
+                <a16:creationId xmlns:a16="http://schemas.microsoft.com/office/drawing/2014/main" xmlns="" id="{3F2642E0-4F6A-4196-8F58-E77D36E9A33F}"/>
               </a:ext>
             </a:extLst>
           </p:cNvPr>
@@ -6750,7 +7258,7 @@
           <p:cNvPr id="5122" name="Picture 2" descr="Image result for machine learning">
             <a:extLst>
               <a:ext uri="{FF2B5EF4-FFF2-40B4-BE49-F238E27FC236}">
-                <a16:creationId xmlns="" xmlns:a16="http://schemas.microsoft.com/office/drawing/2014/main" id="{810CE0A2-4102-44A6-A370-175E7896CDCB}"/>
+                <a16:creationId xmlns:a16="http://schemas.microsoft.com/office/drawing/2014/main" xmlns="" id="{810CE0A2-4102-44A6-A370-175E7896CDCB}"/>
               </a:ext>
             </a:extLst>
           </p:cNvPr>
@@ -6964,9 +7472,16 @@
             <p:ph idx="1"/>
           </p:nvPr>
         </p:nvSpPr>
-        <p:spPr/>
+        <p:spPr>
+          <a:xfrm>
+            <a:off x="838199" y="1825624"/>
+            <a:ext cx="11158331" cy="5032376"/>
+          </a:xfrm>
+        </p:spPr>
         <p:txBody>
-          <a:bodyPr/>
+          <a:bodyPr>
+            <a:normAutofit/>
+          </a:bodyPr>
           <a:lstStyle/>
           <a:p>
             <a:r>
@@ -7067,7 +7582,15 @@
           <a:p>
             <a:r>
               <a:rPr lang="pt-BR" dirty="0"/>
-              <a:t>A ideia é encontrar uma maneira de calcular o </a:t>
+              <a:t>A ideia é encontrar uma maneira de </a:t>
+            </a:r>
+            <a:r>
+              <a:rPr lang="pt-BR" dirty="0" smtClean="0"/>
+              <a:t>se calcular </a:t>
+            </a:r>
+            <a:r>
+              <a:rPr lang="pt-BR" dirty="0"/>
+              <a:t>o </a:t>
             </a:r>
             <a:r>
               <a:rPr lang="pt-BR" b="1" i="1" dirty="0"/>
@@ -7087,12 +7610,49 @@
             </a:r>
             <a:r>
               <a:rPr lang="pt-BR" b="1" i="1" dirty="0"/>
-              <a:t>pesos sinápticos</a:t>
+              <a:t>pesos </a:t>
+            </a:r>
+            <a:r>
+              <a:rPr lang="pt-BR" b="1" i="1" dirty="0" smtClean="0"/>
+              <a:t>sinápticos das várias camadas de uma rede neural</a:t>
+            </a:r>
+            <a:r>
+              <a:rPr lang="pt-BR" dirty="0" smtClean="0"/>
+              <a:t>.</a:t>
+            </a:r>
+          </a:p>
+          <a:p>
+            <a:r>
+              <a:rPr lang="pt-BR" dirty="0"/>
+              <a:t>Essa tarefa pode parecer óbvia, mas não é o caso. </a:t>
+            </a:r>
+          </a:p>
+          <a:p>
+            <a:r>
+              <a:rPr lang="pt-BR" dirty="0"/>
+              <a:t>Foram necessários 17 anos desde a criação do </a:t>
+            </a:r>
+            <a:r>
+              <a:rPr lang="pt-BR" b="1" i="1" dirty="0"/>
+              <a:t>Perceptron</a:t>
             </a:r>
             <a:r>
               <a:rPr lang="pt-BR" dirty="0"/>
-              <a:t>. </a:t>
+              <a:t> até que se “</a:t>
             </a:r>
+            <a:r>
+              <a:rPr lang="pt-BR" b="1" i="1" dirty="0"/>
+              <a:t>descobrisse</a:t>
+            </a:r>
+            <a:r>
+              <a:rPr lang="pt-BR" dirty="0"/>
+              <a:t>” uma forma de treinar RNAs</a:t>
+            </a:r>
+            <a:r>
+              <a:rPr lang="pt-BR" dirty="0" smtClean="0"/>
+              <a:t>.</a:t>
+            </a:r>
+            <a:endParaRPr lang="pt-BR" dirty="0"/>
           </a:p>
         </p:txBody>
       </p:sp>
@@ -7153,8 +7713,8 @@
           </a:p>
         </p:txBody>
       </p:sp>
-      <mc:AlternateContent xmlns:mc="http://schemas.openxmlformats.org/markup-compatibility/2006" xmlns:a14="http://schemas.microsoft.com/office/drawing/2010/main">
-        <mc:Choice Requires="a14">
+      <mc:AlternateContent xmlns:mc="http://schemas.openxmlformats.org/markup-compatibility/2006">
+        <mc:Choice xmlns:a14="http://schemas.microsoft.com/office/drawing/2010/main" Requires="a14">
           <p:sp>
             <p:nvSpPr>
               <p:cNvPr id="3" name="Content Placeholder 2"/>
@@ -7168,7 +7728,7 @@
             <p:spPr>
               <a:xfrm>
                 <a:off x="838200" y="1825624"/>
-                <a:ext cx="11049000" cy="5032375"/>
+                <a:ext cx="11168270" cy="5032375"/>
               </a:xfrm>
             </p:spPr>
             <p:txBody>
@@ -7178,61 +7738,12 @@
               <a:lstStyle/>
               <a:p>
                 <a:r>
+                  <a:rPr lang="pt-BR" dirty="0" smtClean="0"/>
+                  <a:t>Para </a:t>
+                </a:r>
+                <a:r>
                   <a:rPr lang="pt-BR" dirty="0"/>
-                  <a:t>Essa tarefa pode parecer óbvia, mas não é o caso. </a:t>
-                </a:r>
-                <a:endParaRPr lang="pt-BR" dirty="0" smtClean="0"/>
-              </a:p>
-              <a:p>
-                <a:r>
-                  <a:rPr lang="pt-BR" dirty="0" smtClean="0"/>
-                  <a:t>Foram </a:t>
-                </a:r>
-                <a:r>
-                  <a:rPr lang="pt-BR" dirty="0"/>
-                  <a:t>necessários 17 anos desde a criação do </a:t>
-                </a:r>
-                <a:r>
-                  <a:rPr lang="pt-BR" b="1" i="1" dirty="0"/>
-                  <a:t>Perceptron</a:t>
-                </a:r>
-                <a:r>
-                  <a:rPr lang="pt-BR" dirty="0"/>
-                  <a:t> para </a:t>
-                </a:r>
-                <a:r>
-                  <a:rPr lang="pt-BR" dirty="0" smtClean="0"/>
-                  <a:t>que se </a:t>
-                </a:r>
-                <a:r>
-                  <a:rPr lang="pt-BR" dirty="0"/>
-                  <a:t>“</a:t>
-                </a:r>
-                <a:r>
-                  <a:rPr lang="pt-BR" b="1" i="1" dirty="0" smtClean="0"/>
-                  <a:t>descobrisse</a:t>
-                </a:r>
-                <a:r>
-                  <a:rPr lang="pt-BR" dirty="0" smtClean="0"/>
-                  <a:t>” </a:t>
-                </a:r>
-                <a:r>
-                  <a:rPr lang="pt-BR" dirty="0"/>
-                  <a:t>uma forma de </a:t>
-                </a:r>
-                <a:r>
-                  <a:rPr lang="pt-BR" dirty="0" smtClean="0"/>
-                  <a:t>treinar </a:t>
-                </a:r>
-                <a:r>
-                  <a:rPr lang="pt-BR" dirty="0"/>
-                  <a:t>RNAs.</a:t>
-                </a:r>
-              </a:p>
-              <a:p>
-                <a:r>
-                  <a:rPr lang="pt-BR" dirty="0"/>
-                  <a:t>Para que entendamos melhor o porquê, nós iremos considerar uma notação que será muito útil a seguir: </a:t>
+                  <a:t>que entendamos melhor o porquê, nós iremos considerar uma notação que será muito útil a seguir: </a:t>
                 </a:r>
               </a:p>
               <a:p>
@@ -7242,7 +7753,11 @@
                 </a:pPr>
                 <a:r>
                   <a:rPr lang="pt-BR" dirty="0"/>
-                  <a:t>O peso </a:t>
+                  <a:t>O </a:t>
+                </a:r>
+                <a:r>
+                  <a:rPr lang="pt-BR" dirty="0" smtClean="0"/>
+                  <a:t>peso sináptico, </a:t>
                 </a:r>
                 <a14:m>
                   <m:oMath xmlns:m="http://schemas.openxmlformats.org/officeDocument/2006/math">
@@ -7294,8 +7809,12 @@
                   </m:oMath>
                 </a14:m>
                 <a:r>
+                  <a:rPr lang="pt-BR" dirty="0" smtClean="0"/>
+                  <a:t>, </a:t>
+                </a:r>
+                <a:r>
                   <a:rPr lang="pt-BR" dirty="0"/>
-                  <a:t> corresponde ao </a:t>
+                  <a:t>corresponde ao </a:t>
                 </a:r>
                 <a14:m>
                   <m:oMath xmlns:m="http://schemas.openxmlformats.org/officeDocument/2006/math">
@@ -7404,8 +7923,357 @@
                 </a14:m>
                 <a:r>
                   <a:rPr lang="pt-BR" dirty="0"/>
-                  <a:t>-ésima camada.</a:t>
-                </a:r>
+                  <a:t>-ésima camada</a:t>
+                </a:r>
+                <a:r>
+                  <a:rPr lang="pt-BR" dirty="0" smtClean="0"/>
+                  <a:t>.</a:t>
+                </a:r>
+              </a:p>
+              <a:p>
+                <a:pPr lvl="1">
+                  <a:buFont typeface="Wingdings" panose="05000000000000000000" pitchFamily="2" charset="2"/>
+                  <a:buChar char="§"/>
+                </a:pPr>
+                <a:r>
+                  <a:rPr lang="pt-BR" dirty="0" smtClean="0"/>
+                  <a:t>O peso de bias, </a:t>
+                </a:r>
+                <a14:m>
+                  <m:oMath xmlns:m="http://schemas.openxmlformats.org/officeDocument/2006/math">
+                    <m:sSubSup>
+                      <m:sSubSupPr>
+                        <m:ctrlPr>
+                          <a:rPr lang="pt-BR" i="1" smtClean="0">
+                            <a:latin typeface="Cambria Math" panose="02040503050406030204" pitchFamily="18" charset="0"/>
+                          </a:rPr>
+                        </m:ctrlPr>
+                      </m:sSubSupPr>
+                      <m:e>
+                        <m:r>
+                          <a:rPr lang="pt-BR" b="0" i="1" smtClean="0">
+                            <a:latin typeface="Cambria Math" panose="02040503050406030204" pitchFamily="18" charset="0"/>
+                          </a:rPr>
+                          <m:t>𝑏</m:t>
+                        </m:r>
+                      </m:e>
+                      <m:sub>
+                        <m:r>
+                          <a:rPr lang="pt-BR" b="0" i="1" smtClean="0">
+                            <a:latin typeface="Cambria Math" panose="02040503050406030204" pitchFamily="18" charset="0"/>
+                          </a:rPr>
+                          <m:t>𝑖</m:t>
+                        </m:r>
+                      </m:sub>
+                      <m:sup>
+                        <m:r>
+                          <a:rPr lang="pt-BR" b="0" i="1" smtClean="0">
+                            <a:latin typeface="Cambria Math" panose="02040503050406030204" pitchFamily="18" charset="0"/>
+                          </a:rPr>
+                          <m:t>𝑚</m:t>
+                        </m:r>
+                      </m:sup>
+                    </m:sSubSup>
+                  </m:oMath>
+                </a14:m>
+                <a:r>
+                  <a:rPr lang="pt-BR" dirty="0" smtClean="0"/>
+                  <a:t>, corresponde ao </a:t>
+                </a:r>
+                <a:r>
+                  <a:rPr lang="pt-BR" dirty="0"/>
+                  <a:t>peso do </a:t>
+                </a:r>
+                <a14:m>
+                  <m:oMath xmlns:m="http://schemas.openxmlformats.org/officeDocument/2006/math">
+                    <m:r>
+                      <a:rPr lang="pt-BR" i="1">
+                        <a:latin typeface="Cambria Math" panose="02040503050406030204" pitchFamily="18" charset="0"/>
+                      </a:rPr>
+                      <m:t>𝑖</m:t>
+                    </m:r>
+                  </m:oMath>
+                </a14:m>
+                <a:r>
+                  <a:rPr lang="pt-BR" dirty="0"/>
+                  <a:t>-ésimo </a:t>
+                </a:r>
+                <a:r>
+                  <a:rPr lang="pt-BR" b="1" i="1" dirty="0"/>
+                  <a:t>nó</a:t>
+                </a:r>
+                <a:r>
+                  <a:rPr lang="pt-BR" dirty="0"/>
+                  <a:t> </a:t>
+                </a:r>
+                <a:r>
+                  <a:rPr lang="pt-BR" dirty="0"/>
+                  <a:t>da </a:t>
+                </a:r>
+                <a14:m>
+                  <m:oMath xmlns:m="http://schemas.openxmlformats.org/officeDocument/2006/math">
+                    <m:r>
+                      <a:rPr lang="pt-BR" i="1">
+                        <a:latin typeface="Cambria Math" panose="02040503050406030204" pitchFamily="18" charset="0"/>
+                      </a:rPr>
+                      <m:t>𝑚</m:t>
+                    </m:r>
+                  </m:oMath>
+                </a14:m>
+                <a:r>
+                  <a:rPr lang="pt-BR" dirty="0"/>
+                  <a:t>-ésima camada da </a:t>
+                </a:r>
+                <a:r>
+                  <a:rPr lang="pt-BR" b="1" i="1" dirty="0"/>
+                  <a:t>rede neural </a:t>
+                </a:r>
+                <a:r>
+                  <a:rPr lang="pt-BR" dirty="0" smtClean="0"/>
+                  <a:t>e </a:t>
+                </a:r>
+                <a14:m>
+                  <m:oMath xmlns:m="http://schemas.openxmlformats.org/officeDocument/2006/math">
+                    <m:sSup>
+                      <m:sSupPr>
+                        <m:ctrlPr>
+                          <a:rPr lang="pt-BR" i="1">
+                            <a:latin typeface="Cambria Math" panose="02040503050406030204" pitchFamily="18" charset="0"/>
+                          </a:rPr>
+                        </m:ctrlPr>
+                      </m:sSupPr>
+                      <m:e>
+                        <m:r>
+                          <a:rPr lang="pt-BR" b="1" i="1">
+                            <a:latin typeface="Cambria Math" panose="02040503050406030204" pitchFamily="18" charset="0"/>
+                          </a:rPr>
+                          <m:t>𝒃</m:t>
+                        </m:r>
+                      </m:e>
+                      <m:sup>
+                        <m:r>
+                          <a:rPr lang="pt-BR" b="0" i="1" smtClean="0">
+                            <a:latin typeface="Cambria Math" panose="02040503050406030204" pitchFamily="18" charset="0"/>
+                          </a:rPr>
+                          <m:t>𝑚</m:t>
+                        </m:r>
+                      </m:sup>
+                    </m:sSup>
+                  </m:oMath>
+                </a14:m>
+                <a:r>
+                  <a:rPr lang="pt-BR" dirty="0"/>
+                  <a:t> é o vetor com todos os pesos da </a:t>
+                </a:r>
+                <a14:m>
+                  <m:oMath xmlns:m="http://schemas.openxmlformats.org/officeDocument/2006/math">
+                    <m:r>
+                      <a:rPr lang="pt-BR" i="1">
+                        <a:latin typeface="Cambria Math" panose="02040503050406030204" pitchFamily="18" charset="0"/>
+                      </a:rPr>
+                      <m:t>𝑚</m:t>
+                    </m:r>
+                  </m:oMath>
+                </a14:m>
+                <a:r>
+                  <a:rPr lang="pt-BR" dirty="0"/>
+                  <a:t>-ésima </a:t>
+                </a:r>
+                <a:r>
+                  <a:rPr lang="pt-BR" dirty="0" smtClean="0"/>
+                  <a:t>camada.</a:t>
+                </a:r>
+              </a:p>
+              <a:p>
+                <a:pPr lvl="1">
+                  <a:buFont typeface="Wingdings" panose="05000000000000000000" pitchFamily="2" charset="2"/>
+                  <a:buChar char="§"/>
+                </a:pPr>
+                <a:r>
+                  <a:rPr lang="pt-BR" dirty="0" smtClean="0"/>
+                  <a:t>A ativação, </a:t>
+                </a:r>
+                <a14:m>
+                  <m:oMath xmlns:m="http://schemas.openxmlformats.org/officeDocument/2006/math">
+                    <m:sSubSup>
+                      <m:sSubSupPr>
+                        <m:ctrlPr>
+                          <a:rPr lang="pt-BR" i="1" smtClean="0">
+                            <a:latin typeface="Cambria Math" panose="02040503050406030204" pitchFamily="18" charset="0"/>
+                          </a:rPr>
+                        </m:ctrlPr>
+                      </m:sSubSupPr>
+                      <m:e>
+                        <m:r>
+                          <a:rPr lang="pt-BR" b="0" i="1" smtClean="0">
+                            <a:latin typeface="Cambria Math" panose="02040503050406030204" pitchFamily="18" charset="0"/>
+                          </a:rPr>
+                          <m:t>𝑢</m:t>
+                        </m:r>
+                      </m:e>
+                      <m:sub>
+                        <m:r>
+                          <a:rPr lang="pt-BR" b="0" i="1" smtClean="0">
+                            <a:latin typeface="Cambria Math" panose="02040503050406030204" pitchFamily="18" charset="0"/>
+                          </a:rPr>
+                          <m:t>𝑖</m:t>
+                        </m:r>
+                      </m:sub>
+                      <m:sup>
+                        <m:r>
+                          <a:rPr lang="pt-BR" b="0" i="1" smtClean="0">
+                            <a:latin typeface="Cambria Math" panose="02040503050406030204" pitchFamily="18" charset="0"/>
+                          </a:rPr>
+                          <m:t>𝑚</m:t>
+                        </m:r>
+                      </m:sup>
+                    </m:sSubSup>
+                  </m:oMath>
+                </a14:m>
+                <a:r>
+                  <a:rPr lang="pt-BR" dirty="0" smtClean="0"/>
+                  <a:t>, corresponde à </a:t>
+                </a:r>
+                <a:r>
+                  <a:rPr lang="pt-BR" b="1" i="1" dirty="0" smtClean="0"/>
+                  <a:t>combinação linear</a:t>
+                </a:r>
+                <a:r>
+                  <a:rPr lang="pt-BR" dirty="0" smtClean="0"/>
+                  <a:t> </a:t>
+                </a:r>
+                <a:r>
+                  <a:rPr lang="pt-BR" dirty="0"/>
+                  <a:t>das </a:t>
+                </a:r>
+                <a:r>
+                  <a:rPr lang="pt-BR" dirty="0"/>
+                  <a:t>entradas </a:t>
+                </a:r>
+                <a:r>
+                  <a:rPr lang="pt-BR" dirty="0"/>
+                  <a:t>do </a:t>
+                </a:r>
+                <a14:m>
+                  <m:oMath xmlns:m="http://schemas.openxmlformats.org/officeDocument/2006/math">
+                    <m:r>
+                      <a:rPr lang="pt-BR" i="1">
+                        <a:latin typeface="Cambria Math" panose="02040503050406030204" pitchFamily="18" charset="0"/>
+                      </a:rPr>
+                      <m:t>𝑖</m:t>
+                    </m:r>
+                  </m:oMath>
+                </a14:m>
+                <a:r>
+                  <a:rPr lang="pt-BR" dirty="0"/>
+                  <a:t>-ésimo </a:t>
+                </a:r>
+                <a:r>
+                  <a:rPr lang="pt-BR" b="1" i="1" dirty="0"/>
+                  <a:t>nó</a:t>
+                </a:r>
+                <a:r>
+                  <a:rPr lang="pt-BR" dirty="0"/>
+                  <a:t> </a:t>
+                </a:r>
+                <a:r>
+                  <a:rPr lang="pt-BR" dirty="0" smtClean="0"/>
+                  <a:t>da </a:t>
+                </a:r>
+                <a14:m>
+                  <m:oMath xmlns:m="http://schemas.openxmlformats.org/officeDocument/2006/math">
+                    <m:r>
+                      <a:rPr lang="pt-BR" i="1">
+                        <a:latin typeface="Cambria Math" panose="02040503050406030204" pitchFamily="18" charset="0"/>
+                      </a:rPr>
+                      <m:t>𝑚</m:t>
+                    </m:r>
+                  </m:oMath>
+                </a14:m>
+                <a:r>
+                  <a:rPr lang="pt-BR" dirty="0"/>
+                  <a:t>-ésima </a:t>
+                </a:r>
+                <a:r>
+                  <a:rPr lang="pt-BR" dirty="0" smtClean="0"/>
+                  <a:t>camada da</a:t>
+                </a:r>
+                <a:r>
+                  <a:rPr lang="pt-BR" b="1" i="1" dirty="0" smtClean="0"/>
+                  <a:t> </a:t>
+                </a:r>
+                <a:r>
+                  <a:rPr lang="pt-BR" b="1" i="1" dirty="0"/>
+                  <a:t>rede neural</a:t>
+                </a:r>
+                <a:r>
+                  <a:rPr lang="pt-BR" dirty="0"/>
+                  <a:t> </a:t>
+                </a:r>
+                <a:r>
+                  <a:rPr lang="pt-BR" dirty="0" smtClean="0"/>
+                  <a:t>e </a:t>
+                </a:r>
+                <a14:m>
+                  <m:oMath xmlns:m="http://schemas.openxmlformats.org/officeDocument/2006/math">
+                    <m:sSup>
+                      <m:sSupPr>
+                        <m:ctrlPr>
+                          <a:rPr lang="pt-BR" i="1" smtClean="0">
+                            <a:latin typeface="Cambria Math" panose="02040503050406030204" pitchFamily="18" charset="0"/>
+                          </a:rPr>
+                        </m:ctrlPr>
+                      </m:sSupPr>
+                      <m:e>
+                        <m:r>
+                          <a:rPr lang="pt-BR" b="1" i="1" smtClean="0">
+                            <a:latin typeface="Cambria Math" panose="02040503050406030204" pitchFamily="18" charset="0"/>
+                          </a:rPr>
+                          <m:t>𝒖</m:t>
+                        </m:r>
+                      </m:e>
+                      <m:sup>
+                        <m:r>
+                          <a:rPr lang="pt-BR" b="0" i="1" smtClean="0">
+                            <a:latin typeface="Cambria Math" panose="02040503050406030204" pitchFamily="18" charset="0"/>
+                          </a:rPr>
+                          <m:t>𝑚</m:t>
+                        </m:r>
+                      </m:sup>
+                    </m:sSup>
+                  </m:oMath>
+                </a14:m>
+                <a:r>
+                  <a:rPr lang="pt-BR" dirty="0" smtClean="0"/>
+                  <a:t> é o vetor de ativações com as </a:t>
+                </a:r>
+                <a:r>
+                  <a:rPr lang="pt-BR" b="1" i="1" dirty="0" smtClean="0"/>
+                  <a:t>combinações lineares</a:t>
+                </a:r>
+                <a:r>
+                  <a:rPr lang="pt-BR" dirty="0" smtClean="0"/>
+                  <a:t> das entradas de todos os nós da </a:t>
+                </a:r>
+                <a14:m>
+                  <m:oMath xmlns:m="http://schemas.openxmlformats.org/officeDocument/2006/math">
+                    <m:r>
+                      <a:rPr lang="pt-BR" i="1">
+                        <a:latin typeface="Cambria Math" panose="02040503050406030204" pitchFamily="18" charset="0"/>
+                      </a:rPr>
+                      <m:t>𝑚</m:t>
+                    </m:r>
+                  </m:oMath>
+                </a14:m>
+                <a:r>
+                  <a:rPr lang="pt-BR" dirty="0"/>
+                  <a:t>-ésima </a:t>
+                </a:r>
+                <a:r>
+                  <a:rPr lang="pt-BR" dirty="0" smtClean="0"/>
+                  <a:t>camada.</a:t>
+                </a:r>
+                <a:endParaRPr lang="pt-BR" dirty="0"/>
               </a:p>
               <a:p>
                 <a:pPr lvl="1">
@@ -7605,7 +8473,7 @@
             </p:txBody>
           </p:sp>
         </mc:Choice>
-        <mc:Fallback xmlns="">
+        <mc:Fallback>
           <p:sp>
             <p:nvSpPr>
               <p:cNvPr id="3" name="Content Placeholder 2"/>
@@ -7619,12 +8487,12 @@
             <p:spPr>
               <a:xfrm>
                 <a:off x="838200" y="1825624"/>
-                <a:ext cx="11049000" cy="5032375"/>
+                <a:ext cx="11168270" cy="5032375"/>
               </a:xfrm>
               <a:blipFill rotWithShape="0">
                 <a:blip r:embed="rId3"/>
                 <a:stretch>
-                  <a:fillRect l="-993" t="-1937" r="-773"/>
+                  <a:fillRect l="-983" t="-1937"/>
                 </a:stretch>
               </a:blipFill>
             </p:spPr>
@@ -7743,7 +8611,7 @@
           <p:nvPr/>
         </p:nvPicPr>
         <p:blipFill>
-          <a:blip r:embed="rId2">
+          <a:blip r:embed="rId3">
             <a:extLst>
               <a:ext uri="{28A0092B-C50C-407E-A947-70E740481C1C}">
                 <a14:useLocalDpi xmlns:a14="http://schemas.microsoft.com/office/drawing/2010/main" val="0"/>
@@ -8339,7 +9207,7 @@
                 <a:avLst/>
               </a:prstGeom>
               <a:blipFill rotWithShape="0">
-                <a:blip r:embed="rId3"/>
+                <a:blip r:embed="rId4"/>
                 <a:stretch>
                   <a:fillRect l="-816" t="-7292" r="-761" b="-1389"/>
                 </a:stretch>
@@ -8419,8 +9287,8 @@
           </a:p>
         </p:txBody>
       </p:sp>
-      <mc:AlternateContent xmlns:mc="http://schemas.openxmlformats.org/markup-compatibility/2006" xmlns:a14="http://schemas.microsoft.com/office/drawing/2010/main">
-        <mc:Choice Requires="a14">
+      <mc:AlternateContent xmlns:mc="http://schemas.openxmlformats.org/markup-compatibility/2006">
+        <mc:Choice xmlns:a14="http://schemas.microsoft.com/office/drawing/2010/main" Requires="a14">
           <p:sp>
             <p:nvSpPr>
               <p:cNvPr id="3" name="Content Placeholder 2"/>
@@ -8434,7 +9302,7 @@
             <p:spPr>
               <a:xfrm>
                 <a:off x="838200" y="1825624"/>
-                <a:ext cx="11165114" cy="5032375"/>
+                <a:ext cx="11227904" cy="5032375"/>
               </a:xfrm>
             </p:spPr>
             <p:txBody>
@@ -9132,7 +10000,47 @@
                 </a:pPr>
                 <a:r>
                   <a:rPr lang="pt-BR" dirty="0"/>
-                  <a:t>onde </a:t>
+                  <a:t>o</a:t>
+                </a:r>
+                <a:r>
+                  <a:rPr lang="pt-BR" dirty="0" smtClean="0"/>
+                  <a:t>nde </a:t>
+                </a:r>
+                <a14:m>
+                  <m:oMath xmlns:m="http://schemas.openxmlformats.org/officeDocument/2006/math">
+                    <m:sSub>
+                      <m:sSubPr>
+                        <m:ctrlPr>
+                          <a:rPr lang="pt-BR" i="1">
+                            <a:latin typeface="Cambria Math" panose="02040503050406030204" pitchFamily="18" charset="0"/>
+                          </a:rPr>
+                        </m:ctrlPr>
+                      </m:sSubPr>
+                      <m:e>
+                        <m:r>
+                          <a:rPr lang="pt-BR" i="1">
+                            <a:latin typeface="Cambria Math" panose="02040503050406030204" pitchFamily="18" charset="0"/>
+                          </a:rPr>
+                          <m:t>𝑁</m:t>
+                        </m:r>
+                      </m:e>
+                      <m:sub>
+                        <m:r>
+                          <m:rPr>
+                            <m:sty m:val="p"/>
+                          </m:rPr>
+                          <a:rPr lang="pt-BR">
+                            <a:latin typeface="Cambria Math" panose="02040503050406030204" pitchFamily="18" charset="0"/>
+                          </a:rPr>
+                          <m:t>dados</m:t>
+                        </m:r>
+                      </m:sub>
+                    </m:sSub>
+                  </m:oMath>
+                </a14:m>
+                <a:r>
+                  <a:rPr lang="pt-BR" dirty="0" smtClean="0"/>
+                  <a:t> é o número de exemplos e </a:t>
                 </a:r>
                 <a14:m>
                   <m:oMath xmlns:m="http://schemas.openxmlformats.org/officeDocument/2006/math">
@@ -9195,8 +10103,12 @@
                   </m:oMath>
                 </a14:m>
                 <a:r>
+                  <a:rPr lang="pt-BR" dirty="0" smtClean="0"/>
+                  <a:t>-</a:t>
+                </a:r>
+                <a:r>
                   <a:rPr lang="pt-BR" dirty="0"/>
-                  <a:t>–ésima saída (rótulo) correspondente ao </a:t>
+                  <a:t>ésima saída (rótulo) correspondente ao </a:t>
                 </a:r>
                 <a14:m>
                   <m:oMath xmlns:m="http://schemas.openxmlformats.org/officeDocument/2006/math">
@@ -9238,15 +10150,23 @@
               <a:p>
                 <a:r>
                   <a:rPr lang="pt-BR" dirty="0" smtClean="0"/>
-                  <a:t>Entretanto, os pesos </a:t>
-                </a:r>
-                <a:r>
-                  <a:rPr lang="pt-BR" dirty="0"/>
+                  <a:t>Entretanto, os </a:t>
+                </a:r>
+                <a:r>
+                  <a:rPr lang="pt-BR" b="1" i="1" dirty="0" smtClean="0"/>
+                  <a:t>pesos </a:t>
+                </a:r>
+                <a:r>
+                  <a:rPr lang="pt-BR" b="1" i="1" dirty="0"/>
                   <a:t>não aparecem </a:t>
                 </a:r>
                 <a:r>
+                  <a:rPr lang="pt-BR" b="1" i="1" dirty="0" smtClean="0"/>
+                  <a:t>explícitamente</a:t>
+                </a:r>
+                <a:r>
                   <a:rPr lang="pt-BR" dirty="0" smtClean="0"/>
-                  <a:t>explícitamente </a:t>
+                  <a:t> </a:t>
                 </a:r>
                 <a:r>
                   <a:rPr lang="pt-BR" dirty="0"/>
@@ -9288,7 +10208,7 @@
             </p:txBody>
           </p:sp>
         </mc:Choice>
-        <mc:Fallback xmlns="">
+        <mc:Fallback>
           <p:sp>
             <p:nvSpPr>
               <p:cNvPr id="3" name="Content Placeholder 2"/>
@@ -9302,12 +10222,12 @@
             <p:spPr>
               <a:xfrm>
                 <a:off x="838200" y="1825624"/>
-                <a:ext cx="11165114" cy="5032375"/>
+                <a:ext cx="11227904" cy="5032375"/>
               </a:xfrm>
               <a:blipFill rotWithShape="0">
                 <a:blip r:embed="rId2"/>
                 <a:stretch>
-                  <a:fillRect l="-1147" t="-2663" r="-765"/>
+                  <a:fillRect l="-1141" t="-2663" r="-1032"/>
                 </a:stretch>
               </a:blipFill>
             </p:spPr>
@@ -10323,8 +11243,25 @@
           <a:p>
             <a:r>
               <a:rPr lang="pt-BR" dirty="0"/>
-              <a:t>Agora voltamos à equação do MSE e vemos que as saídas da última camada aparecem de maneira direta na equação. </a:t>
+              <a:t>Agora voltamos à equação do MSE e vemos que </a:t>
             </a:r>
+            <a:r>
+              <a:rPr lang="pt-BR" b="1" i="1" dirty="0"/>
+              <a:t>as saídas da última camada </a:t>
+            </a:r>
+            <a:r>
+              <a:rPr lang="pt-BR" b="1" i="1" dirty="0" smtClean="0"/>
+              <a:t>da rede aparecem </a:t>
+            </a:r>
+            <a:r>
+              <a:rPr lang="pt-BR" b="1" i="1" dirty="0"/>
+              <a:t>de maneira direta na equação</a:t>
+            </a:r>
+            <a:r>
+              <a:rPr lang="pt-BR" dirty="0" smtClean="0"/>
+              <a:t>.</a:t>
+            </a:r>
+            <a:endParaRPr lang="pt-BR" dirty="0"/>
           </a:p>
           <a:p>
             <a:r>
@@ -10363,7 +11300,11 @@
             </a:r>
             <a:r>
               <a:rPr lang="pt-BR" dirty="0" smtClean="0"/>
-              <a:t>primeira camada intermediária usando-se </a:t>
+              <a:t>primeira camada </a:t>
+            </a:r>
+            <a:r>
+              <a:rPr lang="pt-BR" dirty="0" smtClean="0"/>
+              <a:t>oculta usando-se </a:t>
             </a:r>
             <a:r>
               <a:rPr lang="pt-BR" dirty="0"/>
@@ -10389,6 +11330,462 @@
           </a:p>
         </p:txBody>
       </p:sp>
+      <mc:AlternateContent xmlns:mc="http://schemas.openxmlformats.org/markup-compatibility/2006">
+        <mc:Choice xmlns:a14="http://schemas.microsoft.com/office/drawing/2010/main" Requires="a14">
+          <p:sp>
+            <p:nvSpPr>
+              <p:cNvPr id="4" name="Rectangle 3"/>
+              <p:cNvSpPr/>
+              <p:nvPr/>
+            </p:nvSpPr>
+            <p:spPr>
+              <a:xfrm>
+                <a:off x="7218321" y="788133"/>
+                <a:ext cx="4726935" cy="902555"/>
+              </a:xfrm>
+              <a:prstGeom prst="rect">
+                <a:avLst/>
+              </a:prstGeom>
+            </p:spPr>
+            <p:txBody>
+              <a:bodyPr wrap="none">
+                <a:spAutoFit/>
+              </a:bodyPr>
+              <a:lstStyle/>
+              <a:p>
+                <a14:m>
+                  <m:oMathPara xmlns:m="http://schemas.openxmlformats.org/officeDocument/2006/math">
+                    <m:oMathParaPr>
+                      <m:jc m:val="centerGroup"/>
+                    </m:oMathParaPr>
+                    <m:oMath xmlns:m="http://schemas.openxmlformats.org/officeDocument/2006/math">
+                      <m:r>
+                        <a:rPr lang="pt-BR" i="1">
+                          <a:latin typeface="Cambria Math" panose="02040503050406030204" pitchFamily="18" charset="0"/>
+                        </a:rPr>
+                        <m:t>𝐽</m:t>
+                      </m:r>
+                      <m:d>
+                        <m:dPr>
+                          <m:ctrlPr>
+                            <a:rPr lang="pt-BR" i="1">
+                              <a:latin typeface="Cambria Math" panose="02040503050406030204" pitchFamily="18" charset="0"/>
+                            </a:rPr>
+                          </m:ctrlPr>
+                        </m:dPr>
+                        <m:e>
+                          <m:r>
+                            <a:rPr lang="pt-BR" b="1" i="1">
+                              <a:latin typeface="Cambria Math" panose="02040503050406030204" pitchFamily="18" charset="0"/>
+                            </a:rPr>
+                            <m:t>𝒘</m:t>
+                          </m:r>
+                        </m:e>
+                      </m:d>
+                      <m:r>
+                        <a:rPr lang="pt-BR" i="1">
+                          <a:latin typeface="Cambria Math" panose="02040503050406030204" pitchFamily="18" charset="0"/>
+                        </a:rPr>
+                        <m:t>=</m:t>
+                      </m:r>
+                      <m:f>
+                        <m:fPr>
+                          <m:ctrlPr>
+                            <a:rPr lang="pt-BR" i="1">
+                              <a:latin typeface="Cambria Math" panose="02040503050406030204" pitchFamily="18" charset="0"/>
+                            </a:rPr>
+                          </m:ctrlPr>
+                        </m:fPr>
+                        <m:num>
+                          <m:r>
+                            <a:rPr lang="pt-BR" i="1">
+                              <a:latin typeface="Cambria Math" panose="02040503050406030204" pitchFamily="18" charset="0"/>
+                            </a:rPr>
+                            <m:t>1</m:t>
+                          </m:r>
+                        </m:num>
+                        <m:den>
+                          <m:sSub>
+                            <m:sSubPr>
+                              <m:ctrlPr>
+                                <a:rPr lang="pt-BR" i="1">
+                                  <a:latin typeface="Cambria Math" panose="02040503050406030204" pitchFamily="18" charset="0"/>
+                                </a:rPr>
+                              </m:ctrlPr>
+                            </m:sSubPr>
+                            <m:e>
+                              <m:r>
+                                <a:rPr lang="pt-BR" i="1">
+                                  <a:latin typeface="Cambria Math" panose="02040503050406030204" pitchFamily="18" charset="0"/>
+                                </a:rPr>
+                                <m:t>𝑁</m:t>
+                              </m:r>
+                            </m:e>
+                            <m:sub>
+                              <m:r>
+                                <m:rPr>
+                                  <m:sty m:val="p"/>
+                                </m:rPr>
+                                <a:rPr lang="pt-BR">
+                                  <a:latin typeface="Cambria Math" panose="02040503050406030204" pitchFamily="18" charset="0"/>
+                                </a:rPr>
+                                <m:t>dados</m:t>
+                              </m:r>
+                            </m:sub>
+                          </m:sSub>
+                          <m:sSub>
+                            <m:sSubPr>
+                              <m:ctrlPr>
+                                <a:rPr lang="pt-BR" i="1">
+                                  <a:latin typeface="Cambria Math" panose="02040503050406030204" pitchFamily="18" charset="0"/>
+                                </a:rPr>
+                              </m:ctrlPr>
+                            </m:sSubPr>
+                            <m:e>
+                              <m:r>
+                                <a:rPr lang="pt-BR" i="1">
+                                  <a:latin typeface="Cambria Math" panose="02040503050406030204" pitchFamily="18" charset="0"/>
+                                </a:rPr>
+                                <m:t>𝑁</m:t>
+                              </m:r>
+                            </m:e>
+                            <m:sub>
+                              <m:r>
+                                <a:rPr lang="pt-BR" i="1">
+                                  <a:latin typeface="Cambria Math" panose="02040503050406030204" pitchFamily="18" charset="0"/>
+                                </a:rPr>
+                                <m:t>𝑀</m:t>
+                              </m:r>
+                            </m:sub>
+                          </m:sSub>
+                        </m:den>
+                      </m:f>
+                      <m:nary>
+                        <m:naryPr>
+                          <m:chr m:val="∑"/>
+                          <m:ctrlPr>
+                            <a:rPr lang="pt-BR" i="1">
+                              <a:latin typeface="Cambria Math" panose="02040503050406030204" pitchFamily="18" charset="0"/>
+                            </a:rPr>
+                          </m:ctrlPr>
+                        </m:naryPr>
+                        <m:sub>
+                          <m:r>
+                            <m:rPr>
+                              <m:brk m:alnAt="23"/>
+                            </m:rPr>
+                            <a:rPr lang="pt-BR" i="1">
+                              <a:latin typeface="Cambria Math" panose="02040503050406030204" pitchFamily="18" charset="0"/>
+                            </a:rPr>
+                            <m:t>𝑛</m:t>
+                          </m:r>
+                          <m:r>
+                            <a:rPr lang="pt-BR" i="1">
+                              <a:latin typeface="Cambria Math" panose="02040503050406030204" pitchFamily="18" charset="0"/>
+                            </a:rPr>
+                            <m:t>=1</m:t>
+                          </m:r>
+                        </m:sub>
+                        <m:sup>
+                          <m:sSub>
+                            <m:sSubPr>
+                              <m:ctrlPr>
+                                <a:rPr lang="pt-BR" i="1">
+                                  <a:latin typeface="Cambria Math" panose="02040503050406030204" pitchFamily="18" charset="0"/>
+                                </a:rPr>
+                              </m:ctrlPr>
+                            </m:sSubPr>
+                            <m:e>
+                              <m:r>
+                                <a:rPr lang="pt-BR" i="1">
+                                  <a:latin typeface="Cambria Math" panose="02040503050406030204" pitchFamily="18" charset="0"/>
+                                </a:rPr>
+                                <m:t>𝑁</m:t>
+                              </m:r>
+                            </m:e>
+                            <m:sub>
+                              <m:r>
+                                <m:rPr>
+                                  <m:sty m:val="p"/>
+                                </m:rPr>
+                                <a:rPr lang="pt-BR">
+                                  <a:latin typeface="Cambria Math" panose="02040503050406030204" pitchFamily="18" charset="0"/>
+                                </a:rPr>
+                                <m:t>dados</m:t>
+                              </m:r>
+                            </m:sub>
+                          </m:sSub>
+                        </m:sup>
+                        <m:e>
+                          <m:nary>
+                            <m:naryPr>
+                              <m:chr m:val="∑"/>
+                              <m:ctrlPr>
+                                <a:rPr lang="pt-BR" i="1">
+                                  <a:latin typeface="Cambria Math" panose="02040503050406030204" pitchFamily="18" charset="0"/>
+                                </a:rPr>
+                              </m:ctrlPr>
+                            </m:naryPr>
+                            <m:sub>
+                              <m:r>
+                                <m:rPr>
+                                  <m:brk m:alnAt="23"/>
+                                </m:rPr>
+                                <a:rPr lang="pt-BR" i="1">
+                                  <a:latin typeface="Cambria Math" panose="02040503050406030204" pitchFamily="18" charset="0"/>
+                                </a:rPr>
+                                <m:t>𝑗</m:t>
+                              </m:r>
+                              <m:r>
+                                <a:rPr lang="pt-BR" i="1">
+                                  <a:latin typeface="Cambria Math" panose="02040503050406030204" pitchFamily="18" charset="0"/>
+                                </a:rPr>
+                                <m:t>=1</m:t>
+                              </m:r>
+                            </m:sub>
+                            <m:sup>
+                              <m:sSub>
+                                <m:sSubPr>
+                                  <m:ctrlPr>
+                                    <a:rPr lang="pt-BR" i="1">
+                                      <a:latin typeface="Cambria Math" panose="02040503050406030204" pitchFamily="18" charset="0"/>
+                                    </a:rPr>
+                                  </m:ctrlPr>
+                                </m:sSubPr>
+                                <m:e>
+                                  <m:r>
+                                    <a:rPr lang="pt-BR" i="1">
+                                      <a:latin typeface="Cambria Math" panose="02040503050406030204" pitchFamily="18" charset="0"/>
+                                    </a:rPr>
+                                    <m:t>𝑁</m:t>
+                                  </m:r>
+                                </m:e>
+                                <m:sub>
+                                  <m:r>
+                                    <a:rPr lang="pt-BR" i="1">
+                                      <a:latin typeface="Cambria Math" panose="02040503050406030204" pitchFamily="18" charset="0"/>
+                                    </a:rPr>
+                                    <m:t>𝑀</m:t>
+                                  </m:r>
+                                </m:sub>
+                              </m:sSub>
+                            </m:sup>
+                            <m:e>
+                              <m:sSup>
+                                <m:sSupPr>
+                                  <m:ctrlPr>
+                                    <a:rPr lang="pt-BR" i="1">
+                                      <a:latin typeface="Cambria Math" panose="02040503050406030204" pitchFamily="18" charset="0"/>
+                                    </a:rPr>
+                                  </m:ctrlPr>
+                                </m:sSupPr>
+                                <m:e>
+                                  <m:d>
+                                    <m:dPr>
+                                      <m:ctrlPr>
+                                        <a:rPr lang="pt-BR" i="1">
+                                          <a:latin typeface="Cambria Math" panose="02040503050406030204" pitchFamily="18" charset="0"/>
+                                        </a:rPr>
+                                      </m:ctrlPr>
+                                    </m:dPr>
+                                    <m:e>
+                                      <m:sSub>
+                                        <m:sSubPr>
+                                          <m:ctrlPr>
+                                            <a:rPr lang="pt-BR" i="1">
+                                              <a:latin typeface="Cambria Math" panose="02040503050406030204" pitchFamily="18" charset="0"/>
+                                            </a:rPr>
+                                          </m:ctrlPr>
+                                        </m:sSubPr>
+                                        <m:e>
+                                          <m:r>
+                                            <a:rPr lang="pt-BR" i="1">
+                                              <a:latin typeface="Cambria Math" panose="02040503050406030204" pitchFamily="18" charset="0"/>
+                                            </a:rPr>
+                                            <m:t>𝑑</m:t>
+                                          </m:r>
+                                        </m:e>
+                                        <m:sub>
+                                          <m:r>
+                                            <a:rPr lang="pt-BR" i="1">
+                                              <a:latin typeface="Cambria Math" panose="02040503050406030204" pitchFamily="18" charset="0"/>
+                                            </a:rPr>
+                                            <m:t>𝑗</m:t>
+                                          </m:r>
+                                        </m:sub>
+                                      </m:sSub>
+                                      <m:d>
+                                        <m:dPr>
+                                          <m:ctrlPr>
+                                            <a:rPr lang="pt-BR" i="1">
+                                              <a:latin typeface="Cambria Math" panose="02040503050406030204" pitchFamily="18" charset="0"/>
+                                            </a:rPr>
+                                          </m:ctrlPr>
+                                        </m:dPr>
+                                        <m:e>
+                                          <m:r>
+                                            <a:rPr lang="pt-BR" i="1">
+                                              <a:latin typeface="Cambria Math" panose="02040503050406030204" pitchFamily="18" charset="0"/>
+                                            </a:rPr>
+                                            <m:t>𝑛</m:t>
+                                          </m:r>
+                                        </m:e>
+                                      </m:d>
+                                      <m:r>
+                                        <a:rPr lang="pt-BR" i="1">
+                                          <a:latin typeface="Cambria Math" panose="02040503050406030204" pitchFamily="18" charset="0"/>
+                                        </a:rPr>
+                                        <m:t>−</m:t>
+                                      </m:r>
+                                      <m:sSubSup>
+                                        <m:sSubSupPr>
+                                          <m:ctrlPr>
+                                            <a:rPr lang="pt-BR" i="1">
+                                              <a:latin typeface="Cambria Math" panose="02040503050406030204" pitchFamily="18" charset="0"/>
+                                            </a:rPr>
+                                          </m:ctrlPr>
+                                        </m:sSubSupPr>
+                                        <m:e>
+                                          <m:r>
+                                            <a:rPr lang="pt-BR" i="1">
+                                              <a:latin typeface="Cambria Math" panose="02040503050406030204" pitchFamily="18" charset="0"/>
+                                            </a:rPr>
+                                            <m:t>𝑦</m:t>
+                                          </m:r>
+                                        </m:e>
+                                        <m:sub>
+                                          <m:r>
+                                            <a:rPr lang="pt-BR" i="1">
+                                              <a:latin typeface="Cambria Math" panose="02040503050406030204" pitchFamily="18" charset="0"/>
+                                            </a:rPr>
+                                            <m:t>𝑗</m:t>
+                                          </m:r>
+                                        </m:sub>
+                                        <m:sup>
+                                          <m:r>
+                                            <a:rPr lang="pt-BR" i="1">
+                                              <a:latin typeface="Cambria Math" panose="02040503050406030204" pitchFamily="18" charset="0"/>
+                                            </a:rPr>
+                                            <m:t>𝑀</m:t>
+                                          </m:r>
+                                        </m:sup>
+                                      </m:sSubSup>
+                                      <m:d>
+                                        <m:dPr>
+                                          <m:ctrlPr>
+                                            <a:rPr lang="pt-BR" i="1">
+                                              <a:latin typeface="Cambria Math" panose="02040503050406030204" pitchFamily="18" charset="0"/>
+                                            </a:rPr>
+                                          </m:ctrlPr>
+                                        </m:dPr>
+                                        <m:e>
+                                          <m:r>
+                                            <a:rPr lang="pt-BR" i="1">
+                                              <a:latin typeface="Cambria Math" panose="02040503050406030204" pitchFamily="18" charset="0"/>
+                                            </a:rPr>
+                                            <m:t>𝑛</m:t>
+                                          </m:r>
+                                        </m:e>
+                                      </m:d>
+                                    </m:e>
+                                  </m:d>
+                                </m:e>
+                                <m:sup>
+                                  <m:r>
+                                    <a:rPr lang="pt-BR" i="1">
+                                      <a:latin typeface="Cambria Math" panose="02040503050406030204" pitchFamily="18" charset="0"/>
+                                    </a:rPr>
+                                    <m:t>2</m:t>
+                                  </m:r>
+                                </m:sup>
+                              </m:sSup>
+                            </m:e>
+                          </m:nary>
+                        </m:e>
+                      </m:nary>
+                    </m:oMath>
+                  </m:oMathPara>
+                </a14:m>
+                <a:endParaRPr lang="pt-BR" dirty="0"/>
+              </a:p>
+            </p:txBody>
+          </p:sp>
+        </mc:Choice>
+        <mc:Fallback>
+          <p:sp>
+            <p:nvSpPr>
+              <p:cNvPr id="4" name="Rectangle 3"/>
+              <p:cNvSpPr>
+                <a:spLocks noRot="1" noChangeAspect="1" noMove="1" noResize="1" noEditPoints="1" noAdjustHandles="1" noChangeArrowheads="1" noChangeShapeType="1" noTextEdit="1"/>
+              </p:cNvSpPr>
+              <p:nvPr/>
+            </p:nvSpPr>
+            <p:spPr>
+              <a:xfrm>
+                <a:off x="7218321" y="788133"/>
+                <a:ext cx="4726935" cy="902555"/>
+              </a:xfrm>
+              <a:prstGeom prst="rect">
+                <a:avLst/>
+              </a:prstGeom>
+              <a:blipFill rotWithShape="0">
+                <a:blip r:embed="rId3"/>
+                <a:stretch>
+                  <a:fillRect/>
+                </a:stretch>
+              </a:blipFill>
+            </p:spPr>
+            <p:txBody>
+              <a:bodyPr/>
+              <a:lstStyle/>
+              <a:p>
+                <a:r>
+                  <a:rPr lang="pt-BR">
+                    <a:noFill/>
+                  </a:rPr>
+                  <a:t> </a:t>
+                </a:r>
+              </a:p>
+            </p:txBody>
+          </p:sp>
+        </mc:Fallback>
+      </mc:AlternateContent>
+      <p:cxnSp>
+        <p:nvCxnSpPr>
+          <p:cNvPr id="6" name="Straight Arrow Connector 5"/>
+          <p:cNvCxnSpPr/>
+          <p:nvPr/>
+        </p:nvCxnSpPr>
+        <p:spPr>
+          <a:xfrm flipV="1">
+            <a:off x="9799983" y="1381540"/>
+            <a:ext cx="1202634" cy="516834"/>
+          </a:xfrm>
+          <a:prstGeom prst="straightConnector1">
+            <a:avLst/>
+          </a:prstGeom>
+          <a:ln>
+            <a:solidFill>
+              <a:srgbClr val="FF0000"/>
+            </a:solidFill>
+            <a:tailEnd type="triangle"/>
+          </a:ln>
+        </p:spPr>
+        <p:style>
+          <a:lnRef idx="1">
+            <a:schemeClr val="accent1"/>
+          </a:lnRef>
+          <a:fillRef idx="0">
+            <a:schemeClr val="accent1"/>
+          </a:fillRef>
+          <a:effectRef idx="0">
+            <a:schemeClr val="accent1"/>
+          </a:effectRef>
+          <a:fontRef idx="minor">
+            <a:schemeClr val="tx1"/>
+          </a:fontRef>
+        </p:style>
+      </p:cxnSp>
     </p:spTree>
     <p:extLst>
       <p:ext uri="{BB962C8B-B14F-4D97-AF65-F5344CB8AC3E}">
@@ -10451,8 +11848,8 @@
           </a:p>
         </p:txBody>
       </p:sp>
-      <mc:AlternateContent xmlns:mc="http://schemas.openxmlformats.org/markup-compatibility/2006" xmlns:a14="http://schemas.microsoft.com/office/drawing/2010/main">
-        <mc:Choice Requires="a14">
+      <mc:AlternateContent xmlns:mc="http://schemas.openxmlformats.org/markup-compatibility/2006">
+        <mc:Choice xmlns:a14="http://schemas.microsoft.com/office/drawing/2010/main" Requires="a14">
           <p:sp>
             <p:nvSpPr>
               <p:cNvPr id="3" name="Content Placeholder 2"/>
@@ -11148,8 +12545,12 @@
                   <a:t>gradiente apenas para </a:t>
                 </a:r>
                 <a:r>
+                  <a:rPr lang="pt-BR" dirty="0"/>
+                  <a:t>o</a:t>
+                </a:r>
+                <a:r>
                   <a:rPr lang="pt-BR" dirty="0" smtClean="0"/>
-                  <a:t>a </a:t>
+                  <a:t> </a:t>
                 </a:r>
                 <a14:m>
                   <m:oMath xmlns:m="http://schemas.openxmlformats.org/officeDocument/2006/math">
@@ -11170,7 +12571,7 @@
                 </a:r>
                 <a:r>
                   <a:rPr lang="pt-BR" dirty="0" smtClean="0"/>
-                  <a:t>ésima amostra, </a:t>
+                  <a:t>ésimo exemplo, </a:t>
                 </a:r>
                 <a:r>
                   <a:rPr lang="pt-BR" dirty="0"/>
@@ -11190,13 +12591,18 @@
                 </a:r>
                 <a:r>
                   <a:rPr lang="pt-BR" dirty="0"/>
-                  <a:t>) associados a cada amostra.</a:t>
-                </a:r>
+                  <a:t>) associados a cada </a:t>
+                </a:r>
+                <a:r>
+                  <a:rPr lang="pt-BR" dirty="0" smtClean="0"/>
+                  <a:t>exemplo.</a:t>
+                </a:r>
+                <a:endParaRPr lang="pt-BR" dirty="0"/>
               </a:p>
             </p:txBody>
           </p:sp>
         </mc:Choice>
-        <mc:Fallback xmlns="">
+        <mc:Fallback>
           <p:sp>
             <p:nvSpPr>
               <p:cNvPr id="3" name="Content Placeholder 2"/>
@@ -11291,8 +12697,8 @@
           </a:p>
         </p:txBody>
       </p:sp>
-      <mc:AlternateContent xmlns:mc="http://schemas.openxmlformats.org/markup-compatibility/2006" xmlns:a14="http://schemas.microsoft.com/office/drawing/2010/main">
-        <mc:Choice Requires="a14">
+      <mc:AlternateContent xmlns:mc="http://schemas.openxmlformats.org/markup-compatibility/2006">
+        <mc:Choice xmlns:a14="http://schemas.microsoft.com/office/drawing/2010/main" Requires="a14">
           <p:sp>
             <p:nvSpPr>
               <p:cNvPr id="3" name="Content Placeholder 2"/>
@@ -11316,7 +12722,7 @@
               <a:lstStyle/>
               <a:p>
                 <a:r>
-                  <a:rPr lang="pt-BR" dirty="0"/>
+                  <a:rPr lang="pt-BR" dirty="0" smtClean="0"/>
                   <a:t>Considerando novamente a derivada geral </a:t>
                 </a:r>
                 <a14:m>
@@ -11698,7 +13104,56 @@
                 </a:r>
                 <a:r>
                   <a:rPr lang="pt-BR" dirty="0"/>
-                  <a:t> com respeito à ativação do </a:t>
+                  <a:t> com respeito à </a:t>
+                </a:r>
+                <a:r>
+                  <a:rPr lang="pt-BR" b="1" i="1" dirty="0" smtClean="0"/>
+                  <a:t>ativação</a:t>
+                </a:r>
+                <a:r>
+                  <a:rPr lang="pt-BR" dirty="0" smtClean="0"/>
+                  <a:t>, </a:t>
+                </a:r>
+                <a14:m>
+                  <m:oMath xmlns:m="http://schemas.openxmlformats.org/officeDocument/2006/math">
+                    <m:sSubSup>
+                      <m:sSubSupPr>
+                        <m:ctrlPr>
+                          <a:rPr lang="pt-BR" i="1" smtClean="0">
+                            <a:latin typeface="Cambria Math" panose="02040503050406030204" pitchFamily="18" charset="0"/>
+                          </a:rPr>
+                        </m:ctrlPr>
+                      </m:sSubSupPr>
+                      <m:e>
+                        <m:r>
+                          <a:rPr lang="pt-BR" b="0" i="1" smtClean="0">
+                            <a:latin typeface="Cambria Math" panose="02040503050406030204" pitchFamily="18" charset="0"/>
+                          </a:rPr>
+                          <m:t>𝑢</m:t>
+                        </m:r>
+                      </m:e>
+                      <m:sub>
+                        <m:r>
+                          <a:rPr lang="pt-BR" b="0" i="1" smtClean="0">
+                            <a:latin typeface="Cambria Math" panose="02040503050406030204" pitchFamily="18" charset="0"/>
+                          </a:rPr>
+                          <m:t>𝑖</m:t>
+                        </m:r>
+                      </m:sub>
+                      <m:sup>
+                        <m:r>
+                          <a:rPr lang="pt-BR" b="0" i="1" smtClean="0">
+                            <a:latin typeface="Cambria Math" panose="02040503050406030204" pitchFamily="18" charset="0"/>
+                          </a:rPr>
+                          <m:t>𝑚</m:t>
+                        </m:r>
+                      </m:sup>
+                    </m:sSubSup>
+                  </m:oMath>
+                </a14:m>
+                <a:r>
+                  <a:rPr lang="pt-BR" dirty="0" smtClean="0"/>
+                  <a:t>, do </a:t>
                 </a:r>
                 <a14:m>
                   <m:oMath xmlns:m="http://schemas.openxmlformats.org/officeDocument/2006/math">
@@ -11763,13 +13218,7 @@
                 </a14:m>
                 <a:r>
                   <a:rPr lang="pt-BR" dirty="0" smtClean="0"/>
-                  <a:t>.</a:t>
-                </a:r>
-              </a:p>
-              <a:p>
-                <a:r>
-                  <a:rPr lang="pt-BR" dirty="0" smtClean="0"/>
-                  <a:t>Desta </a:t>
+                  <a:t>. Desta </a:t>
                 </a:r>
                 <a:r>
                   <a:rPr lang="pt-BR" dirty="0"/>
@@ -11941,13 +13390,32 @@
                   <a:t> é único para cada </a:t>
                 </a:r>
                 <a:r>
-                  <a:rPr lang="pt-BR" b="1" i="1" dirty="0"/>
+                  <a:rPr lang="pt-BR" b="1" i="1" dirty="0" smtClean="0"/>
                   <a:t>nó</a:t>
                 </a:r>
                 <a:r>
+                  <a:rPr lang="pt-BR" dirty="0" smtClean="0"/>
+                  <a:t> da </a:t>
+                </a:r>
+                <a14:m>
+                  <m:oMath xmlns:m="http://schemas.openxmlformats.org/officeDocument/2006/math">
+                    <m:r>
+                      <a:rPr lang="pt-BR" i="1">
+                        <a:latin typeface="Cambria Math" panose="02040503050406030204" pitchFamily="18" charset="0"/>
+                      </a:rPr>
+                      <m:t>𝑚</m:t>
+                    </m:r>
+                  </m:oMath>
+                </a14:m>
+                <a:r>
                   <a:rPr lang="pt-BR" dirty="0"/>
+                  <a:t>-ésima camada</a:t>
+                </a:r>
+                <a:r>
+                  <a:rPr lang="pt-BR" dirty="0" smtClean="0"/>
                   <a:t>. </a:t>
                 </a:r>
+                <a:endParaRPr lang="pt-BR" dirty="0"/>
               </a:p>
               <a:p>
                 <a:r>
@@ -12261,7 +13729,7 @@
             </p:txBody>
           </p:sp>
         </mc:Choice>
-        <mc:Fallback xmlns="">
+        <mc:Fallback>
           <p:sp>
             <p:nvSpPr>
               <p:cNvPr id="3" name="Content Placeholder 2"/>
@@ -12356,8 +13824,8 @@
           </a:p>
         </p:txBody>
       </p:sp>
-      <mc:AlternateContent xmlns:mc="http://schemas.openxmlformats.org/markup-compatibility/2006" xmlns:a14="http://schemas.microsoft.com/office/drawing/2010/main">
-        <mc:Choice Requires="a14">
+      <mc:AlternateContent xmlns:mc="http://schemas.openxmlformats.org/markup-compatibility/2006">
+        <mc:Choice xmlns:a14="http://schemas.microsoft.com/office/drawing/2010/main" Requires="a14">
           <p:sp>
             <p:nvSpPr>
               <p:cNvPr id="3" name="Content Placeholder 2"/>
@@ -12552,7 +14020,7 @@
                   <a:t>Caso a derivada seja em relação ao termo de </a:t>
                 </a:r>
                 <a:r>
-                  <a:rPr lang="pt-BR" b="1" dirty="0"/>
+                  <a:rPr lang="pt-BR" b="1" i="1" dirty="0"/>
                   <a:t>bias</a:t>
                 </a:r>
                 <a:r>
@@ -12724,7 +14192,15 @@
                 </a:r>
                 <a:r>
                   <a:rPr lang="pt-BR" b="1" i="1" dirty="0"/>
-                  <a:t>todas as derivadas da função de custo com respeito aos pesos sinápticos são produtos de um valor delta, </a:t>
+                  <a:t>todas as derivadas da função de custo com respeito aos pesos </a:t>
+                </a:r>
+                <a:r>
+                  <a:rPr lang="pt-BR" b="1" i="1" dirty="0" smtClean="0"/>
+                  <a:t>(sinápticos/bias) são </a:t>
+                </a:r>
+                <a:r>
+                  <a:rPr lang="pt-BR" b="1" i="1" dirty="0"/>
+                  <a:t>produtos de um valor delta, </a:t>
                 </a:r>
                 <a14:m>
                   <m:oMath xmlns:m="http://schemas.openxmlformats.org/officeDocument/2006/math">
@@ -13130,8 +14606,16 @@
                   <a:buNone/>
                 </a:pPr>
                 <a:r>
+                  <a:rPr lang="pt-BR" dirty="0"/>
+                  <a:t>o</a:t>
+                </a:r>
+                <a:r>
                   <a:rPr lang="pt-BR" dirty="0" smtClean="0"/>
-                  <a:t>Ou, para o beso de bias, </a:t>
+                  <a:t>u</a:t>
+                </a:r>
+                <a:r>
+                  <a:rPr lang="pt-BR" dirty="0" smtClean="0"/>
+                  <a:t>, para o beso de bias, </a:t>
                 </a:r>
                 <a14:m>
                   <m:oMath xmlns:m="http://schemas.openxmlformats.org/officeDocument/2006/math">
@@ -13629,7 +15113,7 @@
             </p:txBody>
           </p:sp>
         </mc:Choice>
-        <mc:Fallback xmlns="">
+        <mc:Fallback>
           <p:sp>
             <p:nvSpPr>
               <p:cNvPr id="3" name="Content Placeholder 2"/>
@@ -13825,29 +15309,17 @@
           <a:p>
             <a:r>
               <a:rPr lang="pt-BR" dirty="0" smtClean="0"/>
-              <a:t>Aprendemos que as funções de ativação sigmóide e tangente hiperbólica causam o problema do desaparecimento do gradiente, o </a:t>
-            </a:r>
-            <a:r>
-              <a:rPr lang="pt-BR" dirty="0" smtClean="0"/>
-              <a:t>qual pode ser solucionado </a:t>
-            </a:r>
-            <a:r>
-              <a:rPr lang="pt-BR" dirty="0" smtClean="0"/>
-              <a:t>usando-se a função retificadora.</a:t>
+              <a:t>Aprendemos que as funções de ativação sigmóide e tangente hiperbólica causam o problema do desaparecimento do gradiente, o qual pode ser solucionado usando-se a função retificadora.</a:t>
             </a:r>
           </a:p>
           <a:p>
             <a:r>
               <a:rPr lang="pt-BR" dirty="0" smtClean="0"/>
-              <a:t>Discutimos algumas topologias diferentes </a:t>
+              <a:t>Vimos algumas </a:t>
             </a:r>
             <a:r>
               <a:rPr lang="pt-BR" dirty="0" smtClean="0"/>
-              <a:t>de </a:t>
-            </a:r>
-            <a:r>
-              <a:rPr lang="pt-BR" dirty="0" smtClean="0"/>
-              <a:t>redes neurais.</a:t>
+              <a:t>topologias diferentes de redes neurais.</a:t>
             </a:r>
           </a:p>
           <a:p>
@@ -13916,8 +15388,8 @@
           </a:p>
         </p:txBody>
       </p:sp>
-      <mc:AlternateContent xmlns:mc="http://schemas.openxmlformats.org/markup-compatibility/2006" xmlns:a14="http://schemas.microsoft.com/office/drawing/2010/main">
-        <mc:Choice Requires="a14">
+      <mc:AlternateContent xmlns:mc="http://schemas.openxmlformats.org/markup-compatibility/2006">
+        <mc:Choice xmlns:a14="http://schemas.microsoft.com/office/drawing/2010/main" Requires="a14">
           <p:sp>
             <p:nvSpPr>
               <p:cNvPr id="3" name="Content Placeholder 2"/>
@@ -13946,7 +15418,15 @@
                 </a:r>
                 <a:r>
                   <a:rPr lang="pt-BR" dirty="0" smtClean="0"/>
-                  <a:t>para atualização dos pesos sinápticos da rede neural é </a:t>
+                  <a:t>para atualização dos pesos </a:t>
+                </a:r>
+                <a:r>
+                  <a:rPr lang="pt-BR" dirty="0" smtClean="0"/>
+                  <a:t>(sinápticos/bias) </a:t>
+                </a:r>
+                <a:r>
+                  <a:rPr lang="pt-BR" dirty="0" smtClean="0"/>
+                  <a:t>da rede neural é </a:t>
                 </a:r>
                 <a:r>
                   <a:rPr lang="pt-BR" dirty="0"/>
@@ -14027,8 +15507,13 @@
                 </a:r>
                 <a:r>
                   <a:rPr lang="pt-BR" dirty="0"/>
-                  <a:t> das camadas anteriores até a primeira camada intermediária. </a:t>
-                </a:r>
+                  <a:t> das camadas anteriores até a primeira camada </a:t>
+                </a:r>
+                <a:r>
+                  <a:rPr lang="pt-BR" dirty="0" smtClean="0"/>
+                  <a:t>oculta. </a:t>
+                </a:r>
+                <a:endParaRPr lang="pt-BR" dirty="0"/>
               </a:p>
               <a:p>
                 <a:r>
@@ -14071,7 +15556,19 @@
                 </a:r>
                 <a:r>
                   <a:rPr lang="pt-BR" dirty="0"/>
-                  <a:t>, nós vamos inicialmente agrupar todos os valores </a:t>
+                  <a:t>, nós vamos inicialmente agrupar </a:t>
+                </a:r>
+                <a:r>
+                  <a:rPr lang="pt-BR" dirty="0" smtClean="0"/>
+                  <a:t>todas as </a:t>
+                </a:r>
+                <a:r>
+                  <a:rPr lang="pt-BR" b="1" i="1" dirty="0" smtClean="0"/>
+                  <a:t>sensibilidades</a:t>
+                </a:r>
+                <a:r>
+                  <a:rPr lang="pt-BR" dirty="0" smtClean="0"/>
+                  <a:t>, </a:t>
                 </a:r>
                 <a14:m>
                   <m:oMath xmlns:m="http://schemas.openxmlformats.org/officeDocument/2006/math">
@@ -14112,8 +15609,12 @@
                   </m:oMath>
                 </a14:m>
                 <a:r>
+                  <a:rPr lang="pt-BR" dirty="0" smtClean="0"/>
+                  <a:t>, </a:t>
+                </a:r>
+                <a:r>
                   <a:rPr lang="pt-BR" dirty="0"/>
-                  <a:t> de uma camada em um vetor </a:t>
+                  <a:t>de uma camada em um vetor </a:t>
                 </a:r>
                 <a14:m>
                   <m:oMath xmlns:m="http://schemas.openxmlformats.org/officeDocument/2006/math">
@@ -14339,7 +15840,7 @@
             </p:txBody>
           </p:sp>
         </mc:Choice>
-        <mc:Fallback xmlns="">
+        <mc:Fallback>
           <p:sp>
             <p:nvSpPr>
               <p:cNvPr id="3" name="Content Placeholder 2"/>
@@ -14429,8 +15930,8 @@
           </a:p>
         </p:txBody>
       </p:sp>
-      <mc:AlternateContent xmlns:mc="http://schemas.openxmlformats.org/markup-compatibility/2006" xmlns:a14="http://schemas.microsoft.com/office/drawing/2010/main">
-        <mc:Choice Requires="a14">
+      <mc:AlternateContent xmlns:mc="http://schemas.openxmlformats.org/markup-compatibility/2006">
+        <mc:Choice xmlns:a14="http://schemas.microsoft.com/office/drawing/2010/main" Requires="a14">
           <p:sp>
             <p:nvSpPr>
               <p:cNvPr id="3" name="Content Placeholder 2"/>
@@ -14449,7 +15950,7 @@
             </p:spPr>
             <p:txBody>
               <a:bodyPr>
-                <a:normAutofit fontScale="92500"/>
+                <a:normAutofit fontScale="92500" lnSpcReduction="10000"/>
               </a:bodyPr>
               <a:lstStyle/>
               <a:p>
@@ -14518,7 +16019,15 @@
                 </a14:m>
                 <a:r>
                   <a:rPr lang="pt-BR" dirty="0"/>
-                  <a:t>, e, de maneira recursiva, </a:t>
+                  <a:t>, e, de maneira </a:t>
+                </a:r>
+                <a:r>
+                  <a:rPr lang="pt-BR" b="1" i="1" dirty="0"/>
+                  <a:t>recursiva</a:t>
+                </a:r>
+                <a:r>
+                  <a:rPr lang="pt-BR" dirty="0"/>
+                  <a:t>, </a:t>
                 </a:r>
                 <a:r>
                   <a:rPr lang="pt-BR" dirty="0" smtClean="0"/>
@@ -14992,50 +16501,127 @@
                         </m:den>
                       </m:f>
                       <m:r>
-                        <a:rPr lang="pt-BR" i="1">
+                        <a:rPr lang="pt-BR" b="0" i="1" smtClean="0">
                           <a:latin typeface="Cambria Math" panose="02040503050406030204" pitchFamily="18" charset="0"/>
                         </a:rPr>
-                        <m:t>=−2</m:t>
+                        <m:t>=</m:t>
                       </m:r>
-                      <m:d>
-                        <m:dPr>
+                      <m:f>
+                        <m:fPr>
                           <m:ctrlPr>
                             <a:rPr lang="pt-BR" i="1">
                               <a:latin typeface="Cambria Math" panose="02040503050406030204" pitchFamily="18" charset="0"/>
                             </a:rPr>
                           </m:ctrlPr>
-                        </m:dPr>
-                        <m:e>
-                          <m:sSub>
-                            <m:sSubPr>
+                        </m:fPr>
+                        <m:num>
+                          <m:r>
+                            <a:rPr lang="pt-BR" i="1">
+                              <a:latin typeface="Cambria Math" panose="02040503050406030204" pitchFamily="18" charset="0"/>
+                            </a:rPr>
+                            <m:t>𝜕</m:t>
+                          </m:r>
+                          <m:sSup>
+                            <m:sSupPr>
                               <m:ctrlPr>
                                 <a:rPr lang="pt-BR" i="1">
                                   <a:latin typeface="Cambria Math" panose="02040503050406030204" pitchFamily="18" charset="0"/>
                                 </a:rPr>
                               </m:ctrlPr>
-                            </m:sSubPr>
+                            </m:sSupPr>
                             <m:e>
+                              <m:d>
+                                <m:dPr>
+                                  <m:ctrlPr>
+                                    <a:rPr lang="pt-BR" i="1">
+                                      <a:latin typeface="Cambria Math" panose="02040503050406030204" pitchFamily="18" charset="0"/>
+                                    </a:rPr>
+                                  </m:ctrlPr>
+                                </m:dPr>
+                                <m:e>
+                                  <m:sSub>
+                                    <m:sSubPr>
+                                      <m:ctrlPr>
+                                        <a:rPr lang="pt-BR" i="1">
+                                          <a:latin typeface="Cambria Math" panose="02040503050406030204" pitchFamily="18" charset="0"/>
+                                        </a:rPr>
+                                      </m:ctrlPr>
+                                    </m:sSubPr>
+                                    <m:e>
+                                      <m:r>
+                                        <a:rPr lang="pt-BR" i="1">
+                                          <a:latin typeface="Cambria Math" panose="02040503050406030204" pitchFamily="18" charset="0"/>
+                                        </a:rPr>
+                                        <m:t>𝑑</m:t>
+                                      </m:r>
+                                    </m:e>
+                                    <m:sub>
+                                      <m:r>
+                                        <a:rPr lang="pt-BR" i="1">
+                                          <a:latin typeface="Cambria Math" panose="02040503050406030204" pitchFamily="18" charset="0"/>
+                                        </a:rPr>
+                                        <m:t>𝑗</m:t>
+                                      </m:r>
+                                    </m:sub>
+                                  </m:sSub>
+                                  <m:r>
+                                    <a:rPr lang="pt-BR" i="1">
+                                      <a:latin typeface="Cambria Math" panose="02040503050406030204" pitchFamily="18" charset="0"/>
+                                    </a:rPr>
+                                    <m:t>−</m:t>
+                                  </m:r>
+                                  <m:sSubSup>
+                                    <m:sSubSupPr>
+                                      <m:ctrlPr>
+                                        <a:rPr lang="pt-BR" i="1">
+                                          <a:latin typeface="Cambria Math" panose="02040503050406030204" pitchFamily="18" charset="0"/>
+                                        </a:rPr>
+                                      </m:ctrlPr>
+                                    </m:sSubSupPr>
+                                    <m:e>
+                                      <m:r>
+                                        <a:rPr lang="pt-BR" i="1">
+                                          <a:latin typeface="Cambria Math" panose="02040503050406030204" pitchFamily="18" charset="0"/>
+                                        </a:rPr>
+                                        <m:t>𝑦</m:t>
+                                      </m:r>
+                                    </m:e>
+                                    <m:sub>
+                                      <m:r>
+                                        <a:rPr lang="pt-BR" i="1">
+                                          <a:latin typeface="Cambria Math" panose="02040503050406030204" pitchFamily="18" charset="0"/>
+                                        </a:rPr>
+                                        <m:t>𝑗</m:t>
+                                      </m:r>
+                                    </m:sub>
+                                    <m:sup>
+                                      <m:r>
+                                        <a:rPr lang="pt-BR" i="1">
+                                          <a:latin typeface="Cambria Math" panose="02040503050406030204" pitchFamily="18" charset="0"/>
+                                        </a:rPr>
+                                        <m:t>𝑀</m:t>
+                                      </m:r>
+                                    </m:sup>
+                                  </m:sSubSup>
+                                </m:e>
+                              </m:d>
+                            </m:e>
+                            <m:sup>
                               <m:r>
                                 <a:rPr lang="pt-BR" i="1">
                                   <a:latin typeface="Cambria Math" panose="02040503050406030204" pitchFamily="18" charset="0"/>
                                 </a:rPr>
-                                <m:t>𝑑</m:t>
+                                <m:t>2</m:t>
                               </m:r>
-                            </m:e>
-                            <m:sub>
-                              <m:r>
-                                <a:rPr lang="pt-BR" i="1">
-                                  <a:latin typeface="Cambria Math" panose="02040503050406030204" pitchFamily="18" charset="0"/>
-                                </a:rPr>
-                                <m:t>𝑗</m:t>
-                              </m:r>
-                            </m:sub>
-                          </m:sSub>
+                            </m:sup>
+                          </m:sSup>
+                        </m:num>
+                        <m:den>
                           <m:r>
                             <a:rPr lang="pt-BR" i="1">
                               <a:latin typeface="Cambria Math" panose="02040503050406030204" pitchFamily="18" charset="0"/>
                             </a:rPr>
-                            <m:t>−</m:t>
+                            <m:t>𝜕</m:t>
                           </m:r>
                           <m:sSubSup>
                             <m:sSubSupPr>
@@ -15070,8 +16656,8 @@
                               </m:r>
                             </m:sup>
                           </m:sSubSup>
-                        </m:e>
-                      </m:d>
+                        </m:den>
+                      </m:f>
                       <m:f>
                         <m:fPr>
                           <m:ctrlPr>
@@ -15244,6 +16830,195 @@
                           </m:sSubSup>
                         </m:e>
                       </m:d>
+                      <m:f>
+                        <m:fPr>
+                          <m:ctrlPr>
+                            <a:rPr lang="pt-BR" i="1">
+                              <a:latin typeface="Cambria Math" panose="02040503050406030204" pitchFamily="18" charset="0"/>
+                            </a:rPr>
+                          </m:ctrlPr>
+                        </m:fPr>
+                        <m:num>
+                          <m:r>
+                            <a:rPr lang="pt-BR" i="1">
+                              <a:latin typeface="Cambria Math" panose="02040503050406030204" pitchFamily="18" charset="0"/>
+                            </a:rPr>
+                            <m:t>𝜕</m:t>
+                          </m:r>
+                          <m:sSubSup>
+                            <m:sSubSupPr>
+                              <m:ctrlPr>
+                                <a:rPr lang="pt-BR" i="1">
+                                  <a:latin typeface="Cambria Math" panose="02040503050406030204" pitchFamily="18" charset="0"/>
+                                </a:rPr>
+                              </m:ctrlPr>
+                            </m:sSubSupPr>
+                            <m:e>
+                              <m:r>
+                                <a:rPr lang="pt-BR" i="1">
+                                  <a:latin typeface="Cambria Math" panose="02040503050406030204" pitchFamily="18" charset="0"/>
+                                </a:rPr>
+                                <m:t>𝑦</m:t>
+                              </m:r>
+                            </m:e>
+                            <m:sub>
+                              <m:r>
+                                <a:rPr lang="pt-BR" i="1">
+                                  <a:latin typeface="Cambria Math" panose="02040503050406030204" pitchFamily="18" charset="0"/>
+                                </a:rPr>
+                                <m:t>𝑗</m:t>
+                              </m:r>
+                            </m:sub>
+                            <m:sup>
+                              <m:r>
+                                <a:rPr lang="pt-BR" i="1">
+                                  <a:latin typeface="Cambria Math" panose="02040503050406030204" pitchFamily="18" charset="0"/>
+                                </a:rPr>
+                                <m:t>𝑀</m:t>
+                              </m:r>
+                            </m:sup>
+                          </m:sSubSup>
+                        </m:num>
+                        <m:den>
+                          <m:r>
+                            <a:rPr lang="pt-BR" i="1">
+                              <a:latin typeface="Cambria Math" panose="02040503050406030204" pitchFamily="18" charset="0"/>
+                            </a:rPr>
+                            <m:t>𝜕</m:t>
+                          </m:r>
+                          <m:sSubSup>
+                            <m:sSubSupPr>
+                              <m:ctrlPr>
+                                <a:rPr lang="pt-BR" i="1">
+                                  <a:latin typeface="Cambria Math" panose="02040503050406030204" pitchFamily="18" charset="0"/>
+                                </a:rPr>
+                              </m:ctrlPr>
+                            </m:sSubSupPr>
+                            <m:e>
+                              <m:r>
+                                <a:rPr lang="pt-BR" i="1">
+                                  <a:latin typeface="Cambria Math" panose="02040503050406030204" pitchFamily="18" charset="0"/>
+                                </a:rPr>
+                                <m:t>𝑢</m:t>
+                              </m:r>
+                            </m:e>
+                            <m:sub>
+                              <m:r>
+                                <a:rPr lang="pt-BR" i="1">
+                                  <a:latin typeface="Cambria Math" panose="02040503050406030204" pitchFamily="18" charset="0"/>
+                                </a:rPr>
+                                <m:t>𝑖</m:t>
+                              </m:r>
+                            </m:sub>
+                            <m:sup>
+                              <m:r>
+                                <a:rPr lang="pt-BR" i="1">
+                                  <a:latin typeface="Cambria Math" panose="02040503050406030204" pitchFamily="18" charset="0"/>
+                                </a:rPr>
+                                <m:t>𝑀</m:t>
+                              </m:r>
+                            </m:sup>
+                          </m:sSubSup>
+                        </m:den>
+                      </m:f>
+                    </m:oMath>
+                  </m:oMathPara>
+                </a14:m>
+                <a:endParaRPr lang="pt-BR" i="1" dirty="0" smtClean="0">
+                  <a:latin typeface="Cambria Math" panose="02040503050406030204" pitchFamily="18" charset="0"/>
+                </a:endParaRPr>
+              </a:p>
+              <a:p>
+                <a:pPr marL="0" indent="0" algn="ctr">
+                  <a:buNone/>
+                </a:pPr>
+                <a14:m>
+                  <m:oMathPara xmlns:m="http://schemas.openxmlformats.org/officeDocument/2006/math">
+                    <m:oMathParaPr>
+                      <m:jc m:val="centerGroup"/>
+                    </m:oMathParaPr>
+                    <m:oMath xmlns:m="http://schemas.openxmlformats.org/officeDocument/2006/math">
+                      <m:r>
+                        <a:rPr lang="pt-BR" i="1">
+                          <a:latin typeface="Cambria Math" panose="02040503050406030204" pitchFamily="18" charset="0"/>
+                        </a:rPr>
+                        <m:t>=−2</m:t>
+                      </m:r>
+                      <m:d>
+                        <m:dPr>
+                          <m:ctrlPr>
+                            <a:rPr lang="pt-BR" i="1">
+                              <a:latin typeface="Cambria Math" panose="02040503050406030204" pitchFamily="18" charset="0"/>
+                            </a:rPr>
+                          </m:ctrlPr>
+                        </m:dPr>
+                        <m:e>
+                          <m:sSub>
+                            <m:sSubPr>
+                              <m:ctrlPr>
+                                <a:rPr lang="pt-BR" i="1">
+                                  <a:latin typeface="Cambria Math" panose="02040503050406030204" pitchFamily="18" charset="0"/>
+                                </a:rPr>
+                              </m:ctrlPr>
+                            </m:sSubPr>
+                            <m:e>
+                              <m:r>
+                                <a:rPr lang="pt-BR" i="1">
+                                  <a:latin typeface="Cambria Math" panose="02040503050406030204" pitchFamily="18" charset="0"/>
+                                </a:rPr>
+                                <m:t>𝑑</m:t>
+                              </m:r>
+                            </m:e>
+                            <m:sub>
+                              <m:r>
+                                <a:rPr lang="pt-BR" i="1">
+                                  <a:latin typeface="Cambria Math" panose="02040503050406030204" pitchFamily="18" charset="0"/>
+                                </a:rPr>
+                                <m:t>𝑗</m:t>
+                              </m:r>
+                            </m:sub>
+                          </m:sSub>
+                          <m:r>
+                            <a:rPr lang="pt-BR" i="1">
+                              <a:latin typeface="Cambria Math" panose="02040503050406030204" pitchFamily="18" charset="0"/>
+                            </a:rPr>
+                            <m:t>−</m:t>
+                          </m:r>
+                          <m:sSubSup>
+                            <m:sSubSupPr>
+                              <m:ctrlPr>
+                                <a:rPr lang="pt-BR" i="1">
+                                  <a:latin typeface="Cambria Math" panose="02040503050406030204" pitchFamily="18" charset="0"/>
+                                </a:rPr>
+                              </m:ctrlPr>
+                            </m:sSubSupPr>
+                            <m:e>
+                              <m:r>
+                                <a:rPr lang="pt-BR" i="1">
+                                  <a:latin typeface="Cambria Math" panose="02040503050406030204" pitchFamily="18" charset="0"/>
+                                </a:rPr>
+                                <m:t>𝑦</m:t>
+                              </m:r>
+                            </m:e>
+                            <m:sub>
+                              <m:r>
+                                <a:rPr lang="pt-BR" i="1">
+                                  <a:latin typeface="Cambria Math" panose="02040503050406030204" pitchFamily="18" charset="0"/>
+                                </a:rPr>
+                                <m:t>𝑗</m:t>
+                              </m:r>
+                            </m:sub>
+                            <m:sup>
+                              <m:r>
+                                <a:rPr lang="pt-BR" i="1">
+                                  <a:latin typeface="Cambria Math" panose="02040503050406030204" pitchFamily="18" charset="0"/>
+                                </a:rPr>
+                                <m:t>𝑀</m:t>
+                              </m:r>
+                            </m:sup>
+                          </m:sSubSup>
+                        </m:e>
+                      </m:d>
                       <m:sSup>
                         <m:sSupPr>
                           <m:ctrlPr>
@@ -15338,6 +17113,137 @@
                   <a:rPr lang="pt-BR" dirty="0" smtClean="0"/>
                   <a:t>onde </a:t>
                 </a:r>
+              </a:p>
+              <a:p>
+                <a:pPr marL="0" indent="0">
+                  <a:buNone/>
+                </a:pPr>
+                <a14:m>
+                  <m:oMathPara xmlns:m="http://schemas.openxmlformats.org/officeDocument/2006/math">
+                    <m:oMathParaPr>
+                      <m:jc m:val="centerGroup"/>
+                    </m:oMathParaPr>
+                    <m:oMath xmlns:m="http://schemas.openxmlformats.org/officeDocument/2006/math">
+                      <m:sSubSup>
+                        <m:sSubSupPr>
+                          <m:ctrlPr>
+                            <a:rPr lang="pt-BR" i="1">
+                              <a:latin typeface="Cambria Math" panose="02040503050406030204" pitchFamily="18" charset="0"/>
+                            </a:rPr>
+                          </m:ctrlPr>
+                        </m:sSubSupPr>
+                        <m:e>
+                          <m:r>
+                            <a:rPr lang="pt-BR" i="1">
+                              <a:latin typeface="Cambria Math" panose="02040503050406030204" pitchFamily="18" charset="0"/>
+                            </a:rPr>
+                            <m:t>𝑦</m:t>
+                          </m:r>
+                        </m:e>
+                        <m:sub>
+                          <m:r>
+                            <a:rPr lang="pt-BR" i="1">
+                              <a:latin typeface="Cambria Math" panose="02040503050406030204" pitchFamily="18" charset="0"/>
+                            </a:rPr>
+                            <m:t>𝑗</m:t>
+                          </m:r>
+                        </m:sub>
+                        <m:sup>
+                          <m:r>
+                            <a:rPr lang="pt-BR" i="1">
+                              <a:latin typeface="Cambria Math" panose="02040503050406030204" pitchFamily="18" charset="0"/>
+                            </a:rPr>
+                            <m:t>𝑀</m:t>
+                          </m:r>
+                        </m:sup>
+                      </m:sSubSup>
+                      <m:r>
+                        <a:rPr lang="pt-BR" b="0" i="1" smtClean="0">
+                          <a:latin typeface="Cambria Math" panose="02040503050406030204" pitchFamily="18" charset="0"/>
+                        </a:rPr>
+                        <m:t>=</m:t>
+                      </m:r>
+                      <m:sSup>
+                        <m:sSupPr>
+                          <m:ctrlPr>
+                            <a:rPr lang="pt-BR" i="1">
+                              <a:latin typeface="Cambria Math" panose="02040503050406030204" pitchFamily="18" charset="0"/>
+                            </a:rPr>
+                          </m:ctrlPr>
+                        </m:sSupPr>
+                        <m:e>
+                          <m:r>
+                            <a:rPr lang="pt-BR" i="1">
+                              <a:latin typeface="Cambria Math" panose="02040503050406030204" pitchFamily="18" charset="0"/>
+                            </a:rPr>
+                            <m:t>𝑓</m:t>
+                          </m:r>
+                        </m:e>
+                        <m:sup>
+                          <m:r>
+                            <a:rPr lang="pt-BR" i="1">
+                              <a:latin typeface="Cambria Math" panose="02040503050406030204" pitchFamily="18" charset="0"/>
+                            </a:rPr>
+                            <m:t>𝑀</m:t>
+                          </m:r>
+                        </m:sup>
+                      </m:sSup>
+                      <m:d>
+                        <m:dPr>
+                          <m:ctrlPr>
+                            <a:rPr lang="pt-BR" i="1">
+                              <a:latin typeface="Cambria Math" panose="02040503050406030204" pitchFamily="18" charset="0"/>
+                            </a:rPr>
+                          </m:ctrlPr>
+                        </m:dPr>
+                        <m:e>
+                          <m:sSubSup>
+                            <m:sSubSupPr>
+                              <m:ctrlPr>
+                                <a:rPr lang="pt-BR" i="1">
+                                  <a:latin typeface="Cambria Math" panose="02040503050406030204" pitchFamily="18" charset="0"/>
+                                </a:rPr>
+                              </m:ctrlPr>
+                            </m:sSubSupPr>
+                            <m:e>
+                              <m:r>
+                                <a:rPr lang="pt-BR" i="1">
+                                  <a:latin typeface="Cambria Math" panose="02040503050406030204" pitchFamily="18" charset="0"/>
+                                </a:rPr>
+                                <m:t>𝑢</m:t>
+                              </m:r>
+                            </m:e>
+                            <m:sub>
+                              <m:r>
+                                <a:rPr lang="pt-BR" i="1">
+                                  <a:latin typeface="Cambria Math" panose="02040503050406030204" pitchFamily="18" charset="0"/>
+                                </a:rPr>
+                                <m:t>𝑖</m:t>
+                              </m:r>
+                            </m:sub>
+                            <m:sup>
+                              <m:r>
+                                <a:rPr lang="pt-BR" i="1">
+                                  <a:latin typeface="Cambria Math" panose="02040503050406030204" pitchFamily="18" charset="0"/>
+                                </a:rPr>
+                                <m:t>𝑀</m:t>
+                              </m:r>
+                            </m:sup>
+                          </m:sSubSup>
+                        </m:e>
+                      </m:d>
+                      <m:r>
+                        <a:rPr lang="pt-BR" b="0" i="1" smtClean="0">
+                          <a:latin typeface="Cambria Math" panose="02040503050406030204" pitchFamily="18" charset="0"/>
+                        </a:rPr>
+                        <m:t>,</m:t>
+                      </m:r>
+                    </m:oMath>
+                  </m:oMathPara>
+                </a14:m>
+                <a:endParaRPr lang="pt-BR" i="1" dirty="0" smtClean="0">
+                  <a:latin typeface="Cambria Math" panose="02040503050406030204" pitchFamily="18" charset="0"/>
+                </a:endParaRPr>
               </a:p>
               <a:p>
                 <a:pPr marL="0" indent="0">
@@ -15571,7 +17477,7 @@
             </p:txBody>
           </p:sp>
         </mc:Choice>
-        <mc:Fallback xmlns="">
+        <mc:Fallback>
           <p:sp>
             <p:nvSpPr>
               <p:cNvPr id="3" name="Content Placeholder 2"/>
@@ -15590,7 +17496,423 @@
               <a:blipFill rotWithShape="0">
                 <a:blip r:embed="rId3"/>
                 <a:stretch>
-                  <a:fillRect l="-933" t="-1816"/>
+                  <a:fillRect l="-933" t="-2421"/>
+                </a:stretch>
+              </a:blipFill>
+            </p:spPr>
+            <p:txBody>
+              <a:bodyPr/>
+              <a:lstStyle/>
+              <a:p>
+                <a:r>
+                  <a:rPr lang="pt-BR">
+                    <a:noFill/>
+                  </a:rPr>
+                  <a:t> </a:t>
+                </a:r>
+              </a:p>
+            </p:txBody>
+          </p:sp>
+        </mc:Fallback>
+      </mc:AlternateContent>
+      <mc:AlternateContent xmlns:mc="http://schemas.openxmlformats.org/markup-compatibility/2006">
+        <mc:Choice xmlns:a14="http://schemas.microsoft.com/office/drawing/2010/main" Requires="a14">
+          <p:sp>
+            <p:nvSpPr>
+              <p:cNvPr id="4" name="Rectangle 3"/>
+              <p:cNvSpPr/>
+              <p:nvPr/>
+            </p:nvSpPr>
+            <p:spPr>
+              <a:xfrm>
+                <a:off x="9011877" y="4784267"/>
+                <a:ext cx="2933379" cy="906851"/>
+              </a:xfrm>
+              <a:prstGeom prst="rect">
+                <a:avLst/>
+              </a:prstGeom>
+            </p:spPr>
+            <p:txBody>
+              <a:bodyPr wrap="square">
+                <a:spAutoFit/>
+              </a:bodyPr>
+              <a:lstStyle/>
+              <a:p>
+                <a:r>
+                  <a:rPr lang="pt-BR" dirty="0" smtClean="0"/>
+                  <a:t>Função logística</a:t>
+                </a:r>
+              </a:p>
+              <a:p>
+                <a14:m>
+                  <m:oMathPara xmlns:m="http://schemas.openxmlformats.org/officeDocument/2006/math">
+                    <m:oMathParaPr>
+                      <m:jc m:val="centerGroup"/>
+                    </m:oMathParaPr>
+                    <m:oMath xmlns:m="http://schemas.openxmlformats.org/officeDocument/2006/math">
+                      <m:f>
+                        <m:fPr>
+                          <m:ctrlPr>
+                            <a:rPr lang="pt-BR" i="1" smtClean="0">
+                              <a:latin typeface="Cambria Math" panose="02040503050406030204" pitchFamily="18" charset="0"/>
+                            </a:rPr>
+                          </m:ctrlPr>
+                        </m:fPr>
+                        <m:num>
+                          <m:r>
+                            <a:rPr lang="pt-BR" i="1">
+                              <a:latin typeface="Cambria Math" panose="02040503050406030204" pitchFamily="18" charset="0"/>
+                            </a:rPr>
+                            <m:t>𝜕</m:t>
+                          </m:r>
+                          <m:r>
+                            <a:rPr lang="pt-BR" i="1">
+                              <a:latin typeface="Cambria Math" panose="02040503050406030204" pitchFamily="18" charset="0"/>
+                            </a:rPr>
+                            <m:t>𝑓</m:t>
+                          </m:r>
+                          <m:d>
+                            <m:dPr>
+                              <m:ctrlPr>
+                                <a:rPr lang="pt-BR" i="1">
+                                  <a:latin typeface="Cambria Math" panose="02040503050406030204" pitchFamily="18" charset="0"/>
+                                </a:rPr>
+                              </m:ctrlPr>
+                            </m:dPr>
+                            <m:e>
+                              <m:r>
+                                <a:rPr lang="pt-BR" b="0" i="1" smtClean="0">
+                                  <a:latin typeface="Cambria Math" panose="02040503050406030204" pitchFamily="18" charset="0"/>
+                                </a:rPr>
+                                <m:t>𝑢</m:t>
+                              </m:r>
+                            </m:e>
+                          </m:d>
+                        </m:num>
+                        <m:den>
+                          <m:r>
+                            <a:rPr lang="pt-BR" i="1">
+                              <a:latin typeface="Cambria Math" panose="02040503050406030204" pitchFamily="18" charset="0"/>
+                            </a:rPr>
+                            <m:t>𝜕</m:t>
+                          </m:r>
+                          <m:r>
+                            <a:rPr lang="pt-BR" b="0" i="1" smtClean="0">
+                              <a:latin typeface="Cambria Math" panose="02040503050406030204" pitchFamily="18" charset="0"/>
+                            </a:rPr>
+                            <m:t>𝑢</m:t>
+                          </m:r>
+                        </m:den>
+                      </m:f>
+                      <m:r>
+                        <a:rPr lang="pt-BR" i="1">
+                          <a:latin typeface="Cambria Math" panose="02040503050406030204" pitchFamily="18" charset="0"/>
+                        </a:rPr>
+                        <m:t>=</m:t>
+                      </m:r>
+                      <m:r>
+                        <a:rPr lang="pt-BR" i="1">
+                          <a:latin typeface="Cambria Math" panose="02040503050406030204" pitchFamily="18" charset="0"/>
+                        </a:rPr>
+                        <m:t>𝑓</m:t>
+                      </m:r>
+                      <m:d>
+                        <m:dPr>
+                          <m:ctrlPr>
+                            <a:rPr lang="pt-BR" i="1">
+                              <a:latin typeface="Cambria Math" panose="02040503050406030204" pitchFamily="18" charset="0"/>
+                            </a:rPr>
+                          </m:ctrlPr>
+                        </m:dPr>
+                        <m:e>
+                          <m:r>
+                            <a:rPr lang="pt-BR" i="1">
+                              <a:latin typeface="Cambria Math" panose="02040503050406030204" pitchFamily="18" charset="0"/>
+                            </a:rPr>
+                            <m:t>𝑢</m:t>
+                          </m:r>
+                        </m:e>
+                      </m:d>
+                      <m:d>
+                        <m:dPr>
+                          <m:ctrlPr>
+                            <a:rPr lang="pt-BR" i="1">
+                              <a:latin typeface="Cambria Math" panose="02040503050406030204" pitchFamily="18" charset="0"/>
+                            </a:rPr>
+                          </m:ctrlPr>
+                        </m:dPr>
+                        <m:e>
+                          <m:r>
+                            <a:rPr lang="pt-BR" i="1">
+                              <a:latin typeface="Cambria Math" panose="02040503050406030204" pitchFamily="18" charset="0"/>
+                            </a:rPr>
+                            <m:t>1−</m:t>
+                          </m:r>
+                          <m:r>
+                            <a:rPr lang="pt-BR" i="1">
+                              <a:latin typeface="Cambria Math" panose="02040503050406030204" pitchFamily="18" charset="0"/>
+                            </a:rPr>
+                            <m:t>𝑓</m:t>
+                          </m:r>
+                          <m:d>
+                            <m:dPr>
+                              <m:ctrlPr>
+                                <a:rPr lang="pt-BR" i="1">
+                                  <a:latin typeface="Cambria Math" panose="02040503050406030204" pitchFamily="18" charset="0"/>
+                                </a:rPr>
+                              </m:ctrlPr>
+                            </m:dPr>
+                            <m:e>
+                              <m:r>
+                                <a:rPr lang="pt-BR" i="1">
+                                  <a:latin typeface="Cambria Math" panose="02040503050406030204" pitchFamily="18" charset="0"/>
+                                </a:rPr>
+                                <m:t>𝑢</m:t>
+                              </m:r>
+                            </m:e>
+                          </m:d>
+                        </m:e>
+                      </m:d>
+                    </m:oMath>
+                  </m:oMathPara>
+                </a14:m>
+                <a:endParaRPr lang="pt-BR" dirty="0"/>
+              </a:p>
+            </p:txBody>
+          </p:sp>
+        </mc:Choice>
+        <mc:Fallback>
+          <p:sp>
+            <p:nvSpPr>
+              <p:cNvPr id="4" name="Rectangle 3"/>
+              <p:cNvSpPr>
+                <a:spLocks noRot="1" noChangeAspect="1" noMove="1" noResize="1" noEditPoints="1" noAdjustHandles="1" noChangeArrowheads="1" noChangeShapeType="1" noTextEdit="1"/>
+              </p:cNvSpPr>
+              <p:nvPr/>
+            </p:nvSpPr>
+            <p:spPr>
+              <a:xfrm>
+                <a:off x="9011877" y="4784267"/>
+                <a:ext cx="2933379" cy="906851"/>
+              </a:xfrm>
+              <a:prstGeom prst="rect">
+                <a:avLst/>
+              </a:prstGeom>
+              <a:blipFill rotWithShape="0">
+                <a:blip r:embed="rId4"/>
+                <a:stretch>
+                  <a:fillRect l="-1660" t="-4027"/>
+                </a:stretch>
+              </a:blipFill>
+            </p:spPr>
+            <p:txBody>
+              <a:bodyPr/>
+              <a:lstStyle/>
+              <a:p>
+                <a:r>
+                  <a:rPr lang="pt-BR">
+                    <a:noFill/>
+                  </a:rPr>
+                  <a:t> </a:t>
+                </a:r>
+              </a:p>
+            </p:txBody>
+          </p:sp>
+        </mc:Fallback>
+      </mc:AlternateContent>
+      <mc:AlternateContent xmlns:mc="http://schemas.openxmlformats.org/markup-compatibility/2006">
+        <mc:Choice xmlns:a14="http://schemas.microsoft.com/office/drawing/2010/main" Requires="a14">
+          <p:sp>
+            <p:nvSpPr>
+              <p:cNvPr id="5" name="Rectangle 4"/>
+              <p:cNvSpPr/>
+              <p:nvPr/>
+            </p:nvSpPr>
+            <p:spPr>
+              <a:xfrm>
+                <a:off x="9011877" y="5817936"/>
+                <a:ext cx="2854884" cy="906851"/>
+              </a:xfrm>
+              <a:prstGeom prst="rect">
+                <a:avLst/>
+              </a:prstGeom>
+            </p:spPr>
+            <p:txBody>
+              <a:bodyPr wrap="none">
+                <a:spAutoFit/>
+              </a:bodyPr>
+              <a:lstStyle/>
+              <a:p>
+                <a:r>
+                  <a:rPr lang="pt-BR" dirty="0"/>
+                  <a:t>Função </a:t>
+                </a:r>
+                <a:r>
+                  <a:rPr lang="pt-BR" dirty="0" smtClean="0"/>
+                  <a:t>tangente hiperbólica</a:t>
+                </a:r>
+                <a:endParaRPr lang="pt-BR" i="1" dirty="0" smtClean="0">
+                  <a:latin typeface="Cambria Math" panose="02040503050406030204" pitchFamily="18" charset="0"/>
+                </a:endParaRPr>
+              </a:p>
+              <a:p>
+                <a14:m>
+                  <m:oMathPara xmlns:m="http://schemas.openxmlformats.org/officeDocument/2006/math">
+                    <m:oMathParaPr>
+                      <m:jc m:val="centerGroup"/>
+                    </m:oMathParaPr>
+                    <m:oMath xmlns:m="http://schemas.openxmlformats.org/officeDocument/2006/math">
+                      <m:f>
+                        <m:fPr>
+                          <m:ctrlPr>
+                            <a:rPr lang="pt-BR" i="1" smtClean="0">
+                              <a:latin typeface="Cambria Math" panose="02040503050406030204" pitchFamily="18" charset="0"/>
+                            </a:rPr>
+                          </m:ctrlPr>
+                        </m:fPr>
+                        <m:num>
+                          <m:r>
+                            <a:rPr lang="pt-BR" i="1">
+                              <a:latin typeface="Cambria Math" panose="02040503050406030204" pitchFamily="18" charset="0"/>
+                            </a:rPr>
+                            <m:t>𝜕</m:t>
+                          </m:r>
+                          <m:r>
+                            <a:rPr lang="pt-BR" i="1">
+                              <a:latin typeface="Cambria Math" panose="02040503050406030204" pitchFamily="18" charset="0"/>
+                            </a:rPr>
+                            <m:t>𝑓</m:t>
+                          </m:r>
+                          <m:d>
+                            <m:dPr>
+                              <m:ctrlPr>
+                                <a:rPr lang="pt-BR" i="1">
+                                  <a:latin typeface="Cambria Math" panose="02040503050406030204" pitchFamily="18" charset="0"/>
+                                </a:rPr>
+                              </m:ctrlPr>
+                            </m:dPr>
+                            <m:e>
+                              <m:r>
+                                <a:rPr lang="pt-BR" b="0" i="1" smtClean="0">
+                                  <a:latin typeface="Cambria Math" panose="02040503050406030204" pitchFamily="18" charset="0"/>
+                                </a:rPr>
+                                <m:t>𝑢</m:t>
+                              </m:r>
+                            </m:e>
+                          </m:d>
+                        </m:num>
+                        <m:den>
+                          <m:r>
+                            <a:rPr lang="pt-BR" i="1">
+                              <a:latin typeface="Cambria Math" panose="02040503050406030204" pitchFamily="18" charset="0"/>
+                            </a:rPr>
+                            <m:t>𝜕</m:t>
+                          </m:r>
+                          <m:r>
+                            <a:rPr lang="pt-BR" b="0" i="1" smtClean="0">
+                              <a:latin typeface="Cambria Math" panose="02040503050406030204" pitchFamily="18" charset="0"/>
+                            </a:rPr>
+                            <m:t>𝑢</m:t>
+                          </m:r>
+                        </m:den>
+                      </m:f>
+                      <m:r>
+                        <a:rPr lang="pt-BR" i="1">
+                          <a:latin typeface="Cambria Math" panose="02040503050406030204" pitchFamily="18" charset="0"/>
+                        </a:rPr>
+                        <m:t>=</m:t>
+                      </m:r>
+                      <m:d>
+                        <m:dPr>
+                          <m:ctrlPr>
+                            <a:rPr lang="pt-BR" i="1">
+                              <a:latin typeface="Cambria Math" panose="02040503050406030204" pitchFamily="18" charset="0"/>
+                            </a:rPr>
+                          </m:ctrlPr>
+                        </m:dPr>
+                        <m:e>
+                          <m:r>
+                            <a:rPr lang="pt-BR" i="1">
+                              <a:latin typeface="Cambria Math" panose="02040503050406030204" pitchFamily="18" charset="0"/>
+                            </a:rPr>
+                            <m:t>1−</m:t>
+                          </m:r>
+                          <m:sSup>
+                            <m:sSupPr>
+                              <m:ctrlPr>
+                                <a:rPr lang="pt-BR" i="1">
+                                  <a:latin typeface="Cambria Math" panose="02040503050406030204" pitchFamily="18" charset="0"/>
+                                </a:rPr>
+                              </m:ctrlPr>
+                            </m:sSupPr>
+                            <m:e>
+                              <m:r>
+                                <m:rPr>
+                                  <m:sty m:val="p"/>
+                                </m:rPr>
+                                <a:rPr lang="pt-BR">
+                                  <a:latin typeface="Cambria Math" panose="02040503050406030204" pitchFamily="18" charset="0"/>
+                                </a:rPr>
+                                <m:t>tanh</m:t>
+                              </m:r>
+                            </m:e>
+                            <m:sup>
+                              <m:r>
+                                <a:rPr lang="pt-BR" i="1">
+                                  <a:latin typeface="Cambria Math" panose="02040503050406030204" pitchFamily="18" charset="0"/>
+                                </a:rPr>
+                                <m:t>2</m:t>
+                              </m:r>
+                            </m:sup>
+                          </m:sSup>
+                          <m:d>
+                            <m:dPr>
+                              <m:ctrlPr>
+                                <a:rPr lang="pt-BR" i="1">
+                                  <a:latin typeface="Cambria Math" panose="02040503050406030204" pitchFamily="18" charset="0"/>
+                                </a:rPr>
+                              </m:ctrlPr>
+                            </m:dPr>
+                            <m:e>
+                              <m:r>
+                                <a:rPr lang="pt-BR" b="0" i="1" smtClean="0">
+                                  <a:latin typeface="Cambria Math" panose="02040503050406030204" pitchFamily="18" charset="0"/>
+                                </a:rPr>
+                                <m:t>𝑢</m:t>
+                              </m:r>
+                            </m:e>
+                          </m:d>
+                        </m:e>
+                      </m:d>
+                    </m:oMath>
+                  </m:oMathPara>
+                </a14:m>
+                <a:endParaRPr lang="pt-BR" dirty="0"/>
+              </a:p>
+            </p:txBody>
+          </p:sp>
+        </mc:Choice>
+        <mc:Fallback>
+          <p:sp>
+            <p:nvSpPr>
+              <p:cNvPr id="5" name="Rectangle 4"/>
+              <p:cNvSpPr>
+                <a:spLocks noRot="1" noChangeAspect="1" noMove="1" noResize="1" noEditPoints="1" noAdjustHandles="1" noChangeArrowheads="1" noChangeShapeType="1" noTextEdit="1"/>
+              </p:cNvSpPr>
+              <p:nvPr/>
+            </p:nvSpPr>
+            <p:spPr>
+              <a:xfrm>
+                <a:off x="9011877" y="5817936"/>
+                <a:ext cx="2854884" cy="906851"/>
+              </a:xfrm>
+              <a:prstGeom prst="rect">
+                <a:avLst/>
+              </a:prstGeom>
+              <a:blipFill rotWithShape="0">
+                <a:blip r:embed="rId5"/>
+                <a:stretch>
+                  <a:fillRect l="-1706" t="-3356" r="-1493"/>
                 </a:stretch>
               </a:blipFill>
             </p:spPr>
@@ -15661,8 +17983,8 @@
           </a:p>
         </p:txBody>
       </p:sp>
-      <mc:AlternateContent xmlns:mc="http://schemas.openxmlformats.org/markup-compatibility/2006" xmlns:a14="http://schemas.microsoft.com/office/drawing/2010/main">
-        <mc:Choice Requires="a14">
+      <mc:AlternateContent xmlns:mc="http://schemas.openxmlformats.org/markup-compatibility/2006">
+        <mc:Choice xmlns:a14="http://schemas.microsoft.com/office/drawing/2010/main" Requires="a14">
           <p:sp>
             <p:nvSpPr>
               <p:cNvPr id="3" name="Content Placeholder 2"/>
@@ -15685,7 +18007,15 @@
               <a:p>
                 <a:r>
                   <a:rPr lang="pt-BR" dirty="0" smtClean="0"/>
-                  <a:t>Matricialmente podemos expressar </a:t>
+                  <a:t>Matricialmente </a:t>
+                </a:r>
+                <a:r>
+                  <a:rPr lang="pt-BR" dirty="0" smtClean="0"/>
+                  <a:t>nós podemos </a:t>
+                </a:r>
+                <a:r>
+                  <a:rPr lang="pt-BR" dirty="0" smtClean="0"/>
+                  <a:t>expressar </a:t>
                 </a:r>
                 <a14:m>
                   <m:oMath xmlns:m="http://schemas.openxmlformats.org/officeDocument/2006/math">
@@ -15946,7 +18276,15 @@
                 </a14:m>
                 <a:r>
                   <a:rPr lang="pt-BR" dirty="0"/>
-                  <a:t> é definida como</a:t>
+                  <a:t> </a:t>
+                </a:r>
+                <a:r>
+                  <a:rPr lang="pt-BR" dirty="0" smtClean="0"/>
+                  <a:t>é uma matriz diagonal </a:t>
+                </a:r>
+                <a:r>
+                  <a:rPr lang="pt-BR" dirty="0"/>
+                  <a:t>definida como</a:t>
                 </a:r>
               </a:p>
               <a:p>
@@ -16828,7 +19166,7 @@
             </p:txBody>
           </p:sp>
         </mc:Choice>
-        <mc:Fallback xmlns="">
+        <mc:Fallback>
           <p:sp>
             <p:nvSpPr>
               <p:cNvPr id="3" name="Content Placeholder 2"/>
@@ -16880,6 +19218,427 @@
 </file>
 
 <file path=ppt/slides/slide23.xml><?xml version="1.0" encoding="utf-8"?>
+<p:sld xmlns:a="http://schemas.openxmlformats.org/drawingml/2006/main" xmlns:r="http://schemas.openxmlformats.org/officeDocument/2006/relationships" xmlns:p="http://schemas.openxmlformats.org/presentationml/2006/main">
+  <p:cSld>
+    <p:spTree>
+      <p:nvGrpSpPr>
+        <p:cNvPr id="1" name=""/>
+        <p:cNvGrpSpPr/>
+        <p:nvPr/>
+      </p:nvGrpSpPr>
+      <p:grpSpPr>
+        <a:xfrm>
+          <a:off x="0" y="0"/>
+          <a:ext cx="0" cy="0"/>
+          <a:chOff x="0" y="0"/>
+          <a:chExt cx="0" cy="0"/>
+        </a:xfrm>
+      </p:grpSpPr>
+      <p:sp>
+        <p:nvSpPr>
+          <p:cNvPr id="2" name="Title 1"/>
+          <p:cNvSpPr>
+            <a:spLocks noGrp="1"/>
+          </p:cNvSpPr>
+          <p:nvPr>
+            <p:ph type="title"/>
+          </p:nvPr>
+        </p:nvSpPr>
+        <p:spPr/>
+        <p:txBody>
+          <a:bodyPr/>
+          <a:lstStyle/>
+          <a:p>
+            <a:r>
+              <a:rPr lang="pt-BR" dirty="0" smtClean="0"/>
+              <a:t>Tarefa</a:t>
+            </a:r>
+            <a:endParaRPr lang="pt-BR" dirty="0"/>
+          </a:p>
+        </p:txBody>
+      </p:sp>
+      <mc:AlternateContent xmlns:mc="http://schemas.openxmlformats.org/markup-compatibility/2006">
+        <mc:Choice xmlns:a14="http://schemas.microsoft.com/office/drawing/2010/main" Requires="a14">
+          <p:sp>
+            <p:nvSpPr>
+              <p:cNvPr id="3" name="Content Placeholder 2"/>
+              <p:cNvSpPr>
+                <a:spLocks noGrp="1"/>
+              </p:cNvSpPr>
+              <p:nvPr>
+                <p:ph idx="1"/>
+              </p:nvPr>
+            </p:nvSpPr>
+            <p:spPr>
+              <a:xfrm>
+                <a:off x="838199" y="1825624"/>
+                <a:ext cx="11208027" cy="5032376"/>
+              </a:xfrm>
+            </p:spPr>
+            <p:txBody>
+              <a:bodyPr/>
+              <a:lstStyle/>
+              <a:p>
+                <a:r>
+                  <a:rPr lang="pt-BR" dirty="0" smtClean="0"/>
+                  <a:t>Encontrem o vetor gradiente para todos os pesos do nó 1 da rede neural do próximo slide.</a:t>
+                </a:r>
+                <a:endParaRPr lang="pt-BR" dirty="0"/>
+              </a:p>
+              <a:p>
+                <a:pPr marL="0" indent="0">
+                  <a:buNone/>
+                </a:pPr>
+                <a14:m>
+                  <m:oMathPara xmlns:m="http://schemas.openxmlformats.org/officeDocument/2006/math">
+                    <m:oMathParaPr>
+                      <m:jc m:val="centerGroup"/>
+                    </m:oMathParaPr>
+                    <m:oMath xmlns:m="http://schemas.openxmlformats.org/officeDocument/2006/math">
+                      <m:d>
+                        <m:dPr>
+                          <m:begChr m:val="["/>
+                          <m:endChr m:val="]"/>
+                          <m:ctrlPr>
+                            <a:rPr lang="pt-BR" i="1">
+                              <a:latin typeface="Cambria Math" panose="02040503050406030204" pitchFamily="18" charset="0"/>
+                            </a:rPr>
+                          </m:ctrlPr>
+                        </m:dPr>
+                        <m:e>
+                          <m:m>
+                            <m:mPr>
+                              <m:mcs>
+                                <m:mc>
+                                  <m:mcPr>
+                                    <m:count m:val="1"/>
+                                    <m:mcJc m:val="center"/>
+                                  </m:mcPr>
+                                </m:mc>
+                              </m:mcs>
+                              <m:ctrlPr>
+                                <a:rPr lang="pt-BR" i="1">
+                                  <a:latin typeface="Cambria Math" panose="02040503050406030204" pitchFamily="18" charset="0"/>
+                                </a:rPr>
+                              </m:ctrlPr>
+                            </m:mPr>
+                            <m:mr>
+                              <m:e>
+                                <m:f>
+                                  <m:fPr>
+                                    <m:ctrlPr>
+                                      <a:rPr lang="pt-BR" i="1">
+                                        <a:latin typeface="Cambria Math" panose="02040503050406030204" pitchFamily="18" charset="0"/>
+                                      </a:rPr>
+                                    </m:ctrlPr>
+                                  </m:fPr>
+                                  <m:num>
+                                    <m:r>
+                                      <a:rPr lang="pt-BR" i="1">
+                                        <a:latin typeface="Cambria Math" panose="02040503050406030204" pitchFamily="18" charset="0"/>
+                                      </a:rPr>
+                                      <m:t>𝜕</m:t>
+                                    </m:r>
+                                    <m:r>
+                                      <a:rPr lang="pt-BR" i="1">
+                                        <a:latin typeface="Cambria Math" panose="02040503050406030204" pitchFamily="18" charset="0"/>
+                                      </a:rPr>
+                                      <m:t>𝐽</m:t>
+                                    </m:r>
+                                  </m:num>
+                                  <m:den>
+                                    <m:r>
+                                      <a:rPr lang="pt-BR" i="1">
+                                        <a:latin typeface="Cambria Math" panose="02040503050406030204" pitchFamily="18" charset="0"/>
+                                      </a:rPr>
+                                      <m:t>𝜕</m:t>
+                                    </m:r>
+                                    <m:sSubSup>
+                                      <m:sSubSupPr>
+                                        <m:ctrlPr>
+                                          <a:rPr lang="pt-BR" i="1">
+                                            <a:latin typeface="Cambria Math" panose="02040503050406030204" pitchFamily="18" charset="0"/>
+                                          </a:rPr>
+                                        </m:ctrlPr>
+                                      </m:sSubSupPr>
+                                      <m:e>
+                                        <m:r>
+                                          <a:rPr lang="pt-BR" i="1">
+                                            <a:latin typeface="Cambria Math" panose="02040503050406030204" pitchFamily="18" charset="0"/>
+                                          </a:rPr>
+                                          <m:t>𝑤</m:t>
+                                        </m:r>
+                                      </m:e>
+                                      <m:sub>
+                                        <m:r>
+                                          <a:rPr lang="pt-BR" i="1">
+                                            <a:latin typeface="Cambria Math" panose="02040503050406030204" pitchFamily="18" charset="0"/>
+                                          </a:rPr>
+                                          <m:t>1,1</m:t>
+                                        </m:r>
+                                      </m:sub>
+                                      <m:sup>
+                                        <m:r>
+                                          <a:rPr lang="pt-BR" i="1">
+                                            <a:latin typeface="Cambria Math" panose="02040503050406030204" pitchFamily="18" charset="0"/>
+                                          </a:rPr>
+                                          <m:t>1</m:t>
+                                        </m:r>
+                                      </m:sup>
+                                    </m:sSubSup>
+                                  </m:den>
+                                </m:f>
+                              </m:e>
+                            </m:mr>
+                            <m:mr>
+                              <m:e>
+                                <m:m>
+                                  <m:mPr>
+                                    <m:mcs>
+                                      <m:mc>
+                                        <m:mcPr>
+                                          <m:count m:val="1"/>
+                                          <m:mcJc m:val="center"/>
+                                        </m:mcPr>
+                                      </m:mc>
+                                    </m:mcs>
+                                    <m:ctrlPr>
+                                      <a:rPr lang="pt-BR" i="1">
+                                        <a:latin typeface="Cambria Math" panose="02040503050406030204" pitchFamily="18" charset="0"/>
+                                      </a:rPr>
+                                    </m:ctrlPr>
+                                  </m:mPr>
+                                  <m:mr>
+                                    <m:e>
+                                      <m:f>
+                                        <m:fPr>
+                                          <m:ctrlPr>
+                                            <a:rPr lang="pt-BR" i="1">
+                                              <a:latin typeface="Cambria Math" panose="02040503050406030204" pitchFamily="18" charset="0"/>
+                                            </a:rPr>
+                                          </m:ctrlPr>
+                                        </m:fPr>
+                                        <m:num>
+                                          <m:r>
+                                            <a:rPr lang="pt-BR" i="1">
+                                              <a:latin typeface="Cambria Math" panose="02040503050406030204" pitchFamily="18" charset="0"/>
+                                            </a:rPr>
+                                            <m:t>𝜕</m:t>
+                                          </m:r>
+                                          <m:r>
+                                            <a:rPr lang="pt-BR" i="1">
+                                              <a:latin typeface="Cambria Math" panose="02040503050406030204" pitchFamily="18" charset="0"/>
+                                            </a:rPr>
+                                            <m:t>𝐽</m:t>
+                                          </m:r>
+                                        </m:num>
+                                        <m:den>
+                                          <m:r>
+                                            <a:rPr lang="pt-BR" i="1">
+                                              <a:latin typeface="Cambria Math" panose="02040503050406030204" pitchFamily="18" charset="0"/>
+                                            </a:rPr>
+                                            <m:t>𝜕</m:t>
+                                          </m:r>
+                                          <m:sSubSup>
+                                            <m:sSubSupPr>
+                                              <m:ctrlPr>
+                                                <a:rPr lang="pt-BR" i="1">
+                                                  <a:latin typeface="Cambria Math" panose="02040503050406030204" pitchFamily="18" charset="0"/>
+                                                </a:rPr>
+                                              </m:ctrlPr>
+                                            </m:sSubSupPr>
+                                            <m:e>
+                                              <m:r>
+                                                <a:rPr lang="pt-BR" i="1">
+                                                  <a:latin typeface="Cambria Math" panose="02040503050406030204" pitchFamily="18" charset="0"/>
+                                                </a:rPr>
+                                                <m:t>𝑤</m:t>
+                                              </m:r>
+                                            </m:e>
+                                            <m:sub>
+                                              <m:r>
+                                                <a:rPr lang="pt-BR" i="1">
+                                                  <a:latin typeface="Cambria Math" panose="02040503050406030204" pitchFamily="18" charset="0"/>
+                                                </a:rPr>
+                                                <m:t>1,</m:t>
+                                              </m:r>
+                                              <m:r>
+                                                <a:rPr lang="pt-BR" i="1">
+                                                  <a:latin typeface="Cambria Math" panose="02040503050406030204" pitchFamily="18" charset="0"/>
+                                                </a:rPr>
+                                                <m:t>2</m:t>
+                                              </m:r>
+                                            </m:sub>
+                                            <m:sup>
+                                              <m:r>
+                                                <a:rPr lang="pt-BR" i="1">
+                                                  <a:latin typeface="Cambria Math" panose="02040503050406030204" pitchFamily="18" charset="0"/>
+                                                </a:rPr>
+                                                <m:t>1</m:t>
+                                              </m:r>
+                                            </m:sup>
+                                          </m:sSubSup>
+                                        </m:den>
+                                      </m:f>
+                                    </m:e>
+                                  </m:mr>
+                                  <m:mr>
+                                    <m:e>
+                                      <m:f>
+                                        <m:fPr>
+                                          <m:ctrlPr>
+                                            <a:rPr lang="pt-BR" i="1">
+                                              <a:latin typeface="Cambria Math" panose="02040503050406030204" pitchFamily="18" charset="0"/>
+                                            </a:rPr>
+                                          </m:ctrlPr>
+                                        </m:fPr>
+                                        <m:num>
+                                          <m:r>
+                                            <a:rPr lang="pt-BR" i="1">
+                                              <a:latin typeface="Cambria Math" panose="02040503050406030204" pitchFamily="18" charset="0"/>
+                                            </a:rPr>
+                                            <m:t>𝜕</m:t>
+                                          </m:r>
+                                          <m:r>
+                                            <a:rPr lang="pt-BR" i="1">
+                                              <a:latin typeface="Cambria Math" panose="02040503050406030204" pitchFamily="18" charset="0"/>
+                                            </a:rPr>
+                                            <m:t>𝐽</m:t>
+                                          </m:r>
+                                        </m:num>
+                                        <m:den>
+                                          <m:r>
+                                            <a:rPr lang="pt-BR" i="1">
+                                              <a:latin typeface="Cambria Math" panose="02040503050406030204" pitchFamily="18" charset="0"/>
+                                            </a:rPr>
+                                            <m:t>𝜕</m:t>
+                                          </m:r>
+                                          <m:sSubSup>
+                                            <m:sSubSupPr>
+                                              <m:ctrlPr>
+                                                <a:rPr lang="pt-BR" i="1">
+                                                  <a:latin typeface="Cambria Math" panose="02040503050406030204" pitchFamily="18" charset="0"/>
+                                                </a:rPr>
+                                              </m:ctrlPr>
+                                            </m:sSubSupPr>
+                                            <m:e>
+                                              <m:r>
+                                                <a:rPr lang="pt-BR" i="1">
+                                                  <a:latin typeface="Cambria Math" panose="02040503050406030204" pitchFamily="18" charset="0"/>
+                                                </a:rPr>
+                                                <m:t>𝑏</m:t>
+                                              </m:r>
+                                            </m:e>
+                                            <m:sub>
+                                              <m:r>
+                                                <a:rPr lang="pt-BR" i="1">
+                                                  <a:latin typeface="Cambria Math" panose="02040503050406030204" pitchFamily="18" charset="0"/>
+                                                </a:rPr>
+                                                <m:t>1</m:t>
+                                              </m:r>
+                                            </m:sub>
+                                            <m:sup>
+                                              <m:r>
+                                                <a:rPr lang="pt-BR" i="1">
+                                                  <a:latin typeface="Cambria Math" panose="02040503050406030204" pitchFamily="18" charset="0"/>
+                                                </a:rPr>
+                                                <m:t>1</m:t>
+                                              </m:r>
+                                            </m:sup>
+                                          </m:sSubSup>
+                                        </m:den>
+                                      </m:f>
+                                    </m:e>
+                                  </m:mr>
+                                </m:m>
+                              </m:e>
+                            </m:mr>
+                          </m:m>
+                        </m:e>
+                      </m:d>
+                      <m:r>
+                        <a:rPr lang="pt-BR" b="0" i="1" smtClean="0">
+                          <a:latin typeface="Cambria Math" panose="02040503050406030204" pitchFamily="18" charset="0"/>
+                        </a:rPr>
+                        <m:t>=?</m:t>
+                      </m:r>
+                    </m:oMath>
+                  </m:oMathPara>
+                </a14:m>
+                <a:endParaRPr lang="pt-BR" dirty="0" smtClean="0"/>
+              </a:p>
+              <a:p>
+                <a:r>
+                  <a:rPr lang="pt-BR" dirty="0" smtClean="0"/>
+                  <a:t>Podem deixar as derivadas parciais em função da derivada da função de ativação.</a:t>
+                </a:r>
+              </a:p>
+              <a:p>
+                <a:pPr lvl="1"/>
+                <a:endParaRPr lang="pt-BR" dirty="0" smtClean="0"/>
+              </a:p>
+            </p:txBody>
+          </p:sp>
+        </mc:Choice>
+        <mc:Fallback>
+          <p:sp>
+            <p:nvSpPr>
+              <p:cNvPr id="3" name="Content Placeholder 2"/>
+              <p:cNvSpPr>
+                <a:spLocks noGrp="1" noRot="1" noChangeAspect="1" noMove="1" noResize="1" noEditPoints="1" noAdjustHandles="1" noChangeArrowheads="1" noChangeShapeType="1" noTextEdit="1"/>
+              </p:cNvSpPr>
+              <p:nvPr>
+                <p:ph idx="1"/>
+              </p:nvPr>
+            </p:nvSpPr>
+            <p:spPr>
+              <a:xfrm>
+                <a:off x="838199" y="1825624"/>
+                <a:ext cx="11208027" cy="5032376"/>
+              </a:xfrm>
+              <a:blipFill rotWithShape="0">
+                <a:blip r:embed="rId3"/>
+                <a:stretch>
+                  <a:fillRect l="-924" t="-1937"/>
+                </a:stretch>
+              </a:blipFill>
+            </p:spPr>
+            <p:txBody>
+              <a:bodyPr/>
+              <a:lstStyle/>
+              <a:p>
+                <a:r>
+                  <a:rPr lang="pt-BR">
+                    <a:noFill/>
+                  </a:rPr>
+                  <a:t> </a:t>
+                </a:r>
+              </a:p>
+            </p:txBody>
+          </p:sp>
+        </mc:Fallback>
+      </mc:AlternateContent>
+    </p:spTree>
+    <p:extLst>
+      <p:ext uri="{BB962C8B-B14F-4D97-AF65-F5344CB8AC3E}">
+        <p14:creationId xmlns:p14="http://schemas.microsoft.com/office/powerpoint/2010/main" val="1562656211"/>
+      </p:ext>
+    </p:extLst>
+  </p:cSld>
+  <p:clrMapOvr>
+    <a:masterClrMapping/>
+  </p:clrMapOvr>
+  <p:timing>
+    <p:tnLst>
+      <p:par>
+        <p:cTn id="1" dur="indefinite" restart="never" nodeType="tmRoot"/>
+      </p:par>
+    </p:tnLst>
+  </p:timing>
+</p:sld>
+</file>
+
+<file path=ppt/slides/slide24.xml><?xml version="1.0" encoding="utf-8"?>
 <p:sld xmlns:a="http://schemas.openxmlformats.org/drawingml/2006/main" xmlns:r="http://schemas.openxmlformats.org/officeDocument/2006/relationships" xmlns:p="http://schemas.openxmlformats.org/presentationml/2006/main">
   <p:cSld>
     <p:spTree>
@@ -17313,7 +20072,7 @@
 </p:sld>
 </file>
 
-<file path=ppt/slides/slide24.xml><?xml version="1.0" encoding="utf-8"?>
+<file path=ppt/slides/slide25.xml><?xml version="1.0" encoding="utf-8"?>
 <p:sld xmlns:a="http://schemas.openxmlformats.org/drawingml/2006/main" xmlns:r="http://schemas.openxmlformats.org/officeDocument/2006/relationships" xmlns:p="http://schemas.openxmlformats.org/presentationml/2006/main">
   <p:cSld>
     <p:spTree>
@@ -18581,7 +21340,7 @@
 </p:sld>
 </file>
 
-<file path=ppt/slides/slide25.xml><?xml version="1.0" encoding="utf-8"?>
+<file path=ppt/slides/slide26.xml><?xml version="1.0" encoding="utf-8"?>
 <p:sld xmlns:a="http://schemas.openxmlformats.org/drawingml/2006/main" xmlns:r="http://schemas.openxmlformats.org/officeDocument/2006/relationships" xmlns:p="http://schemas.openxmlformats.org/presentationml/2006/main">
   <p:cSld>
     <p:spTree>
@@ -19848,7 +22607,7 @@
 </p:sld>
 </file>
 
-<file path=ppt/slides/slide26.xml><?xml version="1.0" encoding="utf-8"?>
+<file path=ppt/slides/slide27.xml><?xml version="1.0" encoding="utf-8"?>
 <p:sld xmlns:a="http://schemas.openxmlformats.org/drawingml/2006/main" xmlns:r="http://schemas.openxmlformats.org/officeDocument/2006/relationships" xmlns:p="http://schemas.openxmlformats.org/presentationml/2006/main">
   <p:cSld>
     <p:spTree>
@@ -22539,7 +25298,7 @@
 </p:sld>
 </file>
 
-<file path=ppt/slides/slide27.xml><?xml version="1.0" encoding="utf-8"?>
+<file path=ppt/slides/slide28.xml><?xml version="1.0" encoding="utf-8"?>
 <p:sld xmlns:a="http://schemas.openxmlformats.org/drawingml/2006/main" xmlns:r="http://schemas.openxmlformats.org/officeDocument/2006/relationships" xmlns:p="http://schemas.openxmlformats.org/presentationml/2006/main">
   <p:cSld>
     <p:spTree>
@@ -22726,7 +25485,7 @@
 </p:sld>
 </file>
 
-<file path=ppt/slides/slide28.xml><?xml version="1.0" encoding="utf-8"?>
+<file path=ppt/slides/slide29.xml><?xml version="1.0" encoding="utf-8"?>
 <p:sld xmlns:a="http://schemas.openxmlformats.org/drawingml/2006/main" xmlns:r="http://schemas.openxmlformats.org/officeDocument/2006/relationships" xmlns:p="http://schemas.openxmlformats.org/presentationml/2006/main">
   <p:cSld>
     <p:spTree>
@@ -22748,7 +25507,7 @@
           <p:cNvPr id="4" name="Título 1">
             <a:extLst>
               <a:ext uri="{FF2B5EF4-FFF2-40B4-BE49-F238E27FC236}">
-                <a16:creationId xmlns="" xmlns:a16="http://schemas.microsoft.com/office/drawing/2014/main" id="{32666AC8-2E17-4DB4-B0F5-60C640CCFD2E}"/>
+                <a16:creationId xmlns:a16="http://schemas.microsoft.com/office/drawing/2014/main" xmlns="" id="{32666AC8-2E17-4DB4-B0F5-60C640CCFD2E}"/>
               </a:ext>
             </a:extLst>
           </p:cNvPr>
@@ -22811,7 +25570,362 @@
 </p:sld>
 </file>
 
-<file path=ppt/slides/slide29.xml><?xml version="1.0" encoding="utf-8"?>
+<file path=ppt/slides/slide3.xml><?xml version="1.0" encoding="utf-8"?>
+<p:sld xmlns:a="http://schemas.openxmlformats.org/drawingml/2006/main" xmlns:r="http://schemas.openxmlformats.org/officeDocument/2006/relationships" xmlns:p="http://schemas.openxmlformats.org/presentationml/2006/main">
+  <p:cSld>
+    <p:spTree>
+      <p:nvGrpSpPr>
+        <p:cNvPr id="1" name=""/>
+        <p:cNvGrpSpPr/>
+        <p:nvPr/>
+      </p:nvGrpSpPr>
+      <p:grpSpPr>
+        <a:xfrm>
+          <a:off x="0" y="0"/>
+          <a:ext cx="0" cy="0"/>
+          <a:chOff x="0" y="0"/>
+          <a:chExt cx="0" cy="0"/>
+        </a:xfrm>
+      </p:grpSpPr>
+      <p:sp>
+        <p:nvSpPr>
+          <p:cNvPr id="2" name="Title 1"/>
+          <p:cNvSpPr>
+            <a:spLocks noGrp="1"/>
+          </p:cNvSpPr>
+          <p:nvPr>
+            <p:ph type="title"/>
+          </p:nvPr>
+        </p:nvSpPr>
+        <p:spPr/>
+        <p:txBody>
+          <a:bodyPr/>
+          <a:lstStyle/>
+          <a:p>
+            <a:r>
+              <a:rPr lang="pt-BR" dirty="0"/>
+              <a:t>Aprendizado em Redes Neurais</a:t>
+            </a:r>
+          </a:p>
+        </p:txBody>
+      </p:sp>
+      <mc:AlternateContent xmlns:mc="http://schemas.openxmlformats.org/markup-compatibility/2006" xmlns:a14="http://schemas.microsoft.com/office/drawing/2010/main">
+        <mc:Choice Requires="a14">
+          <p:sp>
+            <p:nvSpPr>
+              <p:cNvPr id="3" name="Content Placeholder 2"/>
+              <p:cNvSpPr>
+                <a:spLocks noGrp="1"/>
+              </p:cNvSpPr>
+              <p:nvPr>
+                <p:ph idx="1"/>
+              </p:nvPr>
+            </p:nvSpPr>
+            <p:spPr>
+              <a:xfrm>
+                <a:off x="838200" y="1825624"/>
+                <a:ext cx="11136086" cy="5032375"/>
+              </a:xfrm>
+            </p:spPr>
+            <p:txBody>
+              <a:bodyPr>
+                <a:normAutofit fontScale="92500" lnSpcReduction="10000"/>
+              </a:bodyPr>
+              <a:lstStyle/>
+              <a:p>
+                <a:r>
+                  <a:rPr lang="pt-BR" dirty="0"/>
+                  <a:t>Consideramos agora, o processo de otimização, ou seja, de </a:t>
+                </a:r>
+                <a:r>
+                  <a:rPr lang="pt-BR" dirty="0" smtClean="0"/>
+                  <a:t>atualização dos </a:t>
+                </a:r>
+                <a:r>
+                  <a:rPr lang="pt-BR" b="1" i="1" dirty="0"/>
+                  <a:t>pesos </a:t>
+                </a:r>
+                <a:r>
+                  <a:rPr lang="pt-BR" b="1" i="1" dirty="0" smtClean="0"/>
+                  <a:t>sinápticos</a:t>
+                </a:r>
+                <a:r>
+                  <a:rPr lang="pt-BR" dirty="0" smtClean="0"/>
+                  <a:t>.</a:t>
+                </a:r>
+                <a:endParaRPr lang="pt-BR" dirty="0"/>
+              </a:p>
+              <a:p>
+                <a:r>
+                  <a:rPr lang="pt-BR" dirty="0" smtClean="0"/>
+                  <a:t>Assim como vimos anteriormente, o processo </a:t>
+                </a:r>
+                <a:r>
+                  <a:rPr lang="pt-BR" dirty="0"/>
+                  <a:t>de otimização corresponde a </a:t>
+                </a:r>
+                <a:r>
+                  <a:rPr lang="pt-BR" dirty="0" smtClean="0"/>
+                  <a:t>um </a:t>
+                </a:r>
+                <a:r>
+                  <a:rPr lang="pt-BR" b="1" i="1" dirty="0" smtClean="0"/>
+                  <a:t>problema de </a:t>
+                </a:r>
+                <a:r>
+                  <a:rPr lang="pt-BR" b="1" i="1" dirty="0"/>
+                  <a:t>minimização</a:t>
+                </a:r>
+                <a:r>
+                  <a:rPr lang="pt-BR" dirty="0"/>
+                  <a:t> de uma </a:t>
+                </a:r>
+                <a:r>
+                  <a:rPr lang="pt-BR" b="1" i="1" dirty="0"/>
+                  <a:t>função custo</a:t>
+                </a:r>
+                <a:r>
+                  <a:rPr lang="pt-BR" dirty="0"/>
+                  <a:t>,</a:t>
+                </a:r>
+                <a:r>
+                  <a:rPr lang="pt-BR" b="1" i="1" dirty="0"/>
+                  <a:t> </a:t>
+                </a:r>
+                <a14:m>
+                  <m:oMath xmlns:m="http://schemas.openxmlformats.org/officeDocument/2006/math">
+                    <m:r>
+                      <a:rPr lang="pt-BR" b="0" i="1" smtClean="0">
+                        <a:latin typeface="Cambria Math" panose="02040503050406030204" pitchFamily="18" charset="0"/>
+                      </a:rPr>
+                      <m:t>𝐽</m:t>
+                    </m:r>
+                    <m:d>
+                      <m:dPr>
+                        <m:ctrlPr>
+                          <a:rPr lang="pt-BR" b="1" i="1" smtClean="0">
+                            <a:latin typeface="Cambria Math" panose="02040503050406030204" pitchFamily="18" charset="0"/>
+                          </a:rPr>
+                        </m:ctrlPr>
+                      </m:dPr>
+                      <m:e>
+                        <m:r>
+                          <a:rPr lang="pt-BR" b="1" i="1" smtClean="0">
+                            <a:latin typeface="Cambria Math" panose="02040503050406030204" pitchFamily="18" charset="0"/>
+                          </a:rPr>
+                          <m:t>𝒘</m:t>
+                        </m:r>
+                      </m:e>
+                    </m:d>
+                  </m:oMath>
+                </a14:m>
+                <a:r>
+                  <a:rPr lang="pt-BR" dirty="0"/>
+                  <a:t>, com respeito a um vetor de pesos </a:t>
+                </a:r>
+                <a14:m>
+                  <m:oMath xmlns:m="http://schemas.openxmlformats.org/officeDocument/2006/math">
+                    <m:r>
+                      <a:rPr lang="pt-BR" b="1" i="1">
+                        <a:latin typeface="Cambria Math" panose="02040503050406030204" pitchFamily="18" charset="0"/>
+                      </a:rPr>
+                      <m:t>𝒘</m:t>
+                    </m:r>
+                  </m:oMath>
+                </a14:m>
+                <a:r>
+                  <a:rPr lang="pt-BR" dirty="0"/>
+                  <a:t>. </a:t>
+                </a:r>
+              </a:p>
+              <a:p>
+                <a:r>
+                  <a:rPr lang="pt-BR" dirty="0"/>
+                  <a:t>Portanto, o problema de aprendizado em redes neurais pode ser formulado como</a:t>
+                </a:r>
+              </a:p>
+              <a:p>
+                <a:pPr marL="0" indent="0" algn="ctr">
+                  <a:buNone/>
+                </a:pPr>
+                <a14:m>
+                  <m:oMathPara xmlns:m="http://schemas.openxmlformats.org/officeDocument/2006/math">
+                    <m:oMathParaPr>
+                      <m:jc m:val="centerGroup"/>
+                    </m:oMathParaPr>
+                    <m:oMath xmlns:m="http://schemas.openxmlformats.org/officeDocument/2006/math">
+                      <m:func>
+                        <m:funcPr>
+                          <m:ctrlPr>
+                            <a:rPr lang="pt-BR" i="1" smtClean="0">
+                              <a:latin typeface="Cambria Math" panose="02040503050406030204" pitchFamily="18" charset="0"/>
+                            </a:rPr>
+                          </m:ctrlPr>
+                        </m:funcPr>
+                        <m:fName>
+                          <m:limLow>
+                            <m:limLowPr>
+                              <m:ctrlPr>
+                                <a:rPr lang="pt-BR" i="1" smtClean="0">
+                                  <a:latin typeface="Cambria Math" panose="02040503050406030204" pitchFamily="18" charset="0"/>
+                                </a:rPr>
+                              </m:ctrlPr>
+                            </m:limLowPr>
+                            <m:e>
+                              <m:r>
+                                <m:rPr>
+                                  <m:sty m:val="p"/>
+                                </m:rPr>
+                                <a:rPr lang="pt-BR" i="0" smtClean="0">
+                                  <a:latin typeface="Cambria Math" panose="02040503050406030204" pitchFamily="18" charset="0"/>
+                                </a:rPr>
+                                <m:t>min</m:t>
+                              </m:r>
+                            </m:e>
+                            <m:lim>
+                              <m:r>
+                                <a:rPr lang="pt-BR" b="1" i="1" smtClean="0">
+                                  <a:latin typeface="Cambria Math" panose="02040503050406030204" pitchFamily="18" charset="0"/>
+                                </a:rPr>
+                                <m:t>𝒘</m:t>
+                              </m:r>
+                            </m:lim>
+                          </m:limLow>
+                        </m:fName>
+                        <m:e>
+                          <m:r>
+                            <a:rPr lang="pt-BR" i="1">
+                              <a:latin typeface="Cambria Math" panose="02040503050406030204" pitchFamily="18" charset="0"/>
+                            </a:rPr>
+                            <m:t>𝐽</m:t>
+                          </m:r>
+                          <m:d>
+                            <m:dPr>
+                              <m:ctrlPr>
+                                <a:rPr lang="pt-BR" b="1" i="1">
+                                  <a:latin typeface="Cambria Math" panose="02040503050406030204" pitchFamily="18" charset="0"/>
+                                </a:rPr>
+                              </m:ctrlPr>
+                            </m:dPr>
+                            <m:e>
+                              <m:r>
+                                <a:rPr lang="pt-BR" b="1" i="1">
+                                  <a:latin typeface="Cambria Math" panose="02040503050406030204" pitchFamily="18" charset="0"/>
+                                </a:rPr>
+                                <m:t>𝒘</m:t>
+                              </m:r>
+                            </m:e>
+                          </m:d>
+                        </m:e>
+                      </m:func>
+                    </m:oMath>
+                  </m:oMathPara>
+                </a14:m>
+                <a:endParaRPr lang="pt-BR" dirty="0"/>
+              </a:p>
+              <a:p>
+                <a:r>
+                  <a:rPr lang="pt-BR" dirty="0"/>
+                  <a:t>Normalmente, esse processo de otimização é conduzido de forma iterativa, o que dá um sentido mais natural à noção de aprendizado (como um processo gradual</a:t>
+                </a:r>
+                <a:r>
+                  <a:rPr lang="pt-BR" dirty="0" smtClean="0"/>
+                  <a:t>).</a:t>
+                </a:r>
+                <a:endParaRPr lang="pt-BR" dirty="0"/>
+              </a:p>
+              <a:p>
+                <a:r>
+                  <a:rPr lang="pt-BR" dirty="0"/>
+                  <a:t>Existem vários métodos de otimização aplicáveis, mas, sem dúvida, os mais utilizados são aqueles baseados nas derivadas da função custo, </a:t>
+                </a:r>
+                <a14:m>
+                  <m:oMath xmlns:m="http://schemas.openxmlformats.org/officeDocument/2006/math">
+                    <m:r>
+                      <a:rPr lang="pt-BR" i="1">
+                        <a:latin typeface="Cambria Math" panose="02040503050406030204" pitchFamily="18" charset="0"/>
+                      </a:rPr>
+                      <m:t>𝐽</m:t>
+                    </m:r>
+                    <m:d>
+                      <m:dPr>
+                        <m:ctrlPr>
+                          <a:rPr lang="pt-BR" b="1" i="1">
+                            <a:latin typeface="Cambria Math" panose="02040503050406030204" pitchFamily="18" charset="0"/>
+                          </a:rPr>
+                        </m:ctrlPr>
+                      </m:dPr>
+                      <m:e>
+                        <m:r>
+                          <a:rPr lang="pt-BR" b="1" i="1">
+                            <a:latin typeface="Cambria Math" panose="02040503050406030204" pitchFamily="18" charset="0"/>
+                          </a:rPr>
+                          <m:t>𝒘</m:t>
+                        </m:r>
+                      </m:e>
+                    </m:d>
+                  </m:oMath>
+                </a14:m>
+                <a:r>
+                  <a:rPr lang="pt-BR" dirty="0"/>
+                  <a:t>.</a:t>
+                </a:r>
+              </a:p>
+            </p:txBody>
+          </p:sp>
+        </mc:Choice>
+        <mc:Fallback xmlns="">
+          <p:sp>
+            <p:nvSpPr>
+              <p:cNvPr id="3" name="Content Placeholder 2"/>
+              <p:cNvSpPr>
+                <a:spLocks noGrp="1" noRot="1" noChangeAspect="1" noMove="1" noResize="1" noEditPoints="1" noAdjustHandles="1" noChangeArrowheads="1" noChangeShapeType="1" noTextEdit="1"/>
+              </p:cNvSpPr>
+              <p:nvPr>
+                <p:ph idx="1"/>
+              </p:nvPr>
+            </p:nvSpPr>
+            <p:spPr>
+              <a:xfrm>
+                <a:off x="838200" y="1825624"/>
+                <a:ext cx="11136086" cy="5032375"/>
+              </a:xfrm>
+              <a:blipFill rotWithShape="0">
+                <a:blip r:embed="rId3"/>
+                <a:stretch>
+                  <a:fillRect l="-876" t="-2421" r="-1314"/>
+                </a:stretch>
+              </a:blipFill>
+            </p:spPr>
+            <p:txBody>
+              <a:bodyPr/>
+              <a:lstStyle/>
+              <a:p>
+                <a:r>
+                  <a:rPr lang="pt-BR">
+                    <a:noFill/>
+                  </a:rPr>
+                  <a:t> </a:t>
+                </a:r>
+              </a:p>
+            </p:txBody>
+          </p:sp>
+        </mc:Fallback>
+      </mc:AlternateContent>
+    </p:spTree>
+    <p:extLst>
+      <p:ext uri="{BB962C8B-B14F-4D97-AF65-F5344CB8AC3E}">
+        <p14:creationId xmlns:p14="http://schemas.microsoft.com/office/powerpoint/2010/main" val="782461008"/>
+      </p:ext>
+    </p:extLst>
+  </p:cSld>
+  <p:clrMapOvr>
+    <a:masterClrMapping/>
+  </p:clrMapOvr>
+</p:sld>
+</file>
+
+<file path=ppt/slides/slide30.xml><?xml version="1.0" encoding="utf-8"?>
 <p:sld xmlns:a="http://schemas.openxmlformats.org/drawingml/2006/main" xmlns:r="http://schemas.openxmlformats.org/officeDocument/2006/relationships" xmlns:p="http://schemas.openxmlformats.org/presentationml/2006/main">
   <p:cSld>
     <p:spTree>
@@ -23085,362 +26199,7 @@
 </p:sld>
 </file>
 
-<file path=ppt/slides/slide3.xml><?xml version="1.0" encoding="utf-8"?>
-<p:sld xmlns:a="http://schemas.openxmlformats.org/drawingml/2006/main" xmlns:r="http://schemas.openxmlformats.org/officeDocument/2006/relationships" xmlns:p="http://schemas.openxmlformats.org/presentationml/2006/main">
-  <p:cSld>
-    <p:spTree>
-      <p:nvGrpSpPr>
-        <p:cNvPr id="1" name=""/>
-        <p:cNvGrpSpPr/>
-        <p:nvPr/>
-      </p:nvGrpSpPr>
-      <p:grpSpPr>
-        <a:xfrm>
-          <a:off x="0" y="0"/>
-          <a:ext cx="0" cy="0"/>
-          <a:chOff x="0" y="0"/>
-          <a:chExt cx="0" cy="0"/>
-        </a:xfrm>
-      </p:grpSpPr>
-      <p:sp>
-        <p:nvSpPr>
-          <p:cNvPr id="2" name="Title 1"/>
-          <p:cNvSpPr>
-            <a:spLocks noGrp="1"/>
-          </p:cNvSpPr>
-          <p:nvPr>
-            <p:ph type="title"/>
-          </p:nvPr>
-        </p:nvSpPr>
-        <p:spPr/>
-        <p:txBody>
-          <a:bodyPr/>
-          <a:lstStyle/>
-          <a:p>
-            <a:r>
-              <a:rPr lang="pt-BR" dirty="0"/>
-              <a:t>Aprendizado em Redes Neurais</a:t>
-            </a:r>
-          </a:p>
-        </p:txBody>
-      </p:sp>
-      <mc:AlternateContent xmlns:mc="http://schemas.openxmlformats.org/markup-compatibility/2006" xmlns:a14="http://schemas.microsoft.com/office/drawing/2010/main">
-        <mc:Choice Requires="a14">
-          <p:sp>
-            <p:nvSpPr>
-              <p:cNvPr id="3" name="Content Placeholder 2"/>
-              <p:cNvSpPr>
-                <a:spLocks noGrp="1"/>
-              </p:cNvSpPr>
-              <p:nvPr>
-                <p:ph idx="1"/>
-              </p:nvPr>
-            </p:nvSpPr>
-            <p:spPr>
-              <a:xfrm>
-                <a:off x="838200" y="1825624"/>
-                <a:ext cx="11136086" cy="5032375"/>
-              </a:xfrm>
-            </p:spPr>
-            <p:txBody>
-              <a:bodyPr>
-                <a:normAutofit fontScale="92500" lnSpcReduction="10000"/>
-              </a:bodyPr>
-              <a:lstStyle/>
-              <a:p>
-                <a:r>
-                  <a:rPr lang="pt-BR" dirty="0"/>
-                  <a:t>Consideramos agora, o processo de otimização, ou seja, de </a:t>
-                </a:r>
-                <a:r>
-                  <a:rPr lang="pt-BR" dirty="0" smtClean="0"/>
-                  <a:t>atualização dos </a:t>
-                </a:r>
-                <a:r>
-                  <a:rPr lang="pt-BR" b="1" i="1" dirty="0"/>
-                  <a:t>pesos </a:t>
-                </a:r>
-                <a:r>
-                  <a:rPr lang="pt-BR" b="1" i="1" dirty="0" smtClean="0"/>
-                  <a:t>sinápticos</a:t>
-                </a:r>
-                <a:r>
-                  <a:rPr lang="pt-BR" dirty="0" smtClean="0"/>
-                  <a:t>.</a:t>
-                </a:r>
-                <a:endParaRPr lang="pt-BR" dirty="0"/>
-              </a:p>
-              <a:p>
-                <a:r>
-                  <a:rPr lang="pt-BR" dirty="0" smtClean="0"/>
-                  <a:t>Assim como vimos anteriormente, o processo </a:t>
-                </a:r>
-                <a:r>
-                  <a:rPr lang="pt-BR" dirty="0"/>
-                  <a:t>de otimização corresponde a </a:t>
-                </a:r>
-                <a:r>
-                  <a:rPr lang="pt-BR" dirty="0" smtClean="0"/>
-                  <a:t>um </a:t>
-                </a:r>
-                <a:r>
-                  <a:rPr lang="pt-BR" b="1" i="1" dirty="0" smtClean="0"/>
-                  <a:t>problema de </a:t>
-                </a:r>
-                <a:r>
-                  <a:rPr lang="pt-BR" b="1" i="1" dirty="0"/>
-                  <a:t>minimização</a:t>
-                </a:r>
-                <a:r>
-                  <a:rPr lang="pt-BR" dirty="0"/>
-                  <a:t> de uma </a:t>
-                </a:r>
-                <a:r>
-                  <a:rPr lang="pt-BR" b="1" i="1" dirty="0"/>
-                  <a:t>função custo</a:t>
-                </a:r>
-                <a:r>
-                  <a:rPr lang="pt-BR" dirty="0"/>
-                  <a:t>,</a:t>
-                </a:r>
-                <a:r>
-                  <a:rPr lang="pt-BR" b="1" i="1" dirty="0"/>
-                  <a:t> </a:t>
-                </a:r>
-                <a14:m>
-                  <m:oMath xmlns:m="http://schemas.openxmlformats.org/officeDocument/2006/math">
-                    <m:r>
-                      <a:rPr lang="pt-BR" b="0" i="1" smtClean="0">
-                        <a:latin typeface="Cambria Math" panose="02040503050406030204" pitchFamily="18" charset="0"/>
-                      </a:rPr>
-                      <m:t>𝐽</m:t>
-                    </m:r>
-                    <m:d>
-                      <m:dPr>
-                        <m:ctrlPr>
-                          <a:rPr lang="pt-BR" b="1" i="1" smtClean="0">
-                            <a:latin typeface="Cambria Math" panose="02040503050406030204" pitchFamily="18" charset="0"/>
-                          </a:rPr>
-                        </m:ctrlPr>
-                      </m:dPr>
-                      <m:e>
-                        <m:r>
-                          <a:rPr lang="pt-BR" b="1" i="1" smtClean="0">
-                            <a:latin typeface="Cambria Math" panose="02040503050406030204" pitchFamily="18" charset="0"/>
-                          </a:rPr>
-                          <m:t>𝒘</m:t>
-                        </m:r>
-                      </m:e>
-                    </m:d>
-                  </m:oMath>
-                </a14:m>
-                <a:r>
-                  <a:rPr lang="pt-BR" dirty="0"/>
-                  <a:t>, com respeito a um vetor de pesos </a:t>
-                </a:r>
-                <a14:m>
-                  <m:oMath xmlns:m="http://schemas.openxmlformats.org/officeDocument/2006/math">
-                    <m:r>
-                      <a:rPr lang="pt-BR" b="1" i="1">
-                        <a:latin typeface="Cambria Math" panose="02040503050406030204" pitchFamily="18" charset="0"/>
-                      </a:rPr>
-                      <m:t>𝒘</m:t>
-                    </m:r>
-                  </m:oMath>
-                </a14:m>
-                <a:r>
-                  <a:rPr lang="pt-BR" dirty="0"/>
-                  <a:t>. </a:t>
-                </a:r>
-              </a:p>
-              <a:p>
-                <a:r>
-                  <a:rPr lang="pt-BR" dirty="0"/>
-                  <a:t>Portanto, o problema de aprendizado em redes neurais pode ser formulado como</a:t>
-                </a:r>
-              </a:p>
-              <a:p>
-                <a:pPr marL="0" indent="0" algn="ctr">
-                  <a:buNone/>
-                </a:pPr>
-                <a14:m>
-                  <m:oMathPara xmlns:m="http://schemas.openxmlformats.org/officeDocument/2006/math">
-                    <m:oMathParaPr>
-                      <m:jc m:val="centerGroup"/>
-                    </m:oMathParaPr>
-                    <m:oMath xmlns:m="http://schemas.openxmlformats.org/officeDocument/2006/math">
-                      <m:func>
-                        <m:funcPr>
-                          <m:ctrlPr>
-                            <a:rPr lang="pt-BR" i="1" smtClean="0">
-                              <a:latin typeface="Cambria Math" panose="02040503050406030204" pitchFamily="18" charset="0"/>
-                            </a:rPr>
-                          </m:ctrlPr>
-                        </m:funcPr>
-                        <m:fName>
-                          <m:limLow>
-                            <m:limLowPr>
-                              <m:ctrlPr>
-                                <a:rPr lang="pt-BR" i="1" smtClean="0">
-                                  <a:latin typeface="Cambria Math" panose="02040503050406030204" pitchFamily="18" charset="0"/>
-                                </a:rPr>
-                              </m:ctrlPr>
-                            </m:limLowPr>
-                            <m:e>
-                              <m:r>
-                                <m:rPr>
-                                  <m:sty m:val="p"/>
-                                </m:rPr>
-                                <a:rPr lang="pt-BR" i="0" smtClean="0">
-                                  <a:latin typeface="Cambria Math" panose="02040503050406030204" pitchFamily="18" charset="0"/>
-                                </a:rPr>
-                                <m:t>min</m:t>
-                              </m:r>
-                            </m:e>
-                            <m:lim>
-                              <m:r>
-                                <a:rPr lang="pt-BR" b="1" i="1" smtClean="0">
-                                  <a:latin typeface="Cambria Math" panose="02040503050406030204" pitchFamily="18" charset="0"/>
-                                </a:rPr>
-                                <m:t>𝒘</m:t>
-                              </m:r>
-                            </m:lim>
-                          </m:limLow>
-                        </m:fName>
-                        <m:e>
-                          <m:r>
-                            <a:rPr lang="pt-BR" i="1">
-                              <a:latin typeface="Cambria Math" panose="02040503050406030204" pitchFamily="18" charset="0"/>
-                            </a:rPr>
-                            <m:t>𝐽</m:t>
-                          </m:r>
-                          <m:d>
-                            <m:dPr>
-                              <m:ctrlPr>
-                                <a:rPr lang="pt-BR" b="1" i="1">
-                                  <a:latin typeface="Cambria Math" panose="02040503050406030204" pitchFamily="18" charset="0"/>
-                                </a:rPr>
-                              </m:ctrlPr>
-                            </m:dPr>
-                            <m:e>
-                              <m:r>
-                                <a:rPr lang="pt-BR" b="1" i="1">
-                                  <a:latin typeface="Cambria Math" panose="02040503050406030204" pitchFamily="18" charset="0"/>
-                                </a:rPr>
-                                <m:t>𝒘</m:t>
-                              </m:r>
-                            </m:e>
-                          </m:d>
-                        </m:e>
-                      </m:func>
-                    </m:oMath>
-                  </m:oMathPara>
-                </a14:m>
-                <a:endParaRPr lang="pt-BR" dirty="0"/>
-              </a:p>
-              <a:p>
-                <a:r>
-                  <a:rPr lang="pt-BR" dirty="0"/>
-                  <a:t>Normalmente, esse processo de otimização é conduzido de forma iterativa, o que dá um sentido mais natural à noção de aprendizado (como um processo gradual</a:t>
-                </a:r>
-                <a:r>
-                  <a:rPr lang="pt-BR" dirty="0" smtClean="0"/>
-                  <a:t>).</a:t>
-                </a:r>
-                <a:endParaRPr lang="pt-BR" dirty="0"/>
-              </a:p>
-              <a:p>
-                <a:r>
-                  <a:rPr lang="pt-BR" dirty="0"/>
-                  <a:t>Existem vários métodos de otimização aplicáveis, mas, sem dúvida, os mais utilizados são aqueles baseados nas derivadas da função custo, </a:t>
-                </a:r>
-                <a14:m>
-                  <m:oMath xmlns:m="http://schemas.openxmlformats.org/officeDocument/2006/math">
-                    <m:r>
-                      <a:rPr lang="pt-BR" i="1">
-                        <a:latin typeface="Cambria Math" panose="02040503050406030204" pitchFamily="18" charset="0"/>
-                      </a:rPr>
-                      <m:t>𝐽</m:t>
-                    </m:r>
-                    <m:d>
-                      <m:dPr>
-                        <m:ctrlPr>
-                          <a:rPr lang="pt-BR" b="1" i="1">
-                            <a:latin typeface="Cambria Math" panose="02040503050406030204" pitchFamily="18" charset="0"/>
-                          </a:rPr>
-                        </m:ctrlPr>
-                      </m:dPr>
-                      <m:e>
-                        <m:r>
-                          <a:rPr lang="pt-BR" b="1" i="1">
-                            <a:latin typeface="Cambria Math" panose="02040503050406030204" pitchFamily="18" charset="0"/>
-                          </a:rPr>
-                          <m:t>𝒘</m:t>
-                        </m:r>
-                      </m:e>
-                    </m:d>
-                  </m:oMath>
-                </a14:m>
-                <a:r>
-                  <a:rPr lang="pt-BR" dirty="0"/>
-                  <a:t>.</a:t>
-                </a:r>
-              </a:p>
-            </p:txBody>
-          </p:sp>
-        </mc:Choice>
-        <mc:Fallback xmlns="">
-          <p:sp>
-            <p:nvSpPr>
-              <p:cNvPr id="3" name="Content Placeholder 2"/>
-              <p:cNvSpPr>
-                <a:spLocks noGrp="1" noRot="1" noChangeAspect="1" noMove="1" noResize="1" noEditPoints="1" noAdjustHandles="1" noChangeArrowheads="1" noChangeShapeType="1" noTextEdit="1"/>
-              </p:cNvSpPr>
-              <p:nvPr>
-                <p:ph idx="1"/>
-              </p:nvPr>
-            </p:nvSpPr>
-            <p:spPr>
-              <a:xfrm>
-                <a:off x="838200" y="1825624"/>
-                <a:ext cx="11136086" cy="5032375"/>
-              </a:xfrm>
-              <a:blipFill rotWithShape="0">
-                <a:blip r:embed="rId3"/>
-                <a:stretch>
-                  <a:fillRect l="-876" t="-2421" r="-1314"/>
-                </a:stretch>
-              </a:blipFill>
-            </p:spPr>
-            <p:txBody>
-              <a:bodyPr/>
-              <a:lstStyle/>
-              <a:p>
-                <a:r>
-                  <a:rPr lang="pt-BR">
-                    <a:noFill/>
-                  </a:rPr>
-                  <a:t> </a:t>
-                </a:r>
-              </a:p>
-            </p:txBody>
-          </p:sp>
-        </mc:Fallback>
-      </mc:AlternateContent>
-    </p:spTree>
-    <p:extLst>
-      <p:ext uri="{BB962C8B-B14F-4D97-AF65-F5344CB8AC3E}">
-        <p14:creationId xmlns:p14="http://schemas.microsoft.com/office/powerpoint/2010/main" val="782461008"/>
-      </p:ext>
-    </p:extLst>
-  </p:cSld>
-  <p:clrMapOvr>
-    <a:masterClrMapping/>
-  </p:clrMapOvr>
-</p:sld>
-</file>
-
-<file path=ppt/slides/slide30.xml><?xml version="1.0" encoding="utf-8"?>
+<file path=ppt/slides/slide31.xml><?xml version="1.0" encoding="utf-8"?>
 <p:sld xmlns:a="http://schemas.openxmlformats.org/drawingml/2006/main" xmlns:r="http://schemas.openxmlformats.org/officeDocument/2006/relationships" xmlns:p="http://schemas.openxmlformats.org/presentationml/2006/main">
   <p:cSld>
     <p:spTree>
@@ -23462,7 +26221,7 @@
           <p:cNvPr id="4" name="Título 1">
             <a:extLst>
               <a:ext uri="{FF2B5EF4-FFF2-40B4-BE49-F238E27FC236}">
-                <a16:creationId xmlns="" xmlns:a16="http://schemas.microsoft.com/office/drawing/2014/main" id="{32666AC8-2E17-4DB4-B0F5-60C640CCFD2E}"/>
+                <a16:creationId xmlns:a16="http://schemas.microsoft.com/office/drawing/2014/main" xmlns="" id="{32666AC8-2E17-4DB4-B0F5-60C640CCFD2E}"/>
               </a:ext>
             </a:extLst>
           </p:cNvPr>
@@ -23525,7 +26284,7 @@
 </p:sld>
 </file>
 
-<file path=ppt/slides/slide31.xml><?xml version="1.0" encoding="utf-8"?>
+<file path=ppt/slides/slide32.xml><?xml version="1.0" encoding="utf-8"?>
 <p:sld xmlns:a="http://schemas.openxmlformats.org/drawingml/2006/main" xmlns:r="http://schemas.openxmlformats.org/officeDocument/2006/relationships" xmlns:p="http://schemas.openxmlformats.org/presentationml/2006/main">
   <p:cSld>
     <p:spTree>
@@ -25255,7 +28014,7 @@
 </p:sld>
 </file>
 
-<file path=ppt/slides/slide32.xml><?xml version="1.0" encoding="utf-8"?>
+<file path=ppt/slides/slide33.xml><?xml version="1.0" encoding="utf-8"?>
 <p:sld xmlns:a="http://schemas.openxmlformats.org/drawingml/2006/main" xmlns:r="http://schemas.openxmlformats.org/officeDocument/2006/relationships" xmlns:p="http://schemas.openxmlformats.org/presentationml/2006/main">
   <p:cSld>
     <p:spTree>
@@ -29567,7 +32326,7 @@
 </p:sld>
 </file>
 
-<file path=ppt/slides/slide33.xml><?xml version="1.0" encoding="utf-8"?>
+<file path=ppt/slides/slide34.xml><?xml version="1.0" encoding="utf-8"?>
 <p:sld xmlns:a="http://schemas.openxmlformats.org/drawingml/2006/main" xmlns:r="http://schemas.openxmlformats.org/officeDocument/2006/relationships" xmlns:p="http://schemas.openxmlformats.org/presentationml/2006/main">
   <p:cSld>
     <p:spTree>
@@ -36002,7 +38761,7 @@
 </p:sld>
 </file>
 
-<file path=ppt/slides/slide34.xml><?xml version="1.0" encoding="utf-8"?>
+<file path=ppt/slides/slide35.xml><?xml version="1.0" encoding="utf-8"?>
 <p:sld xmlns:a="http://schemas.openxmlformats.org/drawingml/2006/main" xmlns:r="http://schemas.openxmlformats.org/officeDocument/2006/relationships" xmlns:p="http://schemas.openxmlformats.org/presentationml/2006/main">
   <p:cSld>
     <p:spTree>
@@ -36905,8 +39664,8 @@
           </a:p>
         </p:txBody>
       </p:sp>
-      <mc:AlternateContent xmlns:mc="http://schemas.openxmlformats.org/markup-compatibility/2006">
-        <mc:Choice xmlns:a14="http://schemas.microsoft.com/office/drawing/2010/main" Requires="a14">
+      <mc:AlternateContent xmlns:mc="http://schemas.openxmlformats.org/markup-compatibility/2006" xmlns:a14="http://schemas.microsoft.com/office/drawing/2010/main">
+        <mc:Choice Requires="a14">
           <p:sp>
             <p:nvSpPr>
               <p:cNvPr id="3" name="Content Placeholder 2"/>
@@ -37395,7 +40154,7 @@
             </p:txBody>
           </p:sp>
         </mc:Choice>
-        <mc:Fallback>
+        <mc:Fallback xmlns="">
           <p:sp>
             <p:nvSpPr>
               <p:cNvPr id="3" name="Content Placeholder 2"/>
@@ -37485,8 +40244,8 @@
           </a:p>
         </p:txBody>
       </p:sp>
-      <mc:AlternateContent xmlns:mc="http://schemas.openxmlformats.org/markup-compatibility/2006" xmlns:a14="http://schemas.microsoft.com/office/drawing/2010/main">
-        <mc:Choice Requires="a14">
+      <mc:AlternateContent xmlns:mc="http://schemas.openxmlformats.org/markup-compatibility/2006">
+        <mc:Choice xmlns:a14="http://schemas.microsoft.com/office/drawing/2010/main" Requires="a14">
           <p:sp>
             <p:nvSpPr>
               <p:cNvPr id="3" name="Content Placeholder 2"/>
@@ -37716,7 +40475,15 @@
                 </a:r>
                 <a:r>
                   <a:rPr lang="pt-BR" dirty="0"/>
-                  <a:t>, são baseados na informação trazida pela derivada parcial de segunda ordem da função custo. Essa informação está contida na </a:t>
+                  <a:t>, são baseados na informação trazida pela </a:t>
+                </a:r>
+                <a:r>
+                  <a:rPr lang="pt-BR" b="1" i="1" dirty="0"/>
+                  <a:t>derivada parcial de segunda ordem da função custo</a:t>
+                </a:r>
+                <a:r>
+                  <a:rPr lang="pt-BR" dirty="0"/>
+                  <a:t>. Essa informação está contida na </a:t>
                 </a:r>
                 <a:r>
                   <a:rPr lang="pt-BR" b="1" i="1" dirty="0"/>
@@ -37724,7 +40491,15 @@
                 </a:r>
                 <a:r>
                   <a:rPr lang="pt-BR" b="1" i="1" dirty="0" smtClean="0"/>
-                  <a:t>Hessiana </a:t>
+                  <a:t>Hessiana</a:t>
+                </a:r>
+                <a:r>
+                  <a:rPr lang="pt-BR" dirty="0" smtClean="0"/>
+                  <a:t>,</a:t>
+                </a:r>
+                <a:r>
+                  <a:rPr lang="pt-BR" b="1" i="1" dirty="0" smtClean="0"/>
+                  <a:t> </a:t>
                 </a:r>
                 <a14:m>
                   <m:oMath xmlns:m="http://schemas.openxmlformats.org/officeDocument/2006/math">
@@ -39235,7 +42010,7 @@
             </p:txBody>
           </p:sp>
         </mc:Choice>
-        <mc:Fallback xmlns="">
+        <mc:Fallback>
           <p:sp>
             <p:nvSpPr>
               <p:cNvPr id="3" name="Content Placeholder 2"/>
@@ -39579,7 +42354,15 @@
                 </a:r>
                 <a:r>
                   <a:rPr lang="pt-BR" dirty="0"/>
-                  <a:t> seja inversível e </a:t>
+                  <a:t> seja </a:t>
+                </a:r>
+                <a:r>
+                  <a:rPr lang="pt-BR" b="1" i="1" dirty="0"/>
+                  <a:t>inversível</a:t>
+                </a:r>
+                <a:r>
+                  <a:rPr lang="pt-BR" dirty="0"/>
+                  <a:t> e </a:t>
                 </a:r>
                 <a:r>
                   <a:rPr lang="pt-BR" b="1" i="1" dirty="0"/>
@@ -39769,7 +42552,7 @@
               <a:blipFill rotWithShape="0">
                 <a:blip r:embed="rId3"/>
                 <a:stretch>
-                  <a:fillRect l="-714" t="-2300" r="-988"/>
+                  <a:fillRect l="-714" t="-2300" r="-1263"/>
                 </a:stretch>
               </a:blipFill>
             </p:spPr>
@@ -39926,7 +42709,15 @@
           <a:p>
             <a:r>
               <a:rPr lang="pt-BR" dirty="0" smtClean="0"/>
-              <a:t>Por serem formadas pela combinação de vários nós com funções de ativação não-lineares, as superfícies de erro de redes neurais não são convexas, portanto, pode-se ter vários mínimos locais.</a:t>
+              <a:t>Por serem formadas pela combinação de vários nós com funções de ativação não-lineares, as superfícies de erro de redes neurais não são </a:t>
+            </a:r>
+            <a:r>
+              <a:rPr lang="pt-BR" dirty="0" smtClean="0"/>
+              <a:t>convexas, podendo </a:t>
+            </a:r>
+            <a:r>
+              <a:rPr lang="pt-BR" dirty="0" smtClean="0"/>
+              <a:t>ter vários mínimos locais.</a:t>
             </a:r>
             <a:endParaRPr lang="pt-BR" dirty="0"/>
           </a:p>
@@ -40440,8 +43231,8 @@
               <a:t>O </a:t>
             </a:r>
             <a:r>
-              <a:rPr lang="pt-BR" dirty="0"/>
-              <a:t>algoritmo </a:t>
+              <a:rPr lang="pt-BR" dirty="0" smtClean="0"/>
+              <a:t>algoritmo de minimização </a:t>
             </a:r>
             <a:r>
               <a:rPr lang="pt-BR" dirty="0" smtClean="0"/>
@@ -40479,7 +43270,15 @@
             </a:r>
             <a:r>
               <a:rPr lang="pt-BR" b="1" i="1" dirty="0" smtClean="0"/>
-              <a:t>versões ruidosas do gradiente descendente</a:t>
+              <a:t>versões ruidosas </a:t>
+            </a:r>
+            <a:r>
+              <a:rPr lang="pt-BR" b="1" i="1" dirty="0" smtClean="0"/>
+              <a:t>do gradiente </a:t>
+            </a:r>
+            <a:r>
+              <a:rPr lang="pt-BR" b="1" i="1" dirty="0" smtClean="0"/>
+              <a:t>descendente</a:t>
             </a:r>
             <a:r>
               <a:rPr lang="pt-BR" dirty="0" smtClean="0"/>

--- a/slides/T320_Redes_Neurais_Artificiais (Parte III).pptx
+++ b/slides/T320_Redes_Neurais_Artificiais (Parte III).pptx
@@ -268,7 +268,7 @@
           <a:p>
             <a:fld id="{C3C82C08-3EFC-4473-8294-F0E229C19EFF}" type="datetimeFigureOut">
               <a:rPr lang="pt-BR" smtClean="0"/>
-              <a:t>18/11/2021</a:t>
+              <a:t>20/11/2021</a:t>
             </a:fld>
             <a:endParaRPr lang="pt-BR"/>
           </a:p>
@@ -649,8 +649,8 @@
         </p:nvSpPr>
         <p:spPr/>
       </p:sp>
-      <mc:AlternateContent xmlns:mc="http://schemas.openxmlformats.org/markup-compatibility/2006">
-        <mc:Choice xmlns:a14="http://schemas.microsoft.com/office/drawing/2010/main" Requires="a14">
+      <mc:AlternateContent xmlns:mc="http://schemas.openxmlformats.org/markup-compatibility/2006" xmlns:a14="http://schemas.microsoft.com/office/drawing/2010/main">
+        <mc:Choice Requires="a14">
           <p:sp>
             <p:nvSpPr>
               <p:cNvPr id="3" name="Notes Placeholder 2"/>
@@ -723,12 +723,11 @@
                   <a:rPr lang="pt-BR" dirty="0"/>
                   <a:t> das entradas</a:t>
                 </a:r>
-                <a:endParaRPr lang="pt-BR" dirty="0"/>
               </a:p>
             </p:txBody>
           </p:sp>
         </mc:Choice>
-        <mc:Fallback>
+        <mc:Fallback xmlns="">
           <p:sp>
             <p:nvSpPr>
               <p:cNvPr id="3" name="Notes Placeholder 2"/>
@@ -4390,7 +4389,7 @@
           <a:p>
             <a:fld id="{221D0464-8C8A-49C0-859F-777E51766A35}" type="datetimeFigureOut">
               <a:rPr lang="pt-BR" smtClean="0"/>
-              <a:t>18/11/2021</a:t>
+              <a:t>20/11/2021</a:t>
             </a:fld>
             <a:endParaRPr lang="pt-BR"/>
           </a:p>
@@ -4560,7 +4559,7 @@
           <a:p>
             <a:fld id="{221D0464-8C8A-49C0-859F-777E51766A35}" type="datetimeFigureOut">
               <a:rPr lang="pt-BR" smtClean="0"/>
-              <a:t>18/11/2021</a:t>
+              <a:t>20/11/2021</a:t>
             </a:fld>
             <a:endParaRPr lang="pt-BR"/>
           </a:p>
@@ -4740,7 +4739,7 @@
           <a:p>
             <a:fld id="{221D0464-8C8A-49C0-859F-777E51766A35}" type="datetimeFigureOut">
               <a:rPr lang="pt-BR" smtClean="0"/>
-              <a:t>18/11/2021</a:t>
+              <a:t>20/11/2021</a:t>
             </a:fld>
             <a:endParaRPr lang="pt-BR"/>
           </a:p>
@@ -4910,7 +4909,7 @@
           <a:p>
             <a:fld id="{221D0464-8C8A-49C0-859F-777E51766A35}" type="datetimeFigureOut">
               <a:rPr lang="pt-BR" smtClean="0"/>
-              <a:t>18/11/2021</a:t>
+              <a:t>20/11/2021</a:t>
             </a:fld>
             <a:endParaRPr lang="pt-BR"/>
           </a:p>
@@ -5156,7 +5155,7 @@
           <a:p>
             <a:fld id="{221D0464-8C8A-49C0-859F-777E51766A35}" type="datetimeFigureOut">
               <a:rPr lang="pt-BR" smtClean="0"/>
-              <a:t>18/11/2021</a:t>
+              <a:t>20/11/2021</a:t>
             </a:fld>
             <a:endParaRPr lang="pt-BR"/>
           </a:p>
@@ -5388,7 +5387,7 @@
           <a:p>
             <a:fld id="{221D0464-8C8A-49C0-859F-777E51766A35}" type="datetimeFigureOut">
               <a:rPr lang="pt-BR" smtClean="0"/>
-              <a:t>18/11/2021</a:t>
+              <a:t>20/11/2021</a:t>
             </a:fld>
             <a:endParaRPr lang="pt-BR"/>
           </a:p>
@@ -5755,7 +5754,7 @@
           <a:p>
             <a:fld id="{221D0464-8C8A-49C0-859F-777E51766A35}" type="datetimeFigureOut">
               <a:rPr lang="pt-BR" smtClean="0"/>
-              <a:t>18/11/2021</a:t>
+              <a:t>20/11/2021</a:t>
             </a:fld>
             <a:endParaRPr lang="pt-BR"/>
           </a:p>
@@ -5873,7 +5872,7 @@
           <a:p>
             <a:fld id="{221D0464-8C8A-49C0-859F-777E51766A35}" type="datetimeFigureOut">
               <a:rPr lang="pt-BR" smtClean="0"/>
-              <a:t>18/11/2021</a:t>
+              <a:t>20/11/2021</a:t>
             </a:fld>
             <a:endParaRPr lang="pt-BR"/>
           </a:p>
@@ -5968,7 +5967,7 @@
           <a:p>
             <a:fld id="{221D0464-8C8A-49C0-859F-777E51766A35}" type="datetimeFigureOut">
               <a:rPr lang="pt-BR" smtClean="0"/>
-              <a:t>18/11/2021</a:t>
+              <a:t>20/11/2021</a:t>
             </a:fld>
             <a:endParaRPr lang="pt-BR"/>
           </a:p>
@@ -6245,7 +6244,7 @@
           <a:p>
             <a:fld id="{221D0464-8C8A-49C0-859F-777E51766A35}" type="datetimeFigureOut">
               <a:rPr lang="pt-BR" smtClean="0"/>
-              <a:t>18/11/2021</a:t>
+              <a:t>20/11/2021</a:t>
             </a:fld>
             <a:endParaRPr lang="pt-BR"/>
           </a:p>
@@ -6498,7 +6497,7 @@
           <a:p>
             <a:fld id="{221D0464-8C8A-49C0-859F-777E51766A35}" type="datetimeFigureOut">
               <a:rPr lang="pt-BR" smtClean="0"/>
-              <a:t>18/11/2021</a:t>
+              <a:t>20/11/2021</a:t>
             </a:fld>
             <a:endParaRPr lang="pt-BR"/>
           </a:p>
@@ -6711,7 +6710,7 @@
           <a:p>
             <a:fld id="{221D0464-8C8A-49C0-859F-777E51766A35}" type="datetimeFigureOut">
               <a:rPr lang="pt-BR" smtClean="0"/>
-              <a:t>18/11/2021</a:t>
+              <a:t>20/11/2021</a:t>
             </a:fld>
             <a:endParaRPr lang="pt-BR"/>
           </a:p>
@@ -7121,7 +7120,7 @@
           <p:cNvPr id="2" name="Título 1">
             <a:extLst>
               <a:ext uri="{FF2B5EF4-FFF2-40B4-BE49-F238E27FC236}">
-                <a16:creationId xmlns:a16="http://schemas.microsoft.com/office/drawing/2014/main" xmlns="" id="{32666AC8-2E17-4DB4-B0F5-60C640CCFD2E}"/>
+                <a16:creationId xmlns="" xmlns:a16="http://schemas.microsoft.com/office/drawing/2014/main" id="{32666AC8-2E17-4DB4-B0F5-60C640CCFD2E}"/>
               </a:ext>
             </a:extLst>
           </p:cNvPr>
@@ -7172,7 +7171,7 @@
           <p:cNvPr id="4" name="CaixaDeTexto 3">
             <a:extLst>
               <a:ext uri="{FF2B5EF4-FFF2-40B4-BE49-F238E27FC236}">
-                <a16:creationId xmlns:a16="http://schemas.microsoft.com/office/drawing/2014/main" xmlns="" id="{430EB894-B7D4-434C-9D1A-A14094D9BEEC}"/>
+                <a16:creationId xmlns="" xmlns:a16="http://schemas.microsoft.com/office/drawing/2014/main" id="{430EB894-B7D4-434C-9D1A-A14094D9BEEC}"/>
               </a:ext>
             </a:extLst>
           </p:cNvPr>
@@ -7213,7 +7212,7 @@
           <p:cNvPr id="1026" name="Picture 2" descr="Logo">
             <a:extLst>
               <a:ext uri="{FF2B5EF4-FFF2-40B4-BE49-F238E27FC236}">
-                <a16:creationId xmlns:a16="http://schemas.microsoft.com/office/drawing/2014/main" xmlns="" id="{3F2642E0-4F6A-4196-8F58-E77D36E9A33F}"/>
+                <a16:creationId xmlns="" xmlns:a16="http://schemas.microsoft.com/office/drawing/2014/main" id="{3F2642E0-4F6A-4196-8F58-E77D36E9A33F}"/>
               </a:ext>
             </a:extLst>
           </p:cNvPr>
@@ -7258,7 +7257,7 @@
           <p:cNvPr id="5122" name="Picture 2" descr="Image result for machine learning">
             <a:extLst>
               <a:ext uri="{FF2B5EF4-FFF2-40B4-BE49-F238E27FC236}">
-                <a16:creationId xmlns:a16="http://schemas.microsoft.com/office/drawing/2014/main" xmlns="" id="{810CE0A2-4102-44A6-A370-175E7896CDCB}"/>
+                <a16:creationId xmlns="" xmlns:a16="http://schemas.microsoft.com/office/drawing/2014/main" id="{810CE0A2-4102-44A6-A370-175E7896CDCB}"/>
               </a:ext>
             </a:extLst>
           </p:cNvPr>
@@ -7713,8 +7712,8 @@
           </a:p>
         </p:txBody>
       </p:sp>
-      <mc:AlternateContent xmlns:mc="http://schemas.openxmlformats.org/markup-compatibility/2006">
-        <mc:Choice xmlns:a14="http://schemas.microsoft.com/office/drawing/2010/main" Requires="a14">
+      <mc:AlternateContent xmlns:mc="http://schemas.openxmlformats.org/markup-compatibility/2006" xmlns:a14="http://schemas.microsoft.com/office/drawing/2010/main">
+        <mc:Choice Requires="a14">
           <p:sp>
             <p:nvSpPr>
               <p:cNvPr id="3" name="Content Placeholder 2"/>
@@ -8004,11 +8003,7 @@
                 </a:r>
                 <a:r>
                   <a:rPr lang="pt-BR" dirty="0"/>
-                  <a:t> </a:t>
-                </a:r>
-                <a:r>
-                  <a:rPr lang="pt-BR" dirty="0"/>
-                  <a:t>da </a:t>
+                  <a:t> da </a:t>
                 </a:r>
                 <a14:m>
                   <m:oMath xmlns:m="http://schemas.openxmlformats.org/officeDocument/2006/math">
@@ -8144,15 +8139,7 @@
                 </a:r>
                 <a:r>
                   <a:rPr lang="pt-BR" dirty="0"/>
-                  <a:t>das </a:t>
-                </a:r>
-                <a:r>
-                  <a:rPr lang="pt-BR" dirty="0"/>
-                  <a:t>entradas </a:t>
-                </a:r>
-                <a:r>
-                  <a:rPr lang="pt-BR" dirty="0"/>
-                  <a:t>do </a:t>
+                  <a:t>das entradas do </a:t>
                 </a:r>
                 <a14:m>
                   <m:oMath xmlns:m="http://schemas.openxmlformats.org/officeDocument/2006/math">
@@ -8473,7 +8460,7 @@
             </p:txBody>
           </p:sp>
         </mc:Choice>
-        <mc:Fallback>
+        <mc:Fallback xmlns="">
           <p:sp>
             <p:nvSpPr>
               <p:cNvPr id="3" name="Content Placeholder 2"/>
@@ -9287,8 +9274,8 @@
           </a:p>
         </p:txBody>
       </p:sp>
-      <mc:AlternateContent xmlns:mc="http://schemas.openxmlformats.org/markup-compatibility/2006">
-        <mc:Choice xmlns:a14="http://schemas.microsoft.com/office/drawing/2010/main" Requires="a14">
+      <mc:AlternateContent xmlns:mc="http://schemas.openxmlformats.org/markup-compatibility/2006" xmlns:a14="http://schemas.microsoft.com/office/drawing/2010/main">
+        <mc:Choice Requires="a14">
           <p:sp>
             <p:nvSpPr>
               <p:cNvPr id="3" name="Content Placeholder 2"/>
@@ -10208,7 +10195,7 @@
             </p:txBody>
           </p:sp>
         </mc:Choice>
-        <mc:Fallback>
+        <mc:Fallback xmlns="">
           <p:sp>
             <p:nvSpPr>
               <p:cNvPr id="3" name="Content Placeholder 2"/>
@@ -11300,11 +11287,7 @@
             </a:r>
             <a:r>
               <a:rPr lang="pt-BR" dirty="0" smtClean="0"/>
-              <a:t>primeira camada </a:t>
-            </a:r>
-            <a:r>
-              <a:rPr lang="pt-BR" dirty="0" smtClean="0"/>
-              <a:t>oculta usando-se </a:t>
+              <a:t>primeira camada oculta usando-se </a:t>
             </a:r>
             <a:r>
               <a:rPr lang="pt-BR" dirty="0"/>
@@ -11330,8 +11313,8 @@
           </a:p>
         </p:txBody>
       </p:sp>
-      <mc:AlternateContent xmlns:mc="http://schemas.openxmlformats.org/markup-compatibility/2006">
-        <mc:Choice xmlns:a14="http://schemas.microsoft.com/office/drawing/2010/main" Requires="a14">
+      <mc:AlternateContent xmlns:mc="http://schemas.openxmlformats.org/markup-compatibility/2006" xmlns:a14="http://schemas.microsoft.com/office/drawing/2010/main">
+        <mc:Choice Requires="a14">
           <p:sp>
             <p:nvSpPr>
               <p:cNvPr id="4" name="Rectangle 3"/>
@@ -11353,6 +11336,7 @@
               </a:bodyPr>
               <a:lstStyle/>
               <a:p>
+                <a:pPr/>
                 <a14:m>
                   <m:oMathPara xmlns:m="http://schemas.openxmlformats.org/officeDocument/2006/math">
                     <m:oMathParaPr>
@@ -11711,7 +11695,7 @@
             </p:txBody>
           </p:sp>
         </mc:Choice>
-        <mc:Fallback>
+        <mc:Fallback xmlns="">
           <p:sp>
             <p:nvSpPr>
               <p:cNvPr id="4" name="Rectangle 3"/>
@@ -11848,8 +11832,8 @@
           </a:p>
         </p:txBody>
       </p:sp>
-      <mc:AlternateContent xmlns:mc="http://schemas.openxmlformats.org/markup-compatibility/2006">
-        <mc:Choice xmlns:a14="http://schemas.microsoft.com/office/drawing/2010/main" Requires="a14">
+      <mc:AlternateContent xmlns:mc="http://schemas.openxmlformats.org/markup-compatibility/2006" xmlns:a14="http://schemas.microsoft.com/office/drawing/2010/main">
+        <mc:Choice Requires="a14">
           <p:sp>
             <p:nvSpPr>
               <p:cNvPr id="3" name="Content Placeholder 2"/>
@@ -12542,11 +12526,7 @@
                 </a:r>
                 <a:r>
                   <a:rPr lang="pt-BR" dirty="0"/>
-                  <a:t>gradiente apenas para </a:t>
-                </a:r>
-                <a:r>
-                  <a:rPr lang="pt-BR" dirty="0"/>
-                  <a:t>o</a:t>
+                  <a:t>gradiente apenas para o</a:t>
                 </a:r>
                 <a:r>
                   <a:rPr lang="pt-BR" dirty="0" smtClean="0"/>
@@ -12602,7 +12582,7 @@
             </p:txBody>
           </p:sp>
         </mc:Choice>
-        <mc:Fallback>
+        <mc:Fallback xmlns="">
           <p:sp>
             <p:nvSpPr>
               <p:cNvPr id="3" name="Content Placeholder 2"/>
@@ -12697,8 +12677,8 @@
           </a:p>
         </p:txBody>
       </p:sp>
-      <mc:AlternateContent xmlns:mc="http://schemas.openxmlformats.org/markup-compatibility/2006">
-        <mc:Choice xmlns:a14="http://schemas.microsoft.com/office/drawing/2010/main" Requires="a14">
+      <mc:AlternateContent xmlns:mc="http://schemas.openxmlformats.org/markup-compatibility/2006" xmlns:a14="http://schemas.microsoft.com/office/drawing/2010/main">
+        <mc:Choice Requires="a14">
           <p:sp>
             <p:nvSpPr>
               <p:cNvPr id="3" name="Content Placeholder 2"/>
@@ -13729,7 +13709,7 @@
             </p:txBody>
           </p:sp>
         </mc:Choice>
-        <mc:Fallback>
+        <mc:Fallback xmlns="">
           <p:sp>
             <p:nvSpPr>
               <p:cNvPr id="3" name="Content Placeholder 2"/>
@@ -13824,8 +13804,8 @@
           </a:p>
         </p:txBody>
       </p:sp>
-      <mc:AlternateContent xmlns:mc="http://schemas.openxmlformats.org/markup-compatibility/2006">
-        <mc:Choice xmlns:a14="http://schemas.microsoft.com/office/drawing/2010/main" Requires="a14">
+      <mc:AlternateContent xmlns:mc="http://schemas.openxmlformats.org/markup-compatibility/2006" xmlns:a14="http://schemas.microsoft.com/office/drawing/2010/main">
+        <mc:Choice Requires="a14">
           <p:sp>
             <p:nvSpPr>
               <p:cNvPr id="3" name="Content Placeholder 2"/>
@@ -14611,11 +14591,7 @@
                 </a:r>
                 <a:r>
                   <a:rPr lang="pt-BR" dirty="0" smtClean="0"/>
-                  <a:t>u</a:t>
-                </a:r>
-                <a:r>
-                  <a:rPr lang="pt-BR" dirty="0" smtClean="0"/>
-                  <a:t>, para o beso de bias, </a:t>
+                  <a:t>u, para o beso de bias, </a:t>
                 </a:r>
                 <a14:m>
                   <m:oMath xmlns:m="http://schemas.openxmlformats.org/officeDocument/2006/math">
@@ -15113,7 +15089,7 @@
             </p:txBody>
           </p:sp>
         </mc:Choice>
-        <mc:Fallback>
+        <mc:Fallback xmlns="">
           <p:sp>
             <p:nvSpPr>
               <p:cNvPr id="3" name="Content Placeholder 2"/>
@@ -15315,11 +15291,7 @@
           <a:p>
             <a:r>
               <a:rPr lang="pt-BR" dirty="0" smtClean="0"/>
-              <a:t>Vimos algumas </a:t>
-            </a:r>
-            <a:r>
-              <a:rPr lang="pt-BR" dirty="0" smtClean="0"/>
-              <a:t>topologias diferentes de redes neurais.</a:t>
+              <a:t>Vimos algumas topologias diferentes de redes neurais.</a:t>
             </a:r>
           </a:p>
           <a:p>
@@ -15388,8 +15360,8 @@
           </a:p>
         </p:txBody>
       </p:sp>
-      <mc:AlternateContent xmlns:mc="http://schemas.openxmlformats.org/markup-compatibility/2006">
-        <mc:Choice xmlns:a14="http://schemas.microsoft.com/office/drawing/2010/main" Requires="a14">
+      <mc:AlternateContent xmlns:mc="http://schemas.openxmlformats.org/markup-compatibility/2006" xmlns:a14="http://schemas.microsoft.com/office/drawing/2010/main">
+        <mc:Choice Requires="a14">
           <p:sp>
             <p:nvSpPr>
               <p:cNvPr id="3" name="Content Placeholder 2"/>
@@ -15418,15 +15390,7 @@
                 </a:r>
                 <a:r>
                   <a:rPr lang="pt-BR" dirty="0" smtClean="0"/>
-                  <a:t>para atualização dos pesos </a:t>
-                </a:r>
-                <a:r>
-                  <a:rPr lang="pt-BR" dirty="0" smtClean="0"/>
-                  <a:t>(sinápticos/bias) </a:t>
-                </a:r>
-                <a:r>
-                  <a:rPr lang="pt-BR" dirty="0" smtClean="0"/>
-                  <a:t>da rede neural é </a:t>
+                  <a:t>para atualização dos pesos (sinápticos/bias) da rede neural é </a:t>
                 </a:r>
                 <a:r>
                   <a:rPr lang="pt-BR" dirty="0"/>
@@ -15840,7 +15804,7 @@
             </p:txBody>
           </p:sp>
         </mc:Choice>
-        <mc:Fallback>
+        <mc:Fallback xmlns="">
           <p:sp>
             <p:nvSpPr>
               <p:cNvPr id="3" name="Content Placeholder 2"/>
@@ -15930,8 +15894,8 @@
           </a:p>
         </p:txBody>
       </p:sp>
-      <mc:AlternateContent xmlns:mc="http://schemas.openxmlformats.org/markup-compatibility/2006">
-        <mc:Choice xmlns:a14="http://schemas.microsoft.com/office/drawing/2010/main" Requires="a14">
+      <mc:AlternateContent xmlns:mc="http://schemas.openxmlformats.org/markup-compatibility/2006" xmlns:a14="http://schemas.microsoft.com/office/drawing/2010/main">
+        <mc:Choice Requires="a14">
           <p:sp>
             <p:nvSpPr>
               <p:cNvPr id="3" name="Content Placeholder 2"/>
@@ -17477,7 +17441,7 @@
             </p:txBody>
           </p:sp>
         </mc:Choice>
-        <mc:Fallback>
+        <mc:Fallback xmlns="">
           <p:sp>
             <p:nvSpPr>
               <p:cNvPr id="3" name="Content Placeholder 2"/>
@@ -17515,8 +17479,8 @@
           </p:sp>
         </mc:Fallback>
       </mc:AlternateContent>
-      <mc:AlternateContent xmlns:mc="http://schemas.openxmlformats.org/markup-compatibility/2006">
-        <mc:Choice xmlns:a14="http://schemas.microsoft.com/office/drawing/2010/main" Requires="a14">
+      <mc:AlternateContent xmlns:mc="http://schemas.openxmlformats.org/markup-compatibility/2006" xmlns:a14="http://schemas.microsoft.com/office/drawing/2010/main">
+        <mc:Choice Requires="a14">
           <p:sp>
             <p:nvSpPr>
               <p:cNvPr id="4" name="Rectangle 3"/>
@@ -17544,6 +17508,7 @@
                 </a:r>
               </a:p>
               <a:p>
+                <a:pPr/>
                 <a14:m>
                   <m:oMathPara xmlns:m="http://schemas.openxmlformats.org/officeDocument/2006/math">
                     <m:oMathParaPr>
@@ -17681,7 +17646,7 @@
             </p:txBody>
           </p:sp>
         </mc:Choice>
-        <mc:Fallback>
+        <mc:Fallback xmlns="">
           <p:sp>
             <p:nvSpPr>
               <p:cNvPr id="4" name="Rectangle 3"/>
@@ -17720,8 +17685,8 @@
           </p:sp>
         </mc:Fallback>
       </mc:AlternateContent>
-      <mc:AlternateContent xmlns:mc="http://schemas.openxmlformats.org/markup-compatibility/2006">
-        <mc:Choice xmlns:a14="http://schemas.microsoft.com/office/drawing/2010/main" Requires="a14">
+      <mc:AlternateContent xmlns:mc="http://schemas.openxmlformats.org/markup-compatibility/2006" xmlns:a14="http://schemas.microsoft.com/office/drawing/2010/main">
+        <mc:Choice Requires="a14">
           <p:sp>
             <p:nvSpPr>
               <p:cNvPr id="5" name="Rectangle 4"/>
@@ -17756,6 +17721,7 @@
                 </a:endParaRPr>
               </a:p>
               <a:p>
+                <a:pPr/>
                 <a14:m>
                   <m:oMathPara xmlns:m="http://schemas.openxmlformats.org/officeDocument/2006/math">
                     <m:oMathParaPr>
@@ -17892,7 +17858,7 @@
             </p:txBody>
           </p:sp>
         </mc:Choice>
-        <mc:Fallback>
+        <mc:Fallback xmlns="">
           <p:sp>
             <p:nvSpPr>
               <p:cNvPr id="5" name="Rectangle 4"/>
@@ -17983,8 +17949,8 @@
           </a:p>
         </p:txBody>
       </p:sp>
-      <mc:AlternateContent xmlns:mc="http://schemas.openxmlformats.org/markup-compatibility/2006">
-        <mc:Choice xmlns:a14="http://schemas.microsoft.com/office/drawing/2010/main" Requires="a14">
+      <mc:AlternateContent xmlns:mc="http://schemas.openxmlformats.org/markup-compatibility/2006" xmlns:a14="http://schemas.microsoft.com/office/drawing/2010/main">
+        <mc:Choice Requires="a14">
           <p:sp>
             <p:nvSpPr>
               <p:cNvPr id="3" name="Content Placeholder 2"/>
@@ -18007,15 +17973,7 @@
               <a:p>
                 <a:r>
                   <a:rPr lang="pt-BR" dirty="0" smtClean="0"/>
-                  <a:t>Matricialmente </a:t>
-                </a:r>
-                <a:r>
-                  <a:rPr lang="pt-BR" dirty="0" smtClean="0"/>
-                  <a:t>nós podemos </a:t>
-                </a:r>
-                <a:r>
-                  <a:rPr lang="pt-BR" dirty="0" smtClean="0"/>
-                  <a:t>expressar </a:t>
+                  <a:t>Matricialmente nós podemos expressar </a:t>
                 </a:r>
                 <a14:m>
                   <m:oMath xmlns:m="http://schemas.openxmlformats.org/officeDocument/2006/math">
@@ -19166,7 +19124,7 @@
             </p:txBody>
           </p:sp>
         </mc:Choice>
-        <mc:Fallback>
+        <mc:Fallback xmlns="">
           <p:sp>
             <p:nvSpPr>
               <p:cNvPr id="3" name="Content Placeholder 2"/>
@@ -19257,8 +19215,8 @@
           </a:p>
         </p:txBody>
       </p:sp>
-      <mc:AlternateContent xmlns:mc="http://schemas.openxmlformats.org/markup-compatibility/2006">
-        <mc:Choice xmlns:a14="http://schemas.microsoft.com/office/drawing/2010/main" Requires="a14">
+      <mc:AlternateContent xmlns:mc="http://schemas.openxmlformats.org/markup-compatibility/2006" xmlns:a14="http://schemas.microsoft.com/office/drawing/2010/main">
+        <mc:Choice Requires="a14">
           <p:sp>
             <p:nvSpPr>
               <p:cNvPr id="3" name="Content Placeholder 2"/>
@@ -19460,13 +19418,7 @@
                                                 <a:rPr lang="pt-BR" i="1">
                                                   <a:latin typeface="Cambria Math" panose="02040503050406030204" pitchFamily="18" charset="0"/>
                                                 </a:rPr>
-                                                <m:t>1,</m:t>
-                                              </m:r>
-                                              <m:r>
-                                                <a:rPr lang="pt-BR" i="1">
-                                                  <a:latin typeface="Cambria Math" panose="02040503050406030204" pitchFamily="18" charset="0"/>
-                                                </a:rPr>
-                                                <m:t>2</m:t>
+                                                <m:t>1,2</m:t>
                                               </m:r>
                                             </m:sub>
                                             <m:sup>
@@ -19580,7 +19532,7 @@
             </p:txBody>
           </p:sp>
         </mc:Choice>
-        <mc:Fallback>
+        <mc:Fallback xmlns="">
           <p:sp>
             <p:nvSpPr>
               <p:cNvPr id="3" name="Content Placeholder 2"/>
@@ -25351,11 +25303,13 @@
         <p:spPr>
           <a:xfrm>
             <a:off x="838199" y="1825624"/>
-            <a:ext cx="10994409" cy="4547879"/>
+            <a:ext cx="11158331" cy="5032376"/>
           </a:xfrm>
         </p:spPr>
         <p:txBody>
-          <a:bodyPr/>
+          <a:bodyPr>
+            <a:normAutofit lnSpcReduction="10000"/>
+          </a:bodyPr>
           <a:lstStyle/>
           <a:p>
             <a:r>
@@ -25460,8 +25414,73 @@
                   <a:srgbClr val="FF0000"/>
                 </a:solidFill>
               </a:rPr>
-              <a:t>em grupo, mas as entregas devem ser individuais.</a:t>
+              <a:t>em grupo, mas as entregas devem ser individuais</a:t>
             </a:r>
+            <a:r>
+              <a:rPr lang="pt-BR" b="1" dirty="0" smtClean="0">
+                <a:solidFill>
+                  <a:srgbClr val="FF0000"/>
+                </a:solidFill>
+              </a:rPr>
+              <a:t>.</a:t>
+            </a:r>
+          </a:p>
+          <a:p>
+            <a:r>
+              <a:rPr lang="pt-BR" b="1" dirty="0"/>
+              <a:t>Projeto </a:t>
+            </a:r>
+            <a:r>
+              <a:rPr lang="pt-BR" b="1" dirty="0" smtClean="0"/>
+              <a:t>#2</a:t>
+            </a:r>
+            <a:endParaRPr lang="pt-BR" b="1" dirty="0"/>
+          </a:p>
+          <a:p>
+            <a:pPr lvl="1"/>
+            <a:r>
+              <a:rPr lang="pt-BR" dirty="0"/>
+              <a:t>Projeto pode ser feito em grupo de no máximo 3 alunos.</a:t>
+            </a:r>
+          </a:p>
+          <a:p>
+            <a:pPr lvl="1"/>
+            <a:r>
+              <a:rPr lang="pt-BR" dirty="0"/>
+              <a:t>Entrega: 12/12/2021.</a:t>
+            </a:r>
+          </a:p>
+          <a:p>
+            <a:pPr lvl="1"/>
+            <a:r>
+              <a:rPr lang="pt-BR" dirty="0"/>
+              <a:t>Vídeo com a explicação sobre o projeto se encontra na pasta “Projeto </a:t>
+            </a:r>
+            <a:r>
+              <a:rPr lang="pt-BR" dirty="0" smtClean="0"/>
+              <a:t>#2” </a:t>
+            </a:r>
+            <a:r>
+              <a:rPr lang="pt-BR" dirty="0"/>
+              <a:t>em </a:t>
+            </a:r>
+            <a:r>
+              <a:rPr lang="pt-BR" dirty="0" smtClean="0"/>
+              <a:t>“Arquivos”.</a:t>
+            </a:r>
+            <a:endParaRPr lang="pt-BR" dirty="0"/>
+          </a:p>
+          <a:p>
+            <a:pPr lvl="1"/>
+            <a:r>
+              <a:rPr lang="pt-BR" dirty="0"/>
+              <a:t>Leiam os enunciados atentamente</a:t>
+            </a:r>
+            <a:r>
+              <a:rPr lang="pt-BR" dirty="0" smtClean="0"/>
+              <a:t>.</a:t>
+            </a:r>
+            <a:endParaRPr lang="pt-BR" dirty="0"/>
           </a:p>
         </p:txBody>
       </p:sp>
@@ -25507,7 +25526,7 @@
           <p:cNvPr id="4" name="Título 1">
             <a:extLst>
               <a:ext uri="{FF2B5EF4-FFF2-40B4-BE49-F238E27FC236}">
-                <a16:creationId xmlns:a16="http://schemas.microsoft.com/office/drawing/2014/main" xmlns="" id="{32666AC8-2E17-4DB4-B0F5-60C640CCFD2E}"/>
+                <a16:creationId xmlns="" xmlns:a16="http://schemas.microsoft.com/office/drawing/2014/main" id="{32666AC8-2E17-4DB4-B0F5-60C640CCFD2E}"/>
               </a:ext>
             </a:extLst>
           </p:cNvPr>
@@ -26221,7 +26240,7 @@
           <p:cNvPr id="4" name="Título 1">
             <a:extLst>
               <a:ext uri="{FF2B5EF4-FFF2-40B4-BE49-F238E27FC236}">
-                <a16:creationId xmlns:a16="http://schemas.microsoft.com/office/drawing/2014/main" xmlns="" id="{32666AC8-2E17-4DB4-B0F5-60C640CCFD2E}"/>
+                <a16:creationId xmlns="" xmlns:a16="http://schemas.microsoft.com/office/drawing/2014/main" id="{32666AC8-2E17-4DB4-B0F5-60C640CCFD2E}"/>
               </a:ext>
             </a:extLst>
           </p:cNvPr>
@@ -40244,8 +40263,8 @@
           </a:p>
         </p:txBody>
       </p:sp>
-      <mc:AlternateContent xmlns:mc="http://schemas.openxmlformats.org/markup-compatibility/2006">
-        <mc:Choice xmlns:a14="http://schemas.microsoft.com/office/drawing/2010/main" Requires="a14">
+      <mc:AlternateContent xmlns:mc="http://schemas.openxmlformats.org/markup-compatibility/2006" xmlns:a14="http://schemas.microsoft.com/office/drawing/2010/main">
+        <mc:Choice Requires="a14">
           <p:sp>
             <p:nvSpPr>
               <p:cNvPr id="3" name="Content Placeholder 2"/>
@@ -42010,7 +42029,7 @@
             </p:txBody>
           </p:sp>
         </mc:Choice>
-        <mc:Fallback>
+        <mc:Fallback xmlns="">
           <p:sp>
             <p:nvSpPr>
               <p:cNvPr id="3" name="Content Placeholder 2"/>
@@ -42100,8 +42119,8 @@
           </a:p>
         </p:txBody>
       </p:sp>
-      <mc:AlternateContent xmlns:mc="http://schemas.openxmlformats.org/markup-compatibility/2006">
-        <mc:Choice xmlns:a14="http://schemas.microsoft.com/office/drawing/2010/main" Requires="a14">
+      <mc:AlternateContent xmlns:mc="http://schemas.openxmlformats.org/markup-compatibility/2006" xmlns:a14="http://schemas.microsoft.com/office/drawing/2010/main">
+        <mc:Choice Requires="a14">
           <p:sp>
             <p:nvSpPr>
               <p:cNvPr id="3" name="Content Placeholder 2"/>
@@ -42533,7 +42552,7 @@
             </p:txBody>
           </p:sp>
         </mc:Choice>
-        <mc:Fallback>
+        <mc:Fallback xmlns="">
           <p:sp>
             <p:nvSpPr>
               <p:cNvPr id="3" name="Content Placeholder 2"/>
@@ -42709,15 +42728,7 @@
           <a:p>
             <a:r>
               <a:rPr lang="pt-BR" dirty="0" smtClean="0"/>
-              <a:t>Por serem formadas pela combinação de vários nós com funções de ativação não-lineares, as superfícies de erro de redes neurais não são </a:t>
-            </a:r>
-            <a:r>
-              <a:rPr lang="pt-BR" dirty="0" smtClean="0"/>
-              <a:t>convexas, podendo </a:t>
-            </a:r>
-            <a:r>
-              <a:rPr lang="pt-BR" dirty="0" smtClean="0"/>
-              <a:t>ter vários mínimos locais.</a:t>
+              <a:t>Por serem formadas pela combinação de vários nós com funções de ativação não-lineares, as superfícies de erro de redes neurais não são convexas, podendo ter vários mínimos locais.</a:t>
             </a:r>
             <a:endParaRPr lang="pt-BR" dirty="0"/>
           </a:p>
@@ -43228,15 +43239,7 @@
           <a:p>
             <a:r>
               <a:rPr lang="pt-BR" dirty="0" smtClean="0"/>
-              <a:t>O </a:t>
-            </a:r>
-            <a:r>
-              <a:rPr lang="pt-BR" dirty="0" smtClean="0"/>
-              <a:t>algoritmo de minimização </a:t>
-            </a:r>
-            <a:r>
-              <a:rPr lang="pt-BR" dirty="0" smtClean="0"/>
-              <a:t>pode </a:t>
+              <a:t>O algoritmo de minimização pode </a:t>
             </a:r>
             <a:r>
               <a:rPr lang="pt-BR" dirty="0"/>
@@ -43270,15 +43273,7 @@
             </a:r>
             <a:r>
               <a:rPr lang="pt-BR" b="1" i="1" dirty="0" smtClean="0"/>
-              <a:t>versões ruidosas </a:t>
-            </a:r>
-            <a:r>
-              <a:rPr lang="pt-BR" b="1" i="1" dirty="0" smtClean="0"/>
-              <a:t>do gradiente </a:t>
-            </a:r>
-            <a:r>
-              <a:rPr lang="pt-BR" b="1" i="1" dirty="0" smtClean="0"/>
-              <a:t>descendente</a:t>
+              <a:t>versões ruidosas do gradiente descendente</a:t>
             </a:r>
             <a:r>
               <a:rPr lang="pt-BR" dirty="0" smtClean="0"/>

--- a/slides/T320_Redes_Neurais_Artificiais (Parte III).pptx
+++ b/slides/T320_Redes_Neurais_Artificiais (Parte III).pptx
@@ -5,7 +5,7 @@
     <p:sldMasterId id="2147483648" r:id="rId1"/>
   </p:sldMasterIdLst>
   <p:notesMasterIdLst>
-    <p:notesMasterId r:id="rId37"/>
+    <p:notesMasterId r:id="rId38"/>
   </p:notesMasterIdLst>
   <p:sldIdLst>
     <p:sldId id="300" r:id="rId2"/>
@@ -25,7 +25,7 @@
     <p:sldId id="372" r:id="rId16"/>
     <p:sldId id="373" r:id="rId17"/>
     <p:sldId id="327" r:id="rId18"/>
-    <p:sldId id="328" r:id="rId19"/>
+    <p:sldId id="387" r:id="rId19"/>
     <p:sldId id="329" r:id="rId20"/>
     <p:sldId id="377" r:id="rId21"/>
     <p:sldId id="378" r:id="rId22"/>
@@ -34,15 +34,16 @@
     <p:sldId id="381" r:id="rId25"/>
     <p:sldId id="333" r:id="rId26"/>
     <p:sldId id="334" r:id="rId27"/>
-    <p:sldId id="335" r:id="rId28"/>
-    <p:sldId id="301" r:id="rId29"/>
-    <p:sldId id="269" r:id="rId30"/>
-    <p:sldId id="303" r:id="rId31"/>
-    <p:sldId id="271" r:id="rId32"/>
-    <p:sldId id="365" r:id="rId33"/>
-    <p:sldId id="382" r:id="rId34"/>
-    <p:sldId id="383" r:id="rId35"/>
-    <p:sldId id="384" r:id="rId36"/>
+    <p:sldId id="388" r:id="rId28"/>
+    <p:sldId id="335" r:id="rId29"/>
+    <p:sldId id="301" r:id="rId30"/>
+    <p:sldId id="269" r:id="rId31"/>
+    <p:sldId id="303" r:id="rId32"/>
+    <p:sldId id="271" r:id="rId33"/>
+    <p:sldId id="365" r:id="rId34"/>
+    <p:sldId id="382" r:id="rId35"/>
+    <p:sldId id="383" r:id="rId36"/>
+    <p:sldId id="384" r:id="rId37"/>
   </p:sldIdLst>
   <p:sldSz cx="12192000" cy="6858000"/>
   <p:notesSz cx="6858000" cy="9144000"/>
@@ -268,7 +269,7 @@
           <a:p>
             <a:fld id="{C3C82C08-3EFC-4473-8294-F0E229C19EFF}" type="datetimeFigureOut">
               <a:rPr lang="pt-BR" smtClean="0"/>
-              <a:t>20/11/2021</a:t>
+              <a:t>26/11/2021</a:t>
             </a:fld>
             <a:endParaRPr lang="pt-BR"/>
           </a:p>
@@ -1150,6 +1151,9 @@
               <a:p>
                 <a:endParaRPr lang="pt-BR" dirty="0"/>
               </a:p>
+              <a:p>
+                <a:endParaRPr lang="pt-BR" dirty="0"/>
+              </a:p>
             </p:txBody>
           </p:sp>
         </mc:Choice>
@@ -1217,6 +1221,9 @@
               <a:p>
                 <a:endParaRPr lang="pt-BR" dirty="0"/>
               </a:p>
+              <a:p>
+                <a:endParaRPr lang="pt-BR" dirty="0"/>
+              </a:p>
             </p:txBody>
           </p:sp>
         </mc:Fallback>
@@ -1247,7 +1254,7 @@
     </p:spTree>
     <p:extLst>
       <p:ext uri="{BB962C8B-B14F-4D97-AF65-F5344CB8AC3E}">
-        <p14:creationId xmlns:p14="http://schemas.microsoft.com/office/powerpoint/2010/main" val="1443970991"/>
+        <p14:creationId xmlns:p14="http://schemas.microsoft.com/office/powerpoint/2010/main" val="1850964495"/>
       </p:ext>
     </p:extLst>
   </p:cSld>
@@ -1972,7 +1979,7 @@
           <a:p>
             <a:fld id="{6FC8D850-966F-45A6-8DE7-15B891E7D40D}" type="slidenum">
               <a:rPr lang="pt-BR" smtClean="0"/>
-              <a:t>28</a:t>
+              <a:t>29</a:t>
             </a:fld>
             <a:endParaRPr lang="pt-BR"/>
           </a:p>
@@ -4389,7 +4396,7 @@
           <a:p>
             <a:fld id="{221D0464-8C8A-49C0-859F-777E51766A35}" type="datetimeFigureOut">
               <a:rPr lang="pt-BR" smtClean="0"/>
-              <a:t>20/11/2021</a:t>
+              <a:t>26/11/2021</a:t>
             </a:fld>
             <a:endParaRPr lang="pt-BR"/>
           </a:p>
@@ -4559,7 +4566,7 @@
           <a:p>
             <a:fld id="{221D0464-8C8A-49C0-859F-777E51766A35}" type="datetimeFigureOut">
               <a:rPr lang="pt-BR" smtClean="0"/>
-              <a:t>20/11/2021</a:t>
+              <a:t>26/11/2021</a:t>
             </a:fld>
             <a:endParaRPr lang="pt-BR"/>
           </a:p>
@@ -4739,7 +4746,7 @@
           <a:p>
             <a:fld id="{221D0464-8C8A-49C0-859F-777E51766A35}" type="datetimeFigureOut">
               <a:rPr lang="pt-BR" smtClean="0"/>
-              <a:t>20/11/2021</a:t>
+              <a:t>26/11/2021</a:t>
             </a:fld>
             <a:endParaRPr lang="pt-BR"/>
           </a:p>
@@ -4909,7 +4916,7 @@
           <a:p>
             <a:fld id="{221D0464-8C8A-49C0-859F-777E51766A35}" type="datetimeFigureOut">
               <a:rPr lang="pt-BR" smtClean="0"/>
-              <a:t>20/11/2021</a:t>
+              <a:t>26/11/2021</a:t>
             </a:fld>
             <a:endParaRPr lang="pt-BR"/>
           </a:p>
@@ -5155,7 +5162,7 @@
           <a:p>
             <a:fld id="{221D0464-8C8A-49C0-859F-777E51766A35}" type="datetimeFigureOut">
               <a:rPr lang="pt-BR" smtClean="0"/>
-              <a:t>20/11/2021</a:t>
+              <a:t>26/11/2021</a:t>
             </a:fld>
             <a:endParaRPr lang="pt-BR"/>
           </a:p>
@@ -5387,7 +5394,7 @@
           <a:p>
             <a:fld id="{221D0464-8C8A-49C0-859F-777E51766A35}" type="datetimeFigureOut">
               <a:rPr lang="pt-BR" smtClean="0"/>
-              <a:t>20/11/2021</a:t>
+              <a:t>26/11/2021</a:t>
             </a:fld>
             <a:endParaRPr lang="pt-BR"/>
           </a:p>
@@ -5754,7 +5761,7 @@
           <a:p>
             <a:fld id="{221D0464-8C8A-49C0-859F-777E51766A35}" type="datetimeFigureOut">
               <a:rPr lang="pt-BR" smtClean="0"/>
-              <a:t>20/11/2021</a:t>
+              <a:t>26/11/2021</a:t>
             </a:fld>
             <a:endParaRPr lang="pt-BR"/>
           </a:p>
@@ -5872,7 +5879,7 @@
           <a:p>
             <a:fld id="{221D0464-8C8A-49C0-859F-777E51766A35}" type="datetimeFigureOut">
               <a:rPr lang="pt-BR" smtClean="0"/>
-              <a:t>20/11/2021</a:t>
+              <a:t>26/11/2021</a:t>
             </a:fld>
             <a:endParaRPr lang="pt-BR"/>
           </a:p>
@@ -5967,7 +5974,7 @@
           <a:p>
             <a:fld id="{221D0464-8C8A-49C0-859F-777E51766A35}" type="datetimeFigureOut">
               <a:rPr lang="pt-BR" smtClean="0"/>
-              <a:t>20/11/2021</a:t>
+              <a:t>26/11/2021</a:t>
             </a:fld>
             <a:endParaRPr lang="pt-BR"/>
           </a:p>
@@ -6244,7 +6251,7 @@
           <a:p>
             <a:fld id="{221D0464-8C8A-49C0-859F-777E51766A35}" type="datetimeFigureOut">
               <a:rPr lang="pt-BR" smtClean="0"/>
-              <a:t>20/11/2021</a:t>
+              <a:t>26/11/2021</a:t>
             </a:fld>
             <a:endParaRPr lang="pt-BR"/>
           </a:p>
@@ -6497,7 +6504,7 @@
           <a:p>
             <a:fld id="{221D0464-8C8A-49C0-859F-777E51766A35}" type="datetimeFigureOut">
               <a:rPr lang="pt-BR" smtClean="0"/>
-              <a:t>20/11/2021</a:t>
+              <a:t>26/11/2021</a:t>
             </a:fld>
             <a:endParaRPr lang="pt-BR"/>
           </a:p>
@@ -6710,7 +6717,7 @@
           <a:p>
             <a:fld id="{221D0464-8C8A-49C0-859F-777E51766A35}" type="datetimeFigureOut">
               <a:rPr lang="pt-BR" smtClean="0"/>
-              <a:t>20/11/2021</a:t>
+              <a:t>26/11/2021</a:t>
             </a:fld>
             <a:endParaRPr lang="pt-BR"/>
           </a:p>
@@ -9215,6 +9222,41 @@
           </p:sp>
         </mc:Fallback>
       </mc:AlternateContent>
+      <p:sp>
+        <p:nvSpPr>
+          <p:cNvPr id="6" name="TextBox 5"/>
+          <p:cNvSpPr txBox="1"/>
+          <p:nvPr/>
+        </p:nvSpPr>
+        <p:spPr>
+          <a:xfrm>
+            <a:off x="9780103" y="2961266"/>
+            <a:ext cx="2067340" cy="1384995"/>
+          </a:xfrm>
+          <a:prstGeom prst="rect">
+            <a:avLst/>
+          </a:prstGeom>
+          <a:noFill/>
+        </p:spPr>
+        <p:txBody>
+          <a:bodyPr wrap="square" rtlCol="0">
+            <a:spAutoFit/>
+          </a:bodyPr>
+          <a:lstStyle/>
+          <a:p>
+            <a:pPr algn="ctr"/>
+            <a:r>
+              <a:rPr lang="pt-BR" sz="1400" b="1" dirty="0" smtClean="0"/>
+              <a:t>OBS.</a:t>
+            </a:r>
+            <a:r>
+              <a:rPr lang="pt-BR" sz="1400" dirty="0" smtClean="0"/>
+              <a:t>: Para facilitar nossa análise, não vamos considerar as entradas como uma camada, apenas as camadas ocultas e de saída.</a:t>
+            </a:r>
+            <a:endParaRPr lang="pt-BR" sz="1400" dirty="0"/>
+          </a:p>
+        </p:txBody>
+      </p:sp>
     </p:spTree>
     <p:extLst>
       <p:ext uri="{BB962C8B-B14F-4D97-AF65-F5344CB8AC3E}">
@@ -11922,6 +11964,23 @@
                           </a:rPr>
                           <m:t>𝐽</m:t>
                         </m:r>
+                        <m:d>
+                          <m:dPr>
+                            <m:ctrlPr>
+                              <a:rPr lang="pt-BR" i="1">
+                                <a:latin typeface="Cambria Math" panose="02040503050406030204" pitchFamily="18" charset="0"/>
+                              </a:rPr>
+                            </m:ctrlPr>
+                          </m:dPr>
+                          <m:e>
+                            <m:r>
+                              <a:rPr lang="pt-BR" b="1" i="1">
+                                <a:latin typeface="Cambria Math" panose="02040503050406030204" pitchFamily="18" charset="0"/>
+                              </a:rPr>
+                              <m:t>𝒘</m:t>
+                            </m:r>
+                          </m:e>
+                        </m:d>
                       </m:num>
                       <m:den>
                         <m:r>
@@ -12660,12 +12719,7 @@
             <p:ph type="title"/>
           </p:nvPr>
         </p:nvSpPr>
-        <p:spPr>
-          <a:xfrm>
-            <a:off x="838200" y="365125"/>
-            <a:ext cx="10515600" cy="802493"/>
-          </a:xfrm>
-        </p:spPr>
+        <p:spPr/>
         <p:txBody>
           <a:bodyPr/>
           <a:lstStyle/>
@@ -12691,18 +12745,18 @@
             </p:nvSpPr>
             <p:spPr>
               <a:xfrm>
-                <a:off x="838199" y="1465604"/>
-                <a:ext cx="11245949" cy="5392396"/>
+                <a:off x="838199" y="1825624"/>
+                <a:ext cx="11078817" cy="5032375"/>
               </a:xfrm>
             </p:spPr>
             <p:txBody>
               <a:bodyPr>
-                <a:normAutofit fontScale="85000" lnSpcReduction="20000"/>
+                <a:normAutofit fontScale="77500" lnSpcReduction="20000"/>
               </a:bodyPr>
               <a:lstStyle/>
               <a:p>
                 <a:r>
-                  <a:rPr lang="pt-BR" dirty="0" smtClean="0"/>
+                  <a:rPr lang="pt-BR" dirty="0"/>
                   <a:t>Considerando novamente a derivada geral </a:t>
                 </a:r>
                 <a14:m>
@@ -12728,6 +12782,23 @@
                           </a:rPr>
                           <m:t>𝐽</m:t>
                         </m:r>
+                        <m:d>
+                          <m:dPr>
+                            <m:ctrlPr>
+                              <a:rPr lang="pt-BR" i="1">
+                                <a:latin typeface="Cambria Math" panose="02040503050406030204" pitchFamily="18" charset="0"/>
+                              </a:rPr>
+                            </m:ctrlPr>
+                          </m:dPr>
+                          <m:e>
+                            <m:r>
+                              <a:rPr lang="pt-BR" b="1" i="1">
+                                <a:latin typeface="Cambria Math" panose="02040503050406030204" pitchFamily="18" charset="0"/>
+                              </a:rPr>
+                              <m:t>𝒘</m:t>
+                            </m:r>
+                          </m:e>
+                        </m:d>
                       </m:num>
                       <m:den>
                         <m:r>
@@ -12787,15 +12858,7 @@
                 </a14:m>
                 <a:r>
                   <a:rPr lang="pt-BR" dirty="0"/>
-                  <a:t> (i.e., um elemento genérico do </a:t>
-                </a:r>
-                <a:r>
-                  <a:rPr lang="pt-BR" dirty="0" smtClean="0"/>
-                  <a:t>gradiente) e usando </a:t>
-                </a:r>
-                <a:r>
-                  <a:rPr lang="pt-BR" dirty="0"/>
-                  <a:t>a </a:t>
+                  <a:t> (i.e., um elemento genérico do gradiente) e usando a </a:t>
                 </a:r>
                 <a:r>
                   <a:rPr lang="pt-BR" b="1" i="1" dirty="0"/>
@@ -12803,275 +12866,312 @@
                 </a:r>
                 <a:r>
                   <a:rPr lang="pt-BR" dirty="0"/>
-                  <a:t>, </a:t>
-                </a:r>
-                <a:r>
-                  <a:rPr lang="pt-BR" dirty="0" smtClean="0"/>
-                  <a:t>podemos reescrevê-la como:</a:t>
-                </a:r>
-                <a:endParaRPr lang="pt-BR" dirty="0"/>
+                  <a:t>, podemos reescrevê-la como:</a:t>
+                </a:r>
               </a:p>
               <a:p>
                 <a:pPr marL="0" indent="0" algn="ctr">
                   <a:buNone/>
                 </a:pPr>
                 <a14:m>
-                  <m:oMath xmlns:m="http://schemas.openxmlformats.org/officeDocument/2006/math">
-                    <m:f>
-                      <m:fPr>
-                        <m:ctrlPr>
-                          <a:rPr lang="pt-BR" i="1">
-                            <a:latin typeface="Cambria Math" panose="02040503050406030204" pitchFamily="18" charset="0"/>
-                          </a:rPr>
-                        </m:ctrlPr>
-                      </m:fPr>
-                      <m:num>
-                        <m:r>
-                          <a:rPr lang="pt-BR" i="1">
-                            <a:latin typeface="Cambria Math" panose="02040503050406030204" pitchFamily="18" charset="0"/>
-                          </a:rPr>
-                          <m:t>𝜕</m:t>
-                        </m:r>
-                        <m:r>
-                          <a:rPr lang="pt-BR" b="0" i="1" smtClean="0">
-                            <a:latin typeface="Cambria Math" panose="02040503050406030204" pitchFamily="18" charset="0"/>
-                          </a:rPr>
-                          <m:t>𝐽</m:t>
-                        </m:r>
-                      </m:num>
-                      <m:den>
-                        <m:r>
-                          <a:rPr lang="pt-BR" i="1">
-                            <a:latin typeface="Cambria Math" panose="02040503050406030204" pitchFamily="18" charset="0"/>
-                          </a:rPr>
-                          <m:t>𝜕</m:t>
-                        </m:r>
-                        <m:sSubSup>
-                          <m:sSubSupPr>
-                            <m:ctrlPr>
-                              <a:rPr lang="pt-BR" i="1">
-                                <a:latin typeface="Cambria Math" panose="02040503050406030204" pitchFamily="18" charset="0"/>
-                              </a:rPr>
-                            </m:ctrlPr>
-                          </m:sSubSupPr>
-                          <m:e>
-                            <m:r>
-                              <a:rPr lang="pt-BR" i="1">
-                                <a:latin typeface="Cambria Math" panose="02040503050406030204" pitchFamily="18" charset="0"/>
-                              </a:rPr>
-                              <m:t>𝑤</m:t>
-                            </m:r>
-                          </m:e>
-                          <m:sub>
-                            <m:r>
-                              <a:rPr lang="pt-BR" i="1">
-                                <a:latin typeface="Cambria Math" panose="02040503050406030204" pitchFamily="18" charset="0"/>
-                              </a:rPr>
-                              <m:t>𝑖</m:t>
-                            </m:r>
-                            <m:r>
-                              <a:rPr lang="pt-BR" i="1">
-                                <a:latin typeface="Cambria Math" panose="02040503050406030204" pitchFamily="18" charset="0"/>
-                              </a:rPr>
-                              <m:t>,</m:t>
-                            </m:r>
-                            <m:r>
-                              <a:rPr lang="pt-BR" i="1">
-                                <a:latin typeface="Cambria Math" panose="02040503050406030204" pitchFamily="18" charset="0"/>
-                              </a:rPr>
-                              <m:t>𝑗</m:t>
-                            </m:r>
-                          </m:sub>
-                          <m:sup>
-                            <m:r>
-                              <a:rPr lang="pt-BR" i="1">
-                                <a:latin typeface="Cambria Math" panose="02040503050406030204" pitchFamily="18" charset="0"/>
-                              </a:rPr>
-                              <m:t>𝑚</m:t>
-                            </m:r>
-                          </m:sup>
-                        </m:sSubSup>
-                      </m:den>
-                    </m:f>
-                    <m:r>
-                      <a:rPr lang="pt-BR" i="1">
-                        <a:latin typeface="Cambria Math" panose="02040503050406030204" pitchFamily="18" charset="0"/>
-                      </a:rPr>
-                      <m:t>=</m:t>
-                    </m:r>
-                    <m:f>
-                      <m:fPr>
-                        <m:ctrlPr>
-                          <a:rPr lang="pt-BR" i="1">
-                            <a:latin typeface="Cambria Math" panose="02040503050406030204" pitchFamily="18" charset="0"/>
-                          </a:rPr>
-                        </m:ctrlPr>
-                      </m:fPr>
-                      <m:num>
-                        <m:r>
-                          <a:rPr lang="pt-BR" i="1">
-                            <a:latin typeface="Cambria Math" panose="02040503050406030204" pitchFamily="18" charset="0"/>
-                          </a:rPr>
-                          <m:t>𝜕</m:t>
-                        </m:r>
-                        <m:r>
-                          <a:rPr lang="pt-BR" b="0" i="1" smtClean="0">
-                            <a:latin typeface="Cambria Math" panose="02040503050406030204" pitchFamily="18" charset="0"/>
-                          </a:rPr>
-                          <m:t>𝐽</m:t>
-                        </m:r>
-                      </m:num>
-                      <m:den>
-                        <m:r>
-                          <a:rPr lang="pt-BR" i="1">
-                            <a:latin typeface="Cambria Math" panose="02040503050406030204" pitchFamily="18" charset="0"/>
-                          </a:rPr>
-                          <m:t>𝜕</m:t>
-                        </m:r>
-                        <m:sSubSup>
-                          <m:sSubSupPr>
-                            <m:ctrlPr>
-                              <a:rPr lang="pt-BR" i="1">
-                                <a:latin typeface="Cambria Math" panose="02040503050406030204" pitchFamily="18" charset="0"/>
-                              </a:rPr>
-                            </m:ctrlPr>
-                          </m:sSubSupPr>
-                          <m:e>
-                            <m:r>
-                              <a:rPr lang="pt-BR" b="0" i="1" smtClean="0">
-                                <a:latin typeface="Cambria Math" panose="02040503050406030204" pitchFamily="18" charset="0"/>
-                              </a:rPr>
-                              <m:t>𝑢</m:t>
-                            </m:r>
-                          </m:e>
-                          <m:sub>
-                            <m:r>
-                              <a:rPr lang="pt-BR" i="1">
-                                <a:latin typeface="Cambria Math" panose="02040503050406030204" pitchFamily="18" charset="0"/>
-                              </a:rPr>
-                              <m:t>𝑖</m:t>
-                            </m:r>
-                          </m:sub>
-                          <m:sup>
-                            <m:r>
-                              <a:rPr lang="pt-BR" i="1">
-                                <a:latin typeface="Cambria Math" panose="02040503050406030204" pitchFamily="18" charset="0"/>
-                              </a:rPr>
-                              <m:t>𝑚</m:t>
-                            </m:r>
-                          </m:sup>
-                        </m:sSubSup>
-                      </m:den>
-                    </m:f>
-                    <m:f>
-                      <m:fPr>
-                        <m:ctrlPr>
-                          <a:rPr lang="pt-BR" i="1">
-                            <a:latin typeface="Cambria Math" panose="02040503050406030204" pitchFamily="18" charset="0"/>
-                          </a:rPr>
-                        </m:ctrlPr>
-                      </m:fPr>
-                      <m:num>
-                        <m:r>
-                          <a:rPr lang="pt-BR" i="1">
-                            <a:latin typeface="Cambria Math" panose="02040503050406030204" pitchFamily="18" charset="0"/>
-                          </a:rPr>
-                          <m:t>𝜕</m:t>
-                        </m:r>
-                        <m:sSubSup>
-                          <m:sSubSupPr>
-                            <m:ctrlPr>
-                              <a:rPr lang="pt-BR" i="1">
-                                <a:latin typeface="Cambria Math" panose="02040503050406030204" pitchFamily="18" charset="0"/>
-                              </a:rPr>
-                            </m:ctrlPr>
-                          </m:sSubSupPr>
-                          <m:e>
-                            <m:r>
-                              <a:rPr lang="pt-BR" i="1">
-                                <a:latin typeface="Cambria Math" panose="02040503050406030204" pitchFamily="18" charset="0"/>
-                              </a:rPr>
-                              <m:t>𝑢</m:t>
-                            </m:r>
-                          </m:e>
-                          <m:sub>
-                            <m:r>
-                              <a:rPr lang="pt-BR" i="1">
-                                <a:latin typeface="Cambria Math" panose="02040503050406030204" pitchFamily="18" charset="0"/>
-                              </a:rPr>
-                              <m:t>𝑖</m:t>
-                            </m:r>
-                          </m:sub>
-                          <m:sup>
-                            <m:r>
-                              <a:rPr lang="pt-BR" i="1">
-                                <a:latin typeface="Cambria Math" panose="02040503050406030204" pitchFamily="18" charset="0"/>
-                              </a:rPr>
-                              <m:t>𝑚</m:t>
-                            </m:r>
-                          </m:sup>
-                        </m:sSubSup>
-                      </m:num>
-                      <m:den>
-                        <m:r>
-                          <a:rPr lang="pt-BR" i="1">
-                            <a:latin typeface="Cambria Math" panose="02040503050406030204" pitchFamily="18" charset="0"/>
-                          </a:rPr>
-                          <m:t>𝜕</m:t>
-                        </m:r>
-                        <m:sSubSup>
-                          <m:sSubSupPr>
-                            <m:ctrlPr>
-                              <a:rPr lang="pt-BR" i="1">
-                                <a:latin typeface="Cambria Math" panose="02040503050406030204" pitchFamily="18" charset="0"/>
-                              </a:rPr>
-                            </m:ctrlPr>
-                          </m:sSubSupPr>
-                          <m:e>
-                            <m:r>
-                              <a:rPr lang="pt-BR" i="1">
-                                <a:latin typeface="Cambria Math" panose="02040503050406030204" pitchFamily="18" charset="0"/>
-                              </a:rPr>
-                              <m:t>𝑤</m:t>
-                            </m:r>
-                          </m:e>
-                          <m:sub>
-                            <m:r>
-                              <a:rPr lang="pt-BR" i="1">
-                                <a:latin typeface="Cambria Math" panose="02040503050406030204" pitchFamily="18" charset="0"/>
-                              </a:rPr>
-                              <m:t>𝑖</m:t>
-                            </m:r>
-                            <m:r>
-                              <a:rPr lang="pt-BR" i="1">
-                                <a:latin typeface="Cambria Math" panose="02040503050406030204" pitchFamily="18" charset="0"/>
-                              </a:rPr>
-                              <m:t>,</m:t>
-                            </m:r>
-                            <m:r>
-                              <a:rPr lang="pt-BR" i="1">
-                                <a:latin typeface="Cambria Math" panose="02040503050406030204" pitchFamily="18" charset="0"/>
-                              </a:rPr>
-                              <m:t>𝑗</m:t>
-                            </m:r>
-                          </m:sub>
-                          <m:sup>
-                            <m:r>
-                              <a:rPr lang="pt-BR" i="1">
-                                <a:latin typeface="Cambria Math" panose="02040503050406030204" pitchFamily="18" charset="0"/>
-                              </a:rPr>
-                              <m:t>𝑚</m:t>
-                            </m:r>
-                          </m:sup>
-                        </m:sSubSup>
-                      </m:den>
-                    </m:f>
-                  </m:oMath>
+                  <m:oMathPara xmlns:m="http://schemas.openxmlformats.org/officeDocument/2006/math">
+                    <m:oMathParaPr>
+                      <m:jc m:val="centerGroup"/>
+                    </m:oMathParaPr>
+                    <m:oMath xmlns:m="http://schemas.openxmlformats.org/officeDocument/2006/math">
+                      <m:f>
+                        <m:fPr>
+                          <m:ctrlPr>
+                            <a:rPr lang="pt-BR" i="1">
+                              <a:latin typeface="Cambria Math" panose="02040503050406030204" pitchFamily="18" charset="0"/>
+                            </a:rPr>
+                          </m:ctrlPr>
+                        </m:fPr>
+                        <m:num>
+                          <m:r>
+                            <a:rPr lang="pt-BR" i="1">
+                              <a:latin typeface="Cambria Math" panose="02040503050406030204" pitchFamily="18" charset="0"/>
+                            </a:rPr>
+                            <m:t>𝜕</m:t>
+                          </m:r>
+                          <m:r>
+                            <a:rPr lang="pt-BR" i="1">
+                              <a:latin typeface="Cambria Math" panose="02040503050406030204" pitchFamily="18" charset="0"/>
+                            </a:rPr>
+                            <m:t>𝐽</m:t>
+                          </m:r>
+                          <m:d>
+                            <m:dPr>
+                              <m:ctrlPr>
+                                <a:rPr lang="pt-BR" i="1">
+                                  <a:latin typeface="Cambria Math" panose="02040503050406030204" pitchFamily="18" charset="0"/>
+                                </a:rPr>
+                              </m:ctrlPr>
+                            </m:dPr>
+                            <m:e>
+                              <m:r>
+                                <a:rPr lang="pt-BR" b="1" i="1">
+                                  <a:latin typeface="Cambria Math" panose="02040503050406030204" pitchFamily="18" charset="0"/>
+                                </a:rPr>
+                                <m:t>𝒘</m:t>
+                              </m:r>
+                            </m:e>
+                          </m:d>
+                        </m:num>
+                        <m:den>
+                          <m:r>
+                            <a:rPr lang="pt-BR" i="1">
+                              <a:latin typeface="Cambria Math" panose="02040503050406030204" pitchFamily="18" charset="0"/>
+                            </a:rPr>
+                            <m:t>𝜕</m:t>
+                          </m:r>
+                          <m:sSubSup>
+                            <m:sSubSupPr>
+                              <m:ctrlPr>
+                                <a:rPr lang="pt-BR" i="1">
+                                  <a:latin typeface="Cambria Math" panose="02040503050406030204" pitchFamily="18" charset="0"/>
+                                </a:rPr>
+                              </m:ctrlPr>
+                            </m:sSubSupPr>
+                            <m:e>
+                              <m:r>
+                                <a:rPr lang="pt-BR" i="1">
+                                  <a:latin typeface="Cambria Math" panose="02040503050406030204" pitchFamily="18" charset="0"/>
+                                </a:rPr>
+                                <m:t>𝑤</m:t>
+                              </m:r>
+                            </m:e>
+                            <m:sub>
+                              <m:r>
+                                <a:rPr lang="pt-BR" i="1">
+                                  <a:latin typeface="Cambria Math" panose="02040503050406030204" pitchFamily="18" charset="0"/>
+                                </a:rPr>
+                                <m:t>𝑖</m:t>
+                              </m:r>
+                              <m:r>
+                                <a:rPr lang="pt-BR" i="1">
+                                  <a:latin typeface="Cambria Math" panose="02040503050406030204" pitchFamily="18" charset="0"/>
+                                </a:rPr>
+                                <m:t>,</m:t>
+                              </m:r>
+                              <m:r>
+                                <a:rPr lang="pt-BR" i="1">
+                                  <a:latin typeface="Cambria Math" panose="02040503050406030204" pitchFamily="18" charset="0"/>
+                                </a:rPr>
+                                <m:t>𝑗</m:t>
+                              </m:r>
+                            </m:sub>
+                            <m:sup>
+                              <m:r>
+                                <a:rPr lang="pt-BR" i="1">
+                                  <a:latin typeface="Cambria Math" panose="02040503050406030204" pitchFamily="18" charset="0"/>
+                                </a:rPr>
+                                <m:t>𝑚</m:t>
+                              </m:r>
+                            </m:sup>
+                          </m:sSubSup>
+                        </m:den>
+                      </m:f>
+                      <m:r>
+                        <a:rPr lang="pt-BR" i="1">
+                          <a:latin typeface="Cambria Math" panose="02040503050406030204" pitchFamily="18" charset="0"/>
+                        </a:rPr>
+                        <m:t>=</m:t>
+                      </m:r>
+                      <m:f>
+                        <m:fPr>
+                          <m:ctrlPr>
+                            <a:rPr lang="pt-BR" i="1">
+                              <a:latin typeface="Cambria Math" panose="02040503050406030204" pitchFamily="18" charset="0"/>
+                            </a:rPr>
+                          </m:ctrlPr>
+                        </m:fPr>
+                        <m:num>
+                          <m:r>
+                            <a:rPr lang="pt-BR" i="1">
+                              <a:latin typeface="Cambria Math" panose="02040503050406030204" pitchFamily="18" charset="0"/>
+                            </a:rPr>
+                            <m:t>𝜕</m:t>
+                          </m:r>
+                          <m:r>
+                            <a:rPr lang="pt-BR" i="1">
+                              <a:latin typeface="Cambria Math" panose="02040503050406030204" pitchFamily="18" charset="0"/>
+                            </a:rPr>
+                            <m:t>𝐽</m:t>
+                          </m:r>
+                          <m:d>
+                            <m:dPr>
+                              <m:ctrlPr>
+                                <a:rPr lang="pt-BR" i="1">
+                                  <a:latin typeface="Cambria Math" panose="02040503050406030204" pitchFamily="18" charset="0"/>
+                                </a:rPr>
+                              </m:ctrlPr>
+                            </m:dPr>
+                            <m:e>
+                              <m:r>
+                                <a:rPr lang="pt-BR" b="1" i="1">
+                                  <a:latin typeface="Cambria Math" panose="02040503050406030204" pitchFamily="18" charset="0"/>
+                                </a:rPr>
+                                <m:t>𝒘</m:t>
+                              </m:r>
+                            </m:e>
+                          </m:d>
+                        </m:num>
+                        <m:den>
+                          <m:r>
+                            <a:rPr lang="pt-BR" i="1">
+                              <a:latin typeface="Cambria Math" panose="02040503050406030204" pitchFamily="18" charset="0"/>
+                            </a:rPr>
+                            <m:t>𝜕</m:t>
+                          </m:r>
+                          <m:sSubSup>
+                            <m:sSubSupPr>
+                              <m:ctrlPr>
+                                <a:rPr lang="pt-BR" i="1">
+                                  <a:latin typeface="Cambria Math" panose="02040503050406030204" pitchFamily="18" charset="0"/>
+                                </a:rPr>
+                              </m:ctrlPr>
+                            </m:sSubSupPr>
+                            <m:e>
+                              <m:r>
+                                <a:rPr lang="pt-BR" i="1">
+                                  <a:latin typeface="Cambria Math" panose="02040503050406030204" pitchFamily="18" charset="0"/>
+                                </a:rPr>
+                                <m:t>𝑢</m:t>
+                              </m:r>
+                            </m:e>
+                            <m:sub>
+                              <m:r>
+                                <a:rPr lang="pt-BR" i="1">
+                                  <a:latin typeface="Cambria Math" panose="02040503050406030204" pitchFamily="18" charset="0"/>
+                                </a:rPr>
+                                <m:t>𝑖</m:t>
+                              </m:r>
+                            </m:sub>
+                            <m:sup>
+                              <m:r>
+                                <a:rPr lang="pt-BR" i="1">
+                                  <a:latin typeface="Cambria Math" panose="02040503050406030204" pitchFamily="18" charset="0"/>
+                                </a:rPr>
+                                <m:t>𝑚</m:t>
+                              </m:r>
+                            </m:sup>
+                          </m:sSubSup>
+                        </m:den>
+                      </m:f>
+                      <m:f>
+                        <m:fPr>
+                          <m:ctrlPr>
+                            <a:rPr lang="pt-BR" i="1">
+                              <a:latin typeface="Cambria Math" panose="02040503050406030204" pitchFamily="18" charset="0"/>
+                            </a:rPr>
+                          </m:ctrlPr>
+                        </m:fPr>
+                        <m:num>
+                          <m:r>
+                            <a:rPr lang="pt-BR" i="1">
+                              <a:latin typeface="Cambria Math" panose="02040503050406030204" pitchFamily="18" charset="0"/>
+                            </a:rPr>
+                            <m:t>𝜕</m:t>
+                          </m:r>
+                          <m:sSubSup>
+                            <m:sSubSupPr>
+                              <m:ctrlPr>
+                                <a:rPr lang="pt-BR" i="1">
+                                  <a:latin typeface="Cambria Math" panose="02040503050406030204" pitchFamily="18" charset="0"/>
+                                </a:rPr>
+                              </m:ctrlPr>
+                            </m:sSubSupPr>
+                            <m:e>
+                              <m:r>
+                                <a:rPr lang="pt-BR" i="1">
+                                  <a:latin typeface="Cambria Math" panose="02040503050406030204" pitchFamily="18" charset="0"/>
+                                </a:rPr>
+                                <m:t>𝑢</m:t>
+                              </m:r>
+                            </m:e>
+                            <m:sub>
+                              <m:r>
+                                <a:rPr lang="pt-BR" i="1">
+                                  <a:latin typeface="Cambria Math" panose="02040503050406030204" pitchFamily="18" charset="0"/>
+                                </a:rPr>
+                                <m:t>𝑖</m:t>
+                              </m:r>
+                            </m:sub>
+                            <m:sup>
+                              <m:r>
+                                <a:rPr lang="pt-BR" i="1">
+                                  <a:latin typeface="Cambria Math" panose="02040503050406030204" pitchFamily="18" charset="0"/>
+                                </a:rPr>
+                                <m:t>𝑚</m:t>
+                              </m:r>
+                            </m:sup>
+                          </m:sSubSup>
+                        </m:num>
+                        <m:den>
+                          <m:r>
+                            <a:rPr lang="pt-BR" i="1">
+                              <a:latin typeface="Cambria Math" panose="02040503050406030204" pitchFamily="18" charset="0"/>
+                            </a:rPr>
+                            <m:t>𝜕</m:t>
+                          </m:r>
+                          <m:sSubSup>
+                            <m:sSubSupPr>
+                              <m:ctrlPr>
+                                <a:rPr lang="pt-BR" i="1">
+                                  <a:latin typeface="Cambria Math" panose="02040503050406030204" pitchFamily="18" charset="0"/>
+                                </a:rPr>
+                              </m:ctrlPr>
+                            </m:sSubSupPr>
+                            <m:e>
+                              <m:r>
+                                <a:rPr lang="pt-BR" i="1">
+                                  <a:latin typeface="Cambria Math" panose="02040503050406030204" pitchFamily="18" charset="0"/>
+                                </a:rPr>
+                                <m:t>𝑤</m:t>
+                              </m:r>
+                            </m:e>
+                            <m:sub>
+                              <m:r>
+                                <a:rPr lang="pt-BR" i="1">
+                                  <a:latin typeface="Cambria Math" panose="02040503050406030204" pitchFamily="18" charset="0"/>
+                                </a:rPr>
+                                <m:t>𝑖</m:t>
+                              </m:r>
+                              <m:r>
+                                <a:rPr lang="pt-BR" i="1">
+                                  <a:latin typeface="Cambria Math" panose="02040503050406030204" pitchFamily="18" charset="0"/>
+                                </a:rPr>
+                                <m:t>,</m:t>
+                              </m:r>
+                              <m:r>
+                                <a:rPr lang="pt-BR" i="1">
+                                  <a:latin typeface="Cambria Math" panose="02040503050406030204" pitchFamily="18" charset="0"/>
+                                </a:rPr>
+                                <m:t>𝑗</m:t>
+                              </m:r>
+                            </m:sub>
+                            <m:sup>
+                              <m:r>
+                                <a:rPr lang="pt-BR" i="1">
+                                  <a:latin typeface="Cambria Math" panose="02040503050406030204" pitchFamily="18" charset="0"/>
+                                </a:rPr>
+                                <m:t>𝑚</m:t>
+                              </m:r>
+                            </m:sup>
+                          </m:sSubSup>
+                        </m:den>
+                      </m:f>
+                      <m:r>
+                        <a:rPr lang="pt-BR">
+                          <a:latin typeface="Cambria Math" panose="02040503050406030204" pitchFamily="18" charset="0"/>
+                        </a:rPr>
+                        <m:t>.</m:t>
+                      </m:r>
+                    </m:oMath>
+                  </m:oMathPara>
                 </a14:m>
-                <a:r>
-                  <a:rPr lang="pt-BR" dirty="0"/>
-                  <a:t>.</a:t>
-                </a:r>
+                <a:endParaRPr lang="pt-BR" dirty="0"/>
               </a:p>
               <a:p>
                 <a:r>
@@ -13087,11 +13187,11 @@
                   <a:t> com respeito à </a:t>
                 </a:r>
                 <a:r>
-                  <a:rPr lang="pt-BR" b="1" i="1" dirty="0" smtClean="0"/>
+                  <a:rPr lang="pt-BR" b="1" i="1" dirty="0"/>
                   <a:t>ativação</a:t>
                 </a:r>
                 <a:r>
-                  <a:rPr lang="pt-BR" dirty="0" smtClean="0"/>
+                  <a:rPr lang="pt-BR" dirty="0"/>
                   <a:t>, </a:t>
                 </a:r>
                 <a14:m>
@@ -13099,14 +13199,14 @@
                     <m:sSubSup>
                       <m:sSubSupPr>
                         <m:ctrlPr>
-                          <a:rPr lang="pt-BR" i="1" smtClean="0">
+                          <a:rPr lang="pt-BR" i="1">
                             <a:latin typeface="Cambria Math" panose="02040503050406030204" pitchFamily="18" charset="0"/>
                           </a:rPr>
                         </m:ctrlPr>
                       </m:sSubSupPr>
                       <m:e>
                         <m:r>
-                          <a:rPr lang="pt-BR" b="0" i="1" smtClean="0">
+                          <a:rPr lang="pt-BR" i="1">
                             <a:latin typeface="Cambria Math" panose="02040503050406030204" pitchFamily="18" charset="0"/>
                           </a:rPr>
                           <m:t>𝑢</m:t>
@@ -13114,7 +13214,7 @@
                       </m:e>
                       <m:sub>
                         <m:r>
-                          <a:rPr lang="pt-BR" b="0" i="1" smtClean="0">
+                          <a:rPr lang="pt-BR" i="1">
                             <a:latin typeface="Cambria Math" panose="02040503050406030204" pitchFamily="18" charset="0"/>
                           </a:rPr>
                           <m:t>𝑖</m:t>
@@ -13122,7 +13222,7 @@
                       </m:sub>
                       <m:sup>
                         <m:r>
-                          <a:rPr lang="pt-BR" b="0" i="1" smtClean="0">
+                          <a:rPr lang="pt-BR" i="1">
                             <a:latin typeface="Cambria Math" panose="02040503050406030204" pitchFamily="18" charset="0"/>
                           </a:rPr>
                           <m:t>𝑚</m:t>
@@ -13132,7 +13232,7 @@
                   </m:oMath>
                 </a14:m>
                 <a:r>
-                  <a:rPr lang="pt-BR" dirty="0" smtClean="0"/>
+                  <a:rPr lang="pt-BR" dirty="0"/>
                   <a:t>, do </a:t>
                 </a:r>
                 <a14:m>
@@ -13169,7 +13269,7 @@
                 </a14:m>
                 <a:r>
                   <a:rPr lang="pt-BR" dirty="0"/>
-                  <a:t>-ésima camada. </a:t>
+                  <a:t>-ésima camada.</a:t>
                 </a:r>
               </a:p>
               <a:p>
@@ -13188,7 +13288,7 @@
                 <a14:m>
                   <m:oMath xmlns:m="http://schemas.openxmlformats.org/officeDocument/2006/math">
                     <m:r>
-                      <a:rPr lang="pt-BR" i="1" smtClean="0">
+                      <a:rPr lang="pt-BR" i="1">
                         <a:latin typeface="Cambria Math" panose="02040503050406030204" pitchFamily="18" charset="0"/>
                         <a:ea typeface="Cambria Math" panose="02040503050406030204" pitchFamily="18" charset="0"/>
                       </a:rPr>
@@ -13197,12 +13297,8 @@
                   </m:oMath>
                 </a14:m>
                 <a:r>
-                  <a:rPr lang="pt-BR" dirty="0" smtClean="0"/>
-                  <a:t>. Desta </a:t>
-                </a:r>
-                <a:r>
                   <a:rPr lang="pt-BR" dirty="0"/>
-                  <a:t>forma:</a:t>
+                  <a:t>. Desta forma:</a:t>
                 </a:r>
               </a:p>
               <a:p>
@@ -13210,117 +13306,142 @@
                   <a:buNone/>
                 </a:pPr>
                 <a14:m>
-                  <m:oMath xmlns:m="http://schemas.openxmlformats.org/officeDocument/2006/math">
-                    <m:sSubSup>
-                      <m:sSubSupPr>
-                        <m:ctrlPr>
-                          <a:rPr lang="pt-BR" i="1" smtClean="0">
-                            <a:latin typeface="Cambria Math" panose="02040503050406030204" pitchFamily="18" charset="0"/>
-                          </a:rPr>
-                        </m:ctrlPr>
-                      </m:sSubSupPr>
-                      <m:e>
-                        <m:r>
-                          <a:rPr lang="pt-BR" i="1" smtClean="0">
-                            <a:latin typeface="Cambria Math" panose="02040503050406030204" pitchFamily="18" charset="0"/>
-                            <a:ea typeface="Cambria Math" panose="02040503050406030204" pitchFamily="18" charset="0"/>
-                          </a:rPr>
-                          <m:t>𝛿</m:t>
-                        </m:r>
-                      </m:e>
-                      <m:sub>
-                        <m:r>
-                          <a:rPr lang="pt-BR" b="0" i="1" smtClean="0">
-                            <a:latin typeface="Cambria Math" panose="02040503050406030204" pitchFamily="18" charset="0"/>
-                          </a:rPr>
-                          <m:t>𝑖</m:t>
-                        </m:r>
-                      </m:sub>
-                      <m:sup>
-                        <m:r>
-                          <a:rPr lang="pt-BR" b="0" i="1" smtClean="0">
-                            <a:latin typeface="Cambria Math" panose="02040503050406030204" pitchFamily="18" charset="0"/>
-                          </a:rPr>
-                          <m:t>𝑚</m:t>
-                        </m:r>
-                      </m:sup>
-                    </m:sSubSup>
-                    <m:r>
-                      <a:rPr lang="pt-BR" b="0" i="1" smtClean="0">
-                        <a:latin typeface="Cambria Math" panose="02040503050406030204" pitchFamily="18" charset="0"/>
-                      </a:rPr>
-                      <m:t>=</m:t>
-                    </m:r>
-                    <m:f>
-                      <m:fPr>
-                        <m:ctrlPr>
-                          <a:rPr lang="pt-BR" i="1">
-                            <a:latin typeface="Cambria Math" panose="02040503050406030204" pitchFamily="18" charset="0"/>
-                          </a:rPr>
-                        </m:ctrlPr>
-                      </m:fPr>
-                      <m:num>
-                        <m:r>
-                          <a:rPr lang="pt-BR" i="1">
-                            <a:latin typeface="Cambria Math" panose="02040503050406030204" pitchFamily="18" charset="0"/>
-                          </a:rPr>
-                          <m:t>𝜕</m:t>
-                        </m:r>
-                        <m:r>
-                          <a:rPr lang="pt-BR" i="1">
-                            <a:latin typeface="Cambria Math" panose="02040503050406030204" pitchFamily="18" charset="0"/>
-                          </a:rPr>
-                          <m:t>𝐽</m:t>
-                        </m:r>
-                      </m:num>
-                      <m:den>
-                        <m:r>
-                          <a:rPr lang="pt-BR" i="1">
-                            <a:latin typeface="Cambria Math" panose="02040503050406030204" pitchFamily="18" charset="0"/>
-                          </a:rPr>
-                          <m:t>𝜕</m:t>
-                        </m:r>
-                        <m:sSubSup>
-                          <m:sSubSupPr>
-                            <m:ctrlPr>
-                              <a:rPr lang="pt-BR" i="1">
-                                <a:latin typeface="Cambria Math" panose="02040503050406030204" pitchFamily="18" charset="0"/>
-                              </a:rPr>
-                            </m:ctrlPr>
-                          </m:sSubSupPr>
-                          <m:e>
-                            <m:r>
-                              <a:rPr lang="pt-BR" i="1">
-                                <a:latin typeface="Cambria Math" panose="02040503050406030204" pitchFamily="18" charset="0"/>
-                              </a:rPr>
-                              <m:t>𝑢</m:t>
-                            </m:r>
-                          </m:e>
-                          <m:sub>
-                            <m:r>
-                              <a:rPr lang="pt-BR" i="1">
-                                <a:latin typeface="Cambria Math" panose="02040503050406030204" pitchFamily="18" charset="0"/>
-                              </a:rPr>
-                              <m:t>𝑖</m:t>
-                            </m:r>
-                          </m:sub>
-                          <m:sup>
-                            <m:r>
-                              <a:rPr lang="pt-BR" i="1">
-                                <a:latin typeface="Cambria Math" panose="02040503050406030204" pitchFamily="18" charset="0"/>
-                              </a:rPr>
-                              <m:t>𝑚</m:t>
-                            </m:r>
-                          </m:sup>
-                        </m:sSubSup>
-                      </m:den>
-                    </m:f>
-                  </m:oMath>
+                  <m:oMathPara xmlns:m="http://schemas.openxmlformats.org/officeDocument/2006/math">
+                    <m:oMathParaPr>
+                      <m:jc m:val="centerGroup"/>
+                    </m:oMathParaPr>
+                    <m:oMath xmlns:m="http://schemas.openxmlformats.org/officeDocument/2006/math">
+                      <m:sSubSup>
+                        <m:sSubSupPr>
+                          <m:ctrlPr>
+                            <a:rPr lang="pt-BR" i="1">
+                              <a:latin typeface="Cambria Math" panose="02040503050406030204" pitchFamily="18" charset="0"/>
+                            </a:rPr>
+                          </m:ctrlPr>
+                        </m:sSubSupPr>
+                        <m:e>
+                          <m:r>
+                            <a:rPr lang="pt-BR" i="1">
+                              <a:latin typeface="Cambria Math" panose="02040503050406030204" pitchFamily="18" charset="0"/>
+                              <a:ea typeface="Cambria Math" panose="02040503050406030204" pitchFamily="18" charset="0"/>
+                            </a:rPr>
+                            <m:t>𝛿</m:t>
+                          </m:r>
+                        </m:e>
+                        <m:sub>
+                          <m:r>
+                            <a:rPr lang="pt-BR" i="1">
+                              <a:latin typeface="Cambria Math" panose="02040503050406030204" pitchFamily="18" charset="0"/>
+                            </a:rPr>
+                            <m:t>𝑖</m:t>
+                          </m:r>
+                        </m:sub>
+                        <m:sup>
+                          <m:r>
+                            <a:rPr lang="pt-BR" i="1">
+                              <a:latin typeface="Cambria Math" panose="02040503050406030204" pitchFamily="18" charset="0"/>
+                            </a:rPr>
+                            <m:t>𝑚</m:t>
+                          </m:r>
+                        </m:sup>
+                      </m:sSubSup>
+                      <m:r>
+                        <a:rPr lang="pt-BR" i="1">
+                          <a:latin typeface="Cambria Math" panose="02040503050406030204" pitchFamily="18" charset="0"/>
+                        </a:rPr>
+                        <m:t>=</m:t>
+                      </m:r>
+                      <m:f>
+                        <m:fPr>
+                          <m:ctrlPr>
+                            <a:rPr lang="pt-BR" i="1">
+                              <a:latin typeface="Cambria Math" panose="02040503050406030204" pitchFamily="18" charset="0"/>
+                            </a:rPr>
+                          </m:ctrlPr>
+                        </m:fPr>
+                        <m:num>
+                          <m:r>
+                            <a:rPr lang="pt-BR" i="1">
+                              <a:latin typeface="Cambria Math" panose="02040503050406030204" pitchFamily="18" charset="0"/>
+                            </a:rPr>
+                            <m:t>𝜕</m:t>
+                          </m:r>
+                          <m:r>
+                            <a:rPr lang="pt-BR" i="1">
+                              <a:latin typeface="Cambria Math" panose="02040503050406030204" pitchFamily="18" charset="0"/>
+                            </a:rPr>
+                            <m:t>𝐽</m:t>
+                          </m:r>
+                          <m:d>
+                            <m:dPr>
+                              <m:ctrlPr>
+                                <a:rPr lang="pt-BR" i="1">
+                                  <a:latin typeface="Cambria Math" panose="02040503050406030204" pitchFamily="18" charset="0"/>
+                                </a:rPr>
+                              </m:ctrlPr>
+                            </m:dPr>
+                            <m:e>
+                              <m:r>
+                                <a:rPr lang="pt-BR" b="1" i="1">
+                                  <a:latin typeface="Cambria Math" panose="02040503050406030204" pitchFamily="18" charset="0"/>
+                                </a:rPr>
+                                <m:t>𝒘</m:t>
+                              </m:r>
+                            </m:e>
+                          </m:d>
+                        </m:num>
+                        <m:den>
+                          <m:r>
+                            <a:rPr lang="pt-BR" i="1">
+                              <a:latin typeface="Cambria Math" panose="02040503050406030204" pitchFamily="18" charset="0"/>
+                            </a:rPr>
+                            <m:t>𝜕</m:t>
+                          </m:r>
+                          <m:sSubSup>
+                            <m:sSubSupPr>
+                              <m:ctrlPr>
+                                <a:rPr lang="pt-BR" i="1">
+                                  <a:latin typeface="Cambria Math" panose="02040503050406030204" pitchFamily="18" charset="0"/>
+                                </a:rPr>
+                              </m:ctrlPr>
+                            </m:sSubSupPr>
+                            <m:e>
+                              <m:r>
+                                <a:rPr lang="pt-BR" i="1">
+                                  <a:latin typeface="Cambria Math" panose="02040503050406030204" pitchFamily="18" charset="0"/>
+                                </a:rPr>
+                                <m:t>𝑢</m:t>
+                              </m:r>
+                            </m:e>
+                            <m:sub>
+                              <m:r>
+                                <a:rPr lang="pt-BR" i="1">
+                                  <a:latin typeface="Cambria Math" panose="02040503050406030204" pitchFamily="18" charset="0"/>
+                                </a:rPr>
+                                <m:t>𝑖</m:t>
+                              </m:r>
+                            </m:sub>
+                            <m:sup>
+                              <m:r>
+                                <a:rPr lang="pt-BR" i="1">
+                                  <a:latin typeface="Cambria Math" panose="02040503050406030204" pitchFamily="18" charset="0"/>
+                                </a:rPr>
+                                <m:t>𝑚</m:t>
+                              </m:r>
+                            </m:sup>
+                          </m:sSubSup>
+                        </m:den>
+                      </m:f>
+                      <m:r>
+                        <a:rPr lang="pt-BR">
+                          <a:latin typeface="Cambria Math" panose="02040503050406030204" pitchFamily="18" charset="0"/>
+                        </a:rPr>
+                        <m:t>.</m:t>
+                      </m:r>
+                    </m:oMath>
+                  </m:oMathPara>
                 </a14:m>
-                <a:r>
-                  <a:rPr lang="pt-BR" dirty="0"/>
-                  <a:t>.</a:t>
-                </a:r>
+                <a:endParaRPr lang="pt-BR" dirty="0"/>
               </a:p>
               <a:p>
                 <a:r>
@@ -13370,11 +13491,11 @@
                   <a:t> é único para cada </a:t>
                 </a:r>
                 <a:r>
-                  <a:rPr lang="pt-BR" b="1" i="1" dirty="0" smtClean="0"/>
+                  <a:rPr lang="pt-BR" b="1" i="1" dirty="0"/>
                   <a:t>nó</a:t>
                 </a:r>
                 <a:r>
-                  <a:rPr lang="pt-BR" dirty="0" smtClean="0"/>
+                  <a:rPr lang="pt-BR" dirty="0"/>
                   <a:t> da </a:t>
                 </a:r>
                 <a14:m>
@@ -13389,13 +13510,8 @@
                 </a14:m>
                 <a:r>
                   <a:rPr lang="pt-BR" dirty="0"/>
-                  <a:t>-ésima camada</a:t>
-                </a:r>
-                <a:r>
-                  <a:rPr lang="pt-BR" dirty="0" smtClean="0"/>
-                  <a:t>. </a:t>
-                </a:r>
-                <a:endParaRPr lang="pt-BR" dirty="0"/>
+                  <a:t>-ésima camada. </a:t>
+                </a:r>
               </a:p>
               <a:p>
                 <a:r>
@@ -13416,11 +13532,7 @@
                 </a:r>
                 <a:r>
                   <a:rPr lang="pt-BR" dirty="0"/>
-                  <a:t>, a </a:t>
-                </a:r>
-                <a:r>
-                  <a:rPr lang="pt-BR" dirty="0" smtClean="0"/>
-                  <a:t>ativação, </a:t>
+                  <a:t>, a ativação, </a:t>
                 </a:r>
                 <a14:m>
                   <m:oMath xmlns:m="http://schemas.openxmlformats.org/officeDocument/2006/math">
@@ -13460,12 +13572,8 @@
                   </m:oMath>
                 </a14:m>
                 <a:r>
-                  <a:rPr lang="pt-BR" dirty="0" smtClean="0"/>
-                  <a:t>, </a:t>
-                </a:r>
-                <a:r>
                   <a:rPr lang="pt-BR" dirty="0"/>
-                  <a:t>é uma </a:t>
+                  <a:t>, é uma </a:t>
                 </a:r>
                 <a:r>
                   <a:rPr lang="pt-BR" b="1" i="1" dirty="0"/>
@@ -13520,7 +13628,7 @@
                         </m:sup>
                       </m:sSubSup>
                       <m:r>
-                        <a:rPr lang="pt-BR" b="0" i="0" smtClean="0">
+                        <a:rPr lang="pt-BR">
                           <a:latin typeface="Cambria Math" panose="02040503050406030204" pitchFamily="18" charset="0"/>
                         </a:rPr>
                         <m:t>=</m:t>
@@ -13531,7 +13639,7 @@
                           <m:limLoc m:val="subSup"/>
                           <m:supHide m:val="on"/>
                           <m:ctrlPr>
-                            <a:rPr lang="pt-BR" b="0" i="1" smtClean="0">
+                            <a:rPr lang="pt-BR" i="1">
                               <a:latin typeface="Cambria Math" panose="02040503050406030204" pitchFamily="18" charset="0"/>
                             </a:rPr>
                           </m:ctrlPr>
@@ -13541,13 +13649,13 @@
                             <m:rPr>
                               <m:brk m:alnAt="9"/>
                             </m:rPr>
-                            <a:rPr lang="pt-BR" b="0" i="1" smtClean="0">
+                            <a:rPr lang="pt-BR" i="1">
                               <a:latin typeface="Cambria Math" panose="02040503050406030204" pitchFamily="18" charset="0"/>
                             </a:rPr>
                             <m:t>𝑗</m:t>
                           </m:r>
                           <m:r>
-                            <a:rPr lang="pt-BR" b="0" i="1" smtClean="0">
+                            <a:rPr lang="pt-BR" i="1">
                               <a:latin typeface="Cambria Math" panose="02040503050406030204" pitchFamily="18" charset="0"/>
                             </a:rPr>
                             <m:t> ∈ </m:t>
@@ -13557,7 +13665,7 @@
                               <m:sty m:val="p"/>
                               <m:brk m:alnAt="9"/>
                             </m:rPr>
-                            <a:rPr lang="pt-BR" b="0" i="0" smtClean="0">
+                            <a:rPr lang="pt-BR">
                               <a:latin typeface="Cambria Math" panose="02040503050406030204" pitchFamily="18" charset="0"/>
                               <a:ea typeface="Cambria Math" panose="02040503050406030204" pitchFamily="18" charset="0"/>
                             </a:rPr>
@@ -13567,7 +13675,7 @@
                             <m:rPr>
                               <m:sty m:val="p"/>
                             </m:rPr>
-                            <a:rPr lang="pt-BR" b="0" i="0" smtClean="0">
+                            <a:rPr lang="pt-BR">
                               <a:latin typeface="Cambria Math" panose="02040503050406030204" pitchFamily="18" charset="0"/>
                               <a:ea typeface="Cambria Math" panose="02040503050406030204" pitchFamily="18" charset="0"/>
                             </a:rPr>
@@ -13649,13 +13757,13 @@
                         </m:sub>
                         <m:sup>
                           <m:r>
-                            <a:rPr lang="pt-BR" b="0" i="1" smtClean="0">
+                            <a:rPr lang="pt-BR" i="1">
                               <a:latin typeface="Cambria Math" panose="02040503050406030204" pitchFamily="18" charset="0"/>
                             </a:rPr>
                             <m:t>𝑚</m:t>
                           </m:r>
                           <m:r>
-                            <a:rPr lang="pt-BR" b="0" i="1" smtClean="0">
+                            <a:rPr lang="pt-BR" i="1">
                               <a:latin typeface="Cambria Math" panose="02040503050406030204" pitchFamily="18" charset="0"/>
                             </a:rPr>
                             <m:t>−1</m:t>
@@ -13663,7 +13771,7 @@
                         </m:sup>
                       </m:sSubSup>
                       <m:r>
-                        <a:rPr lang="pt-BR" b="0" i="1" smtClean="0">
+                        <a:rPr lang="pt-BR" i="1">
                           <a:latin typeface="Cambria Math" panose="02040503050406030204" pitchFamily="18" charset="0"/>
                         </a:rPr>
                         <m:t>+</m:t>
@@ -13671,14 +13779,14 @@
                       <m:sSubSup>
                         <m:sSubSupPr>
                           <m:ctrlPr>
-                            <a:rPr lang="pt-BR" b="0" i="1" smtClean="0">
+                            <a:rPr lang="pt-BR" i="1">
                               <a:latin typeface="Cambria Math" panose="02040503050406030204" pitchFamily="18" charset="0"/>
                             </a:rPr>
                           </m:ctrlPr>
                         </m:sSubSupPr>
                         <m:e>
                           <m:r>
-                            <a:rPr lang="pt-BR" b="0" i="1" smtClean="0">
+                            <a:rPr lang="pt-BR" i="1">
                               <a:latin typeface="Cambria Math" panose="02040503050406030204" pitchFamily="18" charset="0"/>
                             </a:rPr>
                             <m:t>𝑏</m:t>
@@ -13686,7 +13794,7 @@
                         </m:e>
                         <m:sub>
                           <m:r>
-                            <a:rPr lang="pt-BR" b="0" i="1" smtClean="0">
+                            <a:rPr lang="pt-BR" i="1">
                               <a:latin typeface="Cambria Math" panose="02040503050406030204" pitchFamily="18" charset="0"/>
                             </a:rPr>
                             <m:t>𝑖</m:t>
@@ -13694,13 +13802,19 @@
                         </m:sub>
                         <m:sup>
                           <m:r>
-                            <a:rPr lang="pt-BR" b="0" i="1" smtClean="0">
+                            <a:rPr lang="pt-BR" i="1">
                               <a:latin typeface="Cambria Math" panose="02040503050406030204" pitchFamily="18" charset="0"/>
                             </a:rPr>
                             <m:t>𝑚</m:t>
                           </m:r>
                         </m:sup>
                       </m:sSubSup>
+                      <m:r>
+                        <a:rPr lang="pt-BR" i="1">
+                          <a:latin typeface="Cambria Math" panose="02040503050406030204" pitchFamily="18" charset="0"/>
+                        </a:rPr>
+                        <m:t>.</m:t>
+                      </m:r>
                     </m:oMath>
                   </m:oMathPara>
                 </a14:m>
@@ -13722,13 +13836,13 @@
             </p:nvSpPr>
             <p:spPr>
               <a:xfrm>
-                <a:off x="838199" y="1465604"/>
-                <a:ext cx="11245949" cy="5392396"/>
+                <a:off x="838199" y="1825624"/>
+                <a:ext cx="11078817" cy="5032375"/>
               </a:xfrm>
               <a:blipFill rotWithShape="0">
                 <a:blip r:embed="rId3"/>
                 <a:stretch>
-                  <a:fillRect l="-705" t="-1808"/>
+                  <a:fillRect l="-605" t="-1574" r="-660"/>
                 </a:stretch>
               </a:blipFill>
             </p:spPr>
@@ -13750,7 +13864,7 @@
     </p:spTree>
     <p:extLst>
       <p:ext uri="{BB962C8B-B14F-4D97-AF65-F5344CB8AC3E}">
-        <p14:creationId xmlns:p14="http://schemas.microsoft.com/office/powerpoint/2010/main" val="3351714597"/>
+        <p14:creationId xmlns:p14="http://schemas.microsoft.com/office/powerpoint/2010/main" val="2802646200"/>
       </p:ext>
     </p:extLst>
   </p:cSld>
@@ -13824,12 +13938,12 @@
             </p:spPr>
             <p:txBody>
               <a:bodyPr>
-                <a:normAutofit fontScale="85000" lnSpcReduction="20000"/>
+                <a:normAutofit fontScale="77500" lnSpcReduction="20000"/>
               </a:bodyPr>
               <a:lstStyle/>
               <a:p>
                 <a:r>
-                  <a:rPr lang="pt-BR" dirty="0"/>
+                  <a:rPr lang="pt-BR" dirty="0" smtClean="0"/>
                   <a:t>Assim</a:t>
                 </a:r>
               </a:p>
@@ -13838,161 +13952,169 @@
                   <a:buNone/>
                 </a:pPr>
                 <a14:m>
-                  <m:oMath xmlns:m="http://schemas.openxmlformats.org/officeDocument/2006/math">
-                    <m:f>
-                      <m:fPr>
-                        <m:ctrlPr>
-                          <a:rPr lang="pt-BR" i="1">
-                            <a:latin typeface="Cambria Math" panose="02040503050406030204" pitchFamily="18" charset="0"/>
-                          </a:rPr>
-                        </m:ctrlPr>
-                      </m:fPr>
-                      <m:num>
-                        <m:r>
-                          <a:rPr lang="pt-BR" i="1">
-                            <a:latin typeface="Cambria Math" panose="02040503050406030204" pitchFamily="18" charset="0"/>
-                          </a:rPr>
-                          <m:t>𝜕</m:t>
-                        </m:r>
-                        <m:sSubSup>
-                          <m:sSubSupPr>
-                            <m:ctrlPr>
-                              <a:rPr lang="pt-BR" i="1">
-                                <a:latin typeface="Cambria Math" panose="02040503050406030204" pitchFamily="18" charset="0"/>
-                              </a:rPr>
-                            </m:ctrlPr>
-                          </m:sSubSupPr>
-                          <m:e>
-                            <m:r>
-                              <a:rPr lang="pt-BR" i="1">
-                                <a:latin typeface="Cambria Math" panose="02040503050406030204" pitchFamily="18" charset="0"/>
-                              </a:rPr>
-                              <m:t>𝑢</m:t>
-                            </m:r>
-                          </m:e>
-                          <m:sub>
-                            <m:r>
-                              <a:rPr lang="pt-BR" i="1">
-                                <a:latin typeface="Cambria Math" panose="02040503050406030204" pitchFamily="18" charset="0"/>
-                              </a:rPr>
-                              <m:t>𝑖</m:t>
-                            </m:r>
-                          </m:sub>
-                          <m:sup>
-                            <m:r>
-                              <a:rPr lang="pt-BR" i="1">
-                                <a:latin typeface="Cambria Math" panose="02040503050406030204" pitchFamily="18" charset="0"/>
-                              </a:rPr>
-                              <m:t>𝑚</m:t>
-                            </m:r>
-                          </m:sup>
-                        </m:sSubSup>
-                      </m:num>
-                      <m:den>
-                        <m:r>
-                          <a:rPr lang="pt-BR" i="1">
-                            <a:latin typeface="Cambria Math" panose="02040503050406030204" pitchFamily="18" charset="0"/>
-                          </a:rPr>
-                          <m:t>𝜕</m:t>
-                        </m:r>
-                        <m:sSubSup>
-                          <m:sSubSupPr>
-                            <m:ctrlPr>
-                              <a:rPr lang="pt-BR" i="1">
-                                <a:latin typeface="Cambria Math" panose="02040503050406030204" pitchFamily="18" charset="0"/>
-                              </a:rPr>
-                            </m:ctrlPr>
-                          </m:sSubSupPr>
-                          <m:e>
-                            <m:r>
-                              <a:rPr lang="pt-BR" i="1">
-                                <a:latin typeface="Cambria Math" panose="02040503050406030204" pitchFamily="18" charset="0"/>
-                              </a:rPr>
-                              <m:t>𝑤</m:t>
-                            </m:r>
-                          </m:e>
-                          <m:sub>
-                            <m:r>
-                              <a:rPr lang="pt-BR" i="1">
-                                <a:latin typeface="Cambria Math" panose="02040503050406030204" pitchFamily="18" charset="0"/>
-                              </a:rPr>
-                              <m:t>𝑖</m:t>
-                            </m:r>
-                            <m:r>
-                              <a:rPr lang="pt-BR" i="1">
-                                <a:latin typeface="Cambria Math" panose="02040503050406030204" pitchFamily="18" charset="0"/>
-                              </a:rPr>
-                              <m:t>,</m:t>
-                            </m:r>
-                            <m:r>
-                              <a:rPr lang="pt-BR" i="1">
-                                <a:latin typeface="Cambria Math" panose="02040503050406030204" pitchFamily="18" charset="0"/>
-                              </a:rPr>
-                              <m:t>𝑗</m:t>
-                            </m:r>
-                          </m:sub>
-                          <m:sup>
-                            <m:r>
-                              <a:rPr lang="pt-BR" i="1">
-                                <a:latin typeface="Cambria Math" panose="02040503050406030204" pitchFamily="18" charset="0"/>
-                              </a:rPr>
-                              <m:t>𝑚</m:t>
-                            </m:r>
-                          </m:sup>
-                        </m:sSubSup>
-                      </m:den>
-                    </m:f>
-                    <m:r>
-                      <a:rPr lang="pt-BR" b="0" i="1" smtClean="0">
-                        <a:latin typeface="Cambria Math" panose="02040503050406030204" pitchFamily="18" charset="0"/>
-                      </a:rPr>
-                      <m:t>=</m:t>
-                    </m:r>
-                    <m:sSubSup>
-                      <m:sSubSupPr>
-                        <m:ctrlPr>
-                          <a:rPr lang="pt-BR" i="1">
-                            <a:latin typeface="Cambria Math" panose="02040503050406030204" pitchFamily="18" charset="0"/>
-                          </a:rPr>
-                        </m:ctrlPr>
-                      </m:sSubSupPr>
-                      <m:e>
-                        <m:r>
-                          <a:rPr lang="pt-BR" i="1">
-                            <a:latin typeface="Cambria Math" panose="02040503050406030204" pitchFamily="18" charset="0"/>
-                          </a:rPr>
-                          <m:t>𝑦</m:t>
-                        </m:r>
-                      </m:e>
-                      <m:sub>
-                        <m:r>
-                          <a:rPr lang="pt-BR" i="1">
-                            <a:latin typeface="Cambria Math" panose="02040503050406030204" pitchFamily="18" charset="0"/>
-                          </a:rPr>
-                          <m:t>𝑗</m:t>
-                        </m:r>
-                      </m:sub>
-                      <m:sup>
-                        <m:r>
-                          <a:rPr lang="pt-BR" i="1">
-                            <a:latin typeface="Cambria Math" panose="02040503050406030204" pitchFamily="18" charset="0"/>
-                          </a:rPr>
-                          <m:t>𝑚</m:t>
-                        </m:r>
-                        <m:r>
-                          <a:rPr lang="pt-BR" i="1">
-                            <a:latin typeface="Cambria Math" panose="02040503050406030204" pitchFamily="18" charset="0"/>
-                          </a:rPr>
-                          <m:t>−1</m:t>
-                        </m:r>
-                      </m:sup>
-                    </m:sSubSup>
-                  </m:oMath>
+                  <m:oMathPara xmlns:m="http://schemas.openxmlformats.org/officeDocument/2006/math">
+                    <m:oMathParaPr>
+                      <m:jc m:val="centerGroup"/>
+                    </m:oMathParaPr>
+                    <m:oMath xmlns:m="http://schemas.openxmlformats.org/officeDocument/2006/math">
+                      <m:f>
+                        <m:fPr>
+                          <m:ctrlPr>
+                            <a:rPr lang="pt-BR" i="1">
+                              <a:latin typeface="Cambria Math" panose="02040503050406030204" pitchFamily="18" charset="0"/>
+                            </a:rPr>
+                          </m:ctrlPr>
+                        </m:fPr>
+                        <m:num>
+                          <m:r>
+                            <a:rPr lang="pt-BR" i="1">
+                              <a:latin typeface="Cambria Math" panose="02040503050406030204" pitchFamily="18" charset="0"/>
+                            </a:rPr>
+                            <m:t>𝜕</m:t>
+                          </m:r>
+                          <m:sSubSup>
+                            <m:sSubSupPr>
+                              <m:ctrlPr>
+                                <a:rPr lang="pt-BR" i="1">
+                                  <a:latin typeface="Cambria Math" panose="02040503050406030204" pitchFamily="18" charset="0"/>
+                                </a:rPr>
+                              </m:ctrlPr>
+                            </m:sSubSupPr>
+                            <m:e>
+                              <m:r>
+                                <a:rPr lang="pt-BR" i="1">
+                                  <a:latin typeface="Cambria Math" panose="02040503050406030204" pitchFamily="18" charset="0"/>
+                                </a:rPr>
+                                <m:t>𝑢</m:t>
+                              </m:r>
+                            </m:e>
+                            <m:sub>
+                              <m:r>
+                                <a:rPr lang="pt-BR" i="1">
+                                  <a:latin typeface="Cambria Math" panose="02040503050406030204" pitchFamily="18" charset="0"/>
+                                </a:rPr>
+                                <m:t>𝑖</m:t>
+                              </m:r>
+                            </m:sub>
+                            <m:sup>
+                              <m:r>
+                                <a:rPr lang="pt-BR" i="1">
+                                  <a:latin typeface="Cambria Math" panose="02040503050406030204" pitchFamily="18" charset="0"/>
+                                </a:rPr>
+                                <m:t>𝑚</m:t>
+                              </m:r>
+                            </m:sup>
+                          </m:sSubSup>
+                        </m:num>
+                        <m:den>
+                          <m:r>
+                            <a:rPr lang="pt-BR" i="1">
+                              <a:latin typeface="Cambria Math" panose="02040503050406030204" pitchFamily="18" charset="0"/>
+                            </a:rPr>
+                            <m:t>𝜕</m:t>
+                          </m:r>
+                          <m:sSubSup>
+                            <m:sSubSupPr>
+                              <m:ctrlPr>
+                                <a:rPr lang="pt-BR" i="1">
+                                  <a:latin typeface="Cambria Math" panose="02040503050406030204" pitchFamily="18" charset="0"/>
+                                </a:rPr>
+                              </m:ctrlPr>
+                            </m:sSubSupPr>
+                            <m:e>
+                              <m:r>
+                                <a:rPr lang="pt-BR" i="1">
+                                  <a:latin typeface="Cambria Math" panose="02040503050406030204" pitchFamily="18" charset="0"/>
+                                </a:rPr>
+                                <m:t>𝑤</m:t>
+                              </m:r>
+                            </m:e>
+                            <m:sub>
+                              <m:r>
+                                <a:rPr lang="pt-BR" i="1">
+                                  <a:latin typeface="Cambria Math" panose="02040503050406030204" pitchFamily="18" charset="0"/>
+                                </a:rPr>
+                                <m:t>𝑖</m:t>
+                              </m:r>
+                              <m:r>
+                                <a:rPr lang="pt-BR" i="1">
+                                  <a:latin typeface="Cambria Math" panose="02040503050406030204" pitchFamily="18" charset="0"/>
+                                </a:rPr>
+                                <m:t>,</m:t>
+                              </m:r>
+                              <m:r>
+                                <a:rPr lang="pt-BR" i="1">
+                                  <a:latin typeface="Cambria Math" panose="02040503050406030204" pitchFamily="18" charset="0"/>
+                                </a:rPr>
+                                <m:t>𝑗</m:t>
+                              </m:r>
+                            </m:sub>
+                            <m:sup>
+                              <m:r>
+                                <a:rPr lang="pt-BR" i="1">
+                                  <a:latin typeface="Cambria Math" panose="02040503050406030204" pitchFamily="18" charset="0"/>
+                                </a:rPr>
+                                <m:t>𝑚</m:t>
+                              </m:r>
+                            </m:sup>
+                          </m:sSubSup>
+                        </m:den>
+                      </m:f>
+                      <m:r>
+                        <a:rPr lang="pt-BR" b="0" i="1" smtClean="0">
+                          <a:latin typeface="Cambria Math" panose="02040503050406030204" pitchFamily="18" charset="0"/>
+                        </a:rPr>
+                        <m:t>=</m:t>
+                      </m:r>
+                      <m:sSubSup>
+                        <m:sSubSupPr>
+                          <m:ctrlPr>
+                            <a:rPr lang="pt-BR" i="1">
+                              <a:latin typeface="Cambria Math" panose="02040503050406030204" pitchFamily="18" charset="0"/>
+                            </a:rPr>
+                          </m:ctrlPr>
+                        </m:sSubSupPr>
+                        <m:e>
+                          <m:r>
+                            <a:rPr lang="pt-BR" i="1">
+                              <a:latin typeface="Cambria Math" panose="02040503050406030204" pitchFamily="18" charset="0"/>
+                            </a:rPr>
+                            <m:t>𝑦</m:t>
+                          </m:r>
+                        </m:e>
+                        <m:sub>
+                          <m:r>
+                            <a:rPr lang="pt-BR" i="1">
+                              <a:latin typeface="Cambria Math" panose="02040503050406030204" pitchFamily="18" charset="0"/>
+                            </a:rPr>
+                            <m:t>𝑗</m:t>
+                          </m:r>
+                        </m:sub>
+                        <m:sup>
+                          <m:r>
+                            <a:rPr lang="pt-BR" i="1">
+                              <a:latin typeface="Cambria Math" panose="02040503050406030204" pitchFamily="18" charset="0"/>
+                            </a:rPr>
+                            <m:t>𝑚</m:t>
+                          </m:r>
+                          <m:r>
+                            <a:rPr lang="pt-BR" i="1">
+                              <a:latin typeface="Cambria Math" panose="02040503050406030204" pitchFamily="18" charset="0"/>
+                            </a:rPr>
+                            <m:t>−1</m:t>
+                          </m:r>
+                        </m:sup>
+                      </m:sSubSup>
+                      <m:r>
+                        <a:rPr lang="pt-BR" b="0" i="0" smtClean="0">
+                          <a:latin typeface="Cambria Math" panose="02040503050406030204" pitchFamily="18" charset="0"/>
+                        </a:rPr>
+                        <m:t>.</m:t>
+                      </m:r>
+                    </m:oMath>
+                  </m:oMathPara>
                 </a14:m>
-                <a:r>
-                  <a:rPr lang="pt-BR" dirty="0"/>
-                  <a:t>.</a:t>
-                </a:r>
+                <a:endParaRPr lang="pt-BR" dirty="0"/>
               </a:p>
               <a:p>
                 <a:r>
@@ -14054,116 +14176,124 @@
                   <a:buNone/>
                 </a:pPr>
                 <a14:m>
-                  <m:oMath xmlns:m="http://schemas.openxmlformats.org/officeDocument/2006/math">
-                    <m:f>
-                      <m:fPr>
-                        <m:ctrlPr>
-                          <a:rPr lang="pt-BR" i="1">
-                            <a:latin typeface="Cambria Math" panose="02040503050406030204" pitchFamily="18" charset="0"/>
-                          </a:rPr>
-                        </m:ctrlPr>
-                      </m:fPr>
-                      <m:num>
-                        <m:r>
-                          <a:rPr lang="pt-BR" i="1">
-                            <a:latin typeface="Cambria Math" panose="02040503050406030204" pitchFamily="18" charset="0"/>
-                          </a:rPr>
-                          <m:t>𝜕</m:t>
-                        </m:r>
-                        <m:sSubSup>
-                          <m:sSubSupPr>
-                            <m:ctrlPr>
-                              <a:rPr lang="pt-BR" i="1">
-                                <a:latin typeface="Cambria Math" panose="02040503050406030204" pitchFamily="18" charset="0"/>
-                              </a:rPr>
-                            </m:ctrlPr>
-                          </m:sSubSupPr>
-                          <m:e>
-                            <m:r>
-                              <a:rPr lang="pt-BR" i="1">
-                                <a:latin typeface="Cambria Math" panose="02040503050406030204" pitchFamily="18" charset="0"/>
-                              </a:rPr>
-                              <m:t>𝑢</m:t>
-                            </m:r>
-                          </m:e>
-                          <m:sub>
-                            <m:r>
-                              <a:rPr lang="pt-BR" i="1">
-                                <a:latin typeface="Cambria Math" panose="02040503050406030204" pitchFamily="18" charset="0"/>
-                              </a:rPr>
-                              <m:t>𝑖</m:t>
-                            </m:r>
-                          </m:sub>
-                          <m:sup>
-                            <m:r>
-                              <a:rPr lang="pt-BR" i="1">
-                                <a:latin typeface="Cambria Math" panose="02040503050406030204" pitchFamily="18" charset="0"/>
-                              </a:rPr>
-                              <m:t>𝑚</m:t>
-                            </m:r>
-                          </m:sup>
-                        </m:sSubSup>
-                      </m:num>
-                      <m:den>
-                        <m:r>
-                          <a:rPr lang="pt-BR" i="1">
-                            <a:latin typeface="Cambria Math" panose="02040503050406030204" pitchFamily="18" charset="0"/>
-                          </a:rPr>
-                          <m:t>𝜕</m:t>
-                        </m:r>
-                        <m:sSubSup>
-                          <m:sSubSupPr>
-                            <m:ctrlPr>
-                              <a:rPr lang="pt-BR" i="1">
-                                <a:latin typeface="Cambria Math" panose="02040503050406030204" pitchFamily="18" charset="0"/>
-                              </a:rPr>
-                            </m:ctrlPr>
-                          </m:sSubSupPr>
-                          <m:e>
-                            <m:r>
-                              <a:rPr lang="pt-BR" i="1">
-                                <a:latin typeface="Cambria Math" panose="02040503050406030204" pitchFamily="18" charset="0"/>
-                              </a:rPr>
-                              <m:t>𝑏</m:t>
-                            </m:r>
-                          </m:e>
-                          <m:sub>
-                            <m:r>
-                              <a:rPr lang="pt-BR" i="1">
-                                <a:latin typeface="Cambria Math" panose="02040503050406030204" pitchFamily="18" charset="0"/>
-                              </a:rPr>
-                              <m:t>𝑖</m:t>
-                            </m:r>
-                          </m:sub>
-                          <m:sup>
-                            <m:r>
-                              <a:rPr lang="pt-BR" i="1">
-                                <a:latin typeface="Cambria Math" panose="02040503050406030204" pitchFamily="18" charset="0"/>
-                              </a:rPr>
-                              <m:t>𝑚</m:t>
-                            </m:r>
-                          </m:sup>
-                        </m:sSubSup>
-                      </m:den>
-                    </m:f>
-                    <m:r>
-                      <a:rPr lang="pt-BR" i="1">
-                        <a:latin typeface="Cambria Math" panose="02040503050406030204" pitchFamily="18" charset="0"/>
-                      </a:rPr>
-                      <m:t>=</m:t>
-                    </m:r>
-                    <m:r>
-                      <a:rPr lang="pt-BR" b="0" i="1" smtClean="0">
-                        <a:latin typeface="Cambria Math" panose="02040503050406030204" pitchFamily="18" charset="0"/>
-                      </a:rPr>
-                      <m:t>1</m:t>
-                    </m:r>
-                  </m:oMath>
+                  <m:oMathPara xmlns:m="http://schemas.openxmlformats.org/officeDocument/2006/math">
+                    <m:oMathParaPr>
+                      <m:jc m:val="centerGroup"/>
+                    </m:oMathParaPr>
+                    <m:oMath xmlns:m="http://schemas.openxmlformats.org/officeDocument/2006/math">
+                      <m:f>
+                        <m:fPr>
+                          <m:ctrlPr>
+                            <a:rPr lang="pt-BR" i="1">
+                              <a:latin typeface="Cambria Math" panose="02040503050406030204" pitchFamily="18" charset="0"/>
+                            </a:rPr>
+                          </m:ctrlPr>
+                        </m:fPr>
+                        <m:num>
+                          <m:r>
+                            <a:rPr lang="pt-BR" i="1">
+                              <a:latin typeface="Cambria Math" panose="02040503050406030204" pitchFamily="18" charset="0"/>
+                            </a:rPr>
+                            <m:t>𝜕</m:t>
+                          </m:r>
+                          <m:sSubSup>
+                            <m:sSubSupPr>
+                              <m:ctrlPr>
+                                <a:rPr lang="pt-BR" i="1">
+                                  <a:latin typeface="Cambria Math" panose="02040503050406030204" pitchFamily="18" charset="0"/>
+                                </a:rPr>
+                              </m:ctrlPr>
+                            </m:sSubSupPr>
+                            <m:e>
+                              <m:r>
+                                <a:rPr lang="pt-BR" i="1">
+                                  <a:latin typeface="Cambria Math" panose="02040503050406030204" pitchFamily="18" charset="0"/>
+                                </a:rPr>
+                                <m:t>𝑢</m:t>
+                              </m:r>
+                            </m:e>
+                            <m:sub>
+                              <m:r>
+                                <a:rPr lang="pt-BR" i="1">
+                                  <a:latin typeface="Cambria Math" panose="02040503050406030204" pitchFamily="18" charset="0"/>
+                                </a:rPr>
+                                <m:t>𝑖</m:t>
+                              </m:r>
+                            </m:sub>
+                            <m:sup>
+                              <m:r>
+                                <a:rPr lang="pt-BR" i="1">
+                                  <a:latin typeface="Cambria Math" panose="02040503050406030204" pitchFamily="18" charset="0"/>
+                                </a:rPr>
+                                <m:t>𝑚</m:t>
+                              </m:r>
+                            </m:sup>
+                          </m:sSubSup>
+                        </m:num>
+                        <m:den>
+                          <m:r>
+                            <a:rPr lang="pt-BR" i="1">
+                              <a:latin typeface="Cambria Math" panose="02040503050406030204" pitchFamily="18" charset="0"/>
+                            </a:rPr>
+                            <m:t>𝜕</m:t>
+                          </m:r>
+                          <m:sSubSup>
+                            <m:sSubSupPr>
+                              <m:ctrlPr>
+                                <a:rPr lang="pt-BR" i="1">
+                                  <a:latin typeface="Cambria Math" panose="02040503050406030204" pitchFamily="18" charset="0"/>
+                                </a:rPr>
+                              </m:ctrlPr>
+                            </m:sSubSupPr>
+                            <m:e>
+                              <m:r>
+                                <a:rPr lang="pt-BR" i="1">
+                                  <a:latin typeface="Cambria Math" panose="02040503050406030204" pitchFamily="18" charset="0"/>
+                                </a:rPr>
+                                <m:t>𝑏</m:t>
+                              </m:r>
+                            </m:e>
+                            <m:sub>
+                              <m:r>
+                                <a:rPr lang="pt-BR" i="1">
+                                  <a:latin typeface="Cambria Math" panose="02040503050406030204" pitchFamily="18" charset="0"/>
+                                </a:rPr>
+                                <m:t>𝑖</m:t>
+                              </m:r>
+                            </m:sub>
+                            <m:sup>
+                              <m:r>
+                                <a:rPr lang="pt-BR" i="1">
+                                  <a:latin typeface="Cambria Math" panose="02040503050406030204" pitchFamily="18" charset="0"/>
+                                </a:rPr>
+                                <m:t>𝑚</m:t>
+                              </m:r>
+                            </m:sup>
+                          </m:sSubSup>
+                        </m:den>
+                      </m:f>
+                      <m:r>
+                        <a:rPr lang="pt-BR" i="1">
+                          <a:latin typeface="Cambria Math" panose="02040503050406030204" pitchFamily="18" charset="0"/>
+                        </a:rPr>
+                        <m:t>=</m:t>
+                      </m:r>
+                      <m:r>
+                        <a:rPr lang="pt-BR" b="0" i="1" smtClean="0">
+                          <a:latin typeface="Cambria Math" panose="02040503050406030204" pitchFamily="18" charset="0"/>
+                        </a:rPr>
+                        <m:t>1</m:t>
+                      </m:r>
+                      <m:r>
+                        <a:rPr lang="pt-BR" b="0" i="0" smtClean="0">
+                          <a:latin typeface="Cambria Math" panose="02040503050406030204" pitchFamily="18" charset="0"/>
+                        </a:rPr>
+                        <m:t>.</m:t>
+                      </m:r>
+                    </m:oMath>
+                  </m:oMathPara>
                 </a14:m>
-                <a:r>
-                  <a:rPr lang="pt-BR" dirty="0"/>
-                  <a:t>.</a:t>
-                </a:r>
+                <a:endParaRPr lang="pt-BR" dirty="0"/>
               </a:p>
               <a:p>
                 <a:r>
@@ -14242,344 +14372,386 @@
                   <a:buNone/>
                 </a:pPr>
                 <a14:m>
-                  <m:oMath xmlns:m="http://schemas.openxmlformats.org/officeDocument/2006/math">
-                    <m:f>
-                      <m:fPr>
-                        <m:ctrlPr>
-                          <a:rPr lang="pt-BR" i="1">
-                            <a:latin typeface="Cambria Math" panose="02040503050406030204" pitchFamily="18" charset="0"/>
-                          </a:rPr>
-                        </m:ctrlPr>
-                      </m:fPr>
-                      <m:num>
-                        <m:r>
-                          <a:rPr lang="pt-BR" i="1">
-                            <a:latin typeface="Cambria Math" panose="02040503050406030204" pitchFamily="18" charset="0"/>
-                          </a:rPr>
-                          <m:t>𝜕</m:t>
-                        </m:r>
-                        <m:r>
-                          <a:rPr lang="pt-BR" i="1">
-                            <a:latin typeface="Cambria Math" panose="02040503050406030204" pitchFamily="18" charset="0"/>
-                          </a:rPr>
-                          <m:t>𝐽</m:t>
-                        </m:r>
-                      </m:num>
-                      <m:den>
-                        <m:r>
-                          <a:rPr lang="pt-BR" i="1">
-                            <a:latin typeface="Cambria Math" panose="02040503050406030204" pitchFamily="18" charset="0"/>
-                          </a:rPr>
-                          <m:t>𝜕</m:t>
-                        </m:r>
-                        <m:sSubSup>
-                          <m:sSubSupPr>
-                            <m:ctrlPr>
-                              <a:rPr lang="pt-BR" i="1">
-                                <a:latin typeface="Cambria Math" panose="02040503050406030204" pitchFamily="18" charset="0"/>
-                              </a:rPr>
-                            </m:ctrlPr>
-                          </m:sSubSupPr>
-                          <m:e>
-                            <m:r>
-                              <a:rPr lang="pt-BR" i="1">
-                                <a:latin typeface="Cambria Math" panose="02040503050406030204" pitchFamily="18" charset="0"/>
-                              </a:rPr>
-                              <m:t>𝑤</m:t>
-                            </m:r>
-                          </m:e>
-                          <m:sub>
-                            <m:r>
-                              <a:rPr lang="pt-BR" i="1">
-                                <a:latin typeface="Cambria Math" panose="02040503050406030204" pitchFamily="18" charset="0"/>
-                              </a:rPr>
-                              <m:t>𝑖</m:t>
-                            </m:r>
-                            <m:r>
-                              <a:rPr lang="pt-BR" i="1">
-                                <a:latin typeface="Cambria Math" panose="02040503050406030204" pitchFamily="18" charset="0"/>
-                              </a:rPr>
-                              <m:t>,</m:t>
-                            </m:r>
-                            <m:r>
-                              <a:rPr lang="pt-BR" i="1">
-                                <a:latin typeface="Cambria Math" panose="02040503050406030204" pitchFamily="18" charset="0"/>
-                              </a:rPr>
-                              <m:t>𝑗</m:t>
-                            </m:r>
-                          </m:sub>
-                          <m:sup>
-                            <m:r>
-                              <a:rPr lang="pt-BR" i="1">
-                                <a:latin typeface="Cambria Math" panose="02040503050406030204" pitchFamily="18" charset="0"/>
-                              </a:rPr>
-                              <m:t>𝑚</m:t>
-                            </m:r>
-                          </m:sup>
-                        </m:sSubSup>
-                      </m:den>
-                    </m:f>
-                    <m:r>
-                      <a:rPr lang="pt-BR" b="0" i="1" smtClean="0">
-                        <a:latin typeface="Cambria Math" panose="02040503050406030204" pitchFamily="18" charset="0"/>
-                      </a:rPr>
-                      <m:t>=</m:t>
-                    </m:r>
-                    <m:f>
-                      <m:fPr>
-                        <m:ctrlPr>
-                          <a:rPr lang="pt-BR" i="1">
-                            <a:latin typeface="Cambria Math" panose="02040503050406030204" pitchFamily="18" charset="0"/>
-                          </a:rPr>
-                        </m:ctrlPr>
-                      </m:fPr>
-                      <m:num>
-                        <m:r>
-                          <a:rPr lang="pt-BR" i="1">
-                            <a:latin typeface="Cambria Math" panose="02040503050406030204" pitchFamily="18" charset="0"/>
-                          </a:rPr>
-                          <m:t>𝜕</m:t>
-                        </m:r>
-                        <m:r>
-                          <a:rPr lang="pt-BR" i="1">
-                            <a:latin typeface="Cambria Math" panose="02040503050406030204" pitchFamily="18" charset="0"/>
-                          </a:rPr>
-                          <m:t>𝐽</m:t>
-                        </m:r>
-                      </m:num>
-                      <m:den>
-                        <m:r>
-                          <a:rPr lang="pt-BR" i="1">
-                            <a:latin typeface="Cambria Math" panose="02040503050406030204" pitchFamily="18" charset="0"/>
-                          </a:rPr>
-                          <m:t>𝜕</m:t>
-                        </m:r>
-                        <m:sSubSup>
-                          <m:sSubSupPr>
-                            <m:ctrlPr>
-                              <a:rPr lang="pt-BR" i="1">
-                                <a:latin typeface="Cambria Math" panose="02040503050406030204" pitchFamily="18" charset="0"/>
-                              </a:rPr>
-                            </m:ctrlPr>
-                          </m:sSubSupPr>
-                          <m:e>
-                            <m:r>
-                              <a:rPr lang="pt-BR" i="1">
-                                <a:latin typeface="Cambria Math" panose="02040503050406030204" pitchFamily="18" charset="0"/>
-                              </a:rPr>
-                              <m:t>𝑢</m:t>
-                            </m:r>
-                          </m:e>
-                          <m:sub>
-                            <m:r>
-                              <a:rPr lang="pt-BR" i="1">
-                                <a:latin typeface="Cambria Math" panose="02040503050406030204" pitchFamily="18" charset="0"/>
-                              </a:rPr>
-                              <m:t>𝑖</m:t>
-                            </m:r>
-                          </m:sub>
-                          <m:sup>
-                            <m:r>
-                              <a:rPr lang="pt-BR" i="1">
-                                <a:latin typeface="Cambria Math" panose="02040503050406030204" pitchFamily="18" charset="0"/>
-                              </a:rPr>
-                              <m:t>𝑚</m:t>
-                            </m:r>
-                          </m:sup>
-                        </m:sSubSup>
-                      </m:den>
-                    </m:f>
-                    <m:f>
-                      <m:fPr>
-                        <m:ctrlPr>
-                          <a:rPr lang="pt-BR" i="1">
-                            <a:latin typeface="Cambria Math" panose="02040503050406030204" pitchFamily="18" charset="0"/>
-                          </a:rPr>
-                        </m:ctrlPr>
-                      </m:fPr>
-                      <m:num>
-                        <m:r>
-                          <a:rPr lang="pt-BR" i="1">
-                            <a:latin typeface="Cambria Math" panose="02040503050406030204" pitchFamily="18" charset="0"/>
-                          </a:rPr>
-                          <m:t>𝜕</m:t>
-                        </m:r>
-                        <m:sSubSup>
-                          <m:sSubSupPr>
-                            <m:ctrlPr>
-                              <a:rPr lang="pt-BR" i="1">
-                                <a:latin typeface="Cambria Math" panose="02040503050406030204" pitchFamily="18" charset="0"/>
-                              </a:rPr>
-                            </m:ctrlPr>
-                          </m:sSubSupPr>
-                          <m:e>
-                            <m:r>
-                              <a:rPr lang="pt-BR" i="1">
-                                <a:latin typeface="Cambria Math" panose="02040503050406030204" pitchFamily="18" charset="0"/>
-                              </a:rPr>
-                              <m:t>𝑢</m:t>
-                            </m:r>
-                          </m:e>
-                          <m:sub>
-                            <m:r>
-                              <a:rPr lang="pt-BR" i="1">
-                                <a:latin typeface="Cambria Math" panose="02040503050406030204" pitchFamily="18" charset="0"/>
-                              </a:rPr>
-                              <m:t>𝑖</m:t>
-                            </m:r>
-                          </m:sub>
-                          <m:sup>
-                            <m:r>
-                              <a:rPr lang="pt-BR" i="1">
-                                <a:latin typeface="Cambria Math" panose="02040503050406030204" pitchFamily="18" charset="0"/>
-                              </a:rPr>
-                              <m:t>𝑚</m:t>
-                            </m:r>
-                          </m:sup>
-                        </m:sSubSup>
-                      </m:num>
-                      <m:den>
-                        <m:r>
-                          <a:rPr lang="pt-BR" i="1">
-                            <a:latin typeface="Cambria Math" panose="02040503050406030204" pitchFamily="18" charset="0"/>
-                          </a:rPr>
-                          <m:t>𝜕</m:t>
-                        </m:r>
-                        <m:sSubSup>
-                          <m:sSubSupPr>
-                            <m:ctrlPr>
-                              <a:rPr lang="pt-BR" i="1">
-                                <a:latin typeface="Cambria Math" panose="02040503050406030204" pitchFamily="18" charset="0"/>
-                              </a:rPr>
-                            </m:ctrlPr>
-                          </m:sSubSupPr>
-                          <m:e>
-                            <m:r>
-                              <a:rPr lang="pt-BR" i="1">
-                                <a:latin typeface="Cambria Math" panose="02040503050406030204" pitchFamily="18" charset="0"/>
-                              </a:rPr>
-                              <m:t>𝑤</m:t>
-                            </m:r>
-                          </m:e>
-                          <m:sub>
-                            <m:r>
-                              <a:rPr lang="pt-BR" i="1">
-                                <a:latin typeface="Cambria Math" panose="02040503050406030204" pitchFamily="18" charset="0"/>
-                              </a:rPr>
-                              <m:t>𝑖</m:t>
-                            </m:r>
-                            <m:r>
-                              <a:rPr lang="pt-BR" i="1">
-                                <a:latin typeface="Cambria Math" panose="02040503050406030204" pitchFamily="18" charset="0"/>
-                              </a:rPr>
-                              <m:t>,</m:t>
-                            </m:r>
-                            <m:r>
-                              <a:rPr lang="pt-BR" i="1">
-                                <a:latin typeface="Cambria Math" panose="02040503050406030204" pitchFamily="18" charset="0"/>
-                              </a:rPr>
-                              <m:t>𝑗</m:t>
-                            </m:r>
-                          </m:sub>
-                          <m:sup>
-                            <m:r>
-                              <a:rPr lang="pt-BR" i="1">
-                                <a:latin typeface="Cambria Math" panose="02040503050406030204" pitchFamily="18" charset="0"/>
-                              </a:rPr>
-                              <m:t>𝑚</m:t>
-                            </m:r>
-                          </m:sup>
-                        </m:sSubSup>
-                      </m:den>
-                    </m:f>
-                    <m:r>
-                      <m:rPr>
-                        <m:nor/>
-                      </m:rPr>
-                      <a:rPr lang="pt-BR" b="0" i="0" smtClean="0">
-                        <a:latin typeface="Cambria Math" panose="02040503050406030204" pitchFamily="18" charset="0"/>
-                      </a:rPr>
-                      <m:t>=</m:t>
-                    </m:r>
-                    <m:sSubSup>
-                      <m:sSubSupPr>
-                        <m:ctrlPr>
-                          <a:rPr lang="pt-BR" i="1">
-                            <a:latin typeface="Cambria Math" panose="02040503050406030204" pitchFamily="18" charset="0"/>
-                          </a:rPr>
-                        </m:ctrlPr>
-                      </m:sSubSupPr>
-                      <m:e>
-                        <m:r>
-                          <a:rPr lang="pt-BR" i="1">
-                            <a:latin typeface="Cambria Math" panose="02040503050406030204" pitchFamily="18" charset="0"/>
-                            <a:ea typeface="Cambria Math" panose="02040503050406030204" pitchFamily="18" charset="0"/>
-                          </a:rPr>
-                          <m:t>𝛿</m:t>
-                        </m:r>
-                      </m:e>
-                      <m:sub>
-                        <m:r>
-                          <a:rPr lang="pt-BR" i="1">
-                            <a:latin typeface="Cambria Math" panose="02040503050406030204" pitchFamily="18" charset="0"/>
-                          </a:rPr>
-                          <m:t>𝑖</m:t>
-                        </m:r>
-                      </m:sub>
-                      <m:sup>
-                        <m:r>
-                          <a:rPr lang="pt-BR" i="1">
-                            <a:latin typeface="Cambria Math" panose="02040503050406030204" pitchFamily="18" charset="0"/>
-                          </a:rPr>
-                          <m:t>𝑚</m:t>
-                        </m:r>
-                      </m:sup>
-                    </m:sSubSup>
-                    <m:sSubSup>
-                      <m:sSubSupPr>
-                        <m:ctrlPr>
-                          <a:rPr lang="pt-BR" i="1">
-                            <a:latin typeface="Cambria Math" panose="02040503050406030204" pitchFamily="18" charset="0"/>
-                          </a:rPr>
-                        </m:ctrlPr>
-                      </m:sSubSupPr>
-                      <m:e>
-                        <m:r>
-                          <a:rPr lang="pt-BR" i="1">
-                            <a:latin typeface="Cambria Math" panose="02040503050406030204" pitchFamily="18" charset="0"/>
-                          </a:rPr>
-                          <m:t>𝑦</m:t>
-                        </m:r>
-                      </m:e>
-                      <m:sub>
-                        <m:r>
-                          <a:rPr lang="pt-BR" i="1">
-                            <a:latin typeface="Cambria Math" panose="02040503050406030204" pitchFamily="18" charset="0"/>
-                          </a:rPr>
-                          <m:t>𝑗</m:t>
-                        </m:r>
-                      </m:sub>
-                      <m:sup>
-                        <m:r>
-                          <a:rPr lang="pt-BR" i="1">
-                            <a:latin typeface="Cambria Math" panose="02040503050406030204" pitchFamily="18" charset="0"/>
-                          </a:rPr>
-                          <m:t>𝑚</m:t>
-                        </m:r>
-                        <m:r>
-                          <a:rPr lang="pt-BR" i="1">
-                            <a:latin typeface="Cambria Math" panose="02040503050406030204" pitchFamily="18" charset="0"/>
-                          </a:rPr>
-                          <m:t>−1</m:t>
-                        </m:r>
-                      </m:sup>
-                    </m:sSubSup>
-                  </m:oMath>
+                  <m:oMathPara xmlns:m="http://schemas.openxmlformats.org/officeDocument/2006/math">
+                    <m:oMathParaPr>
+                      <m:jc m:val="centerGroup"/>
+                    </m:oMathParaPr>
+                    <m:oMath xmlns:m="http://schemas.openxmlformats.org/officeDocument/2006/math">
+                      <m:f>
+                        <m:fPr>
+                          <m:ctrlPr>
+                            <a:rPr lang="pt-BR" i="1">
+                              <a:latin typeface="Cambria Math" panose="02040503050406030204" pitchFamily="18" charset="0"/>
+                            </a:rPr>
+                          </m:ctrlPr>
+                        </m:fPr>
+                        <m:num>
+                          <m:r>
+                            <a:rPr lang="pt-BR" i="1">
+                              <a:latin typeface="Cambria Math" panose="02040503050406030204" pitchFamily="18" charset="0"/>
+                            </a:rPr>
+                            <m:t>𝜕</m:t>
+                          </m:r>
+                          <m:r>
+                            <a:rPr lang="pt-BR" i="1">
+                              <a:latin typeface="Cambria Math" panose="02040503050406030204" pitchFamily="18" charset="0"/>
+                            </a:rPr>
+                            <m:t>𝐽</m:t>
+                          </m:r>
+                          <m:d>
+                            <m:dPr>
+                              <m:ctrlPr>
+                                <a:rPr lang="pt-BR" i="1">
+                                  <a:latin typeface="Cambria Math" panose="02040503050406030204" pitchFamily="18" charset="0"/>
+                                </a:rPr>
+                              </m:ctrlPr>
+                            </m:dPr>
+                            <m:e>
+                              <m:r>
+                                <a:rPr lang="pt-BR" b="1" i="1">
+                                  <a:latin typeface="Cambria Math" panose="02040503050406030204" pitchFamily="18" charset="0"/>
+                                </a:rPr>
+                                <m:t>𝒘</m:t>
+                              </m:r>
+                            </m:e>
+                          </m:d>
+                        </m:num>
+                        <m:den>
+                          <m:r>
+                            <a:rPr lang="pt-BR" i="1">
+                              <a:latin typeface="Cambria Math" panose="02040503050406030204" pitchFamily="18" charset="0"/>
+                            </a:rPr>
+                            <m:t>𝜕</m:t>
+                          </m:r>
+                          <m:sSubSup>
+                            <m:sSubSupPr>
+                              <m:ctrlPr>
+                                <a:rPr lang="pt-BR" i="1">
+                                  <a:latin typeface="Cambria Math" panose="02040503050406030204" pitchFamily="18" charset="0"/>
+                                </a:rPr>
+                              </m:ctrlPr>
+                            </m:sSubSupPr>
+                            <m:e>
+                              <m:r>
+                                <a:rPr lang="pt-BR" i="1">
+                                  <a:latin typeface="Cambria Math" panose="02040503050406030204" pitchFamily="18" charset="0"/>
+                                </a:rPr>
+                                <m:t>𝑤</m:t>
+                              </m:r>
+                            </m:e>
+                            <m:sub>
+                              <m:r>
+                                <a:rPr lang="pt-BR" i="1">
+                                  <a:latin typeface="Cambria Math" panose="02040503050406030204" pitchFamily="18" charset="0"/>
+                                </a:rPr>
+                                <m:t>𝑖</m:t>
+                              </m:r>
+                              <m:r>
+                                <a:rPr lang="pt-BR" i="1">
+                                  <a:latin typeface="Cambria Math" panose="02040503050406030204" pitchFamily="18" charset="0"/>
+                                </a:rPr>
+                                <m:t>,</m:t>
+                              </m:r>
+                              <m:r>
+                                <a:rPr lang="pt-BR" i="1">
+                                  <a:latin typeface="Cambria Math" panose="02040503050406030204" pitchFamily="18" charset="0"/>
+                                </a:rPr>
+                                <m:t>𝑗</m:t>
+                              </m:r>
+                            </m:sub>
+                            <m:sup>
+                              <m:r>
+                                <a:rPr lang="pt-BR" i="1">
+                                  <a:latin typeface="Cambria Math" panose="02040503050406030204" pitchFamily="18" charset="0"/>
+                                </a:rPr>
+                                <m:t>𝑚</m:t>
+                              </m:r>
+                            </m:sup>
+                          </m:sSubSup>
+                        </m:den>
+                      </m:f>
+                      <m:r>
+                        <a:rPr lang="pt-BR" b="0" i="1" smtClean="0">
+                          <a:latin typeface="Cambria Math" panose="02040503050406030204" pitchFamily="18" charset="0"/>
+                        </a:rPr>
+                        <m:t>=</m:t>
+                      </m:r>
+                      <m:f>
+                        <m:fPr>
+                          <m:ctrlPr>
+                            <a:rPr lang="pt-BR" i="1">
+                              <a:latin typeface="Cambria Math" panose="02040503050406030204" pitchFamily="18" charset="0"/>
+                            </a:rPr>
+                          </m:ctrlPr>
+                        </m:fPr>
+                        <m:num>
+                          <m:r>
+                            <a:rPr lang="pt-BR" i="1">
+                              <a:latin typeface="Cambria Math" panose="02040503050406030204" pitchFamily="18" charset="0"/>
+                            </a:rPr>
+                            <m:t>𝜕</m:t>
+                          </m:r>
+                          <m:r>
+                            <a:rPr lang="pt-BR" i="1">
+                              <a:latin typeface="Cambria Math" panose="02040503050406030204" pitchFamily="18" charset="0"/>
+                            </a:rPr>
+                            <m:t>𝐽</m:t>
+                          </m:r>
+                          <m:d>
+                            <m:dPr>
+                              <m:ctrlPr>
+                                <a:rPr lang="pt-BR" i="1">
+                                  <a:latin typeface="Cambria Math" panose="02040503050406030204" pitchFamily="18" charset="0"/>
+                                </a:rPr>
+                              </m:ctrlPr>
+                            </m:dPr>
+                            <m:e>
+                              <m:r>
+                                <a:rPr lang="pt-BR" b="1" i="1">
+                                  <a:latin typeface="Cambria Math" panose="02040503050406030204" pitchFamily="18" charset="0"/>
+                                </a:rPr>
+                                <m:t>𝒘</m:t>
+                              </m:r>
+                            </m:e>
+                          </m:d>
+                        </m:num>
+                        <m:den>
+                          <m:r>
+                            <a:rPr lang="pt-BR" i="1">
+                              <a:latin typeface="Cambria Math" panose="02040503050406030204" pitchFamily="18" charset="0"/>
+                            </a:rPr>
+                            <m:t>𝜕</m:t>
+                          </m:r>
+                          <m:sSubSup>
+                            <m:sSubSupPr>
+                              <m:ctrlPr>
+                                <a:rPr lang="pt-BR" i="1">
+                                  <a:latin typeface="Cambria Math" panose="02040503050406030204" pitchFamily="18" charset="0"/>
+                                </a:rPr>
+                              </m:ctrlPr>
+                            </m:sSubSupPr>
+                            <m:e>
+                              <m:r>
+                                <a:rPr lang="pt-BR" i="1">
+                                  <a:latin typeface="Cambria Math" panose="02040503050406030204" pitchFamily="18" charset="0"/>
+                                </a:rPr>
+                                <m:t>𝑢</m:t>
+                              </m:r>
+                            </m:e>
+                            <m:sub>
+                              <m:r>
+                                <a:rPr lang="pt-BR" i="1">
+                                  <a:latin typeface="Cambria Math" panose="02040503050406030204" pitchFamily="18" charset="0"/>
+                                </a:rPr>
+                                <m:t>𝑖</m:t>
+                              </m:r>
+                            </m:sub>
+                            <m:sup>
+                              <m:r>
+                                <a:rPr lang="pt-BR" i="1">
+                                  <a:latin typeface="Cambria Math" panose="02040503050406030204" pitchFamily="18" charset="0"/>
+                                </a:rPr>
+                                <m:t>𝑚</m:t>
+                              </m:r>
+                            </m:sup>
+                          </m:sSubSup>
+                        </m:den>
+                      </m:f>
+                      <m:f>
+                        <m:fPr>
+                          <m:ctrlPr>
+                            <a:rPr lang="pt-BR" i="1">
+                              <a:latin typeface="Cambria Math" panose="02040503050406030204" pitchFamily="18" charset="0"/>
+                            </a:rPr>
+                          </m:ctrlPr>
+                        </m:fPr>
+                        <m:num>
+                          <m:r>
+                            <a:rPr lang="pt-BR" i="1">
+                              <a:latin typeface="Cambria Math" panose="02040503050406030204" pitchFamily="18" charset="0"/>
+                            </a:rPr>
+                            <m:t>𝜕</m:t>
+                          </m:r>
+                          <m:sSubSup>
+                            <m:sSubSupPr>
+                              <m:ctrlPr>
+                                <a:rPr lang="pt-BR" i="1">
+                                  <a:latin typeface="Cambria Math" panose="02040503050406030204" pitchFamily="18" charset="0"/>
+                                </a:rPr>
+                              </m:ctrlPr>
+                            </m:sSubSupPr>
+                            <m:e>
+                              <m:r>
+                                <a:rPr lang="pt-BR" i="1">
+                                  <a:latin typeface="Cambria Math" panose="02040503050406030204" pitchFamily="18" charset="0"/>
+                                </a:rPr>
+                                <m:t>𝑢</m:t>
+                              </m:r>
+                            </m:e>
+                            <m:sub>
+                              <m:r>
+                                <a:rPr lang="pt-BR" i="1">
+                                  <a:latin typeface="Cambria Math" panose="02040503050406030204" pitchFamily="18" charset="0"/>
+                                </a:rPr>
+                                <m:t>𝑖</m:t>
+                              </m:r>
+                            </m:sub>
+                            <m:sup>
+                              <m:r>
+                                <a:rPr lang="pt-BR" i="1">
+                                  <a:latin typeface="Cambria Math" panose="02040503050406030204" pitchFamily="18" charset="0"/>
+                                </a:rPr>
+                                <m:t>𝑚</m:t>
+                              </m:r>
+                            </m:sup>
+                          </m:sSubSup>
+                        </m:num>
+                        <m:den>
+                          <m:r>
+                            <a:rPr lang="pt-BR" i="1">
+                              <a:latin typeface="Cambria Math" panose="02040503050406030204" pitchFamily="18" charset="0"/>
+                            </a:rPr>
+                            <m:t>𝜕</m:t>
+                          </m:r>
+                          <m:sSubSup>
+                            <m:sSubSupPr>
+                              <m:ctrlPr>
+                                <a:rPr lang="pt-BR" i="1">
+                                  <a:latin typeface="Cambria Math" panose="02040503050406030204" pitchFamily="18" charset="0"/>
+                                </a:rPr>
+                              </m:ctrlPr>
+                            </m:sSubSupPr>
+                            <m:e>
+                              <m:r>
+                                <a:rPr lang="pt-BR" i="1">
+                                  <a:latin typeface="Cambria Math" panose="02040503050406030204" pitchFamily="18" charset="0"/>
+                                </a:rPr>
+                                <m:t>𝑤</m:t>
+                              </m:r>
+                            </m:e>
+                            <m:sub>
+                              <m:r>
+                                <a:rPr lang="pt-BR" i="1">
+                                  <a:latin typeface="Cambria Math" panose="02040503050406030204" pitchFamily="18" charset="0"/>
+                                </a:rPr>
+                                <m:t>𝑖</m:t>
+                              </m:r>
+                              <m:r>
+                                <a:rPr lang="pt-BR" i="1">
+                                  <a:latin typeface="Cambria Math" panose="02040503050406030204" pitchFamily="18" charset="0"/>
+                                </a:rPr>
+                                <m:t>,</m:t>
+                              </m:r>
+                              <m:r>
+                                <a:rPr lang="pt-BR" i="1">
+                                  <a:latin typeface="Cambria Math" panose="02040503050406030204" pitchFamily="18" charset="0"/>
+                                </a:rPr>
+                                <m:t>𝑗</m:t>
+                              </m:r>
+                            </m:sub>
+                            <m:sup>
+                              <m:r>
+                                <a:rPr lang="pt-BR" i="1">
+                                  <a:latin typeface="Cambria Math" panose="02040503050406030204" pitchFamily="18" charset="0"/>
+                                </a:rPr>
+                                <m:t>𝑚</m:t>
+                              </m:r>
+                            </m:sup>
+                          </m:sSubSup>
+                        </m:den>
+                      </m:f>
+                      <m:r>
+                        <m:rPr>
+                          <m:nor/>
+                        </m:rPr>
+                        <a:rPr lang="pt-BR" b="0" i="0" smtClean="0">
+                          <a:latin typeface="Cambria Math" panose="02040503050406030204" pitchFamily="18" charset="0"/>
+                        </a:rPr>
+                        <m:t>=</m:t>
+                      </m:r>
+                      <m:sSubSup>
+                        <m:sSubSupPr>
+                          <m:ctrlPr>
+                            <a:rPr lang="pt-BR" i="1">
+                              <a:latin typeface="Cambria Math" panose="02040503050406030204" pitchFamily="18" charset="0"/>
+                            </a:rPr>
+                          </m:ctrlPr>
+                        </m:sSubSupPr>
+                        <m:e>
+                          <m:r>
+                            <a:rPr lang="pt-BR" i="1">
+                              <a:latin typeface="Cambria Math" panose="02040503050406030204" pitchFamily="18" charset="0"/>
+                              <a:ea typeface="Cambria Math" panose="02040503050406030204" pitchFamily="18" charset="0"/>
+                            </a:rPr>
+                            <m:t>𝛿</m:t>
+                          </m:r>
+                        </m:e>
+                        <m:sub>
+                          <m:r>
+                            <a:rPr lang="pt-BR" i="1">
+                              <a:latin typeface="Cambria Math" panose="02040503050406030204" pitchFamily="18" charset="0"/>
+                            </a:rPr>
+                            <m:t>𝑖</m:t>
+                          </m:r>
+                        </m:sub>
+                        <m:sup>
+                          <m:r>
+                            <a:rPr lang="pt-BR" i="1">
+                              <a:latin typeface="Cambria Math" panose="02040503050406030204" pitchFamily="18" charset="0"/>
+                            </a:rPr>
+                            <m:t>𝑚</m:t>
+                          </m:r>
+                        </m:sup>
+                      </m:sSubSup>
+                      <m:sSubSup>
+                        <m:sSubSupPr>
+                          <m:ctrlPr>
+                            <a:rPr lang="pt-BR" i="1">
+                              <a:latin typeface="Cambria Math" panose="02040503050406030204" pitchFamily="18" charset="0"/>
+                            </a:rPr>
+                          </m:ctrlPr>
+                        </m:sSubSupPr>
+                        <m:e>
+                          <m:r>
+                            <a:rPr lang="pt-BR" i="1">
+                              <a:latin typeface="Cambria Math" panose="02040503050406030204" pitchFamily="18" charset="0"/>
+                            </a:rPr>
+                            <m:t>𝑦</m:t>
+                          </m:r>
+                        </m:e>
+                        <m:sub>
+                          <m:r>
+                            <a:rPr lang="pt-BR" i="1">
+                              <a:latin typeface="Cambria Math" panose="02040503050406030204" pitchFamily="18" charset="0"/>
+                            </a:rPr>
+                            <m:t>𝑗</m:t>
+                          </m:r>
+                        </m:sub>
+                        <m:sup>
+                          <m:r>
+                            <a:rPr lang="pt-BR" i="1">
+                              <a:latin typeface="Cambria Math" panose="02040503050406030204" pitchFamily="18" charset="0"/>
+                            </a:rPr>
+                            <m:t>𝑚</m:t>
+                          </m:r>
+                          <m:r>
+                            <a:rPr lang="pt-BR" i="1">
+                              <a:latin typeface="Cambria Math" panose="02040503050406030204" pitchFamily="18" charset="0"/>
+                            </a:rPr>
+                            <m:t>−1</m:t>
+                          </m:r>
+                        </m:sup>
+                      </m:sSubSup>
+                      <m:r>
+                        <a:rPr lang="pt-BR" b="0" i="0" smtClean="0">
+                          <a:latin typeface="Cambria Math" panose="02040503050406030204" pitchFamily="18" charset="0"/>
+                        </a:rPr>
+                        <m:t>,</m:t>
+                      </m:r>
+                    </m:oMath>
+                  </m:oMathPara>
                 </a14:m>
-                <a:r>
-                  <a:rPr lang="pt-BR" dirty="0"/>
-                  <a:t>,</a:t>
-                </a:r>
+                <a:endParaRPr lang="pt-BR" dirty="0"/>
               </a:p>
               <a:p>
                 <a:pPr marL="0" indent="0">
@@ -14591,7 +14763,7 @@
                 </a:r>
                 <a:r>
                   <a:rPr lang="pt-BR" dirty="0" smtClean="0"/>
-                  <a:t>u, para o beso de bias, </a:t>
+                  <a:t>u, para o peso de bias, </a:t>
                 </a:r>
                 <a14:m>
                   <m:oMath xmlns:m="http://schemas.openxmlformats.org/officeDocument/2006/math">
@@ -14637,278 +14809,320 @@
                   <a:buNone/>
                 </a:pPr>
                 <a14:m>
-                  <m:oMath xmlns:m="http://schemas.openxmlformats.org/officeDocument/2006/math">
-                    <m:f>
-                      <m:fPr>
-                        <m:ctrlPr>
-                          <a:rPr lang="pt-BR" i="1">
-                            <a:latin typeface="Cambria Math" panose="02040503050406030204" pitchFamily="18" charset="0"/>
-                          </a:rPr>
-                        </m:ctrlPr>
-                      </m:fPr>
-                      <m:num>
-                        <m:r>
-                          <a:rPr lang="pt-BR" i="1">
-                            <a:latin typeface="Cambria Math" panose="02040503050406030204" pitchFamily="18" charset="0"/>
-                          </a:rPr>
-                          <m:t>𝜕</m:t>
-                        </m:r>
-                        <m:r>
-                          <a:rPr lang="pt-BR" i="1">
-                            <a:latin typeface="Cambria Math" panose="02040503050406030204" pitchFamily="18" charset="0"/>
-                          </a:rPr>
-                          <m:t>𝐽</m:t>
-                        </m:r>
-                      </m:num>
-                      <m:den>
-                        <m:r>
-                          <a:rPr lang="pt-BR" i="1">
-                            <a:latin typeface="Cambria Math" panose="02040503050406030204" pitchFamily="18" charset="0"/>
-                          </a:rPr>
-                          <m:t>𝜕</m:t>
-                        </m:r>
-                        <m:sSubSup>
-                          <m:sSubSupPr>
-                            <m:ctrlPr>
-                              <a:rPr lang="pt-BR" i="1">
-                                <a:latin typeface="Cambria Math" panose="02040503050406030204" pitchFamily="18" charset="0"/>
-                              </a:rPr>
-                            </m:ctrlPr>
-                          </m:sSubSupPr>
-                          <m:e>
-                            <m:r>
-                              <a:rPr lang="pt-BR" i="1">
-                                <a:latin typeface="Cambria Math" panose="02040503050406030204" pitchFamily="18" charset="0"/>
-                              </a:rPr>
-                              <m:t>𝑏</m:t>
-                            </m:r>
-                          </m:e>
-                          <m:sub>
-                            <m:r>
-                              <a:rPr lang="pt-BR" i="1">
-                                <a:latin typeface="Cambria Math" panose="02040503050406030204" pitchFamily="18" charset="0"/>
-                              </a:rPr>
-                              <m:t>𝑖</m:t>
-                            </m:r>
-                          </m:sub>
-                          <m:sup>
-                            <m:r>
-                              <a:rPr lang="pt-BR" i="1">
-                                <a:latin typeface="Cambria Math" panose="02040503050406030204" pitchFamily="18" charset="0"/>
-                              </a:rPr>
-                              <m:t>𝑚</m:t>
-                            </m:r>
-                          </m:sup>
-                        </m:sSubSup>
-                      </m:den>
-                    </m:f>
-                    <m:r>
-                      <a:rPr lang="pt-BR" i="1">
-                        <a:latin typeface="Cambria Math" panose="02040503050406030204" pitchFamily="18" charset="0"/>
-                      </a:rPr>
-                      <m:t>=</m:t>
-                    </m:r>
-                    <m:f>
-                      <m:fPr>
-                        <m:ctrlPr>
-                          <a:rPr lang="pt-BR" i="1">
-                            <a:latin typeface="Cambria Math" panose="02040503050406030204" pitchFamily="18" charset="0"/>
-                          </a:rPr>
-                        </m:ctrlPr>
-                      </m:fPr>
-                      <m:num>
-                        <m:r>
-                          <a:rPr lang="pt-BR" i="1">
-                            <a:latin typeface="Cambria Math" panose="02040503050406030204" pitchFamily="18" charset="0"/>
-                          </a:rPr>
-                          <m:t>𝜕</m:t>
-                        </m:r>
-                        <m:r>
-                          <a:rPr lang="pt-BR" i="1">
-                            <a:latin typeface="Cambria Math" panose="02040503050406030204" pitchFamily="18" charset="0"/>
-                          </a:rPr>
-                          <m:t>𝐽</m:t>
-                        </m:r>
-                      </m:num>
-                      <m:den>
-                        <m:r>
-                          <a:rPr lang="pt-BR" i="1">
-                            <a:latin typeface="Cambria Math" panose="02040503050406030204" pitchFamily="18" charset="0"/>
-                          </a:rPr>
-                          <m:t>𝜕</m:t>
-                        </m:r>
-                        <m:sSubSup>
-                          <m:sSubSupPr>
-                            <m:ctrlPr>
-                              <a:rPr lang="pt-BR" i="1">
-                                <a:latin typeface="Cambria Math" panose="02040503050406030204" pitchFamily="18" charset="0"/>
-                              </a:rPr>
-                            </m:ctrlPr>
-                          </m:sSubSupPr>
-                          <m:e>
-                            <m:r>
-                              <a:rPr lang="pt-BR" i="1">
-                                <a:latin typeface="Cambria Math" panose="02040503050406030204" pitchFamily="18" charset="0"/>
-                              </a:rPr>
-                              <m:t>𝑢</m:t>
-                            </m:r>
-                          </m:e>
-                          <m:sub>
-                            <m:r>
-                              <a:rPr lang="pt-BR" i="1">
-                                <a:latin typeface="Cambria Math" panose="02040503050406030204" pitchFamily="18" charset="0"/>
-                              </a:rPr>
-                              <m:t>𝑖</m:t>
-                            </m:r>
-                          </m:sub>
-                          <m:sup>
-                            <m:r>
-                              <a:rPr lang="pt-BR" i="1">
-                                <a:latin typeface="Cambria Math" panose="02040503050406030204" pitchFamily="18" charset="0"/>
-                              </a:rPr>
-                              <m:t>𝑚</m:t>
-                            </m:r>
-                          </m:sup>
-                        </m:sSubSup>
-                      </m:den>
-                    </m:f>
-                    <m:f>
-                      <m:fPr>
-                        <m:ctrlPr>
-                          <a:rPr lang="pt-BR" i="1">
-                            <a:latin typeface="Cambria Math" panose="02040503050406030204" pitchFamily="18" charset="0"/>
-                          </a:rPr>
-                        </m:ctrlPr>
-                      </m:fPr>
-                      <m:num>
-                        <m:r>
-                          <a:rPr lang="pt-BR" i="1">
-                            <a:latin typeface="Cambria Math" panose="02040503050406030204" pitchFamily="18" charset="0"/>
-                          </a:rPr>
-                          <m:t>𝜕</m:t>
-                        </m:r>
-                        <m:sSubSup>
-                          <m:sSubSupPr>
-                            <m:ctrlPr>
-                              <a:rPr lang="pt-BR" i="1">
-                                <a:latin typeface="Cambria Math" panose="02040503050406030204" pitchFamily="18" charset="0"/>
-                              </a:rPr>
-                            </m:ctrlPr>
-                          </m:sSubSupPr>
-                          <m:e>
-                            <m:r>
-                              <a:rPr lang="pt-BR" i="1">
-                                <a:latin typeface="Cambria Math" panose="02040503050406030204" pitchFamily="18" charset="0"/>
-                              </a:rPr>
-                              <m:t>𝑢</m:t>
-                            </m:r>
-                          </m:e>
-                          <m:sub>
-                            <m:r>
-                              <a:rPr lang="pt-BR" i="1">
-                                <a:latin typeface="Cambria Math" panose="02040503050406030204" pitchFamily="18" charset="0"/>
-                              </a:rPr>
-                              <m:t>𝑖</m:t>
-                            </m:r>
-                          </m:sub>
-                          <m:sup>
-                            <m:r>
-                              <a:rPr lang="pt-BR" i="1">
-                                <a:latin typeface="Cambria Math" panose="02040503050406030204" pitchFamily="18" charset="0"/>
-                              </a:rPr>
-                              <m:t>𝑚</m:t>
-                            </m:r>
-                          </m:sup>
-                        </m:sSubSup>
-                      </m:num>
-                      <m:den>
-                        <m:r>
-                          <a:rPr lang="pt-BR" i="1" smtClean="0">
-                            <a:latin typeface="Cambria Math" panose="02040503050406030204" pitchFamily="18" charset="0"/>
-                          </a:rPr>
-                          <m:t>𝜕</m:t>
-                        </m:r>
-                        <m:sSubSup>
-                          <m:sSubSupPr>
-                            <m:ctrlPr>
-                              <a:rPr lang="pt-BR" i="1">
-                                <a:latin typeface="Cambria Math" panose="02040503050406030204" pitchFamily="18" charset="0"/>
-                              </a:rPr>
-                            </m:ctrlPr>
-                          </m:sSubSupPr>
-                          <m:e>
-                            <m:r>
-                              <a:rPr lang="pt-BR" i="1">
-                                <a:latin typeface="Cambria Math" panose="02040503050406030204" pitchFamily="18" charset="0"/>
-                              </a:rPr>
-                              <m:t>𝑏</m:t>
-                            </m:r>
-                          </m:e>
-                          <m:sub>
-                            <m:r>
-                              <a:rPr lang="pt-BR" i="1">
-                                <a:latin typeface="Cambria Math" panose="02040503050406030204" pitchFamily="18" charset="0"/>
-                              </a:rPr>
-                              <m:t>𝑖</m:t>
-                            </m:r>
-                          </m:sub>
-                          <m:sup>
-                            <m:r>
-                              <a:rPr lang="pt-BR" i="1">
-                                <a:latin typeface="Cambria Math" panose="02040503050406030204" pitchFamily="18" charset="0"/>
-                              </a:rPr>
-                              <m:t>𝑚</m:t>
-                            </m:r>
-                          </m:sup>
-                        </m:sSubSup>
-                      </m:den>
-                    </m:f>
-                    <m:r>
-                      <a:rPr lang="pt-BR" b="0" i="1" smtClean="0">
-                        <a:latin typeface="Cambria Math" panose="02040503050406030204" pitchFamily="18" charset="0"/>
-                      </a:rPr>
-                      <m:t>=</m:t>
-                    </m:r>
-                    <m:sSubSup>
-                      <m:sSubSupPr>
-                        <m:ctrlPr>
-                          <a:rPr lang="pt-BR" i="1">
-                            <a:latin typeface="Cambria Math" panose="02040503050406030204" pitchFamily="18" charset="0"/>
-                          </a:rPr>
-                        </m:ctrlPr>
-                      </m:sSubSupPr>
-                      <m:e>
-                        <m:r>
-                          <a:rPr lang="pt-BR" i="1">
-                            <a:latin typeface="Cambria Math" panose="02040503050406030204" pitchFamily="18" charset="0"/>
-                            <a:ea typeface="Cambria Math" panose="02040503050406030204" pitchFamily="18" charset="0"/>
-                          </a:rPr>
-                          <m:t>𝛿</m:t>
-                        </m:r>
-                      </m:e>
-                      <m:sub>
-                        <m:r>
-                          <a:rPr lang="pt-BR" i="1">
-                            <a:latin typeface="Cambria Math" panose="02040503050406030204" pitchFamily="18" charset="0"/>
-                          </a:rPr>
-                          <m:t>𝑖</m:t>
-                        </m:r>
-                      </m:sub>
-                      <m:sup>
-                        <m:r>
-                          <a:rPr lang="pt-BR" i="1">
-                            <a:latin typeface="Cambria Math" panose="02040503050406030204" pitchFamily="18" charset="0"/>
-                          </a:rPr>
-                          <m:t>𝑚</m:t>
-                        </m:r>
-                      </m:sup>
-                    </m:sSubSup>
-                  </m:oMath>
+                  <m:oMathPara xmlns:m="http://schemas.openxmlformats.org/officeDocument/2006/math">
+                    <m:oMathParaPr>
+                      <m:jc m:val="centerGroup"/>
+                    </m:oMathParaPr>
+                    <m:oMath xmlns:m="http://schemas.openxmlformats.org/officeDocument/2006/math">
+                      <m:f>
+                        <m:fPr>
+                          <m:ctrlPr>
+                            <a:rPr lang="pt-BR" i="1">
+                              <a:latin typeface="Cambria Math" panose="02040503050406030204" pitchFamily="18" charset="0"/>
+                            </a:rPr>
+                          </m:ctrlPr>
+                        </m:fPr>
+                        <m:num>
+                          <m:r>
+                            <a:rPr lang="pt-BR" i="1">
+                              <a:latin typeface="Cambria Math" panose="02040503050406030204" pitchFamily="18" charset="0"/>
+                            </a:rPr>
+                            <m:t>𝜕</m:t>
+                          </m:r>
+                          <m:r>
+                            <a:rPr lang="pt-BR" i="1">
+                              <a:latin typeface="Cambria Math" panose="02040503050406030204" pitchFamily="18" charset="0"/>
+                            </a:rPr>
+                            <m:t>𝐽</m:t>
+                          </m:r>
+                          <m:d>
+                            <m:dPr>
+                              <m:ctrlPr>
+                                <a:rPr lang="pt-BR" i="1">
+                                  <a:latin typeface="Cambria Math" panose="02040503050406030204" pitchFamily="18" charset="0"/>
+                                </a:rPr>
+                              </m:ctrlPr>
+                            </m:dPr>
+                            <m:e>
+                              <m:r>
+                                <a:rPr lang="pt-BR" b="1" i="1">
+                                  <a:latin typeface="Cambria Math" panose="02040503050406030204" pitchFamily="18" charset="0"/>
+                                </a:rPr>
+                                <m:t>𝒘</m:t>
+                              </m:r>
+                            </m:e>
+                          </m:d>
+                        </m:num>
+                        <m:den>
+                          <m:r>
+                            <a:rPr lang="pt-BR" i="1">
+                              <a:latin typeface="Cambria Math" panose="02040503050406030204" pitchFamily="18" charset="0"/>
+                            </a:rPr>
+                            <m:t>𝜕</m:t>
+                          </m:r>
+                          <m:sSubSup>
+                            <m:sSubSupPr>
+                              <m:ctrlPr>
+                                <a:rPr lang="pt-BR" i="1">
+                                  <a:latin typeface="Cambria Math" panose="02040503050406030204" pitchFamily="18" charset="0"/>
+                                </a:rPr>
+                              </m:ctrlPr>
+                            </m:sSubSupPr>
+                            <m:e>
+                              <m:r>
+                                <a:rPr lang="pt-BR" i="1">
+                                  <a:latin typeface="Cambria Math" panose="02040503050406030204" pitchFamily="18" charset="0"/>
+                                </a:rPr>
+                                <m:t>𝑏</m:t>
+                              </m:r>
+                            </m:e>
+                            <m:sub>
+                              <m:r>
+                                <a:rPr lang="pt-BR" i="1">
+                                  <a:latin typeface="Cambria Math" panose="02040503050406030204" pitchFamily="18" charset="0"/>
+                                </a:rPr>
+                                <m:t>𝑖</m:t>
+                              </m:r>
+                            </m:sub>
+                            <m:sup>
+                              <m:r>
+                                <a:rPr lang="pt-BR" i="1">
+                                  <a:latin typeface="Cambria Math" panose="02040503050406030204" pitchFamily="18" charset="0"/>
+                                </a:rPr>
+                                <m:t>𝑚</m:t>
+                              </m:r>
+                            </m:sup>
+                          </m:sSubSup>
+                        </m:den>
+                      </m:f>
+                      <m:r>
+                        <a:rPr lang="pt-BR" i="1">
+                          <a:latin typeface="Cambria Math" panose="02040503050406030204" pitchFamily="18" charset="0"/>
+                        </a:rPr>
+                        <m:t>=</m:t>
+                      </m:r>
+                      <m:f>
+                        <m:fPr>
+                          <m:ctrlPr>
+                            <a:rPr lang="pt-BR" i="1">
+                              <a:latin typeface="Cambria Math" panose="02040503050406030204" pitchFamily="18" charset="0"/>
+                            </a:rPr>
+                          </m:ctrlPr>
+                        </m:fPr>
+                        <m:num>
+                          <m:r>
+                            <a:rPr lang="pt-BR" i="1">
+                              <a:latin typeface="Cambria Math" panose="02040503050406030204" pitchFamily="18" charset="0"/>
+                            </a:rPr>
+                            <m:t>𝜕</m:t>
+                          </m:r>
+                          <m:r>
+                            <a:rPr lang="pt-BR" i="1">
+                              <a:latin typeface="Cambria Math" panose="02040503050406030204" pitchFamily="18" charset="0"/>
+                            </a:rPr>
+                            <m:t>𝐽</m:t>
+                          </m:r>
+                          <m:d>
+                            <m:dPr>
+                              <m:ctrlPr>
+                                <a:rPr lang="pt-BR" i="1">
+                                  <a:latin typeface="Cambria Math" panose="02040503050406030204" pitchFamily="18" charset="0"/>
+                                </a:rPr>
+                              </m:ctrlPr>
+                            </m:dPr>
+                            <m:e>
+                              <m:r>
+                                <a:rPr lang="pt-BR" b="1" i="1">
+                                  <a:latin typeface="Cambria Math" panose="02040503050406030204" pitchFamily="18" charset="0"/>
+                                </a:rPr>
+                                <m:t>𝒘</m:t>
+                              </m:r>
+                            </m:e>
+                          </m:d>
+                        </m:num>
+                        <m:den>
+                          <m:r>
+                            <a:rPr lang="pt-BR" i="1">
+                              <a:latin typeface="Cambria Math" panose="02040503050406030204" pitchFamily="18" charset="0"/>
+                            </a:rPr>
+                            <m:t>𝜕</m:t>
+                          </m:r>
+                          <m:sSubSup>
+                            <m:sSubSupPr>
+                              <m:ctrlPr>
+                                <a:rPr lang="pt-BR" i="1">
+                                  <a:latin typeface="Cambria Math" panose="02040503050406030204" pitchFamily="18" charset="0"/>
+                                </a:rPr>
+                              </m:ctrlPr>
+                            </m:sSubSupPr>
+                            <m:e>
+                              <m:r>
+                                <a:rPr lang="pt-BR" i="1">
+                                  <a:latin typeface="Cambria Math" panose="02040503050406030204" pitchFamily="18" charset="0"/>
+                                </a:rPr>
+                                <m:t>𝑢</m:t>
+                              </m:r>
+                            </m:e>
+                            <m:sub>
+                              <m:r>
+                                <a:rPr lang="pt-BR" i="1">
+                                  <a:latin typeface="Cambria Math" panose="02040503050406030204" pitchFamily="18" charset="0"/>
+                                </a:rPr>
+                                <m:t>𝑖</m:t>
+                              </m:r>
+                            </m:sub>
+                            <m:sup>
+                              <m:r>
+                                <a:rPr lang="pt-BR" i="1">
+                                  <a:latin typeface="Cambria Math" panose="02040503050406030204" pitchFamily="18" charset="0"/>
+                                </a:rPr>
+                                <m:t>𝑚</m:t>
+                              </m:r>
+                            </m:sup>
+                          </m:sSubSup>
+                        </m:den>
+                      </m:f>
+                      <m:f>
+                        <m:fPr>
+                          <m:ctrlPr>
+                            <a:rPr lang="pt-BR" i="1">
+                              <a:latin typeface="Cambria Math" panose="02040503050406030204" pitchFamily="18" charset="0"/>
+                            </a:rPr>
+                          </m:ctrlPr>
+                        </m:fPr>
+                        <m:num>
+                          <m:r>
+                            <a:rPr lang="pt-BR" i="1">
+                              <a:latin typeface="Cambria Math" panose="02040503050406030204" pitchFamily="18" charset="0"/>
+                            </a:rPr>
+                            <m:t>𝜕</m:t>
+                          </m:r>
+                          <m:sSubSup>
+                            <m:sSubSupPr>
+                              <m:ctrlPr>
+                                <a:rPr lang="pt-BR" i="1">
+                                  <a:latin typeface="Cambria Math" panose="02040503050406030204" pitchFamily="18" charset="0"/>
+                                </a:rPr>
+                              </m:ctrlPr>
+                            </m:sSubSupPr>
+                            <m:e>
+                              <m:r>
+                                <a:rPr lang="pt-BR" i="1">
+                                  <a:latin typeface="Cambria Math" panose="02040503050406030204" pitchFamily="18" charset="0"/>
+                                </a:rPr>
+                                <m:t>𝑢</m:t>
+                              </m:r>
+                            </m:e>
+                            <m:sub>
+                              <m:r>
+                                <a:rPr lang="pt-BR" i="1">
+                                  <a:latin typeface="Cambria Math" panose="02040503050406030204" pitchFamily="18" charset="0"/>
+                                </a:rPr>
+                                <m:t>𝑖</m:t>
+                              </m:r>
+                            </m:sub>
+                            <m:sup>
+                              <m:r>
+                                <a:rPr lang="pt-BR" i="1">
+                                  <a:latin typeface="Cambria Math" panose="02040503050406030204" pitchFamily="18" charset="0"/>
+                                </a:rPr>
+                                <m:t>𝑚</m:t>
+                              </m:r>
+                            </m:sup>
+                          </m:sSubSup>
+                        </m:num>
+                        <m:den>
+                          <m:r>
+                            <a:rPr lang="pt-BR" i="1" smtClean="0">
+                              <a:latin typeface="Cambria Math" panose="02040503050406030204" pitchFamily="18" charset="0"/>
+                            </a:rPr>
+                            <m:t>𝜕</m:t>
+                          </m:r>
+                          <m:sSubSup>
+                            <m:sSubSupPr>
+                              <m:ctrlPr>
+                                <a:rPr lang="pt-BR" i="1">
+                                  <a:latin typeface="Cambria Math" panose="02040503050406030204" pitchFamily="18" charset="0"/>
+                                </a:rPr>
+                              </m:ctrlPr>
+                            </m:sSubSupPr>
+                            <m:e>
+                              <m:r>
+                                <a:rPr lang="pt-BR" i="1">
+                                  <a:latin typeface="Cambria Math" panose="02040503050406030204" pitchFamily="18" charset="0"/>
+                                </a:rPr>
+                                <m:t>𝑏</m:t>
+                              </m:r>
+                            </m:e>
+                            <m:sub>
+                              <m:r>
+                                <a:rPr lang="pt-BR" i="1">
+                                  <a:latin typeface="Cambria Math" panose="02040503050406030204" pitchFamily="18" charset="0"/>
+                                </a:rPr>
+                                <m:t>𝑖</m:t>
+                              </m:r>
+                            </m:sub>
+                            <m:sup>
+                              <m:r>
+                                <a:rPr lang="pt-BR" i="1">
+                                  <a:latin typeface="Cambria Math" panose="02040503050406030204" pitchFamily="18" charset="0"/>
+                                </a:rPr>
+                                <m:t>𝑚</m:t>
+                              </m:r>
+                            </m:sup>
+                          </m:sSubSup>
+                        </m:den>
+                      </m:f>
+                      <m:r>
+                        <a:rPr lang="pt-BR" b="0" i="1" smtClean="0">
+                          <a:latin typeface="Cambria Math" panose="02040503050406030204" pitchFamily="18" charset="0"/>
+                        </a:rPr>
+                        <m:t>=</m:t>
+                      </m:r>
+                      <m:sSubSup>
+                        <m:sSubSupPr>
+                          <m:ctrlPr>
+                            <a:rPr lang="pt-BR" i="1">
+                              <a:latin typeface="Cambria Math" panose="02040503050406030204" pitchFamily="18" charset="0"/>
+                            </a:rPr>
+                          </m:ctrlPr>
+                        </m:sSubSupPr>
+                        <m:e>
+                          <m:r>
+                            <a:rPr lang="pt-BR" i="1">
+                              <a:latin typeface="Cambria Math" panose="02040503050406030204" pitchFamily="18" charset="0"/>
+                              <a:ea typeface="Cambria Math" panose="02040503050406030204" pitchFamily="18" charset="0"/>
+                            </a:rPr>
+                            <m:t>𝛿</m:t>
+                          </m:r>
+                        </m:e>
+                        <m:sub>
+                          <m:r>
+                            <a:rPr lang="pt-BR" i="1">
+                              <a:latin typeface="Cambria Math" panose="02040503050406030204" pitchFamily="18" charset="0"/>
+                            </a:rPr>
+                            <m:t>𝑖</m:t>
+                          </m:r>
+                        </m:sub>
+                        <m:sup>
+                          <m:r>
+                            <a:rPr lang="pt-BR" i="1">
+                              <a:latin typeface="Cambria Math" panose="02040503050406030204" pitchFamily="18" charset="0"/>
+                            </a:rPr>
+                            <m:t>𝑚</m:t>
+                          </m:r>
+                        </m:sup>
+                      </m:sSubSup>
+                      <m:r>
+                        <a:rPr lang="pt-BR" b="0" i="0" smtClean="0">
+                          <a:latin typeface="Cambria Math" panose="02040503050406030204" pitchFamily="18" charset="0"/>
+                        </a:rPr>
+                        <m:t>.</m:t>
+                      </m:r>
+                    </m:oMath>
+                  </m:oMathPara>
                 </a14:m>
-                <a:r>
-                  <a:rPr lang="pt-BR" dirty="0"/>
-                  <a:t>.</a:t>
-                </a:r>
+                <a:endParaRPr lang="pt-BR" dirty="0"/>
               </a:p>
               <a:p>
                 <a:r>
@@ -15108,7 +15322,7 @@
               <a:blipFill rotWithShape="0">
                 <a:blip r:embed="rId3"/>
                 <a:stretch>
-                  <a:fillRect l="-817" t="-2593" r="-599"/>
+                  <a:fillRect l="-654" t="-2368" b="-113"/>
                 </a:stretch>
               </a:blipFill>
             </p:spPr>
@@ -15944,7 +16158,11 @@
                 </a:r>
                 <a:r>
                   <a:rPr lang="pt-BR" b="1" i="1" dirty="0"/>
-                  <a:t>de sensibilidade </a:t>
+                  <a:t>de </a:t>
+                </a:r>
+                <a:r>
+                  <a:rPr lang="pt-BR" b="1" i="1" dirty="0" smtClean="0"/>
+                  <a:t>sensibilidades </a:t>
                 </a:r>
                 <a:r>
                   <a:rPr lang="pt-BR" dirty="0"/>
@@ -16003,7 +16221,11 @@
                 </a:r>
                 <a:r>
                   <a:rPr lang="pt-BR" b="1" i="1" dirty="0"/>
-                  <a:t>vetores de sensibilidade </a:t>
+                  <a:t>vetores de </a:t>
+                </a:r>
+                <a:r>
+                  <a:rPr lang="pt-BR" b="1" i="1" dirty="0" smtClean="0"/>
+                  <a:t>sensibilidades </a:t>
                 </a:r>
                 <a:r>
                   <a:rPr lang="pt-BR" dirty="0" smtClean="0"/>
@@ -16064,7 +16286,7 @@
                 </a:r>
                 <a:r>
                   <a:rPr lang="pt-BR" dirty="0" smtClean="0"/>
-                  <a:t>consideramos </a:t>
+                  <a:t>(vetor de sensibilidades da camada de saída) consideramos </a:t>
                 </a:r>
                 <a14:m>
                   <m:oMath xmlns:m="http://schemas.openxmlformats.org/officeDocument/2006/math">
@@ -16110,16 +16332,20 @@
                 <a14:m>
                   <m:oMath xmlns:m="http://schemas.openxmlformats.org/officeDocument/2006/math">
                     <m:r>
-                      <a:rPr lang="pt-BR" i="1">
+                      <a:rPr lang="pt-BR" b="0" i="1" smtClean="0">
                         <a:latin typeface="Cambria Math" panose="02040503050406030204" pitchFamily="18" charset="0"/>
                       </a:rPr>
-                      <m:t>𝑖</m:t>
+                      <m:t>𝑗</m:t>
                     </m:r>
                   </m:oMath>
                 </a14:m>
                 <a:r>
+                  <a:rPr lang="pt-BR" dirty="0" smtClean="0"/>
+                  <a:t>-</a:t>
+                </a:r>
+                <a:r>
                   <a:rPr lang="pt-BR" dirty="0"/>
-                  <a:t>-ésimo elemento </a:t>
+                  <a:t>ésimo elemento </a:t>
                 </a:r>
                 <a:r>
                   <a:rPr lang="pt-BR" dirty="0" smtClean="0"/>
@@ -16194,10 +16420,11 @@
                         </m:e>
                         <m:sub>
                           <m:r>
-                            <a:rPr lang="pt-BR" i="1">
+                            <a:rPr lang="pt-BR" b="0" i="1" smtClean="0">
                               <a:latin typeface="Cambria Math" panose="02040503050406030204" pitchFamily="18" charset="0"/>
+                              <a:ea typeface="Cambria Math" panose="02040503050406030204" pitchFamily="18" charset="0"/>
                             </a:rPr>
-                            <m:t>𝑖</m:t>
+                            <m:t>𝑗</m:t>
                           </m:r>
                         </m:sub>
                         <m:sup>
@@ -16289,10 +16516,10 @@
                             </m:e>
                             <m:sub>
                               <m:r>
-                                <a:rPr lang="pt-BR" i="1">
-                                  <a:latin typeface="Cambria Math" panose="02040503050406030204" pitchFamily="18" charset="0"/>
-                                </a:rPr>
-                                <m:t>𝑖</m:t>
+                                <a:rPr lang="pt-BR" b="0" i="1" smtClean="0">
+                                  <a:latin typeface="Cambria Math" panose="02040503050406030204" pitchFamily="18" charset="0"/>
+                                </a:rPr>
+                                <m:t>𝑗</m:t>
                               </m:r>
                             </m:sub>
                             <m:sup>
@@ -16447,10 +16674,10 @@
                             </m:e>
                             <m:sub>
                               <m:r>
-                                <a:rPr lang="pt-BR" i="1">
-                                  <a:latin typeface="Cambria Math" panose="02040503050406030204" pitchFamily="18" charset="0"/>
-                                </a:rPr>
-                                <m:t>𝑖</m:t>
+                                <a:rPr lang="pt-BR" b="0" i="1" smtClean="0">
+                                  <a:latin typeface="Cambria Math" panose="02040503050406030204" pitchFamily="18" charset="0"/>
+                                </a:rPr>
+                                <m:t>𝑗</m:t>
                               </m:r>
                             </m:sub>
                             <m:sup>
@@ -16696,10 +16923,10 @@
                             </m:e>
                             <m:sub>
                               <m:r>
-                                <a:rPr lang="pt-BR" i="1">
-                                  <a:latin typeface="Cambria Math" panose="02040503050406030204" pitchFamily="18" charset="0"/>
-                                </a:rPr>
-                                <m:t>𝑖</m:t>
+                                <a:rPr lang="pt-BR" b="0" i="1" smtClean="0">
+                                  <a:latin typeface="Cambria Math" panose="02040503050406030204" pitchFamily="18" charset="0"/>
+                                </a:rPr>
+                                <m:t>𝑗</m:t>
                               </m:r>
                             </m:sub>
                             <m:sup>
@@ -16868,10 +17095,10 @@
                             </m:e>
                             <m:sub>
                               <m:r>
-                                <a:rPr lang="pt-BR" i="1">
-                                  <a:latin typeface="Cambria Math" panose="02040503050406030204" pitchFamily="18" charset="0"/>
-                                </a:rPr>
-                                <m:t>𝑖</m:t>
+                                <a:rPr lang="pt-BR" b="0" i="1" smtClean="0">
+                                  <a:latin typeface="Cambria Math" panose="02040503050406030204" pitchFamily="18" charset="0"/>
+                                </a:rPr>
+                                <m:t>𝑗</m:t>
                               </m:r>
                             </m:sub>
                             <m:sup>
@@ -17041,10 +17268,10 @@
                             </m:e>
                             <m:sub>
                               <m:r>
-                                <a:rPr lang="pt-BR" i="1">
-                                  <a:latin typeface="Cambria Math" panose="02040503050406030204" pitchFamily="18" charset="0"/>
-                                </a:rPr>
-                                <m:t>𝑖</m:t>
+                                <a:rPr lang="pt-BR" b="0" i="1" smtClean="0">
+                                  <a:latin typeface="Cambria Math" panose="02040503050406030204" pitchFamily="18" charset="0"/>
+                                </a:rPr>
+                                <m:t>𝑗</m:t>
                               </m:r>
                             </m:sub>
                             <m:sup>
@@ -17179,10 +17406,10 @@
                             </m:e>
                             <m:sub>
                               <m:r>
-                                <a:rPr lang="pt-BR" i="1">
-                                  <a:latin typeface="Cambria Math" panose="02040503050406030204" pitchFamily="18" charset="0"/>
-                                </a:rPr>
-                                <m:t>𝑖</m:t>
+                                <a:rPr lang="pt-BR" b="0" i="1" smtClean="0">
+                                  <a:latin typeface="Cambria Math" panose="02040503050406030204" pitchFamily="18" charset="0"/>
+                                </a:rPr>
+                                <m:t>𝑗</m:t>
                               </m:r>
                             </m:sub>
                             <m:sup>
@@ -17277,10 +17504,10 @@
                             </m:e>
                             <m:sub>
                               <m:r>
-                                <a:rPr lang="pt-BR" i="1">
-                                  <a:latin typeface="Cambria Math" panose="02040503050406030204" pitchFamily="18" charset="0"/>
-                                </a:rPr>
-                                <m:t>𝑖</m:t>
+                                <a:rPr lang="pt-BR" b="0" i="1" smtClean="0">
+                                  <a:latin typeface="Cambria Math" panose="02040503050406030204" pitchFamily="18" charset="0"/>
+                                </a:rPr>
+                                <m:t>𝑗</m:t>
                               </m:r>
                             </m:sub>
                             <m:sup>
@@ -17367,10 +17594,10 @@
                                 </m:e>
                                 <m:sub>
                                   <m:r>
-                                    <a:rPr lang="pt-BR" i="1">
+                                    <a:rPr lang="pt-BR" b="0" i="1" smtClean="0">
                                       <a:latin typeface="Cambria Math" panose="02040503050406030204" pitchFamily="18" charset="0"/>
                                     </a:rPr>
-                                    <m:t>𝑖</m:t>
+                                    <m:t>𝑗</m:t>
                                   </m:r>
                                 </m:sub>
                                 <m:sup>
@@ -17410,10 +17637,10 @@
                             </m:e>
                             <m:sub>
                               <m:r>
-                                <a:rPr lang="pt-BR" i="1">
-                                  <a:latin typeface="Cambria Math" panose="02040503050406030204" pitchFamily="18" charset="0"/>
-                                </a:rPr>
-                                <m:t>𝑖</m:t>
+                                <a:rPr lang="pt-BR" b="0" i="1" smtClean="0">
+                                  <a:latin typeface="Cambria Math" panose="02040503050406030204" pitchFamily="18" charset="0"/>
+                                </a:rPr>
+                                <m:t>𝑗</m:t>
                               </m:r>
                             </m:sub>
                             <m:sup>
@@ -17968,7 +18195,9 @@
               </a:xfrm>
             </p:spPr>
             <p:txBody>
-              <a:bodyPr/>
+              <a:bodyPr>
+                <a:normAutofit fontScale="92500" lnSpcReduction="10000"/>
+              </a:bodyPr>
               <a:lstStyle/>
               <a:p>
                 <a:r>
@@ -18250,653 +18479,751 @@
                   <a:buNone/>
                 </a:pPr>
                 <a14:m>
+                  <m:oMathPara xmlns:m="http://schemas.openxmlformats.org/officeDocument/2006/math">
+                    <m:oMathParaPr>
+                      <m:jc m:val="centerGroup"/>
+                    </m:oMathParaPr>
+                    <m:oMath xmlns:m="http://schemas.openxmlformats.org/officeDocument/2006/math">
+                      <m:sSup>
+                        <m:sSupPr>
+                          <m:ctrlPr>
+                            <a:rPr lang="pt-BR" i="1">
+                              <a:latin typeface="Cambria Math" panose="02040503050406030204" pitchFamily="18" charset="0"/>
+                            </a:rPr>
+                          </m:ctrlPr>
+                        </m:sSupPr>
+                        <m:e>
+                          <m:r>
+                            <a:rPr lang="pt-BR" b="1" i="1" smtClean="0">
+                              <a:latin typeface="Cambria Math" panose="02040503050406030204" pitchFamily="18" charset="0"/>
+                            </a:rPr>
+                            <m:t>𝑭</m:t>
+                          </m:r>
+                        </m:e>
+                        <m:sup>
+                          <m:r>
+                            <a:rPr lang="pt-BR" b="0" i="1" smtClean="0">
+                              <a:latin typeface="Cambria Math" panose="02040503050406030204" pitchFamily="18" charset="0"/>
+                            </a:rPr>
+                            <m:t>′</m:t>
+                          </m:r>
+                          <m:r>
+                            <a:rPr lang="pt-BR" i="1">
+                              <a:latin typeface="Cambria Math" panose="02040503050406030204" pitchFamily="18" charset="0"/>
+                            </a:rPr>
+                            <m:t>𝑀</m:t>
+                          </m:r>
+                        </m:sup>
+                      </m:sSup>
+                      <m:d>
+                        <m:dPr>
+                          <m:ctrlPr>
+                            <a:rPr lang="pt-BR" i="1">
+                              <a:latin typeface="Cambria Math" panose="02040503050406030204" pitchFamily="18" charset="0"/>
+                            </a:rPr>
+                          </m:ctrlPr>
+                        </m:dPr>
+                        <m:e>
+                          <m:sSup>
+                            <m:sSupPr>
+                              <m:ctrlPr>
+                                <a:rPr lang="pt-BR" i="1">
+                                  <a:latin typeface="Cambria Math" panose="02040503050406030204" pitchFamily="18" charset="0"/>
+                                </a:rPr>
+                              </m:ctrlPr>
+                            </m:sSupPr>
+                            <m:e>
+                              <m:r>
+                                <a:rPr lang="pt-BR" b="1" i="1">
+                                  <a:latin typeface="Cambria Math" panose="02040503050406030204" pitchFamily="18" charset="0"/>
+                                </a:rPr>
+                                <m:t>𝒖</m:t>
+                              </m:r>
+                            </m:e>
+                            <m:sup>
+                              <m:r>
+                                <a:rPr lang="pt-BR" i="1">
+                                  <a:latin typeface="Cambria Math" panose="02040503050406030204" pitchFamily="18" charset="0"/>
+                                </a:rPr>
+                                <m:t>𝑀</m:t>
+                              </m:r>
+                            </m:sup>
+                          </m:sSup>
+                        </m:e>
+                      </m:d>
+                      <m:r>
+                        <a:rPr lang="pt-BR" b="0" i="1" smtClean="0">
+                          <a:latin typeface="Cambria Math" panose="02040503050406030204" pitchFamily="18" charset="0"/>
+                        </a:rPr>
+                        <m:t>=</m:t>
+                      </m:r>
+                      <m:d>
+                        <m:dPr>
+                          <m:begChr m:val="["/>
+                          <m:endChr m:val="]"/>
+                          <m:ctrlPr>
+                            <a:rPr lang="pt-BR" b="0" i="1" smtClean="0">
+                              <a:latin typeface="Cambria Math" panose="02040503050406030204" pitchFamily="18" charset="0"/>
+                            </a:rPr>
+                          </m:ctrlPr>
+                        </m:dPr>
+                        <m:e>
+                          <m:m>
+                            <m:mPr>
+                              <m:mcs>
+                                <m:mc>
+                                  <m:mcPr>
+                                    <m:count m:val="3"/>
+                                    <m:mcJc m:val="center"/>
+                                  </m:mcPr>
+                                </m:mc>
+                              </m:mcs>
+                              <m:ctrlPr>
+                                <a:rPr lang="pt-BR" b="0" i="1" smtClean="0">
+                                  <a:latin typeface="Cambria Math" panose="02040503050406030204" pitchFamily="18" charset="0"/>
+                                </a:rPr>
+                              </m:ctrlPr>
+                            </m:mPr>
+                            <m:mr>
+                              <m:e>
+                                <m:sSup>
+                                  <m:sSupPr>
+                                    <m:ctrlPr>
+                                      <a:rPr lang="pt-BR" b="0" i="1" smtClean="0">
+                                        <a:latin typeface="Cambria Math" panose="02040503050406030204" pitchFamily="18" charset="0"/>
+                                      </a:rPr>
+                                    </m:ctrlPr>
+                                  </m:sSupPr>
+                                  <m:e>
+                                    <m:r>
+                                      <a:rPr lang="pt-BR" b="0" i="1" smtClean="0">
+                                        <a:latin typeface="Cambria Math" panose="02040503050406030204" pitchFamily="18" charset="0"/>
+                                      </a:rPr>
+                                      <m:t>𝑓</m:t>
+                                    </m:r>
+                                  </m:e>
+                                  <m:sup>
+                                    <m:r>
+                                      <a:rPr lang="pt-BR" b="0" i="1" smtClean="0">
+                                        <a:latin typeface="Cambria Math" panose="02040503050406030204" pitchFamily="18" charset="0"/>
+                                      </a:rPr>
+                                      <m:t>′</m:t>
+                                    </m:r>
+                                    <m:r>
+                                      <a:rPr lang="pt-BR" b="0" i="1" smtClean="0">
+                                        <a:latin typeface="Cambria Math" panose="02040503050406030204" pitchFamily="18" charset="0"/>
+                                      </a:rPr>
+                                      <m:t>𝑀</m:t>
+                                    </m:r>
+                                  </m:sup>
+                                </m:sSup>
+                                <m:d>
+                                  <m:dPr>
+                                    <m:ctrlPr>
+                                      <a:rPr lang="pt-BR" b="0" i="1" smtClean="0">
+                                        <a:latin typeface="Cambria Math" panose="02040503050406030204" pitchFamily="18" charset="0"/>
+                                      </a:rPr>
+                                    </m:ctrlPr>
+                                  </m:dPr>
+                                  <m:e>
+                                    <m:sSubSup>
+                                      <m:sSubSupPr>
+                                        <m:ctrlPr>
+                                          <a:rPr lang="pt-BR" b="0" i="1" smtClean="0">
+                                            <a:latin typeface="Cambria Math" panose="02040503050406030204" pitchFamily="18" charset="0"/>
+                                          </a:rPr>
+                                        </m:ctrlPr>
+                                      </m:sSubSupPr>
+                                      <m:e>
+                                        <m:r>
+                                          <a:rPr lang="pt-BR" b="0" i="1" smtClean="0">
+                                            <a:latin typeface="Cambria Math" panose="02040503050406030204" pitchFamily="18" charset="0"/>
+                                          </a:rPr>
+                                          <m:t>𝑢</m:t>
+                                        </m:r>
+                                      </m:e>
+                                      <m:sub>
+                                        <m:r>
+                                          <a:rPr lang="pt-BR" b="0" i="1" smtClean="0">
+                                            <a:latin typeface="Cambria Math" panose="02040503050406030204" pitchFamily="18" charset="0"/>
+                                          </a:rPr>
+                                          <m:t>1</m:t>
+                                        </m:r>
+                                      </m:sub>
+                                      <m:sup>
+                                        <m:r>
+                                          <a:rPr lang="pt-BR" b="0" i="1" smtClean="0">
+                                            <a:latin typeface="Cambria Math" panose="02040503050406030204" pitchFamily="18" charset="0"/>
+                                          </a:rPr>
+                                          <m:t>𝑀</m:t>
+                                        </m:r>
+                                      </m:sup>
+                                    </m:sSubSup>
+                                  </m:e>
+                                </m:d>
+                              </m:e>
+                              <m:e>
+                                <m:r>
+                                  <a:rPr lang="pt-BR" b="0" i="1" smtClean="0">
+                                    <a:latin typeface="Cambria Math" panose="02040503050406030204" pitchFamily="18" charset="0"/>
+                                  </a:rPr>
+                                  <m:t>0</m:t>
+                                </m:r>
+                              </m:e>
+                              <m:e>
+                                <m:m>
+                                  <m:mPr>
+                                    <m:mcs>
+                                      <m:mc>
+                                        <m:mcPr>
+                                          <m:count m:val="2"/>
+                                          <m:mcJc m:val="center"/>
+                                        </m:mcPr>
+                                      </m:mc>
+                                    </m:mcs>
+                                    <m:ctrlPr>
+                                      <a:rPr lang="pt-BR" b="0" i="1" smtClean="0">
+                                        <a:latin typeface="Cambria Math" panose="02040503050406030204" pitchFamily="18" charset="0"/>
+                                      </a:rPr>
+                                    </m:ctrlPr>
+                                  </m:mPr>
+                                  <m:mr>
+                                    <m:e>
+                                      <m:r>
+                                        <m:rPr>
+                                          <m:brk m:alnAt="7"/>
+                                        </m:rPr>
+                                        <a:rPr lang="pt-BR" b="0" i="1" smtClean="0">
+                                          <a:latin typeface="Cambria Math" panose="02040503050406030204" pitchFamily="18" charset="0"/>
+                                        </a:rPr>
+                                        <m:t>⋯</m:t>
+                                      </m:r>
+                                    </m:e>
+                                    <m:e>
+                                      <m:r>
+                                        <a:rPr lang="pt-BR" b="0" i="1" smtClean="0">
+                                          <a:latin typeface="Cambria Math" panose="02040503050406030204" pitchFamily="18" charset="0"/>
+                                        </a:rPr>
+                                        <m:t>0</m:t>
+                                      </m:r>
+                                    </m:e>
+                                  </m:mr>
+                                </m:m>
+                              </m:e>
+                            </m:mr>
+                            <m:mr>
+                              <m:e>
+                                <m:r>
+                                  <a:rPr lang="pt-BR" b="0" i="1" smtClean="0">
+                                    <a:latin typeface="Cambria Math" panose="02040503050406030204" pitchFamily="18" charset="0"/>
+                                  </a:rPr>
+                                  <m:t>0</m:t>
+                                </m:r>
+                              </m:e>
+                              <m:e>
+                                <m:sSup>
+                                  <m:sSupPr>
+                                    <m:ctrlPr>
+                                      <a:rPr lang="pt-BR" i="1">
+                                        <a:latin typeface="Cambria Math" panose="02040503050406030204" pitchFamily="18" charset="0"/>
+                                      </a:rPr>
+                                    </m:ctrlPr>
+                                  </m:sSupPr>
+                                  <m:e>
+                                    <m:r>
+                                      <a:rPr lang="pt-BR" i="1">
+                                        <a:latin typeface="Cambria Math" panose="02040503050406030204" pitchFamily="18" charset="0"/>
+                                      </a:rPr>
+                                      <m:t>𝑓</m:t>
+                                    </m:r>
+                                  </m:e>
+                                  <m:sup>
+                                    <m:r>
+                                      <a:rPr lang="pt-BR" b="0" i="1" smtClean="0">
+                                        <a:latin typeface="Cambria Math" panose="02040503050406030204" pitchFamily="18" charset="0"/>
+                                      </a:rPr>
+                                      <m:t>′</m:t>
+                                    </m:r>
+                                    <m:r>
+                                      <a:rPr lang="pt-BR" i="1">
+                                        <a:latin typeface="Cambria Math" panose="02040503050406030204" pitchFamily="18" charset="0"/>
+                                      </a:rPr>
+                                      <m:t>𝑀</m:t>
+                                    </m:r>
+                                  </m:sup>
+                                </m:sSup>
+                                <m:d>
+                                  <m:dPr>
+                                    <m:ctrlPr>
+                                      <a:rPr lang="pt-BR" i="1">
+                                        <a:latin typeface="Cambria Math" panose="02040503050406030204" pitchFamily="18" charset="0"/>
+                                      </a:rPr>
+                                    </m:ctrlPr>
+                                  </m:dPr>
+                                  <m:e>
+                                    <m:sSubSup>
+                                      <m:sSubSupPr>
+                                        <m:ctrlPr>
+                                          <a:rPr lang="pt-BR" i="1">
+                                            <a:latin typeface="Cambria Math" panose="02040503050406030204" pitchFamily="18" charset="0"/>
+                                          </a:rPr>
+                                        </m:ctrlPr>
+                                      </m:sSubSupPr>
+                                      <m:e>
+                                        <m:r>
+                                          <a:rPr lang="pt-BR" i="1">
+                                            <a:latin typeface="Cambria Math" panose="02040503050406030204" pitchFamily="18" charset="0"/>
+                                          </a:rPr>
+                                          <m:t>𝑢</m:t>
+                                        </m:r>
+                                      </m:e>
+                                      <m:sub>
+                                        <m:r>
+                                          <a:rPr lang="pt-BR" b="0" i="1" smtClean="0">
+                                            <a:latin typeface="Cambria Math" panose="02040503050406030204" pitchFamily="18" charset="0"/>
+                                          </a:rPr>
+                                          <m:t>2</m:t>
+                                        </m:r>
+                                      </m:sub>
+                                      <m:sup>
+                                        <m:r>
+                                          <a:rPr lang="pt-BR" i="1">
+                                            <a:latin typeface="Cambria Math" panose="02040503050406030204" pitchFamily="18" charset="0"/>
+                                          </a:rPr>
+                                          <m:t>𝑀</m:t>
+                                        </m:r>
+                                      </m:sup>
+                                    </m:sSubSup>
+                                  </m:e>
+                                </m:d>
+                              </m:e>
+                              <m:e>
+                                <m:m>
+                                  <m:mPr>
+                                    <m:mcs>
+                                      <m:mc>
+                                        <m:mcPr>
+                                          <m:count m:val="2"/>
+                                          <m:mcJc m:val="center"/>
+                                        </m:mcPr>
+                                      </m:mc>
+                                    </m:mcs>
+                                    <m:ctrlPr>
+                                      <a:rPr lang="pt-BR" b="0" i="1" smtClean="0">
+                                        <a:latin typeface="Cambria Math" panose="02040503050406030204" pitchFamily="18" charset="0"/>
+                                      </a:rPr>
+                                    </m:ctrlPr>
+                                  </m:mPr>
+                                  <m:mr>
+                                    <m:e>
+                                      <m:r>
+                                        <m:rPr>
+                                          <m:brk m:alnAt="7"/>
+                                        </m:rPr>
+                                        <a:rPr lang="pt-BR" b="0" i="1" smtClean="0">
+                                          <a:latin typeface="Cambria Math" panose="02040503050406030204" pitchFamily="18" charset="0"/>
+                                        </a:rPr>
+                                        <m:t>⋯</m:t>
+                                      </m:r>
+                                    </m:e>
+                                    <m:e>
+                                      <m:r>
+                                        <a:rPr lang="pt-BR" b="0" i="1" smtClean="0">
+                                          <a:latin typeface="Cambria Math" panose="02040503050406030204" pitchFamily="18" charset="0"/>
+                                        </a:rPr>
+                                        <m:t>0</m:t>
+                                      </m:r>
+                                    </m:e>
+                                  </m:mr>
+                                </m:m>
+                              </m:e>
+                            </m:mr>
+                            <m:mr>
+                              <m:e>
+                                <m:m>
+                                  <m:mPr>
+                                    <m:mcs>
+                                      <m:mc>
+                                        <m:mcPr>
+                                          <m:count m:val="1"/>
+                                          <m:mcJc m:val="center"/>
+                                        </m:mcPr>
+                                      </m:mc>
+                                    </m:mcs>
+                                    <m:ctrlPr>
+                                      <a:rPr lang="pt-BR" b="0" i="1" smtClean="0">
+                                        <a:latin typeface="Cambria Math" panose="02040503050406030204" pitchFamily="18" charset="0"/>
+                                      </a:rPr>
+                                    </m:ctrlPr>
+                                  </m:mPr>
+                                  <m:mr>
+                                    <m:e>
+                                      <m:r>
+                                        <m:rPr>
+                                          <m:brk m:alnAt="7"/>
+                                        </m:rPr>
+                                        <a:rPr lang="pt-BR" b="0" i="1" smtClean="0">
+                                          <a:latin typeface="Cambria Math" panose="02040503050406030204" pitchFamily="18" charset="0"/>
+                                        </a:rPr>
+                                        <m:t>⋮</m:t>
+                                      </m:r>
+                                    </m:e>
+                                  </m:mr>
+                                  <m:mr>
+                                    <m:e>
+                                      <m:r>
+                                        <a:rPr lang="pt-BR" b="0" i="1" smtClean="0">
+                                          <a:latin typeface="Cambria Math" panose="02040503050406030204" pitchFamily="18" charset="0"/>
+                                        </a:rPr>
+                                        <m:t>0</m:t>
+                                      </m:r>
+                                    </m:e>
+                                  </m:mr>
+                                </m:m>
+                              </m:e>
+                              <m:e>
+                                <m:m>
+                                  <m:mPr>
+                                    <m:mcs>
+                                      <m:mc>
+                                        <m:mcPr>
+                                          <m:count m:val="1"/>
+                                          <m:mcJc m:val="center"/>
+                                        </m:mcPr>
+                                      </m:mc>
+                                    </m:mcs>
+                                    <m:ctrlPr>
+                                      <a:rPr lang="pt-BR" b="0" i="1" smtClean="0">
+                                        <a:latin typeface="Cambria Math" panose="02040503050406030204" pitchFamily="18" charset="0"/>
+                                      </a:rPr>
+                                    </m:ctrlPr>
+                                  </m:mPr>
+                                  <m:mr>
+                                    <m:e>
+                                      <m:r>
+                                        <m:rPr>
+                                          <m:brk m:alnAt="7"/>
+                                        </m:rPr>
+                                        <a:rPr lang="pt-BR" b="0" i="1" smtClean="0">
+                                          <a:latin typeface="Cambria Math" panose="02040503050406030204" pitchFamily="18" charset="0"/>
+                                        </a:rPr>
+                                        <m:t>⋮</m:t>
+                                      </m:r>
+                                    </m:e>
+                                  </m:mr>
+                                  <m:mr>
+                                    <m:e>
+                                      <m:r>
+                                        <a:rPr lang="pt-BR" b="0" i="1" smtClean="0">
+                                          <a:latin typeface="Cambria Math" panose="02040503050406030204" pitchFamily="18" charset="0"/>
+                                        </a:rPr>
+                                        <m:t>0</m:t>
+                                      </m:r>
+                                    </m:e>
+                                  </m:mr>
+                                </m:m>
+                              </m:e>
+                              <m:e>
+                                <m:m>
+                                  <m:mPr>
+                                    <m:mcs>
+                                      <m:mc>
+                                        <m:mcPr>
+                                          <m:count m:val="1"/>
+                                          <m:mcJc m:val="center"/>
+                                        </m:mcPr>
+                                      </m:mc>
+                                    </m:mcs>
+                                    <m:ctrlPr>
+                                      <a:rPr lang="pt-BR" b="0" i="1" smtClean="0">
+                                        <a:latin typeface="Cambria Math" panose="02040503050406030204" pitchFamily="18" charset="0"/>
+                                      </a:rPr>
+                                    </m:ctrlPr>
+                                  </m:mPr>
+                                  <m:mr>
+                                    <m:e>
+                                      <m:m>
+                                        <m:mPr>
+                                          <m:mcs>
+                                            <m:mc>
+                                              <m:mcPr>
+                                                <m:count m:val="2"/>
+                                                <m:mcJc m:val="center"/>
+                                              </m:mcPr>
+                                            </m:mc>
+                                          </m:mcs>
+                                          <m:ctrlPr>
+                                            <a:rPr lang="pt-BR" b="0" i="1" smtClean="0">
+                                              <a:latin typeface="Cambria Math" panose="02040503050406030204" pitchFamily="18" charset="0"/>
+                                            </a:rPr>
+                                          </m:ctrlPr>
+                                        </m:mPr>
+                                        <m:mr>
+                                          <m:e>
+                                            <m:r>
+                                              <m:rPr>
+                                                <m:brk m:alnAt="7"/>
+                                              </m:rPr>
+                                              <a:rPr lang="pt-BR" b="0" i="1" smtClean="0">
+                                                <a:latin typeface="Cambria Math" panose="02040503050406030204" pitchFamily="18" charset="0"/>
+                                              </a:rPr>
+                                              <m:t>⋱</m:t>
+                                            </m:r>
+                                          </m:e>
+                                          <m:e>
+                                            <m:r>
+                                              <a:rPr lang="pt-BR" b="0" i="1" smtClean="0">
+                                                <a:latin typeface="Cambria Math" panose="02040503050406030204" pitchFamily="18" charset="0"/>
+                                              </a:rPr>
+                                              <m:t>⋮</m:t>
+                                            </m:r>
+                                          </m:e>
+                                        </m:mr>
+                                      </m:m>
+                                    </m:e>
+                                  </m:mr>
+                                  <m:mr>
+                                    <m:e>
+                                      <m:m>
+                                        <m:mPr>
+                                          <m:mcs>
+                                            <m:mc>
+                                              <m:mcPr>
+                                                <m:count m:val="2"/>
+                                                <m:mcJc m:val="center"/>
+                                              </m:mcPr>
+                                            </m:mc>
+                                          </m:mcs>
+                                          <m:ctrlPr>
+                                            <a:rPr lang="pt-BR" b="0" i="1" smtClean="0">
+                                              <a:latin typeface="Cambria Math" panose="02040503050406030204" pitchFamily="18" charset="0"/>
+                                            </a:rPr>
+                                          </m:ctrlPr>
+                                        </m:mPr>
+                                        <m:mr>
+                                          <m:e>
+                                            <m:r>
+                                              <m:rPr>
+                                                <m:brk m:alnAt="7"/>
+                                              </m:rPr>
+                                              <a:rPr lang="pt-BR" b="0" i="1" smtClean="0">
+                                                <a:latin typeface="Cambria Math" panose="02040503050406030204" pitchFamily="18" charset="0"/>
+                                              </a:rPr>
+                                              <m:t> </m:t>
+                                            </m:r>
+                                            <m:r>
+                                              <a:rPr lang="pt-BR" b="0" i="1" smtClean="0">
+                                                <a:latin typeface="Cambria Math" panose="02040503050406030204" pitchFamily="18" charset="0"/>
+                                              </a:rPr>
+                                              <m:t>                ⋯</m:t>
+                                            </m:r>
+                                          </m:e>
+                                          <m:e>
+                                            <m:sSup>
+                                              <m:sSupPr>
+                                                <m:ctrlPr>
+                                                  <a:rPr lang="pt-BR" i="1">
+                                                    <a:latin typeface="Cambria Math" panose="02040503050406030204" pitchFamily="18" charset="0"/>
+                                                  </a:rPr>
+                                                </m:ctrlPr>
+                                              </m:sSupPr>
+                                              <m:e>
+                                                <m:r>
+                                                  <a:rPr lang="pt-BR" i="1">
+                                                    <a:latin typeface="Cambria Math" panose="02040503050406030204" pitchFamily="18" charset="0"/>
+                                                  </a:rPr>
+                                                  <m:t>𝑓</m:t>
+                                                </m:r>
+                                              </m:e>
+                                              <m:sup>
+                                                <m:r>
+                                                  <a:rPr lang="pt-BR" b="0" i="1" smtClean="0">
+                                                    <a:latin typeface="Cambria Math" panose="02040503050406030204" pitchFamily="18" charset="0"/>
+                                                  </a:rPr>
+                                                  <m:t>′</m:t>
+                                                </m:r>
+                                                <m:r>
+                                                  <a:rPr lang="pt-BR" i="1">
+                                                    <a:latin typeface="Cambria Math" panose="02040503050406030204" pitchFamily="18" charset="0"/>
+                                                  </a:rPr>
+                                                  <m:t>𝑀</m:t>
+                                                </m:r>
+                                              </m:sup>
+                                            </m:sSup>
+                                            <m:d>
+                                              <m:dPr>
+                                                <m:ctrlPr>
+                                                  <a:rPr lang="pt-BR" i="1">
+                                                    <a:latin typeface="Cambria Math" panose="02040503050406030204" pitchFamily="18" charset="0"/>
+                                                  </a:rPr>
+                                                </m:ctrlPr>
+                                              </m:dPr>
+                                              <m:e>
+                                                <m:sSubSup>
+                                                  <m:sSubSupPr>
+                                                    <m:ctrlPr>
+                                                      <a:rPr lang="pt-BR" i="1">
+                                                        <a:latin typeface="Cambria Math" panose="02040503050406030204" pitchFamily="18" charset="0"/>
+                                                      </a:rPr>
+                                                    </m:ctrlPr>
+                                                  </m:sSubSupPr>
+                                                  <m:e>
+                                                    <m:r>
+                                                      <a:rPr lang="pt-BR" i="1">
+                                                        <a:latin typeface="Cambria Math" panose="02040503050406030204" pitchFamily="18" charset="0"/>
+                                                      </a:rPr>
+                                                      <m:t>𝑢</m:t>
+                                                    </m:r>
+                                                  </m:e>
+                                                  <m:sub>
+                                                    <m:sSub>
+                                                      <m:sSubPr>
+                                                        <m:ctrlPr>
+                                                          <a:rPr lang="pt-BR" i="1">
+                                                            <a:latin typeface="Cambria Math" panose="02040503050406030204" pitchFamily="18" charset="0"/>
+                                                          </a:rPr>
+                                                        </m:ctrlPr>
+                                                      </m:sSubPr>
+                                                      <m:e>
+                                                        <m:r>
+                                                          <a:rPr lang="pt-BR" i="1">
+                                                            <a:latin typeface="Cambria Math" panose="02040503050406030204" pitchFamily="18" charset="0"/>
+                                                          </a:rPr>
+                                                          <m:t>𝑁</m:t>
+                                                        </m:r>
+                                                      </m:e>
+                                                      <m:sub>
+                                                        <m:r>
+                                                          <a:rPr lang="pt-BR" i="1">
+                                                            <a:latin typeface="Cambria Math" panose="02040503050406030204" pitchFamily="18" charset="0"/>
+                                                          </a:rPr>
+                                                          <m:t>𝑀</m:t>
+                                                        </m:r>
+                                                      </m:sub>
+                                                    </m:sSub>
+                                                  </m:sub>
+                                                  <m:sup>
+                                                    <m:r>
+                                                      <a:rPr lang="pt-BR" i="1">
+                                                        <a:latin typeface="Cambria Math" panose="02040503050406030204" pitchFamily="18" charset="0"/>
+                                                      </a:rPr>
+                                                      <m:t>𝑀</m:t>
+                                                    </m:r>
+                                                  </m:sup>
+                                                </m:sSubSup>
+                                              </m:e>
+                                            </m:d>
+                                          </m:e>
+                                        </m:mr>
+                                      </m:m>
+                                    </m:e>
+                                  </m:mr>
+                                </m:m>
+                              </m:e>
+                            </m:mr>
+                          </m:m>
+                        </m:e>
+                      </m:d>
+                      <m:r>
+                        <a:rPr lang="pt-BR" b="0" i="0" smtClean="0">
+                          <a:latin typeface="Cambria Math" panose="02040503050406030204" pitchFamily="18" charset="0"/>
+                        </a:rPr>
+                        <m:t>,</m:t>
+                      </m:r>
+                    </m:oMath>
+                  </m:oMathPara>
+                </a14:m>
+                <a:endParaRPr lang="pt-BR" dirty="0" smtClean="0"/>
+              </a:p>
+              <a:p>
+                <a:pPr marL="0" indent="0">
+                  <a:buNone/>
+                </a:pPr>
+                <a14:m>
                   <m:oMath xmlns:m="http://schemas.openxmlformats.org/officeDocument/2006/math">
-                    <m:sSup>
-                      <m:sSupPr>
+                    <m:r>
+                      <a:rPr lang="pt-BR" b="1" i="1">
+                        <a:latin typeface="Cambria Math" panose="02040503050406030204" pitchFamily="18" charset="0"/>
+                      </a:rPr>
+                      <m:t>𝒅</m:t>
+                    </m:r>
+                  </m:oMath>
+                </a14:m>
+                <a:r>
+                  <a:rPr lang="pt-BR" dirty="0" smtClean="0"/>
+                  <a:t> e </a:t>
+                </a:r>
+                <a14:m>
+                  <m:oMath xmlns:m="http://schemas.openxmlformats.org/officeDocument/2006/math">
+                    <m:r>
+                      <a:rPr lang="pt-BR" b="1" i="1">
+                        <a:latin typeface="Cambria Math" panose="02040503050406030204" pitchFamily="18" charset="0"/>
+                      </a:rPr>
+                      <m:t>𝒚</m:t>
+                    </m:r>
+                    <m:r>
+                      <a:rPr lang="pt-BR" b="1" i="1">
+                        <a:latin typeface="Cambria Math" panose="02040503050406030204" pitchFamily="18" charset="0"/>
+                      </a:rPr>
+                      <m:t> </m:t>
+                    </m:r>
+                  </m:oMath>
+                </a14:m>
+                <a:r>
+                  <a:rPr lang="pt-BR" dirty="0" smtClean="0"/>
+                  <a:t>são vetores de dimensão </a:t>
+                </a:r>
+                <a14:m>
+                  <m:oMath xmlns:m="http://schemas.openxmlformats.org/officeDocument/2006/math">
+                    <m:sSub>
+                      <m:sSubPr>
                         <m:ctrlPr>
                           <a:rPr lang="pt-BR" i="1">
                             <a:latin typeface="Cambria Math" panose="02040503050406030204" pitchFamily="18" charset="0"/>
                           </a:rPr>
                         </m:ctrlPr>
-                      </m:sSupPr>
+                      </m:sSubPr>
                       <m:e>
-                        <m:r>
-                          <a:rPr lang="pt-BR" b="1" i="1" smtClean="0">
-                            <a:latin typeface="Cambria Math" panose="02040503050406030204" pitchFamily="18" charset="0"/>
-                          </a:rPr>
-                          <m:t>𝑭</m:t>
-                        </m:r>
-                      </m:e>
-                      <m:sup>
-                        <m:r>
-                          <a:rPr lang="pt-BR" b="0" i="1" smtClean="0">
-                            <a:latin typeface="Cambria Math" panose="02040503050406030204" pitchFamily="18" charset="0"/>
-                          </a:rPr>
-                          <m:t>′</m:t>
-                        </m:r>
                         <m:r>
                           <a:rPr lang="pt-BR" i="1">
                             <a:latin typeface="Cambria Math" panose="02040503050406030204" pitchFamily="18" charset="0"/>
                           </a:rPr>
-                          <m:t>𝑀</m:t>
+                          <m:t>𝑁</m:t>
                         </m:r>
-                      </m:sup>
-                    </m:sSup>
-                    <m:d>
-                      <m:dPr>
-                        <m:ctrlPr>
-                          <a:rPr lang="pt-BR" i="1">
+                      </m:e>
+                      <m:sub>
+                        <m:r>
+                          <m:rPr>
+                            <m:sty m:val="p"/>
+                          </m:rPr>
+                          <a:rPr lang="pt-BR">
                             <a:latin typeface="Cambria Math" panose="02040503050406030204" pitchFamily="18" charset="0"/>
                           </a:rPr>
-                        </m:ctrlPr>
-                      </m:dPr>
-                      <m:e>
-                        <m:sSup>
-                          <m:sSupPr>
-                            <m:ctrlPr>
-                              <a:rPr lang="pt-BR" i="1">
-                                <a:latin typeface="Cambria Math" panose="02040503050406030204" pitchFamily="18" charset="0"/>
-                              </a:rPr>
-                            </m:ctrlPr>
-                          </m:sSupPr>
-                          <m:e>
-                            <m:r>
-                              <a:rPr lang="pt-BR" b="1" i="1">
-                                <a:latin typeface="Cambria Math" panose="02040503050406030204" pitchFamily="18" charset="0"/>
-                              </a:rPr>
-                              <m:t>𝒖</m:t>
-                            </m:r>
-                          </m:e>
-                          <m:sup>
-                            <m:r>
-                              <a:rPr lang="pt-BR" i="1">
-                                <a:latin typeface="Cambria Math" panose="02040503050406030204" pitchFamily="18" charset="0"/>
-                              </a:rPr>
-                              <m:t>𝑀</m:t>
-                            </m:r>
-                          </m:sup>
-                        </m:sSup>
-                      </m:e>
-                    </m:d>
+                          <m:t>dados</m:t>
+                        </m:r>
+                      </m:sub>
+                    </m:sSub>
+                    <m:r>
+                      <a:rPr lang="pt-BR" i="1" smtClean="0">
+                        <a:latin typeface="Cambria Math" panose="02040503050406030204" pitchFamily="18" charset="0"/>
+                        <a:ea typeface="Cambria Math" panose="02040503050406030204" pitchFamily="18" charset="0"/>
+                      </a:rPr>
+                      <m:t>×</m:t>
+                    </m:r>
                     <m:r>
                       <a:rPr lang="pt-BR" b="0" i="1" smtClean="0">
                         <a:latin typeface="Cambria Math" panose="02040503050406030204" pitchFamily="18" charset="0"/>
+                        <a:ea typeface="Cambria Math" panose="02040503050406030204" pitchFamily="18" charset="0"/>
                       </a:rPr>
-                      <m:t>=</m:t>
+                      <m:t>1</m:t>
                     </m:r>
-                    <m:d>
-                      <m:dPr>
-                        <m:begChr m:val="["/>
-                        <m:endChr m:val="]"/>
-                        <m:ctrlPr>
-                          <a:rPr lang="pt-BR" b="0" i="1" smtClean="0">
-                            <a:latin typeface="Cambria Math" panose="02040503050406030204" pitchFamily="18" charset="0"/>
-                          </a:rPr>
-                        </m:ctrlPr>
-                      </m:dPr>
-                      <m:e>
-                        <m:m>
-                          <m:mPr>
-                            <m:mcs>
-                              <m:mc>
-                                <m:mcPr>
-                                  <m:count m:val="3"/>
-                                  <m:mcJc m:val="center"/>
-                                </m:mcPr>
-                              </m:mc>
-                            </m:mcs>
-                            <m:ctrlPr>
-                              <a:rPr lang="pt-BR" b="0" i="1" smtClean="0">
-                                <a:latin typeface="Cambria Math" panose="02040503050406030204" pitchFamily="18" charset="0"/>
-                              </a:rPr>
-                            </m:ctrlPr>
-                          </m:mPr>
-                          <m:mr>
-                            <m:e>
-                              <m:sSup>
-                                <m:sSupPr>
-                                  <m:ctrlPr>
-                                    <a:rPr lang="pt-BR" b="0" i="1" smtClean="0">
-                                      <a:latin typeface="Cambria Math" panose="02040503050406030204" pitchFamily="18" charset="0"/>
-                                    </a:rPr>
-                                  </m:ctrlPr>
-                                </m:sSupPr>
-                                <m:e>
-                                  <m:r>
-                                    <a:rPr lang="pt-BR" b="0" i="1" smtClean="0">
-                                      <a:latin typeface="Cambria Math" panose="02040503050406030204" pitchFamily="18" charset="0"/>
-                                    </a:rPr>
-                                    <m:t>𝑓</m:t>
-                                  </m:r>
-                                </m:e>
-                                <m:sup>
-                                  <m:r>
-                                    <a:rPr lang="pt-BR" b="0" i="1" smtClean="0">
-                                      <a:latin typeface="Cambria Math" panose="02040503050406030204" pitchFamily="18" charset="0"/>
-                                    </a:rPr>
-                                    <m:t>′</m:t>
-                                  </m:r>
-                                  <m:r>
-                                    <a:rPr lang="pt-BR" b="0" i="1" smtClean="0">
-                                      <a:latin typeface="Cambria Math" panose="02040503050406030204" pitchFamily="18" charset="0"/>
-                                    </a:rPr>
-                                    <m:t>𝑀</m:t>
-                                  </m:r>
-                                </m:sup>
-                              </m:sSup>
-                              <m:d>
-                                <m:dPr>
-                                  <m:ctrlPr>
-                                    <a:rPr lang="pt-BR" b="0" i="1" smtClean="0">
-                                      <a:latin typeface="Cambria Math" panose="02040503050406030204" pitchFamily="18" charset="0"/>
-                                    </a:rPr>
-                                  </m:ctrlPr>
-                                </m:dPr>
-                                <m:e>
-                                  <m:sSubSup>
-                                    <m:sSubSupPr>
-                                      <m:ctrlPr>
-                                        <a:rPr lang="pt-BR" b="0" i="1" smtClean="0">
-                                          <a:latin typeface="Cambria Math" panose="02040503050406030204" pitchFamily="18" charset="0"/>
-                                        </a:rPr>
-                                      </m:ctrlPr>
-                                    </m:sSubSupPr>
-                                    <m:e>
-                                      <m:r>
-                                        <a:rPr lang="pt-BR" b="0" i="1" smtClean="0">
-                                          <a:latin typeface="Cambria Math" panose="02040503050406030204" pitchFamily="18" charset="0"/>
-                                        </a:rPr>
-                                        <m:t>𝑢</m:t>
-                                      </m:r>
-                                    </m:e>
-                                    <m:sub>
-                                      <m:r>
-                                        <a:rPr lang="pt-BR" b="0" i="1" smtClean="0">
-                                          <a:latin typeface="Cambria Math" panose="02040503050406030204" pitchFamily="18" charset="0"/>
-                                        </a:rPr>
-                                        <m:t>1</m:t>
-                                      </m:r>
-                                    </m:sub>
-                                    <m:sup>
-                                      <m:r>
-                                        <a:rPr lang="pt-BR" b="0" i="1" smtClean="0">
-                                          <a:latin typeface="Cambria Math" panose="02040503050406030204" pitchFamily="18" charset="0"/>
-                                        </a:rPr>
-                                        <m:t>𝑀</m:t>
-                                      </m:r>
-                                    </m:sup>
-                                  </m:sSubSup>
-                                </m:e>
-                              </m:d>
-                            </m:e>
-                            <m:e>
-                              <m:r>
-                                <a:rPr lang="pt-BR" b="0" i="1" smtClean="0">
-                                  <a:latin typeface="Cambria Math" panose="02040503050406030204" pitchFamily="18" charset="0"/>
-                                </a:rPr>
-                                <m:t>0</m:t>
-                              </m:r>
-                            </m:e>
-                            <m:e>
-                              <m:m>
-                                <m:mPr>
-                                  <m:mcs>
-                                    <m:mc>
-                                      <m:mcPr>
-                                        <m:count m:val="2"/>
-                                        <m:mcJc m:val="center"/>
-                                      </m:mcPr>
-                                    </m:mc>
-                                  </m:mcs>
-                                  <m:ctrlPr>
-                                    <a:rPr lang="pt-BR" b="0" i="1" smtClean="0">
-                                      <a:latin typeface="Cambria Math" panose="02040503050406030204" pitchFamily="18" charset="0"/>
-                                    </a:rPr>
-                                  </m:ctrlPr>
-                                </m:mPr>
-                                <m:mr>
-                                  <m:e>
-                                    <m:r>
-                                      <m:rPr>
-                                        <m:brk m:alnAt="7"/>
-                                      </m:rPr>
-                                      <a:rPr lang="pt-BR" b="0" i="1" smtClean="0">
-                                        <a:latin typeface="Cambria Math" panose="02040503050406030204" pitchFamily="18" charset="0"/>
-                                      </a:rPr>
-                                      <m:t>⋯</m:t>
-                                    </m:r>
-                                  </m:e>
-                                  <m:e>
-                                    <m:r>
-                                      <a:rPr lang="pt-BR" b="0" i="1" smtClean="0">
-                                        <a:latin typeface="Cambria Math" panose="02040503050406030204" pitchFamily="18" charset="0"/>
-                                      </a:rPr>
-                                      <m:t>0</m:t>
-                                    </m:r>
-                                  </m:e>
-                                </m:mr>
-                              </m:m>
-                            </m:e>
-                          </m:mr>
-                          <m:mr>
-                            <m:e>
-                              <m:r>
-                                <a:rPr lang="pt-BR" b="0" i="1" smtClean="0">
-                                  <a:latin typeface="Cambria Math" panose="02040503050406030204" pitchFamily="18" charset="0"/>
-                                </a:rPr>
-                                <m:t>0</m:t>
-                              </m:r>
-                            </m:e>
-                            <m:e>
-                              <m:sSup>
-                                <m:sSupPr>
-                                  <m:ctrlPr>
-                                    <a:rPr lang="pt-BR" i="1">
-                                      <a:latin typeface="Cambria Math" panose="02040503050406030204" pitchFamily="18" charset="0"/>
-                                    </a:rPr>
-                                  </m:ctrlPr>
-                                </m:sSupPr>
-                                <m:e>
-                                  <m:r>
-                                    <a:rPr lang="pt-BR" i="1">
-                                      <a:latin typeface="Cambria Math" panose="02040503050406030204" pitchFamily="18" charset="0"/>
-                                    </a:rPr>
-                                    <m:t>𝑓</m:t>
-                                  </m:r>
-                                </m:e>
-                                <m:sup>
-                                  <m:r>
-                                    <a:rPr lang="pt-BR" b="0" i="1" smtClean="0">
-                                      <a:latin typeface="Cambria Math" panose="02040503050406030204" pitchFamily="18" charset="0"/>
-                                    </a:rPr>
-                                    <m:t>′</m:t>
-                                  </m:r>
-                                  <m:r>
-                                    <a:rPr lang="pt-BR" i="1">
-                                      <a:latin typeface="Cambria Math" panose="02040503050406030204" pitchFamily="18" charset="0"/>
-                                    </a:rPr>
-                                    <m:t>𝑀</m:t>
-                                  </m:r>
-                                </m:sup>
-                              </m:sSup>
-                              <m:d>
-                                <m:dPr>
-                                  <m:ctrlPr>
-                                    <a:rPr lang="pt-BR" i="1">
-                                      <a:latin typeface="Cambria Math" panose="02040503050406030204" pitchFamily="18" charset="0"/>
-                                    </a:rPr>
-                                  </m:ctrlPr>
-                                </m:dPr>
-                                <m:e>
-                                  <m:sSubSup>
-                                    <m:sSubSupPr>
-                                      <m:ctrlPr>
-                                        <a:rPr lang="pt-BR" i="1">
-                                          <a:latin typeface="Cambria Math" panose="02040503050406030204" pitchFamily="18" charset="0"/>
-                                        </a:rPr>
-                                      </m:ctrlPr>
-                                    </m:sSubSupPr>
-                                    <m:e>
-                                      <m:r>
-                                        <a:rPr lang="pt-BR" i="1">
-                                          <a:latin typeface="Cambria Math" panose="02040503050406030204" pitchFamily="18" charset="0"/>
-                                        </a:rPr>
-                                        <m:t>𝑢</m:t>
-                                      </m:r>
-                                    </m:e>
-                                    <m:sub>
-                                      <m:r>
-                                        <a:rPr lang="pt-BR" b="0" i="1" smtClean="0">
-                                          <a:latin typeface="Cambria Math" panose="02040503050406030204" pitchFamily="18" charset="0"/>
-                                        </a:rPr>
-                                        <m:t>2</m:t>
-                                      </m:r>
-                                    </m:sub>
-                                    <m:sup>
-                                      <m:r>
-                                        <a:rPr lang="pt-BR" i="1">
-                                          <a:latin typeface="Cambria Math" panose="02040503050406030204" pitchFamily="18" charset="0"/>
-                                        </a:rPr>
-                                        <m:t>𝑀</m:t>
-                                      </m:r>
-                                    </m:sup>
-                                  </m:sSubSup>
-                                </m:e>
-                              </m:d>
-                            </m:e>
-                            <m:e>
-                              <m:m>
-                                <m:mPr>
-                                  <m:mcs>
-                                    <m:mc>
-                                      <m:mcPr>
-                                        <m:count m:val="2"/>
-                                        <m:mcJc m:val="center"/>
-                                      </m:mcPr>
-                                    </m:mc>
-                                  </m:mcs>
-                                  <m:ctrlPr>
-                                    <a:rPr lang="pt-BR" b="0" i="1" smtClean="0">
-                                      <a:latin typeface="Cambria Math" panose="02040503050406030204" pitchFamily="18" charset="0"/>
-                                    </a:rPr>
-                                  </m:ctrlPr>
-                                </m:mPr>
-                                <m:mr>
-                                  <m:e>
-                                    <m:r>
-                                      <m:rPr>
-                                        <m:brk m:alnAt="7"/>
-                                      </m:rPr>
-                                      <a:rPr lang="pt-BR" b="0" i="1" smtClean="0">
-                                        <a:latin typeface="Cambria Math" panose="02040503050406030204" pitchFamily="18" charset="0"/>
-                                      </a:rPr>
-                                      <m:t>⋯</m:t>
-                                    </m:r>
-                                  </m:e>
-                                  <m:e>
-                                    <m:r>
-                                      <a:rPr lang="pt-BR" b="0" i="1" smtClean="0">
-                                        <a:latin typeface="Cambria Math" panose="02040503050406030204" pitchFamily="18" charset="0"/>
-                                      </a:rPr>
-                                      <m:t>0</m:t>
-                                    </m:r>
-                                  </m:e>
-                                </m:mr>
-                              </m:m>
-                            </m:e>
-                          </m:mr>
-                          <m:mr>
-                            <m:e>
-                              <m:m>
-                                <m:mPr>
-                                  <m:mcs>
-                                    <m:mc>
-                                      <m:mcPr>
-                                        <m:count m:val="1"/>
-                                        <m:mcJc m:val="center"/>
-                                      </m:mcPr>
-                                    </m:mc>
-                                  </m:mcs>
-                                  <m:ctrlPr>
-                                    <a:rPr lang="pt-BR" b="0" i="1" smtClean="0">
-                                      <a:latin typeface="Cambria Math" panose="02040503050406030204" pitchFamily="18" charset="0"/>
-                                    </a:rPr>
-                                  </m:ctrlPr>
-                                </m:mPr>
-                                <m:mr>
-                                  <m:e>
-                                    <m:r>
-                                      <m:rPr>
-                                        <m:brk m:alnAt="7"/>
-                                      </m:rPr>
-                                      <a:rPr lang="pt-BR" b="0" i="1" smtClean="0">
-                                        <a:latin typeface="Cambria Math" panose="02040503050406030204" pitchFamily="18" charset="0"/>
-                                      </a:rPr>
-                                      <m:t>⋮</m:t>
-                                    </m:r>
-                                  </m:e>
-                                </m:mr>
-                                <m:mr>
-                                  <m:e>
-                                    <m:r>
-                                      <a:rPr lang="pt-BR" b="0" i="1" smtClean="0">
-                                        <a:latin typeface="Cambria Math" panose="02040503050406030204" pitchFamily="18" charset="0"/>
-                                      </a:rPr>
-                                      <m:t>0</m:t>
-                                    </m:r>
-                                  </m:e>
-                                </m:mr>
-                              </m:m>
-                            </m:e>
-                            <m:e>
-                              <m:m>
-                                <m:mPr>
-                                  <m:mcs>
-                                    <m:mc>
-                                      <m:mcPr>
-                                        <m:count m:val="1"/>
-                                        <m:mcJc m:val="center"/>
-                                      </m:mcPr>
-                                    </m:mc>
-                                  </m:mcs>
-                                  <m:ctrlPr>
-                                    <a:rPr lang="pt-BR" b="0" i="1" smtClean="0">
-                                      <a:latin typeface="Cambria Math" panose="02040503050406030204" pitchFamily="18" charset="0"/>
-                                    </a:rPr>
-                                  </m:ctrlPr>
-                                </m:mPr>
-                                <m:mr>
-                                  <m:e>
-                                    <m:r>
-                                      <m:rPr>
-                                        <m:brk m:alnAt="7"/>
-                                      </m:rPr>
-                                      <a:rPr lang="pt-BR" b="0" i="1" smtClean="0">
-                                        <a:latin typeface="Cambria Math" panose="02040503050406030204" pitchFamily="18" charset="0"/>
-                                      </a:rPr>
-                                      <m:t>⋮</m:t>
-                                    </m:r>
-                                  </m:e>
-                                </m:mr>
-                                <m:mr>
-                                  <m:e>
-                                    <m:r>
-                                      <a:rPr lang="pt-BR" b="0" i="1" smtClean="0">
-                                        <a:latin typeface="Cambria Math" panose="02040503050406030204" pitchFamily="18" charset="0"/>
-                                      </a:rPr>
-                                      <m:t>0</m:t>
-                                    </m:r>
-                                  </m:e>
-                                </m:mr>
-                              </m:m>
-                            </m:e>
-                            <m:e>
-                              <m:m>
-                                <m:mPr>
-                                  <m:mcs>
-                                    <m:mc>
-                                      <m:mcPr>
-                                        <m:count m:val="1"/>
-                                        <m:mcJc m:val="center"/>
-                                      </m:mcPr>
-                                    </m:mc>
-                                  </m:mcs>
-                                  <m:ctrlPr>
-                                    <a:rPr lang="pt-BR" b="0" i="1" smtClean="0">
-                                      <a:latin typeface="Cambria Math" panose="02040503050406030204" pitchFamily="18" charset="0"/>
-                                    </a:rPr>
-                                  </m:ctrlPr>
-                                </m:mPr>
-                                <m:mr>
-                                  <m:e>
-                                    <m:m>
-                                      <m:mPr>
-                                        <m:mcs>
-                                          <m:mc>
-                                            <m:mcPr>
-                                              <m:count m:val="2"/>
-                                              <m:mcJc m:val="center"/>
-                                            </m:mcPr>
-                                          </m:mc>
-                                        </m:mcs>
-                                        <m:ctrlPr>
-                                          <a:rPr lang="pt-BR" b="0" i="1" smtClean="0">
-                                            <a:latin typeface="Cambria Math" panose="02040503050406030204" pitchFamily="18" charset="0"/>
-                                          </a:rPr>
-                                        </m:ctrlPr>
-                                      </m:mPr>
-                                      <m:mr>
-                                        <m:e>
-                                          <m:r>
-                                            <m:rPr>
-                                              <m:brk m:alnAt="7"/>
-                                            </m:rPr>
-                                            <a:rPr lang="pt-BR" b="0" i="1" smtClean="0">
-                                              <a:latin typeface="Cambria Math" panose="02040503050406030204" pitchFamily="18" charset="0"/>
-                                            </a:rPr>
-                                            <m:t>⋱</m:t>
-                                          </m:r>
-                                        </m:e>
-                                        <m:e>
-                                          <m:r>
-                                            <a:rPr lang="pt-BR" b="0" i="1" smtClean="0">
-                                              <a:latin typeface="Cambria Math" panose="02040503050406030204" pitchFamily="18" charset="0"/>
-                                            </a:rPr>
-                                            <m:t>⋮</m:t>
-                                          </m:r>
-                                        </m:e>
-                                      </m:mr>
-                                    </m:m>
-                                  </m:e>
-                                </m:mr>
-                                <m:mr>
-                                  <m:e>
-                                    <m:m>
-                                      <m:mPr>
-                                        <m:mcs>
-                                          <m:mc>
-                                            <m:mcPr>
-                                              <m:count m:val="2"/>
-                                              <m:mcJc m:val="center"/>
-                                            </m:mcPr>
-                                          </m:mc>
-                                        </m:mcs>
-                                        <m:ctrlPr>
-                                          <a:rPr lang="pt-BR" b="0" i="1" smtClean="0">
-                                            <a:latin typeface="Cambria Math" panose="02040503050406030204" pitchFamily="18" charset="0"/>
-                                          </a:rPr>
-                                        </m:ctrlPr>
-                                      </m:mPr>
-                                      <m:mr>
-                                        <m:e>
-                                          <m:r>
-                                            <m:rPr>
-                                              <m:brk m:alnAt="7"/>
-                                            </m:rPr>
-                                            <a:rPr lang="pt-BR" b="0" i="1" smtClean="0">
-                                              <a:latin typeface="Cambria Math" panose="02040503050406030204" pitchFamily="18" charset="0"/>
-                                            </a:rPr>
-                                            <m:t> </m:t>
-                                          </m:r>
-                                          <m:r>
-                                            <a:rPr lang="pt-BR" b="0" i="1" smtClean="0">
-                                              <a:latin typeface="Cambria Math" panose="02040503050406030204" pitchFamily="18" charset="0"/>
-                                            </a:rPr>
-                                            <m:t>               ⋯</m:t>
-                                          </m:r>
-                                        </m:e>
-                                        <m:e>
-                                          <m:sSup>
-                                            <m:sSupPr>
-                                              <m:ctrlPr>
-                                                <a:rPr lang="pt-BR" i="1">
-                                                  <a:latin typeface="Cambria Math" panose="02040503050406030204" pitchFamily="18" charset="0"/>
-                                                </a:rPr>
-                                              </m:ctrlPr>
-                                            </m:sSupPr>
-                                            <m:e>
-                                              <m:r>
-                                                <a:rPr lang="pt-BR" i="1">
-                                                  <a:latin typeface="Cambria Math" panose="02040503050406030204" pitchFamily="18" charset="0"/>
-                                                </a:rPr>
-                                                <m:t>𝑓</m:t>
-                                              </m:r>
-                                            </m:e>
-                                            <m:sup>
-                                              <m:r>
-                                                <a:rPr lang="pt-BR" b="0" i="1" smtClean="0">
-                                                  <a:latin typeface="Cambria Math" panose="02040503050406030204" pitchFamily="18" charset="0"/>
-                                                </a:rPr>
-                                                <m:t>′</m:t>
-                                              </m:r>
-                                              <m:r>
-                                                <a:rPr lang="pt-BR" i="1">
-                                                  <a:latin typeface="Cambria Math" panose="02040503050406030204" pitchFamily="18" charset="0"/>
-                                                </a:rPr>
-                                                <m:t>𝑀</m:t>
-                                              </m:r>
-                                            </m:sup>
-                                          </m:sSup>
-                                          <m:d>
-                                            <m:dPr>
-                                              <m:ctrlPr>
-                                                <a:rPr lang="pt-BR" i="1">
-                                                  <a:latin typeface="Cambria Math" panose="02040503050406030204" pitchFamily="18" charset="0"/>
-                                                </a:rPr>
-                                              </m:ctrlPr>
-                                            </m:dPr>
-                                            <m:e>
-                                              <m:sSubSup>
-                                                <m:sSubSupPr>
-                                                  <m:ctrlPr>
-                                                    <a:rPr lang="pt-BR" i="1">
-                                                      <a:latin typeface="Cambria Math" panose="02040503050406030204" pitchFamily="18" charset="0"/>
-                                                    </a:rPr>
-                                                  </m:ctrlPr>
-                                                </m:sSubSupPr>
-                                                <m:e>
-                                                  <m:r>
-                                                    <a:rPr lang="pt-BR" i="1">
-                                                      <a:latin typeface="Cambria Math" panose="02040503050406030204" pitchFamily="18" charset="0"/>
-                                                    </a:rPr>
-                                                    <m:t>𝑢</m:t>
-                                                  </m:r>
-                                                </m:e>
-                                                <m:sub>
-                                                  <m:sSub>
-                                                    <m:sSubPr>
-                                                      <m:ctrlPr>
-                                                        <a:rPr lang="pt-BR" i="1">
-                                                          <a:latin typeface="Cambria Math" panose="02040503050406030204" pitchFamily="18" charset="0"/>
-                                                        </a:rPr>
-                                                      </m:ctrlPr>
-                                                    </m:sSubPr>
-                                                    <m:e>
-                                                      <m:r>
-                                                        <a:rPr lang="pt-BR" i="1">
-                                                          <a:latin typeface="Cambria Math" panose="02040503050406030204" pitchFamily="18" charset="0"/>
-                                                        </a:rPr>
-                                                        <m:t>𝑁</m:t>
-                                                      </m:r>
-                                                    </m:e>
-                                                    <m:sub>
-                                                      <m:r>
-                                                        <a:rPr lang="pt-BR" i="1">
-                                                          <a:latin typeface="Cambria Math" panose="02040503050406030204" pitchFamily="18" charset="0"/>
-                                                        </a:rPr>
-                                                        <m:t>𝑀</m:t>
-                                                      </m:r>
-                                                    </m:sub>
-                                                  </m:sSub>
-                                                </m:sub>
-                                                <m:sup>
-                                                  <m:r>
-                                                    <a:rPr lang="pt-BR" i="1">
-                                                      <a:latin typeface="Cambria Math" panose="02040503050406030204" pitchFamily="18" charset="0"/>
-                                                    </a:rPr>
-                                                    <m:t>𝑀</m:t>
-                                                  </m:r>
-                                                </m:sup>
-                                              </m:sSubSup>
-                                            </m:e>
-                                          </m:d>
-                                        </m:e>
-                                      </m:mr>
-                                    </m:m>
-                                  </m:e>
-                                </m:mr>
-                              </m:m>
-                            </m:e>
-                          </m:mr>
-                        </m:m>
-                      </m:e>
-                    </m:d>
                   </m:oMath>
                 </a14:m>
                 <a:r>
-                  <a:rPr lang="pt-BR" dirty="0"/>
-                  <a:t>.</a:t>
-                </a:r>
+                  <a:rPr lang="pt-BR" dirty="0" smtClean="0"/>
+                  <a:t> com os valores esperados e de saída da rede neural, respectivamente.</a:t>
+                </a:r>
+                <a:endParaRPr lang="pt-BR" dirty="0"/>
               </a:p>
               <a:p>
                 <a:r>
@@ -19143,7 +19470,7 @@
               <a:blipFill rotWithShape="0">
                 <a:blip r:embed="rId2"/>
                 <a:stretch>
-                  <a:fillRect l="-1088" t="-1937" r="-1360"/>
+                  <a:fillRect l="-925" t="-2421" r="-272"/>
                 </a:stretch>
               </a:blipFill>
             </p:spPr>
@@ -19215,8 +19542,8 @@
           </a:p>
         </p:txBody>
       </p:sp>
-      <mc:AlternateContent xmlns:mc="http://schemas.openxmlformats.org/markup-compatibility/2006" xmlns:a14="http://schemas.microsoft.com/office/drawing/2010/main">
-        <mc:Choice Requires="a14">
+      <mc:AlternateContent xmlns:mc="http://schemas.openxmlformats.org/markup-compatibility/2006">
+        <mc:Choice xmlns:a14="http://schemas.microsoft.com/office/drawing/2010/main" Requires="a14">
           <p:sp>
             <p:nvSpPr>
               <p:cNvPr id="3" name="Content Placeholder 2"/>
@@ -19303,6 +19630,23 @@
                                       </a:rPr>
                                       <m:t>𝐽</m:t>
                                     </m:r>
+                                    <m:d>
+                                      <m:dPr>
+                                        <m:ctrlPr>
+                                          <a:rPr lang="pt-BR" i="1">
+                                            <a:latin typeface="Cambria Math" panose="02040503050406030204" pitchFamily="18" charset="0"/>
+                                          </a:rPr>
+                                        </m:ctrlPr>
+                                      </m:dPr>
+                                      <m:e>
+                                        <m:r>
+                                          <a:rPr lang="pt-BR" b="1" i="1">
+                                            <a:latin typeface="Cambria Math" panose="02040503050406030204" pitchFamily="18" charset="0"/>
+                                          </a:rPr>
+                                          <m:t>𝒘</m:t>
+                                        </m:r>
+                                      </m:e>
+                                    </m:d>
                                   </m:num>
                                   <m:den>
                                     <m:r>
@@ -19389,6 +19733,23 @@
                                             </a:rPr>
                                             <m:t>𝐽</m:t>
                                           </m:r>
+                                          <m:d>
+                                            <m:dPr>
+                                              <m:ctrlPr>
+                                                <a:rPr lang="pt-BR" i="1">
+                                                  <a:latin typeface="Cambria Math" panose="02040503050406030204" pitchFamily="18" charset="0"/>
+                                                </a:rPr>
+                                              </m:ctrlPr>
+                                            </m:dPr>
+                                            <m:e>
+                                              <m:r>
+                                                <a:rPr lang="pt-BR" b="1" i="1">
+                                                  <a:latin typeface="Cambria Math" panose="02040503050406030204" pitchFamily="18" charset="0"/>
+                                                </a:rPr>
+                                                <m:t>𝒘</m:t>
+                                              </m:r>
+                                            </m:e>
+                                          </m:d>
                                         </m:num>
                                         <m:den>
                                           <m:r>
@@ -19457,6 +19818,23 @@
                                             </a:rPr>
                                             <m:t>𝐽</m:t>
                                           </m:r>
+                                          <m:d>
+                                            <m:dPr>
+                                              <m:ctrlPr>
+                                                <a:rPr lang="pt-BR" i="1">
+                                                  <a:latin typeface="Cambria Math" panose="02040503050406030204" pitchFamily="18" charset="0"/>
+                                                </a:rPr>
+                                              </m:ctrlPr>
+                                            </m:dPr>
+                                            <m:e>
+                                              <m:r>
+                                                <a:rPr lang="pt-BR" b="1" i="1">
+                                                  <a:latin typeface="Cambria Math" panose="02040503050406030204" pitchFamily="18" charset="0"/>
+                                                </a:rPr>
+                                                <m:t>𝒘</m:t>
+                                              </m:r>
+                                            </m:e>
+                                          </m:d>
                                         </m:num>
                                         <m:den>
                                           <m:r>
@@ -19532,7 +19910,7 @@
             </p:txBody>
           </p:sp>
         </mc:Choice>
-        <mc:Fallback xmlns="">
+        <mc:Fallback>
           <p:sp>
             <p:nvSpPr>
               <p:cNvPr id="3" name="Content Placeholder 2"/>
@@ -19629,8 +20007,8 @@
           </a:p>
         </p:txBody>
       </p:sp>
-      <mc:AlternateContent xmlns:mc="http://schemas.openxmlformats.org/markup-compatibility/2006" xmlns:a14="http://schemas.microsoft.com/office/drawing/2010/main">
-        <mc:Choice Requires="a14">
+      <mc:AlternateContent xmlns:mc="http://schemas.openxmlformats.org/markup-compatibility/2006">
+        <mc:Choice xmlns:a14="http://schemas.microsoft.com/office/drawing/2010/main" Requires="a14">
           <p:sp>
             <p:nvSpPr>
               <p:cNvPr id="3" name="Content Placeholder 2"/>
@@ -19671,7 +20049,15 @@
                 </a:r>
                 <a:r>
                   <a:rPr lang="pt-BR" dirty="0" smtClean="0"/>
-                  <a:t>saída com um nó, portanto </a:t>
+                  <a:t>saída com um </a:t>
+                </a:r>
+                <a:r>
+                  <a:rPr lang="pt-BR" dirty="0" smtClean="0"/>
+                  <a:t>único nó</a:t>
+                </a:r>
+                <a:r>
+                  <a:rPr lang="pt-BR" dirty="0" smtClean="0"/>
+                  <a:t>, portanto </a:t>
                 </a:r>
                 <a14:m>
                   <m:oMath xmlns:m="http://schemas.openxmlformats.org/officeDocument/2006/math">
@@ -19767,8 +20153,12 @@
                   <a:t>apenas um </a:t>
                 </a:r>
                 <a:r>
+                  <a:rPr lang="pt-BR" b="1" i="1" dirty="0"/>
+                  <a:t>nó</a:t>
+                </a:r>
+                <a:r>
                   <a:rPr lang="pt-BR" b="1" dirty="0"/>
-                  <a:t>nó </a:t>
+                  <a:t> </a:t>
                 </a:r>
                 <a:r>
                   <a:rPr lang="pt-BR" dirty="0"/>
@@ -19944,7 +20334,7 @@
             </p:txBody>
           </p:sp>
         </mc:Choice>
-        <mc:Fallback xmlns="">
+        <mc:Fallback>
           <p:sp>
             <p:nvSpPr>
               <p:cNvPr id="3" name="Content Placeholder 2"/>
@@ -21336,8 +21726,8 @@
           </a:p>
         </p:txBody>
       </p:sp>
-      <mc:AlternateContent xmlns:mc="http://schemas.openxmlformats.org/markup-compatibility/2006" xmlns:a14="http://schemas.microsoft.com/office/drawing/2010/main">
-        <mc:Choice Requires="a14">
+      <mc:AlternateContent xmlns:mc="http://schemas.openxmlformats.org/markup-compatibility/2006">
+        <mc:Choice xmlns:a14="http://schemas.microsoft.com/office/drawing/2010/main" Requires="a14">
           <p:sp>
             <p:nvSpPr>
               <p:cNvPr id="3" name="Content Placeholder 2"/>
@@ -21697,11 +22087,15 @@
               <a:p>
                 <a:r>
                   <a:rPr lang="pt-BR" dirty="0" smtClean="0"/>
-                  <a:t>Agora, para calcularmos </a:t>
+                  <a:t>Agora, para </a:t>
+                </a:r>
+                <a:r>
+                  <a:rPr lang="pt-BR" dirty="0" smtClean="0"/>
+                  <a:t>obtermos o vetor </a:t>
                 </a:r>
                 <a:r>
                   <a:rPr lang="pt-BR" dirty="0"/>
-                  <a:t>o gradiente, </a:t>
+                  <a:t>gradiente, </a:t>
                 </a:r>
                 <a:r>
                   <a:rPr lang="pt-BR" dirty="0" smtClean="0"/>
@@ -21845,6 +22239,23 @@
                                       </a:rPr>
                                       <m:t>𝐽</m:t>
                                     </m:r>
+                                    <m:d>
+                                      <m:dPr>
+                                        <m:ctrlPr>
+                                          <a:rPr lang="pt-BR" i="1">
+                                            <a:latin typeface="Cambria Math" panose="02040503050406030204" pitchFamily="18" charset="0"/>
+                                          </a:rPr>
+                                        </m:ctrlPr>
+                                      </m:dPr>
+                                      <m:e>
+                                        <m:r>
+                                          <a:rPr lang="pt-BR" b="1" i="1">
+                                            <a:latin typeface="Cambria Math" panose="02040503050406030204" pitchFamily="18" charset="0"/>
+                                          </a:rPr>
+                                          <m:t>𝒘</m:t>
+                                        </m:r>
+                                      </m:e>
+                                    </m:d>
                                   </m:num>
                                   <m:den>
                                     <m:r>
@@ -21931,6 +22342,23 @@
                                             </a:rPr>
                                             <m:t>𝐽</m:t>
                                           </m:r>
+                                          <m:d>
+                                            <m:dPr>
+                                              <m:ctrlPr>
+                                                <a:rPr lang="pt-BR" i="1">
+                                                  <a:latin typeface="Cambria Math" panose="02040503050406030204" pitchFamily="18" charset="0"/>
+                                                </a:rPr>
+                                              </m:ctrlPr>
+                                            </m:dPr>
+                                            <m:e>
+                                              <m:r>
+                                                <a:rPr lang="pt-BR" b="1" i="1">
+                                                  <a:latin typeface="Cambria Math" panose="02040503050406030204" pitchFamily="18" charset="0"/>
+                                                </a:rPr>
+                                                <m:t>𝒘</m:t>
+                                              </m:r>
+                                            </m:e>
+                                          </m:d>
                                         </m:num>
                                         <m:den>
                                           <m:r>
@@ -22005,6 +22433,23 @@
                                             </a:rPr>
                                             <m:t>𝐽</m:t>
                                           </m:r>
+                                          <m:d>
+                                            <m:dPr>
+                                              <m:ctrlPr>
+                                                <a:rPr lang="pt-BR" i="1">
+                                                  <a:latin typeface="Cambria Math" panose="02040503050406030204" pitchFamily="18" charset="0"/>
+                                                </a:rPr>
+                                              </m:ctrlPr>
+                                            </m:dPr>
+                                            <m:e>
+                                              <m:r>
+                                                <a:rPr lang="pt-BR" b="1" i="1">
+                                                  <a:latin typeface="Cambria Math" panose="02040503050406030204" pitchFamily="18" charset="0"/>
+                                                </a:rPr>
+                                                <m:t>𝒘</m:t>
+                                              </m:r>
+                                            </m:e>
+                                          </m:d>
                                         </m:num>
                                         <m:den>
                                           <m:r>
@@ -22426,7 +22871,7 @@
             </p:txBody>
           </p:sp>
         </mc:Choice>
-        <mc:Fallback xmlns="">
+        <mc:Fallback>
           <p:sp>
             <p:nvSpPr>
               <p:cNvPr id="3" name="Content Placeholder 2"/>
@@ -22598,8 +23043,1761 @@
           </a:p>
         </p:txBody>
       </p:sp>
-      <mc:AlternateContent xmlns:mc="http://schemas.openxmlformats.org/markup-compatibility/2006" xmlns:a14="http://schemas.microsoft.com/office/drawing/2010/main">
-        <mc:Choice Requires="a14">
+      <mc:AlternateContent xmlns:mc="http://schemas.openxmlformats.org/markup-compatibility/2006">
+        <mc:Choice xmlns:a14="http://schemas.microsoft.com/office/drawing/2010/main" Requires="a14">
+          <p:sp>
+            <p:nvSpPr>
+              <p:cNvPr id="3" name="Content Placeholder 2"/>
+              <p:cNvSpPr>
+                <a:spLocks noGrp="1"/>
+              </p:cNvSpPr>
+              <p:nvPr>
+                <p:ph idx="1"/>
+              </p:nvPr>
+            </p:nvSpPr>
+            <p:spPr>
+              <a:xfrm>
+                <a:off x="838200" y="1825624"/>
+                <a:ext cx="7520609" cy="5032376"/>
+              </a:xfrm>
+            </p:spPr>
+            <p:txBody>
+              <a:bodyPr>
+                <a:normAutofit/>
+              </a:bodyPr>
+              <a:lstStyle/>
+              <a:p>
+                <a:r>
+                  <a:rPr lang="pt-BR" dirty="0" smtClean="0"/>
+                  <a:t>Se fôssemos calcular as derivadas aplicando a regra da cadeia diretamente, elas seriam calculadas como mostrado abaixo.</a:t>
+                </a:r>
+                <a:endParaRPr lang="pt-BR" i="1" dirty="0" smtClean="0">
+                  <a:latin typeface="Cambria Math" panose="02040503050406030204" pitchFamily="18" charset="0"/>
+                </a:endParaRPr>
+              </a:p>
+              <a:p>
+                <a:pPr marL="0" indent="0">
+                  <a:buNone/>
+                </a:pPr>
+                <a14:m>
+                  <m:oMathPara xmlns:m="http://schemas.openxmlformats.org/officeDocument/2006/math">
+                    <m:oMathParaPr>
+                      <m:jc m:val="centerGroup"/>
+                    </m:oMathParaPr>
+                    <m:oMath xmlns:m="http://schemas.openxmlformats.org/officeDocument/2006/math">
+                      <m:f>
+                        <m:fPr>
+                          <m:ctrlPr>
+                            <a:rPr lang="pt-BR" sz="2200" i="1" smtClean="0">
+                              <a:latin typeface="Cambria Math" panose="02040503050406030204" pitchFamily="18" charset="0"/>
+                            </a:rPr>
+                          </m:ctrlPr>
+                        </m:fPr>
+                        <m:num>
+                          <m:r>
+                            <a:rPr lang="pt-BR" sz="2200" i="1">
+                              <a:latin typeface="Cambria Math" panose="02040503050406030204" pitchFamily="18" charset="0"/>
+                            </a:rPr>
+                            <m:t>𝜕</m:t>
+                          </m:r>
+                          <m:r>
+                            <a:rPr lang="pt-BR" sz="2200" i="1">
+                              <a:latin typeface="Cambria Math" panose="02040503050406030204" pitchFamily="18" charset="0"/>
+                            </a:rPr>
+                            <m:t>𝐽</m:t>
+                          </m:r>
+                          <m:d>
+                            <m:dPr>
+                              <m:ctrlPr>
+                                <a:rPr lang="pt-BR" sz="2200" i="1">
+                                  <a:latin typeface="Cambria Math" panose="02040503050406030204" pitchFamily="18" charset="0"/>
+                                </a:rPr>
+                              </m:ctrlPr>
+                            </m:dPr>
+                            <m:e>
+                              <m:r>
+                                <a:rPr lang="pt-BR" sz="2200" b="1" i="1">
+                                  <a:latin typeface="Cambria Math" panose="02040503050406030204" pitchFamily="18" charset="0"/>
+                                </a:rPr>
+                                <m:t>𝒘</m:t>
+                              </m:r>
+                            </m:e>
+                          </m:d>
+                        </m:num>
+                        <m:den>
+                          <m:r>
+                            <a:rPr lang="pt-BR" sz="2200" i="1">
+                              <a:latin typeface="Cambria Math" panose="02040503050406030204" pitchFamily="18" charset="0"/>
+                            </a:rPr>
+                            <m:t>𝜕</m:t>
+                          </m:r>
+                          <m:sSubSup>
+                            <m:sSubSupPr>
+                              <m:ctrlPr>
+                                <a:rPr lang="pt-BR" sz="2200" i="1">
+                                  <a:latin typeface="Cambria Math" panose="02040503050406030204" pitchFamily="18" charset="0"/>
+                                </a:rPr>
+                              </m:ctrlPr>
+                            </m:sSubSupPr>
+                            <m:e>
+                              <m:r>
+                                <a:rPr lang="pt-BR" sz="2200" i="1">
+                                  <a:latin typeface="Cambria Math" panose="02040503050406030204" pitchFamily="18" charset="0"/>
+                                </a:rPr>
+                                <m:t>𝑤</m:t>
+                              </m:r>
+                            </m:e>
+                            <m:sub>
+                              <m:r>
+                                <a:rPr lang="pt-BR" sz="2200" i="1">
+                                  <a:latin typeface="Cambria Math" panose="02040503050406030204" pitchFamily="18" charset="0"/>
+                                </a:rPr>
+                                <m:t>1,1</m:t>
+                              </m:r>
+                            </m:sub>
+                            <m:sup>
+                              <m:r>
+                                <a:rPr lang="pt-BR" sz="2200" i="1">
+                                  <a:latin typeface="Cambria Math" panose="02040503050406030204" pitchFamily="18" charset="0"/>
+                                </a:rPr>
+                                <m:t>1</m:t>
+                              </m:r>
+                            </m:sup>
+                          </m:sSubSup>
+                        </m:den>
+                      </m:f>
+                      <m:r>
+                        <a:rPr lang="pt-BR" sz="2200" i="1">
+                          <a:latin typeface="Cambria Math" panose="02040503050406030204" pitchFamily="18" charset="0"/>
+                        </a:rPr>
+                        <m:t>=</m:t>
+                      </m:r>
+                      <m:r>
+                        <a:rPr lang="pt-BR" sz="2200" i="1">
+                          <a:latin typeface="Cambria Math" panose="02040503050406030204" pitchFamily="18" charset="0"/>
+                        </a:rPr>
+                        <m:t> </m:t>
+                      </m:r>
+                      <m:limLow>
+                        <m:limLowPr>
+                          <m:ctrlPr>
+                            <a:rPr lang="pt-BR" sz="2200" i="1" smtClean="0">
+                              <a:latin typeface="Cambria Math" panose="02040503050406030204" pitchFamily="18" charset="0"/>
+                            </a:rPr>
+                          </m:ctrlPr>
+                        </m:limLowPr>
+                        <m:e>
+                          <m:groupChr>
+                            <m:groupChrPr>
+                              <m:chr m:val="⏟"/>
+                              <m:ctrlPr>
+                                <a:rPr lang="pt-BR" sz="2200" i="1" smtClean="0">
+                                  <a:latin typeface="Cambria Math" panose="02040503050406030204" pitchFamily="18" charset="0"/>
+                                </a:rPr>
+                              </m:ctrlPr>
+                            </m:groupChrPr>
+                            <m:e>
+                              <m:m>
+                                <m:mPr>
+                                  <m:mcs>
+                                    <m:mc>
+                                      <m:mcPr>
+                                        <m:count m:val="2"/>
+                                        <m:mcJc m:val="center"/>
+                                      </m:mcPr>
+                                    </m:mc>
+                                  </m:mcs>
+                                  <m:ctrlPr>
+                                    <a:rPr lang="pt-BR" sz="2200" i="1" smtClean="0">
+                                      <a:latin typeface="Cambria Math" panose="02040503050406030204" pitchFamily="18" charset="0"/>
+                                    </a:rPr>
+                                  </m:ctrlPr>
+                                </m:mPr>
+                                <m:mr>
+                                  <m:e>
+                                    <m:limLow>
+                                      <m:limLowPr>
+                                        <m:ctrlPr>
+                                          <a:rPr lang="pt-BR" sz="2200" i="1">
+                                            <a:latin typeface="Cambria Math" panose="02040503050406030204" pitchFamily="18" charset="0"/>
+                                          </a:rPr>
+                                        </m:ctrlPr>
+                                      </m:limLowPr>
+                                      <m:e>
+                                        <m:groupChr>
+                                          <m:groupChrPr>
+                                            <m:chr m:val="⏟"/>
+                                            <m:ctrlPr>
+                                              <a:rPr lang="pt-BR" sz="2200" i="1">
+                                                <a:latin typeface="Cambria Math" panose="02040503050406030204" pitchFamily="18" charset="0"/>
+                                              </a:rPr>
+                                            </m:ctrlPr>
+                                          </m:groupChrPr>
+                                          <m:e>
+                                            <m:f>
+                                              <m:fPr>
+                                                <m:ctrlPr>
+                                                  <a:rPr lang="pt-BR" sz="2200" i="1">
+                                                    <a:latin typeface="Cambria Math" panose="02040503050406030204" pitchFamily="18" charset="0"/>
+                                                  </a:rPr>
+                                                </m:ctrlPr>
+                                              </m:fPr>
+                                              <m:num>
+                                                <m:r>
+                                                  <a:rPr lang="pt-BR" sz="2200" i="1">
+                                                    <a:latin typeface="Cambria Math" panose="02040503050406030204" pitchFamily="18" charset="0"/>
+                                                  </a:rPr>
+                                                  <m:t>𝜕</m:t>
+                                                </m:r>
+                                                <m:sSup>
+                                                  <m:sSupPr>
+                                                    <m:ctrlPr>
+                                                      <a:rPr lang="pt-BR" sz="2200" i="1">
+                                                        <a:latin typeface="Cambria Math" panose="02040503050406030204" pitchFamily="18" charset="0"/>
+                                                      </a:rPr>
+                                                    </m:ctrlPr>
+                                                  </m:sSupPr>
+                                                  <m:e>
+                                                    <m:d>
+                                                      <m:dPr>
+                                                        <m:ctrlPr>
+                                                          <a:rPr lang="pt-BR" sz="2200" i="1">
+                                                            <a:latin typeface="Cambria Math" panose="02040503050406030204" pitchFamily="18" charset="0"/>
+                                                          </a:rPr>
+                                                        </m:ctrlPr>
+                                                      </m:dPr>
+                                                      <m:e>
+                                                        <m:r>
+                                                          <a:rPr lang="pt-BR" sz="2200" i="1">
+                                                            <a:latin typeface="Cambria Math" panose="02040503050406030204" pitchFamily="18" charset="0"/>
+                                                          </a:rPr>
+                                                          <m:t>𝑑</m:t>
+                                                        </m:r>
+                                                        <m:r>
+                                                          <a:rPr lang="pt-BR" sz="2200" i="1">
+                                                            <a:latin typeface="Cambria Math" panose="02040503050406030204" pitchFamily="18" charset="0"/>
+                                                          </a:rPr>
+                                                          <m:t>−</m:t>
+                                                        </m:r>
+                                                        <m:sSup>
+                                                          <m:sSupPr>
+                                                            <m:ctrlPr>
+                                                              <a:rPr lang="pt-BR" sz="2200" i="1">
+                                                                <a:latin typeface="Cambria Math" panose="02040503050406030204" pitchFamily="18" charset="0"/>
+                                                              </a:rPr>
+                                                            </m:ctrlPr>
+                                                          </m:sSupPr>
+                                                          <m:e>
+                                                            <m:r>
+                                                              <a:rPr lang="pt-BR" sz="2200" i="1">
+                                                                <a:latin typeface="Cambria Math" panose="02040503050406030204" pitchFamily="18" charset="0"/>
+                                                              </a:rPr>
+                                                              <m:t>𝑓</m:t>
+                                                            </m:r>
+                                                          </m:e>
+                                                          <m:sup>
+                                                            <m:r>
+                                                              <a:rPr lang="pt-BR" sz="2200" i="1">
+                                                                <a:latin typeface="Cambria Math" panose="02040503050406030204" pitchFamily="18" charset="0"/>
+                                                              </a:rPr>
+                                                              <m:t>2</m:t>
+                                                            </m:r>
+                                                          </m:sup>
+                                                        </m:sSup>
+                                                        <m:d>
+                                                          <m:dPr>
+                                                            <m:ctrlPr>
+                                                              <a:rPr lang="pt-BR" sz="2200" i="1">
+                                                                <a:latin typeface="Cambria Math" panose="02040503050406030204" pitchFamily="18" charset="0"/>
+                                                              </a:rPr>
+                                                            </m:ctrlPr>
+                                                          </m:dPr>
+                                                          <m:e>
+                                                            <m:sSubSup>
+                                                              <m:sSubSupPr>
+                                                                <m:ctrlPr>
+                                                                  <a:rPr lang="pt-BR" sz="2200" i="1">
+                                                                    <a:latin typeface="Cambria Math" panose="02040503050406030204" pitchFamily="18" charset="0"/>
+                                                                  </a:rPr>
+                                                                </m:ctrlPr>
+                                                              </m:sSubSupPr>
+                                                              <m:e>
+                                                                <m:r>
+                                                                  <a:rPr lang="pt-BR" sz="2200" i="1">
+                                                                    <a:latin typeface="Cambria Math" panose="02040503050406030204" pitchFamily="18" charset="0"/>
+                                                                  </a:rPr>
+                                                                  <m:t>𝑢</m:t>
+                                                                </m:r>
+                                                              </m:e>
+                                                              <m:sub>
+                                                                <m:r>
+                                                                  <a:rPr lang="pt-BR" sz="2200" i="1">
+                                                                    <a:latin typeface="Cambria Math" panose="02040503050406030204" pitchFamily="18" charset="0"/>
+                                                                  </a:rPr>
+                                                                  <m:t>1</m:t>
+                                                                </m:r>
+                                                              </m:sub>
+                                                              <m:sup>
+                                                                <m:r>
+                                                                  <a:rPr lang="pt-BR" sz="2200" i="1">
+                                                                    <a:latin typeface="Cambria Math" panose="02040503050406030204" pitchFamily="18" charset="0"/>
+                                                                  </a:rPr>
+                                                                  <m:t>2</m:t>
+                                                                </m:r>
+                                                              </m:sup>
+                                                            </m:sSubSup>
+                                                          </m:e>
+                                                        </m:d>
+                                                      </m:e>
+                                                    </m:d>
+                                                  </m:e>
+                                                  <m:sup>
+                                                    <m:r>
+                                                      <a:rPr lang="pt-BR" sz="2200" i="1">
+                                                        <a:latin typeface="Cambria Math" panose="02040503050406030204" pitchFamily="18" charset="0"/>
+                                                      </a:rPr>
+                                                      <m:t>2</m:t>
+                                                    </m:r>
+                                                  </m:sup>
+                                                </m:sSup>
+                                              </m:num>
+                                              <m:den>
+                                                <m:r>
+                                                  <a:rPr lang="pt-BR" sz="2200" i="1">
+                                                    <a:latin typeface="Cambria Math" panose="02040503050406030204" pitchFamily="18" charset="0"/>
+                                                  </a:rPr>
+                                                  <m:t>𝜕</m:t>
+                                                </m:r>
+                                                <m:sSup>
+                                                  <m:sSupPr>
+                                                    <m:ctrlPr>
+                                                      <a:rPr lang="pt-BR" sz="2200" i="1">
+                                                        <a:latin typeface="Cambria Math" panose="02040503050406030204" pitchFamily="18" charset="0"/>
+                                                      </a:rPr>
+                                                    </m:ctrlPr>
+                                                  </m:sSupPr>
+                                                  <m:e>
+                                                    <m:r>
+                                                      <a:rPr lang="pt-BR" sz="2200" i="1">
+                                                        <a:latin typeface="Cambria Math" panose="02040503050406030204" pitchFamily="18" charset="0"/>
+                                                      </a:rPr>
+                                                      <m:t>𝑓</m:t>
+                                                    </m:r>
+                                                  </m:e>
+                                                  <m:sup>
+                                                    <m:r>
+                                                      <a:rPr lang="pt-BR" sz="2200" i="1">
+                                                        <a:latin typeface="Cambria Math" panose="02040503050406030204" pitchFamily="18" charset="0"/>
+                                                      </a:rPr>
+                                                      <m:t>2</m:t>
+                                                    </m:r>
+                                                  </m:sup>
+                                                </m:sSup>
+                                                <m:d>
+                                                  <m:dPr>
+                                                    <m:ctrlPr>
+                                                      <a:rPr lang="pt-BR" sz="2200" i="1">
+                                                        <a:latin typeface="Cambria Math" panose="02040503050406030204" pitchFamily="18" charset="0"/>
+                                                      </a:rPr>
+                                                    </m:ctrlPr>
+                                                  </m:dPr>
+                                                  <m:e>
+                                                    <m:sSubSup>
+                                                      <m:sSubSupPr>
+                                                        <m:ctrlPr>
+                                                          <a:rPr lang="pt-BR" sz="2200" i="1">
+                                                            <a:latin typeface="Cambria Math" panose="02040503050406030204" pitchFamily="18" charset="0"/>
+                                                          </a:rPr>
+                                                        </m:ctrlPr>
+                                                      </m:sSubSupPr>
+                                                      <m:e>
+                                                        <m:r>
+                                                          <a:rPr lang="pt-BR" sz="2200" i="1">
+                                                            <a:latin typeface="Cambria Math" panose="02040503050406030204" pitchFamily="18" charset="0"/>
+                                                          </a:rPr>
+                                                          <m:t>𝑢</m:t>
+                                                        </m:r>
+                                                      </m:e>
+                                                      <m:sub>
+                                                        <m:r>
+                                                          <a:rPr lang="pt-BR" sz="2200" i="1">
+                                                            <a:latin typeface="Cambria Math" panose="02040503050406030204" pitchFamily="18" charset="0"/>
+                                                          </a:rPr>
+                                                          <m:t>1</m:t>
+                                                        </m:r>
+                                                      </m:sub>
+                                                      <m:sup>
+                                                        <m:r>
+                                                          <a:rPr lang="pt-BR" sz="2200" i="1">
+                                                            <a:latin typeface="Cambria Math" panose="02040503050406030204" pitchFamily="18" charset="0"/>
+                                                          </a:rPr>
+                                                          <m:t>2</m:t>
+                                                        </m:r>
+                                                      </m:sup>
+                                                    </m:sSubSup>
+                                                  </m:e>
+                                                </m:d>
+                                              </m:den>
+                                            </m:f>
+                                            <m:f>
+                                              <m:fPr>
+                                                <m:ctrlPr>
+                                                  <a:rPr lang="pt-BR" sz="2200" i="1">
+                                                    <a:latin typeface="Cambria Math" panose="02040503050406030204" pitchFamily="18" charset="0"/>
+                                                  </a:rPr>
+                                                </m:ctrlPr>
+                                              </m:fPr>
+                                              <m:num>
+                                                <m:r>
+                                                  <a:rPr lang="pt-BR" sz="2200" i="1">
+                                                    <a:latin typeface="Cambria Math" panose="02040503050406030204" pitchFamily="18" charset="0"/>
+                                                  </a:rPr>
+                                                  <m:t>𝜕</m:t>
+                                                </m:r>
+                                                <m:sSup>
+                                                  <m:sSupPr>
+                                                    <m:ctrlPr>
+                                                      <a:rPr lang="pt-BR" sz="2200" i="1">
+                                                        <a:latin typeface="Cambria Math" panose="02040503050406030204" pitchFamily="18" charset="0"/>
+                                                      </a:rPr>
+                                                    </m:ctrlPr>
+                                                  </m:sSupPr>
+                                                  <m:e>
+                                                    <m:r>
+                                                      <a:rPr lang="pt-BR" sz="2200" i="1">
+                                                        <a:latin typeface="Cambria Math" panose="02040503050406030204" pitchFamily="18" charset="0"/>
+                                                      </a:rPr>
+                                                      <m:t>𝑓</m:t>
+                                                    </m:r>
+                                                  </m:e>
+                                                  <m:sup>
+                                                    <m:r>
+                                                      <a:rPr lang="pt-BR" sz="2200" i="1">
+                                                        <a:latin typeface="Cambria Math" panose="02040503050406030204" pitchFamily="18" charset="0"/>
+                                                      </a:rPr>
+                                                      <m:t>2</m:t>
+                                                    </m:r>
+                                                  </m:sup>
+                                                </m:sSup>
+                                                <m:d>
+                                                  <m:dPr>
+                                                    <m:ctrlPr>
+                                                      <a:rPr lang="pt-BR" sz="2200" i="1">
+                                                        <a:latin typeface="Cambria Math" panose="02040503050406030204" pitchFamily="18" charset="0"/>
+                                                      </a:rPr>
+                                                    </m:ctrlPr>
+                                                  </m:dPr>
+                                                  <m:e>
+                                                    <m:sSubSup>
+                                                      <m:sSubSupPr>
+                                                        <m:ctrlPr>
+                                                          <a:rPr lang="pt-BR" sz="2200" i="1">
+                                                            <a:latin typeface="Cambria Math" panose="02040503050406030204" pitchFamily="18" charset="0"/>
+                                                          </a:rPr>
+                                                        </m:ctrlPr>
+                                                      </m:sSubSupPr>
+                                                      <m:e>
+                                                        <m:r>
+                                                          <a:rPr lang="pt-BR" sz="2200" i="1">
+                                                            <a:latin typeface="Cambria Math" panose="02040503050406030204" pitchFamily="18" charset="0"/>
+                                                          </a:rPr>
+                                                          <m:t>𝑢</m:t>
+                                                        </m:r>
+                                                      </m:e>
+                                                      <m:sub>
+                                                        <m:r>
+                                                          <a:rPr lang="pt-BR" sz="2200" i="1">
+                                                            <a:latin typeface="Cambria Math" panose="02040503050406030204" pitchFamily="18" charset="0"/>
+                                                          </a:rPr>
+                                                          <m:t>1</m:t>
+                                                        </m:r>
+                                                      </m:sub>
+                                                      <m:sup>
+                                                        <m:r>
+                                                          <a:rPr lang="pt-BR" sz="2200" i="1">
+                                                            <a:latin typeface="Cambria Math" panose="02040503050406030204" pitchFamily="18" charset="0"/>
+                                                          </a:rPr>
+                                                          <m:t>2</m:t>
+                                                        </m:r>
+                                                      </m:sup>
+                                                    </m:sSubSup>
+                                                  </m:e>
+                                                </m:d>
+                                              </m:num>
+                                              <m:den>
+                                                <m:r>
+                                                  <a:rPr lang="pt-BR" sz="2200" i="1">
+                                                    <a:latin typeface="Cambria Math" panose="02040503050406030204" pitchFamily="18" charset="0"/>
+                                                  </a:rPr>
+                                                  <m:t>𝜕</m:t>
+                                                </m:r>
+                                                <m:sSubSup>
+                                                  <m:sSubSupPr>
+                                                    <m:ctrlPr>
+                                                      <a:rPr lang="pt-BR" sz="2200" i="1">
+                                                        <a:latin typeface="Cambria Math" panose="02040503050406030204" pitchFamily="18" charset="0"/>
+                                                      </a:rPr>
+                                                    </m:ctrlPr>
+                                                  </m:sSubSupPr>
+                                                  <m:e>
+                                                    <m:r>
+                                                      <a:rPr lang="pt-BR" sz="2200" i="1">
+                                                        <a:latin typeface="Cambria Math" panose="02040503050406030204" pitchFamily="18" charset="0"/>
+                                                      </a:rPr>
+                                                      <m:t>𝑢</m:t>
+                                                    </m:r>
+                                                  </m:e>
+                                                  <m:sub>
+                                                    <m:r>
+                                                      <a:rPr lang="pt-BR" sz="2200" i="1">
+                                                        <a:latin typeface="Cambria Math" panose="02040503050406030204" pitchFamily="18" charset="0"/>
+                                                      </a:rPr>
+                                                      <m:t>1</m:t>
+                                                    </m:r>
+                                                  </m:sub>
+                                                  <m:sup>
+                                                    <m:r>
+                                                      <a:rPr lang="pt-BR" sz="2200" i="1">
+                                                        <a:latin typeface="Cambria Math" panose="02040503050406030204" pitchFamily="18" charset="0"/>
+                                                      </a:rPr>
+                                                      <m:t>2</m:t>
+                                                    </m:r>
+                                                  </m:sup>
+                                                </m:sSubSup>
+                                              </m:den>
+                                            </m:f>
+                                          </m:e>
+                                        </m:groupChr>
+                                      </m:e>
+                                      <m:lim>
+                                        <m:sSup>
+                                          <m:sSupPr>
+                                            <m:ctrlPr>
+                                              <a:rPr lang="pt-BR" sz="2200" i="1">
+                                                <a:latin typeface="Cambria Math" panose="02040503050406030204" pitchFamily="18" charset="0"/>
+                                              </a:rPr>
+                                            </m:ctrlPr>
+                                          </m:sSupPr>
+                                          <m:e>
+                                            <m:r>
+                                              <a:rPr lang="pt-BR" sz="2200" i="1">
+                                                <a:latin typeface="Cambria Math" panose="02040503050406030204" pitchFamily="18" charset="0"/>
+                                                <a:ea typeface="Cambria Math" panose="02040503050406030204" pitchFamily="18" charset="0"/>
+                                              </a:rPr>
+                                              <m:t>𝛿</m:t>
+                                            </m:r>
+                                          </m:e>
+                                          <m:sup>
+                                            <m:r>
+                                              <a:rPr lang="pt-BR" sz="2200" i="1">
+                                                <a:latin typeface="Cambria Math" panose="02040503050406030204" pitchFamily="18" charset="0"/>
+                                              </a:rPr>
+                                              <m:t>2</m:t>
+                                            </m:r>
+                                          </m:sup>
+                                        </m:sSup>
+                                      </m:lim>
+                                    </m:limLow>
+                                  </m:e>
+                                  <m:e>
+                                    <m:f>
+                                      <m:fPr>
+                                        <m:ctrlPr>
+                                          <a:rPr lang="pt-BR" sz="2200" i="1">
+                                            <a:latin typeface="Cambria Math" panose="02040503050406030204" pitchFamily="18" charset="0"/>
+                                          </a:rPr>
+                                        </m:ctrlPr>
+                                      </m:fPr>
+                                      <m:num>
+                                        <m:r>
+                                          <a:rPr lang="pt-BR" sz="2200" i="1">
+                                            <a:latin typeface="Cambria Math" panose="02040503050406030204" pitchFamily="18" charset="0"/>
+                                          </a:rPr>
+                                          <m:t>𝜕</m:t>
+                                        </m:r>
+                                        <m:sSubSup>
+                                          <m:sSubSupPr>
+                                            <m:ctrlPr>
+                                              <a:rPr lang="pt-BR" sz="2200" i="1">
+                                                <a:latin typeface="Cambria Math" panose="02040503050406030204" pitchFamily="18" charset="0"/>
+                                              </a:rPr>
+                                            </m:ctrlPr>
+                                          </m:sSubSupPr>
+                                          <m:e>
+                                            <m:r>
+                                              <a:rPr lang="pt-BR" sz="2200" i="1">
+                                                <a:latin typeface="Cambria Math" panose="02040503050406030204" pitchFamily="18" charset="0"/>
+                                              </a:rPr>
+                                              <m:t>𝑢</m:t>
+                                            </m:r>
+                                          </m:e>
+                                          <m:sub>
+                                            <m:r>
+                                              <a:rPr lang="pt-BR" sz="2200" i="1">
+                                                <a:latin typeface="Cambria Math" panose="02040503050406030204" pitchFamily="18" charset="0"/>
+                                              </a:rPr>
+                                              <m:t>1</m:t>
+                                            </m:r>
+                                          </m:sub>
+                                          <m:sup>
+                                            <m:r>
+                                              <a:rPr lang="pt-BR" sz="2200" i="1">
+                                                <a:latin typeface="Cambria Math" panose="02040503050406030204" pitchFamily="18" charset="0"/>
+                                              </a:rPr>
+                                              <m:t>2</m:t>
+                                            </m:r>
+                                          </m:sup>
+                                        </m:sSubSup>
+                                      </m:num>
+                                      <m:den>
+                                        <m:r>
+                                          <a:rPr lang="pt-BR" sz="2200" i="1">
+                                            <a:latin typeface="Cambria Math" panose="02040503050406030204" pitchFamily="18" charset="0"/>
+                                          </a:rPr>
+                                          <m:t>𝜕</m:t>
+                                        </m:r>
+                                        <m:sSup>
+                                          <m:sSupPr>
+                                            <m:ctrlPr>
+                                              <a:rPr lang="pt-BR" sz="2200" i="1">
+                                                <a:latin typeface="Cambria Math" panose="02040503050406030204" pitchFamily="18" charset="0"/>
+                                              </a:rPr>
+                                            </m:ctrlPr>
+                                          </m:sSupPr>
+                                          <m:e>
+                                            <m:r>
+                                              <a:rPr lang="pt-BR" sz="2200" i="1">
+                                                <a:latin typeface="Cambria Math" panose="02040503050406030204" pitchFamily="18" charset="0"/>
+                                              </a:rPr>
+                                              <m:t>𝑓</m:t>
+                                            </m:r>
+                                          </m:e>
+                                          <m:sup>
+                                            <m:r>
+                                              <a:rPr lang="pt-BR" sz="2200" i="1">
+                                                <a:latin typeface="Cambria Math" panose="02040503050406030204" pitchFamily="18" charset="0"/>
+                                              </a:rPr>
+                                              <m:t>1</m:t>
+                                            </m:r>
+                                          </m:sup>
+                                        </m:sSup>
+                                        <m:d>
+                                          <m:dPr>
+                                            <m:ctrlPr>
+                                              <a:rPr lang="pt-BR" sz="2200" i="1">
+                                                <a:latin typeface="Cambria Math" panose="02040503050406030204" pitchFamily="18" charset="0"/>
+                                              </a:rPr>
+                                            </m:ctrlPr>
+                                          </m:dPr>
+                                          <m:e>
+                                            <m:sSubSup>
+                                              <m:sSubSupPr>
+                                                <m:ctrlPr>
+                                                  <a:rPr lang="pt-BR" sz="2200" i="1">
+                                                    <a:latin typeface="Cambria Math" panose="02040503050406030204" pitchFamily="18" charset="0"/>
+                                                  </a:rPr>
+                                                </m:ctrlPr>
+                                              </m:sSubSupPr>
+                                              <m:e>
+                                                <m:r>
+                                                  <a:rPr lang="pt-BR" sz="2200" i="1">
+                                                    <a:latin typeface="Cambria Math" panose="02040503050406030204" pitchFamily="18" charset="0"/>
+                                                  </a:rPr>
+                                                  <m:t>𝑢</m:t>
+                                                </m:r>
+                                              </m:e>
+                                              <m:sub>
+                                                <m:r>
+                                                  <a:rPr lang="pt-BR" sz="2200" i="1">
+                                                    <a:latin typeface="Cambria Math" panose="02040503050406030204" pitchFamily="18" charset="0"/>
+                                                  </a:rPr>
+                                                  <m:t>1</m:t>
+                                                </m:r>
+                                              </m:sub>
+                                              <m:sup>
+                                                <m:r>
+                                                  <a:rPr lang="pt-BR" sz="2200" i="1">
+                                                    <a:latin typeface="Cambria Math" panose="02040503050406030204" pitchFamily="18" charset="0"/>
+                                                  </a:rPr>
+                                                  <m:t>1</m:t>
+                                                </m:r>
+                                              </m:sup>
+                                            </m:sSubSup>
+                                          </m:e>
+                                        </m:d>
+                                      </m:den>
+                                    </m:f>
+                                    <m:f>
+                                      <m:fPr>
+                                        <m:ctrlPr>
+                                          <a:rPr lang="pt-BR" sz="2200" i="1">
+                                            <a:latin typeface="Cambria Math" panose="02040503050406030204" pitchFamily="18" charset="0"/>
+                                          </a:rPr>
+                                        </m:ctrlPr>
+                                      </m:fPr>
+                                      <m:num>
+                                        <m:r>
+                                          <a:rPr lang="pt-BR" sz="2200" i="1">
+                                            <a:latin typeface="Cambria Math" panose="02040503050406030204" pitchFamily="18" charset="0"/>
+                                          </a:rPr>
+                                          <m:t>𝜕</m:t>
+                                        </m:r>
+                                        <m:sSup>
+                                          <m:sSupPr>
+                                            <m:ctrlPr>
+                                              <a:rPr lang="pt-BR" sz="2200" i="1">
+                                                <a:latin typeface="Cambria Math" panose="02040503050406030204" pitchFamily="18" charset="0"/>
+                                              </a:rPr>
+                                            </m:ctrlPr>
+                                          </m:sSupPr>
+                                          <m:e>
+                                            <m:r>
+                                              <a:rPr lang="pt-BR" sz="2200" i="1">
+                                                <a:latin typeface="Cambria Math" panose="02040503050406030204" pitchFamily="18" charset="0"/>
+                                              </a:rPr>
+                                              <m:t>𝑓</m:t>
+                                            </m:r>
+                                          </m:e>
+                                          <m:sup>
+                                            <m:r>
+                                              <a:rPr lang="pt-BR" sz="2200" i="1">
+                                                <a:latin typeface="Cambria Math" panose="02040503050406030204" pitchFamily="18" charset="0"/>
+                                              </a:rPr>
+                                              <m:t>1</m:t>
+                                            </m:r>
+                                          </m:sup>
+                                        </m:sSup>
+                                        <m:d>
+                                          <m:dPr>
+                                            <m:ctrlPr>
+                                              <a:rPr lang="pt-BR" sz="2200" i="1">
+                                                <a:latin typeface="Cambria Math" panose="02040503050406030204" pitchFamily="18" charset="0"/>
+                                              </a:rPr>
+                                            </m:ctrlPr>
+                                          </m:dPr>
+                                          <m:e>
+                                            <m:sSubSup>
+                                              <m:sSubSupPr>
+                                                <m:ctrlPr>
+                                                  <a:rPr lang="pt-BR" sz="2200" i="1">
+                                                    <a:latin typeface="Cambria Math" panose="02040503050406030204" pitchFamily="18" charset="0"/>
+                                                  </a:rPr>
+                                                </m:ctrlPr>
+                                              </m:sSubSupPr>
+                                              <m:e>
+                                                <m:r>
+                                                  <a:rPr lang="pt-BR" sz="2200" i="1">
+                                                    <a:latin typeface="Cambria Math" panose="02040503050406030204" pitchFamily="18" charset="0"/>
+                                                  </a:rPr>
+                                                  <m:t>𝑢</m:t>
+                                                </m:r>
+                                              </m:e>
+                                              <m:sub>
+                                                <m:r>
+                                                  <a:rPr lang="pt-BR" sz="2200" i="1">
+                                                    <a:latin typeface="Cambria Math" panose="02040503050406030204" pitchFamily="18" charset="0"/>
+                                                  </a:rPr>
+                                                  <m:t>1</m:t>
+                                                </m:r>
+                                              </m:sub>
+                                              <m:sup>
+                                                <m:r>
+                                                  <a:rPr lang="pt-BR" sz="2200" i="1">
+                                                    <a:latin typeface="Cambria Math" panose="02040503050406030204" pitchFamily="18" charset="0"/>
+                                                  </a:rPr>
+                                                  <m:t>1</m:t>
+                                                </m:r>
+                                              </m:sup>
+                                            </m:sSubSup>
+                                          </m:e>
+                                        </m:d>
+                                      </m:num>
+                                      <m:den>
+                                        <m:r>
+                                          <a:rPr lang="pt-BR" sz="2200" i="1">
+                                            <a:latin typeface="Cambria Math" panose="02040503050406030204" pitchFamily="18" charset="0"/>
+                                          </a:rPr>
+                                          <m:t>𝜕</m:t>
+                                        </m:r>
+                                        <m:sSubSup>
+                                          <m:sSubSupPr>
+                                            <m:ctrlPr>
+                                              <a:rPr lang="pt-BR" sz="2200" i="1">
+                                                <a:latin typeface="Cambria Math" panose="02040503050406030204" pitchFamily="18" charset="0"/>
+                                              </a:rPr>
+                                            </m:ctrlPr>
+                                          </m:sSubSupPr>
+                                          <m:e>
+                                            <m:r>
+                                              <a:rPr lang="pt-BR" sz="2200" i="1">
+                                                <a:latin typeface="Cambria Math" panose="02040503050406030204" pitchFamily="18" charset="0"/>
+                                              </a:rPr>
+                                              <m:t>𝑢</m:t>
+                                            </m:r>
+                                          </m:e>
+                                          <m:sub>
+                                            <m:r>
+                                              <a:rPr lang="pt-BR" sz="2200" i="1">
+                                                <a:latin typeface="Cambria Math" panose="02040503050406030204" pitchFamily="18" charset="0"/>
+                                              </a:rPr>
+                                              <m:t>1</m:t>
+                                            </m:r>
+                                          </m:sub>
+                                          <m:sup>
+                                            <m:r>
+                                              <a:rPr lang="pt-BR" sz="2200" i="1">
+                                                <a:latin typeface="Cambria Math" panose="02040503050406030204" pitchFamily="18" charset="0"/>
+                                              </a:rPr>
+                                              <m:t>1</m:t>
+                                            </m:r>
+                                          </m:sup>
+                                        </m:sSubSup>
+                                      </m:den>
+                                    </m:f>
+                                  </m:e>
+                                </m:mr>
+                              </m:m>
+                            </m:e>
+                          </m:groupChr>
+                        </m:e>
+                        <m:lim>
+                          <m:sSubSup>
+                            <m:sSubSupPr>
+                              <m:ctrlPr>
+                                <a:rPr lang="pt-BR" sz="2200" i="1" smtClean="0">
+                                  <a:latin typeface="Cambria Math" panose="02040503050406030204" pitchFamily="18" charset="0"/>
+                                </a:rPr>
+                              </m:ctrlPr>
+                            </m:sSubSupPr>
+                            <m:e>
+                              <m:r>
+                                <a:rPr lang="pt-BR" sz="2200" i="1" smtClean="0">
+                                  <a:latin typeface="Cambria Math" panose="02040503050406030204" pitchFamily="18" charset="0"/>
+                                  <a:ea typeface="Cambria Math" panose="02040503050406030204" pitchFamily="18" charset="0"/>
+                                </a:rPr>
+                                <m:t>𝛿</m:t>
+                              </m:r>
+                            </m:e>
+                            <m:sub>
+                              <m:r>
+                                <a:rPr lang="pt-BR" sz="2200" b="0" i="1" smtClean="0">
+                                  <a:latin typeface="Cambria Math" panose="02040503050406030204" pitchFamily="18" charset="0"/>
+                                </a:rPr>
+                                <m:t>1</m:t>
+                              </m:r>
+                            </m:sub>
+                            <m:sup>
+                              <m:r>
+                                <a:rPr lang="pt-BR" sz="2200" b="0" i="1" smtClean="0">
+                                  <a:latin typeface="Cambria Math" panose="02040503050406030204" pitchFamily="18" charset="0"/>
+                                </a:rPr>
+                                <m:t>1</m:t>
+                              </m:r>
+                            </m:sup>
+                          </m:sSubSup>
+                        </m:lim>
+                      </m:limLow>
+                      <m:limLow>
+                        <m:limLowPr>
+                          <m:ctrlPr>
+                            <a:rPr lang="pt-BR" sz="2200" i="1">
+                              <a:latin typeface="Cambria Math" panose="02040503050406030204" pitchFamily="18" charset="0"/>
+                            </a:rPr>
+                          </m:ctrlPr>
+                        </m:limLowPr>
+                        <m:e>
+                          <m:groupChr>
+                            <m:groupChrPr>
+                              <m:chr m:val="⏟"/>
+                              <m:ctrlPr>
+                                <a:rPr lang="pt-BR" sz="2200" i="1" smtClean="0">
+                                  <a:latin typeface="Cambria Math" panose="02040503050406030204" pitchFamily="18" charset="0"/>
+                                </a:rPr>
+                              </m:ctrlPr>
+                            </m:groupChrPr>
+                            <m:e>
+                              <m:f>
+                                <m:fPr>
+                                  <m:ctrlPr>
+                                    <a:rPr lang="pt-BR" sz="2200" i="1">
+                                      <a:latin typeface="Cambria Math" panose="02040503050406030204" pitchFamily="18" charset="0"/>
+                                    </a:rPr>
+                                  </m:ctrlPr>
+                                </m:fPr>
+                                <m:num>
+                                  <m:r>
+                                    <a:rPr lang="pt-BR" sz="2200" i="1">
+                                      <a:latin typeface="Cambria Math" panose="02040503050406030204" pitchFamily="18" charset="0"/>
+                                    </a:rPr>
+                                    <m:t>𝜕</m:t>
+                                  </m:r>
+                                  <m:sSubSup>
+                                    <m:sSubSupPr>
+                                      <m:ctrlPr>
+                                        <a:rPr lang="pt-BR" sz="2200" i="1">
+                                          <a:latin typeface="Cambria Math" panose="02040503050406030204" pitchFamily="18" charset="0"/>
+                                        </a:rPr>
+                                      </m:ctrlPr>
+                                    </m:sSubSupPr>
+                                    <m:e>
+                                      <m:r>
+                                        <a:rPr lang="pt-BR" sz="2200" i="1">
+                                          <a:latin typeface="Cambria Math" panose="02040503050406030204" pitchFamily="18" charset="0"/>
+                                        </a:rPr>
+                                        <m:t>𝑢</m:t>
+                                      </m:r>
+                                    </m:e>
+                                    <m:sub>
+                                      <m:r>
+                                        <a:rPr lang="pt-BR" sz="2200" i="1">
+                                          <a:latin typeface="Cambria Math" panose="02040503050406030204" pitchFamily="18" charset="0"/>
+                                        </a:rPr>
+                                        <m:t>1</m:t>
+                                      </m:r>
+                                    </m:sub>
+                                    <m:sup>
+                                      <m:r>
+                                        <a:rPr lang="pt-BR" sz="2200" i="1">
+                                          <a:latin typeface="Cambria Math" panose="02040503050406030204" pitchFamily="18" charset="0"/>
+                                        </a:rPr>
+                                        <m:t>1</m:t>
+                                      </m:r>
+                                    </m:sup>
+                                  </m:sSubSup>
+                                </m:num>
+                                <m:den>
+                                  <m:r>
+                                    <a:rPr lang="pt-BR" sz="2200" i="1">
+                                      <a:latin typeface="Cambria Math" panose="02040503050406030204" pitchFamily="18" charset="0"/>
+                                    </a:rPr>
+                                    <m:t>𝜕</m:t>
+                                  </m:r>
+                                  <m:sSubSup>
+                                    <m:sSubSupPr>
+                                      <m:ctrlPr>
+                                        <a:rPr lang="pt-BR" sz="2200" i="1">
+                                          <a:latin typeface="Cambria Math" panose="02040503050406030204" pitchFamily="18" charset="0"/>
+                                        </a:rPr>
+                                      </m:ctrlPr>
+                                    </m:sSubSupPr>
+                                    <m:e>
+                                      <m:r>
+                                        <a:rPr lang="pt-BR" sz="2200" i="1">
+                                          <a:latin typeface="Cambria Math" panose="02040503050406030204" pitchFamily="18" charset="0"/>
+                                        </a:rPr>
+                                        <m:t>𝑤</m:t>
+                                      </m:r>
+                                    </m:e>
+                                    <m:sub>
+                                      <m:r>
+                                        <a:rPr lang="pt-BR" sz="2200" i="1">
+                                          <a:latin typeface="Cambria Math" panose="02040503050406030204" pitchFamily="18" charset="0"/>
+                                        </a:rPr>
+                                        <m:t>1,1</m:t>
+                                      </m:r>
+                                    </m:sub>
+                                    <m:sup>
+                                      <m:r>
+                                        <a:rPr lang="pt-BR" sz="2200" i="1">
+                                          <a:latin typeface="Cambria Math" panose="02040503050406030204" pitchFamily="18" charset="0"/>
+                                        </a:rPr>
+                                        <m:t>1</m:t>
+                                      </m:r>
+                                    </m:sup>
+                                  </m:sSubSup>
+                                </m:den>
+                              </m:f>
+                            </m:e>
+                          </m:groupChr>
+                        </m:e>
+                        <m:lim>
+                          <m:sSub>
+                            <m:sSubPr>
+                              <m:ctrlPr>
+                                <a:rPr lang="pt-BR" sz="2200" i="1">
+                                  <a:latin typeface="Cambria Math" panose="02040503050406030204" pitchFamily="18" charset="0"/>
+                                </a:rPr>
+                              </m:ctrlPr>
+                            </m:sSubPr>
+                            <m:e>
+                              <m:r>
+                                <a:rPr lang="pt-BR" sz="2200" i="1">
+                                  <a:latin typeface="Cambria Math" panose="02040503050406030204" pitchFamily="18" charset="0"/>
+                                </a:rPr>
+                                <m:t>𝑥</m:t>
+                              </m:r>
+                            </m:e>
+                            <m:sub>
+                              <m:r>
+                                <a:rPr lang="pt-BR" sz="2200" i="1">
+                                  <a:latin typeface="Cambria Math" panose="02040503050406030204" pitchFamily="18" charset="0"/>
+                                </a:rPr>
+                                <m:t>1</m:t>
+                              </m:r>
+                            </m:sub>
+                          </m:sSub>
+                        </m:lim>
+                      </m:limLow>
+                    </m:oMath>
+                  </m:oMathPara>
+                </a14:m>
+                <a:endParaRPr lang="pt-BR" sz="2200" dirty="0" smtClean="0"/>
+              </a:p>
+              <a:p>
+                <a:pPr marL="0" indent="0">
+                  <a:buNone/>
+                </a:pPr>
+                <a:endParaRPr lang="pt-BR" sz="2200" dirty="0"/>
+              </a:p>
+              <a:p>
+                <a:pPr marL="0" indent="0">
+                  <a:buNone/>
+                </a:pPr>
+                <a14:m>
+                  <m:oMathPara xmlns:m="http://schemas.openxmlformats.org/officeDocument/2006/math">
+                    <m:oMathParaPr>
+                      <m:jc m:val="centerGroup"/>
+                    </m:oMathParaPr>
+                    <m:oMath xmlns:m="http://schemas.openxmlformats.org/officeDocument/2006/math">
+                      <m:f>
+                        <m:fPr>
+                          <m:ctrlPr>
+                            <a:rPr lang="pt-BR" sz="2200" i="1">
+                              <a:latin typeface="Cambria Math" panose="02040503050406030204" pitchFamily="18" charset="0"/>
+                            </a:rPr>
+                          </m:ctrlPr>
+                        </m:fPr>
+                        <m:num>
+                          <m:r>
+                            <a:rPr lang="pt-BR" sz="2200" i="1">
+                              <a:latin typeface="Cambria Math" panose="02040503050406030204" pitchFamily="18" charset="0"/>
+                            </a:rPr>
+                            <m:t>𝜕</m:t>
+                          </m:r>
+                          <m:r>
+                            <a:rPr lang="pt-BR" sz="2200" i="1">
+                              <a:latin typeface="Cambria Math" panose="02040503050406030204" pitchFamily="18" charset="0"/>
+                            </a:rPr>
+                            <m:t>𝐽</m:t>
+                          </m:r>
+                          <m:d>
+                            <m:dPr>
+                              <m:ctrlPr>
+                                <a:rPr lang="pt-BR" sz="2200" i="1">
+                                  <a:latin typeface="Cambria Math" panose="02040503050406030204" pitchFamily="18" charset="0"/>
+                                </a:rPr>
+                              </m:ctrlPr>
+                            </m:dPr>
+                            <m:e>
+                              <m:r>
+                                <a:rPr lang="pt-BR" sz="2200" b="1" i="1">
+                                  <a:latin typeface="Cambria Math" panose="02040503050406030204" pitchFamily="18" charset="0"/>
+                                </a:rPr>
+                                <m:t>𝒘</m:t>
+                              </m:r>
+                            </m:e>
+                          </m:d>
+                        </m:num>
+                        <m:den>
+                          <m:r>
+                            <a:rPr lang="pt-BR" sz="2200" i="1">
+                              <a:latin typeface="Cambria Math" panose="02040503050406030204" pitchFamily="18" charset="0"/>
+                            </a:rPr>
+                            <m:t>𝜕</m:t>
+                          </m:r>
+                          <m:sSubSup>
+                            <m:sSubSupPr>
+                              <m:ctrlPr>
+                                <a:rPr lang="pt-BR" sz="2200" i="1">
+                                  <a:latin typeface="Cambria Math" panose="02040503050406030204" pitchFamily="18" charset="0"/>
+                                </a:rPr>
+                              </m:ctrlPr>
+                            </m:sSubSupPr>
+                            <m:e>
+                              <m:r>
+                                <a:rPr lang="pt-BR" sz="2200" i="1">
+                                  <a:latin typeface="Cambria Math" panose="02040503050406030204" pitchFamily="18" charset="0"/>
+                                </a:rPr>
+                                <m:t>𝑤</m:t>
+                              </m:r>
+                            </m:e>
+                            <m:sub>
+                              <m:r>
+                                <a:rPr lang="pt-BR" sz="2200" i="1">
+                                  <a:latin typeface="Cambria Math" panose="02040503050406030204" pitchFamily="18" charset="0"/>
+                                </a:rPr>
+                                <m:t>1,1</m:t>
+                              </m:r>
+                            </m:sub>
+                            <m:sup>
+                              <m:r>
+                                <a:rPr lang="pt-BR" sz="2200" i="1">
+                                  <a:latin typeface="Cambria Math" panose="02040503050406030204" pitchFamily="18" charset="0"/>
+                                </a:rPr>
+                                <m:t>1</m:t>
+                              </m:r>
+                            </m:sup>
+                          </m:sSubSup>
+                        </m:den>
+                      </m:f>
+                      <m:r>
+                        <a:rPr lang="pt-BR" sz="2200" b="0" i="1" smtClean="0">
+                          <a:latin typeface="Cambria Math" panose="02040503050406030204" pitchFamily="18" charset="0"/>
+                        </a:rPr>
+                        <m:t>=</m:t>
+                      </m:r>
+                      <m:sSubSup>
+                        <m:sSubSupPr>
+                          <m:ctrlPr>
+                            <a:rPr lang="pt-BR" sz="2200" i="1">
+                              <a:latin typeface="Cambria Math" panose="02040503050406030204" pitchFamily="18" charset="0"/>
+                            </a:rPr>
+                          </m:ctrlPr>
+                        </m:sSubSupPr>
+                        <m:e>
+                          <m:r>
+                            <a:rPr lang="pt-BR" sz="2200" i="1">
+                              <a:latin typeface="Cambria Math" panose="02040503050406030204" pitchFamily="18" charset="0"/>
+                              <a:ea typeface="Cambria Math" panose="02040503050406030204" pitchFamily="18" charset="0"/>
+                            </a:rPr>
+                            <m:t>𝛿</m:t>
+                          </m:r>
+                        </m:e>
+                        <m:sub>
+                          <m:r>
+                            <a:rPr lang="pt-BR" sz="2200" i="1">
+                              <a:latin typeface="Cambria Math" panose="02040503050406030204" pitchFamily="18" charset="0"/>
+                            </a:rPr>
+                            <m:t>1</m:t>
+                          </m:r>
+                        </m:sub>
+                        <m:sup>
+                          <m:r>
+                            <a:rPr lang="pt-BR" sz="2200" i="1">
+                              <a:latin typeface="Cambria Math" panose="02040503050406030204" pitchFamily="18" charset="0"/>
+                            </a:rPr>
+                            <m:t>1</m:t>
+                          </m:r>
+                        </m:sup>
+                      </m:sSubSup>
+                      <m:sSub>
+                        <m:sSubPr>
+                          <m:ctrlPr>
+                            <a:rPr lang="pt-BR" sz="2200" i="1">
+                              <a:latin typeface="Cambria Math" panose="02040503050406030204" pitchFamily="18" charset="0"/>
+                            </a:rPr>
+                          </m:ctrlPr>
+                        </m:sSubPr>
+                        <m:e>
+                          <m:r>
+                            <a:rPr lang="pt-BR" sz="2200" i="1">
+                              <a:latin typeface="Cambria Math" panose="02040503050406030204" pitchFamily="18" charset="0"/>
+                            </a:rPr>
+                            <m:t>𝑥</m:t>
+                          </m:r>
+                        </m:e>
+                        <m:sub>
+                          <m:r>
+                            <a:rPr lang="pt-BR" sz="2200" i="1">
+                              <a:latin typeface="Cambria Math" panose="02040503050406030204" pitchFamily="18" charset="0"/>
+                            </a:rPr>
+                            <m:t>1</m:t>
+                          </m:r>
+                        </m:sub>
+                      </m:sSub>
+                      <m:r>
+                        <a:rPr lang="pt-BR" sz="2200" b="0" i="1" smtClean="0">
+                          <a:latin typeface="Cambria Math" panose="02040503050406030204" pitchFamily="18" charset="0"/>
+                        </a:rPr>
+                        <m:t>=</m:t>
+                      </m:r>
+                      <m:sSup>
+                        <m:sSupPr>
+                          <m:ctrlPr>
+                            <a:rPr lang="pt-BR" sz="2200" i="1">
+                              <a:latin typeface="Cambria Math" panose="02040503050406030204" pitchFamily="18" charset="0"/>
+                            </a:rPr>
+                          </m:ctrlPr>
+                        </m:sSupPr>
+                        <m:e>
+                          <m:r>
+                            <a:rPr lang="pt-BR" sz="2200" i="1">
+                              <a:latin typeface="Cambria Math" panose="02040503050406030204" pitchFamily="18" charset="0"/>
+                              <a:ea typeface="Cambria Math" panose="02040503050406030204" pitchFamily="18" charset="0"/>
+                            </a:rPr>
+                            <m:t>𝛿</m:t>
+                          </m:r>
+                        </m:e>
+                        <m:sup>
+                          <m:r>
+                            <a:rPr lang="pt-BR" sz="2200" i="1">
+                              <a:latin typeface="Cambria Math" panose="02040503050406030204" pitchFamily="18" charset="0"/>
+                            </a:rPr>
+                            <m:t>2</m:t>
+                          </m:r>
+                        </m:sup>
+                      </m:sSup>
+                      <m:sSubSup>
+                        <m:sSubSupPr>
+                          <m:ctrlPr>
+                            <a:rPr lang="pt-BR" sz="2200" i="1">
+                              <a:latin typeface="Cambria Math" panose="02040503050406030204" pitchFamily="18" charset="0"/>
+                            </a:rPr>
+                          </m:ctrlPr>
+                        </m:sSubSupPr>
+                        <m:e>
+                          <m:r>
+                            <a:rPr lang="pt-BR" sz="2200" i="1">
+                              <a:latin typeface="Cambria Math" panose="02040503050406030204" pitchFamily="18" charset="0"/>
+                            </a:rPr>
+                            <m:t>𝑤</m:t>
+                          </m:r>
+                        </m:e>
+                        <m:sub>
+                          <m:r>
+                            <a:rPr lang="pt-BR" sz="2200" i="1">
+                              <a:latin typeface="Cambria Math" panose="02040503050406030204" pitchFamily="18" charset="0"/>
+                            </a:rPr>
+                            <m:t>1,1</m:t>
+                          </m:r>
+                        </m:sub>
+                        <m:sup>
+                          <m:r>
+                            <a:rPr lang="pt-BR" sz="2200" i="1">
+                              <a:latin typeface="Cambria Math" panose="02040503050406030204" pitchFamily="18" charset="0"/>
+                            </a:rPr>
+                            <m:t>2</m:t>
+                          </m:r>
+                        </m:sup>
+                      </m:sSubSup>
+                      <m:sSup>
+                        <m:sSupPr>
+                          <m:ctrlPr>
+                            <a:rPr lang="pt-BR" sz="2200" i="1">
+                              <a:latin typeface="Cambria Math" panose="02040503050406030204" pitchFamily="18" charset="0"/>
+                            </a:rPr>
+                          </m:ctrlPr>
+                        </m:sSupPr>
+                        <m:e>
+                          <m:r>
+                            <a:rPr lang="pt-BR" sz="2200" i="1">
+                              <a:latin typeface="Cambria Math" panose="02040503050406030204" pitchFamily="18" charset="0"/>
+                            </a:rPr>
+                            <m:t>𝑓</m:t>
+                          </m:r>
+                        </m:e>
+                        <m:sup>
+                          <m:r>
+                            <a:rPr lang="pt-BR" sz="2200" i="1">
+                              <a:latin typeface="Cambria Math" panose="02040503050406030204" pitchFamily="18" charset="0"/>
+                            </a:rPr>
+                            <m:t>′1</m:t>
+                          </m:r>
+                        </m:sup>
+                      </m:sSup>
+                      <m:d>
+                        <m:dPr>
+                          <m:ctrlPr>
+                            <a:rPr lang="pt-BR" sz="2200" i="1">
+                              <a:latin typeface="Cambria Math" panose="02040503050406030204" pitchFamily="18" charset="0"/>
+                            </a:rPr>
+                          </m:ctrlPr>
+                        </m:dPr>
+                        <m:e>
+                          <m:sSubSup>
+                            <m:sSubSupPr>
+                              <m:ctrlPr>
+                                <a:rPr lang="pt-BR" sz="2200" i="1">
+                                  <a:latin typeface="Cambria Math" panose="02040503050406030204" pitchFamily="18" charset="0"/>
+                                </a:rPr>
+                              </m:ctrlPr>
+                            </m:sSubSupPr>
+                            <m:e>
+                              <m:r>
+                                <a:rPr lang="pt-BR" sz="2200" i="1">
+                                  <a:latin typeface="Cambria Math" panose="02040503050406030204" pitchFamily="18" charset="0"/>
+                                </a:rPr>
+                                <m:t>𝑢</m:t>
+                              </m:r>
+                            </m:e>
+                            <m:sub>
+                              <m:r>
+                                <a:rPr lang="pt-BR" sz="2200" i="1">
+                                  <a:latin typeface="Cambria Math" panose="02040503050406030204" pitchFamily="18" charset="0"/>
+                                </a:rPr>
+                                <m:t>1</m:t>
+                              </m:r>
+                            </m:sub>
+                            <m:sup>
+                              <m:r>
+                                <a:rPr lang="pt-BR" sz="2200" i="1">
+                                  <a:latin typeface="Cambria Math" panose="02040503050406030204" pitchFamily="18" charset="0"/>
+                                </a:rPr>
+                                <m:t>1</m:t>
+                              </m:r>
+                            </m:sup>
+                          </m:sSubSup>
+                        </m:e>
+                      </m:d>
+                      <m:sSub>
+                        <m:sSubPr>
+                          <m:ctrlPr>
+                            <a:rPr lang="pt-BR" sz="2200" i="1">
+                              <a:latin typeface="Cambria Math" panose="02040503050406030204" pitchFamily="18" charset="0"/>
+                            </a:rPr>
+                          </m:ctrlPr>
+                        </m:sSubPr>
+                        <m:e>
+                          <m:r>
+                            <a:rPr lang="pt-BR" sz="2200" i="1">
+                              <a:latin typeface="Cambria Math" panose="02040503050406030204" pitchFamily="18" charset="0"/>
+                            </a:rPr>
+                            <m:t>𝑥</m:t>
+                          </m:r>
+                        </m:e>
+                        <m:sub>
+                          <m:r>
+                            <a:rPr lang="pt-BR" sz="2200" i="1">
+                              <a:latin typeface="Cambria Math" panose="02040503050406030204" pitchFamily="18" charset="0"/>
+                            </a:rPr>
+                            <m:t>1</m:t>
+                          </m:r>
+                        </m:sub>
+                      </m:sSub>
+                    </m:oMath>
+                  </m:oMathPara>
+                </a14:m>
+                <a:endParaRPr lang="pt-BR" sz="2200" i="1" dirty="0" smtClean="0">
+                  <a:latin typeface="Cambria Math" panose="02040503050406030204" pitchFamily="18" charset="0"/>
+                </a:endParaRPr>
+              </a:p>
+              <a:p>
+                <a:pPr marL="0" indent="0">
+                  <a:buNone/>
+                </a:pPr>
+                <a:r>
+                  <a:rPr lang="pt-BR" sz="2200" b="0" dirty="0" smtClean="0"/>
+                  <a:t>           </a:t>
+                </a:r>
+                <a14:m>
+                  <m:oMath xmlns:m="http://schemas.openxmlformats.org/officeDocument/2006/math">
+                    <m:r>
+                      <a:rPr lang="pt-BR" sz="2200" b="0" i="0" smtClean="0">
+                        <a:latin typeface="Cambria Math" panose="02040503050406030204" pitchFamily="18" charset="0"/>
+                      </a:rPr>
+                      <m:t>                             </m:t>
+                    </m:r>
+                    <m:r>
+                      <a:rPr lang="pt-BR" sz="2200" b="0" i="1" smtClean="0">
+                        <a:latin typeface="Cambria Math" panose="02040503050406030204" pitchFamily="18" charset="0"/>
+                      </a:rPr>
+                      <m:t>=</m:t>
+                    </m:r>
+                    <m:r>
+                      <a:rPr lang="pt-BR" sz="2200" i="1">
+                        <a:latin typeface="Cambria Math" panose="02040503050406030204" pitchFamily="18" charset="0"/>
+                      </a:rPr>
+                      <m:t>−2</m:t>
+                    </m:r>
+                    <m:d>
+                      <m:dPr>
+                        <m:ctrlPr>
+                          <a:rPr lang="pt-BR" sz="2200" i="1">
+                            <a:latin typeface="Cambria Math" panose="02040503050406030204" pitchFamily="18" charset="0"/>
+                          </a:rPr>
+                        </m:ctrlPr>
+                      </m:dPr>
+                      <m:e>
+                        <m:r>
+                          <a:rPr lang="pt-BR" sz="2200" i="1">
+                            <a:latin typeface="Cambria Math" panose="02040503050406030204" pitchFamily="18" charset="0"/>
+                          </a:rPr>
+                          <m:t>𝑑</m:t>
+                        </m:r>
+                        <m:r>
+                          <a:rPr lang="pt-BR" sz="2200" i="1">
+                            <a:latin typeface="Cambria Math" panose="02040503050406030204" pitchFamily="18" charset="0"/>
+                          </a:rPr>
+                          <m:t>−</m:t>
+                        </m:r>
+                        <m:sSubSup>
+                          <m:sSubSupPr>
+                            <m:ctrlPr>
+                              <a:rPr lang="pt-BR" sz="2200" i="1">
+                                <a:latin typeface="Cambria Math" panose="02040503050406030204" pitchFamily="18" charset="0"/>
+                              </a:rPr>
+                            </m:ctrlPr>
+                          </m:sSubSupPr>
+                          <m:e>
+                            <m:r>
+                              <a:rPr lang="pt-BR" sz="2200" i="1">
+                                <a:latin typeface="Cambria Math" panose="02040503050406030204" pitchFamily="18" charset="0"/>
+                              </a:rPr>
+                              <m:t>𝑦</m:t>
+                            </m:r>
+                          </m:e>
+                          <m:sub>
+                            <m:r>
+                              <a:rPr lang="pt-BR" sz="2200" i="1">
+                                <a:latin typeface="Cambria Math" panose="02040503050406030204" pitchFamily="18" charset="0"/>
+                              </a:rPr>
+                              <m:t>1</m:t>
+                            </m:r>
+                          </m:sub>
+                          <m:sup>
+                            <m:r>
+                              <a:rPr lang="pt-BR" sz="2200" i="1">
+                                <a:latin typeface="Cambria Math" panose="02040503050406030204" pitchFamily="18" charset="0"/>
+                              </a:rPr>
+                              <m:t>2</m:t>
+                            </m:r>
+                          </m:sup>
+                        </m:sSubSup>
+                      </m:e>
+                    </m:d>
+                    <m:sSup>
+                      <m:sSupPr>
+                        <m:ctrlPr>
+                          <a:rPr lang="pt-BR" sz="2200" i="1">
+                            <a:latin typeface="Cambria Math" panose="02040503050406030204" pitchFamily="18" charset="0"/>
+                          </a:rPr>
+                        </m:ctrlPr>
+                      </m:sSupPr>
+                      <m:e>
+                        <m:sSup>
+                          <m:sSupPr>
+                            <m:ctrlPr>
+                              <a:rPr lang="pt-BR" sz="2200" i="1">
+                                <a:latin typeface="Cambria Math" panose="02040503050406030204" pitchFamily="18" charset="0"/>
+                              </a:rPr>
+                            </m:ctrlPr>
+                          </m:sSupPr>
+                          <m:e>
+                            <m:r>
+                              <a:rPr lang="pt-BR" sz="2200" i="1">
+                                <a:latin typeface="Cambria Math" panose="02040503050406030204" pitchFamily="18" charset="0"/>
+                              </a:rPr>
+                              <m:t>𝑓</m:t>
+                            </m:r>
+                          </m:e>
+                          <m:sup>
+                            <m:r>
+                              <a:rPr lang="pt-BR" sz="2200" i="1">
+                                <a:latin typeface="Cambria Math" panose="02040503050406030204" pitchFamily="18" charset="0"/>
+                              </a:rPr>
+                              <m:t>′</m:t>
+                            </m:r>
+                          </m:sup>
+                        </m:sSup>
+                      </m:e>
+                      <m:sup>
+                        <m:r>
+                          <a:rPr lang="pt-BR" sz="2200" i="1">
+                            <a:latin typeface="Cambria Math" panose="02040503050406030204" pitchFamily="18" charset="0"/>
+                          </a:rPr>
+                          <m:t>2</m:t>
+                        </m:r>
+                      </m:sup>
+                    </m:sSup>
+                    <m:d>
+                      <m:dPr>
+                        <m:ctrlPr>
+                          <a:rPr lang="pt-BR" sz="2200" i="1">
+                            <a:latin typeface="Cambria Math" panose="02040503050406030204" pitchFamily="18" charset="0"/>
+                          </a:rPr>
+                        </m:ctrlPr>
+                      </m:dPr>
+                      <m:e>
+                        <m:sSubSup>
+                          <m:sSubSupPr>
+                            <m:ctrlPr>
+                              <a:rPr lang="pt-BR" sz="2200" i="1">
+                                <a:latin typeface="Cambria Math" panose="02040503050406030204" pitchFamily="18" charset="0"/>
+                              </a:rPr>
+                            </m:ctrlPr>
+                          </m:sSubSupPr>
+                          <m:e>
+                            <m:r>
+                              <a:rPr lang="pt-BR" sz="2200" i="1">
+                                <a:latin typeface="Cambria Math" panose="02040503050406030204" pitchFamily="18" charset="0"/>
+                              </a:rPr>
+                              <m:t>𝑢</m:t>
+                            </m:r>
+                          </m:e>
+                          <m:sub>
+                            <m:r>
+                              <a:rPr lang="pt-BR" sz="2200" i="1">
+                                <a:latin typeface="Cambria Math" panose="02040503050406030204" pitchFamily="18" charset="0"/>
+                              </a:rPr>
+                              <m:t>1</m:t>
+                            </m:r>
+                          </m:sub>
+                          <m:sup>
+                            <m:r>
+                              <a:rPr lang="pt-BR" sz="2200" i="1">
+                                <a:latin typeface="Cambria Math" panose="02040503050406030204" pitchFamily="18" charset="0"/>
+                              </a:rPr>
+                              <m:t>2</m:t>
+                            </m:r>
+                          </m:sup>
+                        </m:sSubSup>
+                      </m:e>
+                    </m:d>
+                    <m:sSubSup>
+                      <m:sSubSupPr>
+                        <m:ctrlPr>
+                          <a:rPr lang="pt-BR" sz="2200" i="1">
+                            <a:latin typeface="Cambria Math" panose="02040503050406030204" pitchFamily="18" charset="0"/>
+                          </a:rPr>
+                        </m:ctrlPr>
+                      </m:sSubSupPr>
+                      <m:e>
+                        <m:r>
+                          <a:rPr lang="pt-BR" sz="2200" i="1">
+                            <a:latin typeface="Cambria Math" panose="02040503050406030204" pitchFamily="18" charset="0"/>
+                          </a:rPr>
+                          <m:t>𝑤</m:t>
+                        </m:r>
+                      </m:e>
+                      <m:sub>
+                        <m:r>
+                          <a:rPr lang="pt-BR" sz="2200" i="1">
+                            <a:latin typeface="Cambria Math" panose="02040503050406030204" pitchFamily="18" charset="0"/>
+                          </a:rPr>
+                          <m:t>1,1</m:t>
+                        </m:r>
+                      </m:sub>
+                      <m:sup>
+                        <m:r>
+                          <a:rPr lang="pt-BR" sz="2200" i="1">
+                            <a:latin typeface="Cambria Math" panose="02040503050406030204" pitchFamily="18" charset="0"/>
+                          </a:rPr>
+                          <m:t>2</m:t>
+                        </m:r>
+                      </m:sup>
+                    </m:sSubSup>
+                    <m:sSup>
+                      <m:sSupPr>
+                        <m:ctrlPr>
+                          <a:rPr lang="pt-BR" sz="2200" i="1">
+                            <a:latin typeface="Cambria Math" panose="02040503050406030204" pitchFamily="18" charset="0"/>
+                          </a:rPr>
+                        </m:ctrlPr>
+                      </m:sSupPr>
+                      <m:e>
+                        <m:r>
+                          <a:rPr lang="pt-BR" sz="2200" i="1">
+                            <a:latin typeface="Cambria Math" panose="02040503050406030204" pitchFamily="18" charset="0"/>
+                          </a:rPr>
+                          <m:t>𝑓</m:t>
+                        </m:r>
+                      </m:e>
+                      <m:sup>
+                        <m:r>
+                          <a:rPr lang="pt-BR" sz="2200" i="1">
+                            <a:latin typeface="Cambria Math" panose="02040503050406030204" pitchFamily="18" charset="0"/>
+                          </a:rPr>
+                          <m:t>′1</m:t>
+                        </m:r>
+                      </m:sup>
+                    </m:sSup>
+                    <m:d>
+                      <m:dPr>
+                        <m:ctrlPr>
+                          <a:rPr lang="pt-BR" sz="2200" i="1">
+                            <a:latin typeface="Cambria Math" panose="02040503050406030204" pitchFamily="18" charset="0"/>
+                          </a:rPr>
+                        </m:ctrlPr>
+                      </m:dPr>
+                      <m:e>
+                        <m:sSubSup>
+                          <m:sSubSupPr>
+                            <m:ctrlPr>
+                              <a:rPr lang="pt-BR" sz="2200" i="1">
+                                <a:latin typeface="Cambria Math" panose="02040503050406030204" pitchFamily="18" charset="0"/>
+                              </a:rPr>
+                            </m:ctrlPr>
+                          </m:sSubSupPr>
+                          <m:e>
+                            <m:r>
+                              <a:rPr lang="pt-BR" sz="2200" i="1">
+                                <a:latin typeface="Cambria Math" panose="02040503050406030204" pitchFamily="18" charset="0"/>
+                              </a:rPr>
+                              <m:t>𝑢</m:t>
+                            </m:r>
+                          </m:e>
+                          <m:sub>
+                            <m:r>
+                              <a:rPr lang="pt-BR" sz="2200" i="1">
+                                <a:latin typeface="Cambria Math" panose="02040503050406030204" pitchFamily="18" charset="0"/>
+                              </a:rPr>
+                              <m:t>1</m:t>
+                            </m:r>
+                          </m:sub>
+                          <m:sup>
+                            <m:r>
+                              <a:rPr lang="pt-BR" sz="2200" i="1">
+                                <a:latin typeface="Cambria Math" panose="02040503050406030204" pitchFamily="18" charset="0"/>
+                              </a:rPr>
+                              <m:t>1</m:t>
+                            </m:r>
+                          </m:sup>
+                        </m:sSubSup>
+                      </m:e>
+                    </m:d>
+                    <m:sSub>
+                      <m:sSubPr>
+                        <m:ctrlPr>
+                          <a:rPr lang="pt-BR" sz="2200" i="1">
+                            <a:latin typeface="Cambria Math" panose="02040503050406030204" pitchFamily="18" charset="0"/>
+                          </a:rPr>
+                        </m:ctrlPr>
+                      </m:sSubPr>
+                      <m:e>
+                        <m:r>
+                          <a:rPr lang="pt-BR" sz="2200" i="1">
+                            <a:latin typeface="Cambria Math" panose="02040503050406030204" pitchFamily="18" charset="0"/>
+                          </a:rPr>
+                          <m:t>𝑥</m:t>
+                        </m:r>
+                      </m:e>
+                      <m:sub>
+                        <m:r>
+                          <a:rPr lang="pt-BR" sz="2200" i="1">
+                            <a:latin typeface="Cambria Math" panose="02040503050406030204" pitchFamily="18" charset="0"/>
+                          </a:rPr>
+                          <m:t>1</m:t>
+                        </m:r>
+                      </m:sub>
+                    </m:sSub>
+                  </m:oMath>
+                </a14:m>
+                <a:endParaRPr lang="pt-BR" sz="2200" dirty="0" smtClean="0"/>
+              </a:p>
+            </p:txBody>
+          </p:sp>
+        </mc:Choice>
+        <mc:Fallback>
+          <p:sp>
+            <p:nvSpPr>
+              <p:cNvPr id="3" name="Content Placeholder 2"/>
+              <p:cNvSpPr>
+                <a:spLocks noGrp="1" noRot="1" noChangeAspect="1" noMove="1" noResize="1" noEditPoints="1" noAdjustHandles="1" noChangeArrowheads="1" noChangeShapeType="1" noTextEdit="1"/>
+              </p:cNvSpPr>
+              <p:nvPr>
+                <p:ph idx="1"/>
+              </p:nvPr>
+            </p:nvSpPr>
+            <p:spPr>
+              <a:xfrm>
+                <a:off x="838200" y="1825624"/>
+                <a:ext cx="7520609" cy="5032376"/>
+              </a:xfrm>
+              <a:blipFill rotWithShape="0">
+                <a:blip r:embed="rId2"/>
+                <a:stretch>
+                  <a:fillRect l="-1460" t="-1937"/>
+                </a:stretch>
+              </a:blipFill>
+            </p:spPr>
+            <p:txBody>
+              <a:bodyPr/>
+              <a:lstStyle/>
+              <a:p>
+                <a:r>
+                  <a:rPr lang="pt-BR">
+                    <a:noFill/>
+                  </a:rPr>
+                  <a:t> </a:t>
+                </a:r>
+              </a:p>
+            </p:txBody>
+          </p:sp>
+        </mc:Fallback>
+      </mc:AlternateContent>
+      <p:pic>
+        <p:nvPicPr>
+          <p:cNvPr id="4" name="Picture 3"/>
+          <p:cNvPicPr>
+            <a:picLocks noChangeAspect="1"/>
+          </p:cNvPicPr>
+          <p:nvPr/>
+        </p:nvPicPr>
+        <p:blipFill rotWithShape="1">
+          <a:blip r:embed="rId3" cstate="print">
+            <a:extLst>
+              <a:ext uri="{28A0092B-C50C-407E-A947-70E740481C1C}">
+                <a14:useLocalDpi xmlns:a14="http://schemas.microsoft.com/office/drawing/2010/main" val="0"/>
+              </a:ext>
+            </a:extLst>
+          </a:blip>
+          <a:srcRect r="656"/>
+          <a:stretch/>
+        </p:blipFill>
+        <p:spPr>
+          <a:xfrm>
+            <a:off x="8292978" y="2972836"/>
+            <a:ext cx="3862428" cy="2334660"/>
+          </a:xfrm>
+          <a:prstGeom prst="rect">
+            <a:avLst/>
+          </a:prstGeom>
+        </p:spPr>
+      </p:pic>
+    </p:spTree>
+    <p:extLst>
+      <p:ext uri="{BB962C8B-B14F-4D97-AF65-F5344CB8AC3E}">
+        <p14:creationId xmlns:p14="http://schemas.microsoft.com/office/powerpoint/2010/main" val="3525407328"/>
+      </p:ext>
+    </p:extLst>
+  </p:cSld>
+  <p:clrMapOvr>
+    <a:masterClrMapping/>
+  </p:clrMapOvr>
+</p:sld>
+</file>
+
+<file path=ppt/slides/slide28.xml><?xml version="1.0" encoding="utf-8"?>
+<p:sld xmlns:a="http://schemas.openxmlformats.org/drawingml/2006/main" xmlns:r="http://schemas.openxmlformats.org/officeDocument/2006/relationships" xmlns:p="http://schemas.openxmlformats.org/presentationml/2006/main">
+  <p:cSld>
+    <p:spTree>
+      <p:nvGrpSpPr>
+        <p:cNvPr id="1" name=""/>
+        <p:cNvGrpSpPr/>
+        <p:nvPr/>
+      </p:nvGrpSpPr>
+      <p:grpSpPr>
+        <a:xfrm>
+          <a:off x="0" y="0"/>
+          <a:ext cx="0" cy="0"/>
+          <a:chOff x="0" y="0"/>
+          <a:chExt cx="0" cy="0"/>
+        </a:xfrm>
+      </p:grpSpPr>
+      <p:sp>
+        <p:nvSpPr>
+          <p:cNvPr id="2" name="Title 1"/>
+          <p:cNvSpPr>
+            <a:spLocks noGrp="1"/>
+          </p:cNvSpPr>
+          <p:nvPr>
+            <p:ph type="title"/>
+          </p:nvPr>
+        </p:nvSpPr>
+        <p:spPr/>
+        <p:txBody>
+          <a:bodyPr/>
+          <a:lstStyle/>
+          <a:p>
+            <a:r>
+              <a:rPr lang="pt-BR" dirty="0"/>
+              <a:t>Exemplo da retropropagação do erro</a:t>
+            </a:r>
+          </a:p>
+        </p:txBody>
+      </p:sp>
+      <mc:AlternateContent xmlns:mc="http://schemas.openxmlformats.org/markup-compatibility/2006">
+        <mc:Choice xmlns:a14="http://schemas.microsoft.com/office/drawing/2010/main" Requires="a14">
           <p:sp>
             <p:nvSpPr>
               <p:cNvPr id="3" name="Content Placeholder 2"/>
@@ -22622,8 +24820,9 @@
               <a:p>
                 <a:r>
                   <a:rPr lang="pt-BR" dirty="0" smtClean="0"/>
-                  <a:t>Se fôssemos calcular as derivadas aplicando a regra da cadeia diretamente, elas seriam calculadas como mostrado abaixo.</a:t>
-                </a:r>
+                  <a:t>Aplicando-se o mesmo procedimento aos outros pesos, temos:</a:t>
+                </a:r>
+                <a:endParaRPr lang="pt-BR" dirty="0" smtClean="0"/>
               </a:p>
               <a:p>
                 <a:pPr marL="0" indent="0">
@@ -22656,6 +24855,23 @@
                             </a:rPr>
                             <m:t>𝐽</m:t>
                           </m:r>
+                          <m:d>
+                            <m:dPr>
+                              <m:ctrlPr>
+                                <a:rPr lang="pt-BR" i="1">
+                                  <a:latin typeface="Cambria Math" panose="02040503050406030204" pitchFamily="18" charset="0"/>
+                                </a:rPr>
+                              </m:ctrlPr>
+                            </m:dPr>
+                            <m:e>
+                              <m:r>
+                                <a:rPr lang="pt-BR" b="1" i="1">
+                                  <a:latin typeface="Cambria Math" panose="02040503050406030204" pitchFamily="18" charset="0"/>
+                                </a:rPr>
+                                <m:t>𝒘</m:t>
+                              </m:r>
+                            </m:e>
+                          </m:d>
                         </m:num>
                         <m:den>
                           <m:r>
@@ -23507,6 +25723,23 @@
                             </a:rPr>
                             <m:t>𝐽</m:t>
                           </m:r>
+                          <m:d>
+                            <m:dPr>
+                              <m:ctrlPr>
+                                <a:rPr lang="pt-BR" i="1">
+                                  <a:latin typeface="Cambria Math" panose="02040503050406030204" pitchFamily="18" charset="0"/>
+                                </a:rPr>
+                              </m:ctrlPr>
+                            </m:dPr>
+                            <m:e>
+                              <m:r>
+                                <a:rPr lang="pt-BR" b="1" i="1">
+                                  <a:latin typeface="Cambria Math" panose="02040503050406030204" pitchFamily="18" charset="0"/>
+                                </a:rPr>
+                                <m:t>𝒘</m:t>
+                              </m:r>
+                            </m:e>
+                          </m:d>
                         </m:num>
                         <m:den>
                           <m:r>
@@ -24376,6 +26609,23 @@
                             </a:rPr>
                             <m:t>𝐽</m:t>
                           </m:r>
+                          <m:d>
+                            <m:dPr>
+                              <m:ctrlPr>
+                                <a:rPr lang="pt-BR" i="1">
+                                  <a:latin typeface="Cambria Math" panose="02040503050406030204" pitchFamily="18" charset="0"/>
+                                </a:rPr>
+                              </m:ctrlPr>
+                            </m:dPr>
+                            <m:e>
+                              <m:r>
+                                <a:rPr lang="pt-BR" b="1" i="1">
+                                  <a:latin typeface="Cambria Math" panose="02040503050406030204" pitchFamily="18" charset="0"/>
+                                </a:rPr>
+                                <m:t>𝒘</m:t>
+                              </m:r>
+                            </m:e>
+                          </m:d>
                         </m:num>
                         <m:den>
                           <m:r>
@@ -25199,7 +27449,7 @@
             </p:txBody>
           </p:sp>
         </mc:Choice>
-        <mc:Fallback xmlns="">
+        <mc:Fallback>
           <p:sp>
             <p:nvSpPr>
               <p:cNvPr id="3" name="Content Placeholder 2"/>
@@ -25250,7 +27500,7 @@
 </p:sld>
 </file>
 
-<file path=ppt/slides/slide28.xml><?xml version="1.0" encoding="utf-8"?>
+<file path=ppt/slides/slide29.xml><?xml version="1.0" encoding="utf-8"?>
 <p:sld xmlns:a="http://schemas.openxmlformats.org/drawingml/2006/main" xmlns:r="http://schemas.openxmlformats.org/officeDocument/2006/relationships" xmlns:p="http://schemas.openxmlformats.org/presentationml/2006/main">
   <p:cSld>
     <p:spTree>
@@ -25504,7 +27754,362 @@
 </p:sld>
 </file>
 
-<file path=ppt/slides/slide29.xml><?xml version="1.0" encoding="utf-8"?>
+<file path=ppt/slides/slide3.xml><?xml version="1.0" encoding="utf-8"?>
+<p:sld xmlns:a="http://schemas.openxmlformats.org/drawingml/2006/main" xmlns:r="http://schemas.openxmlformats.org/officeDocument/2006/relationships" xmlns:p="http://schemas.openxmlformats.org/presentationml/2006/main">
+  <p:cSld>
+    <p:spTree>
+      <p:nvGrpSpPr>
+        <p:cNvPr id="1" name=""/>
+        <p:cNvGrpSpPr/>
+        <p:nvPr/>
+      </p:nvGrpSpPr>
+      <p:grpSpPr>
+        <a:xfrm>
+          <a:off x="0" y="0"/>
+          <a:ext cx="0" cy="0"/>
+          <a:chOff x="0" y="0"/>
+          <a:chExt cx="0" cy="0"/>
+        </a:xfrm>
+      </p:grpSpPr>
+      <p:sp>
+        <p:nvSpPr>
+          <p:cNvPr id="2" name="Title 1"/>
+          <p:cNvSpPr>
+            <a:spLocks noGrp="1"/>
+          </p:cNvSpPr>
+          <p:nvPr>
+            <p:ph type="title"/>
+          </p:nvPr>
+        </p:nvSpPr>
+        <p:spPr/>
+        <p:txBody>
+          <a:bodyPr/>
+          <a:lstStyle/>
+          <a:p>
+            <a:r>
+              <a:rPr lang="pt-BR" dirty="0"/>
+              <a:t>Aprendizado em Redes Neurais</a:t>
+            </a:r>
+          </a:p>
+        </p:txBody>
+      </p:sp>
+      <mc:AlternateContent xmlns:mc="http://schemas.openxmlformats.org/markup-compatibility/2006" xmlns:a14="http://schemas.microsoft.com/office/drawing/2010/main">
+        <mc:Choice Requires="a14">
+          <p:sp>
+            <p:nvSpPr>
+              <p:cNvPr id="3" name="Content Placeholder 2"/>
+              <p:cNvSpPr>
+                <a:spLocks noGrp="1"/>
+              </p:cNvSpPr>
+              <p:nvPr>
+                <p:ph idx="1"/>
+              </p:nvPr>
+            </p:nvSpPr>
+            <p:spPr>
+              <a:xfrm>
+                <a:off x="838200" y="1825624"/>
+                <a:ext cx="11136086" cy="5032375"/>
+              </a:xfrm>
+            </p:spPr>
+            <p:txBody>
+              <a:bodyPr>
+                <a:normAutofit fontScale="92500" lnSpcReduction="10000"/>
+              </a:bodyPr>
+              <a:lstStyle/>
+              <a:p>
+                <a:r>
+                  <a:rPr lang="pt-BR" dirty="0"/>
+                  <a:t>Consideramos agora, o processo de otimização, ou seja, de </a:t>
+                </a:r>
+                <a:r>
+                  <a:rPr lang="pt-BR" dirty="0" smtClean="0"/>
+                  <a:t>atualização dos </a:t>
+                </a:r>
+                <a:r>
+                  <a:rPr lang="pt-BR" b="1" i="1" dirty="0"/>
+                  <a:t>pesos </a:t>
+                </a:r>
+                <a:r>
+                  <a:rPr lang="pt-BR" b="1" i="1" dirty="0" smtClean="0"/>
+                  <a:t>sinápticos</a:t>
+                </a:r>
+                <a:r>
+                  <a:rPr lang="pt-BR" dirty="0" smtClean="0"/>
+                  <a:t>.</a:t>
+                </a:r>
+                <a:endParaRPr lang="pt-BR" dirty="0"/>
+              </a:p>
+              <a:p>
+                <a:r>
+                  <a:rPr lang="pt-BR" dirty="0" smtClean="0"/>
+                  <a:t>Assim como vimos anteriormente, o processo </a:t>
+                </a:r>
+                <a:r>
+                  <a:rPr lang="pt-BR" dirty="0"/>
+                  <a:t>de otimização corresponde a </a:t>
+                </a:r>
+                <a:r>
+                  <a:rPr lang="pt-BR" dirty="0" smtClean="0"/>
+                  <a:t>um </a:t>
+                </a:r>
+                <a:r>
+                  <a:rPr lang="pt-BR" b="1" i="1" dirty="0" smtClean="0"/>
+                  <a:t>problema de </a:t>
+                </a:r>
+                <a:r>
+                  <a:rPr lang="pt-BR" b="1" i="1" dirty="0"/>
+                  <a:t>minimização</a:t>
+                </a:r>
+                <a:r>
+                  <a:rPr lang="pt-BR" dirty="0"/>
+                  <a:t> de uma </a:t>
+                </a:r>
+                <a:r>
+                  <a:rPr lang="pt-BR" b="1" i="1" dirty="0"/>
+                  <a:t>função custo</a:t>
+                </a:r>
+                <a:r>
+                  <a:rPr lang="pt-BR" dirty="0"/>
+                  <a:t>,</a:t>
+                </a:r>
+                <a:r>
+                  <a:rPr lang="pt-BR" b="1" i="1" dirty="0"/>
+                  <a:t> </a:t>
+                </a:r>
+                <a14:m>
+                  <m:oMath xmlns:m="http://schemas.openxmlformats.org/officeDocument/2006/math">
+                    <m:r>
+                      <a:rPr lang="pt-BR" b="0" i="1" smtClean="0">
+                        <a:latin typeface="Cambria Math" panose="02040503050406030204" pitchFamily="18" charset="0"/>
+                      </a:rPr>
+                      <m:t>𝐽</m:t>
+                    </m:r>
+                    <m:d>
+                      <m:dPr>
+                        <m:ctrlPr>
+                          <a:rPr lang="pt-BR" b="1" i="1" smtClean="0">
+                            <a:latin typeface="Cambria Math" panose="02040503050406030204" pitchFamily="18" charset="0"/>
+                          </a:rPr>
+                        </m:ctrlPr>
+                      </m:dPr>
+                      <m:e>
+                        <m:r>
+                          <a:rPr lang="pt-BR" b="1" i="1" smtClean="0">
+                            <a:latin typeface="Cambria Math" panose="02040503050406030204" pitchFamily="18" charset="0"/>
+                          </a:rPr>
+                          <m:t>𝒘</m:t>
+                        </m:r>
+                      </m:e>
+                    </m:d>
+                  </m:oMath>
+                </a14:m>
+                <a:r>
+                  <a:rPr lang="pt-BR" dirty="0"/>
+                  <a:t>, com respeito a um vetor de pesos </a:t>
+                </a:r>
+                <a14:m>
+                  <m:oMath xmlns:m="http://schemas.openxmlformats.org/officeDocument/2006/math">
+                    <m:r>
+                      <a:rPr lang="pt-BR" b="1" i="1">
+                        <a:latin typeface="Cambria Math" panose="02040503050406030204" pitchFamily="18" charset="0"/>
+                      </a:rPr>
+                      <m:t>𝒘</m:t>
+                    </m:r>
+                  </m:oMath>
+                </a14:m>
+                <a:r>
+                  <a:rPr lang="pt-BR" dirty="0"/>
+                  <a:t>. </a:t>
+                </a:r>
+              </a:p>
+              <a:p>
+                <a:r>
+                  <a:rPr lang="pt-BR" dirty="0"/>
+                  <a:t>Portanto, o problema de aprendizado em redes neurais pode ser formulado como</a:t>
+                </a:r>
+              </a:p>
+              <a:p>
+                <a:pPr marL="0" indent="0" algn="ctr">
+                  <a:buNone/>
+                </a:pPr>
+                <a14:m>
+                  <m:oMathPara xmlns:m="http://schemas.openxmlformats.org/officeDocument/2006/math">
+                    <m:oMathParaPr>
+                      <m:jc m:val="centerGroup"/>
+                    </m:oMathParaPr>
+                    <m:oMath xmlns:m="http://schemas.openxmlformats.org/officeDocument/2006/math">
+                      <m:func>
+                        <m:funcPr>
+                          <m:ctrlPr>
+                            <a:rPr lang="pt-BR" i="1" smtClean="0">
+                              <a:latin typeface="Cambria Math" panose="02040503050406030204" pitchFamily="18" charset="0"/>
+                            </a:rPr>
+                          </m:ctrlPr>
+                        </m:funcPr>
+                        <m:fName>
+                          <m:limLow>
+                            <m:limLowPr>
+                              <m:ctrlPr>
+                                <a:rPr lang="pt-BR" i="1" smtClean="0">
+                                  <a:latin typeface="Cambria Math" panose="02040503050406030204" pitchFamily="18" charset="0"/>
+                                </a:rPr>
+                              </m:ctrlPr>
+                            </m:limLowPr>
+                            <m:e>
+                              <m:r>
+                                <m:rPr>
+                                  <m:sty m:val="p"/>
+                                </m:rPr>
+                                <a:rPr lang="pt-BR" i="0" smtClean="0">
+                                  <a:latin typeface="Cambria Math" panose="02040503050406030204" pitchFamily="18" charset="0"/>
+                                </a:rPr>
+                                <m:t>min</m:t>
+                              </m:r>
+                            </m:e>
+                            <m:lim>
+                              <m:r>
+                                <a:rPr lang="pt-BR" b="1" i="1" smtClean="0">
+                                  <a:latin typeface="Cambria Math" panose="02040503050406030204" pitchFamily="18" charset="0"/>
+                                </a:rPr>
+                                <m:t>𝒘</m:t>
+                              </m:r>
+                            </m:lim>
+                          </m:limLow>
+                        </m:fName>
+                        <m:e>
+                          <m:r>
+                            <a:rPr lang="pt-BR" i="1">
+                              <a:latin typeface="Cambria Math" panose="02040503050406030204" pitchFamily="18" charset="0"/>
+                            </a:rPr>
+                            <m:t>𝐽</m:t>
+                          </m:r>
+                          <m:d>
+                            <m:dPr>
+                              <m:ctrlPr>
+                                <a:rPr lang="pt-BR" b="1" i="1">
+                                  <a:latin typeface="Cambria Math" panose="02040503050406030204" pitchFamily="18" charset="0"/>
+                                </a:rPr>
+                              </m:ctrlPr>
+                            </m:dPr>
+                            <m:e>
+                              <m:r>
+                                <a:rPr lang="pt-BR" b="1" i="1">
+                                  <a:latin typeface="Cambria Math" panose="02040503050406030204" pitchFamily="18" charset="0"/>
+                                </a:rPr>
+                                <m:t>𝒘</m:t>
+                              </m:r>
+                            </m:e>
+                          </m:d>
+                        </m:e>
+                      </m:func>
+                    </m:oMath>
+                  </m:oMathPara>
+                </a14:m>
+                <a:endParaRPr lang="pt-BR" dirty="0"/>
+              </a:p>
+              <a:p>
+                <a:r>
+                  <a:rPr lang="pt-BR" dirty="0"/>
+                  <a:t>Normalmente, esse processo de otimização é conduzido de forma iterativa, o que dá um sentido mais natural à noção de aprendizado (como um processo gradual</a:t>
+                </a:r>
+                <a:r>
+                  <a:rPr lang="pt-BR" dirty="0" smtClean="0"/>
+                  <a:t>).</a:t>
+                </a:r>
+                <a:endParaRPr lang="pt-BR" dirty="0"/>
+              </a:p>
+              <a:p>
+                <a:r>
+                  <a:rPr lang="pt-BR" dirty="0"/>
+                  <a:t>Existem vários métodos de otimização aplicáveis, mas, sem dúvida, os mais utilizados são aqueles baseados nas derivadas da função custo, </a:t>
+                </a:r>
+                <a14:m>
+                  <m:oMath xmlns:m="http://schemas.openxmlformats.org/officeDocument/2006/math">
+                    <m:r>
+                      <a:rPr lang="pt-BR" i="1">
+                        <a:latin typeface="Cambria Math" panose="02040503050406030204" pitchFamily="18" charset="0"/>
+                      </a:rPr>
+                      <m:t>𝐽</m:t>
+                    </m:r>
+                    <m:d>
+                      <m:dPr>
+                        <m:ctrlPr>
+                          <a:rPr lang="pt-BR" b="1" i="1">
+                            <a:latin typeface="Cambria Math" panose="02040503050406030204" pitchFamily="18" charset="0"/>
+                          </a:rPr>
+                        </m:ctrlPr>
+                      </m:dPr>
+                      <m:e>
+                        <m:r>
+                          <a:rPr lang="pt-BR" b="1" i="1">
+                            <a:latin typeface="Cambria Math" panose="02040503050406030204" pitchFamily="18" charset="0"/>
+                          </a:rPr>
+                          <m:t>𝒘</m:t>
+                        </m:r>
+                      </m:e>
+                    </m:d>
+                  </m:oMath>
+                </a14:m>
+                <a:r>
+                  <a:rPr lang="pt-BR" dirty="0"/>
+                  <a:t>.</a:t>
+                </a:r>
+              </a:p>
+            </p:txBody>
+          </p:sp>
+        </mc:Choice>
+        <mc:Fallback xmlns="">
+          <p:sp>
+            <p:nvSpPr>
+              <p:cNvPr id="3" name="Content Placeholder 2"/>
+              <p:cNvSpPr>
+                <a:spLocks noGrp="1" noRot="1" noChangeAspect="1" noMove="1" noResize="1" noEditPoints="1" noAdjustHandles="1" noChangeArrowheads="1" noChangeShapeType="1" noTextEdit="1"/>
+              </p:cNvSpPr>
+              <p:nvPr>
+                <p:ph idx="1"/>
+              </p:nvPr>
+            </p:nvSpPr>
+            <p:spPr>
+              <a:xfrm>
+                <a:off x="838200" y="1825624"/>
+                <a:ext cx="11136086" cy="5032375"/>
+              </a:xfrm>
+              <a:blipFill rotWithShape="0">
+                <a:blip r:embed="rId3"/>
+                <a:stretch>
+                  <a:fillRect l="-876" t="-2421" r="-1314"/>
+                </a:stretch>
+              </a:blipFill>
+            </p:spPr>
+            <p:txBody>
+              <a:bodyPr/>
+              <a:lstStyle/>
+              <a:p>
+                <a:r>
+                  <a:rPr lang="pt-BR">
+                    <a:noFill/>
+                  </a:rPr>
+                  <a:t> </a:t>
+                </a:r>
+              </a:p>
+            </p:txBody>
+          </p:sp>
+        </mc:Fallback>
+      </mc:AlternateContent>
+    </p:spTree>
+    <p:extLst>
+      <p:ext uri="{BB962C8B-B14F-4D97-AF65-F5344CB8AC3E}">
+        <p14:creationId xmlns:p14="http://schemas.microsoft.com/office/powerpoint/2010/main" val="782461008"/>
+      </p:ext>
+    </p:extLst>
+  </p:cSld>
+  <p:clrMapOvr>
+    <a:masterClrMapping/>
+  </p:clrMapOvr>
+</p:sld>
+</file>
+
+<file path=ppt/slides/slide30.xml><?xml version="1.0" encoding="utf-8"?>
 <p:sld xmlns:a="http://schemas.openxmlformats.org/drawingml/2006/main" xmlns:r="http://schemas.openxmlformats.org/officeDocument/2006/relationships" xmlns:p="http://schemas.openxmlformats.org/presentationml/2006/main">
   <p:cSld>
     <p:spTree>
@@ -25589,362 +28194,7 @@
 </p:sld>
 </file>
 
-<file path=ppt/slides/slide3.xml><?xml version="1.0" encoding="utf-8"?>
-<p:sld xmlns:a="http://schemas.openxmlformats.org/drawingml/2006/main" xmlns:r="http://schemas.openxmlformats.org/officeDocument/2006/relationships" xmlns:p="http://schemas.openxmlformats.org/presentationml/2006/main">
-  <p:cSld>
-    <p:spTree>
-      <p:nvGrpSpPr>
-        <p:cNvPr id="1" name=""/>
-        <p:cNvGrpSpPr/>
-        <p:nvPr/>
-      </p:nvGrpSpPr>
-      <p:grpSpPr>
-        <a:xfrm>
-          <a:off x="0" y="0"/>
-          <a:ext cx="0" cy="0"/>
-          <a:chOff x="0" y="0"/>
-          <a:chExt cx="0" cy="0"/>
-        </a:xfrm>
-      </p:grpSpPr>
-      <p:sp>
-        <p:nvSpPr>
-          <p:cNvPr id="2" name="Title 1"/>
-          <p:cNvSpPr>
-            <a:spLocks noGrp="1"/>
-          </p:cNvSpPr>
-          <p:nvPr>
-            <p:ph type="title"/>
-          </p:nvPr>
-        </p:nvSpPr>
-        <p:spPr/>
-        <p:txBody>
-          <a:bodyPr/>
-          <a:lstStyle/>
-          <a:p>
-            <a:r>
-              <a:rPr lang="pt-BR" dirty="0"/>
-              <a:t>Aprendizado em Redes Neurais</a:t>
-            </a:r>
-          </a:p>
-        </p:txBody>
-      </p:sp>
-      <mc:AlternateContent xmlns:mc="http://schemas.openxmlformats.org/markup-compatibility/2006" xmlns:a14="http://schemas.microsoft.com/office/drawing/2010/main">
-        <mc:Choice Requires="a14">
-          <p:sp>
-            <p:nvSpPr>
-              <p:cNvPr id="3" name="Content Placeholder 2"/>
-              <p:cNvSpPr>
-                <a:spLocks noGrp="1"/>
-              </p:cNvSpPr>
-              <p:nvPr>
-                <p:ph idx="1"/>
-              </p:nvPr>
-            </p:nvSpPr>
-            <p:spPr>
-              <a:xfrm>
-                <a:off x="838200" y="1825624"/>
-                <a:ext cx="11136086" cy="5032375"/>
-              </a:xfrm>
-            </p:spPr>
-            <p:txBody>
-              <a:bodyPr>
-                <a:normAutofit fontScale="92500" lnSpcReduction="10000"/>
-              </a:bodyPr>
-              <a:lstStyle/>
-              <a:p>
-                <a:r>
-                  <a:rPr lang="pt-BR" dirty="0"/>
-                  <a:t>Consideramos agora, o processo de otimização, ou seja, de </a:t>
-                </a:r>
-                <a:r>
-                  <a:rPr lang="pt-BR" dirty="0" smtClean="0"/>
-                  <a:t>atualização dos </a:t>
-                </a:r>
-                <a:r>
-                  <a:rPr lang="pt-BR" b="1" i="1" dirty="0"/>
-                  <a:t>pesos </a:t>
-                </a:r>
-                <a:r>
-                  <a:rPr lang="pt-BR" b="1" i="1" dirty="0" smtClean="0"/>
-                  <a:t>sinápticos</a:t>
-                </a:r>
-                <a:r>
-                  <a:rPr lang="pt-BR" dirty="0" smtClean="0"/>
-                  <a:t>.</a:t>
-                </a:r>
-                <a:endParaRPr lang="pt-BR" dirty="0"/>
-              </a:p>
-              <a:p>
-                <a:r>
-                  <a:rPr lang="pt-BR" dirty="0" smtClean="0"/>
-                  <a:t>Assim como vimos anteriormente, o processo </a:t>
-                </a:r>
-                <a:r>
-                  <a:rPr lang="pt-BR" dirty="0"/>
-                  <a:t>de otimização corresponde a </a:t>
-                </a:r>
-                <a:r>
-                  <a:rPr lang="pt-BR" dirty="0" smtClean="0"/>
-                  <a:t>um </a:t>
-                </a:r>
-                <a:r>
-                  <a:rPr lang="pt-BR" b="1" i="1" dirty="0" smtClean="0"/>
-                  <a:t>problema de </a:t>
-                </a:r>
-                <a:r>
-                  <a:rPr lang="pt-BR" b="1" i="1" dirty="0"/>
-                  <a:t>minimização</a:t>
-                </a:r>
-                <a:r>
-                  <a:rPr lang="pt-BR" dirty="0"/>
-                  <a:t> de uma </a:t>
-                </a:r>
-                <a:r>
-                  <a:rPr lang="pt-BR" b="1" i="1" dirty="0"/>
-                  <a:t>função custo</a:t>
-                </a:r>
-                <a:r>
-                  <a:rPr lang="pt-BR" dirty="0"/>
-                  <a:t>,</a:t>
-                </a:r>
-                <a:r>
-                  <a:rPr lang="pt-BR" b="1" i="1" dirty="0"/>
-                  <a:t> </a:t>
-                </a:r>
-                <a14:m>
-                  <m:oMath xmlns:m="http://schemas.openxmlformats.org/officeDocument/2006/math">
-                    <m:r>
-                      <a:rPr lang="pt-BR" b="0" i="1" smtClean="0">
-                        <a:latin typeface="Cambria Math" panose="02040503050406030204" pitchFamily="18" charset="0"/>
-                      </a:rPr>
-                      <m:t>𝐽</m:t>
-                    </m:r>
-                    <m:d>
-                      <m:dPr>
-                        <m:ctrlPr>
-                          <a:rPr lang="pt-BR" b="1" i="1" smtClean="0">
-                            <a:latin typeface="Cambria Math" panose="02040503050406030204" pitchFamily="18" charset="0"/>
-                          </a:rPr>
-                        </m:ctrlPr>
-                      </m:dPr>
-                      <m:e>
-                        <m:r>
-                          <a:rPr lang="pt-BR" b="1" i="1" smtClean="0">
-                            <a:latin typeface="Cambria Math" panose="02040503050406030204" pitchFamily="18" charset="0"/>
-                          </a:rPr>
-                          <m:t>𝒘</m:t>
-                        </m:r>
-                      </m:e>
-                    </m:d>
-                  </m:oMath>
-                </a14:m>
-                <a:r>
-                  <a:rPr lang="pt-BR" dirty="0"/>
-                  <a:t>, com respeito a um vetor de pesos </a:t>
-                </a:r>
-                <a14:m>
-                  <m:oMath xmlns:m="http://schemas.openxmlformats.org/officeDocument/2006/math">
-                    <m:r>
-                      <a:rPr lang="pt-BR" b="1" i="1">
-                        <a:latin typeface="Cambria Math" panose="02040503050406030204" pitchFamily="18" charset="0"/>
-                      </a:rPr>
-                      <m:t>𝒘</m:t>
-                    </m:r>
-                  </m:oMath>
-                </a14:m>
-                <a:r>
-                  <a:rPr lang="pt-BR" dirty="0"/>
-                  <a:t>. </a:t>
-                </a:r>
-              </a:p>
-              <a:p>
-                <a:r>
-                  <a:rPr lang="pt-BR" dirty="0"/>
-                  <a:t>Portanto, o problema de aprendizado em redes neurais pode ser formulado como</a:t>
-                </a:r>
-              </a:p>
-              <a:p>
-                <a:pPr marL="0" indent="0" algn="ctr">
-                  <a:buNone/>
-                </a:pPr>
-                <a14:m>
-                  <m:oMathPara xmlns:m="http://schemas.openxmlformats.org/officeDocument/2006/math">
-                    <m:oMathParaPr>
-                      <m:jc m:val="centerGroup"/>
-                    </m:oMathParaPr>
-                    <m:oMath xmlns:m="http://schemas.openxmlformats.org/officeDocument/2006/math">
-                      <m:func>
-                        <m:funcPr>
-                          <m:ctrlPr>
-                            <a:rPr lang="pt-BR" i="1" smtClean="0">
-                              <a:latin typeface="Cambria Math" panose="02040503050406030204" pitchFamily="18" charset="0"/>
-                            </a:rPr>
-                          </m:ctrlPr>
-                        </m:funcPr>
-                        <m:fName>
-                          <m:limLow>
-                            <m:limLowPr>
-                              <m:ctrlPr>
-                                <a:rPr lang="pt-BR" i="1" smtClean="0">
-                                  <a:latin typeface="Cambria Math" panose="02040503050406030204" pitchFamily="18" charset="0"/>
-                                </a:rPr>
-                              </m:ctrlPr>
-                            </m:limLowPr>
-                            <m:e>
-                              <m:r>
-                                <m:rPr>
-                                  <m:sty m:val="p"/>
-                                </m:rPr>
-                                <a:rPr lang="pt-BR" i="0" smtClean="0">
-                                  <a:latin typeface="Cambria Math" panose="02040503050406030204" pitchFamily="18" charset="0"/>
-                                </a:rPr>
-                                <m:t>min</m:t>
-                              </m:r>
-                            </m:e>
-                            <m:lim>
-                              <m:r>
-                                <a:rPr lang="pt-BR" b="1" i="1" smtClean="0">
-                                  <a:latin typeface="Cambria Math" panose="02040503050406030204" pitchFamily="18" charset="0"/>
-                                </a:rPr>
-                                <m:t>𝒘</m:t>
-                              </m:r>
-                            </m:lim>
-                          </m:limLow>
-                        </m:fName>
-                        <m:e>
-                          <m:r>
-                            <a:rPr lang="pt-BR" i="1">
-                              <a:latin typeface="Cambria Math" panose="02040503050406030204" pitchFamily="18" charset="0"/>
-                            </a:rPr>
-                            <m:t>𝐽</m:t>
-                          </m:r>
-                          <m:d>
-                            <m:dPr>
-                              <m:ctrlPr>
-                                <a:rPr lang="pt-BR" b="1" i="1">
-                                  <a:latin typeface="Cambria Math" panose="02040503050406030204" pitchFamily="18" charset="0"/>
-                                </a:rPr>
-                              </m:ctrlPr>
-                            </m:dPr>
-                            <m:e>
-                              <m:r>
-                                <a:rPr lang="pt-BR" b="1" i="1">
-                                  <a:latin typeface="Cambria Math" panose="02040503050406030204" pitchFamily="18" charset="0"/>
-                                </a:rPr>
-                                <m:t>𝒘</m:t>
-                              </m:r>
-                            </m:e>
-                          </m:d>
-                        </m:e>
-                      </m:func>
-                    </m:oMath>
-                  </m:oMathPara>
-                </a14:m>
-                <a:endParaRPr lang="pt-BR" dirty="0"/>
-              </a:p>
-              <a:p>
-                <a:r>
-                  <a:rPr lang="pt-BR" dirty="0"/>
-                  <a:t>Normalmente, esse processo de otimização é conduzido de forma iterativa, o que dá um sentido mais natural à noção de aprendizado (como um processo gradual</a:t>
-                </a:r>
-                <a:r>
-                  <a:rPr lang="pt-BR" dirty="0" smtClean="0"/>
-                  <a:t>).</a:t>
-                </a:r>
-                <a:endParaRPr lang="pt-BR" dirty="0"/>
-              </a:p>
-              <a:p>
-                <a:r>
-                  <a:rPr lang="pt-BR" dirty="0"/>
-                  <a:t>Existem vários métodos de otimização aplicáveis, mas, sem dúvida, os mais utilizados são aqueles baseados nas derivadas da função custo, </a:t>
-                </a:r>
-                <a14:m>
-                  <m:oMath xmlns:m="http://schemas.openxmlformats.org/officeDocument/2006/math">
-                    <m:r>
-                      <a:rPr lang="pt-BR" i="1">
-                        <a:latin typeface="Cambria Math" panose="02040503050406030204" pitchFamily="18" charset="0"/>
-                      </a:rPr>
-                      <m:t>𝐽</m:t>
-                    </m:r>
-                    <m:d>
-                      <m:dPr>
-                        <m:ctrlPr>
-                          <a:rPr lang="pt-BR" b="1" i="1">
-                            <a:latin typeface="Cambria Math" panose="02040503050406030204" pitchFamily="18" charset="0"/>
-                          </a:rPr>
-                        </m:ctrlPr>
-                      </m:dPr>
-                      <m:e>
-                        <m:r>
-                          <a:rPr lang="pt-BR" b="1" i="1">
-                            <a:latin typeface="Cambria Math" panose="02040503050406030204" pitchFamily="18" charset="0"/>
-                          </a:rPr>
-                          <m:t>𝒘</m:t>
-                        </m:r>
-                      </m:e>
-                    </m:d>
-                  </m:oMath>
-                </a14:m>
-                <a:r>
-                  <a:rPr lang="pt-BR" dirty="0"/>
-                  <a:t>.</a:t>
-                </a:r>
-              </a:p>
-            </p:txBody>
-          </p:sp>
-        </mc:Choice>
-        <mc:Fallback xmlns="">
-          <p:sp>
-            <p:nvSpPr>
-              <p:cNvPr id="3" name="Content Placeholder 2"/>
-              <p:cNvSpPr>
-                <a:spLocks noGrp="1" noRot="1" noChangeAspect="1" noMove="1" noResize="1" noEditPoints="1" noAdjustHandles="1" noChangeArrowheads="1" noChangeShapeType="1" noTextEdit="1"/>
-              </p:cNvSpPr>
-              <p:nvPr>
-                <p:ph idx="1"/>
-              </p:nvPr>
-            </p:nvSpPr>
-            <p:spPr>
-              <a:xfrm>
-                <a:off x="838200" y="1825624"/>
-                <a:ext cx="11136086" cy="5032375"/>
-              </a:xfrm>
-              <a:blipFill rotWithShape="0">
-                <a:blip r:embed="rId3"/>
-                <a:stretch>
-                  <a:fillRect l="-876" t="-2421" r="-1314"/>
-                </a:stretch>
-              </a:blipFill>
-            </p:spPr>
-            <p:txBody>
-              <a:bodyPr/>
-              <a:lstStyle/>
-              <a:p>
-                <a:r>
-                  <a:rPr lang="pt-BR">
-                    <a:noFill/>
-                  </a:rPr>
-                  <a:t> </a:t>
-                </a:r>
-              </a:p>
-            </p:txBody>
-          </p:sp>
-        </mc:Fallback>
-      </mc:AlternateContent>
-    </p:spTree>
-    <p:extLst>
-      <p:ext uri="{BB962C8B-B14F-4D97-AF65-F5344CB8AC3E}">
-        <p14:creationId xmlns:p14="http://schemas.microsoft.com/office/powerpoint/2010/main" val="782461008"/>
-      </p:ext>
-    </p:extLst>
-  </p:cSld>
-  <p:clrMapOvr>
-    <a:masterClrMapping/>
-  </p:clrMapOvr>
-</p:sld>
-</file>
-
-<file path=ppt/slides/slide30.xml><?xml version="1.0" encoding="utf-8"?>
+<file path=ppt/slides/slide31.xml><?xml version="1.0" encoding="utf-8"?>
 <p:sld xmlns:a="http://schemas.openxmlformats.org/drawingml/2006/main" xmlns:r="http://schemas.openxmlformats.org/officeDocument/2006/relationships" xmlns:p="http://schemas.openxmlformats.org/presentationml/2006/main">
   <p:cSld>
     <p:spTree>
@@ -26218,7 +28468,7 @@
 </p:sld>
 </file>
 
-<file path=ppt/slides/slide31.xml><?xml version="1.0" encoding="utf-8"?>
+<file path=ppt/slides/slide32.xml><?xml version="1.0" encoding="utf-8"?>
 <p:sld xmlns:a="http://schemas.openxmlformats.org/drawingml/2006/main" xmlns:r="http://schemas.openxmlformats.org/officeDocument/2006/relationships" xmlns:p="http://schemas.openxmlformats.org/presentationml/2006/main">
   <p:cSld>
     <p:spTree>
@@ -26303,7 +28553,7 @@
 </p:sld>
 </file>
 
-<file path=ppt/slides/slide32.xml><?xml version="1.0" encoding="utf-8"?>
+<file path=ppt/slides/slide33.xml><?xml version="1.0" encoding="utf-8"?>
 <p:sld xmlns:a="http://schemas.openxmlformats.org/drawingml/2006/main" xmlns:r="http://schemas.openxmlformats.org/officeDocument/2006/relationships" xmlns:p="http://schemas.openxmlformats.org/presentationml/2006/main">
   <p:cSld>
     <p:spTree>
@@ -28033,7 +30283,7 @@
 </p:sld>
 </file>
 
-<file path=ppt/slides/slide33.xml><?xml version="1.0" encoding="utf-8"?>
+<file path=ppt/slides/slide34.xml><?xml version="1.0" encoding="utf-8"?>
 <p:sld xmlns:a="http://schemas.openxmlformats.org/drawingml/2006/main" xmlns:r="http://schemas.openxmlformats.org/officeDocument/2006/relationships" xmlns:p="http://schemas.openxmlformats.org/presentationml/2006/main">
   <p:cSld>
     <p:spTree>
@@ -32345,7 +34595,7 @@
 </p:sld>
 </file>
 
-<file path=ppt/slides/slide34.xml><?xml version="1.0" encoding="utf-8"?>
+<file path=ppt/slides/slide35.xml><?xml version="1.0" encoding="utf-8"?>
 <p:sld xmlns:a="http://schemas.openxmlformats.org/drawingml/2006/main" xmlns:r="http://schemas.openxmlformats.org/officeDocument/2006/relationships" xmlns:p="http://schemas.openxmlformats.org/presentationml/2006/main">
   <p:cSld>
     <p:spTree>
@@ -38780,7 +41030,7 @@
 </p:sld>
 </file>
 
-<file path=ppt/slides/slide35.xml><?xml version="1.0" encoding="utf-8"?>
+<file path=ppt/slides/slide36.xml><?xml version="1.0" encoding="utf-8"?>
 <p:sld xmlns:a="http://schemas.openxmlformats.org/drawingml/2006/main" xmlns:r="http://schemas.openxmlformats.org/officeDocument/2006/relationships" xmlns:p="http://schemas.openxmlformats.org/presentationml/2006/main">
   <p:cSld>
     <p:spTree>

--- a/slides/T320_Redes_Neurais_Artificiais (Parte III).pptx
+++ b/slides/T320_Redes_Neurais_Artificiais (Parte III).pptx
@@ -269,7 +269,7 @@
           <a:p>
             <a:fld id="{C3C82C08-3EFC-4473-8294-F0E229C19EFF}" type="datetimeFigureOut">
               <a:rPr lang="pt-BR" smtClean="0"/>
-              <a:t>26/11/2021</a:t>
+              <a:t>27/11/2021</a:t>
             </a:fld>
             <a:endParaRPr lang="pt-BR"/>
           </a:p>
@@ -4396,7 +4396,7 @@
           <a:p>
             <a:fld id="{221D0464-8C8A-49C0-859F-777E51766A35}" type="datetimeFigureOut">
               <a:rPr lang="pt-BR" smtClean="0"/>
-              <a:t>26/11/2021</a:t>
+              <a:t>27/11/2021</a:t>
             </a:fld>
             <a:endParaRPr lang="pt-BR"/>
           </a:p>
@@ -4566,7 +4566,7 @@
           <a:p>
             <a:fld id="{221D0464-8C8A-49C0-859F-777E51766A35}" type="datetimeFigureOut">
               <a:rPr lang="pt-BR" smtClean="0"/>
-              <a:t>26/11/2021</a:t>
+              <a:t>27/11/2021</a:t>
             </a:fld>
             <a:endParaRPr lang="pt-BR"/>
           </a:p>
@@ -4746,7 +4746,7 @@
           <a:p>
             <a:fld id="{221D0464-8C8A-49C0-859F-777E51766A35}" type="datetimeFigureOut">
               <a:rPr lang="pt-BR" smtClean="0"/>
-              <a:t>26/11/2021</a:t>
+              <a:t>27/11/2021</a:t>
             </a:fld>
             <a:endParaRPr lang="pt-BR"/>
           </a:p>
@@ -4916,7 +4916,7 @@
           <a:p>
             <a:fld id="{221D0464-8C8A-49C0-859F-777E51766A35}" type="datetimeFigureOut">
               <a:rPr lang="pt-BR" smtClean="0"/>
-              <a:t>26/11/2021</a:t>
+              <a:t>27/11/2021</a:t>
             </a:fld>
             <a:endParaRPr lang="pt-BR"/>
           </a:p>
@@ -5162,7 +5162,7 @@
           <a:p>
             <a:fld id="{221D0464-8C8A-49C0-859F-777E51766A35}" type="datetimeFigureOut">
               <a:rPr lang="pt-BR" smtClean="0"/>
-              <a:t>26/11/2021</a:t>
+              <a:t>27/11/2021</a:t>
             </a:fld>
             <a:endParaRPr lang="pt-BR"/>
           </a:p>
@@ -5394,7 +5394,7 @@
           <a:p>
             <a:fld id="{221D0464-8C8A-49C0-859F-777E51766A35}" type="datetimeFigureOut">
               <a:rPr lang="pt-BR" smtClean="0"/>
-              <a:t>26/11/2021</a:t>
+              <a:t>27/11/2021</a:t>
             </a:fld>
             <a:endParaRPr lang="pt-BR"/>
           </a:p>
@@ -5761,7 +5761,7 @@
           <a:p>
             <a:fld id="{221D0464-8C8A-49C0-859F-777E51766A35}" type="datetimeFigureOut">
               <a:rPr lang="pt-BR" smtClean="0"/>
-              <a:t>26/11/2021</a:t>
+              <a:t>27/11/2021</a:t>
             </a:fld>
             <a:endParaRPr lang="pt-BR"/>
           </a:p>
@@ -5879,7 +5879,7 @@
           <a:p>
             <a:fld id="{221D0464-8C8A-49C0-859F-777E51766A35}" type="datetimeFigureOut">
               <a:rPr lang="pt-BR" smtClean="0"/>
-              <a:t>26/11/2021</a:t>
+              <a:t>27/11/2021</a:t>
             </a:fld>
             <a:endParaRPr lang="pt-BR"/>
           </a:p>
@@ -5974,7 +5974,7 @@
           <a:p>
             <a:fld id="{221D0464-8C8A-49C0-859F-777E51766A35}" type="datetimeFigureOut">
               <a:rPr lang="pt-BR" smtClean="0"/>
-              <a:t>26/11/2021</a:t>
+              <a:t>27/11/2021</a:t>
             </a:fld>
             <a:endParaRPr lang="pt-BR"/>
           </a:p>
@@ -6251,7 +6251,7 @@
           <a:p>
             <a:fld id="{221D0464-8C8A-49C0-859F-777E51766A35}" type="datetimeFigureOut">
               <a:rPr lang="pt-BR" smtClean="0"/>
-              <a:t>26/11/2021</a:t>
+              <a:t>27/11/2021</a:t>
             </a:fld>
             <a:endParaRPr lang="pt-BR"/>
           </a:p>
@@ -6504,7 +6504,7 @@
           <a:p>
             <a:fld id="{221D0464-8C8A-49C0-859F-777E51766A35}" type="datetimeFigureOut">
               <a:rPr lang="pt-BR" smtClean="0"/>
-              <a:t>26/11/2021</a:t>
+              <a:t>27/11/2021</a:t>
             </a:fld>
             <a:endParaRPr lang="pt-BR"/>
           </a:p>
@@ -6717,7 +6717,7 @@
           <a:p>
             <a:fld id="{221D0464-8C8A-49C0-859F-777E51766A35}" type="datetimeFigureOut">
               <a:rPr lang="pt-BR" smtClean="0"/>
-              <a:t>26/11/2021</a:t>
+              <a:t>27/11/2021</a:t>
             </a:fld>
             <a:endParaRPr lang="pt-BR"/>
           </a:p>
@@ -7127,7 +7127,7 @@
           <p:cNvPr id="2" name="Título 1">
             <a:extLst>
               <a:ext uri="{FF2B5EF4-FFF2-40B4-BE49-F238E27FC236}">
-                <a16:creationId xmlns="" xmlns:a16="http://schemas.microsoft.com/office/drawing/2014/main" id="{32666AC8-2E17-4DB4-B0F5-60C640CCFD2E}"/>
+                <a16:creationId xmlns:a16="http://schemas.microsoft.com/office/drawing/2014/main" xmlns="" id="{32666AC8-2E17-4DB4-B0F5-60C640CCFD2E}"/>
               </a:ext>
             </a:extLst>
           </p:cNvPr>
@@ -7178,7 +7178,7 @@
           <p:cNvPr id="4" name="CaixaDeTexto 3">
             <a:extLst>
               <a:ext uri="{FF2B5EF4-FFF2-40B4-BE49-F238E27FC236}">
-                <a16:creationId xmlns="" xmlns:a16="http://schemas.microsoft.com/office/drawing/2014/main" id="{430EB894-B7D4-434C-9D1A-A14094D9BEEC}"/>
+                <a16:creationId xmlns:a16="http://schemas.microsoft.com/office/drawing/2014/main" xmlns="" id="{430EB894-B7D4-434C-9D1A-A14094D9BEEC}"/>
               </a:ext>
             </a:extLst>
           </p:cNvPr>
@@ -7219,7 +7219,7 @@
           <p:cNvPr id="1026" name="Picture 2" descr="Logo">
             <a:extLst>
               <a:ext uri="{FF2B5EF4-FFF2-40B4-BE49-F238E27FC236}">
-                <a16:creationId xmlns="" xmlns:a16="http://schemas.microsoft.com/office/drawing/2014/main" id="{3F2642E0-4F6A-4196-8F58-E77D36E9A33F}"/>
+                <a16:creationId xmlns:a16="http://schemas.microsoft.com/office/drawing/2014/main" xmlns="" id="{3F2642E0-4F6A-4196-8F58-E77D36E9A33F}"/>
               </a:ext>
             </a:extLst>
           </p:cNvPr>
@@ -7264,7 +7264,7 @@
           <p:cNvPr id="5122" name="Picture 2" descr="Image result for machine learning">
             <a:extLst>
               <a:ext uri="{FF2B5EF4-FFF2-40B4-BE49-F238E27FC236}">
-                <a16:creationId xmlns="" xmlns:a16="http://schemas.microsoft.com/office/drawing/2014/main" id="{810CE0A2-4102-44A6-A370-175E7896CDCB}"/>
+                <a16:creationId xmlns:a16="http://schemas.microsoft.com/office/drawing/2014/main" xmlns="" id="{810CE0A2-4102-44A6-A370-175E7896CDCB}"/>
               </a:ext>
             </a:extLst>
           </p:cNvPr>
@@ -18176,8 +18176,8 @@
           </a:p>
         </p:txBody>
       </p:sp>
-      <mc:AlternateContent xmlns:mc="http://schemas.openxmlformats.org/markup-compatibility/2006" xmlns:a14="http://schemas.microsoft.com/office/drawing/2010/main">
-        <mc:Choice Requires="a14">
+      <mc:AlternateContent xmlns:mc="http://schemas.openxmlformats.org/markup-compatibility/2006">
+        <mc:Choice xmlns:a14="http://schemas.microsoft.com/office/drawing/2010/main" Requires="a14">
           <p:sp>
             <p:nvSpPr>
               <p:cNvPr id="3" name="Content Placeholder 2"/>
@@ -19171,7 +19171,11 @@
                 </a14:m>
                 <a:r>
                   <a:rPr lang="pt-BR" dirty="0" smtClean="0"/>
-                  <a:t>são vetores de dimensão </a:t>
+                  <a:t>são vetores de </a:t>
+                </a:r>
+                <a:r>
+                  <a:rPr lang="pt-BR" dirty="0" smtClean="0"/>
+                  <a:t>dimensão </a:t>
                 </a:r>
                 <a14:m>
                   <m:oMath xmlns:m="http://schemas.openxmlformats.org/officeDocument/2006/math">
@@ -19193,13 +19197,10 @@
                       </m:e>
                       <m:sub>
                         <m:r>
-                          <m:rPr>
-                            <m:sty m:val="p"/>
-                          </m:rPr>
-                          <a:rPr lang="pt-BR">
+                          <a:rPr lang="pt-BR" i="1">
                             <a:latin typeface="Cambria Math" panose="02040503050406030204" pitchFamily="18" charset="0"/>
                           </a:rPr>
-                          <m:t>dados</m:t>
+                          <m:t>𝑀</m:t>
                         </m:r>
                       </m:sub>
                     </m:sSub>
@@ -19451,7 +19452,7 @@
             </p:txBody>
           </p:sp>
         </mc:Choice>
-        <mc:Fallback xmlns="">
+        <mc:Fallback>
           <p:sp>
             <p:nvSpPr>
               <p:cNvPr id="3" name="Content Placeholder 2"/>
@@ -19542,8 +19543,8 @@
           </a:p>
         </p:txBody>
       </p:sp>
-      <mc:AlternateContent xmlns:mc="http://schemas.openxmlformats.org/markup-compatibility/2006">
-        <mc:Choice xmlns:a14="http://schemas.microsoft.com/office/drawing/2010/main" Requires="a14">
+      <mc:AlternateContent xmlns:mc="http://schemas.openxmlformats.org/markup-compatibility/2006" xmlns:a14="http://schemas.microsoft.com/office/drawing/2010/main">
+        <mc:Choice Requires="a14">
           <p:sp>
             <p:nvSpPr>
               <p:cNvPr id="3" name="Content Placeholder 2"/>
@@ -19910,7 +19911,7 @@
             </p:txBody>
           </p:sp>
         </mc:Choice>
-        <mc:Fallback>
+        <mc:Fallback xmlns="">
           <p:sp>
             <p:nvSpPr>
               <p:cNvPr id="3" name="Content Placeholder 2"/>
@@ -20007,8 +20008,8 @@
           </a:p>
         </p:txBody>
       </p:sp>
-      <mc:AlternateContent xmlns:mc="http://schemas.openxmlformats.org/markup-compatibility/2006">
-        <mc:Choice xmlns:a14="http://schemas.microsoft.com/office/drawing/2010/main" Requires="a14">
+      <mc:AlternateContent xmlns:mc="http://schemas.openxmlformats.org/markup-compatibility/2006" xmlns:a14="http://schemas.microsoft.com/office/drawing/2010/main">
+        <mc:Choice Requires="a14">
           <p:sp>
             <p:nvSpPr>
               <p:cNvPr id="3" name="Content Placeholder 2"/>
@@ -20049,15 +20050,7 @@
                 </a:r>
                 <a:r>
                   <a:rPr lang="pt-BR" dirty="0" smtClean="0"/>
-                  <a:t>saída com um </a:t>
-                </a:r>
-                <a:r>
-                  <a:rPr lang="pt-BR" dirty="0" smtClean="0"/>
-                  <a:t>único nó</a:t>
-                </a:r>
-                <a:r>
-                  <a:rPr lang="pt-BR" dirty="0" smtClean="0"/>
-                  <a:t>, portanto </a:t>
+                  <a:t>saída com um único nó, portanto </a:t>
                 </a:r>
                 <a14:m>
                   <m:oMath xmlns:m="http://schemas.openxmlformats.org/officeDocument/2006/math">
@@ -20334,7 +20327,7 @@
             </p:txBody>
           </p:sp>
         </mc:Choice>
-        <mc:Fallback>
+        <mc:Fallback xmlns="">
           <p:sp>
             <p:nvSpPr>
               <p:cNvPr id="3" name="Content Placeholder 2"/>
@@ -21726,8 +21719,8 @@
           </a:p>
         </p:txBody>
       </p:sp>
-      <mc:AlternateContent xmlns:mc="http://schemas.openxmlformats.org/markup-compatibility/2006">
-        <mc:Choice xmlns:a14="http://schemas.microsoft.com/office/drawing/2010/main" Requires="a14">
+      <mc:AlternateContent xmlns:mc="http://schemas.openxmlformats.org/markup-compatibility/2006" xmlns:a14="http://schemas.microsoft.com/office/drawing/2010/main">
+        <mc:Choice Requires="a14">
           <p:sp>
             <p:nvSpPr>
               <p:cNvPr id="3" name="Content Placeholder 2"/>
@@ -22087,11 +22080,7 @@
               <a:p>
                 <a:r>
                   <a:rPr lang="pt-BR" dirty="0" smtClean="0"/>
-                  <a:t>Agora, para </a:t>
-                </a:r>
-                <a:r>
-                  <a:rPr lang="pt-BR" dirty="0" smtClean="0"/>
-                  <a:t>obtermos o vetor </a:t>
+                  <a:t>Agora, para obtermos o vetor </a:t>
                 </a:r>
                 <a:r>
                   <a:rPr lang="pt-BR" dirty="0"/>
@@ -22871,7 +22860,7 @@
             </p:txBody>
           </p:sp>
         </mc:Choice>
-        <mc:Fallback>
+        <mc:Fallback xmlns="">
           <p:sp>
             <p:nvSpPr>
               <p:cNvPr id="3" name="Content Placeholder 2"/>
@@ -23043,8 +23032,8 @@
           </a:p>
         </p:txBody>
       </p:sp>
-      <mc:AlternateContent xmlns:mc="http://schemas.openxmlformats.org/markup-compatibility/2006">
-        <mc:Choice xmlns:a14="http://schemas.microsoft.com/office/drawing/2010/main" Requires="a14">
+      <mc:AlternateContent xmlns:mc="http://schemas.openxmlformats.org/markup-compatibility/2006" xmlns:a14="http://schemas.microsoft.com/office/drawing/2010/main">
+        <mc:Choice Requires="a14">
           <p:sp>
             <p:nvSpPr>
               <p:cNvPr id="3" name="Content Placeholder 2"/>
@@ -23170,13 +23159,7 @@
                         <a:rPr lang="pt-BR" sz="2200" i="1">
                           <a:latin typeface="Cambria Math" panose="02040503050406030204" pitchFamily="18" charset="0"/>
                         </a:rPr>
-                        <m:t>=</m:t>
-                      </m:r>
-                      <m:r>
-                        <a:rPr lang="pt-BR" sz="2200" i="1">
-                          <a:latin typeface="Cambria Math" panose="02040503050406030204" pitchFamily="18" charset="0"/>
-                        </a:rPr>
-                        <m:t> </m:t>
+                        <m:t>= </m:t>
                       </m:r>
                       <m:limLow>
                         <m:limLowPr>
@@ -24677,7 +24660,7 @@
             </p:txBody>
           </p:sp>
         </mc:Choice>
-        <mc:Fallback>
+        <mc:Fallback xmlns="">
           <p:sp>
             <p:nvSpPr>
               <p:cNvPr id="3" name="Content Placeholder 2"/>
@@ -24796,8 +24779,8 @@
           </a:p>
         </p:txBody>
       </p:sp>
-      <mc:AlternateContent xmlns:mc="http://schemas.openxmlformats.org/markup-compatibility/2006">
-        <mc:Choice xmlns:a14="http://schemas.microsoft.com/office/drawing/2010/main" Requires="a14">
+      <mc:AlternateContent xmlns:mc="http://schemas.openxmlformats.org/markup-compatibility/2006" xmlns:a14="http://schemas.microsoft.com/office/drawing/2010/main">
+        <mc:Choice Requires="a14">
           <p:sp>
             <p:nvSpPr>
               <p:cNvPr id="3" name="Content Placeholder 2"/>
@@ -24822,7 +24805,6 @@
                   <a:rPr lang="pt-BR" dirty="0" smtClean="0"/>
                   <a:t>Aplicando-se o mesmo procedimento aos outros pesos, temos:</a:t>
                 </a:r>
-                <a:endParaRPr lang="pt-BR" dirty="0" smtClean="0"/>
               </a:p>
               <a:p>
                 <a:pPr marL="0" indent="0">
@@ -27449,7 +27431,7 @@
             </p:txBody>
           </p:sp>
         </mc:Choice>
-        <mc:Fallback>
+        <mc:Fallback xmlns="">
           <p:sp>
             <p:nvSpPr>
               <p:cNvPr id="3" name="Content Placeholder 2"/>
@@ -28131,7 +28113,7 @@
           <p:cNvPr id="4" name="Título 1">
             <a:extLst>
               <a:ext uri="{FF2B5EF4-FFF2-40B4-BE49-F238E27FC236}">
-                <a16:creationId xmlns="" xmlns:a16="http://schemas.microsoft.com/office/drawing/2014/main" id="{32666AC8-2E17-4DB4-B0F5-60C640CCFD2E}"/>
+                <a16:creationId xmlns:a16="http://schemas.microsoft.com/office/drawing/2014/main" xmlns="" id="{32666AC8-2E17-4DB4-B0F5-60C640CCFD2E}"/>
               </a:ext>
             </a:extLst>
           </p:cNvPr>
@@ -28490,7 +28472,7 @@
           <p:cNvPr id="4" name="Título 1">
             <a:extLst>
               <a:ext uri="{FF2B5EF4-FFF2-40B4-BE49-F238E27FC236}">
-                <a16:creationId xmlns="" xmlns:a16="http://schemas.microsoft.com/office/drawing/2014/main" id="{32666AC8-2E17-4DB4-B0F5-60C640CCFD2E}"/>
+                <a16:creationId xmlns:a16="http://schemas.microsoft.com/office/drawing/2014/main" xmlns="" id="{32666AC8-2E17-4DB4-B0F5-60C640CCFD2E}"/>
               </a:ext>
             </a:extLst>
           </p:cNvPr>

--- a/slides/T320_Redes_Neurais_Artificiais (Parte III).pptx
+++ b/slides/T320_Redes_Neurais_Artificiais (Parte III).pptx
@@ -269,7 +269,7 @@
           <a:p>
             <a:fld id="{C3C82C08-3EFC-4473-8294-F0E229C19EFF}" type="datetimeFigureOut">
               <a:rPr lang="pt-BR" smtClean="0"/>
-              <a:t>27/11/2021</a:t>
+              <a:t>20/05/2022</a:t>
             </a:fld>
             <a:endParaRPr lang="pt-BR"/>
           </a:p>
@@ -428,7 +428,7 @@
           <a:p>
             <a:fld id="{F430A2A4-8C14-4B1A-AD48-7B6401078BF7}" type="slidenum">
               <a:rPr lang="pt-BR" smtClean="0"/>
-              <a:t>‹#›</a:t>
+              <a:t>‹nº›</a:t>
             </a:fld>
             <a:endParaRPr lang="pt-BR"/>
           </a:p>
@@ -4396,7 +4396,7 @@
           <a:p>
             <a:fld id="{221D0464-8C8A-49C0-859F-777E51766A35}" type="datetimeFigureOut">
               <a:rPr lang="pt-BR" smtClean="0"/>
-              <a:t>27/11/2021</a:t>
+              <a:t>20/05/2022</a:t>
             </a:fld>
             <a:endParaRPr lang="pt-BR"/>
           </a:p>
@@ -4438,7 +4438,7 @@
           <a:p>
             <a:fld id="{5CB2E8FC-741C-4BF1-B071-7D772D706EF9}" type="slidenum">
               <a:rPr lang="pt-BR" smtClean="0"/>
-              <a:t>‹#›</a:t>
+              <a:t>‹nº›</a:t>
             </a:fld>
             <a:endParaRPr lang="pt-BR"/>
           </a:p>
@@ -4566,7 +4566,7 @@
           <a:p>
             <a:fld id="{221D0464-8C8A-49C0-859F-777E51766A35}" type="datetimeFigureOut">
               <a:rPr lang="pt-BR" smtClean="0"/>
-              <a:t>27/11/2021</a:t>
+              <a:t>20/05/2022</a:t>
             </a:fld>
             <a:endParaRPr lang="pt-BR"/>
           </a:p>
@@ -4608,7 +4608,7 @@
           <a:p>
             <a:fld id="{5CB2E8FC-741C-4BF1-B071-7D772D706EF9}" type="slidenum">
               <a:rPr lang="pt-BR" smtClean="0"/>
-              <a:t>‹#›</a:t>
+              <a:t>‹nº›</a:t>
             </a:fld>
             <a:endParaRPr lang="pt-BR"/>
           </a:p>
@@ -4746,7 +4746,7 @@
           <a:p>
             <a:fld id="{221D0464-8C8A-49C0-859F-777E51766A35}" type="datetimeFigureOut">
               <a:rPr lang="pt-BR" smtClean="0"/>
-              <a:t>27/11/2021</a:t>
+              <a:t>20/05/2022</a:t>
             </a:fld>
             <a:endParaRPr lang="pt-BR"/>
           </a:p>
@@ -4788,7 +4788,7 @@
           <a:p>
             <a:fld id="{5CB2E8FC-741C-4BF1-B071-7D772D706EF9}" type="slidenum">
               <a:rPr lang="pt-BR" smtClean="0"/>
-              <a:t>‹#›</a:t>
+              <a:t>‹nº›</a:t>
             </a:fld>
             <a:endParaRPr lang="pt-BR"/>
           </a:p>
@@ -4916,7 +4916,7 @@
           <a:p>
             <a:fld id="{221D0464-8C8A-49C0-859F-777E51766A35}" type="datetimeFigureOut">
               <a:rPr lang="pt-BR" smtClean="0"/>
-              <a:t>27/11/2021</a:t>
+              <a:t>20/05/2022</a:t>
             </a:fld>
             <a:endParaRPr lang="pt-BR"/>
           </a:p>
@@ -4958,7 +4958,7 @@
           <a:p>
             <a:fld id="{5CB2E8FC-741C-4BF1-B071-7D772D706EF9}" type="slidenum">
               <a:rPr lang="pt-BR" smtClean="0"/>
-              <a:t>‹#›</a:t>
+              <a:t>‹nº›</a:t>
             </a:fld>
             <a:endParaRPr lang="pt-BR"/>
           </a:p>
@@ -5162,7 +5162,7 @@
           <a:p>
             <a:fld id="{221D0464-8C8A-49C0-859F-777E51766A35}" type="datetimeFigureOut">
               <a:rPr lang="pt-BR" smtClean="0"/>
-              <a:t>27/11/2021</a:t>
+              <a:t>20/05/2022</a:t>
             </a:fld>
             <a:endParaRPr lang="pt-BR"/>
           </a:p>
@@ -5204,7 +5204,7 @@
           <a:p>
             <a:fld id="{5CB2E8FC-741C-4BF1-B071-7D772D706EF9}" type="slidenum">
               <a:rPr lang="pt-BR" smtClean="0"/>
-              <a:t>‹#›</a:t>
+              <a:t>‹nº›</a:t>
             </a:fld>
             <a:endParaRPr lang="pt-BR"/>
           </a:p>
@@ -5394,7 +5394,7 @@
           <a:p>
             <a:fld id="{221D0464-8C8A-49C0-859F-777E51766A35}" type="datetimeFigureOut">
               <a:rPr lang="pt-BR" smtClean="0"/>
-              <a:t>27/11/2021</a:t>
+              <a:t>20/05/2022</a:t>
             </a:fld>
             <a:endParaRPr lang="pt-BR"/>
           </a:p>
@@ -5436,7 +5436,7 @@
           <a:p>
             <a:fld id="{5CB2E8FC-741C-4BF1-B071-7D772D706EF9}" type="slidenum">
               <a:rPr lang="pt-BR" smtClean="0"/>
-              <a:t>‹#›</a:t>
+              <a:t>‹nº›</a:t>
             </a:fld>
             <a:endParaRPr lang="pt-BR"/>
           </a:p>
@@ -5761,7 +5761,7 @@
           <a:p>
             <a:fld id="{221D0464-8C8A-49C0-859F-777E51766A35}" type="datetimeFigureOut">
               <a:rPr lang="pt-BR" smtClean="0"/>
-              <a:t>27/11/2021</a:t>
+              <a:t>20/05/2022</a:t>
             </a:fld>
             <a:endParaRPr lang="pt-BR"/>
           </a:p>
@@ -5803,7 +5803,7 @@
           <a:p>
             <a:fld id="{5CB2E8FC-741C-4BF1-B071-7D772D706EF9}" type="slidenum">
               <a:rPr lang="pt-BR" smtClean="0"/>
-              <a:t>‹#›</a:t>
+              <a:t>‹nº›</a:t>
             </a:fld>
             <a:endParaRPr lang="pt-BR"/>
           </a:p>
@@ -5879,7 +5879,7 @@
           <a:p>
             <a:fld id="{221D0464-8C8A-49C0-859F-777E51766A35}" type="datetimeFigureOut">
               <a:rPr lang="pt-BR" smtClean="0"/>
-              <a:t>27/11/2021</a:t>
+              <a:t>20/05/2022</a:t>
             </a:fld>
             <a:endParaRPr lang="pt-BR"/>
           </a:p>
@@ -5921,7 +5921,7 @@
           <a:p>
             <a:fld id="{5CB2E8FC-741C-4BF1-B071-7D772D706EF9}" type="slidenum">
               <a:rPr lang="pt-BR" smtClean="0"/>
-              <a:t>‹#›</a:t>
+              <a:t>‹nº›</a:t>
             </a:fld>
             <a:endParaRPr lang="pt-BR"/>
           </a:p>
@@ -5974,7 +5974,7 @@
           <a:p>
             <a:fld id="{221D0464-8C8A-49C0-859F-777E51766A35}" type="datetimeFigureOut">
               <a:rPr lang="pt-BR" smtClean="0"/>
-              <a:t>27/11/2021</a:t>
+              <a:t>20/05/2022</a:t>
             </a:fld>
             <a:endParaRPr lang="pt-BR"/>
           </a:p>
@@ -6016,7 +6016,7 @@
           <a:p>
             <a:fld id="{5CB2E8FC-741C-4BF1-B071-7D772D706EF9}" type="slidenum">
               <a:rPr lang="pt-BR" smtClean="0"/>
-              <a:t>‹#›</a:t>
+              <a:t>‹nº›</a:t>
             </a:fld>
             <a:endParaRPr lang="pt-BR"/>
           </a:p>
@@ -6251,7 +6251,7 @@
           <a:p>
             <a:fld id="{221D0464-8C8A-49C0-859F-777E51766A35}" type="datetimeFigureOut">
               <a:rPr lang="pt-BR" smtClean="0"/>
-              <a:t>27/11/2021</a:t>
+              <a:t>20/05/2022</a:t>
             </a:fld>
             <a:endParaRPr lang="pt-BR"/>
           </a:p>
@@ -6293,7 +6293,7 @@
           <a:p>
             <a:fld id="{5CB2E8FC-741C-4BF1-B071-7D772D706EF9}" type="slidenum">
               <a:rPr lang="pt-BR" smtClean="0"/>
-              <a:t>‹#›</a:t>
+              <a:t>‹nº›</a:t>
             </a:fld>
             <a:endParaRPr lang="pt-BR"/>
           </a:p>
@@ -6504,7 +6504,7 @@
           <a:p>
             <a:fld id="{221D0464-8C8A-49C0-859F-777E51766A35}" type="datetimeFigureOut">
               <a:rPr lang="pt-BR" smtClean="0"/>
-              <a:t>27/11/2021</a:t>
+              <a:t>20/05/2022</a:t>
             </a:fld>
             <a:endParaRPr lang="pt-BR"/>
           </a:p>
@@ -6546,7 +6546,7 @@
           <a:p>
             <a:fld id="{5CB2E8FC-741C-4BF1-B071-7D772D706EF9}" type="slidenum">
               <a:rPr lang="pt-BR" smtClean="0"/>
-              <a:t>‹#›</a:t>
+              <a:t>‹nº›</a:t>
             </a:fld>
             <a:endParaRPr lang="pt-BR"/>
           </a:p>
@@ -6717,7 +6717,7 @@
           <a:p>
             <a:fld id="{221D0464-8C8A-49C0-859F-777E51766A35}" type="datetimeFigureOut">
               <a:rPr lang="pt-BR" smtClean="0"/>
-              <a:t>27/11/2021</a:t>
+              <a:t>20/05/2022</a:t>
             </a:fld>
             <a:endParaRPr lang="pt-BR"/>
           </a:p>
@@ -6795,7 +6795,7 @@
           <a:p>
             <a:fld id="{5CB2E8FC-741C-4BF1-B071-7D772D706EF9}" type="slidenum">
               <a:rPr lang="pt-BR" smtClean="0"/>
-              <a:t>‹#›</a:t>
+              <a:t>‹nº›</a:t>
             </a:fld>
             <a:endParaRPr lang="pt-BR"/>
           </a:p>
@@ -7127,7 +7127,7 @@
           <p:cNvPr id="2" name="Título 1">
             <a:extLst>
               <a:ext uri="{FF2B5EF4-FFF2-40B4-BE49-F238E27FC236}">
-                <a16:creationId xmlns:a16="http://schemas.microsoft.com/office/drawing/2014/main" xmlns="" id="{32666AC8-2E17-4DB4-B0F5-60C640CCFD2E}"/>
+                <a16:creationId xmlns="" xmlns:a16="http://schemas.microsoft.com/office/drawing/2014/main" id="{32666AC8-2E17-4DB4-B0F5-60C640CCFD2E}"/>
               </a:ext>
             </a:extLst>
           </p:cNvPr>
@@ -7178,7 +7178,7 @@
           <p:cNvPr id="4" name="CaixaDeTexto 3">
             <a:extLst>
               <a:ext uri="{FF2B5EF4-FFF2-40B4-BE49-F238E27FC236}">
-                <a16:creationId xmlns:a16="http://schemas.microsoft.com/office/drawing/2014/main" xmlns="" id="{430EB894-B7D4-434C-9D1A-A14094D9BEEC}"/>
+                <a16:creationId xmlns="" xmlns:a16="http://schemas.microsoft.com/office/drawing/2014/main" id="{430EB894-B7D4-434C-9D1A-A14094D9BEEC}"/>
               </a:ext>
             </a:extLst>
           </p:cNvPr>
@@ -7219,7 +7219,7 @@
           <p:cNvPr id="1026" name="Picture 2" descr="Logo">
             <a:extLst>
               <a:ext uri="{FF2B5EF4-FFF2-40B4-BE49-F238E27FC236}">
-                <a16:creationId xmlns:a16="http://schemas.microsoft.com/office/drawing/2014/main" xmlns="" id="{3F2642E0-4F6A-4196-8F58-E77D36E9A33F}"/>
+                <a16:creationId xmlns="" xmlns:a16="http://schemas.microsoft.com/office/drawing/2014/main" id="{3F2642E0-4F6A-4196-8F58-E77D36E9A33F}"/>
               </a:ext>
             </a:extLst>
           </p:cNvPr>
@@ -7264,7 +7264,7 @@
           <p:cNvPr id="5122" name="Picture 2" descr="Image result for machine learning">
             <a:extLst>
               <a:ext uri="{FF2B5EF4-FFF2-40B4-BE49-F238E27FC236}">
-                <a16:creationId xmlns:a16="http://schemas.microsoft.com/office/drawing/2014/main" xmlns="" id="{810CE0A2-4102-44A6-A370-175E7896CDCB}"/>
+                <a16:creationId xmlns="" xmlns:a16="http://schemas.microsoft.com/office/drawing/2014/main" id="{810CE0A2-4102-44A6-A370-175E7896CDCB}"/>
               </a:ext>
             </a:extLst>
           </p:cNvPr>
@@ -18176,8 +18176,8 @@
           </a:p>
         </p:txBody>
       </p:sp>
-      <mc:AlternateContent xmlns:mc="http://schemas.openxmlformats.org/markup-compatibility/2006">
-        <mc:Choice xmlns:a14="http://schemas.microsoft.com/office/drawing/2010/main" Requires="a14">
+      <mc:AlternateContent xmlns:mc="http://schemas.openxmlformats.org/markup-compatibility/2006" xmlns:a14="http://schemas.microsoft.com/office/drawing/2010/main">
+        <mc:Choice Requires="a14">
           <p:sp>
             <p:nvSpPr>
               <p:cNvPr id="3" name="Content Placeholder 2"/>
@@ -19171,11 +19171,7 @@
                 </a14:m>
                 <a:r>
                   <a:rPr lang="pt-BR" dirty="0" smtClean="0"/>
-                  <a:t>são vetores de </a:t>
-                </a:r>
-                <a:r>
-                  <a:rPr lang="pt-BR" dirty="0" smtClean="0"/>
-                  <a:t>dimensão </a:t>
+                  <a:t>são vetores de dimensão </a:t>
                 </a:r>
                 <a14:m>
                   <m:oMath xmlns:m="http://schemas.openxmlformats.org/officeDocument/2006/math">
@@ -19452,7 +19448,7 @@
             </p:txBody>
           </p:sp>
         </mc:Choice>
-        <mc:Fallback>
+        <mc:Fallback xmlns="">
           <p:sp>
             <p:nvSpPr>
               <p:cNvPr id="3" name="Content Placeholder 2"/>
@@ -27679,8 +27675,21 @@
             <a:pPr lvl="1"/>
             <a:r>
               <a:rPr lang="pt-BR" dirty="0"/>
-              <a:t>Entrega: 12/12/2021.</a:t>
+              <a:t>Entrega</a:t>
             </a:r>
+            <a:r>
+              <a:rPr lang="pt-BR"/>
+              <a:t>: </a:t>
+            </a:r>
+            <a:r>
+              <a:rPr lang="pt-BR" smtClean="0"/>
+              <a:t>26</a:t>
+            </a:r>
+            <a:r>
+              <a:rPr lang="pt-BR" smtClean="0"/>
+              <a:t>/06/2022 até as 23:59.</a:t>
+            </a:r>
+            <a:endParaRPr lang="pt-BR" dirty="0"/>
           </a:p>
           <a:p>
             <a:pPr lvl="1"/>
@@ -28113,7 +28122,7 @@
           <p:cNvPr id="4" name="Título 1">
             <a:extLst>
               <a:ext uri="{FF2B5EF4-FFF2-40B4-BE49-F238E27FC236}">
-                <a16:creationId xmlns:a16="http://schemas.microsoft.com/office/drawing/2014/main" xmlns="" id="{32666AC8-2E17-4DB4-B0F5-60C640CCFD2E}"/>
+                <a16:creationId xmlns="" xmlns:a16="http://schemas.microsoft.com/office/drawing/2014/main" id="{32666AC8-2E17-4DB4-B0F5-60C640CCFD2E}"/>
               </a:ext>
             </a:extLst>
           </p:cNvPr>
@@ -28472,7 +28481,7 @@
           <p:cNvPr id="4" name="Título 1">
             <a:extLst>
               <a:ext uri="{FF2B5EF4-FFF2-40B4-BE49-F238E27FC236}">
-                <a16:creationId xmlns:a16="http://schemas.microsoft.com/office/drawing/2014/main" xmlns="" id="{32666AC8-2E17-4DB4-B0F5-60C640CCFD2E}"/>
+                <a16:creationId xmlns="" xmlns:a16="http://schemas.microsoft.com/office/drawing/2014/main" id="{32666AC8-2E17-4DB4-B0F5-60C640CCFD2E}"/>
               </a:ext>
             </a:extLst>
           </p:cNvPr>

--- a/slides/T320_Redes_Neurais_Artificiais (Parte III).pptx
+++ b/slides/T320_Redes_Neurais_Artificiais (Parte III).pptx
@@ -269,7 +269,7 @@
           <a:p>
             <a:fld id="{C3C82C08-3EFC-4473-8294-F0E229C19EFF}" type="datetimeFigureOut">
               <a:rPr lang="pt-BR" smtClean="0"/>
-              <a:t>20/05/2022</a:t>
+              <a:t>27/05/2022</a:t>
             </a:fld>
             <a:endParaRPr lang="pt-BR"/>
           </a:p>
@@ -831,6 +831,747 @@
       </p:grpSpPr>
       <p:sp>
         <p:nvSpPr>
+          <p:cNvPr id="2" name="Espaço Reservado para Imagem de Slide 1"/>
+          <p:cNvSpPr>
+            <a:spLocks noGrp="1" noRot="1" noChangeAspect="1"/>
+          </p:cNvSpPr>
+          <p:nvPr>
+            <p:ph type="sldImg"/>
+          </p:nvPr>
+        </p:nvSpPr>
+        <p:spPr/>
+      </p:sp>
+      <mc:AlternateContent xmlns:mc="http://schemas.openxmlformats.org/markup-compatibility/2006">
+        <mc:Choice xmlns:a14="http://schemas.microsoft.com/office/drawing/2010/main" Requires="a14">
+          <p:sp>
+            <p:nvSpPr>
+              <p:cNvPr id="3" name="Espaço Reservado para Anotações 2"/>
+              <p:cNvSpPr>
+                <a:spLocks noGrp="1"/>
+              </p:cNvSpPr>
+              <p:nvPr>
+                <p:ph type="body" idx="1"/>
+              </p:nvPr>
+            </p:nvSpPr>
+            <p:spPr/>
+            <p:txBody>
+              <a:bodyPr/>
+              <a:lstStyle/>
+              <a:p>
+                <a14:m>
+                  <m:oMath xmlns:m="http://schemas.openxmlformats.org/officeDocument/2006/math">
+                    <m:sSub>
+                      <m:sSubPr>
+                        <m:ctrlPr>
+                          <a:rPr lang="pt-BR" i="1" smtClean="0">
+                            <a:latin typeface="Cambria Math" panose="02040503050406030204" pitchFamily="18" charset="0"/>
+                          </a:rPr>
+                        </m:ctrlPr>
+                      </m:sSubPr>
+                      <m:e>
+                        <m:r>
+                          <a:rPr lang="pt-BR" i="1">
+                            <a:latin typeface="Cambria Math" panose="02040503050406030204" pitchFamily="18" charset="0"/>
+                          </a:rPr>
+                          <m:t>𝑑</m:t>
+                        </m:r>
+                      </m:e>
+                      <m:sub>
+                        <m:r>
+                          <a:rPr lang="pt-BR" i="1">
+                            <a:latin typeface="Cambria Math" panose="02040503050406030204" pitchFamily="18" charset="0"/>
+                          </a:rPr>
+                          <m:t>𝑗</m:t>
+                        </m:r>
+                      </m:sub>
+                    </m:sSub>
+                    <m:d>
+                      <m:dPr>
+                        <m:ctrlPr>
+                          <a:rPr lang="pt-BR" i="1">
+                            <a:latin typeface="Cambria Math" panose="02040503050406030204" pitchFamily="18" charset="0"/>
+                          </a:rPr>
+                        </m:ctrlPr>
+                      </m:dPr>
+                      <m:e>
+                        <m:r>
+                          <a:rPr lang="pt-BR" i="1">
+                            <a:latin typeface="Cambria Math" panose="02040503050406030204" pitchFamily="18" charset="0"/>
+                          </a:rPr>
+                          <m:t>𝑛</m:t>
+                        </m:r>
+                      </m:e>
+                    </m:d>
+                  </m:oMath>
+                </a14:m>
+                <a:r>
+                  <a:rPr lang="pt-BR" dirty="0"/>
+                  <a:t> é o valor desejado da </a:t>
+                </a:r>
+                <a14:m>
+                  <m:oMath xmlns:m="http://schemas.openxmlformats.org/officeDocument/2006/math">
+                    <m:r>
+                      <a:rPr lang="pt-BR" i="1">
+                        <a:latin typeface="Cambria Math" panose="02040503050406030204" pitchFamily="18" charset="0"/>
+                      </a:rPr>
+                      <m:t>𝑗</m:t>
+                    </m:r>
+                  </m:oMath>
+                </a14:m>
+                <a:r>
+                  <a:rPr lang="pt-BR" dirty="0" smtClean="0"/>
+                  <a:t>-</a:t>
+                </a:r>
+                <a:r>
+                  <a:rPr lang="pt-BR" dirty="0"/>
+                  <a:t>ésima saída (rótulo) correspondente ao </a:t>
+                </a:r>
+                <a14:m>
+                  <m:oMath xmlns:m="http://schemas.openxmlformats.org/officeDocument/2006/math">
+                    <m:r>
+                      <a:rPr lang="pt-BR" i="1">
+                        <a:latin typeface="Cambria Math" panose="02040503050406030204" pitchFamily="18" charset="0"/>
+                      </a:rPr>
+                      <m:t>𝑛</m:t>
+                    </m:r>
+                  </m:oMath>
+                </a14:m>
+                <a:r>
+                  <a:rPr lang="pt-BR" dirty="0"/>
+                  <a:t>-ésimo exemplo de </a:t>
+                </a:r>
+                <a:r>
+                  <a:rPr lang="pt-BR" dirty="0" smtClean="0"/>
+                  <a:t>entrada e </a:t>
+                </a:r>
+                <a14:m>
+                  <m:oMath xmlns:m="http://schemas.openxmlformats.org/officeDocument/2006/math">
+                    <m:sSubSup>
+                      <m:sSubSupPr>
+                        <m:ctrlPr>
+                          <a:rPr lang="pt-BR" i="1">
+                            <a:latin typeface="Cambria Math" panose="02040503050406030204" pitchFamily="18" charset="0"/>
+                          </a:rPr>
+                        </m:ctrlPr>
+                      </m:sSubSupPr>
+                      <m:e>
+                        <m:r>
+                          <a:rPr lang="pt-BR" i="1">
+                            <a:latin typeface="Cambria Math" panose="02040503050406030204" pitchFamily="18" charset="0"/>
+                          </a:rPr>
+                          <m:t>𝑦</m:t>
+                        </m:r>
+                      </m:e>
+                      <m:sub>
+                        <m:r>
+                          <a:rPr lang="pt-BR" i="1">
+                            <a:latin typeface="Cambria Math" panose="02040503050406030204" pitchFamily="18" charset="0"/>
+                          </a:rPr>
+                          <m:t>𝑗</m:t>
+                        </m:r>
+                      </m:sub>
+                      <m:sup>
+                        <m:r>
+                          <a:rPr lang="pt-BR" i="1">
+                            <a:latin typeface="Cambria Math" panose="02040503050406030204" pitchFamily="18" charset="0"/>
+                          </a:rPr>
+                          <m:t>𝑀</m:t>
+                        </m:r>
+                      </m:sup>
+                    </m:sSubSup>
+                    <m:d>
+                      <m:dPr>
+                        <m:ctrlPr>
+                          <a:rPr lang="pt-BR" i="1">
+                            <a:latin typeface="Cambria Math" panose="02040503050406030204" pitchFamily="18" charset="0"/>
+                          </a:rPr>
+                        </m:ctrlPr>
+                      </m:dPr>
+                      <m:e>
+                        <m:r>
+                          <a:rPr lang="pt-BR" i="1">
+                            <a:latin typeface="Cambria Math" panose="02040503050406030204" pitchFamily="18" charset="0"/>
+                          </a:rPr>
+                          <m:t>𝑛</m:t>
+                        </m:r>
+                      </m:e>
+                    </m:d>
+                  </m:oMath>
+                </a14:m>
+                <a:r>
+                  <a:rPr lang="pt-BR" dirty="0" smtClean="0"/>
+                  <a:t> é a saída do </a:t>
+                </a:r>
+                <a14:m>
+                  <m:oMath xmlns:m="http://schemas.openxmlformats.org/officeDocument/2006/math">
+                    <m:r>
+                      <a:rPr lang="pt-BR" i="1">
+                        <a:latin typeface="Cambria Math" panose="02040503050406030204" pitchFamily="18" charset="0"/>
+                      </a:rPr>
+                      <m:t>𝑗</m:t>
+                    </m:r>
+                  </m:oMath>
+                </a14:m>
+                <a:r>
+                  <a:rPr lang="pt-BR" dirty="0"/>
+                  <a:t>-</a:t>
+                </a:r>
+                <a:r>
+                  <a:rPr lang="pt-BR" dirty="0" err="1" smtClean="0"/>
+                  <a:t>ésimo</a:t>
+                </a:r>
+                <a:r>
+                  <a:rPr lang="pt-BR" dirty="0" smtClean="0"/>
+                  <a:t> nó da </a:t>
+                </a:r>
+                <a14:m>
+                  <m:oMath xmlns:m="http://schemas.openxmlformats.org/officeDocument/2006/math">
+                    <m:r>
+                      <a:rPr lang="pt-BR" i="1">
+                        <a:latin typeface="Cambria Math" panose="02040503050406030204" pitchFamily="18" charset="0"/>
+                      </a:rPr>
+                      <m:t>𝑀</m:t>
+                    </m:r>
+                  </m:oMath>
+                </a14:m>
+                <a:r>
+                  <a:rPr lang="pt-BR" dirty="0"/>
+                  <a:t>-</a:t>
+                </a:r>
+                <a:r>
+                  <a:rPr lang="pt-BR" dirty="0" err="1"/>
+                  <a:t>ésima</a:t>
+                </a:r>
+                <a:r>
+                  <a:rPr lang="pt-BR" dirty="0"/>
+                  <a:t> </a:t>
+                </a:r>
+                <a:r>
+                  <a:rPr lang="pt-BR" dirty="0" smtClean="0"/>
+                  <a:t>camada da rede </a:t>
+                </a:r>
+                <a:r>
+                  <a:rPr lang="pt-BR" dirty="0"/>
+                  <a:t>correspondente ao </a:t>
+                </a:r>
+                <a14:m>
+                  <m:oMath xmlns:m="http://schemas.openxmlformats.org/officeDocument/2006/math">
+                    <m:r>
+                      <a:rPr lang="pt-BR" i="1">
+                        <a:latin typeface="Cambria Math" panose="02040503050406030204" pitchFamily="18" charset="0"/>
+                      </a:rPr>
+                      <m:t>𝑛</m:t>
+                    </m:r>
+                  </m:oMath>
+                </a14:m>
+                <a:r>
+                  <a:rPr lang="pt-BR" dirty="0"/>
+                  <a:t>-ésimo exemplo de </a:t>
+                </a:r>
+                <a:r>
+                  <a:rPr lang="pt-BR" dirty="0" smtClean="0"/>
+                  <a:t>entrada</a:t>
+                </a:r>
+                <a:endParaRPr lang="pt-BR" dirty="0"/>
+              </a:p>
+            </p:txBody>
+          </p:sp>
+        </mc:Choice>
+        <mc:Fallback>
+          <p:sp>
+            <p:nvSpPr>
+              <p:cNvPr id="3" name="Espaço Reservado para Anotações 2"/>
+              <p:cNvSpPr>
+                <a:spLocks noGrp="1"/>
+              </p:cNvSpPr>
+              <p:nvPr>
+                <p:ph type="body" idx="1"/>
+              </p:nvPr>
+            </p:nvSpPr>
+            <p:spPr/>
+            <p:txBody>
+              <a:bodyPr/>
+              <a:lstStyle/>
+              <a:p>
+                <a:r>
+                  <a:rPr lang="pt-BR" i="0">
+                    <a:latin typeface="Cambria Math" panose="02040503050406030204" pitchFamily="18" charset="0"/>
+                  </a:rPr>
+                  <a:t>𝑑</a:t>
+                </a:r>
+                <a:r>
+                  <a:rPr lang="pt-BR" i="0" smtClean="0">
+                    <a:latin typeface="Cambria Math" panose="02040503050406030204" pitchFamily="18" charset="0"/>
+                  </a:rPr>
+                  <a:t>_</a:t>
+                </a:r>
+                <a:r>
+                  <a:rPr lang="pt-BR" i="0">
+                    <a:latin typeface="Cambria Math" panose="02040503050406030204" pitchFamily="18" charset="0"/>
+                  </a:rPr>
+                  <a:t>𝑗 (𝑛)</a:t>
+                </a:r>
+                <a:r>
+                  <a:rPr lang="pt-BR" dirty="0"/>
+                  <a:t> é o valor desejado da </a:t>
+                </a:r>
+                <a:r>
+                  <a:rPr lang="pt-BR" i="0">
+                    <a:latin typeface="Cambria Math" panose="02040503050406030204" pitchFamily="18" charset="0"/>
+                  </a:rPr>
+                  <a:t>𝑗</a:t>
+                </a:r>
+                <a:r>
+                  <a:rPr lang="pt-BR" dirty="0" smtClean="0"/>
+                  <a:t>-</a:t>
+                </a:r>
+                <a:r>
+                  <a:rPr lang="pt-BR" dirty="0"/>
+                  <a:t>ésima saída (rótulo) correspondente ao </a:t>
+                </a:r>
+                <a:r>
+                  <a:rPr lang="pt-BR" i="0">
+                    <a:latin typeface="Cambria Math" panose="02040503050406030204" pitchFamily="18" charset="0"/>
+                  </a:rPr>
+                  <a:t>𝑛</a:t>
+                </a:r>
+                <a:r>
+                  <a:rPr lang="pt-BR" dirty="0"/>
+                  <a:t>-ésimo exemplo de </a:t>
+                </a:r>
+                <a:r>
+                  <a:rPr lang="pt-BR" dirty="0" smtClean="0"/>
+                  <a:t>entrada e </a:t>
+                </a:r>
+                <a:r>
+                  <a:rPr lang="pt-BR" i="0">
+                    <a:latin typeface="Cambria Math" panose="02040503050406030204" pitchFamily="18" charset="0"/>
+                  </a:rPr>
+                  <a:t>𝑦_𝑗^𝑀 (𝑛)</a:t>
+                </a:r>
+                <a:r>
+                  <a:rPr lang="pt-BR" dirty="0" smtClean="0"/>
+                  <a:t> é a saída do </a:t>
+                </a:r>
+                <a:r>
+                  <a:rPr lang="pt-BR" i="0">
+                    <a:latin typeface="Cambria Math" panose="02040503050406030204" pitchFamily="18" charset="0"/>
+                  </a:rPr>
+                  <a:t>𝑗</a:t>
+                </a:r>
+                <a:r>
+                  <a:rPr lang="pt-BR" dirty="0"/>
+                  <a:t>-</a:t>
+                </a:r>
+                <a:r>
+                  <a:rPr lang="pt-BR" dirty="0" err="1" smtClean="0"/>
+                  <a:t>ésimo</a:t>
+                </a:r>
+                <a:r>
+                  <a:rPr lang="pt-BR" dirty="0" smtClean="0"/>
+                  <a:t> nó da </a:t>
+                </a:r>
+                <a:r>
+                  <a:rPr lang="pt-BR" i="0">
+                    <a:latin typeface="Cambria Math" panose="02040503050406030204" pitchFamily="18" charset="0"/>
+                  </a:rPr>
+                  <a:t>𝑀</a:t>
+                </a:r>
+                <a:r>
+                  <a:rPr lang="pt-BR" dirty="0"/>
+                  <a:t>-</a:t>
+                </a:r>
+                <a:r>
+                  <a:rPr lang="pt-BR" dirty="0" err="1"/>
+                  <a:t>ésima</a:t>
+                </a:r>
+                <a:r>
+                  <a:rPr lang="pt-BR" dirty="0"/>
+                  <a:t> </a:t>
+                </a:r>
+                <a:r>
+                  <a:rPr lang="pt-BR" dirty="0" smtClean="0"/>
+                  <a:t>camada da rede </a:t>
+                </a:r>
+                <a:r>
+                  <a:rPr lang="pt-BR" dirty="0"/>
+                  <a:t>correspondente ao </a:t>
+                </a:r>
+                <a:r>
+                  <a:rPr lang="pt-BR" i="0">
+                    <a:latin typeface="Cambria Math" panose="02040503050406030204" pitchFamily="18" charset="0"/>
+                  </a:rPr>
+                  <a:t>𝑛</a:t>
+                </a:r>
+                <a:r>
+                  <a:rPr lang="pt-BR" dirty="0"/>
+                  <a:t>-ésimo exemplo de </a:t>
+                </a:r>
+                <a:r>
+                  <a:rPr lang="pt-BR" dirty="0" smtClean="0"/>
+                  <a:t>entrada</a:t>
+                </a:r>
+                <a:endParaRPr lang="pt-BR" dirty="0"/>
+              </a:p>
+            </p:txBody>
+          </p:sp>
+        </mc:Fallback>
+      </mc:AlternateContent>
+      <p:sp>
+        <p:nvSpPr>
+          <p:cNvPr id="4" name="Espaço Reservado para Número de Slide 3"/>
+          <p:cNvSpPr>
+            <a:spLocks noGrp="1"/>
+          </p:cNvSpPr>
+          <p:nvPr>
+            <p:ph type="sldNum" sz="quarter" idx="10"/>
+          </p:nvPr>
+        </p:nvSpPr>
+        <p:spPr/>
+        <p:txBody>
+          <a:bodyPr/>
+          <a:lstStyle/>
+          <a:p>
+            <a:fld id="{F430A2A4-8C14-4B1A-AD48-7B6401078BF7}" type="slidenum">
+              <a:rPr lang="pt-BR" smtClean="0"/>
+              <a:t>14</a:t>
+            </a:fld>
+            <a:endParaRPr lang="pt-BR"/>
+          </a:p>
+        </p:txBody>
+      </p:sp>
+    </p:spTree>
+    <p:extLst>
+      <p:ext uri="{BB962C8B-B14F-4D97-AF65-F5344CB8AC3E}">
+        <p14:creationId xmlns:p14="http://schemas.microsoft.com/office/powerpoint/2010/main" val="338665980"/>
+      </p:ext>
+    </p:extLst>
+  </p:cSld>
+  <p:clrMapOvr>
+    <a:masterClrMapping/>
+  </p:clrMapOvr>
+</p:notes>
+</file>
+
+<file path=ppt/notesSlides/notesSlide12.xml><?xml version="1.0" encoding="utf-8"?>
+<p:notes xmlns:a="http://schemas.openxmlformats.org/drawingml/2006/main" xmlns:r="http://schemas.openxmlformats.org/officeDocument/2006/relationships" xmlns:p="http://schemas.openxmlformats.org/presentationml/2006/main">
+  <p:cSld>
+    <p:spTree>
+      <p:nvGrpSpPr>
+        <p:cNvPr id="1" name=""/>
+        <p:cNvGrpSpPr/>
+        <p:nvPr/>
+      </p:nvGrpSpPr>
+      <p:grpSpPr>
+        <a:xfrm>
+          <a:off x="0" y="0"/>
+          <a:ext cx="0" cy="0"/>
+          <a:chOff x="0" y="0"/>
+          <a:chExt cx="0" cy="0"/>
+        </a:xfrm>
+      </p:grpSpPr>
+      <p:sp>
+        <p:nvSpPr>
+          <p:cNvPr id="2" name="Espaço Reservado para Imagem de Slide 1"/>
+          <p:cNvSpPr>
+            <a:spLocks noGrp="1" noRot="1" noChangeAspect="1"/>
+          </p:cNvSpPr>
+          <p:nvPr>
+            <p:ph type="sldImg"/>
+          </p:nvPr>
+        </p:nvSpPr>
+        <p:spPr/>
+      </p:sp>
+      <mc:AlternateContent xmlns:mc="http://schemas.openxmlformats.org/markup-compatibility/2006">
+        <mc:Choice xmlns:a14="http://schemas.microsoft.com/office/drawing/2010/main" Requires="a14">
+          <p:sp>
+            <p:nvSpPr>
+              <p:cNvPr id="3" name="Espaço Reservado para Anotações 2"/>
+              <p:cNvSpPr>
+                <a:spLocks noGrp="1"/>
+              </p:cNvSpPr>
+              <p:nvPr>
+                <p:ph type="body" idx="1"/>
+              </p:nvPr>
+            </p:nvSpPr>
+            <p:spPr/>
+            <p:txBody>
+              <a:bodyPr/>
+              <a:lstStyle/>
+              <a:p>
+                <a:r>
+                  <a:rPr lang="pt-BR" dirty="0" smtClean="0"/>
+                  <a:t>A derivada de </a:t>
+                </a:r>
+                <a14:m>
+                  <m:oMath xmlns:m="http://schemas.openxmlformats.org/officeDocument/2006/math">
+                    <m:sSup>
+                      <m:sSupPr>
+                        <m:ctrlPr>
+                          <a:rPr lang="pt-BR" i="1" smtClean="0">
+                            <a:latin typeface="Cambria Math" panose="02040503050406030204" pitchFamily="18" charset="0"/>
+                          </a:rPr>
+                        </m:ctrlPr>
+                      </m:sSupPr>
+                      <m:e>
+                        <m:r>
+                          <a:rPr lang="pt-BR" i="1">
+                            <a:latin typeface="Cambria Math" panose="02040503050406030204" pitchFamily="18" charset="0"/>
+                          </a:rPr>
+                          <m:t>𝑒</m:t>
+                        </m:r>
+                      </m:e>
+                      <m:sup>
+                        <m:r>
+                          <a:rPr lang="pt-BR" i="1">
+                            <a:latin typeface="Cambria Math" panose="02040503050406030204" pitchFamily="18" charset="0"/>
+                          </a:rPr>
+                          <m:t>𝑔</m:t>
+                        </m:r>
+                        <m:d>
+                          <m:dPr>
+                            <m:ctrlPr>
+                              <a:rPr lang="pt-BR" i="1">
+                                <a:latin typeface="Cambria Math" panose="02040503050406030204" pitchFamily="18" charset="0"/>
+                              </a:rPr>
+                            </m:ctrlPr>
+                          </m:dPr>
+                          <m:e>
+                            <m:r>
+                              <a:rPr lang="pt-BR" i="1">
+                                <a:latin typeface="Cambria Math" panose="02040503050406030204" pitchFamily="18" charset="0"/>
+                              </a:rPr>
+                              <m:t>𝑥</m:t>
+                            </m:r>
+                          </m:e>
+                        </m:d>
+                      </m:sup>
+                    </m:sSup>
+                  </m:oMath>
+                </a14:m>
+                <a:r>
+                  <a:rPr lang="pt-BR" dirty="0" smtClean="0"/>
+                  <a:t> em relação a </a:t>
+                </a:r>
+                <a14:m>
+                  <m:oMath xmlns:m="http://schemas.openxmlformats.org/officeDocument/2006/math">
+                    <m:r>
+                      <a:rPr lang="pt-BR" i="1" smtClean="0">
+                        <a:latin typeface="Cambria Math" panose="02040503050406030204" pitchFamily="18" charset="0"/>
+                      </a:rPr>
+                      <m:t>𝑔</m:t>
+                    </m:r>
+                    <m:d>
+                      <m:dPr>
+                        <m:ctrlPr>
+                          <a:rPr lang="pt-BR" i="1">
+                            <a:latin typeface="Cambria Math" panose="02040503050406030204" pitchFamily="18" charset="0"/>
+                          </a:rPr>
+                        </m:ctrlPr>
+                      </m:dPr>
+                      <m:e>
+                        <m:r>
+                          <a:rPr lang="pt-BR" i="1">
+                            <a:latin typeface="Cambria Math" panose="02040503050406030204" pitchFamily="18" charset="0"/>
+                          </a:rPr>
+                          <m:t>𝑥</m:t>
+                        </m:r>
+                      </m:e>
+                    </m:d>
+                  </m:oMath>
+                </a14:m>
+                <a:r>
+                  <a:rPr lang="pt-BR" dirty="0" smtClean="0"/>
+                  <a:t> é exatamente ela mesma, ou seja, </a:t>
+                </a:r>
+                <a14:m>
+                  <m:oMath xmlns:m="http://schemas.openxmlformats.org/officeDocument/2006/math">
+                    <m:sSup>
+                      <m:sSupPr>
+                        <m:ctrlPr>
+                          <a:rPr lang="pt-BR" i="1" smtClean="0">
+                            <a:latin typeface="Cambria Math" panose="02040503050406030204" pitchFamily="18" charset="0"/>
+                          </a:rPr>
+                        </m:ctrlPr>
+                      </m:sSupPr>
+                      <m:e>
+                        <m:r>
+                          <a:rPr lang="pt-BR" i="1">
+                            <a:latin typeface="Cambria Math" panose="02040503050406030204" pitchFamily="18" charset="0"/>
+                          </a:rPr>
+                          <m:t>𝑒</m:t>
+                        </m:r>
+                      </m:e>
+                      <m:sup>
+                        <m:r>
+                          <a:rPr lang="pt-BR" i="1">
+                            <a:latin typeface="Cambria Math" panose="02040503050406030204" pitchFamily="18" charset="0"/>
+                          </a:rPr>
+                          <m:t>𝑔</m:t>
+                        </m:r>
+                        <m:d>
+                          <m:dPr>
+                            <m:ctrlPr>
+                              <a:rPr lang="pt-BR" i="1">
+                                <a:latin typeface="Cambria Math" panose="02040503050406030204" pitchFamily="18" charset="0"/>
+                              </a:rPr>
+                            </m:ctrlPr>
+                          </m:dPr>
+                          <m:e>
+                            <m:r>
+                              <a:rPr lang="pt-BR" i="1">
+                                <a:latin typeface="Cambria Math" panose="02040503050406030204" pitchFamily="18" charset="0"/>
+                              </a:rPr>
+                              <m:t>𝑥</m:t>
+                            </m:r>
+                          </m:e>
+                        </m:d>
+                      </m:sup>
+                    </m:sSup>
+                  </m:oMath>
+                </a14:m>
+                <a:endParaRPr lang="pt-BR" dirty="0"/>
+              </a:p>
+            </p:txBody>
+          </p:sp>
+        </mc:Choice>
+        <mc:Fallback>
+          <p:sp>
+            <p:nvSpPr>
+              <p:cNvPr id="3" name="Espaço Reservado para Anotações 2"/>
+              <p:cNvSpPr>
+                <a:spLocks noGrp="1"/>
+              </p:cNvSpPr>
+              <p:nvPr>
+                <p:ph type="body" idx="1"/>
+              </p:nvPr>
+            </p:nvSpPr>
+            <p:spPr/>
+            <p:txBody>
+              <a:bodyPr/>
+              <a:lstStyle/>
+              <a:p>
+                <a:r>
+                  <a:rPr lang="pt-BR" dirty="0" smtClean="0"/>
+                  <a:t>A derivada de </a:t>
+                </a:r>
+                <a:r>
+                  <a:rPr lang="pt-BR" i="0">
+                    <a:latin typeface="Cambria Math" panose="02040503050406030204" pitchFamily="18" charset="0"/>
+                  </a:rPr>
+                  <a:t>𝑒</a:t>
+                </a:r>
+                <a:r>
+                  <a:rPr lang="pt-BR" i="0" smtClean="0">
+                    <a:latin typeface="Cambria Math" panose="02040503050406030204" pitchFamily="18" charset="0"/>
+                  </a:rPr>
+                  <a:t>^</a:t>
+                </a:r>
+                <a:r>
+                  <a:rPr lang="pt-BR" i="0">
+                    <a:latin typeface="Cambria Math" panose="02040503050406030204" pitchFamily="18" charset="0"/>
+                  </a:rPr>
+                  <a:t>𝑔(𝑥) </a:t>
+                </a:r>
+                <a:r>
+                  <a:rPr lang="pt-BR" dirty="0" smtClean="0"/>
+                  <a:t> em relação a </a:t>
+                </a:r>
+                <a:r>
+                  <a:rPr lang="pt-BR" i="0" smtClean="0">
+                    <a:latin typeface="Cambria Math" panose="02040503050406030204" pitchFamily="18" charset="0"/>
+                  </a:rPr>
+                  <a:t>𝑔</a:t>
+                </a:r>
+                <a:r>
+                  <a:rPr lang="pt-BR" i="0">
+                    <a:latin typeface="Cambria Math" panose="02040503050406030204" pitchFamily="18" charset="0"/>
+                  </a:rPr>
+                  <a:t>(𝑥)</a:t>
+                </a:r>
+                <a:r>
+                  <a:rPr lang="pt-BR" dirty="0" smtClean="0"/>
+                  <a:t> é exatamente ela mesma, ou seja, </a:t>
+                </a:r>
+                <a:r>
+                  <a:rPr lang="pt-BR" i="0">
+                    <a:latin typeface="Cambria Math" panose="02040503050406030204" pitchFamily="18" charset="0"/>
+                  </a:rPr>
+                  <a:t>𝑒</a:t>
+                </a:r>
+                <a:r>
+                  <a:rPr lang="pt-BR" i="0" smtClean="0">
+                    <a:latin typeface="Cambria Math" panose="02040503050406030204" pitchFamily="18" charset="0"/>
+                  </a:rPr>
+                  <a:t>^</a:t>
+                </a:r>
+                <a:r>
+                  <a:rPr lang="pt-BR" i="0">
+                    <a:latin typeface="Cambria Math" panose="02040503050406030204" pitchFamily="18" charset="0"/>
+                  </a:rPr>
+                  <a:t>𝑔(𝑥) </a:t>
+                </a:r>
+                <a:endParaRPr lang="pt-BR" dirty="0"/>
+              </a:p>
+            </p:txBody>
+          </p:sp>
+        </mc:Fallback>
+      </mc:AlternateContent>
+      <p:sp>
+        <p:nvSpPr>
+          <p:cNvPr id="4" name="Espaço Reservado para Número de Slide 3"/>
+          <p:cNvSpPr>
+            <a:spLocks noGrp="1"/>
+          </p:cNvSpPr>
+          <p:nvPr>
+            <p:ph type="sldNum" sz="quarter" idx="10"/>
+          </p:nvPr>
+        </p:nvSpPr>
+        <p:spPr/>
+        <p:txBody>
+          <a:bodyPr/>
+          <a:lstStyle/>
+          <a:p>
+            <a:fld id="{F430A2A4-8C14-4B1A-AD48-7B6401078BF7}" type="slidenum">
+              <a:rPr lang="pt-BR" smtClean="0"/>
+              <a:t>15</a:t>
+            </a:fld>
+            <a:endParaRPr lang="pt-BR"/>
+          </a:p>
+        </p:txBody>
+      </p:sp>
+    </p:spTree>
+    <p:extLst>
+      <p:ext uri="{BB962C8B-B14F-4D97-AF65-F5344CB8AC3E}">
+        <p14:creationId xmlns:p14="http://schemas.microsoft.com/office/powerpoint/2010/main" val="2610132052"/>
+      </p:ext>
+    </p:extLst>
+  </p:cSld>
+  <p:clrMapOvr>
+    <a:masterClrMapping/>
+  </p:clrMapOvr>
+</p:notes>
+</file>
+
+<file path=ppt/notesSlides/notesSlide13.xml><?xml version="1.0" encoding="utf-8"?>
+<p:notes xmlns:a="http://schemas.openxmlformats.org/drawingml/2006/main" xmlns:r="http://schemas.openxmlformats.org/officeDocument/2006/relationships" xmlns:p="http://schemas.openxmlformats.org/presentationml/2006/main">
+  <p:cSld>
+    <p:spTree>
+      <p:nvGrpSpPr>
+        <p:cNvPr id="1" name=""/>
+        <p:cNvGrpSpPr/>
+        <p:nvPr/>
+      </p:nvGrpSpPr>
+      <p:grpSpPr>
+        <a:xfrm>
+          <a:off x="0" y="0"/>
+          <a:ext cx="0" cy="0"/>
+          <a:chOff x="0" y="0"/>
+          <a:chExt cx="0" cy="0"/>
+        </a:xfrm>
+      </p:grpSpPr>
+      <p:sp>
+        <p:nvSpPr>
           <p:cNvPr id="2" name="Slide Image Placeholder 1"/>
           <p:cNvSpPr>
             <a:spLocks noGrp="1" noRot="1" noChangeAspect="1"/>
@@ -958,7 +1699,7 @@
 </p:notes>
 </file>
 
-<file path=ppt/notesSlides/notesSlide12.xml><?xml version="1.0" encoding="utf-8"?>
+<file path=ppt/notesSlides/notesSlide14.xml><?xml version="1.0" encoding="utf-8"?>
 <p:notes xmlns:a="http://schemas.openxmlformats.org/drawingml/2006/main" xmlns:r="http://schemas.openxmlformats.org/officeDocument/2006/relationships" xmlns:p="http://schemas.openxmlformats.org/presentationml/2006/main">
   <p:cSld>
     <p:spTree>
@@ -1053,7 +1794,7 @@
 </p:notes>
 </file>
 
-<file path=ppt/notesSlides/notesSlide13.xml><?xml version="1.0" encoding="utf-8"?>
+<file path=ppt/notesSlides/notesSlide15.xml><?xml version="1.0" encoding="utf-8"?>
 <p:notes xmlns:a="http://schemas.openxmlformats.org/drawingml/2006/main" xmlns:r="http://schemas.openxmlformats.org/officeDocument/2006/relationships" xmlns:p="http://schemas.openxmlformats.org/presentationml/2006/main">
   <p:cSld>
     <p:spTree>
@@ -1264,7 +2005,7 @@
 </p:notes>
 </file>
 
-<file path=ppt/notesSlides/notesSlide14.xml><?xml version="1.0" encoding="utf-8"?>
+<file path=ppt/notesSlides/notesSlide16.xml><?xml version="1.0" encoding="utf-8"?>
 <p:notes xmlns:a="http://schemas.openxmlformats.org/drawingml/2006/main" xmlns:r="http://schemas.openxmlformats.org/officeDocument/2006/relationships" xmlns:p="http://schemas.openxmlformats.org/presentationml/2006/main">
   <p:cSld>
     <p:spTree>
@@ -1348,7 +2089,7 @@
 </p:notes>
 </file>
 
-<file path=ppt/notesSlides/notesSlide15.xml><?xml version="1.0" encoding="utf-8"?>
+<file path=ppt/notesSlides/notesSlide17.xml><?xml version="1.0" encoding="utf-8"?>
 <p:notes xmlns:a="http://schemas.openxmlformats.org/drawingml/2006/main" xmlns:r="http://schemas.openxmlformats.org/officeDocument/2006/relationships" xmlns:p="http://schemas.openxmlformats.org/presentationml/2006/main">
   <p:cSld>
     <p:spTree>
@@ -1598,7 +2339,219 @@
 </p:notes>
 </file>
 
-<file path=ppt/notesSlides/notesSlide16.xml><?xml version="1.0" encoding="utf-8"?>
+<file path=ppt/notesSlides/notesSlide18.xml><?xml version="1.0" encoding="utf-8"?>
+<p:notes xmlns:a="http://schemas.openxmlformats.org/drawingml/2006/main" xmlns:r="http://schemas.openxmlformats.org/officeDocument/2006/relationships" xmlns:p="http://schemas.openxmlformats.org/presentationml/2006/main">
+  <p:cSld>
+    <p:spTree>
+      <p:nvGrpSpPr>
+        <p:cNvPr id="1" name=""/>
+        <p:cNvGrpSpPr/>
+        <p:nvPr/>
+      </p:nvGrpSpPr>
+      <p:grpSpPr>
+        <a:xfrm>
+          <a:off x="0" y="0"/>
+          <a:ext cx="0" cy="0"/>
+          <a:chOff x="0" y="0"/>
+          <a:chExt cx="0" cy="0"/>
+        </a:xfrm>
+      </p:grpSpPr>
+      <p:sp>
+        <p:nvSpPr>
+          <p:cNvPr id="2" name="Espaço Reservado para Imagem de Slide 1"/>
+          <p:cNvSpPr>
+            <a:spLocks noGrp="1" noRot="1" noChangeAspect="1"/>
+          </p:cNvSpPr>
+          <p:nvPr>
+            <p:ph type="sldImg"/>
+          </p:nvPr>
+        </p:nvSpPr>
+        <p:spPr/>
+      </p:sp>
+      <mc:AlternateContent xmlns:mc="http://schemas.openxmlformats.org/markup-compatibility/2006">
+        <mc:Choice xmlns:a14="http://schemas.microsoft.com/office/drawing/2010/main" Requires="a14">
+          <p:sp>
+            <p:nvSpPr>
+              <p:cNvPr id="3" name="Espaço Reservado para Anotações 2"/>
+              <p:cNvSpPr>
+                <a:spLocks noGrp="1"/>
+              </p:cNvSpPr>
+              <p:nvPr>
+                <p:ph type="body" idx="1"/>
+              </p:nvPr>
+            </p:nvSpPr>
+            <p:spPr/>
+            <p:txBody>
+              <a:bodyPr/>
+              <a:lstStyle/>
+              <a:p>
+                <a:r>
+                  <a:rPr lang="pt-BR" dirty="0" smtClean="0"/>
+                  <a:t>Derivada da função de ativação em relação às ativações dos </a:t>
+                </a:r>
+                <a14:m>
+                  <m:oMath xmlns:m="http://schemas.openxmlformats.org/officeDocument/2006/math">
+                    <m:sSub>
+                      <m:sSubPr>
+                        <m:ctrlPr>
+                          <a:rPr lang="pt-BR" i="1" smtClean="0">
+                            <a:latin typeface="Cambria Math" panose="02040503050406030204" pitchFamily="18" charset="0"/>
+                          </a:rPr>
+                        </m:ctrlPr>
+                      </m:sSubPr>
+                      <m:e>
+                        <m:r>
+                          <a:rPr lang="pt-BR" i="1">
+                            <a:latin typeface="Cambria Math" panose="02040503050406030204" pitchFamily="18" charset="0"/>
+                          </a:rPr>
+                          <m:t>𝑁</m:t>
+                        </m:r>
+                      </m:e>
+                      <m:sub>
+                        <m:r>
+                          <a:rPr lang="pt-BR" i="1">
+                            <a:latin typeface="Cambria Math" panose="02040503050406030204" pitchFamily="18" charset="0"/>
+                          </a:rPr>
+                          <m:t>𝑀</m:t>
+                        </m:r>
+                      </m:sub>
+                    </m:sSub>
+                  </m:oMath>
+                </a14:m>
+                <a:r>
+                  <a:rPr lang="pt-BR" dirty="0" smtClean="0"/>
+                  <a:t> nós da </a:t>
+                </a:r>
+                <a14:m>
+                  <m:oMath xmlns:m="http://schemas.openxmlformats.org/officeDocument/2006/math">
+                    <m:r>
+                      <a:rPr lang="pt-BR" i="1" smtClean="0">
+                        <a:latin typeface="Cambria Math" panose="02040503050406030204" pitchFamily="18" charset="0"/>
+                      </a:rPr>
+                      <m:t>𝑀</m:t>
+                    </m:r>
+                  </m:oMath>
+                </a14:m>
+                <a:r>
+                  <a:rPr lang="pt-BR" dirty="0" smtClean="0"/>
+                  <a:t>-</a:t>
+                </a:r>
+                <a:r>
+                  <a:rPr lang="pt-BR" dirty="0" err="1" smtClean="0"/>
+                  <a:t>ésima</a:t>
+                </a:r>
+                <a:r>
+                  <a:rPr lang="pt-BR" dirty="0" smtClean="0"/>
+                  <a:t> camada</a:t>
+                </a:r>
+                <a:endParaRPr lang="pt-BR" dirty="0"/>
+              </a:p>
+            </p:txBody>
+          </p:sp>
+        </mc:Choice>
+        <mc:Fallback>
+          <p:sp>
+            <p:nvSpPr>
+              <p:cNvPr id="3" name="Espaço Reservado para Anotações 2"/>
+              <p:cNvSpPr>
+                <a:spLocks noGrp="1"/>
+              </p:cNvSpPr>
+              <p:nvPr>
+                <p:ph type="body" idx="1"/>
+              </p:nvPr>
+            </p:nvSpPr>
+            <p:spPr/>
+            <p:txBody>
+              <a:bodyPr/>
+              <a:lstStyle/>
+              <a:p>
+                <a:r>
+                  <a:rPr lang="pt-BR" dirty="0" smtClean="0"/>
+                  <a:t>Derivada da função de ativação em relação às ativações dos </a:t>
+                </a:r>
+                <a:r>
+                  <a:rPr lang="pt-BR" i="0">
+                    <a:latin typeface="Cambria Math" panose="02040503050406030204" pitchFamily="18" charset="0"/>
+                  </a:rPr>
+                  <a:t>𝑁</a:t>
+                </a:r>
+                <a:r>
+                  <a:rPr lang="pt-BR" i="0" smtClean="0">
+                    <a:latin typeface="Cambria Math" panose="02040503050406030204" pitchFamily="18" charset="0"/>
+                  </a:rPr>
+                  <a:t>_</a:t>
+                </a:r>
+                <a:r>
+                  <a:rPr lang="pt-BR" i="0">
+                    <a:latin typeface="Cambria Math" panose="02040503050406030204" pitchFamily="18" charset="0"/>
+                  </a:rPr>
+                  <a:t>𝑀</a:t>
+                </a:r>
+                <a:r>
+                  <a:rPr lang="pt-BR" dirty="0" smtClean="0"/>
+                  <a:t> nós da </a:t>
+                </a:r>
+                <a:r>
+                  <a:rPr lang="pt-BR" i="0" smtClean="0">
+                    <a:latin typeface="Cambria Math" panose="02040503050406030204" pitchFamily="18" charset="0"/>
+                  </a:rPr>
+                  <a:t>𝑀</a:t>
+                </a:r>
+                <a:r>
+                  <a:rPr lang="pt-BR" dirty="0" smtClean="0"/>
+                  <a:t>-</a:t>
+                </a:r>
+                <a:r>
+                  <a:rPr lang="pt-BR" dirty="0" err="1" smtClean="0"/>
+                  <a:t>ésima</a:t>
+                </a:r>
+                <a:r>
+                  <a:rPr lang="pt-BR" dirty="0" smtClean="0"/>
+                  <a:t> camada</a:t>
+                </a:r>
+                <a:endParaRPr lang="pt-BR" dirty="0"/>
+              </a:p>
+            </p:txBody>
+          </p:sp>
+        </mc:Fallback>
+      </mc:AlternateContent>
+      <p:sp>
+        <p:nvSpPr>
+          <p:cNvPr id="4" name="Espaço Reservado para Número de Slide 3"/>
+          <p:cNvSpPr>
+            <a:spLocks noGrp="1"/>
+          </p:cNvSpPr>
+          <p:nvPr>
+            <p:ph type="sldNum" sz="quarter" idx="10"/>
+          </p:nvPr>
+        </p:nvSpPr>
+        <p:spPr/>
+        <p:txBody>
+          <a:bodyPr/>
+          <a:lstStyle/>
+          <a:p>
+            <a:fld id="{F430A2A4-8C14-4B1A-AD48-7B6401078BF7}" type="slidenum">
+              <a:rPr lang="pt-BR" smtClean="0"/>
+              <a:t>22</a:t>
+            </a:fld>
+            <a:endParaRPr lang="pt-BR"/>
+          </a:p>
+        </p:txBody>
+      </p:sp>
+    </p:spTree>
+    <p:extLst>
+      <p:ext uri="{BB962C8B-B14F-4D97-AF65-F5344CB8AC3E}">
+        <p14:creationId xmlns:p14="http://schemas.microsoft.com/office/powerpoint/2010/main" val="3388788107"/>
+      </p:ext>
+    </p:extLst>
+  </p:cSld>
+  <p:clrMapOvr>
+    <a:masterClrMapping/>
+  </p:clrMapOvr>
+</p:notes>
+</file>
+
+<file path=ppt/notesSlides/notesSlide19.xml><?xml version="1.0" encoding="utf-8"?>
 <p:notes xmlns:a="http://schemas.openxmlformats.org/drawingml/2006/main" xmlns:r="http://schemas.openxmlformats.org/officeDocument/2006/relationships" xmlns:p="http://schemas.openxmlformats.org/presentationml/2006/main">
   <p:cSld>
     <p:spTree>
@@ -1692,312 +2645,6 @@
 </p:notes>
 </file>
 
-<file path=ppt/notesSlides/notesSlide17.xml><?xml version="1.0" encoding="utf-8"?>
-<p:notes xmlns:a="http://schemas.openxmlformats.org/drawingml/2006/main" xmlns:r="http://schemas.openxmlformats.org/officeDocument/2006/relationships" xmlns:p="http://schemas.openxmlformats.org/presentationml/2006/main">
-  <p:cSld>
-    <p:spTree>
-      <p:nvGrpSpPr>
-        <p:cNvPr id="1" name=""/>
-        <p:cNvGrpSpPr/>
-        <p:nvPr/>
-      </p:nvGrpSpPr>
-      <p:grpSpPr>
-        <a:xfrm>
-          <a:off x="0" y="0"/>
-          <a:ext cx="0" cy="0"/>
-          <a:chOff x="0" y="0"/>
-          <a:chExt cx="0" cy="0"/>
-        </a:xfrm>
-      </p:grpSpPr>
-      <p:sp>
-        <p:nvSpPr>
-          <p:cNvPr id="2" name="Slide Image Placeholder 1"/>
-          <p:cNvSpPr>
-            <a:spLocks noGrp="1" noRot="1" noChangeAspect="1"/>
-          </p:cNvSpPr>
-          <p:nvPr>
-            <p:ph type="sldImg"/>
-          </p:nvPr>
-        </p:nvSpPr>
-        <p:spPr/>
-      </p:sp>
-      <mc:AlternateContent xmlns:mc="http://schemas.openxmlformats.org/markup-compatibility/2006" xmlns:a14="http://schemas.microsoft.com/office/drawing/2010/main">
-        <mc:Choice Requires="a14">
-          <p:sp>
-            <p:nvSpPr>
-              <p:cNvPr id="3" name="Notes Placeholder 2"/>
-              <p:cNvSpPr>
-                <a:spLocks noGrp="1"/>
-              </p:cNvSpPr>
-              <p:nvPr>
-                <p:ph type="body" idx="1"/>
-              </p:nvPr>
-            </p:nvSpPr>
-            <p:spPr/>
-            <p:txBody>
-              <a:bodyPr/>
-              <a:lstStyle/>
-              <a:p>
-                <a:r>
-                  <a:rPr lang="pt-BR" dirty="0"/>
-                  <a:t>Note que o </a:t>
-                </a:r>
-                <a14:m>
-                  <m:oMath xmlns:m="http://schemas.openxmlformats.org/officeDocument/2006/math">
-                    <m:sSup>
-                      <m:sSupPr>
-                        <m:ctrlPr>
-                          <a:rPr lang="pt-BR" i="1" smtClean="0">
-                            <a:latin typeface="Cambria Math" panose="02040503050406030204" pitchFamily="18" charset="0"/>
-                          </a:rPr>
-                        </m:ctrlPr>
-                      </m:sSupPr>
-                      <m:e>
-                        <m:d>
-                          <m:dPr>
-                            <m:ctrlPr>
-                              <a:rPr lang="pt-BR" i="1" smtClean="0">
-                                <a:latin typeface="Cambria Math" panose="02040503050406030204" pitchFamily="18" charset="0"/>
-                              </a:rPr>
-                            </m:ctrlPr>
-                          </m:dPr>
-                          <m:e>
-                            <m:r>
-                              <a:rPr lang="pt-BR" b="0" i="1" smtClean="0">
-                                <a:latin typeface="Cambria Math" panose="02040503050406030204" pitchFamily="18" charset="0"/>
-                              </a:rPr>
-                              <m:t>.</m:t>
-                            </m:r>
-                          </m:e>
-                        </m:d>
-                      </m:e>
-                      <m:sup>
-                        <m:r>
-                          <a:rPr lang="pt-BR" b="0" i="1" smtClean="0">
-                            <a:latin typeface="Cambria Math" panose="02040503050406030204" pitchFamily="18" charset="0"/>
-                          </a:rPr>
-                          <m:t>2</m:t>
-                        </m:r>
-                      </m:sup>
-                    </m:sSup>
-                  </m:oMath>
-                </a14:m>
-                <a:r>
-                  <a:rPr lang="pt-BR" dirty="0"/>
-                  <a:t> aqui não significa “ao quadrado”, mas sim a indicação de que se trata de uma saída da camada </a:t>
-                </a:r>
-                <a14:m>
-                  <m:oMath xmlns:m="http://schemas.openxmlformats.org/officeDocument/2006/math">
-                    <m:r>
-                      <a:rPr lang="pt-BR" b="0" i="1" smtClean="0">
-                        <a:latin typeface="Cambria Math" panose="02040503050406030204" pitchFamily="18" charset="0"/>
-                      </a:rPr>
-                      <m:t>𝑀</m:t>
-                    </m:r>
-                    <m:r>
-                      <a:rPr lang="pt-BR" b="0" i="1" smtClean="0">
-                        <a:latin typeface="Cambria Math" panose="02040503050406030204" pitchFamily="18" charset="0"/>
-                      </a:rPr>
-                      <m:t>=2</m:t>
-                    </m:r>
-                  </m:oMath>
-                </a14:m>
-                <a:r>
-                  <a:rPr lang="pt-BR" dirty="0"/>
-                  <a:t>.</a:t>
-                </a:r>
-              </a:p>
-            </p:txBody>
-          </p:sp>
-        </mc:Choice>
-        <mc:Fallback xmlns="">
-          <p:sp>
-            <p:nvSpPr>
-              <p:cNvPr id="3" name="Notes Placeholder 2"/>
-              <p:cNvSpPr>
-                <a:spLocks noGrp="1"/>
-              </p:cNvSpPr>
-              <p:nvPr>
-                <p:ph type="body" idx="1"/>
-              </p:nvPr>
-            </p:nvSpPr>
-            <p:spPr/>
-            <p:txBody>
-              <a:bodyPr/>
-              <a:lstStyle/>
-              <a:p>
-                <a:r>
-                  <a:rPr lang="pt-BR" dirty="0" smtClean="0"/>
-                  <a:t>Note que o </a:t>
-                </a:r>
-                <a:r>
-                  <a:rPr lang="pt-BR" i="0" smtClean="0">
-                    <a:latin typeface="Cambria Math" panose="02040503050406030204" pitchFamily="18" charset="0"/>
-                  </a:rPr>
-                  <a:t>(</a:t>
-                </a:r>
-                <a:r>
-                  <a:rPr lang="pt-BR" b="0" i="0" smtClean="0">
-                    <a:latin typeface="Cambria Math" panose="02040503050406030204" pitchFamily="18" charset="0"/>
-                  </a:rPr>
-                  <a:t>.)^</a:t>
-                </a:r>
-                <a:r>
-                  <a:rPr lang="pt-BR" b="0" i="0" smtClean="0">
-                    <a:latin typeface="Cambria Math" panose="02040503050406030204" pitchFamily="18" charset="0"/>
-                  </a:rPr>
-                  <a:t>2</a:t>
-                </a:r>
-                <a:r>
-                  <a:rPr lang="pt-BR" dirty="0" smtClean="0"/>
-                  <a:t> aqui não significa “ao quadrado”, mas sim a indicação de que se trata de uma saída da camada </a:t>
-                </a:r>
-                <a:r>
-                  <a:rPr lang="pt-BR" b="0" i="0" smtClean="0">
-                    <a:latin typeface="Cambria Math" panose="02040503050406030204" pitchFamily="18" charset="0"/>
-                  </a:rPr>
-                  <a:t>𝑀=2</a:t>
-                </a:r>
-                <a:r>
-                  <a:rPr lang="pt-BR" dirty="0" smtClean="0"/>
-                  <a:t>.</a:t>
-                </a:r>
-                <a:endParaRPr lang="pt-BR" dirty="0"/>
-              </a:p>
-            </p:txBody>
-          </p:sp>
-        </mc:Fallback>
-      </mc:AlternateContent>
-      <p:sp>
-        <p:nvSpPr>
-          <p:cNvPr id="4" name="Slide Number Placeholder 3"/>
-          <p:cNvSpPr>
-            <a:spLocks noGrp="1"/>
-          </p:cNvSpPr>
-          <p:nvPr>
-            <p:ph type="sldNum" sz="quarter" idx="10"/>
-          </p:nvPr>
-        </p:nvSpPr>
-        <p:spPr/>
-        <p:txBody>
-          <a:bodyPr/>
-          <a:lstStyle/>
-          <a:p>
-            <a:fld id="{F430A2A4-8C14-4B1A-AD48-7B6401078BF7}" type="slidenum">
-              <a:rPr lang="pt-BR" smtClean="0"/>
-              <a:t>25</a:t>
-            </a:fld>
-            <a:endParaRPr lang="pt-BR"/>
-          </a:p>
-        </p:txBody>
-      </p:sp>
-    </p:spTree>
-    <p:extLst>
-      <p:ext uri="{BB962C8B-B14F-4D97-AF65-F5344CB8AC3E}">
-        <p14:creationId xmlns:p14="http://schemas.microsoft.com/office/powerpoint/2010/main" val="3540245727"/>
-      </p:ext>
-    </p:extLst>
-  </p:cSld>
-  <p:clrMapOvr>
-    <a:masterClrMapping/>
-  </p:clrMapOvr>
-</p:notes>
-</file>
-
-<file path=ppt/notesSlides/notesSlide18.xml><?xml version="1.0" encoding="utf-8"?>
-<p:notes xmlns:a="http://schemas.openxmlformats.org/drawingml/2006/main" xmlns:r="http://schemas.openxmlformats.org/officeDocument/2006/relationships" xmlns:p="http://schemas.openxmlformats.org/presentationml/2006/main">
-  <p:cSld>
-    <p:spTree>
-      <p:nvGrpSpPr>
-        <p:cNvPr id="1" name=""/>
-        <p:cNvGrpSpPr/>
-        <p:nvPr/>
-      </p:nvGrpSpPr>
-      <p:grpSpPr>
-        <a:xfrm>
-          <a:off x="0" y="0"/>
-          <a:ext cx="0" cy="0"/>
-          <a:chOff x="0" y="0"/>
-          <a:chExt cx="0" cy="0"/>
-        </a:xfrm>
-      </p:grpSpPr>
-      <p:sp>
-        <p:nvSpPr>
-          <p:cNvPr id="2" name="Slide Image Placeholder 1"/>
-          <p:cNvSpPr>
-            <a:spLocks noGrp="1" noRot="1" noChangeAspect="1"/>
-          </p:cNvSpPr>
-          <p:nvPr>
-            <p:ph type="sldImg"/>
-          </p:nvPr>
-        </p:nvSpPr>
-        <p:spPr/>
-      </p:sp>
-      <p:sp>
-        <p:nvSpPr>
-          <p:cNvPr id="3" name="Notes Placeholder 2"/>
-          <p:cNvSpPr>
-            <a:spLocks noGrp="1"/>
-          </p:cNvSpPr>
-          <p:nvPr>
-            <p:ph type="body" idx="1"/>
-          </p:nvPr>
-        </p:nvSpPr>
-        <p:spPr/>
-        <p:txBody>
-          <a:bodyPr/>
-          <a:lstStyle/>
-          <a:p>
-            <a:r>
-              <a:rPr lang="pt-BR" sz="1200" b="1" dirty="0" smtClean="0"/>
-              <a:t>Laboratório #8:</a:t>
-            </a:r>
-            <a:r>
-              <a:rPr lang="pt-BR" sz="1200" dirty="0" smtClean="0"/>
-              <a:t> https://mybinder.org/v2/gh/zz4fap/t320_aprendizado_de_maquina/main?filepath=labs%2FLaboratorio8.ipynb</a:t>
-            </a:r>
-          </a:p>
-          <a:p>
-            <a:endParaRPr lang="pt-BR" sz="1200" dirty="0"/>
-          </a:p>
-        </p:txBody>
-      </p:sp>
-      <p:sp>
-        <p:nvSpPr>
-          <p:cNvPr id="4" name="Slide Number Placeholder 3"/>
-          <p:cNvSpPr>
-            <a:spLocks noGrp="1"/>
-          </p:cNvSpPr>
-          <p:nvPr>
-            <p:ph type="sldNum" sz="quarter" idx="10"/>
-          </p:nvPr>
-        </p:nvSpPr>
-        <p:spPr/>
-        <p:txBody>
-          <a:bodyPr/>
-          <a:lstStyle/>
-          <a:p>
-            <a:fld id="{6FC8D850-966F-45A6-8DE7-15B891E7D40D}" type="slidenum">
-              <a:rPr lang="pt-BR" smtClean="0"/>
-              <a:t>29</a:t>
-            </a:fld>
-            <a:endParaRPr lang="pt-BR"/>
-          </a:p>
-        </p:txBody>
-      </p:sp>
-    </p:spTree>
-    <p:extLst>
-      <p:ext uri="{BB962C8B-B14F-4D97-AF65-F5344CB8AC3E}">
-        <p14:creationId xmlns:p14="http://schemas.microsoft.com/office/powerpoint/2010/main" val="3059840101"/>
-      </p:ext>
-    </p:extLst>
-  </p:cSld>
-  <p:clrMapOvr>
-    <a:masterClrMapping/>
-  </p:clrMapOvr>
-</p:notes>
-</file>
-
 <file path=ppt/notesSlides/notesSlide2.xml><?xml version="1.0" encoding="utf-8"?>
 <p:notes xmlns:a="http://schemas.openxmlformats.org/drawingml/2006/main" xmlns:r="http://schemas.openxmlformats.org/officeDocument/2006/relationships" xmlns:p="http://schemas.openxmlformats.org/presentationml/2006/main">
   <p:cSld>
@@ -2081,6 +2728,357 @@
     <p:extLst>
       <p:ext uri="{BB962C8B-B14F-4D97-AF65-F5344CB8AC3E}">
         <p14:creationId xmlns:p14="http://schemas.microsoft.com/office/powerpoint/2010/main" val="2596840161"/>
+      </p:ext>
+    </p:extLst>
+  </p:cSld>
+  <p:clrMapOvr>
+    <a:masterClrMapping/>
+  </p:clrMapOvr>
+</p:notes>
+</file>
+
+<file path=ppt/notesSlides/notesSlide20.xml><?xml version="1.0" encoding="utf-8"?>
+<p:notes xmlns:a="http://schemas.openxmlformats.org/drawingml/2006/main" xmlns:r="http://schemas.openxmlformats.org/officeDocument/2006/relationships" xmlns:p="http://schemas.openxmlformats.org/presentationml/2006/main">
+  <p:cSld>
+    <p:spTree>
+      <p:nvGrpSpPr>
+        <p:cNvPr id="1" name=""/>
+        <p:cNvGrpSpPr/>
+        <p:nvPr/>
+      </p:nvGrpSpPr>
+      <p:grpSpPr>
+        <a:xfrm>
+          <a:off x="0" y="0"/>
+          <a:ext cx="0" cy="0"/>
+          <a:chOff x="0" y="0"/>
+          <a:chExt cx="0" cy="0"/>
+        </a:xfrm>
+      </p:grpSpPr>
+      <p:sp>
+        <p:nvSpPr>
+          <p:cNvPr id="2" name="Slide Image Placeholder 1"/>
+          <p:cNvSpPr>
+            <a:spLocks noGrp="1" noRot="1" noChangeAspect="1"/>
+          </p:cNvSpPr>
+          <p:nvPr>
+            <p:ph type="sldImg"/>
+          </p:nvPr>
+        </p:nvSpPr>
+        <p:spPr/>
+      </p:sp>
+      <mc:AlternateContent xmlns:mc="http://schemas.openxmlformats.org/markup-compatibility/2006" xmlns:a14="http://schemas.microsoft.com/office/drawing/2010/main">
+        <mc:Choice Requires="a14">
+          <p:sp>
+            <p:nvSpPr>
+              <p:cNvPr id="3" name="Notes Placeholder 2"/>
+              <p:cNvSpPr>
+                <a:spLocks noGrp="1"/>
+              </p:cNvSpPr>
+              <p:nvPr>
+                <p:ph type="body" idx="1"/>
+              </p:nvPr>
+            </p:nvSpPr>
+            <p:spPr/>
+            <p:txBody>
+              <a:bodyPr/>
+              <a:lstStyle/>
+              <a:p>
+                <a:r>
+                  <a:rPr lang="pt-BR" dirty="0"/>
+                  <a:t>Note que o </a:t>
+                </a:r>
+                <a14:m>
+                  <m:oMath xmlns:m="http://schemas.openxmlformats.org/officeDocument/2006/math">
+                    <m:sSup>
+                      <m:sSupPr>
+                        <m:ctrlPr>
+                          <a:rPr lang="pt-BR" i="1" smtClean="0">
+                            <a:latin typeface="Cambria Math" panose="02040503050406030204" pitchFamily="18" charset="0"/>
+                          </a:rPr>
+                        </m:ctrlPr>
+                      </m:sSupPr>
+                      <m:e>
+                        <m:d>
+                          <m:dPr>
+                            <m:ctrlPr>
+                              <a:rPr lang="pt-BR" i="1" smtClean="0">
+                                <a:latin typeface="Cambria Math" panose="02040503050406030204" pitchFamily="18" charset="0"/>
+                              </a:rPr>
+                            </m:ctrlPr>
+                          </m:dPr>
+                          <m:e>
+                            <m:r>
+                              <a:rPr lang="pt-BR" b="0" i="1" smtClean="0">
+                                <a:latin typeface="Cambria Math" panose="02040503050406030204" pitchFamily="18" charset="0"/>
+                              </a:rPr>
+                              <m:t>.</m:t>
+                            </m:r>
+                          </m:e>
+                        </m:d>
+                      </m:e>
+                      <m:sup>
+                        <m:r>
+                          <a:rPr lang="pt-BR" b="0" i="1" smtClean="0">
+                            <a:latin typeface="Cambria Math" panose="02040503050406030204" pitchFamily="18" charset="0"/>
+                          </a:rPr>
+                          <m:t>2</m:t>
+                        </m:r>
+                      </m:sup>
+                    </m:sSup>
+                  </m:oMath>
+                </a14:m>
+                <a:r>
+                  <a:rPr lang="pt-BR" dirty="0"/>
+                  <a:t> aqui não significa “ao quadrado”, mas sim a indicação de que se trata de uma saída da camada </a:t>
+                </a:r>
+                <a14:m>
+                  <m:oMath xmlns:m="http://schemas.openxmlformats.org/officeDocument/2006/math">
+                    <m:r>
+                      <a:rPr lang="pt-BR" b="0" i="1" smtClean="0">
+                        <a:latin typeface="Cambria Math" panose="02040503050406030204" pitchFamily="18" charset="0"/>
+                      </a:rPr>
+                      <m:t>𝑀</m:t>
+                    </m:r>
+                    <m:r>
+                      <a:rPr lang="pt-BR" b="0" i="1" smtClean="0">
+                        <a:latin typeface="Cambria Math" panose="02040503050406030204" pitchFamily="18" charset="0"/>
+                      </a:rPr>
+                      <m:t>=2</m:t>
+                    </m:r>
+                  </m:oMath>
+                </a14:m>
+                <a:r>
+                  <a:rPr lang="pt-BR" dirty="0"/>
+                  <a:t>.</a:t>
+                </a:r>
+              </a:p>
+            </p:txBody>
+          </p:sp>
+        </mc:Choice>
+        <mc:Fallback xmlns="">
+          <p:sp>
+            <p:nvSpPr>
+              <p:cNvPr id="3" name="Notes Placeholder 2"/>
+              <p:cNvSpPr>
+                <a:spLocks noGrp="1"/>
+              </p:cNvSpPr>
+              <p:nvPr>
+                <p:ph type="body" idx="1"/>
+              </p:nvPr>
+            </p:nvSpPr>
+            <p:spPr/>
+            <p:txBody>
+              <a:bodyPr/>
+              <a:lstStyle/>
+              <a:p>
+                <a:r>
+                  <a:rPr lang="pt-BR" dirty="0" smtClean="0"/>
+                  <a:t>Note que o </a:t>
+                </a:r>
+                <a:r>
+                  <a:rPr lang="pt-BR" i="0" smtClean="0">
+                    <a:latin typeface="Cambria Math" panose="02040503050406030204" pitchFamily="18" charset="0"/>
+                  </a:rPr>
+                  <a:t>(</a:t>
+                </a:r>
+                <a:r>
+                  <a:rPr lang="pt-BR" b="0" i="0" smtClean="0">
+                    <a:latin typeface="Cambria Math" panose="02040503050406030204" pitchFamily="18" charset="0"/>
+                  </a:rPr>
+                  <a:t>.)^</a:t>
+                </a:r>
+                <a:r>
+                  <a:rPr lang="pt-BR" b="0" i="0" smtClean="0">
+                    <a:latin typeface="Cambria Math" panose="02040503050406030204" pitchFamily="18" charset="0"/>
+                  </a:rPr>
+                  <a:t>2</a:t>
+                </a:r>
+                <a:r>
+                  <a:rPr lang="pt-BR" dirty="0" smtClean="0"/>
+                  <a:t> aqui não significa “ao quadrado”, mas sim a indicação de que se trata de uma saída da camada </a:t>
+                </a:r>
+                <a:r>
+                  <a:rPr lang="pt-BR" b="0" i="0" smtClean="0">
+                    <a:latin typeface="Cambria Math" panose="02040503050406030204" pitchFamily="18" charset="0"/>
+                  </a:rPr>
+                  <a:t>𝑀=2</a:t>
+                </a:r>
+                <a:r>
+                  <a:rPr lang="pt-BR" dirty="0" smtClean="0"/>
+                  <a:t>.</a:t>
+                </a:r>
+                <a:endParaRPr lang="pt-BR" dirty="0"/>
+              </a:p>
+            </p:txBody>
+          </p:sp>
+        </mc:Fallback>
+      </mc:AlternateContent>
+      <p:sp>
+        <p:nvSpPr>
+          <p:cNvPr id="4" name="Slide Number Placeholder 3"/>
+          <p:cNvSpPr>
+            <a:spLocks noGrp="1"/>
+          </p:cNvSpPr>
+          <p:nvPr>
+            <p:ph type="sldNum" sz="quarter" idx="10"/>
+          </p:nvPr>
+        </p:nvSpPr>
+        <p:spPr/>
+        <p:txBody>
+          <a:bodyPr/>
+          <a:lstStyle/>
+          <a:p>
+            <a:fld id="{F430A2A4-8C14-4B1A-AD48-7B6401078BF7}" type="slidenum">
+              <a:rPr lang="pt-BR" smtClean="0"/>
+              <a:t>25</a:t>
+            </a:fld>
+            <a:endParaRPr lang="pt-BR"/>
+          </a:p>
+        </p:txBody>
+      </p:sp>
+    </p:spTree>
+    <p:extLst>
+      <p:ext uri="{BB962C8B-B14F-4D97-AF65-F5344CB8AC3E}">
+        <p14:creationId xmlns:p14="http://schemas.microsoft.com/office/powerpoint/2010/main" val="3540245727"/>
+      </p:ext>
+    </p:extLst>
+  </p:cSld>
+  <p:clrMapOvr>
+    <a:masterClrMapping/>
+  </p:clrMapOvr>
+</p:notes>
+</file>
+
+<file path=ppt/notesSlides/notesSlide21.xml><?xml version="1.0" encoding="utf-8"?>
+<p:notes xmlns:a="http://schemas.openxmlformats.org/drawingml/2006/main" xmlns:r="http://schemas.openxmlformats.org/officeDocument/2006/relationships" xmlns:p="http://schemas.openxmlformats.org/presentationml/2006/main">
+  <p:cSld>
+    <p:spTree>
+      <p:nvGrpSpPr>
+        <p:cNvPr id="1" name=""/>
+        <p:cNvGrpSpPr/>
+        <p:nvPr/>
+      </p:nvGrpSpPr>
+      <p:grpSpPr>
+        <a:xfrm>
+          <a:off x="0" y="0"/>
+          <a:ext cx="0" cy="0"/>
+          <a:chOff x="0" y="0"/>
+          <a:chExt cx="0" cy="0"/>
+        </a:xfrm>
+      </p:grpSpPr>
+      <p:sp>
+        <p:nvSpPr>
+          <p:cNvPr id="2" name="Slide Image Placeholder 1"/>
+          <p:cNvSpPr>
+            <a:spLocks noGrp="1" noRot="1" noChangeAspect="1"/>
+          </p:cNvSpPr>
+          <p:nvPr>
+            <p:ph type="sldImg"/>
+          </p:nvPr>
+        </p:nvSpPr>
+        <p:spPr/>
+      </p:sp>
+      <p:sp>
+        <p:nvSpPr>
+          <p:cNvPr id="3" name="Notes Placeholder 2"/>
+          <p:cNvSpPr>
+            <a:spLocks noGrp="1"/>
+          </p:cNvSpPr>
+          <p:nvPr>
+            <p:ph type="body" idx="1"/>
+          </p:nvPr>
+        </p:nvSpPr>
+        <p:spPr/>
+        <p:txBody>
+          <a:bodyPr/>
+          <a:lstStyle/>
+          <a:p>
+            <a:r>
+              <a:rPr lang="pt-BR" sz="1200" b="1" dirty="0" smtClean="0"/>
+              <a:t>Laboratório #8:</a:t>
+            </a:r>
+            <a:r>
+              <a:rPr lang="pt-BR" sz="1200" dirty="0" smtClean="0"/>
+              <a:t> https://</a:t>
+            </a:r>
+            <a:r>
+              <a:rPr lang="pt-BR" sz="1200" dirty="0" smtClean="0"/>
+              <a:t>mybinder.org/v2/gh/zz4fap/t320_aprendizado_de_maquina/main?filepath=labs%2FLaboratorio8.ipynb</a:t>
+            </a:r>
+          </a:p>
+          <a:p>
+            <a:endParaRPr lang="pt-BR" sz="1200" dirty="0" smtClean="0"/>
+          </a:p>
+          <a:p>
+            <a:pPr marL="0" marR="0" lvl="0" indent="0" algn="l" defTabSz="914400" rtl="0" eaLnBrk="1" fontAlgn="auto" latinLnBrk="0" hangingPunct="1">
+              <a:lnSpc>
+                <a:spcPct val="100000"/>
+              </a:lnSpc>
+              <a:spcBef>
+                <a:spcPts val="0"/>
+              </a:spcBef>
+              <a:spcAft>
+                <a:spcPts val="0"/>
+              </a:spcAft>
+              <a:buClrTx/>
+              <a:buSzTx/>
+              <a:buFontTx/>
+              <a:buNone/>
+              <a:tabLst/>
+              <a:defRPr/>
+            </a:pPr>
+            <a:r>
+              <a:rPr lang="pt-BR" sz="1200" b="1" dirty="0" smtClean="0"/>
+              <a:t>Laboratório #8:</a:t>
+            </a:r>
+            <a:r>
+              <a:rPr lang="pt-BR" sz="1200" dirty="0" smtClean="0"/>
+              <a:t> </a:t>
+            </a:r>
+            <a:r>
+              <a:rPr lang="pt-BR" dirty="0" smtClean="0"/>
+              <a:t>https://colab.research.google.com/github/zz4fap/t320_aprendizado_de_maquina/blob/main/labs/</a:t>
+            </a:r>
+            <a:r>
+              <a:rPr lang="pt-BR" sz="1200" dirty="0" smtClean="0"/>
+              <a:t>Laboratorio8.ipynb</a:t>
+            </a:r>
+          </a:p>
+          <a:p>
+            <a:endParaRPr lang="pt-BR" sz="1200" dirty="0" smtClean="0"/>
+          </a:p>
+          <a:p>
+            <a:endParaRPr lang="pt-BR" sz="1200" dirty="0"/>
+          </a:p>
+        </p:txBody>
+      </p:sp>
+      <p:sp>
+        <p:nvSpPr>
+          <p:cNvPr id="4" name="Slide Number Placeholder 3"/>
+          <p:cNvSpPr>
+            <a:spLocks noGrp="1"/>
+          </p:cNvSpPr>
+          <p:nvPr>
+            <p:ph type="sldNum" sz="quarter" idx="10"/>
+          </p:nvPr>
+        </p:nvSpPr>
+        <p:spPr/>
+        <p:txBody>
+          <a:bodyPr/>
+          <a:lstStyle/>
+          <a:p>
+            <a:fld id="{6FC8D850-966F-45A6-8DE7-15B891E7D40D}" type="slidenum">
+              <a:rPr lang="pt-BR" smtClean="0"/>
+              <a:t>29</a:t>
+            </a:fld>
+            <a:endParaRPr lang="pt-BR"/>
+          </a:p>
+        </p:txBody>
+      </p:sp>
+    </p:spTree>
+    <p:extLst>
+      <p:ext uri="{BB962C8B-B14F-4D97-AF65-F5344CB8AC3E}">
+        <p14:creationId xmlns:p14="http://schemas.microsoft.com/office/powerpoint/2010/main" val="3059840101"/>
       </p:ext>
     </p:extLst>
   </p:cSld>
@@ -3718,7 +4716,15 @@
             </a:r>
             <a:r>
               <a:rPr lang="pt-BR" dirty="0" smtClean="0"/>
-              <a:t>: para cada exemplo de treinamento, o algoritmo de retropropagação primeiro faz uma previsão (passagem direta, ou </a:t>
+              <a:t>: para cada exemplo de treinamento, o algoritmo de retropropagação primeiro faz uma </a:t>
+            </a:r>
+            <a:r>
+              <a:rPr lang="pt-BR" dirty="0" smtClean="0"/>
+              <a:t>predição (passagem </a:t>
+            </a:r>
+            <a:r>
+              <a:rPr lang="pt-BR" dirty="0" smtClean="0"/>
+              <a:t>direta, ou </a:t>
             </a:r>
             <a:r>
               <a:rPr lang="pt-BR" b="1" i="1" dirty="0" smtClean="0"/>
@@ -3726,7 +4732,31 @@
             </a:r>
             <a:r>
               <a:rPr lang="pt-BR" dirty="0" smtClean="0"/>
-              <a:t>), calcula o erro e em seguida, passa por cada camada no sentido inverso para medir a contribuição do erro de cada conexão (passagem reversa) e, finalmente, o algoritmo ajusta ligeiramente os pesos da conexão para reduzir o erro (etapa do gradiente descendente).</a:t>
+              <a:t>), calcula o erro </a:t>
+            </a:r>
+            <a:r>
+              <a:rPr lang="pt-BR" dirty="0" smtClean="0"/>
+              <a:t>de saída e </a:t>
+            </a:r>
+            <a:r>
+              <a:rPr lang="pt-BR" dirty="0" smtClean="0"/>
+              <a:t>em seguida, passa por cada camada no sentido inverso para medir a contribuição </a:t>
+            </a:r>
+            <a:r>
+              <a:rPr lang="pt-BR" dirty="0" smtClean="0"/>
+              <a:t>cada conexão no </a:t>
+            </a:r>
+            <a:r>
+              <a:rPr lang="pt-BR" dirty="0" smtClean="0"/>
+              <a:t>erro </a:t>
+            </a:r>
+            <a:r>
+              <a:rPr lang="pt-BR" dirty="0" smtClean="0"/>
+              <a:t>de saída (</a:t>
+            </a:r>
+            <a:r>
+              <a:rPr lang="pt-BR" dirty="0" smtClean="0"/>
+              <a:t>passagem reversa) e, finalmente, o algoritmo ajusta ligeiramente os pesos da conexão para reduzir o erro (etapa do gradiente descendente).</a:t>
             </a:r>
           </a:p>
           <a:p>
@@ -4396,7 +5426,7 @@
           <a:p>
             <a:fld id="{221D0464-8C8A-49C0-859F-777E51766A35}" type="datetimeFigureOut">
               <a:rPr lang="pt-BR" smtClean="0"/>
-              <a:t>20/05/2022</a:t>
+              <a:t>27/05/2022</a:t>
             </a:fld>
             <a:endParaRPr lang="pt-BR"/>
           </a:p>
@@ -4566,7 +5596,7 @@
           <a:p>
             <a:fld id="{221D0464-8C8A-49C0-859F-777E51766A35}" type="datetimeFigureOut">
               <a:rPr lang="pt-BR" smtClean="0"/>
-              <a:t>20/05/2022</a:t>
+              <a:t>27/05/2022</a:t>
             </a:fld>
             <a:endParaRPr lang="pt-BR"/>
           </a:p>
@@ -4746,7 +5776,7 @@
           <a:p>
             <a:fld id="{221D0464-8C8A-49C0-859F-777E51766A35}" type="datetimeFigureOut">
               <a:rPr lang="pt-BR" smtClean="0"/>
-              <a:t>20/05/2022</a:t>
+              <a:t>27/05/2022</a:t>
             </a:fld>
             <a:endParaRPr lang="pt-BR"/>
           </a:p>
@@ -4916,7 +5946,7 @@
           <a:p>
             <a:fld id="{221D0464-8C8A-49C0-859F-777E51766A35}" type="datetimeFigureOut">
               <a:rPr lang="pt-BR" smtClean="0"/>
-              <a:t>20/05/2022</a:t>
+              <a:t>27/05/2022</a:t>
             </a:fld>
             <a:endParaRPr lang="pt-BR"/>
           </a:p>
@@ -5162,7 +6192,7 @@
           <a:p>
             <a:fld id="{221D0464-8C8A-49C0-859F-777E51766A35}" type="datetimeFigureOut">
               <a:rPr lang="pt-BR" smtClean="0"/>
-              <a:t>20/05/2022</a:t>
+              <a:t>27/05/2022</a:t>
             </a:fld>
             <a:endParaRPr lang="pt-BR"/>
           </a:p>
@@ -5394,7 +6424,7 @@
           <a:p>
             <a:fld id="{221D0464-8C8A-49C0-859F-777E51766A35}" type="datetimeFigureOut">
               <a:rPr lang="pt-BR" smtClean="0"/>
-              <a:t>20/05/2022</a:t>
+              <a:t>27/05/2022</a:t>
             </a:fld>
             <a:endParaRPr lang="pt-BR"/>
           </a:p>
@@ -5761,7 +6791,7 @@
           <a:p>
             <a:fld id="{221D0464-8C8A-49C0-859F-777E51766A35}" type="datetimeFigureOut">
               <a:rPr lang="pt-BR" smtClean="0"/>
-              <a:t>20/05/2022</a:t>
+              <a:t>27/05/2022</a:t>
             </a:fld>
             <a:endParaRPr lang="pt-BR"/>
           </a:p>
@@ -5879,7 +6909,7 @@
           <a:p>
             <a:fld id="{221D0464-8C8A-49C0-859F-777E51766A35}" type="datetimeFigureOut">
               <a:rPr lang="pt-BR" smtClean="0"/>
-              <a:t>20/05/2022</a:t>
+              <a:t>27/05/2022</a:t>
             </a:fld>
             <a:endParaRPr lang="pt-BR"/>
           </a:p>
@@ -5974,7 +7004,7 @@
           <a:p>
             <a:fld id="{221D0464-8C8A-49C0-859F-777E51766A35}" type="datetimeFigureOut">
               <a:rPr lang="pt-BR" smtClean="0"/>
-              <a:t>20/05/2022</a:t>
+              <a:t>27/05/2022</a:t>
             </a:fld>
             <a:endParaRPr lang="pt-BR"/>
           </a:p>
@@ -6251,7 +7281,7 @@
           <a:p>
             <a:fld id="{221D0464-8C8A-49C0-859F-777E51766A35}" type="datetimeFigureOut">
               <a:rPr lang="pt-BR" smtClean="0"/>
-              <a:t>20/05/2022</a:t>
+              <a:t>27/05/2022</a:t>
             </a:fld>
             <a:endParaRPr lang="pt-BR"/>
           </a:p>
@@ -6504,7 +7534,7 @@
           <a:p>
             <a:fld id="{221D0464-8C8A-49C0-859F-777E51766A35}" type="datetimeFigureOut">
               <a:rPr lang="pt-BR" smtClean="0"/>
-              <a:t>20/05/2022</a:t>
+              <a:t>27/05/2022</a:t>
             </a:fld>
             <a:endParaRPr lang="pt-BR"/>
           </a:p>
@@ -6717,7 +7747,7 @@
           <a:p>
             <a:fld id="{221D0464-8C8A-49C0-859F-777E51766A35}" type="datetimeFigureOut">
               <a:rPr lang="pt-BR" smtClean="0"/>
-              <a:t>20/05/2022</a:t>
+              <a:t>27/05/2022</a:t>
             </a:fld>
             <a:endParaRPr lang="pt-BR"/>
           </a:p>
@@ -7127,7 +8157,7 @@
           <p:cNvPr id="2" name="Título 1">
             <a:extLst>
               <a:ext uri="{FF2B5EF4-FFF2-40B4-BE49-F238E27FC236}">
-                <a16:creationId xmlns="" xmlns:a16="http://schemas.microsoft.com/office/drawing/2014/main" id="{32666AC8-2E17-4DB4-B0F5-60C640CCFD2E}"/>
+                <a16:creationId xmlns:a16="http://schemas.microsoft.com/office/drawing/2014/main" xmlns="" id="{32666AC8-2E17-4DB4-B0F5-60C640CCFD2E}"/>
               </a:ext>
             </a:extLst>
           </p:cNvPr>
@@ -7178,7 +8208,7 @@
           <p:cNvPr id="4" name="CaixaDeTexto 3">
             <a:extLst>
               <a:ext uri="{FF2B5EF4-FFF2-40B4-BE49-F238E27FC236}">
-                <a16:creationId xmlns="" xmlns:a16="http://schemas.microsoft.com/office/drawing/2014/main" id="{430EB894-B7D4-434C-9D1A-A14094D9BEEC}"/>
+                <a16:creationId xmlns:a16="http://schemas.microsoft.com/office/drawing/2014/main" xmlns="" id="{430EB894-B7D4-434C-9D1A-A14094D9BEEC}"/>
               </a:ext>
             </a:extLst>
           </p:cNvPr>
@@ -7219,7 +8249,7 @@
           <p:cNvPr id="1026" name="Picture 2" descr="Logo">
             <a:extLst>
               <a:ext uri="{FF2B5EF4-FFF2-40B4-BE49-F238E27FC236}">
-                <a16:creationId xmlns="" xmlns:a16="http://schemas.microsoft.com/office/drawing/2014/main" id="{3F2642E0-4F6A-4196-8F58-E77D36E9A33F}"/>
+                <a16:creationId xmlns:a16="http://schemas.microsoft.com/office/drawing/2014/main" xmlns="" id="{3F2642E0-4F6A-4196-8F58-E77D36E9A33F}"/>
               </a:ext>
             </a:extLst>
           </p:cNvPr>
@@ -7264,7 +8294,7 @@
           <p:cNvPr id="5122" name="Picture 2" descr="Image result for machine learning">
             <a:extLst>
               <a:ext uri="{FF2B5EF4-FFF2-40B4-BE49-F238E27FC236}">
-                <a16:creationId xmlns="" xmlns:a16="http://schemas.microsoft.com/office/drawing/2014/main" id="{810CE0A2-4102-44A6-A370-175E7896CDCB}"/>
+                <a16:creationId xmlns:a16="http://schemas.microsoft.com/office/drawing/2014/main" xmlns="" id="{810CE0A2-4102-44A6-A370-175E7896CDCB}"/>
               </a:ext>
             </a:extLst>
           </p:cNvPr>
@@ -7566,19 +8596,39 @@
           <a:p>
             <a:r>
               <a:rPr lang="pt-BR" dirty="0"/>
-              <a:t>Esses métodos buscam, fundamentalmente, encontrar o </a:t>
+              <a:t>Esses métodos </a:t>
+            </a:r>
+            <a:r>
+              <a:rPr lang="pt-BR" dirty="0" smtClean="0"/>
+              <a:t>têm como objetivo encontrar </a:t>
+            </a:r>
+            <a:r>
+              <a:rPr lang="pt-BR" dirty="0"/>
+              <a:t>o </a:t>
             </a:r>
             <a:r>
               <a:rPr lang="pt-BR" b="1" i="1" dirty="0"/>
               <a:t>conjunto de pesos </a:t>
             </a:r>
             <a:r>
+              <a:rPr lang="pt-BR" b="1" i="1" dirty="0"/>
+              <a:t>sinápticos </a:t>
+            </a:r>
+            <a:r>
+              <a:rPr lang="pt-BR" dirty="0" smtClean="0"/>
+              <a:t>que </a:t>
+            </a:r>
+            <a:r>
               <a:rPr lang="pt-BR" dirty="0"/>
-              <a:t>que minimize a </a:t>
+              <a:t>minimize a </a:t>
+            </a:r>
+            <a:r>
+              <a:rPr lang="pt-BR" b="1" i="1" dirty="0" smtClean="0"/>
+              <a:t>métrica (função) de </a:t>
             </a:r>
             <a:r>
               <a:rPr lang="pt-BR" b="1" i="1" dirty="0"/>
-              <a:t>medida de erro </a:t>
+              <a:t>erro </a:t>
             </a:r>
             <a:r>
               <a:rPr lang="pt-BR" dirty="0"/>
@@ -7587,8 +8637,16 @@
           </a:p>
           <a:p>
             <a:r>
+              <a:rPr lang="pt-BR" dirty="0" smtClean="0"/>
+              <a:t>Para isso, </a:t>
+            </a:r>
+            <a:r>
+              <a:rPr lang="pt-BR" dirty="0" smtClean="0"/>
+              <a:t>é necessário </a:t>
+            </a:r>
+            <a:r>
               <a:rPr lang="pt-BR" dirty="0"/>
-              <a:t>A ideia é encontrar uma maneira de </a:t>
+              <a:t>encontrar uma maneira de </a:t>
             </a:r>
             <a:r>
               <a:rPr lang="pt-BR" dirty="0" smtClean="0"/>
@@ -8535,6 +9593,36 @@
           <a:chExt cx="0" cy="0"/>
         </a:xfrm>
       </p:grpSpPr>
+      <p:pic>
+        <p:nvPicPr>
+          <p:cNvPr id="7" name="Imagem 6"/>
+          <p:cNvPicPr>
+            <a:picLocks noChangeAspect="1"/>
+          </p:cNvPicPr>
+          <p:nvPr/>
+        </p:nvPicPr>
+        <p:blipFill>
+          <a:blip r:embed="rId3">
+            <a:extLst>
+              <a:ext uri="{28A0092B-C50C-407E-A947-70E740481C1C}">
+                <a14:useLocalDpi xmlns:a14="http://schemas.microsoft.com/office/drawing/2010/main" val="0"/>
+              </a:ext>
+            </a:extLst>
+          </a:blip>
+          <a:stretch>
+            <a:fillRect/>
+          </a:stretch>
+        </p:blipFill>
+        <p:spPr>
+          <a:xfrm>
+            <a:off x="2514601" y="2506538"/>
+            <a:ext cx="6728915" cy="2446878"/>
+          </a:xfrm>
+          <a:prstGeom prst="rect">
+            <a:avLst/>
+          </a:prstGeom>
+        </p:spPr>
+      </p:pic>
       <p:sp>
         <p:nvSpPr>
           <p:cNvPr id="2" name="Title 1"/>
@@ -8567,67 +9655,8 @@
           </a:p>
         </p:txBody>
       </p:sp>
-      <p:sp>
-        <p:nvSpPr>
-          <p:cNvPr id="3" name="Content Placeholder 2"/>
-          <p:cNvSpPr>
-            <a:spLocks noGrp="1"/>
-          </p:cNvSpPr>
-          <p:nvPr>
-            <p:ph idx="1"/>
-          </p:nvPr>
-        </p:nvSpPr>
-        <p:spPr>
-          <a:xfrm>
-            <a:off x="838199" y="1825625"/>
-            <a:ext cx="10910455" cy="820593"/>
-          </a:xfrm>
-        </p:spPr>
-        <p:txBody>
-          <a:bodyPr>
-            <a:normAutofit lnSpcReduction="10000"/>
-          </a:bodyPr>
-          <a:lstStyle/>
-          <a:p>
-            <a:r>
-              <a:rPr lang="pt-BR" dirty="0"/>
-              <a:t>A figura abaixo apresenta um exemplo de como uma rede MLP pode ser descrita segundo essa notação.</a:t>
-            </a:r>
-          </a:p>
-        </p:txBody>
-      </p:sp>
-      <p:pic>
-        <p:nvPicPr>
-          <p:cNvPr id="4" name="Picture 3"/>
-          <p:cNvPicPr>
-            <a:picLocks noChangeAspect="1"/>
-          </p:cNvPicPr>
-          <p:nvPr/>
-        </p:nvPicPr>
-        <p:blipFill>
-          <a:blip r:embed="rId3">
-            <a:extLst>
-              <a:ext uri="{28A0092B-C50C-407E-A947-70E740481C1C}">
-                <a14:useLocalDpi xmlns:a14="http://schemas.microsoft.com/office/drawing/2010/main" val="0"/>
-              </a:ext>
-            </a:extLst>
-          </a:blip>
-          <a:stretch>
-            <a:fillRect/>
-          </a:stretch>
-        </p:blipFill>
-        <p:spPr>
-          <a:xfrm>
-            <a:off x="2853944" y="2646218"/>
-            <a:ext cx="6484111" cy="2230534"/>
-          </a:xfrm>
-          <a:prstGeom prst="rect">
-            <a:avLst/>
-          </a:prstGeom>
-        </p:spPr>
-      </p:pic>
-      <mc:AlternateContent xmlns:mc="http://schemas.openxmlformats.org/markup-compatibility/2006" xmlns:a14="http://schemas.microsoft.com/office/drawing/2010/main">
-        <mc:Choice Requires="a14">
+      <mc:AlternateContent xmlns:mc="http://schemas.openxmlformats.org/markup-compatibility/2006">
+        <mc:Choice xmlns:a14="http://schemas.microsoft.com/office/drawing/2010/main" Requires="a14">
           <p:sp>
             <p:nvSpPr>
               <p:cNvPr id="5" name="Content Placeholder 2"/>
@@ -8639,7 +9668,7 @@
             <p:spPr>
               <a:xfrm>
                 <a:off x="838199" y="5003111"/>
-                <a:ext cx="11208658" cy="1757907"/>
+                <a:ext cx="11208658" cy="1854889"/>
               </a:xfrm>
               <a:prstGeom prst="rect">
                 <a:avLst/>
@@ -8647,7 +9676,7 @@
             </p:spPr>
             <p:txBody>
               <a:bodyPr vert="horz" lIns="91440" tIns="45720" rIns="91440" bIns="45720" rtlCol="0">
-                <a:normAutofit fontScale="92500" lnSpcReduction="10000"/>
+                <a:normAutofit fontScale="85000" lnSpcReduction="20000"/>
               </a:bodyPr>
               <a:lstStyle>
                 <a:lvl1pPr marL="228600" indent="-228600" algn="l" defTabSz="914400" rtl="0" eaLnBrk="1" latinLnBrk="0" hangingPunct="1">
@@ -8816,341 +9845,447 @@
               <a:p>
                 <a:r>
                   <a:rPr lang="pt-BR" dirty="0"/>
-                  <a:t>O mapeamento realizado pela rede MLP acima é dado por:</a:t>
+                  <a:t>O mapeamento realizado pela rede MLP acima é dado por</a:t>
+                </a:r>
+                <a:r>
+                  <a:rPr lang="pt-BR" dirty="0" smtClean="0"/>
+                  <a:t>:</a:t>
                 </a:r>
               </a:p>
               <a:p>
-                <a:pPr marL="0" indent="0" algn="ctr">
+                <a:pPr marL="0" indent="0">
                   <a:buNone/>
                 </a:pPr>
                 <a14:m>
-                  <m:oMath xmlns:m="http://schemas.openxmlformats.org/officeDocument/2006/math">
-                    <m:sSup>
-                      <m:sSupPr>
-                        <m:ctrlPr>
-                          <a:rPr lang="pt-BR" i="1">
-                            <a:latin typeface="Cambria Math" panose="02040503050406030204" pitchFamily="18" charset="0"/>
-                          </a:rPr>
-                        </m:ctrlPr>
-                      </m:sSupPr>
-                      <m:e>
-                        <m:r>
-                          <a:rPr lang="pt-BR" b="1" i="1">
-                            <a:latin typeface="Cambria Math" panose="02040503050406030204" pitchFamily="18" charset="0"/>
-                          </a:rPr>
-                          <m:t>𝒚</m:t>
-                        </m:r>
-                      </m:e>
-                      <m:sup>
-                        <m:r>
-                          <a:rPr lang="pt-BR" i="1">
-                            <a:latin typeface="Cambria Math" panose="02040503050406030204" pitchFamily="18" charset="0"/>
-                          </a:rPr>
-                          <m:t>3</m:t>
-                        </m:r>
-                      </m:sup>
-                    </m:sSup>
-                    <m:r>
-                      <a:rPr lang="pt-BR" i="1">
-                        <a:latin typeface="Cambria Math" panose="02040503050406030204" pitchFamily="18" charset="0"/>
-                      </a:rPr>
-                      <m:t>=</m:t>
-                    </m:r>
-                    <m:sSup>
-                      <m:sSupPr>
-                        <m:ctrlPr>
-                          <a:rPr lang="pt-BR" i="1">
-                            <a:latin typeface="Cambria Math" panose="02040503050406030204" pitchFamily="18" charset="0"/>
-                          </a:rPr>
-                        </m:ctrlPr>
-                      </m:sSupPr>
-                      <m:e>
-                        <m:r>
-                          <a:rPr lang="pt-BR" b="1" i="1">
-                            <a:latin typeface="Cambria Math" panose="02040503050406030204" pitchFamily="18" charset="0"/>
-                          </a:rPr>
-                          <m:t>𝒇</m:t>
-                        </m:r>
-                      </m:e>
-                      <m:sup>
-                        <m:r>
-                          <a:rPr lang="pt-BR" i="1">
-                            <a:latin typeface="Cambria Math" panose="02040503050406030204" pitchFamily="18" charset="0"/>
-                          </a:rPr>
-                          <m:t>3</m:t>
-                        </m:r>
-                      </m:sup>
-                    </m:sSup>
-                    <m:d>
-                      <m:dPr>
-                        <m:ctrlPr>
-                          <a:rPr lang="pt-BR" i="1">
-                            <a:latin typeface="Cambria Math" panose="02040503050406030204" pitchFamily="18" charset="0"/>
-                          </a:rPr>
-                        </m:ctrlPr>
-                      </m:dPr>
-                      <m:e>
-                        <m:sSup>
-                          <m:sSupPr>
-                            <m:ctrlPr>
-                              <a:rPr lang="pt-BR" i="1">
-                                <a:latin typeface="Cambria Math" panose="02040503050406030204" pitchFamily="18" charset="0"/>
-                              </a:rPr>
-                            </m:ctrlPr>
-                          </m:sSupPr>
-                          <m:e>
-                            <m:r>
-                              <a:rPr lang="pt-BR" b="1" i="1">
-                                <a:latin typeface="Cambria Math" panose="02040503050406030204" pitchFamily="18" charset="0"/>
-                              </a:rPr>
-                              <m:t>𝑾</m:t>
-                            </m:r>
-                          </m:e>
-                          <m:sup>
-                            <m:r>
-                              <a:rPr lang="pt-BR" i="1">
-                                <a:latin typeface="Cambria Math" panose="02040503050406030204" pitchFamily="18" charset="0"/>
-                              </a:rPr>
-                              <m:t>3</m:t>
-                            </m:r>
-                          </m:sup>
-                        </m:sSup>
-                        <m:sSup>
-                          <m:sSupPr>
-                            <m:ctrlPr>
-                              <a:rPr lang="pt-BR" i="1">
-                                <a:latin typeface="Cambria Math" panose="02040503050406030204" pitchFamily="18" charset="0"/>
-                              </a:rPr>
-                            </m:ctrlPr>
-                          </m:sSupPr>
-                          <m:e>
-                            <m:r>
-                              <a:rPr lang="pt-BR" b="1" i="1">
-                                <a:latin typeface="Cambria Math" panose="02040503050406030204" pitchFamily="18" charset="0"/>
-                              </a:rPr>
-                              <m:t>𝒇</m:t>
-                            </m:r>
-                          </m:e>
-                          <m:sup>
-                            <m:r>
-                              <a:rPr lang="pt-BR" i="1">
-                                <a:latin typeface="Cambria Math" panose="02040503050406030204" pitchFamily="18" charset="0"/>
-                              </a:rPr>
-                              <m:t>2</m:t>
-                            </m:r>
-                          </m:sup>
-                        </m:sSup>
-                        <m:d>
-                          <m:dPr>
-                            <m:ctrlPr>
-                              <a:rPr lang="pt-BR" i="1">
-                                <a:latin typeface="Cambria Math" panose="02040503050406030204" pitchFamily="18" charset="0"/>
-                              </a:rPr>
-                            </m:ctrlPr>
-                          </m:dPr>
-                          <m:e>
-                            <m:sSup>
-                              <m:sSupPr>
-                                <m:ctrlPr>
-                                  <a:rPr lang="pt-BR" i="1">
-                                    <a:latin typeface="Cambria Math" panose="02040503050406030204" pitchFamily="18" charset="0"/>
-                                  </a:rPr>
-                                </m:ctrlPr>
-                              </m:sSupPr>
-                              <m:e>
-                                <m:r>
-                                  <a:rPr lang="pt-BR" b="1" i="1">
-                                    <a:latin typeface="Cambria Math" panose="02040503050406030204" pitchFamily="18" charset="0"/>
-                                  </a:rPr>
-                                  <m:t>𝑾</m:t>
-                                </m:r>
-                              </m:e>
-                              <m:sup>
-                                <m:r>
-                                  <a:rPr lang="pt-BR" i="1">
-                                    <a:latin typeface="Cambria Math" panose="02040503050406030204" pitchFamily="18" charset="0"/>
-                                  </a:rPr>
-                                  <m:t>2</m:t>
-                                </m:r>
-                              </m:sup>
-                            </m:sSup>
-                            <m:sSup>
-                              <m:sSupPr>
-                                <m:ctrlPr>
-                                  <a:rPr lang="pt-BR" i="1">
-                                    <a:latin typeface="Cambria Math" panose="02040503050406030204" pitchFamily="18" charset="0"/>
-                                  </a:rPr>
-                                </m:ctrlPr>
-                              </m:sSupPr>
-                              <m:e>
-                                <m:r>
-                                  <a:rPr lang="pt-BR" b="1" i="1">
-                                    <a:latin typeface="Cambria Math" panose="02040503050406030204" pitchFamily="18" charset="0"/>
-                                  </a:rPr>
-                                  <m:t>𝒇</m:t>
-                                </m:r>
-                              </m:e>
-                              <m:sup>
-                                <m:r>
-                                  <a:rPr lang="pt-BR" i="1">
-                                    <a:latin typeface="Cambria Math" panose="02040503050406030204" pitchFamily="18" charset="0"/>
-                                  </a:rPr>
-                                  <m:t>1</m:t>
-                                </m:r>
-                              </m:sup>
-                            </m:sSup>
-                            <m:d>
-                              <m:dPr>
-                                <m:ctrlPr>
-                                  <a:rPr lang="pt-BR" i="1">
-                                    <a:latin typeface="Cambria Math" panose="02040503050406030204" pitchFamily="18" charset="0"/>
-                                  </a:rPr>
-                                </m:ctrlPr>
-                              </m:dPr>
-                              <m:e>
-                                <m:sSup>
-                                  <m:sSupPr>
-                                    <m:ctrlPr>
-                                      <a:rPr lang="pt-BR" i="1">
-                                        <a:latin typeface="Cambria Math" panose="02040503050406030204" pitchFamily="18" charset="0"/>
-                                      </a:rPr>
-                                    </m:ctrlPr>
-                                  </m:sSupPr>
-                                  <m:e>
-                                    <m:r>
-                                      <a:rPr lang="pt-BR" b="1" i="1">
-                                        <a:latin typeface="Cambria Math" panose="02040503050406030204" pitchFamily="18" charset="0"/>
-                                      </a:rPr>
-                                      <m:t>𝑾</m:t>
-                                    </m:r>
-                                  </m:e>
-                                  <m:sup>
-                                    <m:r>
-                                      <a:rPr lang="pt-BR" i="1">
-                                        <a:latin typeface="Cambria Math" panose="02040503050406030204" pitchFamily="18" charset="0"/>
-                                      </a:rPr>
-                                      <m:t>1</m:t>
-                                    </m:r>
-                                  </m:sup>
-                                </m:sSup>
-                                <m:r>
-                                  <a:rPr lang="pt-BR" b="1" i="1">
-                                    <a:latin typeface="Cambria Math" panose="02040503050406030204" pitchFamily="18" charset="0"/>
-                                  </a:rPr>
-                                  <m:t>𝒙</m:t>
-                                </m:r>
-                                <m:r>
-                                  <m:rPr>
-                                    <m:nor/>
-                                  </m:rPr>
-                                  <a:rPr lang="pt-BR" b="1" dirty="0"/>
-                                  <m:t> </m:t>
-                                </m:r>
-                                <m:r>
-                                  <a:rPr lang="pt-BR" i="1" dirty="0">
-                                    <a:latin typeface="Cambria Math" panose="02040503050406030204" pitchFamily="18" charset="0"/>
-                                  </a:rPr>
-                                  <m:t>+</m:t>
-                                </m:r>
-                                <m:sSup>
-                                  <m:sSupPr>
-                                    <m:ctrlPr>
-                                      <a:rPr lang="pt-BR" i="1">
-                                        <a:latin typeface="Cambria Math" panose="02040503050406030204" pitchFamily="18" charset="0"/>
-                                      </a:rPr>
-                                    </m:ctrlPr>
-                                  </m:sSupPr>
-                                  <m:e>
-                                    <m:r>
-                                      <a:rPr lang="pt-BR" b="1" i="1">
-                                        <a:latin typeface="Cambria Math" panose="02040503050406030204" pitchFamily="18" charset="0"/>
-                                      </a:rPr>
-                                      <m:t>𝒃</m:t>
-                                    </m:r>
-                                  </m:e>
-                                  <m:sup>
-                                    <m:r>
-                                      <a:rPr lang="pt-BR" i="1">
-                                        <a:latin typeface="Cambria Math" panose="02040503050406030204" pitchFamily="18" charset="0"/>
-                                      </a:rPr>
-                                      <m:t>1</m:t>
-                                    </m:r>
-                                  </m:sup>
-                                </m:sSup>
-                              </m:e>
-                            </m:d>
-                            <m:r>
-                              <a:rPr lang="pt-BR" i="1">
-                                <a:latin typeface="Cambria Math" panose="02040503050406030204" pitchFamily="18" charset="0"/>
-                              </a:rPr>
-                              <m:t>+</m:t>
-                            </m:r>
-                            <m:sSup>
-                              <m:sSupPr>
-                                <m:ctrlPr>
-                                  <a:rPr lang="pt-BR" i="1">
-                                    <a:latin typeface="Cambria Math" panose="02040503050406030204" pitchFamily="18" charset="0"/>
-                                  </a:rPr>
-                                </m:ctrlPr>
-                              </m:sSupPr>
-                              <m:e>
-                                <m:r>
-                                  <a:rPr lang="pt-BR" b="1" i="1">
-                                    <a:latin typeface="Cambria Math" panose="02040503050406030204" pitchFamily="18" charset="0"/>
-                                  </a:rPr>
-                                  <m:t>𝒃</m:t>
-                                </m:r>
-                              </m:e>
-                              <m:sup>
-                                <m:r>
-                                  <a:rPr lang="pt-BR" i="1">
-                                    <a:latin typeface="Cambria Math" panose="02040503050406030204" pitchFamily="18" charset="0"/>
-                                  </a:rPr>
-                                  <m:t>2</m:t>
-                                </m:r>
-                              </m:sup>
-                            </m:sSup>
-                          </m:e>
-                        </m:d>
-                        <m:r>
-                          <a:rPr lang="pt-BR" i="1" dirty="0">
-                            <a:latin typeface="Cambria Math" panose="02040503050406030204" pitchFamily="18" charset="0"/>
-                          </a:rPr>
-                          <m:t>+</m:t>
-                        </m:r>
-                        <m:sSup>
-                          <m:sSupPr>
-                            <m:ctrlPr>
-                              <a:rPr lang="pt-BR" i="1">
-                                <a:latin typeface="Cambria Math" panose="02040503050406030204" pitchFamily="18" charset="0"/>
-                              </a:rPr>
-                            </m:ctrlPr>
-                          </m:sSupPr>
-                          <m:e>
-                            <m:r>
-                              <a:rPr lang="pt-BR" b="1" i="1">
-                                <a:latin typeface="Cambria Math" panose="02040503050406030204" pitchFamily="18" charset="0"/>
-                              </a:rPr>
-                              <m:t>𝒃</m:t>
-                            </m:r>
-                          </m:e>
-                          <m:sup>
-                            <m:r>
-                              <a:rPr lang="pt-BR" i="1">
-                                <a:latin typeface="Cambria Math" panose="02040503050406030204" pitchFamily="18" charset="0"/>
-                              </a:rPr>
-                              <m:t>3</m:t>
-                            </m:r>
-                          </m:sup>
-                        </m:sSup>
-                      </m:e>
-                    </m:d>
-                  </m:oMath>
+                  <m:oMathPara xmlns:m="http://schemas.openxmlformats.org/officeDocument/2006/math">
+                    <m:oMathParaPr>
+                      <m:jc m:val="centerGroup"/>
+                    </m:oMathParaPr>
+                    <m:oMath xmlns:m="http://schemas.openxmlformats.org/officeDocument/2006/math">
+                      <m:sSup>
+                        <m:sSupPr>
+                          <m:ctrlPr>
+                            <a:rPr lang="pt-BR" sz="2100" i="1">
+                              <a:latin typeface="Cambria Math" panose="02040503050406030204" pitchFamily="18" charset="0"/>
+                            </a:rPr>
+                          </m:ctrlPr>
+                        </m:sSupPr>
+                        <m:e>
+                          <m:r>
+                            <a:rPr lang="pt-BR" sz="2100" b="1" i="1">
+                              <a:latin typeface="Cambria Math" panose="02040503050406030204" pitchFamily="18" charset="0"/>
+                            </a:rPr>
+                            <m:t>𝒚</m:t>
+                          </m:r>
+                        </m:e>
+                        <m:sup>
+                          <m:r>
+                            <a:rPr lang="pt-BR" sz="2100" i="1">
+                              <a:latin typeface="Cambria Math" panose="02040503050406030204" pitchFamily="18" charset="0"/>
+                            </a:rPr>
+                            <m:t>3</m:t>
+                          </m:r>
+                        </m:sup>
+                      </m:sSup>
+                      <m:r>
+                        <a:rPr lang="pt-BR" sz="2100" i="1">
+                          <a:latin typeface="Cambria Math" panose="02040503050406030204" pitchFamily="18" charset="0"/>
+                        </a:rPr>
+                        <m:t>=</m:t>
+                      </m:r>
+                      <m:sSup>
+                        <m:sSupPr>
+                          <m:ctrlPr>
+                            <a:rPr lang="pt-BR" sz="2100" i="1">
+                              <a:latin typeface="Cambria Math" panose="02040503050406030204" pitchFamily="18" charset="0"/>
+                            </a:rPr>
+                          </m:ctrlPr>
+                        </m:sSupPr>
+                        <m:e>
+                          <m:r>
+                            <a:rPr lang="pt-BR" sz="2100" b="1" i="1">
+                              <a:latin typeface="Cambria Math" panose="02040503050406030204" pitchFamily="18" charset="0"/>
+                            </a:rPr>
+                            <m:t>𝒇</m:t>
+                          </m:r>
+                        </m:e>
+                        <m:sup>
+                          <m:r>
+                            <a:rPr lang="pt-BR" sz="2100" i="1">
+                              <a:latin typeface="Cambria Math" panose="02040503050406030204" pitchFamily="18" charset="0"/>
+                            </a:rPr>
+                            <m:t>3</m:t>
+                          </m:r>
+                        </m:sup>
+                      </m:sSup>
+                      <m:d>
+                        <m:dPr>
+                          <m:ctrlPr>
+                            <a:rPr lang="pt-BR" sz="2100" i="1">
+                              <a:latin typeface="Cambria Math" panose="02040503050406030204" pitchFamily="18" charset="0"/>
+                            </a:rPr>
+                          </m:ctrlPr>
+                        </m:dPr>
+                        <m:e>
+                          <m:sSup>
+                            <m:sSupPr>
+                              <m:ctrlPr>
+                                <a:rPr lang="pt-BR" sz="2100" i="1">
+                                  <a:latin typeface="Cambria Math" panose="02040503050406030204" pitchFamily="18" charset="0"/>
+                                </a:rPr>
+                              </m:ctrlPr>
+                            </m:sSupPr>
+                            <m:e>
+                              <m:r>
+                                <a:rPr lang="pt-BR" sz="2100" b="1" i="1">
+                                  <a:latin typeface="Cambria Math" panose="02040503050406030204" pitchFamily="18" charset="0"/>
+                                </a:rPr>
+                                <m:t>𝑾</m:t>
+                              </m:r>
+                            </m:e>
+                            <m:sup>
+                              <m:r>
+                                <a:rPr lang="pt-BR" sz="2100" i="1">
+                                  <a:latin typeface="Cambria Math" panose="02040503050406030204" pitchFamily="18" charset="0"/>
+                                </a:rPr>
+                                <m:t>3</m:t>
+                              </m:r>
+                            </m:sup>
+                          </m:sSup>
+                          <m:limLow>
+                            <m:limLowPr>
+                              <m:ctrlPr>
+                                <a:rPr lang="pt-BR" sz="2100" i="1">
+                                  <a:latin typeface="Cambria Math" panose="02040503050406030204" pitchFamily="18" charset="0"/>
+                                </a:rPr>
+                              </m:ctrlPr>
+                            </m:limLowPr>
+                            <m:e>
+                              <m:groupChr>
+                                <m:groupChrPr>
+                                  <m:chr m:val="⏟"/>
+                                  <m:ctrlPr>
+                                    <a:rPr lang="pt-BR" sz="2100" i="1">
+                                      <a:latin typeface="Cambria Math" panose="02040503050406030204" pitchFamily="18" charset="0"/>
+                                    </a:rPr>
+                                  </m:ctrlPr>
+                                </m:groupChrPr>
+                                <m:e>
+                                  <m:sSup>
+                                    <m:sSupPr>
+                                      <m:ctrlPr>
+                                        <a:rPr lang="pt-BR" sz="2100" i="1">
+                                          <a:latin typeface="Cambria Math" panose="02040503050406030204" pitchFamily="18" charset="0"/>
+                                        </a:rPr>
+                                      </m:ctrlPr>
+                                    </m:sSupPr>
+                                    <m:e>
+                                      <m:r>
+                                        <a:rPr lang="pt-BR" sz="2100" b="1" i="1">
+                                          <a:latin typeface="Cambria Math" panose="02040503050406030204" pitchFamily="18" charset="0"/>
+                                        </a:rPr>
+                                        <m:t>𝒇</m:t>
+                                      </m:r>
+                                    </m:e>
+                                    <m:sup>
+                                      <m:r>
+                                        <a:rPr lang="pt-BR" sz="2100" i="1">
+                                          <a:latin typeface="Cambria Math" panose="02040503050406030204" pitchFamily="18" charset="0"/>
+                                        </a:rPr>
+                                        <m:t>2</m:t>
+                                      </m:r>
+                                    </m:sup>
+                                  </m:sSup>
+                                  <m:d>
+                                    <m:dPr>
+                                      <m:ctrlPr>
+                                        <a:rPr lang="pt-BR" sz="2100" i="1">
+                                          <a:latin typeface="Cambria Math" panose="02040503050406030204" pitchFamily="18" charset="0"/>
+                                        </a:rPr>
+                                      </m:ctrlPr>
+                                    </m:dPr>
+                                    <m:e>
+                                      <m:sSup>
+                                        <m:sSupPr>
+                                          <m:ctrlPr>
+                                            <a:rPr lang="pt-BR" sz="2100" i="1">
+                                              <a:latin typeface="Cambria Math" panose="02040503050406030204" pitchFamily="18" charset="0"/>
+                                            </a:rPr>
+                                          </m:ctrlPr>
+                                        </m:sSupPr>
+                                        <m:e>
+                                          <m:r>
+                                            <a:rPr lang="pt-BR" sz="2100" b="1" i="1">
+                                              <a:latin typeface="Cambria Math" panose="02040503050406030204" pitchFamily="18" charset="0"/>
+                                            </a:rPr>
+                                            <m:t>𝑾</m:t>
+                                          </m:r>
+                                        </m:e>
+                                        <m:sup>
+                                          <m:r>
+                                            <a:rPr lang="pt-BR" sz="2100" i="1">
+                                              <a:latin typeface="Cambria Math" panose="02040503050406030204" pitchFamily="18" charset="0"/>
+                                            </a:rPr>
+                                            <m:t>2</m:t>
+                                          </m:r>
+                                        </m:sup>
+                                      </m:sSup>
+                                      <m:limLow>
+                                        <m:limLowPr>
+                                          <m:ctrlPr>
+                                            <a:rPr lang="pt-BR" sz="2100" i="1">
+                                              <a:latin typeface="Cambria Math" panose="02040503050406030204" pitchFamily="18" charset="0"/>
+                                            </a:rPr>
+                                          </m:ctrlPr>
+                                        </m:limLowPr>
+                                        <m:e>
+                                          <m:groupChr>
+                                            <m:groupChrPr>
+                                              <m:chr m:val="⏟"/>
+                                              <m:ctrlPr>
+                                                <a:rPr lang="pt-BR" sz="2100" i="1">
+                                                  <a:latin typeface="Cambria Math" panose="02040503050406030204" pitchFamily="18" charset="0"/>
+                                                </a:rPr>
+                                              </m:ctrlPr>
+                                            </m:groupChrPr>
+                                            <m:e>
+                                              <m:sSup>
+                                                <m:sSupPr>
+                                                  <m:ctrlPr>
+                                                    <a:rPr lang="pt-BR" sz="2100" i="1">
+                                                      <a:latin typeface="Cambria Math" panose="02040503050406030204" pitchFamily="18" charset="0"/>
+                                                    </a:rPr>
+                                                  </m:ctrlPr>
+                                                </m:sSupPr>
+                                                <m:e>
+                                                  <m:r>
+                                                    <a:rPr lang="pt-BR" sz="2100" b="1" i="1">
+                                                      <a:latin typeface="Cambria Math" panose="02040503050406030204" pitchFamily="18" charset="0"/>
+                                                    </a:rPr>
+                                                    <m:t>𝒇</m:t>
+                                                  </m:r>
+                                                </m:e>
+                                                <m:sup>
+                                                  <m:r>
+                                                    <a:rPr lang="pt-BR" sz="2100" i="1">
+                                                      <a:latin typeface="Cambria Math" panose="02040503050406030204" pitchFamily="18" charset="0"/>
+                                                    </a:rPr>
+                                                    <m:t>1</m:t>
+                                                  </m:r>
+                                                </m:sup>
+                                              </m:sSup>
+                                              <m:d>
+                                                <m:dPr>
+                                                  <m:ctrlPr>
+                                                    <a:rPr lang="pt-BR" sz="2100" i="1">
+                                                      <a:latin typeface="Cambria Math" panose="02040503050406030204" pitchFamily="18" charset="0"/>
+                                                    </a:rPr>
+                                                  </m:ctrlPr>
+                                                </m:dPr>
+                                                <m:e>
+                                                  <m:sSup>
+                                                    <m:sSupPr>
+                                                      <m:ctrlPr>
+                                                        <a:rPr lang="pt-BR" sz="2100" i="1">
+                                                          <a:latin typeface="Cambria Math" panose="02040503050406030204" pitchFamily="18" charset="0"/>
+                                                        </a:rPr>
+                                                      </m:ctrlPr>
+                                                    </m:sSupPr>
+                                                    <m:e>
+                                                      <m:r>
+                                                        <a:rPr lang="pt-BR" sz="2100" b="1" i="1">
+                                                          <a:latin typeface="Cambria Math" panose="02040503050406030204" pitchFamily="18" charset="0"/>
+                                                        </a:rPr>
+                                                        <m:t>𝑾</m:t>
+                                                      </m:r>
+                                                    </m:e>
+                                                    <m:sup>
+                                                      <m:r>
+                                                        <a:rPr lang="pt-BR" sz="2100" i="1">
+                                                          <a:latin typeface="Cambria Math" panose="02040503050406030204" pitchFamily="18" charset="0"/>
+                                                        </a:rPr>
+                                                        <m:t>1</m:t>
+                                                      </m:r>
+                                                    </m:sup>
+                                                  </m:sSup>
+                                                  <m:r>
+                                                    <a:rPr lang="pt-BR" sz="2100" b="1" i="1">
+                                                      <a:latin typeface="Cambria Math" panose="02040503050406030204" pitchFamily="18" charset="0"/>
+                                                    </a:rPr>
+                                                    <m:t>𝒙</m:t>
+                                                  </m:r>
+                                                  <m:r>
+                                                    <m:rPr>
+                                                      <m:nor/>
+                                                    </m:rPr>
+                                                    <a:rPr lang="pt-BR" sz="2100" b="1" dirty="0"/>
+                                                    <m:t> </m:t>
+                                                  </m:r>
+                                                  <m:r>
+                                                    <a:rPr lang="pt-BR" sz="2100" i="1" dirty="0">
+                                                      <a:latin typeface="Cambria Math" panose="02040503050406030204" pitchFamily="18" charset="0"/>
+                                                    </a:rPr>
+                                                    <m:t>+</m:t>
+                                                  </m:r>
+                                                  <m:sSup>
+                                                    <m:sSupPr>
+                                                      <m:ctrlPr>
+                                                        <a:rPr lang="pt-BR" sz="2100" i="1">
+                                                          <a:latin typeface="Cambria Math" panose="02040503050406030204" pitchFamily="18" charset="0"/>
+                                                        </a:rPr>
+                                                      </m:ctrlPr>
+                                                    </m:sSupPr>
+                                                    <m:e>
+                                                      <m:r>
+                                                        <a:rPr lang="pt-BR" sz="2100" b="1" i="1">
+                                                          <a:latin typeface="Cambria Math" panose="02040503050406030204" pitchFamily="18" charset="0"/>
+                                                        </a:rPr>
+                                                        <m:t>𝒃</m:t>
+                                                      </m:r>
+                                                    </m:e>
+                                                    <m:sup>
+                                                      <m:r>
+                                                        <a:rPr lang="pt-BR" sz="2100" i="1">
+                                                          <a:latin typeface="Cambria Math" panose="02040503050406030204" pitchFamily="18" charset="0"/>
+                                                        </a:rPr>
+                                                        <m:t>1</m:t>
+                                                      </m:r>
+                                                    </m:sup>
+                                                  </m:sSup>
+                                                </m:e>
+                                              </m:d>
+                                            </m:e>
+                                          </m:groupChr>
+                                        </m:e>
+                                        <m:lim>
+                                          <m:sSup>
+                                            <m:sSupPr>
+                                              <m:ctrlPr>
+                                                <a:rPr lang="pt-BR" sz="2100" i="1">
+                                                  <a:latin typeface="Cambria Math" panose="02040503050406030204" pitchFamily="18" charset="0"/>
+                                                </a:rPr>
+                                              </m:ctrlPr>
+                                            </m:sSupPr>
+                                            <m:e>
+                                              <m:r>
+                                                <a:rPr lang="pt-BR" sz="2100" b="1" i="1">
+                                                  <a:latin typeface="Cambria Math" panose="02040503050406030204" pitchFamily="18" charset="0"/>
+                                                </a:rPr>
+                                                <m:t>𝒚</m:t>
+                                              </m:r>
+                                            </m:e>
+                                            <m:sup>
+                                              <m:r>
+                                                <a:rPr lang="pt-BR" sz="2100" i="1">
+                                                  <a:latin typeface="Cambria Math" panose="02040503050406030204" pitchFamily="18" charset="0"/>
+                                                </a:rPr>
+                                                <m:t>1</m:t>
+                                              </m:r>
+                                            </m:sup>
+                                          </m:sSup>
+                                        </m:lim>
+                                      </m:limLow>
+                                      <m:r>
+                                        <a:rPr lang="pt-BR" sz="2100" i="1">
+                                          <a:latin typeface="Cambria Math" panose="02040503050406030204" pitchFamily="18" charset="0"/>
+                                        </a:rPr>
+                                        <m:t>+</m:t>
+                                      </m:r>
+                                      <m:sSup>
+                                        <m:sSupPr>
+                                          <m:ctrlPr>
+                                            <a:rPr lang="pt-BR" sz="2100" i="1">
+                                              <a:latin typeface="Cambria Math" panose="02040503050406030204" pitchFamily="18" charset="0"/>
+                                            </a:rPr>
+                                          </m:ctrlPr>
+                                        </m:sSupPr>
+                                        <m:e>
+                                          <m:r>
+                                            <a:rPr lang="pt-BR" sz="2100" b="1" i="1">
+                                              <a:latin typeface="Cambria Math" panose="02040503050406030204" pitchFamily="18" charset="0"/>
+                                            </a:rPr>
+                                            <m:t>𝒃</m:t>
+                                          </m:r>
+                                        </m:e>
+                                        <m:sup>
+                                          <m:r>
+                                            <a:rPr lang="pt-BR" sz="2100" i="1">
+                                              <a:latin typeface="Cambria Math" panose="02040503050406030204" pitchFamily="18" charset="0"/>
+                                            </a:rPr>
+                                            <m:t>2</m:t>
+                                          </m:r>
+                                        </m:sup>
+                                      </m:sSup>
+                                    </m:e>
+                                  </m:d>
+                                </m:e>
+                              </m:groupChr>
+                            </m:e>
+                            <m:lim>
+                              <m:sSup>
+                                <m:sSupPr>
+                                  <m:ctrlPr>
+                                    <a:rPr lang="pt-BR" sz="2100" i="1">
+                                      <a:latin typeface="Cambria Math" panose="02040503050406030204" pitchFamily="18" charset="0"/>
+                                    </a:rPr>
+                                  </m:ctrlPr>
+                                </m:sSupPr>
+                                <m:e>
+                                  <m:r>
+                                    <a:rPr lang="pt-BR" sz="2100" b="1" i="1">
+                                      <a:latin typeface="Cambria Math" panose="02040503050406030204" pitchFamily="18" charset="0"/>
+                                    </a:rPr>
+                                    <m:t>𝒚</m:t>
+                                  </m:r>
+                                </m:e>
+                                <m:sup>
+                                  <m:r>
+                                    <a:rPr lang="pt-BR" sz="2100" i="1">
+                                      <a:latin typeface="Cambria Math" panose="02040503050406030204" pitchFamily="18" charset="0"/>
+                                    </a:rPr>
+                                    <m:t>2</m:t>
+                                  </m:r>
+                                </m:sup>
+                              </m:sSup>
+                            </m:lim>
+                          </m:limLow>
+                          <m:r>
+                            <a:rPr lang="pt-BR" sz="2100" i="1" dirty="0">
+                              <a:latin typeface="Cambria Math" panose="02040503050406030204" pitchFamily="18" charset="0"/>
+                            </a:rPr>
+                            <m:t>+</m:t>
+                          </m:r>
+                          <m:sSup>
+                            <m:sSupPr>
+                              <m:ctrlPr>
+                                <a:rPr lang="pt-BR" sz="2100" i="1">
+                                  <a:latin typeface="Cambria Math" panose="02040503050406030204" pitchFamily="18" charset="0"/>
+                                </a:rPr>
+                              </m:ctrlPr>
+                            </m:sSupPr>
+                            <m:e>
+                              <m:r>
+                                <a:rPr lang="pt-BR" sz="2100" b="1" i="1">
+                                  <a:latin typeface="Cambria Math" panose="02040503050406030204" pitchFamily="18" charset="0"/>
+                                </a:rPr>
+                                <m:t>𝒃</m:t>
+                              </m:r>
+                            </m:e>
+                            <m:sup>
+                              <m:r>
+                                <a:rPr lang="pt-BR" sz="2100" i="1">
+                                  <a:latin typeface="Cambria Math" panose="02040503050406030204" pitchFamily="18" charset="0"/>
+                                </a:rPr>
+                                <m:t>3</m:t>
+                              </m:r>
+                            </m:sup>
+                          </m:sSup>
+                        </m:e>
+                      </m:d>
+                    </m:oMath>
+                  </m:oMathPara>
                 </a14:m>
-                <a:r>
-                  <a:rPr lang="pt-BR" dirty="0"/>
-                  <a:t>.</a:t>
-                </a:r>
+                <a:endParaRPr lang="pt-BR" sz="2100" dirty="0"/>
               </a:p>
               <a:p>
                 <a:r>
@@ -9183,7 +10318,7 @@
             </p:txBody>
           </p:sp>
         </mc:Choice>
-        <mc:Fallback xmlns="">
+        <mc:Fallback>
           <p:sp>
             <p:nvSpPr>
               <p:cNvPr id="5" name="Content Placeholder 2"/>
@@ -9195,7 +10330,7 @@
             <p:spPr>
               <a:xfrm>
                 <a:off x="838199" y="5003111"/>
-                <a:ext cx="11208658" cy="1757907"/>
+                <a:ext cx="11208658" cy="1854889"/>
               </a:xfrm>
               <a:prstGeom prst="rect">
                 <a:avLst/>
@@ -9203,7 +10338,7 @@
               <a:blipFill rotWithShape="0">
                 <a:blip r:embed="rId4"/>
                 <a:stretch>
-                  <a:fillRect l="-816" t="-7292" r="-761" b="-1389"/>
+                  <a:fillRect l="-707" t="-7566" r="-1142" b="-4605"/>
                 </a:stretch>
               </a:blipFill>
             </p:spPr>
@@ -9254,6 +10389,35 @@
               <a:t>: Para facilitar nossa análise, não vamos considerar as entradas como uma camada, apenas as camadas ocultas e de saída.</a:t>
             </a:r>
             <a:endParaRPr lang="pt-BR" sz="1400" dirty="0"/>
+          </a:p>
+        </p:txBody>
+      </p:sp>
+      <p:sp>
+        <p:nvSpPr>
+          <p:cNvPr id="3" name="Content Placeholder 2"/>
+          <p:cNvSpPr>
+            <a:spLocks noGrp="1"/>
+          </p:cNvSpPr>
+          <p:nvPr>
+            <p:ph idx="1"/>
+          </p:nvPr>
+        </p:nvSpPr>
+        <p:spPr>
+          <a:xfrm>
+            <a:off x="838199" y="1825625"/>
+            <a:ext cx="10910455" cy="820593"/>
+          </a:xfrm>
+        </p:spPr>
+        <p:txBody>
+          <a:bodyPr>
+            <a:noAutofit/>
+          </a:bodyPr>
+          <a:lstStyle/>
+          <a:p>
+            <a:r>
+              <a:rPr lang="pt-BR" sz="2400" dirty="0"/>
+              <a:t>A figura abaixo apresenta um exemplo de como uma rede MLP pode ser descrita segundo essa notação.</a:t>
+            </a:r>
           </a:p>
         </p:txBody>
       </p:sp>
@@ -9316,8 +10480,8 @@
           </a:p>
         </p:txBody>
       </p:sp>
-      <mc:AlternateContent xmlns:mc="http://schemas.openxmlformats.org/markup-compatibility/2006" xmlns:a14="http://schemas.microsoft.com/office/drawing/2010/main">
-        <mc:Choice Requires="a14">
+      <mc:AlternateContent xmlns:mc="http://schemas.openxmlformats.org/markup-compatibility/2006">
+        <mc:Choice xmlns:a14="http://schemas.microsoft.com/office/drawing/2010/main" Requires="a14">
           <p:sp>
             <p:nvSpPr>
               <p:cNvPr id="3" name="Content Placeholder 2"/>
@@ -9336,13 +10500,21 @@
             </p:spPr>
             <p:txBody>
               <a:bodyPr>
-                <a:normAutofit lnSpcReduction="10000"/>
+                <a:normAutofit fontScale="92500" lnSpcReduction="20000"/>
               </a:bodyPr>
               <a:lstStyle/>
               <a:p>
                 <a:r>
                   <a:rPr lang="pt-BR" dirty="0" smtClean="0"/>
-                  <a:t>Nós vamos assumir que a última camada da rede MLP (denotada como a </a:t>
+                  <a:t>Nós vamos assumir que a última camada da rede MLP </a:t>
+                </a:r>
+                <a:r>
+                  <a:rPr lang="pt-BR" dirty="0" smtClean="0"/>
+                  <a:t>(definida como </a:t>
+                </a:r>
+                <a:r>
+                  <a:rPr lang="pt-BR" dirty="0" smtClean="0"/>
+                  <a:t>a </a:t>
                 </a:r>
                 <a14:m>
                   <m:oMath xmlns:m="http://schemas.openxmlformats.org/officeDocument/2006/math">
@@ -9411,7 +10583,7 @@
                     </m:oMathParaPr>
                     <m:oMath xmlns:m="http://schemas.openxmlformats.org/officeDocument/2006/math">
                       <m:r>
-                        <a:rPr lang="pt-BR" i="1">
+                        <a:rPr lang="pt-BR" sz="2400" i="1">
                           <a:latin typeface="Cambria Math" panose="02040503050406030204" pitchFamily="18" charset="0"/>
                         </a:rPr>
                         <m:t>𝐽</m:t>
@@ -9419,14 +10591,14 @@
                       <m:d>
                         <m:dPr>
                           <m:ctrlPr>
-                            <a:rPr lang="pt-BR" i="1">
+                            <a:rPr lang="pt-BR" sz="2400" i="1">
                               <a:latin typeface="Cambria Math" panose="02040503050406030204" pitchFamily="18" charset="0"/>
                             </a:rPr>
                           </m:ctrlPr>
                         </m:dPr>
                         <m:e>
                           <m:r>
-                            <a:rPr lang="pt-BR" b="1" i="1">
+                            <a:rPr lang="pt-BR" sz="2400" b="1" i="1">
                               <a:latin typeface="Cambria Math" panose="02040503050406030204" pitchFamily="18" charset="0"/>
                             </a:rPr>
                             <m:t>𝒘</m:t>
@@ -9434,7 +10606,7 @@
                         </m:e>
                       </m:d>
                       <m:r>
-                        <a:rPr lang="pt-BR" i="1">
+                        <a:rPr lang="pt-BR" sz="2400" i="1">
                           <a:latin typeface="Cambria Math" panose="02040503050406030204" pitchFamily="18" charset="0"/>
                         </a:rPr>
                         <m:t>=</m:t>
@@ -9442,14 +10614,14 @@
                       <m:f>
                         <m:fPr>
                           <m:ctrlPr>
-                            <a:rPr lang="pt-BR" i="1">
+                            <a:rPr lang="pt-BR" sz="2400" i="1">
                               <a:latin typeface="Cambria Math" panose="02040503050406030204" pitchFamily="18" charset="0"/>
                             </a:rPr>
                           </m:ctrlPr>
                         </m:fPr>
                         <m:num>
                           <m:r>
-                            <a:rPr lang="pt-BR" i="1">
+                            <a:rPr lang="pt-BR" sz="2400" i="1">
                               <a:latin typeface="Cambria Math" panose="02040503050406030204" pitchFamily="18" charset="0"/>
                             </a:rPr>
                             <m:t>1</m:t>
@@ -9459,14 +10631,14 @@
                           <m:sSub>
                             <m:sSubPr>
                               <m:ctrlPr>
-                                <a:rPr lang="pt-BR" i="1">
+                                <a:rPr lang="pt-BR" sz="2400" i="1">
                                   <a:latin typeface="Cambria Math" panose="02040503050406030204" pitchFamily="18" charset="0"/>
                                 </a:rPr>
                               </m:ctrlPr>
                             </m:sSubPr>
                             <m:e>
                               <m:r>
-                                <a:rPr lang="pt-BR" i="1">
+                                <a:rPr lang="pt-BR" sz="2400" i="1">
                                   <a:latin typeface="Cambria Math" panose="02040503050406030204" pitchFamily="18" charset="0"/>
                                 </a:rPr>
                                 <m:t>𝑁</m:t>
@@ -9477,7 +10649,7 @@
                                 <m:rPr>
                                   <m:sty m:val="p"/>
                                 </m:rPr>
-                                <a:rPr lang="pt-BR">
+                                <a:rPr lang="pt-BR" sz="2400">
                                   <a:latin typeface="Cambria Math" panose="02040503050406030204" pitchFamily="18" charset="0"/>
                                 </a:rPr>
                                 <m:t>dados</m:t>
@@ -9487,14 +10659,14 @@
                           <m:sSub>
                             <m:sSubPr>
                               <m:ctrlPr>
-                                <a:rPr lang="pt-BR" i="1">
+                                <a:rPr lang="pt-BR" sz="2400" i="1">
                                   <a:latin typeface="Cambria Math" panose="02040503050406030204" pitchFamily="18" charset="0"/>
                                 </a:rPr>
                               </m:ctrlPr>
                             </m:sSubPr>
                             <m:e>
                               <m:r>
-                                <a:rPr lang="pt-BR" i="1">
+                                <a:rPr lang="pt-BR" sz="2400" i="1">
                                   <a:latin typeface="Cambria Math" panose="02040503050406030204" pitchFamily="18" charset="0"/>
                                 </a:rPr>
                                 <m:t>𝑁</m:t>
@@ -9502,7 +10674,7 @@
                             </m:e>
                             <m:sub>
                               <m:r>
-                                <a:rPr lang="pt-BR" i="1">
+                                <a:rPr lang="pt-BR" sz="2400" i="1">
                                   <a:latin typeface="Cambria Math" panose="02040503050406030204" pitchFamily="18" charset="0"/>
                                 </a:rPr>
                                 <m:t>𝑀</m:t>
@@ -9515,7 +10687,7 @@
                         <m:naryPr>
                           <m:chr m:val="∑"/>
                           <m:ctrlPr>
-                            <a:rPr lang="pt-BR" i="1">
+                            <a:rPr lang="pt-BR" sz="2400" i="1">
                               <a:latin typeface="Cambria Math" panose="02040503050406030204" pitchFamily="18" charset="0"/>
                             </a:rPr>
                           </m:ctrlPr>
@@ -9525,13 +10697,13 @@
                             <m:rPr>
                               <m:brk m:alnAt="23"/>
                             </m:rPr>
-                            <a:rPr lang="pt-BR" i="1">
+                            <a:rPr lang="pt-BR" sz="2400" i="1">
                               <a:latin typeface="Cambria Math" panose="02040503050406030204" pitchFamily="18" charset="0"/>
                             </a:rPr>
                             <m:t>𝑛</m:t>
                           </m:r>
                           <m:r>
-                            <a:rPr lang="pt-BR" i="1">
+                            <a:rPr lang="pt-BR" sz="2400" i="1">
                               <a:latin typeface="Cambria Math" panose="02040503050406030204" pitchFamily="18" charset="0"/>
                             </a:rPr>
                             <m:t>=1</m:t>
@@ -9541,14 +10713,14 @@
                           <m:sSub>
                             <m:sSubPr>
                               <m:ctrlPr>
-                                <a:rPr lang="pt-BR" i="1">
+                                <a:rPr lang="pt-BR" sz="2400" i="1">
                                   <a:latin typeface="Cambria Math" panose="02040503050406030204" pitchFamily="18" charset="0"/>
                                 </a:rPr>
                               </m:ctrlPr>
                             </m:sSubPr>
                             <m:e>
                               <m:r>
-                                <a:rPr lang="pt-BR" i="1">
+                                <a:rPr lang="pt-BR" sz="2400" i="1">
                                   <a:latin typeface="Cambria Math" panose="02040503050406030204" pitchFamily="18" charset="0"/>
                                 </a:rPr>
                                 <m:t>𝑁</m:t>
@@ -9559,7 +10731,7 @@
                                 <m:rPr>
                                   <m:sty m:val="p"/>
                                 </m:rPr>
-                                <a:rPr lang="pt-BR">
+                                <a:rPr lang="pt-BR" sz="2400">
                                   <a:latin typeface="Cambria Math" panose="02040503050406030204" pitchFamily="18" charset="0"/>
                                 </a:rPr>
                                 <m:t>dados</m:t>
@@ -9572,7 +10744,7 @@
                             <m:naryPr>
                               <m:chr m:val="∑"/>
                               <m:ctrlPr>
-                                <a:rPr lang="pt-BR" i="1">
+                                <a:rPr lang="pt-BR" sz="2400" i="1">
                                   <a:latin typeface="Cambria Math" panose="02040503050406030204" pitchFamily="18" charset="0"/>
                                 </a:rPr>
                               </m:ctrlPr>
@@ -9582,13 +10754,13 @@
                                 <m:rPr>
                                   <m:brk m:alnAt="23"/>
                                 </m:rPr>
-                                <a:rPr lang="pt-BR" i="1">
+                                <a:rPr lang="pt-BR" sz="2400" i="1">
                                   <a:latin typeface="Cambria Math" panose="02040503050406030204" pitchFamily="18" charset="0"/>
                                 </a:rPr>
                                 <m:t>𝑗</m:t>
                               </m:r>
                               <m:r>
-                                <a:rPr lang="pt-BR" i="1">
+                                <a:rPr lang="pt-BR" sz="2400" i="1">
                                   <a:latin typeface="Cambria Math" panose="02040503050406030204" pitchFamily="18" charset="0"/>
                                 </a:rPr>
                                 <m:t>=1</m:t>
@@ -9598,14 +10770,14 @@
                               <m:sSub>
                                 <m:sSubPr>
                                   <m:ctrlPr>
-                                    <a:rPr lang="pt-BR" i="1">
+                                    <a:rPr lang="pt-BR" sz="2400" i="1">
                                       <a:latin typeface="Cambria Math" panose="02040503050406030204" pitchFamily="18" charset="0"/>
                                     </a:rPr>
                                   </m:ctrlPr>
                                 </m:sSubPr>
                                 <m:e>
                                   <m:r>
-                                    <a:rPr lang="pt-BR" i="1">
+                                    <a:rPr lang="pt-BR" sz="2400" i="1">
                                       <a:latin typeface="Cambria Math" panose="02040503050406030204" pitchFamily="18" charset="0"/>
                                     </a:rPr>
                                     <m:t>𝑁</m:t>
@@ -9613,7 +10785,7 @@
                                 </m:e>
                                 <m:sub>
                                   <m:r>
-                                    <a:rPr lang="pt-BR" i="1">
+                                    <a:rPr lang="pt-BR" sz="2400" i="1">
                                       <a:latin typeface="Cambria Math" panose="02040503050406030204" pitchFamily="18" charset="0"/>
                                     </a:rPr>
                                     <m:t>𝑀</m:t>
@@ -9625,14 +10797,14 @@
                               <m:sSubSup>
                                 <m:sSubSupPr>
                                   <m:ctrlPr>
-                                    <a:rPr lang="pt-BR" i="1">
+                                    <a:rPr lang="pt-BR" sz="2400" i="1">
                                       <a:latin typeface="Cambria Math" panose="02040503050406030204" pitchFamily="18" charset="0"/>
                                     </a:rPr>
                                   </m:ctrlPr>
                                 </m:sSubSupPr>
                                 <m:e>
                                   <m:r>
-                                    <a:rPr lang="pt-BR" i="1">
+                                    <a:rPr lang="pt-BR" sz="2400" i="1">
                                       <a:latin typeface="Cambria Math" panose="02040503050406030204" pitchFamily="18" charset="0"/>
                                     </a:rPr>
                                     <m:t>𝑒</m:t>
@@ -9640,7 +10812,7 @@
                                 </m:e>
                                 <m:sub>
                                   <m:r>
-                                    <a:rPr lang="pt-BR" i="1">
+                                    <a:rPr lang="pt-BR" sz="2400" i="1">
                                       <a:latin typeface="Cambria Math" panose="02040503050406030204" pitchFamily="18" charset="0"/>
                                     </a:rPr>
                                     <m:t>𝑗</m:t>
@@ -9648,7 +10820,7 @@
                                 </m:sub>
                                 <m:sup>
                                   <m:r>
-                                    <a:rPr lang="pt-BR" i="1">
+                                    <a:rPr lang="pt-BR" sz="2400" i="1">
                                       <a:latin typeface="Cambria Math" panose="02040503050406030204" pitchFamily="18" charset="0"/>
                                     </a:rPr>
                                     <m:t>2</m:t>
@@ -9658,14 +10830,14 @@
                               <m:d>
                                 <m:dPr>
                                   <m:ctrlPr>
-                                    <a:rPr lang="pt-BR" i="1">
+                                    <a:rPr lang="pt-BR" sz="2400" i="1">
                                       <a:latin typeface="Cambria Math" panose="02040503050406030204" pitchFamily="18" charset="0"/>
                                     </a:rPr>
                                   </m:ctrlPr>
                                 </m:dPr>
                                 <m:e>
                                   <m:r>
-                                    <a:rPr lang="pt-BR" i="1">
+                                    <a:rPr lang="pt-BR" sz="2400" i="1">
                                       <a:latin typeface="Cambria Math" panose="02040503050406030204" pitchFamily="18" charset="0"/>
                                     </a:rPr>
                                     <m:t>𝑛</m:t>
@@ -9679,7 +10851,7 @@
                     </m:oMath>
                   </m:oMathPara>
                 </a14:m>
-                <a:endParaRPr lang="pt-BR" dirty="0" smtClean="0"/>
+                <a:endParaRPr lang="pt-BR" sz="2400" dirty="0" smtClean="0"/>
               </a:p>
               <a:p>
                 <a:pPr marL="0" indent="0" algn="ctr">
@@ -9692,7 +10864,7 @@
                     </m:oMathParaPr>
                     <m:oMath xmlns:m="http://schemas.openxmlformats.org/officeDocument/2006/math">
                       <m:r>
-                        <a:rPr lang="pt-BR" b="0" i="1" smtClean="0">
+                        <a:rPr lang="pt-BR" sz="2400" b="0" i="1" smtClean="0">
                           <a:latin typeface="Cambria Math" panose="02040503050406030204" pitchFamily="18" charset="0"/>
                         </a:rPr>
                         <m:t>=</m:t>
@@ -9700,14 +10872,14 @@
                       <m:f>
                         <m:fPr>
                           <m:ctrlPr>
-                            <a:rPr lang="pt-BR" i="1">
+                            <a:rPr lang="pt-BR" sz="2400" i="1">
                               <a:latin typeface="Cambria Math" panose="02040503050406030204" pitchFamily="18" charset="0"/>
                             </a:rPr>
                           </m:ctrlPr>
                         </m:fPr>
                         <m:num>
                           <m:r>
-                            <a:rPr lang="pt-BR" i="1">
+                            <a:rPr lang="pt-BR" sz="2400" i="1">
                               <a:latin typeface="Cambria Math" panose="02040503050406030204" pitchFamily="18" charset="0"/>
                             </a:rPr>
                             <m:t>1</m:t>
@@ -9717,14 +10889,14 @@
                           <m:sSub>
                             <m:sSubPr>
                               <m:ctrlPr>
-                                <a:rPr lang="pt-BR" i="1">
+                                <a:rPr lang="pt-BR" sz="2400" i="1">
                                   <a:latin typeface="Cambria Math" panose="02040503050406030204" pitchFamily="18" charset="0"/>
                                 </a:rPr>
                               </m:ctrlPr>
                             </m:sSubPr>
                             <m:e>
                               <m:r>
-                                <a:rPr lang="pt-BR" i="1">
+                                <a:rPr lang="pt-BR" sz="2400" i="1">
                                   <a:latin typeface="Cambria Math" panose="02040503050406030204" pitchFamily="18" charset="0"/>
                                 </a:rPr>
                                 <m:t>𝑁</m:t>
@@ -9735,7 +10907,7 @@
                                 <m:rPr>
                                   <m:sty m:val="p"/>
                                 </m:rPr>
-                                <a:rPr lang="pt-BR">
+                                <a:rPr lang="pt-BR" sz="2400">
                                   <a:latin typeface="Cambria Math" panose="02040503050406030204" pitchFamily="18" charset="0"/>
                                 </a:rPr>
                                 <m:t>dados</m:t>
@@ -9745,14 +10917,14 @@
                           <m:sSub>
                             <m:sSubPr>
                               <m:ctrlPr>
-                                <a:rPr lang="pt-BR" i="1">
+                                <a:rPr lang="pt-BR" sz="2400" i="1">
                                   <a:latin typeface="Cambria Math" panose="02040503050406030204" pitchFamily="18" charset="0"/>
                                 </a:rPr>
                               </m:ctrlPr>
                             </m:sSubPr>
                             <m:e>
                               <m:r>
-                                <a:rPr lang="pt-BR" i="1">
+                                <a:rPr lang="pt-BR" sz="2400" i="1">
                                   <a:latin typeface="Cambria Math" panose="02040503050406030204" pitchFamily="18" charset="0"/>
                                 </a:rPr>
                                 <m:t>𝑁</m:t>
@@ -9760,7 +10932,7 @@
                             </m:e>
                             <m:sub>
                               <m:r>
-                                <a:rPr lang="pt-BR" i="1">
+                                <a:rPr lang="pt-BR" sz="2400" i="1">
                                   <a:latin typeface="Cambria Math" panose="02040503050406030204" pitchFamily="18" charset="0"/>
                                 </a:rPr>
                                 <m:t>𝑀</m:t>
@@ -9773,7 +10945,7 @@
                         <m:naryPr>
                           <m:chr m:val="∑"/>
                           <m:ctrlPr>
-                            <a:rPr lang="pt-BR" i="1">
+                            <a:rPr lang="pt-BR" sz="2400" i="1">
                               <a:latin typeface="Cambria Math" panose="02040503050406030204" pitchFamily="18" charset="0"/>
                             </a:rPr>
                           </m:ctrlPr>
@@ -9783,13 +10955,13 @@
                             <m:rPr>
                               <m:brk m:alnAt="23"/>
                             </m:rPr>
-                            <a:rPr lang="pt-BR" i="1">
+                            <a:rPr lang="pt-BR" sz="2400" i="1">
                               <a:latin typeface="Cambria Math" panose="02040503050406030204" pitchFamily="18" charset="0"/>
                             </a:rPr>
                             <m:t>𝑛</m:t>
                           </m:r>
                           <m:r>
-                            <a:rPr lang="pt-BR" i="1">
+                            <a:rPr lang="pt-BR" sz="2400" i="1">
                               <a:latin typeface="Cambria Math" panose="02040503050406030204" pitchFamily="18" charset="0"/>
                             </a:rPr>
                             <m:t>=1</m:t>
@@ -9799,14 +10971,14 @@
                           <m:sSub>
                             <m:sSubPr>
                               <m:ctrlPr>
-                                <a:rPr lang="pt-BR" i="1">
+                                <a:rPr lang="pt-BR" sz="2400" i="1">
                                   <a:latin typeface="Cambria Math" panose="02040503050406030204" pitchFamily="18" charset="0"/>
                                 </a:rPr>
                               </m:ctrlPr>
                             </m:sSubPr>
                             <m:e>
                               <m:r>
-                                <a:rPr lang="pt-BR" i="1">
+                                <a:rPr lang="pt-BR" sz="2400" i="1">
                                   <a:latin typeface="Cambria Math" panose="02040503050406030204" pitchFamily="18" charset="0"/>
                                 </a:rPr>
                                 <m:t>𝑁</m:t>
@@ -9817,7 +10989,7 @@
                                 <m:rPr>
                                   <m:sty m:val="p"/>
                                 </m:rPr>
-                                <a:rPr lang="pt-BR">
+                                <a:rPr lang="pt-BR" sz="2400">
                                   <a:latin typeface="Cambria Math" panose="02040503050406030204" pitchFamily="18" charset="0"/>
                                 </a:rPr>
                                 <m:t>dados</m:t>
@@ -9830,7 +11002,7 @@
                             <m:naryPr>
                               <m:chr m:val="∑"/>
                               <m:ctrlPr>
-                                <a:rPr lang="pt-BR" i="1">
+                                <a:rPr lang="pt-BR" sz="2400" i="1">
                                   <a:latin typeface="Cambria Math" panose="02040503050406030204" pitchFamily="18" charset="0"/>
                                 </a:rPr>
                               </m:ctrlPr>
@@ -9840,13 +11012,13 @@
                                 <m:rPr>
                                   <m:brk m:alnAt="23"/>
                                 </m:rPr>
-                                <a:rPr lang="pt-BR" i="1">
+                                <a:rPr lang="pt-BR" sz="2400" i="1">
                                   <a:latin typeface="Cambria Math" panose="02040503050406030204" pitchFamily="18" charset="0"/>
                                 </a:rPr>
                                 <m:t>𝑗</m:t>
                               </m:r>
                               <m:r>
-                                <a:rPr lang="pt-BR" i="1">
+                                <a:rPr lang="pt-BR" sz="2400" i="1">
                                   <a:latin typeface="Cambria Math" panose="02040503050406030204" pitchFamily="18" charset="0"/>
                                 </a:rPr>
                                 <m:t>=1</m:t>
@@ -9856,14 +11028,14 @@
                               <m:sSub>
                                 <m:sSubPr>
                                   <m:ctrlPr>
-                                    <a:rPr lang="pt-BR" i="1">
+                                    <a:rPr lang="pt-BR" sz="2400" i="1">
                                       <a:latin typeface="Cambria Math" panose="02040503050406030204" pitchFamily="18" charset="0"/>
                                     </a:rPr>
                                   </m:ctrlPr>
                                 </m:sSubPr>
                                 <m:e>
                                   <m:r>
-                                    <a:rPr lang="pt-BR" i="1">
+                                    <a:rPr lang="pt-BR" sz="2400" i="1">
                                       <a:latin typeface="Cambria Math" panose="02040503050406030204" pitchFamily="18" charset="0"/>
                                     </a:rPr>
                                     <m:t>𝑁</m:t>
@@ -9871,7 +11043,7 @@
                                 </m:e>
                                 <m:sub>
                                   <m:r>
-                                    <a:rPr lang="pt-BR" i="1">
+                                    <a:rPr lang="pt-BR" sz="2400" i="1">
                                       <a:latin typeface="Cambria Math" panose="02040503050406030204" pitchFamily="18" charset="0"/>
                                     </a:rPr>
                                     <m:t>𝑀</m:t>
@@ -9883,7 +11055,7 @@
                               <m:sSup>
                                 <m:sSupPr>
                                   <m:ctrlPr>
-                                    <a:rPr lang="pt-BR" i="1">
+                                    <a:rPr lang="pt-BR" sz="2400" i="1">
                                       <a:latin typeface="Cambria Math" panose="02040503050406030204" pitchFamily="18" charset="0"/>
                                     </a:rPr>
                                   </m:ctrlPr>
@@ -9892,7 +11064,7 @@
                                   <m:d>
                                     <m:dPr>
                                       <m:ctrlPr>
-                                        <a:rPr lang="pt-BR" i="1">
+                                        <a:rPr lang="pt-BR" sz="2400" i="1">
                                           <a:latin typeface="Cambria Math" panose="02040503050406030204" pitchFamily="18" charset="0"/>
                                         </a:rPr>
                                       </m:ctrlPr>
@@ -9901,14 +11073,14 @@
                                       <m:sSub>
                                         <m:sSubPr>
                                           <m:ctrlPr>
-                                            <a:rPr lang="pt-BR" i="1">
+                                            <a:rPr lang="pt-BR" sz="2400" i="1">
                                               <a:latin typeface="Cambria Math" panose="02040503050406030204" pitchFamily="18" charset="0"/>
                                             </a:rPr>
                                           </m:ctrlPr>
                                         </m:sSubPr>
                                         <m:e>
                                           <m:r>
-                                            <a:rPr lang="pt-BR" i="1">
+                                            <a:rPr lang="pt-BR" sz="2400" i="1">
                                               <a:latin typeface="Cambria Math" panose="02040503050406030204" pitchFamily="18" charset="0"/>
                                             </a:rPr>
                                             <m:t>𝑑</m:t>
@@ -9916,7 +11088,7 @@
                                         </m:e>
                                         <m:sub>
                                           <m:r>
-                                            <a:rPr lang="pt-BR" i="1">
+                                            <a:rPr lang="pt-BR" sz="2400" i="1">
                                               <a:latin typeface="Cambria Math" panose="02040503050406030204" pitchFamily="18" charset="0"/>
                                             </a:rPr>
                                             <m:t>𝑗</m:t>
@@ -9926,14 +11098,14 @@
                                       <m:d>
                                         <m:dPr>
                                           <m:ctrlPr>
-                                            <a:rPr lang="pt-BR" i="1">
+                                            <a:rPr lang="pt-BR" sz="2400" i="1">
                                               <a:latin typeface="Cambria Math" panose="02040503050406030204" pitchFamily="18" charset="0"/>
                                             </a:rPr>
                                           </m:ctrlPr>
                                         </m:dPr>
                                         <m:e>
                                           <m:r>
-                                            <a:rPr lang="pt-BR" i="1">
+                                            <a:rPr lang="pt-BR" sz="2400" i="1">
                                               <a:latin typeface="Cambria Math" panose="02040503050406030204" pitchFamily="18" charset="0"/>
                                             </a:rPr>
                                             <m:t>𝑛</m:t>
@@ -9941,7 +11113,7 @@
                                         </m:e>
                                       </m:d>
                                       <m:r>
-                                        <a:rPr lang="pt-BR" i="1">
+                                        <a:rPr lang="pt-BR" sz="2400" i="1">
                                           <a:latin typeface="Cambria Math" panose="02040503050406030204" pitchFamily="18" charset="0"/>
                                         </a:rPr>
                                         <m:t>−</m:t>
@@ -9949,14 +11121,14 @@
                                       <m:sSubSup>
                                         <m:sSubSupPr>
                                           <m:ctrlPr>
-                                            <a:rPr lang="pt-BR" i="1">
+                                            <a:rPr lang="pt-BR" sz="2400" i="1">
                                               <a:latin typeface="Cambria Math" panose="02040503050406030204" pitchFamily="18" charset="0"/>
                                             </a:rPr>
                                           </m:ctrlPr>
                                         </m:sSubSupPr>
                                         <m:e>
                                           <m:r>
-                                            <a:rPr lang="pt-BR" i="1">
+                                            <a:rPr lang="pt-BR" sz="2400" i="1">
                                               <a:latin typeface="Cambria Math" panose="02040503050406030204" pitchFamily="18" charset="0"/>
                                             </a:rPr>
                                             <m:t>𝑦</m:t>
@@ -9964,7 +11136,7 @@
                                         </m:e>
                                         <m:sub>
                                           <m:r>
-                                            <a:rPr lang="pt-BR" i="1">
+                                            <a:rPr lang="pt-BR" sz="2400" i="1">
                                               <a:latin typeface="Cambria Math" panose="02040503050406030204" pitchFamily="18" charset="0"/>
                                             </a:rPr>
                                             <m:t>𝑗</m:t>
@@ -9972,7 +11144,7 @@
                                         </m:sub>
                                         <m:sup>
                                           <m:r>
-                                            <a:rPr lang="pt-BR" i="1">
+                                            <a:rPr lang="pt-BR" sz="2400" i="1">
                                               <a:latin typeface="Cambria Math" panose="02040503050406030204" pitchFamily="18" charset="0"/>
                                             </a:rPr>
                                             <m:t>𝑀</m:t>
@@ -9982,14 +11154,14 @@
                                       <m:d>
                                         <m:dPr>
                                           <m:ctrlPr>
-                                            <a:rPr lang="pt-BR" i="1">
+                                            <a:rPr lang="pt-BR" sz="2400" i="1">
                                               <a:latin typeface="Cambria Math" panose="02040503050406030204" pitchFamily="18" charset="0"/>
                                             </a:rPr>
                                           </m:ctrlPr>
                                         </m:dPr>
                                         <m:e>
                                           <m:r>
-                                            <a:rPr lang="pt-BR" i="1">
+                                            <a:rPr lang="pt-BR" sz="2400" i="1">
                                               <a:latin typeface="Cambria Math" panose="02040503050406030204" pitchFamily="18" charset="0"/>
                                             </a:rPr>
                                             <m:t>𝑛</m:t>
@@ -10001,7 +11173,7 @@
                                 </m:e>
                                 <m:sup>
                                   <m:r>
-                                    <a:rPr lang="pt-BR" i="1">
+                                    <a:rPr lang="pt-BR" sz="2400" i="1">
                                       <a:latin typeface="Cambria Math" panose="02040503050406030204" pitchFamily="18" charset="0"/>
                                     </a:rPr>
                                     <m:t>2</m:t>
@@ -10013,7 +11185,7 @@
                         </m:e>
                       </m:nary>
                       <m:r>
-                        <a:rPr lang="pt-BR" b="0" i="1" smtClean="0">
+                        <a:rPr lang="pt-BR" sz="2400" b="0" i="1" smtClean="0">
                           <a:latin typeface="Cambria Math" panose="02040503050406030204" pitchFamily="18" charset="0"/>
                         </a:rPr>
                         <m:t>,</m:t>
@@ -10021,7 +11193,7 @@
                     </m:oMath>
                   </m:oMathPara>
                 </a14:m>
-                <a:endParaRPr lang="pt-BR" dirty="0"/>
+                <a:endParaRPr lang="pt-BR" sz="2400" dirty="0"/>
               </a:p>
               <a:p>
                 <a:pPr marL="0" indent="0">
@@ -10069,7 +11241,11 @@
                 </a14:m>
                 <a:r>
                   <a:rPr lang="pt-BR" dirty="0" smtClean="0"/>
-                  <a:t> é o número de exemplos e </a:t>
+                  <a:t> é o número de </a:t>
+                </a:r>
+                <a:r>
+                  <a:rPr lang="pt-BR" dirty="0" smtClean="0"/>
+                  <a:t>exemplos, </a:t>
                 </a:r>
                 <a14:m>
                   <m:oMath xmlns:m="http://schemas.openxmlformats.org/officeDocument/2006/math">
@@ -10118,8 +11294,66 @@
                   </m:oMath>
                 </a14:m>
                 <a:r>
+                  <a:rPr lang="pt-BR" dirty="0" smtClean="0"/>
+                  <a:t> e </a:t>
+                </a:r>
+                <a14:m>
+                  <m:oMath xmlns:m="http://schemas.openxmlformats.org/officeDocument/2006/math">
+                    <m:sSubSup>
+                      <m:sSubSupPr>
+                        <m:ctrlPr>
+                          <a:rPr lang="pt-BR" i="1">
+                            <a:latin typeface="Cambria Math" panose="02040503050406030204" pitchFamily="18" charset="0"/>
+                          </a:rPr>
+                        </m:ctrlPr>
+                      </m:sSubSupPr>
+                      <m:e>
+                        <m:r>
+                          <a:rPr lang="pt-BR" i="1">
+                            <a:latin typeface="Cambria Math" panose="02040503050406030204" pitchFamily="18" charset="0"/>
+                          </a:rPr>
+                          <m:t>𝑦</m:t>
+                        </m:r>
+                      </m:e>
+                      <m:sub>
+                        <m:r>
+                          <a:rPr lang="pt-BR" i="1">
+                            <a:latin typeface="Cambria Math" panose="02040503050406030204" pitchFamily="18" charset="0"/>
+                          </a:rPr>
+                          <m:t>𝑗</m:t>
+                        </m:r>
+                      </m:sub>
+                      <m:sup>
+                        <m:r>
+                          <a:rPr lang="pt-BR" i="1">
+                            <a:latin typeface="Cambria Math" panose="02040503050406030204" pitchFamily="18" charset="0"/>
+                          </a:rPr>
+                          <m:t>𝑀</m:t>
+                        </m:r>
+                      </m:sup>
+                    </m:sSubSup>
+                    <m:d>
+                      <m:dPr>
+                        <m:ctrlPr>
+                          <a:rPr lang="pt-BR" i="1">
+                            <a:latin typeface="Cambria Math" panose="02040503050406030204" pitchFamily="18" charset="0"/>
+                          </a:rPr>
+                        </m:ctrlPr>
+                      </m:dPr>
+                      <m:e>
+                        <m:r>
+                          <a:rPr lang="pt-BR" i="1">
+                            <a:latin typeface="Cambria Math" panose="02040503050406030204" pitchFamily="18" charset="0"/>
+                          </a:rPr>
+                          <m:t>𝑛</m:t>
+                        </m:r>
+                      </m:e>
+                    </m:d>
+                  </m:oMath>
+                </a14:m>
+                <a:r>
                   <a:rPr lang="pt-BR" dirty="0"/>
-                  <a:t> é o valor desejado da </a:t>
+                  <a:t> são o valor desejado da </a:t>
                 </a:r>
                 <a14:m>
                   <m:oMath xmlns:m="http://schemas.openxmlformats.org/officeDocument/2006/math">
@@ -10132,12 +11366,76 @@
                   </m:oMath>
                 </a14:m>
                 <a:r>
+                  <a:rPr lang="pt-BR" dirty="0"/>
+                  <a:t>-</a:t>
+                </a:r>
+                <a:r>
+                  <a:rPr lang="pt-BR" dirty="0"/>
+                  <a:t>ésima</a:t>
+                </a:r>
+                <a:r>
+                  <a:rPr lang="pt-BR" dirty="0"/>
+                  <a:t> saída (rótulo) </a:t>
+                </a:r>
+                <a:r>
                   <a:rPr lang="pt-BR" dirty="0" smtClean="0"/>
+                  <a:t>e a </a:t>
+                </a:r>
+                <a:r>
+                  <a:rPr lang="pt-BR" dirty="0"/>
+                  <a:t>saída do </a:t>
+                </a:r>
+                <a14:m>
+                  <m:oMath xmlns:m="http://schemas.openxmlformats.org/officeDocument/2006/math">
+                    <m:r>
+                      <a:rPr lang="pt-BR" i="1">
+                        <a:latin typeface="Cambria Math" panose="02040503050406030204" pitchFamily="18" charset="0"/>
+                      </a:rPr>
+                      <m:t>𝑗</m:t>
+                    </m:r>
+                  </m:oMath>
+                </a14:m>
+                <a:r>
+                  <a:rPr lang="pt-BR" dirty="0"/>
                   <a:t>-</a:t>
                 </a:r>
                 <a:r>
+                  <a:rPr lang="pt-BR" dirty="0" err="1"/>
+                  <a:t>ésimo</a:t>
+                </a:r>
+                <a:r>
                   <a:rPr lang="pt-BR" dirty="0"/>
-                  <a:t>ésima saída (rótulo) correspondente ao </a:t>
+                  <a:t> nó da </a:t>
+                </a:r>
+                <a14:m>
+                  <m:oMath xmlns:m="http://schemas.openxmlformats.org/officeDocument/2006/math">
+                    <m:r>
+                      <a:rPr lang="pt-BR" i="1">
+                        <a:latin typeface="Cambria Math" panose="02040503050406030204" pitchFamily="18" charset="0"/>
+                      </a:rPr>
+                      <m:t>𝑀</m:t>
+                    </m:r>
+                  </m:oMath>
+                </a14:m>
+                <a:r>
+                  <a:rPr lang="pt-BR" dirty="0"/>
+                  <a:t>-</a:t>
+                </a:r>
+                <a:r>
+                  <a:rPr lang="pt-BR" dirty="0" err="1"/>
+                  <a:t>ésima</a:t>
+                </a:r>
+                <a:r>
+                  <a:rPr lang="pt-BR" dirty="0"/>
+                  <a:t> </a:t>
+                </a:r>
+                <a:r>
+                  <a:rPr lang="pt-BR" dirty="0" smtClean="0"/>
+                  <a:t>camada, respectivamente, ambos correspondentes </a:t>
+                </a:r>
+                <a:r>
+                  <a:rPr lang="pt-BR" dirty="0"/>
+                  <a:t>ao </a:t>
                 </a:r>
                 <a14:m>
                   <m:oMath xmlns:m="http://schemas.openxmlformats.org/officeDocument/2006/math">
@@ -10151,13 +11449,26 @@
                 </a14:m>
                 <a:r>
                   <a:rPr lang="pt-BR" dirty="0"/>
-                  <a:t>-ésimo exemplo de entrada.</a:t>
-                </a:r>
+                  <a:t>-ésimo</a:t>
+                </a:r>
+                <a:r>
+                  <a:rPr lang="pt-BR" dirty="0"/>
+                  <a:t> exemplo de </a:t>
+                </a:r>
+                <a:r>
+                  <a:rPr lang="pt-BR" dirty="0" smtClean="0"/>
+                  <a:t>entrada.</a:t>
+                </a:r>
+                <a:endParaRPr lang="pt-BR" dirty="0"/>
               </a:p>
               <a:p>
                 <a:r>
+                  <a:rPr lang="pt-BR" dirty="0" smtClean="0"/>
+                  <a:t>Para treinar a rede (i.e., atualizar os pesos), devemos </a:t>
+                </a:r>
+                <a:r>
                   <a:rPr lang="pt-BR" dirty="0"/>
-                  <a:t>Devemos derivar a </a:t>
+                  <a:t>derivar a </a:t>
                 </a:r>
                 <a:r>
                   <a:rPr lang="pt-BR" b="1" i="1" dirty="0"/>
@@ -10169,12 +11480,13 @@
                 </a:r>
                 <a:r>
                   <a:rPr lang="pt-BR" b="1" i="1" dirty="0" smtClean="0"/>
-                  <a:t>pesos</a:t>
+                  <a:t>pesos sinápticos</a:t>
                 </a:r>
                 <a:r>
                   <a:rPr lang="pt-BR" dirty="0" smtClean="0"/>
                   <a:t>.</a:t>
                 </a:r>
+                <a:endParaRPr lang="pt-BR" dirty="0" smtClean="0"/>
               </a:p>
               <a:p>
                 <a:r>
@@ -10183,7 +11495,7 @@
                 </a:r>
                 <a:r>
                   <a:rPr lang="pt-BR" b="1" i="1" dirty="0" smtClean="0"/>
-                  <a:t>pesos </a:t>
+                  <a:t>pesos das camadas ocultas </a:t>
                 </a:r>
                 <a:r>
                   <a:rPr lang="pt-BR" b="1" i="1" dirty="0"/>
@@ -10199,7 +11511,11 @@
                 </a:r>
                 <a:r>
                   <a:rPr lang="pt-BR" dirty="0"/>
-                  <a:t>na expressão de </a:t>
+                  <a:t>na expressão </a:t>
+                </a:r>
+                <a:r>
+                  <a:rPr lang="pt-BR" dirty="0" smtClean="0"/>
+                  <a:t>do erro, </a:t>
                 </a:r>
                 <a14:m>
                   <m:oMath xmlns:m="http://schemas.openxmlformats.org/officeDocument/2006/math">
@@ -10237,7 +11553,7 @@
             </p:txBody>
           </p:sp>
         </mc:Choice>
-        <mc:Fallback xmlns="">
+        <mc:Fallback>
           <p:sp>
             <p:nvSpPr>
               <p:cNvPr id="3" name="Content Placeholder 2"/>
@@ -10254,9 +11570,9 @@
                 <a:ext cx="11227904" cy="5032375"/>
               </a:xfrm>
               <a:blipFill rotWithShape="0">
-                <a:blip r:embed="rId2"/>
+                <a:blip r:embed="rId3"/>
                 <a:stretch>
-                  <a:fillRect l="-1141" t="-2663" r="-1032"/>
+                  <a:fillRect l="-978" t="-3027" r="-1412"/>
                 </a:stretch>
               </a:blipFill>
             </p:spPr>
@@ -10327,8 +11643,8 @@
           </a:p>
         </p:txBody>
       </p:sp>
-      <mc:AlternateContent xmlns:mc="http://schemas.openxmlformats.org/markup-compatibility/2006" xmlns:a14="http://schemas.microsoft.com/office/drawing/2010/main">
-        <mc:Choice Requires="a14">
+      <mc:AlternateContent xmlns:mc="http://schemas.openxmlformats.org/markup-compatibility/2006">
+        <mc:Choice xmlns:a14="http://schemas.microsoft.com/office/drawing/2010/main" Requires="a14">
           <p:sp>
             <p:nvSpPr>
               <p:cNvPr id="3" name="Content Placeholder 2"/>
@@ -10353,7 +11669,15 @@
               <a:p>
                 <a:r>
                   <a:rPr lang="pt-BR" dirty="0"/>
-                  <a:t>Para fazer com que a dependência dos pesos apareça de maneira clara na expressão acima, nós precisamos recorrer a aplicações sucessivas da </a:t>
+                  <a:t>Para fazer com que a dependência dos pesos apareça de maneira clara na expressão </a:t>
+                </a:r>
+                <a:r>
+                  <a:rPr lang="pt-BR" dirty="0" smtClean="0"/>
+                  <a:t>do erro, </a:t>
+                </a:r>
+                <a:r>
+                  <a:rPr lang="pt-BR" dirty="0"/>
+                  <a:t>nós precisamos recorrer a aplicações sucessivas da </a:t>
                 </a:r>
                 <a:r>
                   <a:rPr lang="pt-BR" b="1" i="1" dirty="0"/>
@@ -11095,7 +12419,13 @@
                       <a:rPr lang="pt-BR" i="1">
                         <a:latin typeface="Cambria Math" panose="02040503050406030204" pitchFamily="18" charset="0"/>
                       </a:rPr>
-                      <m:t>=2</m:t>
+                      <m:t>=</m:t>
+                    </m:r>
+                    <m:r>
+                      <a:rPr lang="pt-BR" i="1">
+                        <a:latin typeface="Cambria Math" panose="02040503050406030204" pitchFamily="18" charset="0"/>
+                      </a:rPr>
+                      <m:t>2</m:t>
                     </m:r>
                     <m:r>
                       <a:rPr lang="pt-BR" i="1">
@@ -11158,7 +12488,7 @@
             </p:txBody>
           </p:sp>
         </mc:Choice>
-        <mc:Fallback xmlns="">
+        <mc:Fallback>
           <p:sp>
             <p:nvSpPr>
               <p:cNvPr id="3" name="Content Placeholder 2"/>
@@ -11175,7 +12505,7 @@
                 <a:ext cx="11049000" cy="5032375"/>
               </a:xfrm>
               <a:blipFill rotWithShape="0">
-                <a:blip r:embed="rId2"/>
+                <a:blip r:embed="rId3"/>
                 <a:stretch>
                   <a:fillRect l="-993" t="-2663" r="-1490"/>
                 </a:stretch>
@@ -11276,11 +12606,23 @@
             </a:r>
             <a:r>
               <a:rPr lang="pt-BR" b="1" i="1" dirty="0"/>
-              <a:t>as saídas da última camada </a:t>
+              <a:t>as saídas da </a:t>
             </a:r>
             <a:r>
               <a:rPr lang="pt-BR" b="1" i="1" dirty="0" smtClean="0"/>
-              <a:t>da rede aparecem </a:t>
+              <a:t>camada </a:t>
+            </a:r>
+            <a:r>
+              <a:rPr lang="pt-BR" b="1" i="1" dirty="0" smtClean="0"/>
+              <a:t>de </a:t>
+            </a:r>
+            <a:r>
+              <a:rPr lang="pt-BR" b="1" i="1" dirty="0" smtClean="0"/>
+              <a:t>saída da </a:t>
+            </a:r>
+            <a:r>
+              <a:rPr lang="pt-BR" b="1" i="1" dirty="0" smtClean="0"/>
+              <a:t>rede aparecem </a:t>
             </a:r>
             <a:r>
               <a:rPr lang="pt-BR" b="1" i="1" dirty="0"/>
@@ -11295,8 +12637,13 @@
           <a:p>
             <a:r>
               <a:rPr lang="pt-BR" dirty="0"/>
-              <a:t>Isso significa que é simples se obter as derivadas com respeito aos pesos da camada de saída.</a:t>
+              <a:t>Isso significa que é simples se obter as derivadas com respeito aos pesos </a:t>
             </a:r>
+            <a:r>
+              <a:rPr lang="pt-BR" dirty="0" smtClean="0"/>
+              <a:t>desta camada.</a:t>
+            </a:r>
+            <a:endParaRPr lang="pt-BR" dirty="0"/>
           </a:p>
           <a:p>
             <a:r>
@@ -11315,7 +12662,15 @@
             </a:r>
             <a:r>
               <a:rPr lang="pt-BR" dirty="0"/>
-              <a:t> de uma camada anterior da rede sua devida influência na composição dos valores de saída e do erro?</a:t>
+              <a:t> de uma camada anterior da rede sua devida influência na composição dos valores de saída </a:t>
+            </a:r>
+            <a:r>
+              <a:rPr lang="pt-BR" dirty="0" smtClean="0"/>
+              <a:t>e, consequentemente, </a:t>
+            </a:r>
+            <a:r>
+              <a:rPr lang="pt-BR" dirty="0"/>
+              <a:t>do erro?</a:t>
             </a:r>
           </a:p>
           <a:p>
@@ -11874,8 +13229,8 @@
           </a:p>
         </p:txBody>
       </p:sp>
-      <mc:AlternateContent xmlns:mc="http://schemas.openxmlformats.org/markup-compatibility/2006" xmlns:a14="http://schemas.microsoft.com/office/drawing/2010/main">
-        <mc:Choice Requires="a14">
+      <mc:AlternateContent xmlns:mc="http://schemas.openxmlformats.org/markup-compatibility/2006">
+        <mc:Choice xmlns:a14="http://schemas.microsoft.com/office/drawing/2010/main" Requires="a14">
           <p:sp>
             <p:nvSpPr>
               <p:cNvPr id="3" name="Content Placeholder 2"/>
@@ -11912,7 +13267,15 @@
                 </a:r>
                 <a:r>
                   <a:rPr lang="pt-BR" dirty="0"/>
-                  <a:t>de maneira mais sistemática como a </a:t>
+                  <a:t>de maneira mais </a:t>
+                </a:r>
+                <a:r>
+                  <a:rPr lang="pt-BR" b="1" i="1" dirty="0"/>
+                  <a:t>sistemática</a:t>
+                </a:r>
+                <a:r>
+                  <a:rPr lang="pt-BR" dirty="0"/>
+                  <a:t> como a </a:t>
                 </a:r>
                 <a:r>
                   <a:rPr lang="pt-BR" b="1" i="1" dirty="0"/>
@@ -12634,14 +13997,14 @@
                 </a:r>
                 <a:r>
                   <a:rPr lang="pt-BR" dirty="0" smtClean="0"/>
-                  <a:t>exemplo.</a:t>
+                  <a:t>exemplo de entrada.</a:t>
                 </a:r>
                 <a:endParaRPr lang="pt-BR" dirty="0"/>
               </a:p>
             </p:txBody>
           </p:sp>
         </mc:Choice>
-        <mc:Fallback xmlns="">
+        <mc:Fallback>
           <p:sp>
             <p:nvSpPr>
               <p:cNvPr id="3" name="Content Placeholder 2"/>
@@ -12660,7 +14023,7 @@
               <a:blipFill rotWithShape="0">
                 <a:blip r:embed="rId3"/>
                 <a:stretch>
-                  <a:fillRect l="-925" t="-1937"/>
+                  <a:fillRect l="-925" t="-1937" r="-163"/>
                 </a:stretch>
               </a:blipFill>
             </p:spPr>
@@ -12719,7 +14082,12 @@
             <p:ph type="title"/>
           </p:nvPr>
         </p:nvSpPr>
-        <p:spPr/>
+        <p:spPr>
+          <a:xfrm>
+            <a:off x="838200" y="235918"/>
+            <a:ext cx="10515600" cy="1325563"/>
+          </a:xfrm>
+        </p:spPr>
         <p:txBody>
           <a:bodyPr/>
           <a:lstStyle/>
@@ -12731,8 +14099,8 @@
           </a:p>
         </p:txBody>
       </p:sp>
-      <mc:AlternateContent xmlns:mc="http://schemas.openxmlformats.org/markup-compatibility/2006" xmlns:a14="http://schemas.microsoft.com/office/drawing/2010/main">
-        <mc:Choice Requires="a14">
+      <mc:AlternateContent xmlns:mc="http://schemas.openxmlformats.org/markup-compatibility/2006">
+        <mc:Choice xmlns:a14="http://schemas.microsoft.com/office/drawing/2010/main" Requires="a14">
           <p:sp>
             <p:nvSpPr>
               <p:cNvPr id="3" name="Content Placeholder 2"/>
@@ -12745,19 +14113,23 @@
             </p:nvSpPr>
             <p:spPr>
               <a:xfrm>
-                <a:off x="838199" y="1825624"/>
-                <a:ext cx="11078817" cy="5032375"/>
+                <a:off x="838199" y="1690688"/>
+                <a:ext cx="11188149" cy="5167311"/>
               </a:xfrm>
             </p:spPr>
             <p:txBody>
               <a:bodyPr>
-                <a:normAutofit fontScale="77500" lnSpcReduction="20000"/>
+                <a:normAutofit fontScale="85000" lnSpcReduction="20000"/>
               </a:bodyPr>
               <a:lstStyle/>
               <a:p>
                 <a:r>
+                  <a:rPr lang="pt-BR" dirty="0" smtClean="0"/>
+                  <a:t>Considerando a </a:t>
+                </a:r>
+                <a:r>
                   <a:rPr lang="pt-BR" dirty="0"/>
-                  <a:t>Considerando novamente a derivada geral </a:t>
+                  <a:t>derivada geral </a:t>
                 </a:r>
                 <a14:m>
                   <m:oMath xmlns:m="http://schemas.openxmlformats.org/officeDocument/2006/math">
@@ -12858,7 +14230,15 @@
                 </a14:m>
                 <a:r>
                   <a:rPr lang="pt-BR" dirty="0"/>
-                  <a:t> (i.e., um elemento genérico do gradiente) e usando a </a:t>
+                  <a:t> (i.e., um elemento genérico do </a:t>
+                </a:r>
+                <a:r>
+                  <a:rPr lang="pt-BR" dirty="0" smtClean="0"/>
+                  <a:t>vetor gradiente</a:t>
+                </a:r>
+                <a:r>
+                  <a:rPr lang="pt-BR" dirty="0"/>
+                  <a:t>) e usando a </a:t>
                 </a:r>
                 <a:r>
                   <a:rPr lang="pt-BR" b="1" i="1" dirty="0"/>
@@ -12882,20 +14262,20 @@
                       <m:f>
                         <m:fPr>
                           <m:ctrlPr>
-                            <a:rPr lang="pt-BR" i="1">
+                            <a:rPr lang="pt-BR" sz="2300" i="1">
                               <a:latin typeface="Cambria Math" panose="02040503050406030204" pitchFamily="18" charset="0"/>
                             </a:rPr>
                           </m:ctrlPr>
                         </m:fPr>
                         <m:num>
                           <m:r>
-                            <a:rPr lang="pt-BR" i="1">
+                            <a:rPr lang="pt-BR" sz="2300" i="1">
                               <a:latin typeface="Cambria Math" panose="02040503050406030204" pitchFamily="18" charset="0"/>
                             </a:rPr>
                             <m:t>𝜕</m:t>
                           </m:r>
                           <m:r>
-                            <a:rPr lang="pt-BR" i="1">
+                            <a:rPr lang="pt-BR" sz="2300" i="1">
                               <a:latin typeface="Cambria Math" panose="02040503050406030204" pitchFamily="18" charset="0"/>
                             </a:rPr>
                             <m:t>𝐽</m:t>
@@ -12903,14 +14283,14 @@
                           <m:d>
                             <m:dPr>
                               <m:ctrlPr>
-                                <a:rPr lang="pt-BR" i="1">
+                                <a:rPr lang="pt-BR" sz="2300" i="1">
                                   <a:latin typeface="Cambria Math" panose="02040503050406030204" pitchFamily="18" charset="0"/>
                                 </a:rPr>
                               </m:ctrlPr>
                             </m:dPr>
                             <m:e>
                               <m:r>
-                                <a:rPr lang="pt-BR" b="1" i="1">
+                                <a:rPr lang="pt-BR" sz="2300" b="1" i="1">
                                   <a:latin typeface="Cambria Math" panose="02040503050406030204" pitchFamily="18" charset="0"/>
                                 </a:rPr>
                                 <m:t>𝒘</m:t>
@@ -12920,7 +14300,7 @@
                         </m:num>
                         <m:den>
                           <m:r>
-                            <a:rPr lang="pt-BR" i="1">
+                            <a:rPr lang="pt-BR" sz="2300" i="1">
                               <a:latin typeface="Cambria Math" panose="02040503050406030204" pitchFamily="18" charset="0"/>
                             </a:rPr>
                             <m:t>𝜕</m:t>
@@ -12928,14 +14308,14 @@
                           <m:sSubSup>
                             <m:sSubSupPr>
                               <m:ctrlPr>
-                                <a:rPr lang="pt-BR" i="1">
+                                <a:rPr lang="pt-BR" sz="2300" i="1">
                                   <a:latin typeface="Cambria Math" panose="02040503050406030204" pitchFamily="18" charset="0"/>
                                 </a:rPr>
                               </m:ctrlPr>
                             </m:sSubSupPr>
                             <m:e>
                               <m:r>
-                                <a:rPr lang="pt-BR" i="1">
+                                <a:rPr lang="pt-BR" sz="2300" i="1">
                                   <a:latin typeface="Cambria Math" panose="02040503050406030204" pitchFamily="18" charset="0"/>
                                 </a:rPr>
                                 <m:t>𝑤</m:t>
@@ -12943,19 +14323,19 @@
                             </m:e>
                             <m:sub>
                               <m:r>
-                                <a:rPr lang="pt-BR" i="1">
+                                <a:rPr lang="pt-BR" sz="2300" i="1">
                                   <a:latin typeface="Cambria Math" panose="02040503050406030204" pitchFamily="18" charset="0"/>
                                 </a:rPr>
                                 <m:t>𝑖</m:t>
                               </m:r>
                               <m:r>
-                                <a:rPr lang="pt-BR" i="1">
+                                <a:rPr lang="pt-BR" sz="2300" i="1">
                                   <a:latin typeface="Cambria Math" panose="02040503050406030204" pitchFamily="18" charset="0"/>
                                 </a:rPr>
                                 <m:t>,</m:t>
                               </m:r>
                               <m:r>
-                                <a:rPr lang="pt-BR" i="1">
+                                <a:rPr lang="pt-BR" sz="2300" i="1">
                                   <a:latin typeface="Cambria Math" panose="02040503050406030204" pitchFamily="18" charset="0"/>
                                 </a:rPr>
                                 <m:t>𝑗</m:t>
@@ -12963,7 +14343,7 @@
                             </m:sub>
                             <m:sup>
                               <m:r>
-                                <a:rPr lang="pt-BR" i="1">
+                                <a:rPr lang="pt-BR" sz="2300" i="1">
                                   <a:latin typeface="Cambria Math" panose="02040503050406030204" pitchFamily="18" charset="0"/>
                                 </a:rPr>
                                 <m:t>𝑚</m:t>
@@ -12973,7 +14353,7 @@
                         </m:den>
                       </m:f>
                       <m:r>
-                        <a:rPr lang="pt-BR" i="1">
+                        <a:rPr lang="pt-BR" sz="2300" i="1">
                           <a:latin typeface="Cambria Math" panose="02040503050406030204" pitchFamily="18" charset="0"/>
                         </a:rPr>
                         <m:t>=</m:t>
@@ -12981,20 +14361,20 @@
                       <m:f>
                         <m:fPr>
                           <m:ctrlPr>
-                            <a:rPr lang="pt-BR" i="1">
+                            <a:rPr lang="pt-BR" sz="2300" i="1">
                               <a:latin typeface="Cambria Math" panose="02040503050406030204" pitchFamily="18" charset="0"/>
                             </a:rPr>
                           </m:ctrlPr>
                         </m:fPr>
                         <m:num>
                           <m:r>
-                            <a:rPr lang="pt-BR" i="1">
+                            <a:rPr lang="pt-BR" sz="2300" i="1">
                               <a:latin typeface="Cambria Math" panose="02040503050406030204" pitchFamily="18" charset="0"/>
                             </a:rPr>
                             <m:t>𝜕</m:t>
                           </m:r>
                           <m:r>
-                            <a:rPr lang="pt-BR" i="1">
+                            <a:rPr lang="pt-BR" sz="2300" i="1">
                               <a:latin typeface="Cambria Math" panose="02040503050406030204" pitchFamily="18" charset="0"/>
                             </a:rPr>
                             <m:t>𝐽</m:t>
@@ -13002,14 +14382,14 @@
                           <m:d>
                             <m:dPr>
                               <m:ctrlPr>
-                                <a:rPr lang="pt-BR" i="1">
+                                <a:rPr lang="pt-BR" sz="2300" i="1">
                                   <a:latin typeface="Cambria Math" panose="02040503050406030204" pitchFamily="18" charset="0"/>
                                 </a:rPr>
                               </m:ctrlPr>
                             </m:dPr>
                             <m:e>
                               <m:r>
-                                <a:rPr lang="pt-BR" b="1" i="1">
+                                <a:rPr lang="pt-BR" sz="2300" b="1" i="1">
                                   <a:latin typeface="Cambria Math" panose="02040503050406030204" pitchFamily="18" charset="0"/>
                                 </a:rPr>
                                 <m:t>𝒘</m:t>
@@ -13019,7 +14399,7 @@
                         </m:num>
                         <m:den>
                           <m:r>
-                            <a:rPr lang="pt-BR" i="1">
+                            <a:rPr lang="pt-BR" sz="2300" i="1">
                               <a:latin typeface="Cambria Math" panose="02040503050406030204" pitchFamily="18" charset="0"/>
                             </a:rPr>
                             <m:t>𝜕</m:t>
@@ -13027,14 +14407,14 @@
                           <m:sSubSup>
                             <m:sSubSupPr>
                               <m:ctrlPr>
-                                <a:rPr lang="pt-BR" i="1">
+                                <a:rPr lang="pt-BR" sz="2300" i="1">
                                   <a:latin typeface="Cambria Math" panose="02040503050406030204" pitchFamily="18" charset="0"/>
                                 </a:rPr>
                               </m:ctrlPr>
                             </m:sSubSupPr>
                             <m:e>
                               <m:r>
-                                <a:rPr lang="pt-BR" i="1">
+                                <a:rPr lang="pt-BR" sz="2300" i="1">
                                   <a:latin typeface="Cambria Math" panose="02040503050406030204" pitchFamily="18" charset="0"/>
                                 </a:rPr>
                                 <m:t>𝑢</m:t>
@@ -13042,7 +14422,7 @@
                             </m:e>
                             <m:sub>
                               <m:r>
-                                <a:rPr lang="pt-BR" i="1">
+                                <a:rPr lang="pt-BR" sz="2300" i="1">
                                   <a:latin typeface="Cambria Math" panose="02040503050406030204" pitchFamily="18" charset="0"/>
                                 </a:rPr>
                                 <m:t>𝑖</m:t>
@@ -13050,7 +14430,7 @@
                             </m:sub>
                             <m:sup>
                               <m:r>
-                                <a:rPr lang="pt-BR" i="1">
+                                <a:rPr lang="pt-BR" sz="2300" i="1">
                                   <a:latin typeface="Cambria Math" panose="02040503050406030204" pitchFamily="18" charset="0"/>
                                 </a:rPr>
                                 <m:t>𝑚</m:t>
@@ -13062,14 +14442,14 @@
                       <m:f>
                         <m:fPr>
                           <m:ctrlPr>
-                            <a:rPr lang="pt-BR" i="1">
+                            <a:rPr lang="pt-BR" sz="2300" i="1">
                               <a:latin typeface="Cambria Math" panose="02040503050406030204" pitchFamily="18" charset="0"/>
                             </a:rPr>
                           </m:ctrlPr>
                         </m:fPr>
                         <m:num>
                           <m:r>
-                            <a:rPr lang="pt-BR" i="1">
+                            <a:rPr lang="pt-BR" sz="2300" i="1">
                               <a:latin typeface="Cambria Math" panose="02040503050406030204" pitchFamily="18" charset="0"/>
                             </a:rPr>
                             <m:t>𝜕</m:t>
@@ -13077,14 +14457,14 @@
                           <m:sSubSup>
                             <m:sSubSupPr>
                               <m:ctrlPr>
-                                <a:rPr lang="pt-BR" i="1">
+                                <a:rPr lang="pt-BR" sz="2300" i="1">
                                   <a:latin typeface="Cambria Math" panose="02040503050406030204" pitchFamily="18" charset="0"/>
                                 </a:rPr>
                               </m:ctrlPr>
                             </m:sSubSupPr>
                             <m:e>
                               <m:r>
-                                <a:rPr lang="pt-BR" i="1">
+                                <a:rPr lang="pt-BR" sz="2300" i="1">
                                   <a:latin typeface="Cambria Math" panose="02040503050406030204" pitchFamily="18" charset="0"/>
                                 </a:rPr>
                                 <m:t>𝑢</m:t>
@@ -13092,7 +14472,7 @@
                             </m:e>
                             <m:sub>
                               <m:r>
-                                <a:rPr lang="pt-BR" i="1">
+                                <a:rPr lang="pt-BR" sz="2300" i="1">
                                   <a:latin typeface="Cambria Math" panose="02040503050406030204" pitchFamily="18" charset="0"/>
                                 </a:rPr>
                                 <m:t>𝑖</m:t>
@@ -13100,7 +14480,7 @@
                             </m:sub>
                             <m:sup>
                               <m:r>
-                                <a:rPr lang="pt-BR" i="1">
+                                <a:rPr lang="pt-BR" sz="2300" i="1">
                                   <a:latin typeface="Cambria Math" panose="02040503050406030204" pitchFamily="18" charset="0"/>
                                 </a:rPr>
                                 <m:t>𝑚</m:t>
@@ -13110,7 +14490,7 @@
                         </m:num>
                         <m:den>
                           <m:r>
-                            <a:rPr lang="pt-BR" i="1">
+                            <a:rPr lang="pt-BR" sz="2300" i="1">
                               <a:latin typeface="Cambria Math" panose="02040503050406030204" pitchFamily="18" charset="0"/>
                             </a:rPr>
                             <m:t>𝜕</m:t>
@@ -13118,14 +14498,14 @@
                           <m:sSubSup>
                             <m:sSubSupPr>
                               <m:ctrlPr>
-                                <a:rPr lang="pt-BR" i="1">
+                                <a:rPr lang="pt-BR" sz="2300" i="1">
                                   <a:latin typeface="Cambria Math" panose="02040503050406030204" pitchFamily="18" charset="0"/>
                                 </a:rPr>
                               </m:ctrlPr>
                             </m:sSubSupPr>
                             <m:e>
                               <m:r>
-                                <a:rPr lang="pt-BR" i="1">
+                                <a:rPr lang="pt-BR" sz="2300" i="1">
                                   <a:latin typeface="Cambria Math" panose="02040503050406030204" pitchFamily="18" charset="0"/>
                                 </a:rPr>
                                 <m:t>𝑤</m:t>
@@ -13133,19 +14513,19 @@
                             </m:e>
                             <m:sub>
                               <m:r>
-                                <a:rPr lang="pt-BR" i="1">
+                                <a:rPr lang="pt-BR" sz="2300" i="1">
                                   <a:latin typeface="Cambria Math" panose="02040503050406030204" pitchFamily="18" charset="0"/>
                                 </a:rPr>
                                 <m:t>𝑖</m:t>
                               </m:r>
                               <m:r>
-                                <a:rPr lang="pt-BR" i="1">
+                                <a:rPr lang="pt-BR" sz="2300" i="1">
                                   <a:latin typeface="Cambria Math" panose="02040503050406030204" pitchFamily="18" charset="0"/>
                                 </a:rPr>
                                 <m:t>,</m:t>
                               </m:r>
                               <m:r>
-                                <a:rPr lang="pt-BR" i="1">
+                                <a:rPr lang="pt-BR" sz="2300" i="1">
                                   <a:latin typeface="Cambria Math" panose="02040503050406030204" pitchFamily="18" charset="0"/>
                                 </a:rPr>
                                 <m:t>𝑗</m:t>
@@ -13153,7 +14533,7 @@
                             </m:sub>
                             <m:sup>
                               <m:r>
-                                <a:rPr lang="pt-BR" i="1">
+                                <a:rPr lang="pt-BR" sz="2300" i="1">
                                   <a:latin typeface="Cambria Math" panose="02040503050406030204" pitchFamily="18" charset="0"/>
                                 </a:rPr>
                                 <m:t>𝑚</m:t>
@@ -13163,7 +14543,7 @@
                         </m:den>
                       </m:f>
                       <m:r>
-                        <a:rPr lang="pt-BR">
+                        <a:rPr lang="pt-BR" sz="2300">
                           <a:latin typeface="Cambria Math" panose="02040503050406030204" pitchFamily="18" charset="0"/>
                         </a:rPr>
                         <m:t>.</m:t>
@@ -13171,7 +14551,7 @@
                     </m:oMath>
                   </m:oMathPara>
                 </a14:m>
-                <a:endParaRPr lang="pt-BR" dirty="0"/>
+                <a:endParaRPr lang="pt-BR" sz="2300" dirty="0"/>
               </a:p>
               <a:p>
                 <a:r>
@@ -13314,14 +14694,14 @@
                       <m:sSubSup>
                         <m:sSubSupPr>
                           <m:ctrlPr>
-                            <a:rPr lang="pt-BR" i="1">
+                            <a:rPr lang="pt-BR" sz="2400" i="1">
                               <a:latin typeface="Cambria Math" panose="02040503050406030204" pitchFamily="18" charset="0"/>
                             </a:rPr>
                           </m:ctrlPr>
                         </m:sSubSupPr>
                         <m:e>
                           <m:r>
-                            <a:rPr lang="pt-BR" i="1">
+                            <a:rPr lang="pt-BR" sz="2400" i="1">
                               <a:latin typeface="Cambria Math" panose="02040503050406030204" pitchFamily="18" charset="0"/>
                               <a:ea typeface="Cambria Math" panose="02040503050406030204" pitchFamily="18" charset="0"/>
                             </a:rPr>
@@ -13330,7 +14710,7 @@
                         </m:e>
                         <m:sub>
                           <m:r>
-                            <a:rPr lang="pt-BR" i="1">
+                            <a:rPr lang="pt-BR" sz="2400" i="1">
                               <a:latin typeface="Cambria Math" panose="02040503050406030204" pitchFamily="18" charset="0"/>
                             </a:rPr>
                             <m:t>𝑖</m:t>
@@ -13338,7 +14718,7 @@
                         </m:sub>
                         <m:sup>
                           <m:r>
-                            <a:rPr lang="pt-BR" i="1">
+                            <a:rPr lang="pt-BR" sz="2400" i="1">
                               <a:latin typeface="Cambria Math" panose="02040503050406030204" pitchFamily="18" charset="0"/>
                             </a:rPr>
                             <m:t>𝑚</m:t>
@@ -13346,7 +14726,7 @@
                         </m:sup>
                       </m:sSubSup>
                       <m:r>
-                        <a:rPr lang="pt-BR" i="1">
+                        <a:rPr lang="pt-BR" sz="2400" i="1">
                           <a:latin typeface="Cambria Math" panose="02040503050406030204" pitchFamily="18" charset="0"/>
                         </a:rPr>
                         <m:t>=</m:t>
@@ -13354,20 +14734,20 @@
                       <m:f>
                         <m:fPr>
                           <m:ctrlPr>
-                            <a:rPr lang="pt-BR" i="1">
+                            <a:rPr lang="pt-BR" sz="2400" i="1">
                               <a:latin typeface="Cambria Math" panose="02040503050406030204" pitchFamily="18" charset="0"/>
                             </a:rPr>
                           </m:ctrlPr>
                         </m:fPr>
                         <m:num>
                           <m:r>
-                            <a:rPr lang="pt-BR" i="1">
+                            <a:rPr lang="pt-BR" sz="2400" i="1">
                               <a:latin typeface="Cambria Math" panose="02040503050406030204" pitchFamily="18" charset="0"/>
                             </a:rPr>
                             <m:t>𝜕</m:t>
                           </m:r>
                           <m:r>
-                            <a:rPr lang="pt-BR" i="1">
+                            <a:rPr lang="pt-BR" sz="2400" i="1">
                               <a:latin typeface="Cambria Math" panose="02040503050406030204" pitchFamily="18" charset="0"/>
                             </a:rPr>
                             <m:t>𝐽</m:t>
@@ -13375,14 +14755,14 @@
                           <m:d>
                             <m:dPr>
                               <m:ctrlPr>
-                                <a:rPr lang="pt-BR" i="1">
+                                <a:rPr lang="pt-BR" sz="2400" i="1">
                                   <a:latin typeface="Cambria Math" panose="02040503050406030204" pitchFamily="18" charset="0"/>
                                 </a:rPr>
                               </m:ctrlPr>
                             </m:dPr>
                             <m:e>
                               <m:r>
-                                <a:rPr lang="pt-BR" b="1" i="1">
+                                <a:rPr lang="pt-BR" sz="2400" b="1" i="1">
                                   <a:latin typeface="Cambria Math" panose="02040503050406030204" pitchFamily="18" charset="0"/>
                                 </a:rPr>
                                 <m:t>𝒘</m:t>
@@ -13392,7 +14772,7 @@
                         </m:num>
                         <m:den>
                           <m:r>
-                            <a:rPr lang="pt-BR" i="1">
+                            <a:rPr lang="pt-BR" sz="2400" i="1">
                               <a:latin typeface="Cambria Math" panose="02040503050406030204" pitchFamily="18" charset="0"/>
                             </a:rPr>
                             <m:t>𝜕</m:t>
@@ -13400,14 +14780,14 @@
                           <m:sSubSup>
                             <m:sSubSupPr>
                               <m:ctrlPr>
-                                <a:rPr lang="pt-BR" i="1">
+                                <a:rPr lang="pt-BR" sz="2400" i="1">
                                   <a:latin typeface="Cambria Math" panose="02040503050406030204" pitchFamily="18" charset="0"/>
                                 </a:rPr>
                               </m:ctrlPr>
                             </m:sSubSupPr>
                             <m:e>
                               <m:r>
-                                <a:rPr lang="pt-BR" i="1">
+                                <a:rPr lang="pt-BR" sz="2400" i="1">
                                   <a:latin typeface="Cambria Math" panose="02040503050406030204" pitchFamily="18" charset="0"/>
                                 </a:rPr>
                                 <m:t>𝑢</m:t>
@@ -13415,7 +14795,7 @@
                             </m:e>
                             <m:sub>
                               <m:r>
-                                <a:rPr lang="pt-BR" i="1">
+                                <a:rPr lang="pt-BR" sz="2400" i="1">
                                   <a:latin typeface="Cambria Math" panose="02040503050406030204" pitchFamily="18" charset="0"/>
                                 </a:rPr>
                                 <m:t>𝑖</m:t>
@@ -13423,7 +14803,7 @@
                             </m:sub>
                             <m:sup>
                               <m:r>
-                                <a:rPr lang="pt-BR" i="1">
+                                <a:rPr lang="pt-BR" sz="2400" i="1">
                                   <a:latin typeface="Cambria Math" panose="02040503050406030204" pitchFamily="18" charset="0"/>
                                 </a:rPr>
                                 <m:t>𝑚</m:t>
@@ -13433,15 +14813,173 @@
                         </m:den>
                       </m:f>
                       <m:r>
-                        <a:rPr lang="pt-BR">
+                        <a:rPr lang="pt-BR" sz="2400" b="0" i="0" smtClean="0">
                           <a:latin typeface="Cambria Math" panose="02040503050406030204" pitchFamily="18" charset="0"/>
                         </a:rPr>
-                        <m:t>.</m:t>
+                        <m:t> (</m:t>
+                      </m:r>
+                      <m:r>
+                        <m:rPr>
+                          <m:sty m:val="p"/>
+                        </m:rPr>
+                        <a:rPr lang="pt-BR" sz="2400" b="0" i="0" smtClean="0">
+                          <a:latin typeface="Cambria Math" panose="02040503050406030204" pitchFamily="18" charset="0"/>
+                        </a:rPr>
+                        <m:t>ativa</m:t>
+                      </m:r>
+                      <m:r>
+                        <a:rPr lang="pt-BR" sz="2400" b="0" i="0" smtClean="0">
+                          <a:latin typeface="Cambria Math" panose="02040503050406030204" pitchFamily="18" charset="0"/>
+                        </a:rPr>
+                        <m:t>çã</m:t>
+                      </m:r>
+                      <m:r>
+                        <m:rPr>
+                          <m:sty m:val="p"/>
+                        </m:rPr>
+                        <a:rPr lang="pt-BR" sz="2400" b="0" i="0" smtClean="0">
+                          <a:latin typeface="Cambria Math" panose="02040503050406030204" pitchFamily="18" charset="0"/>
+                        </a:rPr>
+                        <m:t>o</m:t>
+                      </m:r>
+                      <m:r>
+                        <a:rPr lang="pt-BR" sz="2400" b="0" i="0" smtClean="0">
+                          <a:latin typeface="Cambria Math" panose="02040503050406030204" pitchFamily="18" charset="0"/>
+                        </a:rPr>
+                        <m:t> </m:t>
+                      </m:r>
+                      <m:r>
+                        <m:rPr>
+                          <m:sty m:val="p"/>
+                        </m:rPr>
+                        <a:rPr lang="pt-BR" sz="2400" b="0" i="0" smtClean="0">
+                          <a:latin typeface="Cambria Math" panose="02040503050406030204" pitchFamily="18" charset="0"/>
+                        </a:rPr>
+                        <m:t>do</m:t>
+                      </m:r>
+                      <m:r>
+                        <a:rPr lang="pt-BR" sz="2400" b="0" i="0" smtClean="0">
+                          <a:latin typeface="Cambria Math" panose="02040503050406030204" pitchFamily="18" charset="0"/>
+                        </a:rPr>
+                        <m:t> </m:t>
+                      </m:r>
+                      <m:r>
+                        <a:rPr lang="pt-BR" sz="2400" b="0" i="1" smtClean="0">
+                          <a:latin typeface="Cambria Math" panose="02040503050406030204" pitchFamily="18" charset="0"/>
+                        </a:rPr>
+                        <m:t>𝑖</m:t>
+                      </m:r>
+                      <m:r>
+                        <m:rPr>
+                          <m:nor/>
+                        </m:rPr>
+                        <a:rPr lang="pt-BR" sz="2400" dirty="0"/>
+                        <m:t>-</m:t>
+                      </m:r>
+                      <m:r>
+                        <a:rPr lang="pt-BR" sz="2400" b="0" i="0" smtClean="0">
+                          <a:latin typeface="Cambria Math" panose="02040503050406030204" pitchFamily="18" charset="0"/>
+                        </a:rPr>
+                        <m:t>é</m:t>
+                      </m:r>
+                      <m:r>
+                        <m:rPr>
+                          <m:sty m:val="p"/>
+                        </m:rPr>
+                        <a:rPr lang="pt-BR" sz="2400" b="0" i="0" smtClean="0">
+                          <a:latin typeface="Cambria Math" panose="02040503050406030204" pitchFamily="18" charset="0"/>
+                        </a:rPr>
+                        <m:t>simo</m:t>
+                      </m:r>
+                      <m:r>
+                        <a:rPr lang="pt-BR" sz="2400" b="0" i="0" smtClean="0">
+                          <a:latin typeface="Cambria Math" panose="02040503050406030204" pitchFamily="18" charset="0"/>
+                        </a:rPr>
+                        <m:t> </m:t>
+                      </m:r>
+                      <m:r>
+                        <m:rPr>
+                          <m:sty m:val="p"/>
+                        </m:rPr>
+                        <a:rPr lang="pt-BR" sz="2400" b="0" i="0" smtClean="0">
+                          <a:latin typeface="Cambria Math" panose="02040503050406030204" pitchFamily="18" charset="0"/>
+                        </a:rPr>
+                        <m:t>n</m:t>
+                      </m:r>
+                      <m:r>
+                        <a:rPr lang="pt-BR" sz="2400" b="0" i="0" smtClean="0">
+                          <a:latin typeface="Cambria Math" panose="02040503050406030204" pitchFamily="18" charset="0"/>
+                        </a:rPr>
+                        <m:t>ó </m:t>
+                      </m:r>
+                      <m:r>
+                        <m:rPr>
+                          <m:sty m:val="p"/>
+                        </m:rPr>
+                        <a:rPr lang="pt-BR" sz="2400" b="0" i="0" smtClean="0">
+                          <a:latin typeface="Cambria Math" panose="02040503050406030204" pitchFamily="18" charset="0"/>
+                        </a:rPr>
+                        <m:t>da</m:t>
+                      </m:r>
+                      <m:r>
+                        <a:rPr lang="pt-BR" sz="2400" b="0" i="0" smtClean="0">
+                          <a:latin typeface="Cambria Math" panose="02040503050406030204" pitchFamily="18" charset="0"/>
+                        </a:rPr>
+                        <m:t> </m:t>
+                      </m:r>
+                      <m:r>
+                        <a:rPr lang="pt-BR" sz="2400" b="0" i="1" smtClean="0">
+                          <a:latin typeface="Cambria Math" panose="02040503050406030204" pitchFamily="18" charset="0"/>
+                        </a:rPr>
+                        <m:t>𝑚</m:t>
+                      </m:r>
+                      <m:r>
+                        <m:rPr>
+                          <m:nor/>
+                        </m:rPr>
+                        <a:rPr lang="pt-BR" sz="2400" dirty="0"/>
+                        <m:t>-</m:t>
+                      </m:r>
+                      <m:r>
+                        <a:rPr lang="pt-BR" sz="2400" b="0" i="0" smtClean="0">
+                          <a:latin typeface="Cambria Math" panose="02040503050406030204" pitchFamily="18" charset="0"/>
+                        </a:rPr>
+                        <m:t>é</m:t>
+                      </m:r>
+                      <m:r>
+                        <m:rPr>
+                          <m:sty m:val="p"/>
+                        </m:rPr>
+                        <a:rPr lang="pt-BR" sz="2400" b="0" i="0" smtClean="0">
+                          <a:latin typeface="Cambria Math" panose="02040503050406030204" pitchFamily="18" charset="0"/>
+                        </a:rPr>
+                        <m:t>sima</m:t>
+                      </m:r>
+                      <m:r>
+                        <a:rPr lang="pt-BR" sz="2400" b="0" i="0" smtClean="0">
+                          <a:latin typeface="Cambria Math" panose="02040503050406030204" pitchFamily="18" charset="0"/>
+                        </a:rPr>
+                        <m:t> </m:t>
+                      </m:r>
+                      <m:r>
+                        <m:rPr>
+                          <m:sty m:val="p"/>
+                        </m:rPr>
+                        <a:rPr lang="pt-BR" sz="2400" b="0" i="0" smtClean="0">
+                          <a:latin typeface="Cambria Math" panose="02040503050406030204" pitchFamily="18" charset="0"/>
+                        </a:rPr>
+                        <m:t>camada</m:t>
+                      </m:r>
+                      <m:r>
+                        <a:rPr lang="pt-BR" sz="2400" b="0" i="0" smtClean="0">
+                          <a:latin typeface="Cambria Math" panose="02040503050406030204" pitchFamily="18" charset="0"/>
+                        </a:rPr>
+                        <m:t>).</m:t>
                       </m:r>
                     </m:oMath>
                   </m:oMathPara>
                 </a14:m>
-                <a:endParaRPr lang="pt-BR" dirty="0"/>
+                <a:endParaRPr lang="pt-BR" sz="2400" dirty="0"/>
               </a:p>
               <a:p>
                 <a:r>
@@ -13524,7 +15062,11 @@
                 </a:r>
                 <a:r>
                   <a:rPr lang="pt-BR" dirty="0"/>
-                  <a:t> em questão. Como adotamos o modelo do </a:t>
+                  <a:t> em questão. Como </a:t>
+                </a:r>
+                <a:r>
+                  <a:rPr lang="pt-BR" dirty="0" smtClean="0"/>
+                  <a:t>adotamos nós do </a:t>
                 </a:r>
                 <a:r>
                   <a:rPr lang="pt-BR" b="1" i="1" dirty="0"/>
@@ -13597,14 +15139,14 @@
                       <m:sSubSup>
                         <m:sSubSupPr>
                           <m:ctrlPr>
-                            <a:rPr lang="pt-BR" i="1">
+                            <a:rPr lang="pt-BR" sz="2300" i="1">
                               <a:latin typeface="Cambria Math" panose="02040503050406030204" pitchFamily="18" charset="0"/>
                             </a:rPr>
                           </m:ctrlPr>
                         </m:sSubSupPr>
                         <m:e>
                           <m:r>
-                            <a:rPr lang="pt-BR" i="1">
+                            <a:rPr lang="pt-BR" sz="2300" i="1">
                               <a:latin typeface="Cambria Math" panose="02040503050406030204" pitchFamily="18" charset="0"/>
                             </a:rPr>
                             <m:t>𝑢</m:t>
@@ -13612,7 +15154,7 @@
                         </m:e>
                         <m:sub>
                           <m:r>
-                            <a:rPr lang="pt-BR" i="1">
+                            <a:rPr lang="pt-BR" sz="2300" i="1">
                               <a:latin typeface="Cambria Math" panose="02040503050406030204" pitchFamily="18" charset="0"/>
                             </a:rPr>
                             <m:t>𝑖</m:t>
@@ -13620,7 +15162,7 @@
                         </m:sub>
                         <m:sup>
                           <m:r>
-                            <a:rPr lang="pt-BR" i="1">
+                            <a:rPr lang="pt-BR" sz="2300" i="1">
                               <a:latin typeface="Cambria Math" panose="02040503050406030204" pitchFamily="18" charset="0"/>
                             </a:rPr>
                             <m:t>𝑚</m:t>
@@ -13628,7 +15170,7 @@
                         </m:sup>
                       </m:sSubSup>
                       <m:r>
-                        <a:rPr lang="pt-BR">
+                        <a:rPr lang="pt-BR" sz="2300">
                           <a:latin typeface="Cambria Math" panose="02040503050406030204" pitchFamily="18" charset="0"/>
                         </a:rPr>
                         <m:t>=</m:t>
@@ -13639,7 +15181,7 @@
                           <m:limLoc m:val="subSup"/>
                           <m:supHide m:val="on"/>
                           <m:ctrlPr>
-                            <a:rPr lang="pt-BR" i="1">
+                            <a:rPr lang="pt-BR" sz="2300" i="1">
                               <a:latin typeface="Cambria Math" panose="02040503050406030204" pitchFamily="18" charset="0"/>
                             </a:rPr>
                           </m:ctrlPr>
@@ -13649,13 +15191,13 @@
                             <m:rPr>
                               <m:brk m:alnAt="9"/>
                             </m:rPr>
-                            <a:rPr lang="pt-BR" i="1">
+                            <a:rPr lang="pt-BR" sz="2300" i="1">
                               <a:latin typeface="Cambria Math" panose="02040503050406030204" pitchFamily="18" charset="0"/>
                             </a:rPr>
                             <m:t>𝑗</m:t>
                           </m:r>
                           <m:r>
-                            <a:rPr lang="pt-BR" i="1">
+                            <a:rPr lang="pt-BR" sz="2300" i="1">
                               <a:latin typeface="Cambria Math" panose="02040503050406030204" pitchFamily="18" charset="0"/>
                             </a:rPr>
                             <m:t> ∈ </m:t>
@@ -13665,7 +15207,7 @@
                               <m:sty m:val="p"/>
                               <m:brk m:alnAt="9"/>
                             </m:rPr>
-                            <a:rPr lang="pt-BR">
+                            <a:rPr lang="pt-BR" sz="2300">
                               <a:latin typeface="Cambria Math" panose="02040503050406030204" pitchFamily="18" charset="0"/>
                               <a:ea typeface="Cambria Math" panose="02040503050406030204" pitchFamily="18" charset="0"/>
                             </a:rPr>
@@ -13675,7 +15217,7 @@
                             <m:rPr>
                               <m:sty m:val="p"/>
                             </m:rPr>
-                            <a:rPr lang="pt-BR">
+                            <a:rPr lang="pt-BR" sz="2300">
                               <a:latin typeface="Cambria Math" panose="02040503050406030204" pitchFamily="18" charset="0"/>
                               <a:ea typeface="Cambria Math" panose="02040503050406030204" pitchFamily="18" charset="0"/>
                             </a:rPr>
@@ -13687,14 +15229,14 @@
                           <m:sSubSup>
                             <m:sSubSupPr>
                               <m:ctrlPr>
-                                <a:rPr lang="pt-BR" i="1">
+                                <a:rPr lang="pt-BR" sz="2300" i="1">
                                   <a:latin typeface="Cambria Math" panose="02040503050406030204" pitchFamily="18" charset="0"/>
                                 </a:rPr>
                               </m:ctrlPr>
                             </m:sSubSupPr>
                             <m:e>
                               <m:r>
-                                <a:rPr lang="pt-BR" i="1">
+                                <a:rPr lang="pt-BR" sz="2300" i="1">
                                   <a:latin typeface="Cambria Math" panose="02040503050406030204" pitchFamily="18" charset="0"/>
                                 </a:rPr>
                                 <m:t>𝑤</m:t>
@@ -13702,19 +15244,19 @@
                             </m:e>
                             <m:sub>
                               <m:r>
-                                <a:rPr lang="pt-BR" i="1">
+                                <a:rPr lang="pt-BR" sz="2300" i="1">
                                   <a:latin typeface="Cambria Math" panose="02040503050406030204" pitchFamily="18" charset="0"/>
                                 </a:rPr>
                                 <m:t>𝑖</m:t>
                               </m:r>
                               <m:r>
-                                <a:rPr lang="pt-BR" i="1">
+                                <a:rPr lang="pt-BR" sz="2300" i="1">
                                   <a:latin typeface="Cambria Math" panose="02040503050406030204" pitchFamily="18" charset="0"/>
                                 </a:rPr>
                                 <m:t>,</m:t>
                               </m:r>
                               <m:r>
-                                <a:rPr lang="pt-BR" i="1">
+                                <a:rPr lang="pt-BR" sz="2300" i="1">
                                   <a:latin typeface="Cambria Math" panose="02040503050406030204" pitchFamily="18" charset="0"/>
                                 </a:rPr>
                                 <m:t>𝑗</m:t>
@@ -13722,7 +15264,7 @@
                             </m:sub>
                             <m:sup>
                               <m:r>
-                                <a:rPr lang="pt-BR" i="1">
+                                <a:rPr lang="pt-BR" sz="2300" i="1">
                                   <a:latin typeface="Cambria Math" panose="02040503050406030204" pitchFamily="18" charset="0"/>
                                 </a:rPr>
                                 <m:t>𝑚</m:t>
@@ -13734,14 +15276,14 @@
                       <m:sSubSup>
                         <m:sSubSupPr>
                           <m:ctrlPr>
-                            <a:rPr lang="pt-BR" i="1">
+                            <a:rPr lang="pt-BR" sz="2300" i="1">
                               <a:latin typeface="Cambria Math" panose="02040503050406030204" pitchFamily="18" charset="0"/>
                             </a:rPr>
                           </m:ctrlPr>
                         </m:sSubSupPr>
                         <m:e>
                           <m:r>
-                            <a:rPr lang="pt-BR" i="1">
+                            <a:rPr lang="pt-BR" sz="2300" i="1">
                               <a:latin typeface="Cambria Math" panose="02040503050406030204" pitchFamily="18" charset="0"/>
                             </a:rPr>
                             <m:t>𝑦</m:t>
@@ -13749,7 +15291,7 @@
                         </m:e>
                         <m:sub>
                           <m:r>
-                            <a:rPr lang="pt-BR" i="1">
+                            <a:rPr lang="pt-BR" sz="2300" i="1">
                               <a:latin typeface="Cambria Math" panose="02040503050406030204" pitchFamily="18" charset="0"/>
                             </a:rPr>
                             <m:t>𝑗</m:t>
@@ -13757,13 +15299,13 @@
                         </m:sub>
                         <m:sup>
                           <m:r>
-                            <a:rPr lang="pt-BR" i="1">
+                            <a:rPr lang="pt-BR" sz="2300" i="1">
                               <a:latin typeface="Cambria Math" panose="02040503050406030204" pitchFamily="18" charset="0"/>
                             </a:rPr>
                             <m:t>𝑚</m:t>
                           </m:r>
                           <m:r>
-                            <a:rPr lang="pt-BR" i="1">
+                            <a:rPr lang="pt-BR" sz="2300" i="1">
                               <a:latin typeface="Cambria Math" panose="02040503050406030204" pitchFamily="18" charset="0"/>
                             </a:rPr>
                             <m:t>−1</m:t>
@@ -13771,7 +15313,7 @@
                         </m:sup>
                       </m:sSubSup>
                       <m:r>
-                        <a:rPr lang="pt-BR" i="1">
+                        <a:rPr lang="pt-BR" sz="2300" i="1">
                           <a:latin typeface="Cambria Math" panose="02040503050406030204" pitchFamily="18" charset="0"/>
                         </a:rPr>
                         <m:t>+</m:t>
@@ -13779,14 +15321,14 @@
                       <m:sSubSup>
                         <m:sSubSupPr>
                           <m:ctrlPr>
-                            <a:rPr lang="pt-BR" i="1">
+                            <a:rPr lang="pt-BR" sz="2300" i="1">
                               <a:latin typeface="Cambria Math" panose="02040503050406030204" pitchFamily="18" charset="0"/>
                             </a:rPr>
                           </m:ctrlPr>
                         </m:sSubSupPr>
                         <m:e>
                           <m:r>
-                            <a:rPr lang="pt-BR" i="1">
+                            <a:rPr lang="pt-BR" sz="2300" i="1">
                               <a:latin typeface="Cambria Math" panose="02040503050406030204" pitchFamily="18" charset="0"/>
                             </a:rPr>
                             <m:t>𝑏</m:t>
@@ -13794,7 +15336,7 @@
                         </m:e>
                         <m:sub>
                           <m:r>
-                            <a:rPr lang="pt-BR" i="1">
+                            <a:rPr lang="pt-BR" sz="2300" i="1">
                               <a:latin typeface="Cambria Math" panose="02040503050406030204" pitchFamily="18" charset="0"/>
                             </a:rPr>
                             <m:t>𝑖</m:t>
@@ -13802,7 +15344,7 @@
                         </m:sub>
                         <m:sup>
                           <m:r>
-                            <a:rPr lang="pt-BR" i="1">
+                            <a:rPr lang="pt-BR" sz="2300" i="1">
                               <a:latin typeface="Cambria Math" panose="02040503050406030204" pitchFamily="18" charset="0"/>
                             </a:rPr>
                             <m:t>𝑚</m:t>
@@ -13810,7 +15352,7 @@
                         </m:sup>
                       </m:sSubSup>
                       <m:r>
-                        <a:rPr lang="pt-BR" i="1">
+                        <a:rPr lang="pt-BR" sz="2300" i="1">
                           <a:latin typeface="Cambria Math" panose="02040503050406030204" pitchFamily="18" charset="0"/>
                         </a:rPr>
                         <m:t>.</m:t>
@@ -13818,12 +15360,12 @@
                     </m:oMath>
                   </m:oMathPara>
                 </a14:m>
-                <a:endParaRPr lang="pt-BR" dirty="0"/>
+                <a:endParaRPr lang="pt-BR" sz="2300" dirty="0"/>
               </a:p>
             </p:txBody>
           </p:sp>
         </mc:Choice>
-        <mc:Fallback xmlns="">
+        <mc:Fallback>
           <p:sp>
             <p:nvSpPr>
               <p:cNvPr id="3" name="Content Placeholder 2"/>
@@ -13836,13 +15378,13 @@
             </p:nvSpPr>
             <p:spPr>
               <a:xfrm>
-                <a:off x="838199" y="1825624"/>
-                <a:ext cx="11078817" cy="5032375"/>
+                <a:off x="838199" y="1690688"/>
+                <a:ext cx="11188149" cy="5167311"/>
               </a:xfrm>
               <a:blipFill rotWithShape="0">
                 <a:blip r:embed="rId3"/>
                 <a:stretch>
-                  <a:fillRect l="-605" t="-1574" r="-660"/>
+                  <a:fillRect l="-708" t="-1769" b="-30189"/>
                 </a:stretch>
               </a:blipFill>
             </p:spPr>
@@ -13918,8 +15460,8 @@
           </a:p>
         </p:txBody>
       </p:sp>
-      <mc:AlternateContent xmlns:mc="http://schemas.openxmlformats.org/markup-compatibility/2006" xmlns:a14="http://schemas.microsoft.com/office/drawing/2010/main">
-        <mc:Choice Requires="a14">
+      <mc:AlternateContent xmlns:mc="http://schemas.openxmlformats.org/markup-compatibility/2006">
+        <mc:Choice xmlns:a14="http://schemas.microsoft.com/office/drawing/2010/main" Requires="a14">
           <p:sp>
             <p:nvSpPr>
               <p:cNvPr id="3" name="Content Placeholder 2"/>
@@ -14352,7 +15894,23 @@
                 </a14:m>
                 <a:r>
                   <a:rPr lang="pt-BR" b="1" i="1" dirty="0"/>
-                  <a:t>, por uma entrada (ou, no caso </a:t>
+                  <a:t>, por uma </a:t>
+                </a:r>
+                <a:r>
+                  <a:rPr lang="pt-BR" b="1" i="1" dirty="0" smtClean="0"/>
+                  <a:t>entrada do i-</a:t>
+                </a:r>
+                <a:r>
+                  <a:rPr lang="pt-BR" b="1" i="1" dirty="0" err="1" smtClean="0"/>
+                  <a:t>ésimo</a:t>
+                </a:r>
+                <a:r>
+                  <a:rPr lang="pt-BR" b="1" i="1" dirty="0" smtClean="0"/>
+                  <a:t> nó da rede </a:t>
+                </a:r>
+                <a:r>
+                  <a:rPr lang="pt-BR" b="1" i="1" dirty="0"/>
+                  <a:t>(ou, no caso </a:t>
                 </a:r>
                 <a:r>
                   <a:rPr lang="pt-BR" b="1" i="1" dirty="0" smtClean="0"/>
@@ -15303,7 +16861,7 @@
             </p:txBody>
           </p:sp>
         </mc:Choice>
-        <mc:Fallback xmlns="">
+        <mc:Fallback>
           <p:sp>
             <p:nvSpPr>
               <p:cNvPr id="3" name="Content Placeholder 2"/>
@@ -15322,7 +16880,7 @@
               <a:blipFill rotWithShape="0">
                 <a:blip r:embed="rId3"/>
                 <a:stretch>
-                  <a:fillRect l="-654" t="-2368" b="-113"/>
+                  <a:fillRect l="-654" t="-2368" r="-1089" b="-113"/>
                 </a:stretch>
               </a:blipFill>
             </p:spPr>
@@ -15574,8 +17132,8 @@
           </a:p>
         </p:txBody>
       </p:sp>
-      <mc:AlternateContent xmlns:mc="http://schemas.openxmlformats.org/markup-compatibility/2006" xmlns:a14="http://schemas.microsoft.com/office/drawing/2010/main">
-        <mc:Choice Requires="a14">
+      <mc:AlternateContent xmlns:mc="http://schemas.openxmlformats.org/markup-compatibility/2006">
+        <mc:Choice xmlns:a14="http://schemas.microsoft.com/office/drawing/2010/main" Requires="a14">
           <p:sp>
             <p:nvSpPr>
               <p:cNvPr id="3" name="Content Placeholder 2"/>
@@ -15604,7 +17162,15 @@
                 </a:r>
                 <a:r>
                   <a:rPr lang="pt-BR" dirty="0" smtClean="0"/>
-                  <a:t>para atualização dos pesos (sinápticos/bias) da rede neural é </a:t>
+                  <a:t>para atualização dos pesos (</a:t>
+                </a:r>
+                <a:r>
+                  <a:rPr lang="pt-BR" dirty="0" smtClean="0"/>
+                  <a:t>sinápticos e de bias</a:t>
+                </a:r>
+                <a:r>
+                  <a:rPr lang="pt-BR" dirty="0" smtClean="0"/>
+                  <a:t>) da rede neural é </a:t>
                 </a:r>
                 <a:r>
                   <a:rPr lang="pt-BR" dirty="0"/>
@@ -16018,7 +17584,7 @@
             </p:txBody>
           </p:sp>
         </mc:Choice>
-        <mc:Fallback xmlns="">
+        <mc:Fallback>
           <p:sp>
             <p:nvSpPr>
               <p:cNvPr id="3" name="Content Placeholder 2"/>
@@ -16108,8 +17674,8 @@
           </a:p>
         </p:txBody>
       </p:sp>
-      <mc:AlternateContent xmlns:mc="http://schemas.openxmlformats.org/markup-compatibility/2006" xmlns:a14="http://schemas.microsoft.com/office/drawing/2010/main">
-        <mc:Choice Requires="a14">
+      <mc:AlternateContent xmlns:mc="http://schemas.openxmlformats.org/markup-compatibility/2006">
+        <mc:Choice xmlns:a14="http://schemas.microsoft.com/office/drawing/2010/main" Requires="a14">
           <p:sp>
             <p:nvSpPr>
               <p:cNvPr id="3" name="Content Placeholder 2"/>
@@ -16213,7 +17779,7 @@
                 </a:r>
                 <a:r>
                   <a:rPr lang="pt-BR" dirty="0" smtClean="0"/>
-                  <a:t>obtém </a:t>
+                  <a:t>obtém-se </a:t>
                 </a:r>
                 <a:r>
                   <a:rPr lang="pt-BR" dirty="0"/>
@@ -16695,7 +18261,19 @@
                         <a:rPr lang="pt-BR" b="0" i="1" smtClean="0">
                           <a:latin typeface="Cambria Math" panose="02040503050406030204" pitchFamily="18" charset="0"/>
                         </a:rPr>
+                        <m:t>  </m:t>
+                      </m:r>
+                      <m:r>
+                        <a:rPr lang="pt-BR" b="0" i="1" smtClean="0">
+                          <a:latin typeface="Cambria Math" panose="02040503050406030204" pitchFamily="18" charset="0"/>
+                        </a:rPr>
                         <m:t>=</m:t>
+                      </m:r>
+                      <m:r>
+                        <a:rPr lang="pt-BR" b="0" i="1" smtClean="0">
+                          <a:latin typeface="Cambria Math" panose="02040503050406030204" pitchFamily="18" charset="0"/>
+                        </a:rPr>
+                        <m:t>  </m:t>
                       </m:r>
                       <m:f>
                         <m:fPr>
@@ -17304,6 +18882,7 @@
                   <a:rPr lang="pt-BR" dirty="0" smtClean="0"/>
                   <a:t>onde </a:t>
                 </a:r>
+                <a:endParaRPr lang="pt-BR" dirty="0" smtClean="0"/>
               </a:p>
               <a:p>
                 <a:pPr marL="0" indent="0">
@@ -17668,7 +19247,7 @@
             </p:txBody>
           </p:sp>
         </mc:Choice>
-        <mc:Fallback xmlns="">
+        <mc:Fallback>
           <p:sp>
             <p:nvSpPr>
               <p:cNvPr id="3" name="Content Placeholder 2"/>
@@ -17687,7 +19266,7 @@
               <a:blipFill rotWithShape="0">
                 <a:blip r:embed="rId3"/>
                 <a:stretch>
-                  <a:fillRect l="-933" t="-2421"/>
+                  <a:fillRect l="-933" t="-2421" r="-165"/>
                 </a:stretch>
               </a:blipFill>
             </p:spPr>
@@ -18124,6 +19703,109 @@
           </p:sp>
         </mc:Fallback>
       </mc:AlternateContent>
+      <p:sp>
+        <p:nvSpPr>
+          <p:cNvPr id="6" name="CaixaDeTexto 5"/>
+          <p:cNvSpPr txBox="1"/>
+          <p:nvPr/>
+        </p:nvSpPr>
+        <p:spPr>
+          <a:xfrm>
+            <a:off x="5121965" y="3588026"/>
+            <a:ext cx="765313" cy="461665"/>
+          </a:xfrm>
+          <a:prstGeom prst="rect">
+            <a:avLst/>
+          </a:prstGeom>
+          <a:noFill/>
+        </p:spPr>
+        <p:txBody>
+          <a:bodyPr wrap="square" rtlCol="0">
+            <a:spAutoFit/>
+          </a:bodyPr>
+          <a:lstStyle/>
+          <a:p>
+            <a:pPr algn="ctr"/>
+            <a:r>
+              <a:rPr lang="pt-BR" sz="1200" dirty="0" smtClean="0"/>
+              <a:t>Regra da cadeia</a:t>
+            </a:r>
+            <a:endParaRPr lang="pt-BR" sz="1200" dirty="0"/>
+          </a:p>
+        </p:txBody>
+      </p:sp>
+      <p:cxnSp>
+        <p:nvCxnSpPr>
+          <p:cNvPr id="9" name="Conector de seta reta 8"/>
+          <p:cNvCxnSpPr/>
+          <p:nvPr/>
+        </p:nvCxnSpPr>
+        <p:spPr>
+          <a:xfrm flipV="1">
+            <a:off x="7940058" y="5019261"/>
+            <a:ext cx="1154246" cy="1013794"/>
+          </a:xfrm>
+          <a:prstGeom prst="straightConnector1">
+            <a:avLst/>
+          </a:prstGeom>
+          <a:ln>
+            <a:solidFill>
+              <a:srgbClr val="FF0000"/>
+            </a:solidFill>
+            <a:tailEnd type="triangle"/>
+          </a:ln>
+        </p:spPr>
+        <p:style>
+          <a:lnRef idx="1">
+            <a:schemeClr val="accent1"/>
+          </a:lnRef>
+          <a:fillRef idx="0">
+            <a:schemeClr val="accent1"/>
+          </a:fillRef>
+          <a:effectRef idx="0">
+            <a:schemeClr val="accent1"/>
+          </a:effectRef>
+          <a:fontRef idx="minor">
+            <a:schemeClr val="tx1"/>
+          </a:fontRef>
+        </p:style>
+      </p:cxnSp>
+      <p:cxnSp>
+        <p:nvCxnSpPr>
+          <p:cNvPr id="11" name="Conector de seta reta 10"/>
+          <p:cNvCxnSpPr/>
+          <p:nvPr/>
+        </p:nvCxnSpPr>
+        <p:spPr>
+          <a:xfrm flipV="1">
+            <a:off x="7943321" y="6033054"/>
+            <a:ext cx="1150983" cy="2389"/>
+          </a:xfrm>
+          <a:prstGeom prst="straightConnector1">
+            <a:avLst/>
+          </a:prstGeom>
+          <a:ln>
+            <a:solidFill>
+              <a:srgbClr val="FF0000"/>
+            </a:solidFill>
+            <a:tailEnd type="triangle"/>
+          </a:ln>
+        </p:spPr>
+        <p:style>
+          <a:lnRef idx="1">
+            <a:schemeClr val="accent1"/>
+          </a:lnRef>
+          <a:fillRef idx="0">
+            <a:schemeClr val="accent1"/>
+          </a:fillRef>
+          <a:effectRef idx="0">
+            <a:schemeClr val="accent1"/>
+          </a:effectRef>
+          <a:fontRef idx="minor">
+            <a:schemeClr val="tx1"/>
+          </a:fontRef>
+        </p:style>
+      </p:cxnSp>
     </p:spTree>
     <p:extLst>
       <p:ext uri="{BB962C8B-B14F-4D97-AF65-F5344CB8AC3E}">
@@ -18176,8 +19858,8 @@
           </a:p>
         </p:txBody>
       </p:sp>
-      <mc:AlternateContent xmlns:mc="http://schemas.openxmlformats.org/markup-compatibility/2006" xmlns:a14="http://schemas.microsoft.com/office/drawing/2010/main">
-        <mc:Choice Requires="a14">
+      <mc:AlternateContent xmlns:mc="http://schemas.openxmlformats.org/markup-compatibility/2006">
+        <mc:Choice xmlns:a14="http://schemas.microsoft.com/office/drawing/2010/main" Requires="a14">
           <p:sp>
             <p:nvSpPr>
               <p:cNvPr id="3" name="Content Placeholder 2"/>
@@ -18196,7 +19878,7 @@
             </p:spPr>
             <p:txBody>
               <a:bodyPr>
-                <a:normAutofit fontScale="92500" lnSpcReduction="10000"/>
+                <a:normAutofit fontScale="92500" lnSpcReduction="20000"/>
               </a:bodyPr>
               <a:lstStyle/>
               <a:p>
@@ -18470,9 +20152,73 @@
                   <a:t>é uma matriz diagonal </a:t>
                 </a:r>
                 <a:r>
+                  <a:rPr lang="pt-BR" dirty="0" smtClean="0"/>
+                  <a:t>com as derivadas </a:t>
+                </a:r>
+                <a:r>
                   <a:rPr lang="pt-BR" dirty="0"/>
-                  <a:t>definida como</a:t>
-                </a:r>
+                  <a:t>da função de ativação em relação às ativações dos </a:t>
+                </a:r>
+                <a14:m>
+                  <m:oMath xmlns:m="http://schemas.openxmlformats.org/officeDocument/2006/math">
+                    <m:sSub>
+                      <m:sSubPr>
+                        <m:ctrlPr>
+                          <a:rPr lang="pt-BR" i="1">
+                            <a:latin typeface="Cambria Math" panose="02040503050406030204" pitchFamily="18" charset="0"/>
+                          </a:rPr>
+                        </m:ctrlPr>
+                      </m:sSubPr>
+                      <m:e>
+                        <m:r>
+                          <a:rPr lang="pt-BR" i="1">
+                            <a:latin typeface="Cambria Math" panose="02040503050406030204" pitchFamily="18" charset="0"/>
+                          </a:rPr>
+                          <m:t>𝑁</m:t>
+                        </m:r>
+                      </m:e>
+                      <m:sub>
+                        <m:r>
+                          <a:rPr lang="pt-BR" i="1">
+                            <a:latin typeface="Cambria Math" panose="02040503050406030204" pitchFamily="18" charset="0"/>
+                          </a:rPr>
+                          <m:t>𝑀</m:t>
+                        </m:r>
+                      </m:sub>
+                    </m:sSub>
+                  </m:oMath>
+                </a14:m>
+                <a:r>
+                  <a:rPr lang="pt-BR" dirty="0"/>
+                  <a:t> nós da </a:t>
+                </a:r>
+                <a14:m>
+                  <m:oMath xmlns:m="http://schemas.openxmlformats.org/officeDocument/2006/math">
+                    <m:r>
+                      <a:rPr lang="pt-BR" i="1">
+                        <a:latin typeface="Cambria Math" panose="02040503050406030204" pitchFamily="18" charset="0"/>
+                      </a:rPr>
+                      <m:t>𝑀</m:t>
+                    </m:r>
+                  </m:oMath>
+                </a14:m>
+                <a:r>
+                  <a:rPr lang="pt-BR" dirty="0"/>
+                  <a:t>-</a:t>
+                </a:r>
+                <a:r>
+                  <a:rPr lang="pt-BR" dirty="0" err="1"/>
+                  <a:t>ésima</a:t>
+                </a:r>
+                <a:r>
+                  <a:rPr lang="pt-BR" dirty="0"/>
+                  <a:t> </a:t>
+                </a:r>
+                <a:r>
+                  <a:rPr lang="pt-BR" dirty="0" smtClean="0"/>
+                  <a:t>camada,</a:t>
+                </a:r>
+                <a:endParaRPr lang="pt-BR" dirty="0"/>
               </a:p>
               <a:p>
                 <a:pPr marL="0" indent="0" algn="ctr">
@@ -19267,6 +21013,13 @@
                           </a:rPr>
                           <m:t>𝑚</m:t>
                         </m:r>
+                        <m:r>
+                          <a:rPr lang="pt-BR" b="0" i="1" smtClean="0">
+                            <a:latin typeface="Cambria Math" panose="02040503050406030204" pitchFamily="18" charset="0"/>
+                            <a:ea typeface="Cambria Math" panose="02040503050406030204" pitchFamily="18" charset="0"/>
+                          </a:rPr>
+                          <m:t>−1</m:t>
+                        </m:r>
                       </m:sup>
                     </m:sSup>
                     <m:r>
@@ -19305,6 +21058,12 @@
                           </a:rPr>
                           <m:t>𝑚</m:t>
                         </m:r>
+                        <m:r>
+                          <a:rPr lang="pt-BR" b="0" i="1" smtClean="0">
+                            <a:latin typeface="Cambria Math" panose="02040503050406030204" pitchFamily="18" charset="0"/>
+                          </a:rPr>
+                          <m:t>−1</m:t>
+                        </m:r>
                       </m:sup>
                     </m:sSup>
                     <m:d>
@@ -19338,6 +21097,12 @@
                                 <a:latin typeface="Cambria Math" panose="02040503050406030204" pitchFamily="18" charset="0"/>
                               </a:rPr>
                               <m:t>𝑚</m:t>
+                            </m:r>
+                            <m:r>
+                              <a:rPr lang="pt-BR" b="0" i="1" smtClean="0">
+                                <a:latin typeface="Cambria Math" panose="02040503050406030204" pitchFamily="18" charset="0"/>
+                              </a:rPr>
+                              <m:t>−1</m:t>
                             </m:r>
                           </m:sup>
                         </m:sSup>
@@ -19384,12 +21149,6 @@
                                   </a:rPr>
                                   <m:t>𝑚</m:t>
                                 </m:r>
-                                <m:r>
-                                  <a:rPr lang="pt-BR" i="1">
-                                    <a:latin typeface="Cambria Math" panose="02040503050406030204" pitchFamily="18" charset="0"/>
-                                  </a:rPr>
-                                  <m:t>+1</m:t>
-                                </m:r>
                               </m:sup>
                             </m:sSup>
                           </m:e>
@@ -19429,13 +21188,6 @@
                           </a:rPr>
                           <m:t>𝑚</m:t>
                         </m:r>
-                        <m:r>
-                          <a:rPr lang="pt-BR" b="0" i="1" smtClean="0">
-                            <a:latin typeface="Cambria Math" panose="02040503050406030204" pitchFamily="18" charset="0"/>
-                            <a:ea typeface="Cambria Math" panose="02040503050406030204" pitchFamily="18" charset="0"/>
-                          </a:rPr>
-                          <m:t>+1</m:t>
-                        </m:r>
                       </m:sup>
                     </m:sSup>
                   </m:oMath>
@@ -19448,7 +21200,7 @@
             </p:txBody>
           </p:sp>
         </mc:Choice>
-        <mc:Fallback xmlns="">
+        <mc:Fallback>
           <p:sp>
             <p:nvSpPr>
               <p:cNvPr id="3" name="Content Placeholder 2"/>
@@ -19465,9 +21217,9 @@
                 <a:ext cx="11198629" cy="5032375"/>
               </a:xfrm>
               <a:blipFill rotWithShape="0">
-                <a:blip r:embed="rId2"/>
+                <a:blip r:embed="rId3"/>
                 <a:stretch>
-                  <a:fillRect l="-925" t="-2421" r="-272"/>
+                  <a:fillRect l="-925" t="-3027" r="-272"/>
                 </a:stretch>
               </a:blipFill>
             </p:spPr>
@@ -19539,8 +21291,8 @@
           </a:p>
         </p:txBody>
       </p:sp>
-      <mc:AlternateContent xmlns:mc="http://schemas.openxmlformats.org/markup-compatibility/2006" xmlns:a14="http://schemas.microsoft.com/office/drawing/2010/main">
-        <mc:Choice Requires="a14">
+      <mc:AlternateContent xmlns:mc="http://schemas.openxmlformats.org/markup-compatibility/2006">
+        <mc:Choice xmlns:a14="http://schemas.microsoft.com/office/drawing/2010/main" Requires="a14">
           <p:sp>
             <p:nvSpPr>
               <p:cNvPr id="3" name="Content Placeholder 2"/>
@@ -19563,7 +21315,15 @@
               <a:p>
                 <a:r>
                   <a:rPr lang="pt-BR" dirty="0" smtClean="0"/>
-                  <a:t>Encontrem o vetor gradiente para todos os pesos do nó 1 da rede neural do próximo slide.</a:t>
+                  <a:t>Encontrem o vetor gradiente para todos os pesos do nó </a:t>
+                </a:r>
+                <a:r>
+                  <a:rPr lang="pt-BR" dirty="0" smtClean="0"/>
+                  <a:t>1 (camada 1) </a:t>
+                </a:r>
+                <a:r>
+                  <a:rPr lang="pt-BR" dirty="0" smtClean="0"/>
+                  <a:t>da rede neural do próximo slide.</a:t>
                 </a:r>
                 <a:endParaRPr lang="pt-BR" dirty="0"/>
               </a:p>
@@ -19896,9 +21656,30 @@
               </a:p>
               <a:p>
                 <a:r>
+                  <a:rPr lang="pt-BR" b="1" dirty="0" smtClean="0"/>
+                  <a:t>OBS</a:t>
+                </a:r>
+                <a:r>
                   <a:rPr lang="pt-BR" dirty="0" smtClean="0"/>
-                  <a:t>Podem deixar as derivadas parciais em função da derivada da função de ativação.</a:t>
-                </a:r>
+                  <a:t>.: Podem </a:t>
+                </a:r>
+                <a:r>
+                  <a:rPr lang="pt-BR" dirty="0" smtClean="0"/>
+                  <a:t>deixar </a:t>
+                </a:r>
+                <a:r>
+                  <a:rPr lang="pt-BR" dirty="0" smtClean="0"/>
+                  <a:t>as derivadas </a:t>
+                </a:r>
+                <a:r>
+                  <a:rPr lang="pt-BR" dirty="0" smtClean="0"/>
+                  <a:t>da função de </a:t>
+                </a:r>
+                <a:r>
+                  <a:rPr lang="pt-BR" dirty="0" smtClean="0"/>
+                  <a:t>ativação em relação às ativações de forma genérica, ou seja, sem assumir um tipo específico de função de ativação.</a:t>
+                </a:r>
+                <a:endParaRPr lang="pt-BR" dirty="0" smtClean="0"/>
               </a:p>
               <a:p>
                 <a:pPr lvl="1"/>
@@ -19907,7 +21688,7 @@
             </p:txBody>
           </p:sp>
         </mc:Choice>
-        <mc:Fallback xmlns="">
+        <mc:Fallback>
           <p:sp>
             <p:nvSpPr>
               <p:cNvPr id="3" name="Content Placeholder 2"/>
@@ -20004,8 +21785,8 @@
           </a:p>
         </p:txBody>
       </p:sp>
-      <mc:AlternateContent xmlns:mc="http://schemas.openxmlformats.org/markup-compatibility/2006" xmlns:a14="http://schemas.microsoft.com/office/drawing/2010/main">
-        <mc:Choice Requires="a14">
+      <mc:AlternateContent xmlns:mc="http://schemas.openxmlformats.org/markup-compatibility/2006">
+        <mc:Choice xmlns:a14="http://schemas.microsoft.com/office/drawing/2010/main" Requires="a14">
           <p:sp>
             <p:nvSpPr>
               <p:cNvPr id="3" name="Content Placeholder 2"/>
@@ -20019,12 +21800,12 @@
             <p:spPr>
               <a:xfrm>
                 <a:off x="838198" y="1825624"/>
-                <a:ext cx="6477002" cy="5032375"/>
+                <a:ext cx="6437245" cy="5032375"/>
               </a:xfrm>
             </p:spPr>
             <p:txBody>
               <a:bodyPr>
-                <a:normAutofit fontScale="92500" lnSpcReduction="20000"/>
+                <a:normAutofit fontScale="85000" lnSpcReduction="10000"/>
               </a:bodyPr>
               <a:lstStyle/>
               <a:p>
@@ -20034,7 +21815,11 @@
                 </a:r>
                 <a:r>
                   <a:rPr lang="pt-BR" dirty="0"/>
-                  <a:t>uma rede MLP com uma camada intermediária e </a:t>
+                  <a:t>uma rede MLP com uma camada </a:t>
+                </a:r>
+                <a:r>
+                  <a:rPr lang="pt-BR" dirty="0" smtClean="0"/>
+                  <a:t>oculta com dois nós e </a:t>
                 </a:r>
                 <a:r>
                   <a:rPr lang="pt-BR" dirty="0" smtClean="0"/>
@@ -20161,11 +21946,11 @@
                 </a:r>
                 <a:r>
                   <a:rPr lang="pt-BR" dirty="0" smtClean="0"/>
-                  <a:t>exemplo com </a:t>
-                </a:r>
-                <a:r>
-                  <a:rPr lang="pt-BR" dirty="0"/>
-                  <a:t>entrada </a:t>
+                  <a:t>exemplo </a:t>
+                </a:r>
+                <a:r>
+                  <a:rPr lang="pt-BR" dirty="0" smtClean="0"/>
+                  <a:t>de entrada </a:t>
                 </a:r>
                 <a14:m>
                   <m:oMath xmlns:m="http://schemas.openxmlformats.org/officeDocument/2006/math">
@@ -20278,23 +22063,76 @@
                 </a:r>
                 <a:r>
                   <a:rPr lang="pt-BR" dirty="0"/>
-                  <a:t>que a rede </a:t>
+                  <a:t>que </a:t>
                 </a:r>
                 <a:r>
                   <a:rPr lang="pt-BR" dirty="0" smtClean="0"/>
-                  <a:t>tem uma </a:t>
+                  <a:t>os pesos de todos </a:t>
                 </a:r>
                 <a:r>
                   <a:rPr lang="pt-BR" dirty="0"/>
-                  <a:t>certa </a:t>
+                  <a:t>os nós tem uma certa configuração </a:t>
                 </a:r>
                 <a:r>
                   <a:rPr lang="pt-BR" dirty="0" smtClean="0"/>
-                  <a:t>configuração inicial </a:t>
+                  <a:t>inicial (e.g., </a:t>
+                </a:r>
+                <a:r>
+                  <a:rPr lang="pt-BR" dirty="0" err="1" smtClean="0"/>
+                  <a:t>dist</a:t>
+                </a:r>
+                <a:r>
+                  <a:rPr lang="pt-BR" dirty="0" smtClean="0"/>
+                  <a:t>. normal).</a:t>
+                </a:r>
+                <a:endParaRPr lang="pt-BR" dirty="0"/>
+              </a:p>
+              <a:p>
+                <a:r>
+                  <a:rPr lang="pt-BR" dirty="0" smtClean="0"/>
+                  <a:t>Assim, </a:t>
                 </a:r>
                 <a:r>
                   <a:rPr lang="pt-BR" dirty="0"/>
-                  <a:t>de pesos, de modo que, quando a entrada for apresentada à rede, será possível calcular todos os sinais pertinentes ao longo dela até sua saída. </a:t>
+                  <a:t>quando a </a:t>
+                </a:r>
+                <a:r>
+                  <a:rPr lang="pt-BR" dirty="0" smtClean="0"/>
+                  <a:t>entrada, </a:t>
+                </a:r>
+                <a14:m>
+                  <m:oMath xmlns:m="http://schemas.openxmlformats.org/officeDocument/2006/math">
+                    <m:r>
+                      <a:rPr lang="pt-BR" b="1" i="1">
+                        <a:latin typeface="Cambria Math" panose="02040503050406030204" pitchFamily="18" charset="0"/>
+                      </a:rPr>
+                      <m:t>𝒙</m:t>
+                    </m:r>
+                  </m:oMath>
+                </a14:m>
+                <a:r>
+                  <a:rPr lang="pt-BR" dirty="0" smtClean="0"/>
+                  <a:t>, é apresentada </a:t>
+                </a:r>
+                <a:r>
+                  <a:rPr lang="pt-BR" dirty="0"/>
+                  <a:t>à rede, </a:t>
+                </a:r>
+                <a:r>
+                  <a:rPr lang="pt-BR" dirty="0" smtClean="0"/>
+                  <a:t>é possível </a:t>
+                </a:r>
+                <a:r>
+                  <a:rPr lang="pt-BR" dirty="0"/>
+                  <a:t>calcular todos os </a:t>
+                </a:r>
+                <a:r>
+                  <a:rPr lang="pt-BR" dirty="0" smtClean="0"/>
+                  <a:t>valores de interesse ao </a:t>
+                </a:r>
+                <a:r>
+                  <a:rPr lang="pt-BR" dirty="0"/>
+                  <a:t>longo dela até sua saída. </a:t>
                 </a:r>
               </a:p>
               <a:p>
@@ -20323,7 +22161,7 @@
             </p:txBody>
           </p:sp>
         </mc:Choice>
-        <mc:Fallback xmlns="">
+        <mc:Fallback>
           <p:sp>
             <p:nvSpPr>
               <p:cNvPr id="3" name="Content Placeholder 2"/>
@@ -20337,12 +22175,12 @@
             <p:spPr>
               <a:xfrm>
                 <a:off x="838198" y="1825624"/>
-                <a:ext cx="6477002" cy="5032375"/>
+                <a:ext cx="6437245" cy="5032375"/>
               </a:xfrm>
               <a:blipFill rotWithShape="0">
                 <a:blip r:embed="rId2"/>
                 <a:stretch>
-                  <a:fillRect l="-1411" t="-3027" r="-847" b="-605"/>
+                  <a:fillRect l="-1231" t="-2300" r="-2367" b="-1211"/>
                 </a:stretch>
               </a:blipFill>
             </p:spPr>
@@ -20370,7 +22208,7 @@
           <p:nvPr/>
         </p:nvPicPr>
         <p:blipFill rotWithShape="1">
-          <a:blip r:embed="rId3">
+          <a:blip r:embed="rId3" cstate="print">
             <a:extLst>
               <a:ext uri="{28A0092B-C50C-407E-A947-70E740481C1C}">
                 <a14:useLocalDpi xmlns:a14="http://schemas.microsoft.com/office/drawing/2010/main" val="0"/>
@@ -20382,14 +22220,76 @@
         </p:blipFill>
         <p:spPr>
           <a:xfrm>
-            <a:off x="7068457" y="2496457"/>
-            <a:ext cx="5109029" cy="3088173"/>
+            <a:off x="7111054" y="2216611"/>
+            <a:ext cx="5011373" cy="3029144"/>
           </a:xfrm>
           <a:prstGeom prst="rect">
             <a:avLst/>
           </a:prstGeom>
         </p:spPr>
       </p:pic>
+      <p:sp>
+        <p:nvSpPr>
+          <p:cNvPr id="4" name="CaixaDeTexto 3"/>
+          <p:cNvSpPr txBox="1"/>
+          <p:nvPr/>
+        </p:nvSpPr>
+        <p:spPr>
+          <a:xfrm>
+            <a:off x="7981121" y="1843104"/>
+            <a:ext cx="1948069" cy="369332"/>
+          </a:xfrm>
+          <a:prstGeom prst="rect">
+            <a:avLst/>
+          </a:prstGeom>
+          <a:noFill/>
+        </p:spPr>
+        <p:txBody>
+          <a:bodyPr wrap="square" rtlCol="0">
+            <a:spAutoFit/>
+          </a:bodyPr>
+          <a:lstStyle/>
+          <a:p>
+            <a:pPr algn="ctr"/>
+            <a:r>
+              <a:rPr lang="pt-BR" dirty="0" smtClean="0"/>
+              <a:t>Camada oculta</a:t>
+            </a:r>
+            <a:endParaRPr lang="pt-BR" dirty="0"/>
+          </a:p>
+        </p:txBody>
+      </p:sp>
+      <p:sp>
+        <p:nvSpPr>
+          <p:cNvPr id="6" name="CaixaDeTexto 5"/>
+          <p:cNvSpPr txBox="1"/>
+          <p:nvPr/>
+        </p:nvSpPr>
+        <p:spPr>
+          <a:xfrm>
+            <a:off x="10008703" y="2658847"/>
+            <a:ext cx="1938132" cy="369332"/>
+          </a:xfrm>
+          <a:prstGeom prst="rect">
+            <a:avLst/>
+          </a:prstGeom>
+          <a:noFill/>
+        </p:spPr>
+        <p:txBody>
+          <a:bodyPr wrap="square" rtlCol="0">
+            <a:spAutoFit/>
+          </a:bodyPr>
+          <a:lstStyle/>
+          <a:p>
+            <a:pPr algn="ctr"/>
+            <a:r>
+              <a:rPr lang="pt-BR" dirty="0" smtClean="0"/>
+              <a:t>Camada de saída</a:t>
+            </a:r>
+            <a:endParaRPr lang="pt-BR" dirty="0"/>
+          </a:p>
+        </p:txBody>
+      </p:sp>
     </p:spTree>
     <p:extLst>
       <p:ext uri="{BB962C8B-B14F-4D97-AF65-F5344CB8AC3E}">
@@ -24703,7 +26603,7 @@
           <p:nvPr/>
         </p:nvPicPr>
         <p:blipFill rotWithShape="1">
-          <a:blip r:embed="rId3" cstate="print">
+          <a:blip r:embed="rId2" cstate="print">
             <a:extLst>
               <a:ext uri="{28A0092B-C50C-407E-A947-70E740481C1C}">
                 <a14:useLocalDpi xmlns:a14="http://schemas.microsoft.com/office/drawing/2010/main" val="0"/>
@@ -27675,19 +29575,11 @@
             <a:pPr lvl="1"/>
             <a:r>
               <a:rPr lang="pt-BR" dirty="0"/>
-              <a:t>Entrega</a:t>
+              <a:t>Entrega: </a:t>
             </a:r>
             <a:r>
-              <a:rPr lang="pt-BR"/>
-              <a:t>: </a:t>
-            </a:r>
-            <a:r>
-              <a:rPr lang="pt-BR" smtClean="0"/>
-              <a:t>26</a:t>
-            </a:r>
-            <a:r>
-              <a:rPr lang="pt-BR" smtClean="0"/>
-              <a:t>/06/2022 até as 23:59.</a:t>
+              <a:rPr lang="pt-BR" dirty="0" smtClean="0"/>
+              <a:t>26/06/2022 até as 23:59.</a:t>
             </a:r>
             <a:endParaRPr lang="pt-BR" dirty="0"/>
           </a:p>
@@ -27695,11 +29587,11 @@
             <a:pPr lvl="1"/>
             <a:r>
               <a:rPr lang="pt-BR" dirty="0"/>
-              <a:t>Vídeo com a explicação sobre o projeto se encontra na pasta “Projeto </a:t>
+              <a:t>Vídeo com a explicação sobre o projeto se encontra na pasta “</a:t>
             </a:r>
             <a:r>
               <a:rPr lang="pt-BR" dirty="0" smtClean="0"/>
-              <a:t>#2” </a:t>
+              <a:t>Projetos” </a:t>
             </a:r>
             <a:r>
               <a:rPr lang="pt-BR" dirty="0"/>
@@ -28122,7 +30014,7 @@
           <p:cNvPr id="4" name="Título 1">
             <a:extLst>
               <a:ext uri="{FF2B5EF4-FFF2-40B4-BE49-F238E27FC236}">
-                <a16:creationId xmlns="" xmlns:a16="http://schemas.microsoft.com/office/drawing/2014/main" id="{32666AC8-2E17-4DB4-B0F5-60C640CCFD2E}"/>
+                <a16:creationId xmlns:a16="http://schemas.microsoft.com/office/drawing/2014/main" xmlns="" id="{32666AC8-2E17-4DB4-B0F5-60C640CCFD2E}"/>
               </a:ext>
             </a:extLst>
           </p:cNvPr>
@@ -28481,7 +30373,7 @@
           <p:cNvPr id="4" name="Título 1">
             <a:extLst>
               <a:ext uri="{FF2B5EF4-FFF2-40B4-BE49-F238E27FC236}">
-                <a16:creationId xmlns="" xmlns:a16="http://schemas.microsoft.com/office/drawing/2014/main" id="{32666AC8-2E17-4DB4-B0F5-60C640CCFD2E}"/>
+                <a16:creationId xmlns:a16="http://schemas.microsoft.com/office/drawing/2014/main" xmlns="" id="{32666AC8-2E17-4DB4-B0F5-60C640CCFD2E}"/>
               </a:ext>
             </a:extLst>
           </p:cNvPr>
@@ -44440,7 +46332,13 @@
                           <a:rPr lang="pt-BR" i="1">
                             <a:latin typeface="Cambria Math" panose="02040503050406030204" pitchFamily="18" charset="0"/>
                           </a:rPr>
-                          <m:t>+1</m:t>
+                          <m:t>+</m:t>
+                        </m:r>
+                        <m:r>
+                          <a:rPr lang="pt-BR" i="1">
+                            <a:latin typeface="Cambria Math" panose="02040503050406030204" pitchFamily="18" charset="0"/>
+                          </a:rPr>
+                          <m:t>1</m:t>
                         </m:r>
                       </m:e>
                     </m:d>
@@ -44510,7 +46408,14 @@
                             <a:latin typeface="Cambria Math" panose="02040503050406030204" pitchFamily="18" charset="0"/>
                             <a:ea typeface="Cambria Math" panose="02040503050406030204" pitchFamily="18" charset="0"/>
                           </a:rPr>
-                          <m:t>−1</m:t>
+                          <m:t>−</m:t>
+                        </m:r>
+                        <m:r>
+                          <a:rPr lang="pt-BR" i="1">
+                            <a:latin typeface="Cambria Math" panose="02040503050406030204" pitchFamily="18" charset="0"/>
+                            <a:ea typeface="Cambria Math" panose="02040503050406030204" pitchFamily="18" charset="0"/>
+                          </a:rPr>
+                          <m:t>1</m:t>
                         </m:r>
                       </m:sup>
                     </m:sSup>
@@ -44689,14 +46594,13 @@
                       <a:rPr lang="pt-BR" i="1">
                         <a:latin typeface="Cambria Math" panose="02040503050406030204" pitchFamily="18" charset="0"/>
                       </a:rPr>
-                      <m:t>0 </m:t>
+                      <m:t>0</m:t>
                     </m:r>
                     <m:r>
                       <a:rPr lang="pt-BR" i="1">
                         <a:latin typeface="Cambria Math" panose="02040503050406030204" pitchFamily="18" charset="0"/>
-                        <a:ea typeface="Cambria Math" panose="02040503050406030204" pitchFamily="18" charset="0"/>
                       </a:rPr>
-                      <m:t>∀</m:t>
+                      <m:t> ∀</m:t>
                     </m:r>
                     <m:r>
                       <a:rPr lang="pt-BR" b="1" i="1">

--- a/slides/T320_Redes_Neurais_Artificiais (Parte III).pptx
+++ b/slides/T320_Redes_Neurais_Artificiais (Parte III).pptx
@@ -8055,7 +8055,7 @@
           <p:cNvPr id="2" name="Título 1">
             <a:extLst>
               <a:ext uri="{FF2B5EF4-FFF2-40B4-BE49-F238E27FC236}">
-                <a16:creationId xmlns:a16="http://schemas.microsoft.com/office/drawing/2014/main" id="{32666AC8-2E17-4DB4-B0F5-60C640CCFD2E}"/>
+                <a16:creationId xmlns:a16="http://schemas.microsoft.com/office/drawing/2014/main" xmlns="" id="{32666AC8-2E17-4DB4-B0F5-60C640CCFD2E}"/>
               </a:ext>
             </a:extLst>
           </p:cNvPr>
@@ -8082,6 +8082,10 @@
               <a:rPr lang="pt-BR" sz="5400" dirty="0"/>
               <a:t>T320 - Introdução ao Aprendizado de Máquina II:</a:t>
             </a:r>
+            <a:r>
+              <a:rPr lang="pt-BR" dirty="0"/>
+              <a:t/>
+            </a:r>
             <a:br>
               <a:rPr lang="pt-BR" dirty="0"/>
             </a:br>
@@ -8097,7 +8101,7 @@
           <p:cNvPr id="4" name="CaixaDeTexto 3">
             <a:extLst>
               <a:ext uri="{FF2B5EF4-FFF2-40B4-BE49-F238E27FC236}">
-                <a16:creationId xmlns:a16="http://schemas.microsoft.com/office/drawing/2014/main" id="{430EB894-B7D4-434C-9D1A-A14094D9BEEC}"/>
+                <a16:creationId xmlns:a16="http://schemas.microsoft.com/office/drawing/2014/main" xmlns="" id="{430EB894-B7D4-434C-9D1A-A14094D9BEEC}"/>
               </a:ext>
             </a:extLst>
           </p:cNvPr>
@@ -8138,7 +8142,7 @@
           <p:cNvPr id="1026" name="Picture 2" descr="Logo">
             <a:extLst>
               <a:ext uri="{FF2B5EF4-FFF2-40B4-BE49-F238E27FC236}">
-                <a16:creationId xmlns:a16="http://schemas.microsoft.com/office/drawing/2014/main" id="{3F2642E0-4F6A-4196-8F58-E77D36E9A33F}"/>
+                <a16:creationId xmlns:a16="http://schemas.microsoft.com/office/drawing/2014/main" xmlns="" id="{3F2642E0-4F6A-4196-8F58-E77D36E9A33F}"/>
               </a:ext>
             </a:extLst>
           </p:cNvPr>
@@ -8183,7 +8187,7 @@
           <p:cNvPr id="5122" name="Picture 2" descr="Image result for machine learning">
             <a:extLst>
               <a:ext uri="{FF2B5EF4-FFF2-40B4-BE49-F238E27FC236}">
-                <a16:creationId xmlns:a16="http://schemas.microsoft.com/office/drawing/2014/main" id="{810CE0A2-4102-44A6-A370-175E7896CDCB}"/>
+                <a16:creationId xmlns:a16="http://schemas.microsoft.com/office/drawing/2014/main" xmlns="" id="{810CE0A2-4102-44A6-A370-175E7896CDCB}"/>
               </a:ext>
             </a:extLst>
           </p:cNvPr>
@@ -19164,8 +19168,8 @@
           </a:p>
         </p:txBody>
       </p:sp>
-      <mc:AlternateContent xmlns:mc="http://schemas.openxmlformats.org/markup-compatibility/2006" xmlns:a14="http://schemas.microsoft.com/office/drawing/2010/main">
-        <mc:Choice Requires="a14">
+      <mc:AlternateContent xmlns:mc="http://schemas.openxmlformats.org/markup-compatibility/2006">
+        <mc:Choice xmlns:a14="http://schemas.microsoft.com/office/drawing/2010/main" Requires="a14">
           <p:sp>
             <p:nvSpPr>
               <p:cNvPr id="3" name="Content Placeholder 2"/>
@@ -19451,7 +19455,15 @@
                 </a14:m>
                 <a:r>
                   <a:rPr lang="pt-BR" dirty="0"/>
-                  <a:t> é uma matriz diagonal com as derivadas da função de ativação em relação às ativações dos </a:t>
+                  <a:t> é uma matriz diagonal com as derivadas </a:t>
+                </a:r>
+                <a:r>
+                  <a:rPr lang="pt-BR" dirty="0" smtClean="0"/>
+                  <a:t>das funções </a:t>
+                </a:r>
+                <a:r>
+                  <a:rPr lang="pt-BR" dirty="0"/>
+                  <a:t>de ativação em relação às ativações dos </a:t>
                 </a:r>
                 <a14:m>
                   <m:oMath xmlns:m="http://schemas.openxmlformats.org/officeDocument/2006/math">
@@ -20488,7 +20500,7 @@
             </p:txBody>
           </p:sp>
         </mc:Choice>
-        <mc:Fallback xmlns="">
+        <mc:Fallback>
           <p:sp>
             <p:nvSpPr>
               <p:cNvPr id="3" name="Content Placeholder 2"/>
@@ -21039,8 +21051,8 @@
           </a:p>
         </p:txBody>
       </p:sp>
-      <mc:AlternateContent xmlns:mc="http://schemas.openxmlformats.org/markup-compatibility/2006" xmlns:a14="http://schemas.microsoft.com/office/drawing/2010/main">
-        <mc:Choice Requires="a14">
+      <mc:AlternateContent xmlns:mc="http://schemas.openxmlformats.org/markup-compatibility/2006">
+        <mc:Choice xmlns:a14="http://schemas.microsoft.com/office/drawing/2010/main" Requires="a14">
           <p:sp>
             <p:nvSpPr>
               <p:cNvPr id="3" name="Content Placeholder 2"/>
@@ -21267,7 +21279,15 @@
               <a:p>
                 <a:r>
                   <a:rPr lang="pt-BR" dirty="0"/>
-                  <a:t>Supomos que os pesos de todos os nós tem uma certa configuração inicial (e.g., </a:t>
+                  <a:t>Supomos que os pesos de todos os nós </a:t>
+                </a:r>
+                <a:r>
+                  <a:rPr lang="pt-BR" dirty="0" smtClean="0"/>
+                  <a:t>têm </a:t>
+                </a:r>
+                <a:r>
+                  <a:rPr lang="pt-BR" dirty="0"/>
+                  <a:t>uma certa configuração inicial (e.g., </a:t>
                 </a:r>
                 <a:r>
                   <a:rPr lang="pt-BR" dirty="0" err="1"/>
@@ -21323,7 +21343,7 @@
             </p:txBody>
           </p:sp>
         </mc:Choice>
-        <mc:Fallback xmlns="">
+        <mc:Fallback>
           <p:sp>
             <p:nvSpPr>
               <p:cNvPr id="3" name="Content Placeholder 2"/>
@@ -21502,8 +21522,8 @@
           </a:p>
         </p:txBody>
       </p:sp>
-      <mc:AlternateContent xmlns:mc="http://schemas.openxmlformats.org/markup-compatibility/2006" xmlns:a14="http://schemas.microsoft.com/office/drawing/2010/main">
-        <mc:Choice Requires="a14">
+      <mc:AlternateContent xmlns:mc="http://schemas.openxmlformats.org/markup-compatibility/2006">
+        <mc:Choice xmlns:a14="http://schemas.microsoft.com/office/drawing/2010/main" Requires="a14">
           <p:sp>
             <p:nvSpPr>
               <p:cNvPr id="3" name="Content Placeholder 2"/>
@@ -21516,13 +21536,13 @@
             </p:nvSpPr>
             <p:spPr>
               <a:xfrm>
-                <a:off x="838200" y="1825624"/>
+                <a:off x="838200" y="1794092"/>
                 <a:ext cx="11150600" cy="5032375"/>
               </a:xfrm>
             </p:spPr>
             <p:txBody>
               <a:bodyPr>
-                <a:normAutofit lnSpcReduction="10000"/>
+                <a:normAutofit fontScale="92500"/>
               </a:bodyPr>
               <a:lstStyle/>
               <a:p>
@@ -21590,8 +21610,13 @@
                 </a14:m>
                 <a:r>
                   <a:rPr lang="pt-BR" dirty="0"/>
-                  <a:t>o erro pode ser calculado como:</a:t>
-                </a:r>
+                  <a:t>o erro pode ser calculado </a:t>
+                </a:r>
+                <a:r>
+                  <a:rPr lang="pt-BR" dirty="0" smtClean="0"/>
+                  <a:t>como</a:t>
+                </a:r>
+                <a:endParaRPr lang="pt-BR" dirty="0"/>
               </a:p>
               <a:p>
                 <a:pPr marL="0" indent="0" algn="ctr">
@@ -21666,7 +21691,15 @@
               <a:p>
                 <a:r>
                   <a:rPr lang="pt-BR" dirty="0"/>
-                  <a:t>De posse do erro, podemos calcular o delta do </a:t>
+                  <a:t>De posse do erro, podemos calcular </a:t>
+                </a:r>
+                <a:r>
+                  <a:rPr lang="pt-BR" dirty="0" smtClean="0"/>
+                  <a:t>a sensibilidade </a:t>
+                </a:r>
+                <a:r>
+                  <a:rPr lang="pt-BR" dirty="0" smtClean="0"/>
+                  <a:t>do </a:t>
                 </a:r>
                 <a:r>
                   <a:rPr lang="pt-BR" b="1" i="1" dirty="0"/>
@@ -21674,8 +21707,13 @@
                 </a:r>
                 <a:r>
                   <a:rPr lang="pt-BR" dirty="0"/>
-                  <a:t> da camada de saída:</a:t>
-                </a:r>
+                  <a:t> da camada de </a:t>
+                </a:r>
+                <a:r>
+                  <a:rPr lang="pt-BR" dirty="0" smtClean="0"/>
+                  <a:t>saída</a:t>
+                </a:r>
+                <a:endParaRPr lang="pt-BR" dirty="0"/>
               </a:p>
               <a:p>
                 <a:pPr marL="0" indent="0" algn="ctr">
@@ -21864,7 +21902,15 @@
                 </a:r>
                 <a:r>
                   <a:rPr lang="pt-BR" dirty="0"/>
-                  <a:t>. Agora, usamos a recursão para </a:t>
+                  <a:t>. Agora, usamos a </a:t>
+                </a:r>
+                <a:r>
+                  <a:rPr lang="pt-BR" dirty="0" smtClean="0"/>
+                  <a:t>equação de recursão </a:t>
+                </a:r>
+                <a:r>
+                  <a:rPr lang="pt-BR" dirty="0"/>
+                  <a:t>para </a:t>
                 </a:r>
                 <a:r>
                   <a:rPr lang="pt-BR" b="1" i="1" dirty="0"/>
@@ -22533,7 +22579,7 @@
             </p:txBody>
           </p:sp>
         </mc:Choice>
-        <mc:Fallback xmlns="">
+        <mc:Fallback>
           <p:sp>
             <p:nvSpPr>
               <p:cNvPr id="3" name="Content Placeholder 2"/>
@@ -22546,13 +22592,13 @@
             </p:nvSpPr>
             <p:spPr>
               <a:xfrm>
-                <a:off x="838200" y="1825624"/>
+                <a:off x="838200" y="1794092"/>
                 <a:ext cx="11150600" cy="5032375"/>
               </a:xfrm>
               <a:blipFill rotWithShape="0">
                 <a:blip r:embed="rId3"/>
                 <a:stretch>
-                  <a:fillRect l="-1148" t="-2663"/>
+                  <a:fillRect l="-984" t="-1695"/>
                 </a:stretch>
               </a:blipFill>
             </p:spPr>
@@ -22756,8 +22802,8 @@
           </a:p>
         </p:txBody>
       </p:sp>
-      <mc:AlternateContent xmlns:mc="http://schemas.openxmlformats.org/markup-compatibility/2006" xmlns:a14="http://schemas.microsoft.com/office/drawing/2010/main">
-        <mc:Choice Requires="a14">
+      <mc:AlternateContent xmlns:mc="http://schemas.openxmlformats.org/markup-compatibility/2006">
+        <mc:Choice xmlns:a14="http://schemas.microsoft.com/office/drawing/2010/main" Requires="a14">
           <p:sp>
             <p:nvSpPr>
               <p:cNvPr id="3" name="Content Placeholder 2"/>
@@ -22776,12 +22822,12 @@
             </p:spPr>
             <p:txBody>
               <a:bodyPr>
-                <a:normAutofit fontScale="92500" lnSpcReduction="20000"/>
+                <a:normAutofit fontScale="85000" lnSpcReduction="10000"/>
               </a:bodyPr>
               <a:lstStyle/>
               <a:p>
                 <a:r>
-                  <a:rPr lang="pt-BR" dirty="0"/>
+                  <a:rPr lang="pt-BR" dirty="0" smtClean="0"/>
                   <a:t>Portanto,</a:t>
                 </a:r>
               </a:p>
@@ -22820,6 +22866,122 @@
                     </m:sSup>
                     <m:r>
                       <a:rPr lang="pt-BR" i="1">
+                        <a:latin typeface="Cambria Math" panose="02040503050406030204" pitchFamily="18" charset="0"/>
+                        <a:ea typeface="Cambria Math" panose="02040503050406030204" pitchFamily="18" charset="0"/>
+                      </a:rPr>
+                      <m:t>=</m:t>
+                    </m:r>
+                    <m:d>
+                      <m:dPr>
+                        <m:begChr m:val="["/>
+                        <m:endChr m:val="]"/>
+                        <m:ctrlPr>
+                          <a:rPr lang="pt-BR" i="1" smtClean="0">
+                            <a:latin typeface="Cambria Math" panose="02040503050406030204" pitchFamily="18" charset="0"/>
+                            <a:ea typeface="Cambria Math" panose="02040503050406030204" pitchFamily="18" charset="0"/>
+                          </a:rPr>
+                        </m:ctrlPr>
+                      </m:dPr>
+                      <m:e>
+                        <m:m>
+                          <m:mPr>
+                            <m:mcs>
+                              <m:mc>
+                                <m:mcPr>
+                                  <m:count m:val="1"/>
+                                  <m:mcJc m:val="center"/>
+                                </m:mcPr>
+                              </m:mc>
+                            </m:mcs>
+                            <m:ctrlPr>
+                              <a:rPr lang="pt-BR" i="1" smtClean="0">
+                                <a:latin typeface="Cambria Math" panose="02040503050406030204" pitchFamily="18" charset="0"/>
+                                <a:ea typeface="Cambria Math" panose="02040503050406030204" pitchFamily="18" charset="0"/>
+                              </a:rPr>
+                            </m:ctrlPr>
+                          </m:mPr>
+                          <m:mr>
+                            <m:e>
+                              <m:sSubSup>
+                                <m:sSubSupPr>
+                                  <m:ctrlPr>
+                                    <a:rPr lang="pt-BR" i="1">
+                                      <a:latin typeface="Cambria Math" panose="02040503050406030204" pitchFamily="18" charset="0"/>
+                                    </a:rPr>
+                                  </m:ctrlPr>
+                                </m:sSubSupPr>
+                                <m:e>
+                                  <m:r>
+                                    <a:rPr lang="pt-BR" i="1">
+                                      <a:latin typeface="Cambria Math" panose="02040503050406030204" pitchFamily="18" charset="0"/>
+                                      <a:ea typeface="Cambria Math" panose="02040503050406030204" pitchFamily="18" charset="0"/>
+                                    </a:rPr>
+                                    <m:t>𝛿</m:t>
+                                  </m:r>
+                                </m:e>
+                                <m:sub>
+                                  <m:r>
+                                    <a:rPr lang="pt-BR" i="1">
+                                      <a:latin typeface="Cambria Math" panose="02040503050406030204" pitchFamily="18" charset="0"/>
+                                    </a:rPr>
+                                    <m:t>1</m:t>
+                                  </m:r>
+                                </m:sub>
+                                <m:sup>
+                                  <m:r>
+                                    <a:rPr lang="pt-BR" i="1">
+                                      <a:latin typeface="Cambria Math" panose="02040503050406030204" pitchFamily="18" charset="0"/>
+                                    </a:rPr>
+                                    <m:t>1</m:t>
+                                  </m:r>
+                                </m:sup>
+                              </m:sSubSup>
+                            </m:e>
+                          </m:mr>
+                          <m:mr>
+                            <m:e>
+                              <m:sSubSup>
+                                <m:sSubSupPr>
+                                  <m:ctrlPr>
+                                    <a:rPr lang="pt-BR" i="1">
+                                      <a:latin typeface="Cambria Math" panose="02040503050406030204" pitchFamily="18" charset="0"/>
+                                    </a:rPr>
+                                  </m:ctrlPr>
+                                </m:sSubSupPr>
+                                <m:e>
+                                  <m:r>
+                                    <a:rPr lang="pt-BR" i="1">
+                                      <a:latin typeface="Cambria Math" panose="02040503050406030204" pitchFamily="18" charset="0"/>
+                                      <a:ea typeface="Cambria Math" panose="02040503050406030204" pitchFamily="18" charset="0"/>
+                                    </a:rPr>
+                                    <m:t>𝛿</m:t>
+                                  </m:r>
+                                </m:e>
+                                <m:sub>
+                                  <m:r>
+                                    <a:rPr lang="pt-BR" b="0" i="1" smtClean="0">
+                                      <a:latin typeface="Cambria Math" panose="02040503050406030204" pitchFamily="18" charset="0"/>
+                                      <a:ea typeface="Cambria Math" panose="02040503050406030204" pitchFamily="18" charset="0"/>
+                                    </a:rPr>
+                                    <m:t>2</m:t>
+                                  </m:r>
+                                </m:sub>
+                                <m:sup>
+                                  <m:r>
+                                    <a:rPr lang="pt-BR" i="1">
+                                      <a:latin typeface="Cambria Math" panose="02040503050406030204" pitchFamily="18" charset="0"/>
+                                    </a:rPr>
+                                    <m:t>1</m:t>
+                                  </m:r>
+                                </m:sup>
+                              </m:sSubSup>
+                            </m:e>
+                          </m:mr>
+                        </m:m>
+                      </m:e>
+                    </m:d>
+                    <m:r>
+                      <a:rPr lang="pt-BR" b="0" i="1" smtClean="0">
                         <a:latin typeface="Cambria Math" panose="02040503050406030204" pitchFamily="18" charset="0"/>
                         <a:ea typeface="Cambria Math" panose="02040503050406030204" pitchFamily="18" charset="0"/>
                       </a:rPr>
@@ -23179,7 +23341,11 @@
                 </a14:m>
                 <a:r>
                   <a:rPr lang="pt-BR" dirty="0"/>
-                  <a:t> são mostradas abaixo</a:t>
+                  <a:t> são mostradas </a:t>
+                </a:r>
+                <a:r>
+                  <a:rPr lang="pt-BR" dirty="0" smtClean="0"/>
+                  <a:t>abaixo</a:t>
                 </a:r>
               </a:p>
               <a:p>
@@ -23516,6 +23682,376 @@
                         </a:rPr>
                         <m:t>=</m:t>
                       </m:r>
+                      <m:sSubSup>
+                        <m:sSubSupPr>
+                          <m:ctrlPr>
+                            <a:rPr lang="pt-BR" i="1">
+                              <a:latin typeface="Cambria Math" panose="02040503050406030204" pitchFamily="18" charset="0"/>
+                            </a:rPr>
+                          </m:ctrlPr>
+                        </m:sSubSupPr>
+                        <m:e>
+                          <m:r>
+                            <a:rPr lang="pt-BR" i="1">
+                              <a:latin typeface="Cambria Math" panose="02040503050406030204" pitchFamily="18" charset="0"/>
+                              <a:ea typeface="Cambria Math" panose="02040503050406030204" pitchFamily="18" charset="0"/>
+                            </a:rPr>
+                            <m:t>𝛿</m:t>
+                          </m:r>
+                        </m:e>
+                        <m:sub>
+                          <m:r>
+                            <a:rPr lang="pt-BR" i="1">
+                              <a:latin typeface="Cambria Math" panose="02040503050406030204" pitchFamily="18" charset="0"/>
+                            </a:rPr>
+                            <m:t>1</m:t>
+                          </m:r>
+                        </m:sub>
+                        <m:sup>
+                          <m:r>
+                            <a:rPr lang="pt-BR" i="1">
+                              <a:latin typeface="Cambria Math" panose="02040503050406030204" pitchFamily="18" charset="0"/>
+                            </a:rPr>
+                            <m:t>1</m:t>
+                          </m:r>
+                        </m:sup>
+                      </m:sSubSup>
+                      <m:d>
+                        <m:dPr>
+                          <m:begChr m:val="["/>
+                          <m:endChr m:val="]"/>
+                          <m:ctrlPr>
+                            <a:rPr lang="pt-BR" i="1">
+                              <a:latin typeface="Cambria Math" panose="02040503050406030204" pitchFamily="18" charset="0"/>
+                            </a:rPr>
+                          </m:ctrlPr>
+                        </m:dPr>
+                        <m:e>
+                          <m:m>
+                            <m:mPr>
+                              <m:mcs>
+                                <m:mc>
+                                  <m:mcPr>
+                                    <m:count m:val="1"/>
+                                    <m:mcJc m:val="center"/>
+                                  </m:mcPr>
+                                </m:mc>
+                              </m:mcs>
+                              <m:ctrlPr>
+                                <a:rPr lang="pt-BR" i="1">
+                                  <a:latin typeface="Cambria Math" panose="02040503050406030204" pitchFamily="18" charset="0"/>
+                                </a:rPr>
+                              </m:ctrlPr>
+                            </m:mPr>
+                            <m:mr>
+                              <m:e>
+                                <m:sSub>
+                                  <m:sSubPr>
+                                    <m:ctrlPr>
+                                      <a:rPr lang="pt-BR" i="1">
+                                        <a:latin typeface="Cambria Math" panose="02040503050406030204" pitchFamily="18" charset="0"/>
+                                      </a:rPr>
+                                    </m:ctrlPr>
+                                  </m:sSubPr>
+                                  <m:e>
+                                    <m:r>
+                                      <a:rPr lang="pt-BR" i="1">
+                                        <a:latin typeface="Cambria Math" panose="02040503050406030204" pitchFamily="18" charset="0"/>
+                                      </a:rPr>
+                                      <m:t>𝑥</m:t>
+                                    </m:r>
+                                  </m:e>
+                                  <m:sub>
+                                    <m:r>
+                                      <a:rPr lang="pt-BR" i="1">
+                                        <a:latin typeface="Cambria Math" panose="02040503050406030204" pitchFamily="18" charset="0"/>
+                                      </a:rPr>
+                                      <m:t>1</m:t>
+                                    </m:r>
+                                  </m:sub>
+                                </m:sSub>
+                              </m:e>
+                            </m:mr>
+                            <m:mr>
+                              <m:e>
+                                <m:sSub>
+                                  <m:sSubPr>
+                                    <m:ctrlPr>
+                                      <a:rPr lang="pt-BR" i="1">
+                                        <a:latin typeface="Cambria Math" panose="02040503050406030204" pitchFamily="18" charset="0"/>
+                                      </a:rPr>
+                                    </m:ctrlPr>
+                                  </m:sSubPr>
+                                  <m:e>
+                                    <m:r>
+                                      <a:rPr lang="pt-BR" i="1">
+                                        <a:latin typeface="Cambria Math" panose="02040503050406030204" pitchFamily="18" charset="0"/>
+                                      </a:rPr>
+                                      <m:t>𝑥</m:t>
+                                    </m:r>
+                                  </m:e>
+                                  <m:sub>
+                                    <m:r>
+                                      <a:rPr lang="pt-BR" i="1">
+                                        <a:latin typeface="Cambria Math" panose="02040503050406030204" pitchFamily="18" charset="0"/>
+                                      </a:rPr>
+                                      <m:t>2</m:t>
+                                    </m:r>
+                                  </m:sub>
+                                </m:sSub>
+                              </m:e>
+                            </m:mr>
+                            <m:mr>
+                              <m:e>
+                                <m:r>
+                                  <a:rPr lang="pt-BR" i="1">
+                                    <a:latin typeface="Cambria Math" panose="02040503050406030204" pitchFamily="18" charset="0"/>
+                                  </a:rPr>
+                                  <m:t>1</m:t>
+                                </m:r>
+                              </m:e>
+                            </m:mr>
+                          </m:m>
+                        </m:e>
+                      </m:d>
+                      <m:r>
+                        <a:rPr lang="pt-BR" b="0" i="1" smtClean="0">
+                          <a:latin typeface="Cambria Math" panose="02040503050406030204" pitchFamily="18" charset="0"/>
+                        </a:rPr>
+                        <m:t>=</m:t>
+                      </m:r>
+                      <m:sSup>
+                        <m:sSupPr>
+                          <m:ctrlPr>
+                            <a:rPr lang="pt-BR" i="1">
+                              <a:latin typeface="Cambria Math" panose="02040503050406030204" pitchFamily="18" charset="0"/>
+                            </a:rPr>
+                          </m:ctrlPr>
+                        </m:sSupPr>
+                        <m:e>
+                          <m:r>
+                            <a:rPr lang="pt-BR" i="1">
+                              <a:latin typeface="Cambria Math" panose="02040503050406030204" pitchFamily="18" charset="0"/>
+                              <a:ea typeface="Cambria Math" panose="02040503050406030204" pitchFamily="18" charset="0"/>
+                            </a:rPr>
+                            <m:t>𝛿</m:t>
+                          </m:r>
+                        </m:e>
+                        <m:sup>
+                          <m:r>
+                            <a:rPr lang="pt-BR" i="1">
+                              <a:latin typeface="Cambria Math" panose="02040503050406030204" pitchFamily="18" charset="0"/>
+                            </a:rPr>
+                            <m:t>2</m:t>
+                          </m:r>
+                        </m:sup>
+                      </m:sSup>
+                      <m:sSubSup>
+                        <m:sSubSupPr>
+                          <m:ctrlPr>
+                            <a:rPr lang="pt-BR" i="1">
+                              <a:latin typeface="Cambria Math" panose="02040503050406030204" pitchFamily="18" charset="0"/>
+                            </a:rPr>
+                          </m:ctrlPr>
+                        </m:sSubSupPr>
+                        <m:e>
+                          <m:r>
+                            <a:rPr lang="pt-BR" i="1">
+                              <a:latin typeface="Cambria Math" panose="02040503050406030204" pitchFamily="18" charset="0"/>
+                            </a:rPr>
+                            <m:t>𝑤</m:t>
+                          </m:r>
+                        </m:e>
+                        <m:sub>
+                          <m:r>
+                            <a:rPr lang="pt-BR" i="1">
+                              <a:latin typeface="Cambria Math" panose="02040503050406030204" pitchFamily="18" charset="0"/>
+                            </a:rPr>
+                            <m:t>1,1</m:t>
+                          </m:r>
+                        </m:sub>
+                        <m:sup>
+                          <m:r>
+                            <a:rPr lang="pt-BR" i="1">
+                              <a:latin typeface="Cambria Math" panose="02040503050406030204" pitchFamily="18" charset="0"/>
+                            </a:rPr>
+                            <m:t>2</m:t>
+                          </m:r>
+                        </m:sup>
+                      </m:sSubSup>
+                      <m:sSup>
+                        <m:sSupPr>
+                          <m:ctrlPr>
+                            <a:rPr lang="pt-BR" i="1">
+                              <a:latin typeface="Cambria Math" panose="02040503050406030204" pitchFamily="18" charset="0"/>
+                            </a:rPr>
+                          </m:ctrlPr>
+                        </m:sSupPr>
+                        <m:e>
+                          <m:r>
+                            <a:rPr lang="pt-BR" i="1">
+                              <a:latin typeface="Cambria Math" panose="02040503050406030204" pitchFamily="18" charset="0"/>
+                            </a:rPr>
+                            <m:t>𝑓</m:t>
+                          </m:r>
+                        </m:e>
+                        <m:sup>
+                          <m:r>
+                            <a:rPr lang="pt-BR" i="1">
+                              <a:latin typeface="Cambria Math" panose="02040503050406030204" pitchFamily="18" charset="0"/>
+                            </a:rPr>
+                            <m:t>′1</m:t>
+                          </m:r>
+                        </m:sup>
+                      </m:sSup>
+                      <m:d>
+                        <m:dPr>
+                          <m:ctrlPr>
+                            <a:rPr lang="pt-BR" i="1">
+                              <a:latin typeface="Cambria Math" panose="02040503050406030204" pitchFamily="18" charset="0"/>
+                            </a:rPr>
+                          </m:ctrlPr>
+                        </m:dPr>
+                        <m:e>
+                          <m:sSubSup>
+                            <m:sSubSupPr>
+                              <m:ctrlPr>
+                                <a:rPr lang="pt-BR" i="1">
+                                  <a:latin typeface="Cambria Math" panose="02040503050406030204" pitchFamily="18" charset="0"/>
+                                </a:rPr>
+                              </m:ctrlPr>
+                            </m:sSubSupPr>
+                            <m:e>
+                              <m:r>
+                                <a:rPr lang="pt-BR" i="1">
+                                  <a:latin typeface="Cambria Math" panose="02040503050406030204" pitchFamily="18" charset="0"/>
+                                </a:rPr>
+                                <m:t>𝑢</m:t>
+                              </m:r>
+                            </m:e>
+                            <m:sub>
+                              <m:r>
+                                <a:rPr lang="pt-BR" i="1">
+                                  <a:latin typeface="Cambria Math" panose="02040503050406030204" pitchFamily="18" charset="0"/>
+                                </a:rPr>
+                                <m:t>1</m:t>
+                              </m:r>
+                            </m:sub>
+                            <m:sup>
+                              <m:r>
+                                <a:rPr lang="pt-BR" i="1">
+                                  <a:latin typeface="Cambria Math" panose="02040503050406030204" pitchFamily="18" charset="0"/>
+                                </a:rPr>
+                                <m:t>1</m:t>
+                              </m:r>
+                            </m:sup>
+                          </m:sSubSup>
+                        </m:e>
+                      </m:d>
+                      <m:d>
+                        <m:dPr>
+                          <m:begChr m:val="["/>
+                          <m:endChr m:val="]"/>
+                          <m:ctrlPr>
+                            <a:rPr lang="pt-BR" i="1">
+                              <a:latin typeface="Cambria Math" panose="02040503050406030204" pitchFamily="18" charset="0"/>
+                            </a:rPr>
+                          </m:ctrlPr>
+                        </m:dPr>
+                        <m:e>
+                          <m:m>
+                            <m:mPr>
+                              <m:mcs>
+                                <m:mc>
+                                  <m:mcPr>
+                                    <m:count m:val="1"/>
+                                    <m:mcJc m:val="center"/>
+                                  </m:mcPr>
+                                </m:mc>
+                              </m:mcs>
+                              <m:ctrlPr>
+                                <a:rPr lang="pt-BR" i="1">
+                                  <a:latin typeface="Cambria Math" panose="02040503050406030204" pitchFamily="18" charset="0"/>
+                                </a:rPr>
+                              </m:ctrlPr>
+                            </m:mPr>
+                            <m:mr>
+                              <m:e>
+                                <m:sSub>
+                                  <m:sSubPr>
+                                    <m:ctrlPr>
+                                      <a:rPr lang="pt-BR" i="1">
+                                        <a:latin typeface="Cambria Math" panose="02040503050406030204" pitchFamily="18" charset="0"/>
+                                      </a:rPr>
+                                    </m:ctrlPr>
+                                  </m:sSubPr>
+                                  <m:e>
+                                    <m:r>
+                                      <a:rPr lang="pt-BR" i="1">
+                                        <a:latin typeface="Cambria Math" panose="02040503050406030204" pitchFamily="18" charset="0"/>
+                                      </a:rPr>
+                                      <m:t>𝑥</m:t>
+                                    </m:r>
+                                  </m:e>
+                                  <m:sub>
+                                    <m:r>
+                                      <a:rPr lang="pt-BR" i="1">
+                                        <a:latin typeface="Cambria Math" panose="02040503050406030204" pitchFamily="18" charset="0"/>
+                                      </a:rPr>
+                                      <m:t>1</m:t>
+                                    </m:r>
+                                  </m:sub>
+                                </m:sSub>
+                              </m:e>
+                            </m:mr>
+                            <m:mr>
+                              <m:e>
+                                <m:sSub>
+                                  <m:sSubPr>
+                                    <m:ctrlPr>
+                                      <a:rPr lang="pt-BR" i="1">
+                                        <a:latin typeface="Cambria Math" panose="02040503050406030204" pitchFamily="18" charset="0"/>
+                                      </a:rPr>
+                                    </m:ctrlPr>
+                                  </m:sSubPr>
+                                  <m:e>
+                                    <m:r>
+                                      <a:rPr lang="pt-BR" i="1">
+                                        <a:latin typeface="Cambria Math" panose="02040503050406030204" pitchFamily="18" charset="0"/>
+                                      </a:rPr>
+                                      <m:t>𝑥</m:t>
+                                    </m:r>
+                                  </m:e>
+                                  <m:sub>
+                                    <m:r>
+                                      <a:rPr lang="pt-BR" i="1">
+                                        <a:latin typeface="Cambria Math" panose="02040503050406030204" pitchFamily="18" charset="0"/>
+                                      </a:rPr>
+                                      <m:t>2</m:t>
+                                    </m:r>
+                                  </m:sub>
+                                </m:sSub>
+                              </m:e>
+                            </m:mr>
+                            <m:mr>
+                              <m:e>
+                                <m:r>
+                                  <a:rPr lang="pt-BR" i="1">
+                                    <a:latin typeface="Cambria Math" panose="02040503050406030204" pitchFamily="18" charset="0"/>
+                                  </a:rPr>
+                                  <m:t>1</m:t>
+                                </m:r>
+                              </m:e>
+                            </m:mr>
+                          </m:m>
+                        </m:e>
+                      </m:d>
+                      <m:r>
+                        <a:rPr lang="pt-BR" b="0" i="1" smtClean="0">
+                          <a:latin typeface="Cambria Math" panose="02040503050406030204" pitchFamily="18" charset="0"/>
+                        </a:rPr>
+                        <m:t>=</m:t>
+                      </m:r>
                       <m:r>
                         <a:rPr lang="pt-BR" i="1">
                           <a:latin typeface="Cambria Math" panose="02040503050406030204" pitchFamily="18" charset="0"/>
@@ -23880,7 +24416,7 @@
             </p:txBody>
           </p:sp>
         </mc:Choice>
-        <mc:Fallback xmlns="">
+        <mc:Fallback>
           <p:sp>
             <p:nvSpPr>
               <p:cNvPr id="3" name="Content Placeholder 2"/>
@@ -23899,7 +24435,7 @@
               <a:blipFill rotWithShape="0">
                 <a:blip r:embed="rId2"/>
                 <a:stretch>
-                  <a:fillRect l="-876" t="-2714"/>
+                  <a:fillRect l="-767" t="-2063"/>
                 </a:stretch>
               </a:blipFill>
             </p:spPr>
@@ -23926,8 +24462,8 @@
         </p:nvSpPr>
         <p:spPr>
           <a:xfrm>
-            <a:off x="9593943" y="3736605"/>
-            <a:ext cx="2598057" cy="830997"/>
+            <a:off x="3992445" y="5912569"/>
+            <a:ext cx="1583407" cy="830997"/>
           </a:xfrm>
           <a:prstGeom prst="rect">
             <a:avLst/>
@@ -23941,15 +24477,15 @@
           <a:p>
             <a:pPr algn="ctr"/>
             <a:r>
-              <a:rPr lang="pt-BR" sz="1600" dirty="0"/>
+              <a:rPr lang="pt-BR" sz="1200" dirty="0"/>
               <a:t>Os pesos de </a:t>
             </a:r>
             <a:r>
-              <a:rPr lang="pt-BR" sz="1600" b="1" i="1" dirty="0"/>
+              <a:rPr lang="pt-BR" sz="1200" b="1" i="1" dirty="0"/>
               <a:t>bias</a:t>
             </a:r>
             <a:r>
-              <a:rPr lang="pt-BR" sz="1600" dirty="0"/>
+              <a:rPr lang="pt-BR" sz="1200" dirty="0"/>
               <a:t> estão ligados a entradas com valores constantes iguais a 1.</a:t>
             </a:r>
           </a:p>
@@ -23962,9 +24498,9 @@
           <p:nvPr/>
         </p:nvCxnSpPr>
         <p:spPr>
-          <a:xfrm flipH="1">
-            <a:off x="9347200" y="4567602"/>
-            <a:ext cx="1545771" cy="1092969"/>
+          <a:xfrm flipH="1" flipV="1">
+            <a:off x="3389243" y="5665304"/>
+            <a:ext cx="745436" cy="646044"/>
           </a:xfrm>
           <a:prstGeom prst="straightConnector1">
             <a:avLst/>
@@ -24043,8 +24579,8 @@
           </a:p>
         </p:txBody>
       </p:sp>
-      <mc:AlternateContent xmlns:mc="http://schemas.openxmlformats.org/markup-compatibility/2006" xmlns:a14="http://schemas.microsoft.com/office/drawing/2010/main">
-        <mc:Choice Requires="a14">
+      <mc:AlternateContent xmlns:mc="http://schemas.openxmlformats.org/markup-compatibility/2006">
+        <mc:Choice xmlns:a14="http://schemas.microsoft.com/office/drawing/2010/main" Requires="a14">
           <p:sp>
             <p:nvSpPr>
               <p:cNvPr id="3" name="Content Placeholder 2"/>
@@ -25038,10 +25574,10 @@
                 <a:endParaRPr lang="pt-BR" sz="2200" dirty="0"/>
               </a:p>
               <a:p>
-                <a:pPr marL="0" indent="0">
-                  <a:buNone/>
-                </a:pPr>
-                <a:endParaRPr lang="pt-BR" sz="2200" dirty="0"/>
+                <a:r>
+                  <a:rPr lang="pt-BR" dirty="0" smtClean="0"/>
+                  <a:t>Resolvendo as derivadas parciais, temos</a:t>
+                </a:r>
               </a:p>
               <a:p>
                 <a:pPr marL="0" indent="0">
@@ -25135,76 +25671,73 @@
                         </m:den>
                       </m:f>
                       <m:r>
-                        <a:rPr lang="pt-BR" sz="2200" b="0" i="1" smtClean="0">
+                        <a:rPr lang="pt-BR" sz="2200" i="1">
                           <a:latin typeface="Cambria Math" panose="02040503050406030204" pitchFamily="18" charset="0"/>
                         </a:rPr>
                         <m:t>=</m:t>
                       </m:r>
-                      <m:sSubSup>
-                        <m:sSubSupPr>
+                      <m:r>
+                        <a:rPr lang="pt-BR" sz="2200" i="1">
+                          <a:latin typeface="Cambria Math" panose="02040503050406030204" pitchFamily="18" charset="0"/>
+                        </a:rPr>
+                        <m:t>−2</m:t>
+                      </m:r>
+                      <m:d>
+                        <m:dPr>
                           <m:ctrlPr>
                             <a:rPr lang="pt-BR" sz="2200" i="1">
                               <a:latin typeface="Cambria Math" panose="02040503050406030204" pitchFamily="18" charset="0"/>
                             </a:rPr>
                           </m:ctrlPr>
-                        </m:sSubSupPr>
-                        <m:e>
-                          <m:r>
-                            <a:rPr lang="pt-BR" sz="2200" i="1">
-                              <a:latin typeface="Cambria Math" panose="02040503050406030204" pitchFamily="18" charset="0"/>
-                              <a:ea typeface="Cambria Math" panose="02040503050406030204" pitchFamily="18" charset="0"/>
-                            </a:rPr>
-                            <m:t>𝛿</m:t>
-                          </m:r>
-                        </m:e>
-                        <m:sub>
-                          <m:r>
-                            <a:rPr lang="pt-BR" sz="2200" i="1">
-                              <a:latin typeface="Cambria Math" panose="02040503050406030204" pitchFamily="18" charset="0"/>
-                            </a:rPr>
-                            <m:t>1</m:t>
-                          </m:r>
-                        </m:sub>
-                        <m:sup>
-                          <m:r>
-                            <a:rPr lang="pt-BR" sz="2200" i="1">
-                              <a:latin typeface="Cambria Math" panose="02040503050406030204" pitchFamily="18" charset="0"/>
-                            </a:rPr>
-                            <m:t>1</m:t>
-                          </m:r>
-                        </m:sup>
-                      </m:sSubSup>
-                      <m:sSub>
-                        <m:sSubPr>
-                          <m:ctrlPr>
-                            <a:rPr lang="pt-BR" sz="2200" i="1">
-                              <a:latin typeface="Cambria Math" panose="02040503050406030204" pitchFamily="18" charset="0"/>
-                            </a:rPr>
-                          </m:ctrlPr>
-                        </m:sSubPr>
+                        </m:dPr>
                         <m:e>
                           <m:r>
                             <a:rPr lang="pt-BR" sz="2200" i="1">
                               <a:latin typeface="Cambria Math" panose="02040503050406030204" pitchFamily="18" charset="0"/>
                             </a:rPr>
-                            <m:t>𝑥</m:t>
+                            <m:t>𝑑</m:t>
                           </m:r>
-                        </m:e>
-                        <m:sub>
                           <m:r>
                             <a:rPr lang="pt-BR" sz="2200" i="1">
                               <a:latin typeface="Cambria Math" panose="02040503050406030204" pitchFamily="18" charset="0"/>
                             </a:rPr>
-                            <m:t>1</m:t>
+                            <m:t>−</m:t>
                           </m:r>
-                        </m:sub>
-                      </m:sSub>
-                      <m:r>
-                        <a:rPr lang="pt-BR" sz="2200" b="0" i="1" smtClean="0">
-                          <a:latin typeface="Cambria Math" panose="02040503050406030204" pitchFamily="18" charset="0"/>
-                        </a:rPr>
-                        <m:t>=</m:t>
-                      </m:r>
+                          <m:sSubSup>
+                            <m:sSubSupPr>
+                              <m:ctrlPr>
+                                <a:rPr lang="pt-BR" sz="2200" i="1">
+                                  <a:latin typeface="Cambria Math" panose="02040503050406030204" pitchFamily="18" charset="0"/>
+                                </a:rPr>
+                              </m:ctrlPr>
+                            </m:sSubSupPr>
+                            <m:e>
+                              <m:r>
+                                <a:rPr lang="pt-BR" sz="2200" i="1">
+                                  <a:latin typeface="Cambria Math" panose="02040503050406030204" pitchFamily="18" charset="0"/>
+                                </a:rPr>
+                                <m:t>𝑦</m:t>
+                              </m:r>
+                            </m:e>
+                            <m:sub>
+                              <m:r>
+                                <a:rPr lang="pt-BR" sz="2200" i="1">
+                                  <a:latin typeface="Cambria Math" panose="02040503050406030204" pitchFamily="18" charset="0"/>
+                                </a:rPr>
+                                <m:t>1</m:t>
+                              </m:r>
+                            </m:sub>
+                            <m:sup>
+                              <m:r>
+                                <a:rPr lang="pt-BR" sz="2200" i="1">
+                                  <a:latin typeface="Cambria Math" panose="02040503050406030204" pitchFamily="18" charset="0"/>
+                                </a:rPr>
+                                <m:t>2</m:t>
+                              </m:r>
+                            </m:sup>
+                          </m:sSubSup>
+                        </m:e>
+                      </m:d>
                       <m:sSup>
                         <m:sSupPr>
                           <m:ctrlPr>
@@ -25214,13 +25747,31 @@
                           </m:ctrlPr>
                         </m:sSupPr>
                         <m:e>
-                          <m:r>
-                            <a:rPr lang="pt-BR" sz="2200" i="1">
-                              <a:latin typeface="Cambria Math" panose="02040503050406030204" pitchFamily="18" charset="0"/>
-                              <a:ea typeface="Cambria Math" panose="02040503050406030204" pitchFamily="18" charset="0"/>
-                            </a:rPr>
-                            <m:t>𝛿</m:t>
-                          </m:r>
+                          <m:sSup>
+                            <m:sSupPr>
+                              <m:ctrlPr>
+                                <a:rPr lang="pt-BR" sz="2200" i="1">
+                                  <a:latin typeface="Cambria Math" panose="02040503050406030204" pitchFamily="18" charset="0"/>
+                                </a:rPr>
+                              </m:ctrlPr>
+                            </m:sSupPr>
+                            <m:e>
+                              <m:r>
+                                <a:rPr lang="pt-BR" sz="2200" i="1">
+                                  <a:latin typeface="Cambria Math" panose="02040503050406030204" pitchFamily="18" charset="0"/>
+                                </a:rPr>
+                                <m:t>𝑓</m:t>
+                              </m:r>
+                            </m:e>
+                            <m:sup>
+                              <m:r>
+                                <a:rPr lang="pt-BR" sz="2200" i="1">
+                                  <a:latin typeface="Cambria Math" panose="02040503050406030204" pitchFamily="18" charset="0"/>
+                                </a:rPr>
+                                <m:t>′</m:t>
+                              </m:r>
+                            </m:sup>
+                          </m:sSup>
                         </m:e>
                         <m:sup>
                           <m:r>
@@ -25231,6 +25782,50 @@
                           </m:r>
                         </m:sup>
                       </m:sSup>
+                      <m:d>
+                        <m:dPr>
+                          <m:ctrlPr>
+                            <a:rPr lang="pt-BR" sz="2200" i="1">
+                              <a:latin typeface="Cambria Math" panose="02040503050406030204" pitchFamily="18" charset="0"/>
+                            </a:rPr>
+                          </m:ctrlPr>
+                        </m:dPr>
+                        <m:e>
+                          <m:sSubSup>
+                            <m:sSubSupPr>
+                              <m:ctrlPr>
+                                <a:rPr lang="pt-BR" sz="2200" i="1">
+                                  <a:latin typeface="Cambria Math" panose="02040503050406030204" pitchFamily="18" charset="0"/>
+                                </a:rPr>
+                              </m:ctrlPr>
+                            </m:sSubSupPr>
+                            <m:e>
+                              <m:r>
+                                <a:rPr lang="pt-BR" sz="2200" i="1">
+                                  <a:latin typeface="Cambria Math" panose="02040503050406030204" pitchFamily="18" charset="0"/>
+                                </a:rPr>
+                                <m:t>𝑢</m:t>
+                              </m:r>
+                            </m:e>
+                            <m:sub>
+                              <m:r>
+                                <a:rPr lang="pt-BR" sz="2200" i="1">
+                                  <a:latin typeface="Cambria Math" panose="02040503050406030204" pitchFamily="18" charset="0"/>
+                                </a:rPr>
+                                <m:t>1</m:t>
+                              </m:r>
+                            </m:sub>
+                            <m:sup>
+                              <m:r>
+                                <a:rPr lang="pt-BR" sz="2200" i="1">
+                                  <a:latin typeface="Cambria Math" panose="02040503050406030204" pitchFamily="18" charset="0"/>
+                                </a:rPr>
+                                <m:t>2</m:t>
+                              </m:r>
+                            </m:sup>
+                          </m:sSubSup>
+                        </m:e>
+                      </m:d>
                       <m:sSubSup>
                         <m:sSubSupPr>
                           <m:ctrlPr>
@@ -25361,317 +25956,26 @@
                     </m:oMath>
                   </m:oMathPara>
                 </a14:m>
-                <a:endParaRPr lang="pt-BR" sz="2200" i="1" dirty="0">
-                  <a:latin typeface="Cambria Math" panose="02040503050406030204" pitchFamily="18" charset="0"/>
-                </a:endParaRPr>
+                <a:endParaRPr lang="pt-BR" sz="2200" dirty="0" smtClean="0"/>
               </a:p>
               <a:p>
                 <a:pPr marL="0" indent="0">
                   <a:buNone/>
                 </a:pPr>
-                <a:r>
-                  <a:rPr lang="pt-BR" sz="2200" b="0" dirty="0"/>
-                  <a:t>           </a:t>
-                </a:r>
-                <a14:m>
-                  <m:oMath xmlns:m="http://schemas.openxmlformats.org/officeDocument/2006/math">
-                    <m:r>
-                      <a:rPr lang="pt-BR" sz="2200" b="0" i="0" smtClean="0">
-                        <a:latin typeface="Cambria Math" panose="02040503050406030204" pitchFamily="18" charset="0"/>
-                      </a:rPr>
-                      <m:t>                             </m:t>
-                    </m:r>
-                    <m:r>
-                      <a:rPr lang="pt-BR" sz="2200" b="0" i="1" smtClean="0">
-                        <a:latin typeface="Cambria Math" panose="02040503050406030204" pitchFamily="18" charset="0"/>
-                      </a:rPr>
-                      <m:t>=</m:t>
-                    </m:r>
-                    <m:r>
-                      <a:rPr lang="pt-BR" sz="2200" i="1">
-                        <a:latin typeface="Cambria Math" panose="02040503050406030204" pitchFamily="18" charset="0"/>
-                      </a:rPr>
-                      <m:t>−2</m:t>
-                    </m:r>
-                    <m:d>
-                      <m:dPr>
-                        <m:ctrlPr>
-                          <a:rPr lang="pt-BR" sz="2200" i="1">
-                            <a:latin typeface="Cambria Math" panose="02040503050406030204" pitchFamily="18" charset="0"/>
-                          </a:rPr>
-                        </m:ctrlPr>
-                      </m:dPr>
-                      <m:e>
-                        <m:r>
-                          <a:rPr lang="pt-BR" sz="2200" i="1">
-                            <a:latin typeface="Cambria Math" panose="02040503050406030204" pitchFamily="18" charset="0"/>
-                          </a:rPr>
-                          <m:t>𝑑</m:t>
-                        </m:r>
-                        <m:r>
-                          <a:rPr lang="pt-BR" sz="2200" i="1">
-                            <a:latin typeface="Cambria Math" panose="02040503050406030204" pitchFamily="18" charset="0"/>
-                          </a:rPr>
-                          <m:t>−</m:t>
-                        </m:r>
-                        <m:sSubSup>
-                          <m:sSubSupPr>
-                            <m:ctrlPr>
-                              <a:rPr lang="pt-BR" sz="2200" i="1">
-                                <a:latin typeface="Cambria Math" panose="02040503050406030204" pitchFamily="18" charset="0"/>
-                              </a:rPr>
-                            </m:ctrlPr>
-                          </m:sSubSupPr>
-                          <m:e>
-                            <m:r>
-                              <a:rPr lang="pt-BR" sz="2200" i="1">
-                                <a:latin typeface="Cambria Math" panose="02040503050406030204" pitchFamily="18" charset="0"/>
-                              </a:rPr>
-                              <m:t>𝑦</m:t>
-                            </m:r>
-                          </m:e>
-                          <m:sub>
-                            <m:r>
-                              <a:rPr lang="pt-BR" sz="2200" i="1">
-                                <a:latin typeface="Cambria Math" panose="02040503050406030204" pitchFamily="18" charset="0"/>
-                              </a:rPr>
-                              <m:t>1</m:t>
-                            </m:r>
-                          </m:sub>
-                          <m:sup>
-                            <m:r>
-                              <a:rPr lang="pt-BR" sz="2200" i="1">
-                                <a:latin typeface="Cambria Math" panose="02040503050406030204" pitchFamily="18" charset="0"/>
-                              </a:rPr>
-                              <m:t>2</m:t>
-                            </m:r>
-                          </m:sup>
-                        </m:sSubSup>
-                      </m:e>
-                    </m:d>
-                    <m:sSup>
-                      <m:sSupPr>
-                        <m:ctrlPr>
-                          <a:rPr lang="pt-BR" sz="2200" i="1">
-                            <a:latin typeface="Cambria Math" panose="02040503050406030204" pitchFamily="18" charset="0"/>
-                          </a:rPr>
-                        </m:ctrlPr>
-                      </m:sSupPr>
-                      <m:e>
-                        <m:sSup>
-                          <m:sSupPr>
-                            <m:ctrlPr>
-                              <a:rPr lang="pt-BR" sz="2200" i="1">
-                                <a:latin typeface="Cambria Math" panose="02040503050406030204" pitchFamily="18" charset="0"/>
-                              </a:rPr>
-                            </m:ctrlPr>
-                          </m:sSupPr>
-                          <m:e>
-                            <m:r>
-                              <a:rPr lang="pt-BR" sz="2200" i="1">
-                                <a:latin typeface="Cambria Math" panose="02040503050406030204" pitchFamily="18" charset="0"/>
-                              </a:rPr>
-                              <m:t>𝑓</m:t>
-                            </m:r>
-                          </m:e>
-                          <m:sup>
-                            <m:r>
-                              <a:rPr lang="pt-BR" sz="2200" i="1">
-                                <a:latin typeface="Cambria Math" panose="02040503050406030204" pitchFamily="18" charset="0"/>
-                              </a:rPr>
-                              <m:t>′</m:t>
-                            </m:r>
-                          </m:sup>
-                        </m:sSup>
-                      </m:e>
-                      <m:sup>
-                        <m:r>
-                          <a:rPr lang="pt-BR" sz="2200" i="1">
-                            <a:latin typeface="Cambria Math" panose="02040503050406030204" pitchFamily="18" charset="0"/>
-                          </a:rPr>
-                          <m:t>2</m:t>
-                        </m:r>
-                      </m:sup>
-                    </m:sSup>
-                    <m:d>
-                      <m:dPr>
-                        <m:ctrlPr>
-                          <a:rPr lang="pt-BR" sz="2200" i="1">
-                            <a:latin typeface="Cambria Math" panose="02040503050406030204" pitchFamily="18" charset="0"/>
-                          </a:rPr>
-                        </m:ctrlPr>
-                      </m:dPr>
-                      <m:e>
-                        <m:sSubSup>
-                          <m:sSubSupPr>
-                            <m:ctrlPr>
-                              <a:rPr lang="pt-BR" sz="2200" i="1">
-                                <a:latin typeface="Cambria Math" panose="02040503050406030204" pitchFamily="18" charset="0"/>
-                              </a:rPr>
-                            </m:ctrlPr>
-                          </m:sSubSupPr>
-                          <m:e>
-                            <m:r>
-                              <a:rPr lang="pt-BR" sz="2200" i="1">
-                                <a:latin typeface="Cambria Math" panose="02040503050406030204" pitchFamily="18" charset="0"/>
-                              </a:rPr>
-                              <m:t>𝑢</m:t>
-                            </m:r>
-                          </m:e>
-                          <m:sub>
-                            <m:r>
-                              <a:rPr lang="pt-BR" sz="2200" i="1">
-                                <a:latin typeface="Cambria Math" panose="02040503050406030204" pitchFamily="18" charset="0"/>
-                              </a:rPr>
-                              <m:t>1</m:t>
-                            </m:r>
-                          </m:sub>
-                          <m:sup>
-                            <m:r>
-                              <a:rPr lang="pt-BR" sz="2200" i="1">
-                                <a:latin typeface="Cambria Math" panose="02040503050406030204" pitchFamily="18" charset="0"/>
-                              </a:rPr>
-                              <m:t>2</m:t>
-                            </m:r>
-                          </m:sup>
-                        </m:sSubSup>
-                      </m:e>
-                    </m:d>
-                    <m:sSubSup>
-                      <m:sSubSupPr>
-                        <m:ctrlPr>
-                          <a:rPr lang="pt-BR" sz="2200" i="1">
-                            <a:latin typeface="Cambria Math" panose="02040503050406030204" pitchFamily="18" charset="0"/>
-                          </a:rPr>
-                        </m:ctrlPr>
-                      </m:sSubSupPr>
-                      <m:e>
-                        <m:r>
-                          <a:rPr lang="pt-BR" sz="2200" i="1">
-                            <a:latin typeface="Cambria Math" panose="02040503050406030204" pitchFamily="18" charset="0"/>
-                          </a:rPr>
-                          <m:t>𝑤</m:t>
-                        </m:r>
-                      </m:e>
-                      <m:sub>
-                        <m:r>
-                          <a:rPr lang="pt-BR" sz="2200" i="1">
-                            <a:latin typeface="Cambria Math" panose="02040503050406030204" pitchFamily="18" charset="0"/>
-                          </a:rPr>
-                          <m:t>1,1</m:t>
-                        </m:r>
-                      </m:sub>
-                      <m:sup>
-                        <m:r>
-                          <a:rPr lang="pt-BR" sz="2200" i="1">
-                            <a:latin typeface="Cambria Math" panose="02040503050406030204" pitchFamily="18" charset="0"/>
-                          </a:rPr>
-                          <m:t>2</m:t>
-                        </m:r>
-                      </m:sup>
-                    </m:sSubSup>
-                    <m:sSup>
-                      <m:sSupPr>
-                        <m:ctrlPr>
-                          <a:rPr lang="pt-BR" sz="2200" i="1">
-                            <a:latin typeface="Cambria Math" panose="02040503050406030204" pitchFamily="18" charset="0"/>
-                          </a:rPr>
-                        </m:ctrlPr>
-                      </m:sSupPr>
-                      <m:e>
-                        <m:r>
-                          <a:rPr lang="pt-BR" sz="2200" i="1">
-                            <a:latin typeface="Cambria Math" panose="02040503050406030204" pitchFamily="18" charset="0"/>
-                          </a:rPr>
-                          <m:t>𝑓</m:t>
-                        </m:r>
-                      </m:e>
-                      <m:sup>
-                        <m:r>
-                          <a:rPr lang="pt-BR" sz="2200" i="1">
-                            <a:latin typeface="Cambria Math" panose="02040503050406030204" pitchFamily="18" charset="0"/>
-                          </a:rPr>
-                          <m:t>′1</m:t>
-                        </m:r>
-                      </m:sup>
-                    </m:sSup>
-                    <m:d>
-                      <m:dPr>
-                        <m:ctrlPr>
-                          <a:rPr lang="pt-BR" sz="2200" i="1">
-                            <a:latin typeface="Cambria Math" panose="02040503050406030204" pitchFamily="18" charset="0"/>
-                          </a:rPr>
-                        </m:ctrlPr>
-                      </m:dPr>
-                      <m:e>
-                        <m:sSubSup>
-                          <m:sSubSupPr>
-                            <m:ctrlPr>
-                              <a:rPr lang="pt-BR" sz="2200" i="1">
-                                <a:latin typeface="Cambria Math" panose="02040503050406030204" pitchFamily="18" charset="0"/>
-                              </a:rPr>
-                            </m:ctrlPr>
-                          </m:sSubSupPr>
-                          <m:e>
-                            <m:r>
-                              <a:rPr lang="pt-BR" sz="2200" i="1">
-                                <a:latin typeface="Cambria Math" panose="02040503050406030204" pitchFamily="18" charset="0"/>
-                              </a:rPr>
-                              <m:t>𝑢</m:t>
-                            </m:r>
-                          </m:e>
-                          <m:sub>
-                            <m:r>
-                              <a:rPr lang="pt-BR" sz="2200" i="1">
-                                <a:latin typeface="Cambria Math" panose="02040503050406030204" pitchFamily="18" charset="0"/>
-                              </a:rPr>
-                              <m:t>1</m:t>
-                            </m:r>
-                          </m:sub>
-                          <m:sup>
-                            <m:r>
-                              <a:rPr lang="pt-BR" sz="2200" i="1">
-                                <a:latin typeface="Cambria Math" panose="02040503050406030204" pitchFamily="18" charset="0"/>
-                              </a:rPr>
-                              <m:t>1</m:t>
-                            </m:r>
-                          </m:sup>
-                        </m:sSubSup>
-                      </m:e>
-                    </m:d>
-                    <m:sSub>
-                      <m:sSubPr>
-                        <m:ctrlPr>
-                          <a:rPr lang="pt-BR" sz="2200" i="1">
-                            <a:latin typeface="Cambria Math" panose="02040503050406030204" pitchFamily="18" charset="0"/>
-                          </a:rPr>
-                        </m:ctrlPr>
-                      </m:sSubPr>
-                      <m:e>
-                        <m:r>
-                          <a:rPr lang="pt-BR" sz="2200" i="1">
-                            <a:latin typeface="Cambria Math" panose="02040503050406030204" pitchFamily="18" charset="0"/>
-                          </a:rPr>
-                          <m:t>𝑥</m:t>
-                        </m:r>
-                      </m:e>
-                      <m:sub>
-                        <m:r>
-                          <a:rPr lang="pt-BR" sz="2200" i="1">
-                            <a:latin typeface="Cambria Math" panose="02040503050406030204" pitchFamily="18" charset="0"/>
-                          </a:rPr>
-                          <m:t>1</m:t>
-                        </m:r>
-                      </m:sub>
-                    </m:sSub>
-                  </m:oMath>
-                </a14:m>
                 <a:endParaRPr lang="pt-BR" sz="2200" dirty="0"/>
+              </a:p>
+              <a:p>
+                <a:pPr marL="0" indent="0">
+                  <a:buNone/>
+                </a:pPr>
+                <a:endParaRPr lang="pt-BR" sz="2200" i="1" dirty="0">
+                  <a:latin typeface="Cambria Math" panose="02040503050406030204" pitchFamily="18" charset="0"/>
+                </a:endParaRPr>
               </a:p>
             </p:txBody>
           </p:sp>
         </mc:Choice>
-        <mc:Fallback xmlns="">
+        <mc:Fallback>
           <p:sp>
             <p:nvSpPr>
               <p:cNvPr id="3" name="Content Placeholder 2"/>
@@ -25711,7 +26015,7 @@
       </mc:AlternateContent>
       <p:pic>
         <p:nvPicPr>
-          <p:cNvPr id="4" name="Picture 3"/>
+          <p:cNvPr id="5" name="Picture 3"/>
           <p:cNvPicPr>
             <a:picLocks noChangeAspect="1"/>
           </p:cNvPicPr>
@@ -28639,7 +28943,19 @@
             <a:pPr lvl="1"/>
             <a:r>
               <a:rPr lang="pt-BR" dirty="0"/>
-              <a:t>Projeto pode ser feito em grupo de no máximo 3 alunos.</a:t>
+              <a:t>Projeto pode ser feito </a:t>
+            </a:r>
+            <a:r>
+              <a:rPr lang="pt-BR"/>
+              <a:t>em </a:t>
+            </a:r>
+            <a:r>
+              <a:rPr lang="pt-BR" smtClean="0"/>
+              <a:t>grupos </a:t>
+            </a:r>
+            <a:r>
+              <a:rPr lang="pt-BR" dirty="0"/>
+              <a:t>de no máximo 3 alunos.</a:t>
             </a:r>
           </a:p>
           <a:p>
@@ -29029,7 +29345,7 @@
           <p:cNvPr id="4" name="Título 1">
             <a:extLst>
               <a:ext uri="{FF2B5EF4-FFF2-40B4-BE49-F238E27FC236}">
-                <a16:creationId xmlns:a16="http://schemas.microsoft.com/office/drawing/2014/main" id="{32666AC8-2E17-4DB4-B0F5-60C640CCFD2E}"/>
+                <a16:creationId xmlns:a16="http://schemas.microsoft.com/office/drawing/2014/main" xmlns="" id="{32666AC8-2E17-4DB4-B0F5-60C640CCFD2E}"/>
               </a:ext>
             </a:extLst>
           </p:cNvPr>
@@ -29388,7 +29704,7 @@
           <p:cNvPr id="4" name="Título 1">
             <a:extLst>
               <a:ext uri="{FF2B5EF4-FFF2-40B4-BE49-F238E27FC236}">
-                <a16:creationId xmlns:a16="http://schemas.microsoft.com/office/drawing/2014/main" id="{32666AC8-2E17-4DB4-B0F5-60C640CCFD2E}"/>
+                <a16:creationId xmlns:a16="http://schemas.microsoft.com/office/drawing/2014/main" xmlns="" id="{32666AC8-2E17-4DB4-B0F5-60C640CCFD2E}"/>
               </a:ext>
             </a:extLst>
           </p:cNvPr>

--- a/slides/T320_Redes_Neurais_Artificiais (Parte III).pptx
+++ b/slides/T320_Redes_Neurais_Artificiais (Parte III).pptx
@@ -8055,7 +8055,7 @@
           <p:cNvPr id="2" name="Título 1">
             <a:extLst>
               <a:ext uri="{FF2B5EF4-FFF2-40B4-BE49-F238E27FC236}">
-                <a16:creationId xmlns:a16="http://schemas.microsoft.com/office/drawing/2014/main" xmlns="" id="{32666AC8-2E17-4DB4-B0F5-60C640CCFD2E}"/>
+                <a16:creationId xmlns="" xmlns:a16="http://schemas.microsoft.com/office/drawing/2014/main" id="{32666AC8-2E17-4DB4-B0F5-60C640CCFD2E}"/>
               </a:ext>
             </a:extLst>
           </p:cNvPr>
@@ -8101,7 +8101,7 @@
           <p:cNvPr id="4" name="CaixaDeTexto 3">
             <a:extLst>
               <a:ext uri="{FF2B5EF4-FFF2-40B4-BE49-F238E27FC236}">
-                <a16:creationId xmlns:a16="http://schemas.microsoft.com/office/drawing/2014/main" xmlns="" id="{430EB894-B7D4-434C-9D1A-A14094D9BEEC}"/>
+                <a16:creationId xmlns="" xmlns:a16="http://schemas.microsoft.com/office/drawing/2014/main" id="{430EB894-B7D4-434C-9D1A-A14094D9BEEC}"/>
               </a:ext>
             </a:extLst>
           </p:cNvPr>
@@ -8142,7 +8142,7 @@
           <p:cNvPr id="1026" name="Picture 2" descr="Logo">
             <a:extLst>
               <a:ext uri="{FF2B5EF4-FFF2-40B4-BE49-F238E27FC236}">
-                <a16:creationId xmlns:a16="http://schemas.microsoft.com/office/drawing/2014/main" xmlns="" id="{3F2642E0-4F6A-4196-8F58-E77D36E9A33F}"/>
+                <a16:creationId xmlns="" xmlns:a16="http://schemas.microsoft.com/office/drawing/2014/main" id="{3F2642E0-4F6A-4196-8F58-E77D36E9A33F}"/>
               </a:ext>
             </a:extLst>
           </p:cNvPr>
@@ -8187,7 +8187,7 @@
           <p:cNvPr id="5122" name="Picture 2" descr="Image result for machine learning">
             <a:extLst>
               <a:ext uri="{FF2B5EF4-FFF2-40B4-BE49-F238E27FC236}">
-                <a16:creationId xmlns:a16="http://schemas.microsoft.com/office/drawing/2014/main" xmlns="" id="{810CE0A2-4102-44A6-A370-175E7896CDCB}"/>
+                <a16:creationId xmlns="" xmlns:a16="http://schemas.microsoft.com/office/drawing/2014/main" id="{810CE0A2-4102-44A6-A370-175E7896CDCB}"/>
               </a:ext>
             </a:extLst>
           </p:cNvPr>
@@ -19168,8 +19168,8 @@
           </a:p>
         </p:txBody>
       </p:sp>
-      <mc:AlternateContent xmlns:mc="http://schemas.openxmlformats.org/markup-compatibility/2006">
-        <mc:Choice xmlns:a14="http://schemas.microsoft.com/office/drawing/2010/main" Requires="a14">
+      <mc:AlternateContent xmlns:mc="http://schemas.openxmlformats.org/markup-compatibility/2006" xmlns:a14="http://schemas.microsoft.com/office/drawing/2010/main">
+        <mc:Choice Requires="a14">
           <p:sp>
             <p:nvSpPr>
               <p:cNvPr id="3" name="Content Placeholder 2"/>
@@ -20500,7 +20500,7 @@
             </p:txBody>
           </p:sp>
         </mc:Choice>
-        <mc:Fallback>
+        <mc:Fallback xmlns="">
           <p:sp>
             <p:nvSpPr>
               <p:cNvPr id="3" name="Content Placeholder 2"/>
@@ -21051,8 +21051,8 @@
           </a:p>
         </p:txBody>
       </p:sp>
-      <mc:AlternateContent xmlns:mc="http://schemas.openxmlformats.org/markup-compatibility/2006">
-        <mc:Choice xmlns:a14="http://schemas.microsoft.com/office/drawing/2010/main" Requires="a14">
+      <mc:AlternateContent xmlns:mc="http://schemas.openxmlformats.org/markup-compatibility/2006" xmlns:a14="http://schemas.microsoft.com/office/drawing/2010/main">
+        <mc:Choice Requires="a14">
           <p:sp>
             <p:nvSpPr>
               <p:cNvPr id="3" name="Content Placeholder 2"/>
@@ -21343,7 +21343,7 @@
             </p:txBody>
           </p:sp>
         </mc:Choice>
-        <mc:Fallback>
+        <mc:Fallback xmlns="">
           <p:sp>
             <p:nvSpPr>
               <p:cNvPr id="3" name="Content Placeholder 2"/>
@@ -21522,8 +21522,8 @@
           </a:p>
         </p:txBody>
       </p:sp>
-      <mc:AlternateContent xmlns:mc="http://schemas.openxmlformats.org/markup-compatibility/2006">
-        <mc:Choice xmlns:a14="http://schemas.microsoft.com/office/drawing/2010/main" Requires="a14">
+      <mc:AlternateContent xmlns:mc="http://schemas.openxmlformats.org/markup-compatibility/2006" xmlns:a14="http://schemas.microsoft.com/office/drawing/2010/main">
+        <mc:Choice Requires="a14">
           <p:sp>
             <p:nvSpPr>
               <p:cNvPr id="3" name="Content Placeholder 2"/>
@@ -21695,11 +21695,7 @@
                 </a:r>
                 <a:r>
                   <a:rPr lang="pt-BR" dirty="0" smtClean="0"/>
-                  <a:t>a sensibilidade </a:t>
-                </a:r>
-                <a:r>
-                  <a:rPr lang="pt-BR" dirty="0" smtClean="0"/>
-                  <a:t>do </a:t>
+                  <a:t>a sensibilidade do </a:t>
                 </a:r>
                 <a:r>
                   <a:rPr lang="pt-BR" b="1" i="1" dirty="0"/>
@@ -22579,7 +22575,7 @@
             </p:txBody>
           </p:sp>
         </mc:Choice>
-        <mc:Fallback>
+        <mc:Fallback xmlns="">
           <p:sp>
             <p:nvSpPr>
               <p:cNvPr id="3" name="Content Placeholder 2"/>
@@ -22802,8 +22798,8 @@
           </a:p>
         </p:txBody>
       </p:sp>
-      <mc:AlternateContent xmlns:mc="http://schemas.openxmlformats.org/markup-compatibility/2006">
-        <mc:Choice xmlns:a14="http://schemas.microsoft.com/office/drawing/2010/main" Requires="a14">
+      <mc:AlternateContent xmlns:mc="http://schemas.openxmlformats.org/markup-compatibility/2006" xmlns:a14="http://schemas.microsoft.com/office/drawing/2010/main">
+        <mc:Choice Requires="a14">
           <p:sp>
             <p:nvSpPr>
               <p:cNvPr id="3" name="Content Placeholder 2"/>
@@ -24416,7 +24412,7 @@
             </p:txBody>
           </p:sp>
         </mc:Choice>
-        <mc:Fallback>
+        <mc:Fallback xmlns="">
           <p:sp>
             <p:nvSpPr>
               <p:cNvPr id="3" name="Content Placeholder 2"/>
@@ -24579,8 +24575,8 @@
           </a:p>
         </p:txBody>
       </p:sp>
-      <mc:AlternateContent xmlns:mc="http://schemas.openxmlformats.org/markup-compatibility/2006">
-        <mc:Choice xmlns:a14="http://schemas.microsoft.com/office/drawing/2010/main" Requires="a14">
+      <mc:AlternateContent xmlns:mc="http://schemas.openxmlformats.org/markup-compatibility/2006" xmlns:a14="http://schemas.microsoft.com/office/drawing/2010/main">
+        <mc:Choice Requires="a14">
           <p:sp>
             <p:nvSpPr>
               <p:cNvPr id="3" name="Content Placeholder 2"/>
@@ -25674,13 +25670,7 @@
                         <a:rPr lang="pt-BR" sz="2200" i="1">
                           <a:latin typeface="Cambria Math" panose="02040503050406030204" pitchFamily="18" charset="0"/>
                         </a:rPr>
-                        <m:t>=</m:t>
-                      </m:r>
-                      <m:r>
-                        <a:rPr lang="pt-BR" sz="2200" i="1">
-                          <a:latin typeface="Cambria Math" panose="02040503050406030204" pitchFamily="18" charset="0"/>
-                        </a:rPr>
-                        <m:t>−2</m:t>
+                        <m:t>=−2</m:t>
                       </m:r>
                       <m:d>
                         <m:dPr>
@@ -25975,7 +25965,7 @@
             </p:txBody>
           </p:sp>
         </mc:Choice>
-        <mc:Fallback>
+        <mc:Fallback xmlns="">
           <p:sp>
             <p:nvSpPr>
               <p:cNvPr id="3" name="Content Placeholder 2"/>
@@ -29345,7 +29335,7 @@
           <p:cNvPr id="4" name="Título 1">
             <a:extLst>
               <a:ext uri="{FF2B5EF4-FFF2-40B4-BE49-F238E27FC236}">
-                <a16:creationId xmlns:a16="http://schemas.microsoft.com/office/drawing/2014/main" xmlns="" id="{32666AC8-2E17-4DB4-B0F5-60C640CCFD2E}"/>
+                <a16:creationId xmlns="" xmlns:a16="http://schemas.microsoft.com/office/drawing/2014/main" id="{32666AC8-2E17-4DB4-B0F5-60C640CCFD2E}"/>
               </a:ext>
             </a:extLst>
           </p:cNvPr>
@@ -29704,7 +29694,7 @@
           <p:cNvPr id="4" name="Título 1">
             <a:extLst>
               <a:ext uri="{FF2B5EF4-FFF2-40B4-BE49-F238E27FC236}">
-                <a16:creationId xmlns:a16="http://schemas.microsoft.com/office/drawing/2014/main" xmlns="" id="{32666AC8-2E17-4DB4-B0F5-60C640CCFD2E}"/>
+                <a16:creationId xmlns="" xmlns:a16="http://schemas.microsoft.com/office/drawing/2014/main" id="{32666AC8-2E17-4DB4-B0F5-60C640CCFD2E}"/>
               </a:ext>
             </a:extLst>
           </p:cNvPr>
